--- a/小白学算法系列.pptx
+++ b/小白学算法系列.pptx
@@ -16,8 +16,6 @@
     <p:sldId id="267" r:id="rId9"/>
     <p:sldId id="260" r:id="rId10"/>
     <p:sldId id="265" r:id="rId11"/>
-    <p:sldId id="270" r:id="rId12"/>
-    <p:sldId id="271" r:id="rId13"/>
   </p:sldIdLst>
   <p:sldSz cx="12192000" cy="6858000"/>
   <p:notesSz cx="7103745" cy="10234295"/>
@@ -5343,501 +5341,6 @@
 </p:sld>
 </file>
 
-<file path=ppt/slides/slide10.xml><?xml version="1.0" encoding="utf-8"?>
-<p:sld xmlns:a="http://schemas.openxmlformats.org/drawingml/2006/main" xmlns:r="http://schemas.openxmlformats.org/officeDocument/2006/relationships" xmlns:p="http://schemas.openxmlformats.org/presentationml/2006/main">
-  <p:cSld>
-    <p:bg>
-      <p:bgPr>
-        <a:solidFill>
-          <a:schemeClr val="tx2"/>
-        </a:solidFill>
-        <a:effectLst/>
-      </p:bgPr>
-    </p:bg>
-    <p:spTree>
-      <p:nvGrpSpPr>
-        <p:cNvPr id="1" name=""/>
-        <p:cNvGrpSpPr/>
-        <p:nvPr/>
-      </p:nvGrpSpPr>
-      <p:grpSpPr/>
-      <p:sp>
-        <p:nvSpPr>
-          <p:cNvPr id="6" name="文本框 5"/>
-          <p:cNvSpPr txBox="1"/>
-          <p:nvPr/>
-        </p:nvSpPr>
-        <p:spPr>
-          <a:xfrm>
-            <a:off x="578485" y="1357630"/>
-            <a:ext cx="7976235" cy="5077460"/>
-          </a:xfrm>
-          <a:prstGeom prst="rect">
-            <a:avLst/>
-          </a:prstGeom>
-          <a:noFill/>
-        </p:spPr>
-        <p:txBody>
-          <a:bodyPr wrap="square" rtlCol="0">
-            <a:spAutoFit/>
-          </a:bodyPr>
-          <a:p>
-            <a:pPr algn="l"/>
-            <a:r>
-              <a:rPr lang="en-US" altLang="zh-CN" b="1">
-                <a:solidFill>
-                  <a:schemeClr val="bg1"/>
-                </a:solidFill>
-              </a:rPr>
-              <a:t>    </a:t>
-            </a:r>
-            <a:r>
-              <a:rPr lang="zh-CN" altLang="en-US" b="1">
-                <a:solidFill>
-                  <a:schemeClr val="bg1"/>
-                </a:solidFill>
-              </a:rPr>
-              <a:t>// 前置代码 start</a:t>
-            </a:r>
-            <a:endParaRPr lang="zh-CN" altLang="en-US" b="1">
-              <a:solidFill>
-                <a:schemeClr val="bg1"/>
-              </a:solidFill>
-            </a:endParaRPr>
-          </a:p>
-          <a:p>
-            <a:pPr algn="l"/>
-            <a:r>
-              <a:rPr lang="zh-CN" altLang="en-US" b="1">
-                <a:solidFill>
-                  <a:schemeClr val="bg1"/>
-                </a:solidFill>
-              </a:rPr>
-              <a:t>    var input = [1,3,2]</a:t>
-            </a:r>
-            <a:endParaRPr lang="zh-CN" altLang="en-US" b="1">
-              <a:solidFill>
-                <a:schemeClr val="bg1"/>
-              </a:solidFill>
-            </a:endParaRPr>
-          </a:p>
-          <a:p>
-            <a:pPr algn="l"/>
-            <a:r>
-              <a:rPr lang="zh-CN" altLang="en-US" b="1">
-                <a:solidFill>
-                  <a:schemeClr val="bg1"/>
-                </a:solidFill>
-              </a:rPr>
-              <a:t>    // 前置代码 end</a:t>
-            </a:r>
-            <a:endParaRPr lang="zh-CN" altLang="en-US" b="1">
-              <a:solidFill>
-                <a:schemeClr val="bg1"/>
-              </a:solidFill>
-            </a:endParaRPr>
-          </a:p>
-          <a:p>
-            <a:pPr algn="l"/>
-            <a:endParaRPr lang="zh-CN" altLang="en-US" b="1">
-              <a:solidFill>
-                <a:schemeClr val="bg1"/>
-              </a:solidFill>
-            </a:endParaRPr>
-          </a:p>
-          <a:p>
-            <a:pPr algn="l"/>
-            <a:r>
-              <a:rPr lang="zh-CN" altLang="en-US" b="1">
-                <a:solidFill>
-                  <a:schemeClr val="bg1"/>
-                </a:solidFill>
-              </a:rPr>
-              <a:t>    // 模板 start</a:t>
-            </a:r>
-            <a:endParaRPr lang="zh-CN" altLang="en-US" b="1">
-              <a:solidFill>
-                <a:schemeClr val="bg1"/>
-              </a:solidFill>
-            </a:endParaRPr>
-          </a:p>
-          <a:p>
-            <a:pPr algn="l"/>
-            <a:r>
-              <a:rPr lang="zh-CN" altLang="en-US" b="1">
-                <a:solidFill>
-                  <a:schemeClr val="bg1"/>
-                </a:solidFill>
-              </a:rPr>
-              <a:t>    function maxDepth(root) {</a:t>
-            </a:r>
-            <a:endParaRPr lang="zh-CN" altLang="en-US" b="1">
-              <a:solidFill>
-                <a:schemeClr val="bg1"/>
-              </a:solidFill>
-            </a:endParaRPr>
-          </a:p>
-          <a:p>
-            <a:pPr algn="l"/>
-            <a:r>
-              <a:rPr lang="zh-CN" altLang="en-US" b="1">
-                <a:solidFill>
-                  <a:schemeClr val="bg1"/>
-                </a:solidFill>
-              </a:rPr>
-              <a:t>        // 答案 start</a:t>
-            </a:r>
-            <a:endParaRPr lang="zh-CN" altLang="en-US" b="1">
-              <a:solidFill>
-                <a:schemeClr val="bg1"/>
-              </a:solidFill>
-            </a:endParaRPr>
-          </a:p>
-          <a:p>
-            <a:pPr algn="l"/>
-            <a:r>
-              <a:rPr lang="zh-CN" altLang="en-US" b="1">
-                <a:solidFill>
-                  <a:schemeClr val="bg1"/>
-                </a:solidFill>
-              </a:rPr>
-              <a:t>        if (!root) return 0</a:t>
-            </a:r>
-            <a:endParaRPr lang="zh-CN" altLang="en-US" b="1">
-              <a:solidFill>
-                <a:schemeClr val="bg1"/>
-              </a:solidFill>
-            </a:endParaRPr>
-          </a:p>
-          <a:p>
-            <a:pPr algn="l"/>
-            <a:endParaRPr lang="zh-CN" altLang="en-US" b="1">
-              <a:solidFill>
-                <a:schemeClr val="bg1"/>
-              </a:solidFill>
-            </a:endParaRPr>
-          </a:p>
-          <a:p>
-            <a:pPr algn="l"/>
-            <a:r>
-              <a:rPr lang="zh-CN" altLang="en-US" b="1">
-                <a:solidFill>
-                  <a:schemeClr val="bg1"/>
-                </a:solidFill>
-              </a:rPr>
-              <a:t>        return Math.max(maxDepth(root.left), maxDepth(root.right)) + 1</a:t>
-            </a:r>
-            <a:endParaRPr lang="zh-CN" altLang="en-US" b="1">
-              <a:solidFill>
-                <a:schemeClr val="bg1"/>
-              </a:solidFill>
-            </a:endParaRPr>
-          </a:p>
-          <a:p>
-            <a:pPr algn="l"/>
-            <a:r>
-              <a:rPr lang="zh-CN" altLang="en-US" b="1">
-                <a:solidFill>
-                  <a:schemeClr val="bg1"/>
-                </a:solidFill>
-              </a:rPr>
-              <a:t>        // 答案 end</a:t>
-            </a:r>
-            <a:endParaRPr lang="zh-CN" altLang="en-US" b="1">
-              <a:solidFill>
-                <a:schemeClr val="bg1"/>
-              </a:solidFill>
-            </a:endParaRPr>
-          </a:p>
-          <a:p>
-            <a:pPr algn="l"/>
-            <a:r>
-              <a:rPr lang="zh-CN" altLang="en-US" b="1">
-                <a:solidFill>
-                  <a:schemeClr val="bg1"/>
-                </a:solidFill>
-              </a:rPr>
-              <a:t>        return arr;</a:t>
-            </a:r>
-            <a:endParaRPr lang="zh-CN" altLang="en-US" b="1">
-              <a:solidFill>
-                <a:schemeClr val="bg1"/>
-              </a:solidFill>
-            </a:endParaRPr>
-          </a:p>
-          <a:p>
-            <a:pPr algn="l"/>
-            <a:r>
-              <a:rPr lang="zh-CN" altLang="en-US" b="1">
-                <a:solidFill>
-                  <a:schemeClr val="bg1"/>
-                </a:solidFill>
-              </a:rPr>
-              <a:t>    }</a:t>
-            </a:r>
-            <a:endParaRPr lang="zh-CN" altLang="en-US" b="1">
-              <a:solidFill>
-                <a:schemeClr val="bg1"/>
-              </a:solidFill>
-            </a:endParaRPr>
-          </a:p>
-          <a:p>
-            <a:pPr algn="l"/>
-            <a:r>
-              <a:rPr lang="zh-CN" altLang="en-US" b="1">
-                <a:solidFill>
-                  <a:schemeClr val="bg1"/>
-                </a:solidFill>
-              </a:rPr>
-              <a:t>    // 模板 end</a:t>
-            </a:r>
-            <a:endParaRPr lang="zh-CN" altLang="en-US" b="1">
-              <a:solidFill>
-                <a:schemeClr val="bg1"/>
-              </a:solidFill>
-            </a:endParaRPr>
-          </a:p>
-          <a:p>
-            <a:pPr algn="l"/>
-            <a:endParaRPr lang="zh-CN" altLang="en-US" b="1">
-              <a:solidFill>
-                <a:schemeClr val="bg1"/>
-              </a:solidFill>
-            </a:endParaRPr>
-          </a:p>
-          <a:p>
-            <a:pPr algn="l"/>
-            <a:r>
-              <a:rPr lang="zh-CN" altLang="en-US" b="1">
-                <a:solidFill>
-                  <a:schemeClr val="bg1"/>
-                </a:solidFill>
-              </a:rPr>
-              <a:t>    // 后置代码 start</a:t>
-            </a:r>
-            <a:endParaRPr lang="zh-CN" altLang="en-US" b="1">
-              <a:solidFill>
-                <a:schemeClr val="bg1"/>
-              </a:solidFill>
-            </a:endParaRPr>
-          </a:p>
-          <a:p>
-            <a:pPr algn="l"/>
-            <a:r>
-              <a:rPr lang="zh-CN" altLang="en-US" b="1">
-                <a:solidFill>
-                  <a:schemeClr val="bg1"/>
-                </a:solidFill>
-              </a:rPr>
-              <a:t>    console.log(sort(input))</a:t>
-            </a:r>
-            <a:endParaRPr lang="zh-CN" altLang="en-US" b="1">
-              <a:solidFill>
-                <a:schemeClr val="bg1"/>
-              </a:solidFill>
-            </a:endParaRPr>
-          </a:p>
-          <a:p>
-            <a:pPr algn="l"/>
-            <a:r>
-              <a:rPr lang="zh-CN" altLang="en-US" b="1">
-                <a:solidFill>
-                  <a:schemeClr val="bg1"/>
-                </a:solidFill>
-              </a:rPr>
-              <a:t>    // 后置代码 end</a:t>
-            </a:r>
-            <a:endParaRPr lang="zh-CN" altLang="en-US" b="1">
-              <a:solidFill>
-                <a:schemeClr val="bg1"/>
-              </a:solidFill>
-            </a:endParaRPr>
-          </a:p>
-        </p:txBody>
-      </p:sp>
-      <p:sp>
-        <p:nvSpPr>
-          <p:cNvPr id="14" name="文本框 13"/>
-          <p:cNvSpPr txBox="1"/>
-          <p:nvPr/>
-        </p:nvSpPr>
-        <p:spPr>
-          <a:xfrm>
-            <a:off x="578486" y="419100"/>
-            <a:ext cx="2726055" cy="706755"/>
-          </a:xfrm>
-          <a:prstGeom prst="rect">
-            <a:avLst/>
-          </a:prstGeom>
-          <a:noFill/>
-        </p:spPr>
-        <p:txBody>
-          <a:bodyPr wrap="none" rtlCol="0">
-            <a:spAutoFit/>
-          </a:bodyPr>
-          <a:p>
-            <a:pPr algn="l"/>
-            <a:r>
-              <a:rPr lang="zh-CN" sz="4000" b="1">
-                <a:solidFill>
-                  <a:schemeClr val="bg1"/>
-                </a:solidFill>
-                <a:sym typeface="+mn-ea"/>
-              </a:rPr>
-              <a:t>解析字符串</a:t>
-            </a:r>
-            <a:endParaRPr lang="zh-CN" sz="4000" b="1">
-              <a:solidFill>
-                <a:schemeClr val="bg1"/>
-              </a:solidFill>
-              <a:sym typeface="+mn-ea"/>
-            </a:endParaRPr>
-          </a:p>
-        </p:txBody>
-      </p:sp>
-      <p:sp>
-        <p:nvSpPr>
-          <p:cNvPr id="5" name="文本框 4"/>
-          <p:cNvSpPr txBox="1"/>
-          <p:nvPr/>
-        </p:nvSpPr>
-        <p:spPr>
-          <a:xfrm>
-            <a:off x="7172325" y="1493520"/>
-            <a:ext cx="4768215" cy="1753235"/>
-          </a:xfrm>
-          <a:prstGeom prst="rect">
-            <a:avLst/>
-          </a:prstGeom>
-          <a:noFill/>
-        </p:spPr>
-        <p:txBody>
-          <a:bodyPr wrap="square" rtlCol="0">
-            <a:spAutoFit/>
-          </a:bodyPr>
-          <a:p>
-            <a:r>
-              <a:rPr lang="zh-CN" altLang="en-US" b="1">
-                <a:solidFill>
-                  <a:schemeClr val="bg1"/>
-                </a:solidFill>
-              </a:rPr>
-              <a:t>实现方式：</a:t>
-            </a:r>
-            <a:endParaRPr lang="zh-CN" altLang="en-US" b="1">
-              <a:solidFill>
-                <a:schemeClr val="bg1"/>
-              </a:solidFill>
-            </a:endParaRPr>
-          </a:p>
-          <a:p>
-            <a:r>
-              <a:rPr lang="en-US" altLang="zh-CN" b="1">
-                <a:solidFill>
-                  <a:schemeClr val="bg1"/>
-                </a:solidFill>
-              </a:rPr>
-              <a:t>1</a:t>
-            </a:r>
-            <a:r>
-              <a:rPr lang="zh-CN" altLang="en-US" b="1">
-                <a:solidFill>
-                  <a:schemeClr val="bg1"/>
-                </a:solidFill>
-              </a:rPr>
-              <a:t>、正则</a:t>
-            </a:r>
-            <a:endParaRPr lang="zh-CN" altLang="en-US" b="1">
-              <a:solidFill>
-                <a:schemeClr val="bg1"/>
-              </a:solidFill>
-            </a:endParaRPr>
-          </a:p>
-          <a:p>
-            <a:r>
-              <a:rPr lang="en-US" altLang="zh-CN" b="1">
-                <a:solidFill>
-                  <a:schemeClr val="bg1"/>
-                </a:solidFill>
-              </a:rPr>
-              <a:t>2</a:t>
-            </a:r>
-            <a:r>
-              <a:rPr lang="zh-CN" altLang="en-US" b="1">
-                <a:solidFill>
-                  <a:schemeClr val="bg1"/>
-                </a:solidFill>
-              </a:rPr>
-              <a:t>、</a:t>
-            </a:r>
-            <a:r>
-              <a:rPr lang="en-US" altLang="zh-CN" b="1">
-                <a:solidFill>
-                  <a:schemeClr val="bg1"/>
-                </a:solidFill>
-              </a:rPr>
-              <a:t>if</a:t>
-            </a:r>
-            <a:endParaRPr lang="en-US" altLang="zh-CN" b="1">
-              <a:solidFill>
-                <a:schemeClr val="bg1"/>
-              </a:solidFill>
-            </a:endParaRPr>
-          </a:p>
-          <a:p>
-            <a:r>
-              <a:rPr lang="en-US" altLang="zh-CN" b="1">
-                <a:solidFill>
-                  <a:schemeClr val="bg1"/>
-                </a:solidFill>
-              </a:rPr>
-              <a:t>3</a:t>
-            </a:r>
-            <a:r>
-              <a:rPr lang="zh-CN" altLang="en-US" b="1">
-                <a:solidFill>
-                  <a:schemeClr val="bg1"/>
-                </a:solidFill>
-              </a:rPr>
-              <a:t>、状态机，易于扩展，逻辑清晰，表达力强</a:t>
-            </a:r>
-            <a:endParaRPr lang="zh-CN" altLang="en-US" b="1">
-              <a:solidFill>
-                <a:schemeClr val="bg1"/>
-              </a:solidFill>
-            </a:endParaRPr>
-          </a:p>
-          <a:p>
-            <a:endParaRPr lang="zh-CN" altLang="en-US" b="1">
-              <a:solidFill>
-                <a:schemeClr val="bg1"/>
-              </a:solidFill>
-            </a:endParaRPr>
-          </a:p>
-          <a:p>
-            <a:endParaRPr lang="zh-CN" altLang="en-US" b="1">
-              <a:solidFill>
-                <a:schemeClr val="bg1"/>
-              </a:solidFill>
-            </a:endParaRPr>
-          </a:p>
-        </p:txBody>
-      </p:sp>
-    </p:spTree>
-  </p:cSld>
-  <p:clrMapOvr>
-    <a:masterClrMapping/>
-  </p:clrMapOvr>
-  <p:timing>
-    <p:tnLst>
-      <p:par>
-        <p:cTn id="1" dur="indefinite" restart="never" nodeType="tmRoot"/>
-      </p:par>
-    </p:tnLst>
-  </p:timing>
-</p:sld>
-</file>
-
 <file path=ppt/slides/slide2.xml><?xml version="1.0" encoding="utf-8"?>
 <p:sld xmlns:a="http://schemas.openxmlformats.org/drawingml/2006/main" xmlns:r="http://schemas.openxmlformats.org/officeDocument/2006/relationships" xmlns:p="http://schemas.openxmlformats.org/presentationml/2006/main">
   <p:cSld>
@@ -25671,230 +25174,6 @@
       <p:bldP spid="218" grpId="3" animBg="1"/>
       <p:bldP spid="219" grpId="3" animBg="1"/>
     </p:bldLst>
-  </p:timing>
-</p:sld>
-</file>
-
-<file path=ppt/slides/slide9.xml><?xml version="1.0" encoding="utf-8"?>
-<p:sld xmlns:a="http://schemas.openxmlformats.org/drawingml/2006/main" xmlns:r="http://schemas.openxmlformats.org/officeDocument/2006/relationships" xmlns:p="http://schemas.openxmlformats.org/presentationml/2006/main">
-  <p:cSld>
-    <p:bg>
-      <p:bgPr>
-        <a:solidFill>
-          <a:schemeClr val="tx2"/>
-        </a:solidFill>
-        <a:effectLst/>
-      </p:bgPr>
-    </p:bg>
-    <p:spTree>
-      <p:nvGrpSpPr>
-        <p:cNvPr id="1" name=""/>
-        <p:cNvGrpSpPr/>
-        <p:nvPr/>
-      </p:nvGrpSpPr>
-      <p:grpSpPr/>
-      <p:sp>
-        <p:nvSpPr>
-          <p:cNvPr id="6" name="文本框 5"/>
-          <p:cNvSpPr txBox="1"/>
-          <p:nvPr/>
-        </p:nvSpPr>
-        <p:spPr>
-          <a:xfrm>
-            <a:off x="478155" y="1197610"/>
-            <a:ext cx="11573510" cy="645160"/>
-          </a:xfrm>
-          <a:prstGeom prst="rect">
-            <a:avLst/>
-          </a:prstGeom>
-          <a:noFill/>
-        </p:spPr>
-        <p:txBody>
-          <a:bodyPr wrap="square" rtlCol="0">
-            <a:spAutoFit/>
-          </a:bodyPr>
-          <a:p>
-            <a:pPr algn="l"/>
-            <a:r>
-              <a:rPr lang="zh-CN" altLang="en-US" b="1">
-                <a:solidFill>
-                  <a:schemeClr val="bg1"/>
-                </a:solidFill>
-              </a:rPr>
-              <a:t>定义：有限状态机，（英语：Finite-state machine, FSM），又称有限状态自动机，简称状态机， 是表示有限个状态以及在这些状态之间的转移和动作等行为的数学模型。</a:t>
-            </a:r>
-            <a:endParaRPr lang="zh-CN" altLang="en-US" b="1">
-              <a:solidFill>
-                <a:schemeClr val="bg1"/>
-              </a:solidFill>
-            </a:endParaRPr>
-          </a:p>
-        </p:txBody>
-      </p:sp>
-      <p:sp>
-        <p:nvSpPr>
-          <p:cNvPr id="14" name="文本框 13"/>
-          <p:cNvSpPr txBox="1"/>
-          <p:nvPr/>
-        </p:nvSpPr>
-        <p:spPr>
-          <a:xfrm>
-            <a:off x="578486" y="419100"/>
-            <a:ext cx="2726055" cy="706755"/>
-          </a:xfrm>
-          <a:prstGeom prst="rect">
-            <a:avLst/>
-          </a:prstGeom>
-          <a:noFill/>
-        </p:spPr>
-        <p:txBody>
-          <a:bodyPr wrap="none" rtlCol="0">
-            <a:spAutoFit/>
-          </a:bodyPr>
-          <a:p>
-            <a:pPr algn="l"/>
-            <a:r>
-              <a:rPr lang="zh-CN" sz="4000" b="1">
-                <a:solidFill>
-                  <a:schemeClr val="bg1"/>
-                </a:solidFill>
-                <a:sym typeface="+mn-ea"/>
-              </a:rPr>
-              <a:t>有限状态机</a:t>
-            </a:r>
-            <a:endParaRPr lang="zh-CN" sz="4000" b="1">
-              <a:solidFill>
-                <a:schemeClr val="bg1"/>
-              </a:solidFill>
-              <a:sym typeface="+mn-ea"/>
-            </a:endParaRPr>
-          </a:p>
-        </p:txBody>
-      </p:sp>
-      <p:sp>
-        <p:nvSpPr>
-          <p:cNvPr id="3" name="文本框 2"/>
-          <p:cNvSpPr txBox="1"/>
-          <p:nvPr/>
-        </p:nvSpPr>
-        <p:spPr>
-          <a:xfrm>
-            <a:off x="492760" y="2236470"/>
-            <a:ext cx="7212965" cy="1476375"/>
-          </a:xfrm>
-          <a:prstGeom prst="rect">
-            <a:avLst/>
-          </a:prstGeom>
-          <a:noFill/>
-        </p:spPr>
-        <p:txBody>
-          <a:bodyPr wrap="square" rtlCol="0">
-            <a:spAutoFit/>
-          </a:bodyPr>
-          <a:p>
-            <a:r>
-              <a:rPr lang="zh-CN" altLang="en-US" b="1">
-                <a:solidFill>
-                  <a:schemeClr val="bg1"/>
-                </a:solidFill>
-              </a:rPr>
-              <a:t>特征：</a:t>
-            </a:r>
-            <a:endParaRPr lang="zh-CN" altLang="en-US" b="1">
-              <a:solidFill>
-                <a:schemeClr val="bg1"/>
-              </a:solidFill>
-            </a:endParaRPr>
-          </a:p>
-          <a:p>
-            <a:endParaRPr lang="zh-CN" altLang="en-US" b="1">
-              <a:solidFill>
-                <a:schemeClr val="bg1"/>
-              </a:solidFill>
-            </a:endParaRPr>
-          </a:p>
-          <a:p>
-            <a:r>
-              <a:rPr lang="zh-CN" altLang="en-US" b="1">
-                <a:solidFill>
-                  <a:schemeClr val="bg1"/>
-                </a:solidFill>
-              </a:rPr>
-              <a:t>* 状态总数（state）是有限的。</a:t>
-            </a:r>
-            <a:endParaRPr lang="zh-CN" altLang="en-US" b="1">
-              <a:solidFill>
-                <a:schemeClr val="bg1"/>
-              </a:solidFill>
-            </a:endParaRPr>
-          </a:p>
-          <a:p>
-            <a:r>
-              <a:rPr lang="zh-CN" altLang="en-US" b="1">
-                <a:solidFill>
-                  <a:schemeClr val="bg1"/>
-                </a:solidFill>
-              </a:rPr>
-              <a:t>* 任一时刻，只处在一种状态之中。</a:t>
-            </a:r>
-            <a:endParaRPr lang="zh-CN" altLang="en-US" b="1">
-              <a:solidFill>
-                <a:schemeClr val="bg1"/>
-              </a:solidFill>
-            </a:endParaRPr>
-          </a:p>
-          <a:p>
-            <a:r>
-              <a:rPr lang="zh-CN" altLang="en-US" b="1">
-                <a:solidFill>
-                  <a:schemeClr val="bg1"/>
-                </a:solidFill>
-              </a:rPr>
-              <a:t>* 某种条件下，会从一种状态转变（transition）到另一种状态。</a:t>
-            </a:r>
-            <a:endParaRPr lang="zh-CN" altLang="en-US" b="1">
-              <a:solidFill>
-                <a:schemeClr val="bg1"/>
-              </a:solidFill>
-            </a:endParaRPr>
-          </a:p>
-        </p:txBody>
-      </p:sp>
-      <p:pic>
-        <p:nvPicPr>
-          <p:cNvPr id="4" name="图片 3"/>
-          <p:cNvPicPr>
-            <a:picLocks noChangeAspect="1"/>
-          </p:cNvPicPr>
-          <p:nvPr/>
-        </p:nvPicPr>
-        <p:blipFill>
-          <a:blip r:embed="rId1"/>
-          <a:stretch>
-            <a:fillRect/>
-          </a:stretch>
-        </p:blipFill>
-        <p:spPr>
-          <a:xfrm>
-            <a:off x="8684260" y="2236470"/>
-            <a:ext cx="3029585" cy="2018030"/>
-          </a:xfrm>
-          <a:prstGeom prst="rect">
-            <a:avLst/>
-          </a:prstGeom>
-        </p:spPr>
-      </p:pic>
-    </p:spTree>
-  </p:cSld>
-  <p:clrMapOvr>
-    <a:masterClrMapping/>
-  </p:clrMapOvr>
-  <p:timing>
-    <p:tnLst>
-      <p:par>
-        <p:cTn id="1" dur="indefinite" restart="never" nodeType="tmRoot"/>
-      </p:par>
-    </p:tnLst>
   </p:timing>
 </p:sld>
 </file>

--- a/小白学算法系列.pptx
+++ b/小白学算法系列.pptx
@@ -16,6 +16,8 @@
     <p:sldId id="267" r:id="rId9"/>
     <p:sldId id="260" r:id="rId10"/>
     <p:sldId id="265" r:id="rId11"/>
+    <p:sldId id="270" r:id="rId12"/>
+    <p:sldId id="271" r:id="rId13"/>
   </p:sldIdLst>
   <p:sldSz cx="12192000" cy="6858000"/>
   <p:notesSz cx="7103745" cy="10234295"/>
@@ -5341,6 +5343,1831 @@
 </p:sld>
 </file>
 
+<file path=ppt/slides/slide10.xml><?xml version="1.0" encoding="utf-8"?>
+<p:sld xmlns:a="http://schemas.openxmlformats.org/drawingml/2006/main" xmlns:r="http://schemas.openxmlformats.org/officeDocument/2006/relationships" xmlns:p="http://schemas.openxmlformats.org/presentationml/2006/main">
+  <p:cSld>
+    <p:bg>
+      <p:bgPr>
+        <a:solidFill>
+          <a:schemeClr val="tx2"/>
+        </a:solidFill>
+        <a:effectLst/>
+      </p:bgPr>
+    </p:bg>
+    <p:spTree>
+      <p:nvGrpSpPr>
+        <p:cNvPr id="1" name=""/>
+        <p:cNvGrpSpPr/>
+        <p:nvPr/>
+      </p:nvGrpSpPr>
+      <p:grpSpPr/>
+      <p:sp>
+        <p:nvSpPr>
+          <p:cNvPr id="19" name="椭圆 18"/>
+          <p:cNvSpPr/>
+          <p:nvPr/>
+        </p:nvSpPr>
+        <p:spPr>
+          <a:xfrm>
+            <a:off x="3577590" y="4728210"/>
+            <a:ext cx="468000" cy="468000"/>
+          </a:xfrm>
+          <a:prstGeom prst="ellipse">
+            <a:avLst/>
+          </a:prstGeom>
+        </p:spPr>
+        <p:style>
+          <a:lnRef idx="2">
+            <a:schemeClr val="accent2">
+              <a:shade val="50000"/>
+            </a:schemeClr>
+          </a:lnRef>
+          <a:fillRef idx="1">
+            <a:schemeClr val="accent2"/>
+          </a:fillRef>
+          <a:effectRef idx="0">
+            <a:schemeClr val="accent2"/>
+          </a:effectRef>
+          <a:fontRef idx="minor">
+            <a:schemeClr val="lt1"/>
+          </a:fontRef>
+        </p:style>
+        <p:txBody>
+          <a:bodyPr rtlCol="0" anchor="ctr"/>
+          <a:p>
+            <a:pPr algn="ctr"/>
+            <a:endParaRPr lang="en-US" altLang="zh-CN" sz="2800"/>
+          </a:p>
+        </p:txBody>
+      </p:sp>
+      <p:sp>
+        <p:nvSpPr>
+          <p:cNvPr id="31" name="文本框 30"/>
+          <p:cNvSpPr txBox="1"/>
+          <p:nvPr/>
+        </p:nvSpPr>
+        <p:spPr>
+          <a:xfrm>
+            <a:off x="3398520" y="4675505"/>
+            <a:ext cx="5758815" cy="521970"/>
+          </a:xfrm>
+          <a:prstGeom prst="rect">
+            <a:avLst/>
+          </a:prstGeom>
+          <a:noFill/>
+        </p:spPr>
+        <p:txBody>
+          <a:bodyPr wrap="square" rtlCol="0">
+            <a:spAutoFit/>
+          </a:bodyPr>
+          <a:p>
+            <a:pPr algn="l"/>
+            <a:r>
+              <a:rPr lang="zh-CN" altLang="en-US" sz="2800" b="1">
+                <a:solidFill>
+                  <a:schemeClr val="bg1"/>
+                </a:solidFill>
+              </a:rPr>
+              <a:t>[ 7,      </a:t>
+            </a:r>
+            <a:r>
+              <a:rPr lang="en-US" altLang="zh-CN" sz="2800" b="1">
+                <a:solidFill>
+                  <a:schemeClr val="bg1"/>
+                </a:solidFill>
+              </a:rPr>
+              <a:t>3</a:t>
+            </a:r>
+            <a:r>
+              <a:rPr lang="zh-CN" altLang="en-US" sz="2800" b="1">
+                <a:solidFill>
+                  <a:schemeClr val="bg1"/>
+                </a:solidFill>
+              </a:rPr>
+              <a:t>,      5,      </a:t>
+            </a:r>
+            <a:r>
+              <a:rPr lang="en-US" altLang="zh-CN" sz="2800" b="1">
+                <a:solidFill>
+                  <a:schemeClr val="bg1"/>
+                </a:solidFill>
+              </a:rPr>
+              <a:t>1</a:t>
+            </a:r>
+            <a:r>
+              <a:rPr lang="zh-CN" altLang="en-US" sz="2800" b="1">
+                <a:solidFill>
+                  <a:schemeClr val="bg1"/>
+                </a:solidFill>
+              </a:rPr>
+              <a:t>,      </a:t>
+            </a:r>
+            <a:r>
+              <a:rPr lang="en-US" altLang="zh-CN" sz="2800" b="1">
+                <a:solidFill>
+                  <a:schemeClr val="bg1"/>
+                </a:solidFill>
+              </a:rPr>
+              <a:t>2</a:t>
+            </a:r>
+            <a:r>
+              <a:rPr lang="zh-CN" altLang="en-US" sz="2800" b="1">
+                <a:solidFill>
+                  <a:schemeClr val="bg1"/>
+                </a:solidFill>
+              </a:rPr>
+              <a:t>,      </a:t>
+            </a:r>
+            <a:r>
+              <a:rPr lang="en-US" altLang="zh-CN" sz="2800" b="1">
+                <a:solidFill>
+                  <a:schemeClr val="bg1"/>
+                </a:solidFill>
+              </a:rPr>
+              <a:t>1</a:t>
+            </a:r>
+            <a:r>
+              <a:rPr lang="zh-CN" altLang="en-US" sz="2800" b="1">
+                <a:solidFill>
+                  <a:schemeClr val="bg1"/>
+                </a:solidFill>
+              </a:rPr>
+              <a:t> ]</a:t>
+            </a:r>
+            <a:endParaRPr lang="zh-CN" altLang="en-US" sz="2800" b="1">
+              <a:solidFill>
+                <a:schemeClr val="bg1"/>
+              </a:solidFill>
+            </a:endParaRPr>
+          </a:p>
+        </p:txBody>
+      </p:sp>
+      <p:sp>
+        <p:nvSpPr>
+          <p:cNvPr id="6" name="文本框 5"/>
+          <p:cNvSpPr txBox="1"/>
+          <p:nvPr/>
+        </p:nvSpPr>
+        <p:spPr>
+          <a:xfrm>
+            <a:off x="503555" y="1197610"/>
+            <a:ext cx="11573510" cy="645160"/>
+          </a:xfrm>
+          <a:prstGeom prst="rect">
+            <a:avLst/>
+          </a:prstGeom>
+          <a:noFill/>
+        </p:spPr>
+        <p:txBody>
+          <a:bodyPr wrap="square" rtlCol="0">
+            <a:spAutoFit/>
+          </a:bodyPr>
+          <a:p>
+            <a:pPr algn="l"/>
+            <a:r>
+              <a:rPr lang="zh-CN" altLang="en-US" b="1">
+                <a:solidFill>
+                  <a:schemeClr val="bg1"/>
+                </a:solidFill>
+              </a:rPr>
+              <a:t>题目：给定一个数组 prices ，它的第 i 个元素 prices[i] 表示一支给定股票第 i 天的价格。</a:t>
+            </a:r>
+            <a:endParaRPr lang="zh-CN" altLang="en-US" b="1">
+              <a:solidFill>
+                <a:schemeClr val="bg1"/>
+              </a:solidFill>
+            </a:endParaRPr>
+          </a:p>
+          <a:p>
+            <a:pPr algn="l"/>
+            <a:r>
+              <a:rPr lang="zh-CN" altLang="en-US" b="1">
+                <a:solidFill>
+                  <a:schemeClr val="bg1"/>
+                </a:solidFill>
+              </a:rPr>
+              <a:t>要求：买和卖各操作一次获取最大利润</a:t>
+            </a:r>
+            <a:endParaRPr lang="zh-CN" altLang="en-US" b="1">
+              <a:solidFill>
+                <a:schemeClr val="bg1"/>
+              </a:solidFill>
+            </a:endParaRPr>
+          </a:p>
+        </p:txBody>
+      </p:sp>
+      <p:sp>
+        <p:nvSpPr>
+          <p:cNvPr id="14" name="文本框 13"/>
+          <p:cNvSpPr txBox="1"/>
+          <p:nvPr/>
+        </p:nvSpPr>
+        <p:spPr>
+          <a:xfrm>
+            <a:off x="578485" y="419100"/>
+            <a:ext cx="6424295" cy="706755"/>
+          </a:xfrm>
+          <a:prstGeom prst="rect">
+            <a:avLst/>
+          </a:prstGeom>
+          <a:noFill/>
+        </p:spPr>
+        <p:txBody>
+          <a:bodyPr wrap="square" rtlCol="0">
+            <a:spAutoFit/>
+          </a:bodyPr>
+          <a:p>
+            <a:pPr algn="l"/>
+            <a:r>
+              <a:rPr sz="4000" b="1">
+                <a:solidFill>
+                  <a:schemeClr val="bg1"/>
+                </a:solidFill>
+                <a:sym typeface="+mn-ea"/>
+              </a:rPr>
+              <a:t>121. 买卖股票的最佳时机</a:t>
+            </a:r>
+            <a:endParaRPr sz="4000" b="1">
+              <a:solidFill>
+                <a:schemeClr val="bg1"/>
+              </a:solidFill>
+              <a:sym typeface="+mn-ea"/>
+            </a:endParaRPr>
+          </a:p>
+        </p:txBody>
+      </p:sp>
+      <p:sp>
+        <p:nvSpPr>
+          <p:cNvPr id="20" name="文本框 19"/>
+          <p:cNvSpPr txBox="1"/>
+          <p:nvPr/>
+        </p:nvSpPr>
+        <p:spPr>
+          <a:xfrm>
+            <a:off x="578485" y="1800225"/>
+            <a:ext cx="7010400" cy="521970"/>
+          </a:xfrm>
+          <a:prstGeom prst="rect">
+            <a:avLst/>
+          </a:prstGeom>
+          <a:noFill/>
+        </p:spPr>
+        <p:txBody>
+          <a:bodyPr wrap="square" rtlCol="0">
+            <a:spAutoFit/>
+            <a:scene3d>
+              <a:camera prst="orthographicFront"/>
+              <a:lightRig rig="threePt" dir="t"/>
+            </a:scene3d>
+          </a:bodyPr>
+          <a:p>
+            <a:pPr algn="l"/>
+            <a:r>
+              <a:rPr lang="zh-CN" altLang="en-US" sz="2800" b="1">
+                <a:ln w="12700" cmpd="sng">
+                  <a:solidFill>
+                    <a:schemeClr val="accent4"/>
+                  </a:solidFill>
+                  <a:prstDash val="solid"/>
+                </a:ln>
+                <a:gradFill>
+                  <a:gsLst>
+                    <a:gs pos="0">
+                      <a:schemeClr val="accent4"/>
+                    </a:gs>
+                    <a:gs pos="4000">
+                      <a:schemeClr val="accent4">
+                        <a:lumMod val="60000"/>
+                        <a:lumOff val="40000"/>
+                      </a:schemeClr>
+                    </a:gs>
+                    <a:gs pos="87000">
+                      <a:schemeClr val="accent4">
+                        <a:lumMod val="20000"/>
+                        <a:lumOff val="80000"/>
+                      </a:schemeClr>
+                    </a:gs>
+                  </a:gsLst>
+                  <a:lin ang="5400000"/>
+                </a:gradFill>
+                <a:effectLst/>
+                <a:sym typeface="+mn-ea"/>
+              </a:rPr>
+              <a:t>！！！</a:t>
+            </a:r>
+            <a:r>
+              <a:rPr lang="en-US" sz="2800" b="1">
+                <a:ln w="12700" cmpd="sng">
+                  <a:solidFill>
+                    <a:schemeClr val="accent4"/>
+                  </a:solidFill>
+                  <a:prstDash val="solid"/>
+                </a:ln>
+                <a:gradFill>
+                  <a:gsLst>
+                    <a:gs pos="0">
+                      <a:schemeClr val="accent4"/>
+                    </a:gs>
+                    <a:gs pos="4000">
+                      <a:schemeClr val="accent4">
+                        <a:lumMod val="60000"/>
+                        <a:lumOff val="40000"/>
+                      </a:schemeClr>
+                    </a:gs>
+                    <a:gs pos="87000">
+                      <a:schemeClr val="accent4">
+                        <a:lumMod val="20000"/>
+                        <a:lumOff val="80000"/>
+                      </a:schemeClr>
+                    </a:gs>
+                  </a:gsLst>
+                  <a:lin ang="5400000"/>
+                </a:gradFill>
+                <a:effectLst/>
+                <a:sym typeface="+mn-ea"/>
+              </a:rPr>
+              <a:t> </a:t>
+            </a:r>
+            <a:r>
+              <a:rPr sz="2800" b="1">
+                <a:ln w="12700" cmpd="sng">
+                  <a:solidFill>
+                    <a:schemeClr val="accent4"/>
+                  </a:solidFill>
+                  <a:prstDash val="solid"/>
+                </a:ln>
+                <a:gradFill>
+                  <a:gsLst>
+                    <a:gs pos="0">
+                      <a:schemeClr val="accent4"/>
+                    </a:gs>
+                    <a:gs pos="4000">
+                      <a:schemeClr val="accent4">
+                        <a:lumMod val="60000"/>
+                        <a:lumOff val="40000"/>
+                      </a:schemeClr>
+                    </a:gs>
+                    <a:gs pos="87000">
+                      <a:schemeClr val="accent4">
+                        <a:lumMod val="20000"/>
+                        <a:lumOff val="80000"/>
+                      </a:schemeClr>
+                    </a:gs>
+                  </a:gsLst>
+                  <a:lin ang="5400000"/>
+                </a:gradFill>
+                <a:effectLst/>
+                <a:sym typeface="+mn-ea"/>
+              </a:rPr>
+              <a:t>股票</a:t>
+            </a:r>
+            <a:r>
+              <a:rPr lang="zh-CN" sz="2800" b="1">
+                <a:ln w="12700" cmpd="sng">
+                  <a:solidFill>
+                    <a:schemeClr val="accent4"/>
+                  </a:solidFill>
+                  <a:prstDash val="solid"/>
+                </a:ln>
+                <a:gradFill>
+                  <a:gsLst>
+                    <a:gs pos="0">
+                      <a:schemeClr val="accent4"/>
+                    </a:gs>
+                    <a:gs pos="4000">
+                      <a:schemeClr val="accent4">
+                        <a:lumMod val="60000"/>
+                        <a:lumOff val="40000"/>
+                      </a:schemeClr>
+                    </a:gs>
+                    <a:gs pos="87000">
+                      <a:schemeClr val="accent4">
+                        <a:lumMod val="20000"/>
+                        <a:lumOff val="80000"/>
+                      </a:schemeClr>
+                    </a:gs>
+                  </a:gsLst>
+                  <a:lin ang="5400000"/>
+                </a:gradFill>
+                <a:effectLst/>
+                <a:sym typeface="+mn-ea"/>
+              </a:rPr>
+              <a:t>赚钱操作原则：高抛低吸 </a:t>
+            </a:r>
+            <a:r>
+              <a:rPr lang="zh-CN" altLang="en-US" sz="2800" b="1">
+                <a:ln w="12700" cmpd="sng">
+                  <a:solidFill>
+                    <a:schemeClr val="accent4"/>
+                  </a:solidFill>
+                  <a:prstDash val="solid"/>
+                </a:ln>
+                <a:gradFill>
+                  <a:gsLst>
+                    <a:gs pos="0">
+                      <a:schemeClr val="accent4"/>
+                    </a:gs>
+                    <a:gs pos="4000">
+                      <a:schemeClr val="accent4">
+                        <a:lumMod val="60000"/>
+                        <a:lumOff val="40000"/>
+                      </a:schemeClr>
+                    </a:gs>
+                    <a:gs pos="87000">
+                      <a:schemeClr val="accent4">
+                        <a:lumMod val="20000"/>
+                        <a:lumOff val="80000"/>
+                      </a:schemeClr>
+                    </a:gs>
+                  </a:gsLst>
+                  <a:lin ang="5400000"/>
+                </a:gradFill>
+                <a:effectLst/>
+                <a:sym typeface="+mn-ea"/>
+              </a:rPr>
+              <a:t>！！！</a:t>
+            </a:r>
+            <a:endParaRPr lang="zh-CN" altLang="en-US" sz="2800" b="1">
+              <a:ln w="12700" cmpd="sng">
+                <a:solidFill>
+                  <a:schemeClr val="accent4"/>
+                </a:solidFill>
+                <a:prstDash val="solid"/>
+              </a:ln>
+              <a:gradFill>
+                <a:gsLst>
+                  <a:gs pos="0">
+                    <a:schemeClr val="accent4"/>
+                  </a:gs>
+                  <a:gs pos="4000">
+                    <a:schemeClr val="accent4">
+                      <a:lumMod val="60000"/>
+                      <a:lumOff val="40000"/>
+                    </a:schemeClr>
+                  </a:gs>
+                  <a:gs pos="87000">
+                    <a:schemeClr val="accent4">
+                      <a:lumMod val="20000"/>
+                      <a:lumOff val="80000"/>
+                    </a:schemeClr>
+                  </a:gs>
+                </a:gsLst>
+                <a:lin ang="5400000"/>
+              </a:gradFill>
+              <a:effectLst/>
+              <a:sym typeface="+mn-ea"/>
+            </a:endParaRPr>
+          </a:p>
+        </p:txBody>
+      </p:sp>
+      <p:sp>
+        <p:nvSpPr>
+          <p:cNvPr id="22" name="文本框 21"/>
+          <p:cNvSpPr txBox="1"/>
+          <p:nvPr/>
+        </p:nvSpPr>
+        <p:spPr>
+          <a:xfrm>
+            <a:off x="1352550" y="6850380"/>
+            <a:ext cx="337185" cy="306705"/>
+          </a:xfrm>
+          <a:prstGeom prst="rect">
+            <a:avLst/>
+          </a:prstGeom>
+          <a:noFill/>
+        </p:spPr>
+        <p:txBody>
+          <a:bodyPr wrap="square" rtlCol="0">
+            <a:spAutoFit/>
+          </a:bodyPr>
+          <a:p>
+            <a:pPr algn="l"/>
+            <a:r>
+              <a:rPr lang="en-US" altLang="zh-CN" sz="1400">
+                <a:solidFill>
+                  <a:schemeClr val="bg1"/>
+                </a:solidFill>
+              </a:rPr>
+              <a:t>1</a:t>
+            </a:r>
+            <a:endParaRPr lang="en-US" altLang="zh-CN" sz="1400">
+              <a:solidFill>
+                <a:schemeClr val="bg1"/>
+              </a:solidFill>
+            </a:endParaRPr>
+          </a:p>
+        </p:txBody>
+      </p:sp>
+      <p:grpSp>
+        <p:nvGrpSpPr>
+          <p:cNvPr id="51" name="组合 50"/>
+          <p:cNvGrpSpPr/>
+          <p:nvPr/>
+        </p:nvGrpSpPr>
+        <p:grpSpPr>
+          <a:xfrm rot="0">
+            <a:off x="2144395" y="5389245"/>
+            <a:ext cx="647700" cy="881884"/>
+            <a:chOff x="6753" y="2606"/>
+            <a:chExt cx="1450" cy="1833"/>
+          </a:xfrm>
+        </p:grpSpPr>
+        <p:sp>
+          <p:nvSpPr>
+            <p:cNvPr id="52" name="下箭头 51"/>
+            <p:cNvSpPr/>
+            <p:nvPr/>
+          </p:nvSpPr>
+          <p:spPr>
+            <a:xfrm flipV="1">
+              <a:off x="7169" y="2606"/>
+              <a:ext cx="522" cy="851"/>
+            </a:xfrm>
+            <a:prstGeom prst="downArrow">
+              <a:avLst/>
+            </a:prstGeom>
+            <a:solidFill>
+              <a:schemeClr val="accent2"/>
+            </a:solidFill>
+          </p:spPr>
+          <p:style>
+            <a:lnRef idx="2">
+              <a:schemeClr val="accent1">
+                <a:shade val="50000"/>
+              </a:schemeClr>
+            </a:lnRef>
+            <a:fillRef idx="1">
+              <a:schemeClr val="accent1"/>
+            </a:fillRef>
+            <a:effectRef idx="0">
+              <a:schemeClr val="accent1"/>
+            </a:effectRef>
+            <a:fontRef idx="minor">
+              <a:schemeClr val="lt1"/>
+            </a:fontRef>
+          </p:style>
+          <p:txBody>
+            <a:bodyPr rtlCol="0" anchor="ctr"/>
+            <a:p>
+              <a:pPr algn="ctr"/>
+              <a:endParaRPr lang="zh-CN" altLang="en-US"/>
+            </a:p>
+          </p:txBody>
+        </p:sp>
+        <p:sp>
+          <p:nvSpPr>
+            <p:cNvPr id="53" name="文本框 52"/>
+            <p:cNvSpPr txBox="1"/>
+            <p:nvPr/>
+          </p:nvSpPr>
+          <p:spPr>
+            <a:xfrm>
+              <a:off x="6753" y="3673"/>
+              <a:ext cx="1450" cy="766"/>
+            </a:xfrm>
+            <a:prstGeom prst="rect">
+              <a:avLst/>
+            </a:prstGeom>
+            <a:noFill/>
+          </p:spPr>
+          <p:txBody>
+            <a:bodyPr wrap="square" rtlCol="0">
+              <a:spAutoFit/>
+            </a:bodyPr>
+            <a:p>
+              <a:pPr algn="ctr"/>
+              <a:r>
+                <a:rPr lang="en-US" altLang="zh-CN" b="1">
+                  <a:solidFill>
+                    <a:schemeClr val="bg1"/>
+                  </a:solidFill>
+                </a:rPr>
+                <a:t>min</a:t>
+              </a:r>
+              <a:endParaRPr lang="en-US" altLang="zh-CN" b="1">
+                <a:solidFill>
+                  <a:schemeClr val="bg1"/>
+                </a:solidFill>
+              </a:endParaRPr>
+            </a:p>
+          </p:txBody>
+        </p:sp>
+      </p:grpSp>
+      <p:grpSp>
+        <p:nvGrpSpPr>
+          <p:cNvPr id="8" name="组合 7"/>
+          <p:cNvGrpSpPr/>
+          <p:nvPr/>
+        </p:nvGrpSpPr>
+        <p:grpSpPr>
+          <a:xfrm>
+            <a:off x="1701800" y="2844165"/>
+            <a:ext cx="1461770" cy="986790"/>
+            <a:chOff x="6650" y="8123"/>
+            <a:chExt cx="2302" cy="1554"/>
+          </a:xfrm>
+        </p:grpSpPr>
+        <p:sp>
+          <p:nvSpPr>
+            <p:cNvPr id="4" name="下箭头 3"/>
+            <p:cNvSpPr/>
+            <p:nvPr/>
+          </p:nvSpPr>
+          <p:spPr>
+            <a:xfrm>
+              <a:off x="7617" y="9033"/>
+              <a:ext cx="367" cy="645"/>
+            </a:xfrm>
+            <a:prstGeom prst="downArrow">
+              <a:avLst/>
+            </a:prstGeom>
+            <a:solidFill>
+              <a:schemeClr val="accent2"/>
+            </a:solidFill>
+          </p:spPr>
+          <p:style>
+            <a:lnRef idx="2">
+              <a:schemeClr val="accent1">
+                <a:shade val="50000"/>
+              </a:schemeClr>
+            </a:lnRef>
+            <a:fillRef idx="1">
+              <a:schemeClr val="accent1"/>
+            </a:fillRef>
+            <a:effectRef idx="0">
+              <a:schemeClr val="accent1"/>
+            </a:effectRef>
+            <a:fontRef idx="minor">
+              <a:schemeClr val="lt1"/>
+            </a:fontRef>
+          </p:style>
+          <p:txBody>
+            <a:bodyPr rtlCol="0" anchor="ctr"/>
+            <a:p>
+              <a:pPr algn="ctr"/>
+              <a:endParaRPr lang="zh-CN" altLang="en-US"/>
+            </a:p>
+          </p:txBody>
+        </p:sp>
+        <p:sp>
+          <p:nvSpPr>
+            <p:cNvPr id="7" name="文本框 6"/>
+            <p:cNvSpPr txBox="1"/>
+            <p:nvPr/>
+          </p:nvSpPr>
+          <p:spPr>
+            <a:xfrm>
+              <a:off x="6650" y="8123"/>
+              <a:ext cx="2302" cy="580"/>
+            </a:xfrm>
+            <a:prstGeom prst="rect">
+              <a:avLst/>
+            </a:prstGeom>
+            <a:noFill/>
+          </p:spPr>
+          <p:txBody>
+            <a:bodyPr wrap="square" rtlCol="0">
+              <a:spAutoFit/>
+            </a:bodyPr>
+            <a:p>
+              <a:pPr algn="ctr"/>
+              <a:r>
+                <a:rPr lang="en-US" altLang="zh-CN" b="1">
+                  <a:solidFill>
+                    <a:schemeClr val="bg1"/>
+                  </a:solidFill>
+                </a:rPr>
+                <a:t>maxProvit</a:t>
+              </a:r>
+              <a:endParaRPr lang="en-US" altLang="zh-CN" b="1">
+                <a:solidFill>
+                  <a:schemeClr val="bg1"/>
+                </a:solidFill>
+              </a:endParaRPr>
+            </a:p>
+          </p:txBody>
+        </p:sp>
+      </p:grpSp>
+      <p:sp>
+        <p:nvSpPr>
+          <p:cNvPr id="9" name="文本框 8"/>
+          <p:cNvSpPr txBox="1"/>
+          <p:nvPr/>
+        </p:nvSpPr>
+        <p:spPr>
+          <a:xfrm>
+            <a:off x="2126615" y="3968750"/>
+            <a:ext cx="647700" cy="521970"/>
+          </a:xfrm>
+          <a:prstGeom prst="rect">
+            <a:avLst/>
+          </a:prstGeom>
+          <a:noFill/>
+        </p:spPr>
+        <p:txBody>
+          <a:bodyPr wrap="square" rtlCol="0">
+            <a:spAutoFit/>
+          </a:bodyPr>
+          <a:p>
+            <a:pPr algn="ctr"/>
+            <a:r>
+              <a:rPr lang="en-US" altLang="zh-CN" sz="2800" b="1">
+                <a:solidFill>
+                  <a:schemeClr val="accent2"/>
+                </a:solidFill>
+              </a:rPr>
+              <a:t>0</a:t>
+            </a:r>
+            <a:endParaRPr lang="en-US" altLang="zh-CN" sz="2800" b="1">
+              <a:solidFill>
+                <a:schemeClr val="accent2"/>
+              </a:solidFill>
+            </a:endParaRPr>
+          </a:p>
+        </p:txBody>
+      </p:sp>
+      <p:sp>
+        <p:nvSpPr>
+          <p:cNvPr id="10" name="文本框 9"/>
+          <p:cNvSpPr txBox="1"/>
+          <p:nvPr/>
+        </p:nvSpPr>
+        <p:spPr>
+          <a:xfrm>
+            <a:off x="1555115" y="4667250"/>
+            <a:ext cx="1643380" cy="521970"/>
+          </a:xfrm>
+          <a:prstGeom prst="rect">
+            <a:avLst/>
+          </a:prstGeom>
+          <a:noFill/>
+        </p:spPr>
+        <p:txBody>
+          <a:bodyPr wrap="square" rtlCol="0">
+            <a:spAutoFit/>
+          </a:bodyPr>
+          <a:p>
+            <a:pPr algn="ctr"/>
+            <a:r>
+              <a:rPr lang="zh-CN" altLang="en-US" sz="1400">
+                <a:solidFill>
+                  <a:schemeClr val="bg1"/>
+                </a:solidFill>
+              </a:rPr>
+              <a:t>MAX</a:t>
+            </a:r>
+            <a:r>
+              <a:rPr lang="zh-CN" altLang="en-US" sz="1400" b="1">
+                <a:solidFill>
+                  <a:schemeClr val="bg1"/>
+                </a:solidFill>
+              </a:rPr>
+              <a:t>_</a:t>
+            </a:r>
+            <a:r>
+              <a:rPr lang="zh-CN" altLang="en-US" sz="1400">
+                <a:solidFill>
+                  <a:schemeClr val="bg1"/>
+                </a:solidFill>
+              </a:rPr>
+              <a:t>SAFE</a:t>
+            </a:r>
+            <a:r>
+              <a:rPr lang="zh-CN" altLang="en-US" sz="1400" b="1">
+                <a:solidFill>
+                  <a:schemeClr val="bg1"/>
+                </a:solidFill>
+              </a:rPr>
+              <a:t>_</a:t>
+            </a:r>
+            <a:r>
+              <a:rPr lang="zh-CN" altLang="en-US" sz="1400">
+                <a:solidFill>
+                  <a:schemeClr val="bg1"/>
+                </a:solidFill>
+              </a:rPr>
+              <a:t>INTEGER</a:t>
+            </a:r>
+            <a:endParaRPr lang="zh-CN" altLang="en-US" sz="1400">
+              <a:solidFill>
+                <a:schemeClr val="bg1"/>
+              </a:solidFill>
+            </a:endParaRPr>
+          </a:p>
+        </p:txBody>
+      </p:sp>
+      <p:sp>
+        <p:nvSpPr>
+          <p:cNvPr id="12" name="文本框 11"/>
+          <p:cNvSpPr txBox="1"/>
+          <p:nvPr/>
+        </p:nvSpPr>
+        <p:spPr>
+          <a:xfrm>
+            <a:off x="3463925" y="3968750"/>
+            <a:ext cx="647700" cy="521970"/>
+          </a:xfrm>
+          <a:prstGeom prst="rect">
+            <a:avLst/>
+          </a:prstGeom>
+          <a:noFill/>
+        </p:spPr>
+        <p:txBody>
+          <a:bodyPr wrap="square" rtlCol="0">
+            <a:spAutoFit/>
+          </a:bodyPr>
+          <a:p>
+            <a:pPr algn="ctr"/>
+            <a:r>
+              <a:rPr lang="en-US" altLang="zh-CN" sz="2800" b="1">
+                <a:solidFill>
+                  <a:schemeClr val="accent2"/>
+                </a:solidFill>
+              </a:rPr>
+              <a:t>0</a:t>
+            </a:r>
+            <a:endParaRPr lang="en-US" altLang="zh-CN" sz="2800" b="1">
+              <a:solidFill>
+                <a:schemeClr val="accent2"/>
+              </a:solidFill>
+            </a:endParaRPr>
+          </a:p>
+        </p:txBody>
+      </p:sp>
+      <p:sp>
+        <p:nvSpPr>
+          <p:cNvPr id="13" name="文本框 12"/>
+          <p:cNvSpPr txBox="1"/>
+          <p:nvPr/>
+        </p:nvSpPr>
+        <p:spPr>
+          <a:xfrm>
+            <a:off x="4389120" y="3968750"/>
+            <a:ext cx="647700" cy="521970"/>
+          </a:xfrm>
+          <a:prstGeom prst="rect">
+            <a:avLst/>
+          </a:prstGeom>
+          <a:noFill/>
+        </p:spPr>
+        <p:txBody>
+          <a:bodyPr wrap="square" rtlCol="0">
+            <a:spAutoFit/>
+          </a:bodyPr>
+          <a:p>
+            <a:pPr algn="ctr"/>
+            <a:r>
+              <a:rPr lang="en-US" altLang="zh-CN" sz="2800" b="1">
+                <a:solidFill>
+                  <a:schemeClr val="accent2"/>
+                </a:solidFill>
+              </a:rPr>
+              <a:t>0</a:t>
+            </a:r>
+            <a:endParaRPr lang="en-US" altLang="zh-CN" sz="2800" b="1">
+              <a:solidFill>
+                <a:schemeClr val="accent2"/>
+              </a:solidFill>
+            </a:endParaRPr>
+          </a:p>
+        </p:txBody>
+      </p:sp>
+      <p:sp>
+        <p:nvSpPr>
+          <p:cNvPr id="15" name="文本框 14"/>
+          <p:cNvSpPr txBox="1"/>
+          <p:nvPr/>
+        </p:nvSpPr>
+        <p:spPr>
+          <a:xfrm>
+            <a:off x="5268595" y="3968750"/>
+            <a:ext cx="647700" cy="521970"/>
+          </a:xfrm>
+          <a:prstGeom prst="rect">
+            <a:avLst/>
+          </a:prstGeom>
+          <a:noFill/>
+        </p:spPr>
+        <p:txBody>
+          <a:bodyPr wrap="square" rtlCol="0">
+            <a:spAutoFit/>
+          </a:bodyPr>
+          <a:p>
+            <a:pPr algn="ctr"/>
+            <a:r>
+              <a:rPr lang="en-US" altLang="zh-CN" sz="2800" b="1">
+                <a:solidFill>
+                  <a:schemeClr val="accent2"/>
+                </a:solidFill>
+              </a:rPr>
+              <a:t>2</a:t>
+            </a:r>
+            <a:endParaRPr lang="en-US" altLang="zh-CN" sz="2800" b="1">
+              <a:solidFill>
+                <a:schemeClr val="accent2"/>
+              </a:solidFill>
+            </a:endParaRPr>
+          </a:p>
+        </p:txBody>
+      </p:sp>
+      <p:sp>
+        <p:nvSpPr>
+          <p:cNvPr id="16" name="文本框 15"/>
+          <p:cNvSpPr txBox="1"/>
+          <p:nvPr/>
+        </p:nvSpPr>
+        <p:spPr>
+          <a:xfrm>
+            <a:off x="6156325" y="3968750"/>
+            <a:ext cx="647700" cy="521970"/>
+          </a:xfrm>
+          <a:prstGeom prst="rect">
+            <a:avLst/>
+          </a:prstGeom>
+          <a:noFill/>
+        </p:spPr>
+        <p:txBody>
+          <a:bodyPr wrap="square" rtlCol="0">
+            <a:spAutoFit/>
+          </a:bodyPr>
+          <a:p>
+            <a:pPr algn="ctr"/>
+            <a:r>
+              <a:rPr lang="en-US" altLang="zh-CN" sz="2800" b="1">
+                <a:solidFill>
+                  <a:schemeClr val="accent2"/>
+                </a:solidFill>
+              </a:rPr>
+              <a:t>0</a:t>
+            </a:r>
+            <a:endParaRPr lang="en-US" altLang="zh-CN" sz="2800" b="1">
+              <a:solidFill>
+                <a:schemeClr val="accent2"/>
+              </a:solidFill>
+            </a:endParaRPr>
+          </a:p>
+        </p:txBody>
+      </p:sp>
+      <p:sp>
+        <p:nvSpPr>
+          <p:cNvPr id="17" name="文本框 16"/>
+          <p:cNvSpPr txBox="1"/>
+          <p:nvPr/>
+        </p:nvSpPr>
+        <p:spPr>
+          <a:xfrm>
+            <a:off x="7054215" y="3968750"/>
+            <a:ext cx="647700" cy="521970"/>
+          </a:xfrm>
+          <a:prstGeom prst="rect">
+            <a:avLst/>
+          </a:prstGeom>
+          <a:noFill/>
+        </p:spPr>
+        <p:txBody>
+          <a:bodyPr wrap="square" rtlCol="0">
+            <a:spAutoFit/>
+          </a:bodyPr>
+          <a:p>
+            <a:pPr algn="ctr"/>
+            <a:r>
+              <a:rPr lang="en-US" altLang="zh-CN" sz="2800" b="1">
+                <a:solidFill>
+                  <a:schemeClr val="accent2"/>
+                </a:solidFill>
+              </a:rPr>
+              <a:t>1</a:t>
+            </a:r>
+            <a:endParaRPr lang="en-US" altLang="zh-CN" sz="2800" b="1">
+              <a:solidFill>
+                <a:schemeClr val="accent2"/>
+              </a:solidFill>
+            </a:endParaRPr>
+          </a:p>
+        </p:txBody>
+      </p:sp>
+      <p:sp>
+        <p:nvSpPr>
+          <p:cNvPr id="18" name="文本框 17"/>
+          <p:cNvSpPr txBox="1"/>
+          <p:nvPr/>
+        </p:nvSpPr>
+        <p:spPr>
+          <a:xfrm>
+            <a:off x="7947660" y="3968750"/>
+            <a:ext cx="647700" cy="521970"/>
+          </a:xfrm>
+          <a:prstGeom prst="rect">
+            <a:avLst/>
+          </a:prstGeom>
+          <a:noFill/>
+        </p:spPr>
+        <p:txBody>
+          <a:bodyPr wrap="square" rtlCol="0">
+            <a:spAutoFit/>
+          </a:bodyPr>
+          <a:p>
+            <a:pPr algn="ctr"/>
+            <a:r>
+              <a:rPr lang="en-US" altLang="zh-CN" sz="2800" b="1">
+                <a:solidFill>
+                  <a:schemeClr val="accent2"/>
+                </a:solidFill>
+              </a:rPr>
+              <a:t>0</a:t>
+            </a:r>
+            <a:endParaRPr lang="en-US" altLang="zh-CN" sz="2800" b="1">
+              <a:solidFill>
+                <a:schemeClr val="accent2"/>
+              </a:solidFill>
+            </a:endParaRPr>
+          </a:p>
+        </p:txBody>
+      </p:sp>
+      <p:sp>
+        <p:nvSpPr>
+          <p:cNvPr id="23" name="文本框 22"/>
+          <p:cNvSpPr txBox="1"/>
+          <p:nvPr/>
+        </p:nvSpPr>
+        <p:spPr>
+          <a:xfrm>
+            <a:off x="7930515" y="1863090"/>
+            <a:ext cx="4234815" cy="368300"/>
+          </a:xfrm>
+          <a:prstGeom prst="rect">
+            <a:avLst/>
+          </a:prstGeom>
+          <a:noFill/>
+        </p:spPr>
+        <p:txBody>
+          <a:bodyPr wrap="square" rtlCol="0">
+            <a:spAutoFit/>
+          </a:bodyPr>
+          <a:p>
+            <a:pPr algn="l"/>
+            <a:r>
+              <a:rPr lang="zh-CN" altLang="en-US" b="1">
+                <a:solidFill>
+                  <a:schemeClr val="bg1"/>
+                </a:solidFill>
+                <a:sym typeface="+mn-ea"/>
+              </a:rPr>
+              <a:t>当天最大利润 </a:t>
+            </a:r>
+            <a:r>
+              <a:rPr lang="en-US" altLang="zh-CN" b="1">
+                <a:solidFill>
+                  <a:schemeClr val="bg1"/>
+                </a:solidFill>
+              </a:rPr>
+              <a:t>= </a:t>
+            </a:r>
+            <a:r>
+              <a:rPr lang="zh-CN" altLang="en-US" b="1">
+                <a:solidFill>
+                  <a:schemeClr val="bg1"/>
+                </a:solidFill>
+              </a:rPr>
+              <a:t>当天价格 - 历史最低价</a:t>
+            </a:r>
+            <a:endParaRPr lang="zh-CN" altLang="en-US" b="1">
+              <a:solidFill>
+                <a:schemeClr val="bg1"/>
+              </a:solidFill>
+            </a:endParaRPr>
+          </a:p>
+        </p:txBody>
+      </p:sp>
+    </p:spTree>
+  </p:cSld>
+  <p:clrMapOvr>
+    <a:masterClrMapping/>
+  </p:clrMapOvr>
+  <p:timing>
+    <p:tnLst>
+      <p:par>
+        <p:cTn id="1" dur="indefinite" restart="never" nodeType="tmRoot">
+          <p:childTnLst>
+            <p:seq concurrent="1" nextAc="seek">
+              <p:cTn id="2" dur="indefinite" nodeType="mainSeq">
+                <p:childTnLst>
+                  <p:par>
+                    <p:cTn id="3" fill="hold">
+                      <p:stCondLst>
+                        <p:cond delay="indefinite"/>
+                      </p:stCondLst>
+                      <p:childTnLst>
+                        <p:par>
+                          <p:cTn id="4" fill="hold">
+                            <p:stCondLst>
+                              <p:cond delay="0"/>
+                            </p:stCondLst>
+                            <p:childTnLst>
+                              <p:par>
+                                <p:cTn id="5" presetID="63" presetClass="path" presetSubtype="0" accel="50000" decel="50000" fill="hold" nodeType="clickEffect">
+                                  <p:stCondLst>
+                                    <p:cond delay="0"/>
+                                  </p:stCondLst>
+                                  <p:childTnLst>
+                                    <p:animMotion origin="layout" path="M 0.000000 0.000000 L 0.112604 0.000741 " pathEditMode="relative" rAng="0" ptsTypes="">
+                                      <p:cBhvr>
+                                        <p:cTn id="6" dur="500" fill="hold"/>
+                                        <p:tgtEl>
+                                          <p:spTgt spid="51"/>
+                                        </p:tgtEl>
+                                        <p:attrNameLst>
+                                          <p:attrName>ppt_x</p:attrName>
+                                          <p:attrName>ppt_y</p:attrName>
+                                        </p:attrNameLst>
+                                      </p:cBhvr>
+                                      <p:rCtr x="56" y="1"/>
+                                    </p:animMotion>
+                                  </p:childTnLst>
+                                </p:cTn>
+                              </p:par>
+                            </p:childTnLst>
+                          </p:cTn>
+                        </p:par>
+                      </p:childTnLst>
+                    </p:cTn>
+                  </p:par>
+                  <p:par>
+                    <p:cTn id="7" fill="hold">
+                      <p:stCondLst>
+                        <p:cond delay="indefinite"/>
+                      </p:stCondLst>
+                      <p:childTnLst>
+                        <p:par>
+                          <p:cTn id="8" fill="hold">
+                            <p:stCondLst>
+                              <p:cond delay="0"/>
+                            </p:stCondLst>
+                            <p:childTnLst>
+                              <p:par>
+                                <p:cTn id="9" presetID="10" presetClass="entr" presetSubtype="0" fill="hold" grpId="0" nodeType="clickEffect">
+                                  <p:stCondLst>
+                                    <p:cond delay="0"/>
+                                  </p:stCondLst>
+                                  <p:childTnLst>
+                                    <p:set>
+                                      <p:cBhvr>
+                                        <p:cTn id="10" dur="1" fill="hold">
+                                          <p:stCondLst>
+                                            <p:cond delay="0"/>
+                                          </p:stCondLst>
+                                        </p:cTn>
+                                        <p:tgtEl>
+                                          <p:spTgt spid="12"/>
+                                        </p:tgtEl>
+                                        <p:attrNameLst>
+                                          <p:attrName>style.visibility</p:attrName>
+                                        </p:attrNameLst>
+                                      </p:cBhvr>
+                                      <p:to>
+                                        <p:strVal val="visible"/>
+                                      </p:to>
+                                    </p:set>
+                                    <p:animEffect transition="in" filter="fade">
+                                      <p:cBhvr>
+                                        <p:cTn id="11" dur="500"/>
+                                        <p:tgtEl>
+                                          <p:spTgt spid="12"/>
+                                        </p:tgtEl>
+                                      </p:cBhvr>
+                                    </p:animEffect>
+                                  </p:childTnLst>
+                                </p:cTn>
+                              </p:par>
+                            </p:childTnLst>
+                          </p:cTn>
+                        </p:par>
+                      </p:childTnLst>
+                    </p:cTn>
+                  </p:par>
+                  <p:par>
+                    <p:cTn id="12" fill="hold">
+                      <p:stCondLst>
+                        <p:cond delay="indefinite"/>
+                      </p:stCondLst>
+                      <p:childTnLst>
+                        <p:par>
+                          <p:cTn id="13" fill="hold">
+                            <p:stCondLst>
+                              <p:cond delay="0"/>
+                            </p:stCondLst>
+                            <p:childTnLst>
+                              <p:par>
+                                <p:cTn id="14" presetID="63" presetClass="path" presetSubtype="0" accel="50000" decel="50000" fill="hold" grpId="0" nodeType="clickEffect">
+                                  <p:stCondLst>
+                                    <p:cond delay="0"/>
+                                  </p:stCondLst>
+                                  <p:childTnLst>
+                                    <p:animMotion origin="layout" path="M 0.000000 0.000000 L 0.071458 -0.000648 " pathEditMode="relative" rAng="0" ptsTypes="">
+                                      <p:cBhvr>
+                                        <p:cTn id="15" dur="500" fill="hold"/>
+                                        <p:tgtEl>
+                                          <p:spTgt spid="19"/>
+                                        </p:tgtEl>
+                                        <p:attrNameLst>
+                                          <p:attrName>ppt_x</p:attrName>
+                                          <p:attrName>ppt_y</p:attrName>
+                                        </p:attrNameLst>
+                                      </p:cBhvr>
+                                      <p:rCtr x="36" y="0"/>
+                                    </p:animMotion>
+                                  </p:childTnLst>
+                                </p:cTn>
+                              </p:par>
+                            </p:childTnLst>
+                          </p:cTn>
+                        </p:par>
+                      </p:childTnLst>
+                    </p:cTn>
+                  </p:par>
+                  <p:par>
+                    <p:cTn id="16" fill="hold">
+                      <p:stCondLst>
+                        <p:cond delay="indefinite"/>
+                      </p:stCondLst>
+                      <p:childTnLst>
+                        <p:par>
+                          <p:cTn id="17" fill="hold">
+                            <p:stCondLst>
+                              <p:cond delay="0"/>
+                            </p:stCondLst>
+                            <p:childTnLst>
+                              <p:par>
+                                <p:cTn id="18" presetID="63" presetClass="path" presetSubtype="0" accel="50000" decel="50000" fill="hold" nodeType="clickEffect">
+                                  <p:stCondLst>
+                                    <p:cond delay="0"/>
+                                  </p:stCondLst>
+                                  <p:childTnLst>
+                                    <p:animMotion origin="layout" path="M 0.113646 0.001204 L 0.184844 0.001667 " pathEditMode="relative" rAng="0" ptsTypes="">
+                                      <p:cBhvr>
+                                        <p:cTn id="19" dur="500" fill="hold"/>
+                                        <p:tgtEl>
+                                          <p:spTgt spid="51"/>
+                                        </p:tgtEl>
+                                        <p:attrNameLst>
+                                          <p:attrName>ppt_x</p:attrName>
+                                          <p:attrName>ppt_y</p:attrName>
+                                        </p:attrNameLst>
+                                      </p:cBhvr>
+                                      <p:rCtr x="40" y="4"/>
+                                    </p:animMotion>
+                                  </p:childTnLst>
+                                </p:cTn>
+                              </p:par>
+                            </p:childTnLst>
+                          </p:cTn>
+                        </p:par>
+                      </p:childTnLst>
+                    </p:cTn>
+                  </p:par>
+                  <p:par>
+                    <p:cTn id="20" fill="hold">
+                      <p:stCondLst>
+                        <p:cond delay="indefinite"/>
+                      </p:stCondLst>
+                      <p:childTnLst>
+                        <p:par>
+                          <p:cTn id="21" fill="hold">
+                            <p:stCondLst>
+                              <p:cond delay="0"/>
+                            </p:stCondLst>
+                            <p:childTnLst>
+                              <p:par>
+                                <p:cTn id="22" presetID="10" presetClass="entr" presetSubtype="0" fill="hold" grpId="1" nodeType="clickEffect">
+                                  <p:stCondLst>
+                                    <p:cond delay="0"/>
+                                  </p:stCondLst>
+                                  <p:childTnLst>
+                                    <p:set>
+                                      <p:cBhvr>
+                                        <p:cTn id="23" dur="1" fill="hold">
+                                          <p:stCondLst>
+                                            <p:cond delay="0"/>
+                                          </p:stCondLst>
+                                        </p:cTn>
+                                        <p:tgtEl>
+                                          <p:spTgt spid="13"/>
+                                        </p:tgtEl>
+                                        <p:attrNameLst>
+                                          <p:attrName>style.visibility</p:attrName>
+                                        </p:attrNameLst>
+                                      </p:cBhvr>
+                                      <p:to>
+                                        <p:strVal val="visible"/>
+                                      </p:to>
+                                    </p:set>
+                                    <p:animEffect transition="in" filter="fade">
+                                      <p:cBhvr>
+                                        <p:cTn id="24" dur="500"/>
+                                        <p:tgtEl>
+                                          <p:spTgt spid="13"/>
+                                        </p:tgtEl>
+                                      </p:cBhvr>
+                                    </p:animEffect>
+                                  </p:childTnLst>
+                                </p:cTn>
+                              </p:par>
+                            </p:childTnLst>
+                          </p:cTn>
+                        </p:par>
+                      </p:childTnLst>
+                    </p:cTn>
+                  </p:par>
+                  <p:par>
+                    <p:cTn id="25" fill="hold">
+                      <p:stCondLst>
+                        <p:cond delay="indefinite"/>
+                      </p:stCondLst>
+                      <p:childTnLst>
+                        <p:par>
+                          <p:cTn id="26" fill="hold">
+                            <p:stCondLst>
+                              <p:cond delay="0"/>
+                            </p:stCondLst>
+                            <p:childTnLst>
+                              <p:par>
+                                <p:cTn id="27" presetID="63" presetClass="path" presetSubtype="0" accel="50000" decel="50000" fill="hold" grpId="1" nodeType="clickEffect">
+                                  <p:stCondLst>
+                                    <p:cond delay="0"/>
+                                  </p:stCondLst>
+                                  <p:childTnLst>
+                                    <p:animMotion origin="layout" path="M 0.072708 -0.000556 L 0.146198 -0.000556 " pathEditMode="relative" rAng="0" ptsTypes="">
+                                      <p:cBhvr>
+                                        <p:cTn id="28" dur="500" fill="hold"/>
+                                        <p:tgtEl>
+                                          <p:spTgt spid="19"/>
+                                        </p:tgtEl>
+                                        <p:attrNameLst>
+                                          <p:attrName>ppt_x</p:attrName>
+                                          <p:attrName>ppt_y</p:attrName>
+                                        </p:attrNameLst>
+                                      </p:cBhvr>
+                                      <p:rCtr x="37" y="0"/>
+                                    </p:animMotion>
+                                  </p:childTnLst>
+                                </p:cTn>
+                              </p:par>
+                            </p:childTnLst>
+                          </p:cTn>
+                        </p:par>
+                      </p:childTnLst>
+                    </p:cTn>
+                  </p:par>
+                  <p:par>
+                    <p:cTn id="29" fill="hold">
+                      <p:stCondLst>
+                        <p:cond delay="indefinite"/>
+                      </p:stCondLst>
+                      <p:childTnLst>
+                        <p:par>
+                          <p:cTn id="30" fill="hold">
+                            <p:stCondLst>
+                              <p:cond delay="0"/>
+                            </p:stCondLst>
+                            <p:childTnLst>
+                              <p:par>
+                                <p:cTn id="31" presetID="10" presetClass="entr" presetSubtype="0" fill="hold" grpId="0" nodeType="clickEffect">
+                                  <p:stCondLst>
+                                    <p:cond delay="0"/>
+                                  </p:stCondLst>
+                                  <p:childTnLst>
+                                    <p:set>
+                                      <p:cBhvr>
+                                        <p:cTn id="32" dur="1" fill="hold">
+                                          <p:stCondLst>
+                                            <p:cond delay="0"/>
+                                          </p:stCondLst>
+                                        </p:cTn>
+                                        <p:tgtEl>
+                                          <p:spTgt spid="15"/>
+                                        </p:tgtEl>
+                                        <p:attrNameLst>
+                                          <p:attrName>style.visibility</p:attrName>
+                                        </p:attrNameLst>
+                                      </p:cBhvr>
+                                      <p:to>
+                                        <p:strVal val="visible"/>
+                                      </p:to>
+                                    </p:set>
+                                    <p:animEffect transition="in" filter="fade">
+                                      <p:cBhvr>
+                                        <p:cTn id="33" dur="500"/>
+                                        <p:tgtEl>
+                                          <p:spTgt spid="15"/>
+                                        </p:tgtEl>
+                                      </p:cBhvr>
+                                    </p:animEffect>
+                                  </p:childTnLst>
+                                </p:cTn>
+                              </p:par>
+                            </p:childTnLst>
+                          </p:cTn>
+                        </p:par>
+                      </p:childTnLst>
+                    </p:cTn>
+                  </p:par>
+                  <p:par>
+                    <p:cTn id="34" fill="hold">
+                      <p:stCondLst>
+                        <p:cond delay="indefinite"/>
+                      </p:stCondLst>
+                      <p:childTnLst>
+                        <p:par>
+                          <p:cTn id="35" fill="hold">
+                            <p:stCondLst>
+                              <p:cond delay="0"/>
+                            </p:stCondLst>
+                            <p:childTnLst>
+                              <p:par>
+                                <p:cTn id="36" presetID="63" presetClass="path" presetSubtype="0" accel="50000" decel="50000" fill="hold" nodeType="clickEffect">
+                                  <p:stCondLst>
+                                    <p:cond delay="0"/>
+                                  </p:stCondLst>
+                                  <p:childTnLst>
+                                    <p:animMotion origin="layout" path="M 0.000000 0.000000 L 0.260365 -0.001852 " pathEditMode="relative" rAng="0" ptsTypes="">
+                                      <p:cBhvr>
+                                        <p:cTn id="37" dur="500" fill="hold"/>
+                                        <p:tgtEl>
+                                          <p:spTgt spid="8"/>
+                                        </p:tgtEl>
+                                        <p:attrNameLst>
+                                          <p:attrName>ppt_x</p:attrName>
+                                          <p:attrName>ppt_y</p:attrName>
+                                        </p:attrNameLst>
+                                      </p:cBhvr>
+                                      <p:rCtr x="130" y="-1"/>
+                                    </p:animMotion>
+                                  </p:childTnLst>
+                                </p:cTn>
+                              </p:par>
+                            </p:childTnLst>
+                          </p:cTn>
+                        </p:par>
+                      </p:childTnLst>
+                    </p:cTn>
+                  </p:par>
+                  <p:par>
+                    <p:cTn id="38" fill="hold">
+                      <p:stCondLst>
+                        <p:cond delay="indefinite"/>
+                      </p:stCondLst>
+                      <p:childTnLst>
+                        <p:par>
+                          <p:cTn id="39" fill="hold">
+                            <p:stCondLst>
+                              <p:cond delay="0"/>
+                            </p:stCondLst>
+                            <p:childTnLst>
+                              <p:par>
+                                <p:cTn id="40" presetID="63" presetClass="path" presetSubtype="0" accel="50000" decel="50000" fill="hold" grpId="2" nodeType="clickEffect">
+                                  <p:stCondLst>
+                                    <p:cond delay="0"/>
+                                  </p:stCondLst>
+                                  <p:childTnLst>
+                                    <p:animMotion origin="layout" path="M 0.143750 0.000093 L 0.218750 0.000185 " pathEditMode="relative" rAng="0" ptsTypes="">
+                                      <p:cBhvr>
+                                        <p:cTn id="41" dur="500" fill="hold"/>
+                                        <p:tgtEl>
+                                          <p:spTgt spid="19"/>
+                                        </p:tgtEl>
+                                        <p:attrNameLst>
+                                          <p:attrName>ppt_x</p:attrName>
+                                          <p:attrName>ppt_y</p:attrName>
+                                        </p:attrNameLst>
+                                      </p:cBhvr>
+                                      <p:rCtr x="38" y="0"/>
+                                    </p:animMotion>
+                                  </p:childTnLst>
+                                </p:cTn>
+                              </p:par>
+                            </p:childTnLst>
+                          </p:cTn>
+                        </p:par>
+                      </p:childTnLst>
+                    </p:cTn>
+                  </p:par>
+                  <p:par>
+                    <p:cTn id="42" fill="hold">
+                      <p:stCondLst>
+                        <p:cond delay="indefinite"/>
+                      </p:stCondLst>
+                      <p:childTnLst>
+                        <p:par>
+                          <p:cTn id="43" fill="hold">
+                            <p:stCondLst>
+                              <p:cond delay="0"/>
+                            </p:stCondLst>
+                            <p:childTnLst>
+                              <p:par>
+                                <p:cTn id="44" presetID="63" presetClass="path" presetSubtype="0" accel="50000" decel="50000" fill="hold" nodeType="clickEffect">
+                                  <p:stCondLst>
+                                    <p:cond delay="0"/>
+                                  </p:stCondLst>
+                                  <p:childTnLst>
+                                    <p:animMotion origin="layout" path="M 0.185000 0.000926 L 0.334635 0.001019 " pathEditMode="relative" rAng="0" ptsTypes="">
+                                      <p:cBhvr>
+                                        <p:cTn id="45" dur="500" fill="hold"/>
+                                        <p:tgtEl>
+                                          <p:spTgt spid="51"/>
+                                        </p:tgtEl>
+                                        <p:attrNameLst>
+                                          <p:attrName>ppt_x</p:attrName>
+                                          <p:attrName>ppt_y</p:attrName>
+                                        </p:attrNameLst>
+                                      </p:cBhvr>
+                                      <p:rCtr x="75" y="-1"/>
+                                    </p:animMotion>
+                                  </p:childTnLst>
+                                </p:cTn>
+                              </p:par>
+                            </p:childTnLst>
+                          </p:cTn>
+                        </p:par>
+                      </p:childTnLst>
+                    </p:cTn>
+                  </p:par>
+                  <p:par>
+                    <p:cTn id="46" fill="hold">
+                      <p:stCondLst>
+                        <p:cond delay="indefinite"/>
+                      </p:stCondLst>
+                      <p:childTnLst>
+                        <p:par>
+                          <p:cTn id="47" fill="hold">
+                            <p:stCondLst>
+                              <p:cond delay="0"/>
+                            </p:stCondLst>
+                            <p:childTnLst>
+                              <p:par>
+                                <p:cTn id="48" presetID="10" presetClass="entr" presetSubtype="0" fill="hold" grpId="0" nodeType="clickEffect">
+                                  <p:stCondLst>
+                                    <p:cond delay="0"/>
+                                  </p:stCondLst>
+                                  <p:childTnLst>
+                                    <p:set>
+                                      <p:cBhvr>
+                                        <p:cTn id="49" dur="1" fill="hold">
+                                          <p:stCondLst>
+                                            <p:cond delay="0"/>
+                                          </p:stCondLst>
+                                        </p:cTn>
+                                        <p:tgtEl>
+                                          <p:spTgt spid="16"/>
+                                        </p:tgtEl>
+                                        <p:attrNameLst>
+                                          <p:attrName>style.visibility</p:attrName>
+                                        </p:attrNameLst>
+                                      </p:cBhvr>
+                                      <p:to>
+                                        <p:strVal val="visible"/>
+                                      </p:to>
+                                    </p:set>
+                                    <p:animEffect transition="in" filter="fade">
+                                      <p:cBhvr>
+                                        <p:cTn id="50" dur="500"/>
+                                        <p:tgtEl>
+                                          <p:spTgt spid="16"/>
+                                        </p:tgtEl>
+                                      </p:cBhvr>
+                                    </p:animEffect>
+                                  </p:childTnLst>
+                                </p:cTn>
+                              </p:par>
+                            </p:childTnLst>
+                          </p:cTn>
+                        </p:par>
+                      </p:childTnLst>
+                    </p:cTn>
+                  </p:par>
+                  <p:par>
+                    <p:cTn id="51" fill="hold">
+                      <p:stCondLst>
+                        <p:cond delay="indefinite"/>
+                      </p:stCondLst>
+                      <p:childTnLst>
+                        <p:par>
+                          <p:cTn id="52" fill="hold">
+                            <p:stCondLst>
+                              <p:cond delay="0"/>
+                            </p:stCondLst>
+                            <p:childTnLst>
+                              <p:par>
+                                <p:cTn id="53" presetID="63" presetClass="path" presetSubtype="0" accel="50000" decel="50000" fill="hold" grpId="3" nodeType="clickEffect">
+                                  <p:stCondLst>
+                                    <p:cond delay="0"/>
+                                  </p:stCondLst>
+                                  <p:childTnLst>
+                                    <p:animMotion origin="layout" path="M 0.218750 0.000093 L 0.290833 0.000093 " pathEditMode="relative" rAng="0" ptsTypes="">
+                                      <p:cBhvr>
+                                        <p:cTn id="54" dur="500" fill="hold"/>
+                                        <p:tgtEl>
+                                          <p:spTgt spid="19"/>
+                                        </p:tgtEl>
+                                        <p:attrNameLst>
+                                          <p:attrName>ppt_x</p:attrName>
+                                          <p:attrName>ppt_y</p:attrName>
+                                        </p:attrNameLst>
+                                      </p:cBhvr>
+                                      <p:rCtr x="37" y="0"/>
+                                    </p:animMotion>
+                                  </p:childTnLst>
+                                </p:cTn>
+                              </p:par>
+                            </p:childTnLst>
+                          </p:cTn>
+                        </p:par>
+                      </p:childTnLst>
+                    </p:cTn>
+                  </p:par>
+                  <p:par>
+                    <p:cTn id="55" fill="hold">
+                      <p:stCondLst>
+                        <p:cond delay="indefinite"/>
+                      </p:stCondLst>
+                      <p:childTnLst>
+                        <p:par>
+                          <p:cTn id="56" fill="hold">
+                            <p:stCondLst>
+                              <p:cond delay="0"/>
+                            </p:stCondLst>
+                            <p:childTnLst>
+                              <p:par>
+                                <p:cTn id="57" presetID="10" presetClass="entr" presetSubtype="0" fill="hold" grpId="0" nodeType="clickEffect">
+                                  <p:stCondLst>
+                                    <p:cond delay="0"/>
+                                  </p:stCondLst>
+                                  <p:childTnLst>
+                                    <p:set>
+                                      <p:cBhvr>
+                                        <p:cTn id="58" dur="1" fill="hold">
+                                          <p:stCondLst>
+                                            <p:cond delay="0"/>
+                                          </p:stCondLst>
+                                        </p:cTn>
+                                        <p:tgtEl>
+                                          <p:spTgt spid="17"/>
+                                        </p:tgtEl>
+                                        <p:attrNameLst>
+                                          <p:attrName>style.visibility</p:attrName>
+                                        </p:attrNameLst>
+                                      </p:cBhvr>
+                                      <p:to>
+                                        <p:strVal val="visible"/>
+                                      </p:to>
+                                    </p:set>
+                                    <p:animEffect transition="in" filter="fade">
+                                      <p:cBhvr>
+                                        <p:cTn id="59" dur="500"/>
+                                        <p:tgtEl>
+                                          <p:spTgt spid="17"/>
+                                        </p:tgtEl>
+                                      </p:cBhvr>
+                                    </p:animEffect>
+                                  </p:childTnLst>
+                                </p:cTn>
+                              </p:par>
+                            </p:childTnLst>
+                          </p:cTn>
+                        </p:par>
+                      </p:childTnLst>
+                    </p:cTn>
+                  </p:par>
+                  <p:par>
+                    <p:cTn id="60" fill="hold">
+                      <p:stCondLst>
+                        <p:cond delay="indefinite"/>
+                      </p:stCondLst>
+                      <p:childTnLst>
+                        <p:par>
+                          <p:cTn id="61" fill="hold">
+                            <p:stCondLst>
+                              <p:cond delay="0"/>
+                            </p:stCondLst>
+                            <p:childTnLst>
+                              <p:par>
+                                <p:cTn id="62" presetID="63" presetClass="path" presetSubtype="0" accel="50000" decel="50000" fill="hold" grpId="4" nodeType="clickEffect">
+                                  <p:stCondLst>
+                                    <p:cond delay="0"/>
+                                  </p:stCondLst>
+                                  <p:childTnLst>
+                                    <p:animMotion origin="layout" path="M 0.292500 -0.000833 L 0.364479 -0.001204 " pathEditMode="relative" rAng="0" ptsTypes="">
+                                      <p:cBhvr>
+                                        <p:cTn id="63" dur="500" fill="hold"/>
+                                        <p:tgtEl>
+                                          <p:spTgt spid="19"/>
+                                        </p:tgtEl>
+                                        <p:attrNameLst>
+                                          <p:attrName>ppt_x</p:attrName>
+                                          <p:attrName>ppt_y</p:attrName>
+                                        </p:attrNameLst>
+                                      </p:cBhvr>
+                                      <p:rCtr x="37" y="0"/>
+                                    </p:animMotion>
+                                  </p:childTnLst>
+                                </p:cTn>
+                              </p:par>
+                            </p:childTnLst>
+                          </p:cTn>
+                        </p:par>
+                      </p:childTnLst>
+                    </p:cTn>
+                  </p:par>
+                  <p:par>
+                    <p:cTn id="64" fill="hold">
+                      <p:stCondLst>
+                        <p:cond delay="indefinite"/>
+                      </p:stCondLst>
+                      <p:childTnLst>
+                        <p:par>
+                          <p:cTn id="65" fill="hold">
+                            <p:stCondLst>
+                              <p:cond delay="0"/>
+                            </p:stCondLst>
+                            <p:childTnLst>
+                              <p:par>
+                                <p:cTn id="66" presetID="10" presetClass="entr" presetSubtype="0" fill="hold" grpId="0" nodeType="clickEffect">
+                                  <p:stCondLst>
+                                    <p:cond delay="0"/>
+                                  </p:stCondLst>
+                                  <p:childTnLst>
+                                    <p:set>
+                                      <p:cBhvr>
+                                        <p:cTn id="67" dur="1" fill="hold">
+                                          <p:stCondLst>
+                                            <p:cond delay="0"/>
+                                          </p:stCondLst>
+                                        </p:cTn>
+                                        <p:tgtEl>
+                                          <p:spTgt spid="18"/>
+                                        </p:tgtEl>
+                                        <p:attrNameLst>
+                                          <p:attrName>style.visibility</p:attrName>
+                                        </p:attrNameLst>
+                                      </p:cBhvr>
+                                      <p:to>
+                                        <p:strVal val="visible"/>
+                                      </p:to>
+                                    </p:set>
+                                    <p:animEffect transition="in" filter="fade">
+                                      <p:cBhvr>
+                                        <p:cTn id="68" dur="500"/>
+                                        <p:tgtEl>
+                                          <p:spTgt spid="18"/>
+                                        </p:tgtEl>
+                                      </p:cBhvr>
+                                    </p:animEffect>
+                                  </p:childTnLst>
+                                </p:cTn>
+                              </p:par>
+                            </p:childTnLst>
+                          </p:cTn>
+                        </p:par>
+                      </p:childTnLst>
+                    </p:cTn>
+                  </p:par>
+                </p:childTnLst>
+              </p:cTn>
+              <p:prevCondLst>
+                <p:cond evt="onPrev" delay="0">
+                  <p:tgtEl>
+                    <p:sldTgt/>
+                  </p:tgtEl>
+                </p:cond>
+              </p:prevCondLst>
+              <p:nextCondLst>
+                <p:cond evt="onNext" delay="0">
+                  <p:tgtEl>
+                    <p:sldTgt/>
+                  </p:tgtEl>
+                </p:cond>
+              </p:nextCondLst>
+            </p:seq>
+          </p:childTnLst>
+        </p:cTn>
+      </p:par>
+    </p:tnLst>
+    <p:bldLst>
+      <p:bldP spid="13" grpId="1"/>
+      <p:bldP spid="15" grpId="0"/>
+      <p:bldP spid="16" grpId="0"/>
+      <p:bldP spid="17" grpId="0"/>
+      <p:bldP spid="18" grpId="0"/>
+      <p:bldP spid="12" grpId="0"/>
+      <p:bldP spid="19" grpId="0" bldLvl="0" animBg="1"/>
+      <p:bldP spid="19" grpId="1" bldLvl="0" animBg="1"/>
+      <p:bldP spid="19" grpId="2" bldLvl="0" animBg="1"/>
+      <p:bldP spid="19" grpId="3" bldLvl="0" animBg="1"/>
+      <p:bldP spid="19" grpId="4" bldLvl="0" animBg="1"/>
+    </p:bldLst>
+  </p:timing>
+</p:sld>
+</file>
+
 <file path=ppt/slides/slide2.xml><?xml version="1.0" encoding="utf-8"?>
 <p:sld xmlns:a="http://schemas.openxmlformats.org/drawingml/2006/main" xmlns:r="http://schemas.openxmlformats.org/officeDocument/2006/relationships" xmlns:p="http://schemas.openxmlformats.org/presentationml/2006/main">
   <p:cSld>
@@ -25173,6 +27000,1374 @@
       <p:bldP spid="220" grpId="1" animBg="1"/>
       <p:bldP spid="218" grpId="3" animBg="1"/>
       <p:bldP spid="219" grpId="3" animBg="1"/>
+    </p:bldLst>
+  </p:timing>
+</p:sld>
+</file>
+
+<file path=ppt/slides/slide9.xml><?xml version="1.0" encoding="utf-8"?>
+<p:sld xmlns:a="http://schemas.openxmlformats.org/drawingml/2006/main" xmlns:r="http://schemas.openxmlformats.org/officeDocument/2006/relationships" xmlns:p="http://schemas.openxmlformats.org/presentationml/2006/main">
+  <p:cSld>
+    <p:bg>
+      <p:bgPr>
+        <a:solidFill>
+          <a:schemeClr val="tx2"/>
+        </a:solidFill>
+        <a:effectLst/>
+      </p:bgPr>
+    </p:bg>
+    <p:spTree>
+      <p:nvGrpSpPr>
+        <p:cNvPr id="1" name=""/>
+        <p:cNvGrpSpPr/>
+        <p:nvPr/>
+      </p:nvGrpSpPr>
+      <p:grpSpPr/>
+      <p:sp>
+        <p:nvSpPr>
+          <p:cNvPr id="6" name="文本框 5"/>
+          <p:cNvSpPr txBox="1"/>
+          <p:nvPr/>
+        </p:nvSpPr>
+        <p:spPr>
+          <a:xfrm>
+            <a:off x="503555" y="1197610"/>
+            <a:ext cx="11573510" cy="645160"/>
+          </a:xfrm>
+          <a:prstGeom prst="rect">
+            <a:avLst/>
+          </a:prstGeom>
+          <a:noFill/>
+        </p:spPr>
+        <p:txBody>
+          <a:bodyPr wrap="square" rtlCol="0">
+            <a:spAutoFit/>
+          </a:bodyPr>
+          <a:p>
+            <a:pPr algn="l"/>
+            <a:r>
+              <a:rPr lang="zh-CN" altLang="en-US" b="1">
+                <a:solidFill>
+                  <a:schemeClr val="bg1"/>
+                </a:solidFill>
+              </a:rPr>
+              <a:t>题目：给定一个数组 prices ，它的第 i 个元素 prices[i] 表示一支给定股票第 i 天的价格。</a:t>
+            </a:r>
+            <a:endParaRPr lang="zh-CN" altLang="en-US" b="1">
+              <a:solidFill>
+                <a:schemeClr val="bg1"/>
+              </a:solidFill>
+            </a:endParaRPr>
+          </a:p>
+          <a:p>
+            <a:pPr algn="l"/>
+            <a:r>
+              <a:rPr lang="zh-CN" altLang="en-US" b="1">
+                <a:solidFill>
+                  <a:schemeClr val="bg1"/>
+                </a:solidFill>
+              </a:rPr>
+              <a:t>要求：买和卖各操作一次获取最大利润</a:t>
+            </a:r>
+            <a:endParaRPr lang="zh-CN" altLang="en-US" b="1">
+              <a:solidFill>
+                <a:schemeClr val="bg1"/>
+              </a:solidFill>
+            </a:endParaRPr>
+          </a:p>
+        </p:txBody>
+      </p:sp>
+      <p:sp>
+        <p:nvSpPr>
+          <p:cNvPr id="14" name="文本框 13"/>
+          <p:cNvSpPr txBox="1"/>
+          <p:nvPr/>
+        </p:nvSpPr>
+        <p:spPr>
+          <a:xfrm>
+            <a:off x="578485" y="419100"/>
+            <a:ext cx="6424295" cy="706755"/>
+          </a:xfrm>
+          <a:prstGeom prst="rect">
+            <a:avLst/>
+          </a:prstGeom>
+          <a:noFill/>
+        </p:spPr>
+        <p:txBody>
+          <a:bodyPr wrap="square" rtlCol="0">
+            <a:spAutoFit/>
+          </a:bodyPr>
+          <a:p>
+            <a:pPr algn="l"/>
+            <a:r>
+              <a:rPr sz="4000" b="1">
+                <a:solidFill>
+                  <a:schemeClr val="bg1"/>
+                </a:solidFill>
+                <a:sym typeface="+mn-ea"/>
+              </a:rPr>
+              <a:t>121. 买卖股票的最佳时机</a:t>
+            </a:r>
+            <a:endParaRPr sz="4000" b="1">
+              <a:solidFill>
+                <a:schemeClr val="bg1"/>
+              </a:solidFill>
+              <a:sym typeface="+mn-ea"/>
+            </a:endParaRPr>
+          </a:p>
+        </p:txBody>
+      </p:sp>
+      <p:sp>
+        <p:nvSpPr>
+          <p:cNvPr id="2" name="文本框 1"/>
+          <p:cNvSpPr txBox="1"/>
+          <p:nvPr/>
+        </p:nvSpPr>
+        <p:spPr>
+          <a:xfrm>
+            <a:off x="914400" y="2767965"/>
+            <a:ext cx="3345180" cy="521970"/>
+          </a:xfrm>
+          <a:prstGeom prst="rect">
+            <a:avLst/>
+          </a:prstGeom>
+          <a:noFill/>
+        </p:spPr>
+        <p:txBody>
+          <a:bodyPr wrap="square" rtlCol="0">
+            <a:spAutoFit/>
+          </a:bodyPr>
+          <a:p>
+            <a:pPr algn="l"/>
+            <a:r>
+              <a:rPr lang="zh-CN" altLang="en-US" sz="2800" b="1">
+                <a:solidFill>
+                  <a:schemeClr val="bg1"/>
+                </a:solidFill>
+              </a:rPr>
+              <a:t>[ 7,  1,  5,  3,  6,  4 ]</a:t>
+            </a:r>
+            <a:endParaRPr lang="zh-CN" altLang="en-US" sz="2800" b="1">
+              <a:solidFill>
+                <a:schemeClr val="bg1"/>
+              </a:solidFill>
+            </a:endParaRPr>
+          </a:p>
+        </p:txBody>
+      </p:sp>
+      <p:sp>
+        <p:nvSpPr>
+          <p:cNvPr id="20" name="文本框 19"/>
+          <p:cNvSpPr txBox="1"/>
+          <p:nvPr/>
+        </p:nvSpPr>
+        <p:spPr>
+          <a:xfrm>
+            <a:off x="578485" y="1800225"/>
+            <a:ext cx="7010400" cy="521970"/>
+          </a:xfrm>
+          <a:prstGeom prst="rect">
+            <a:avLst/>
+          </a:prstGeom>
+          <a:noFill/>
+        </p:spPr>
+        <p:txBody>
+          <a:bodyPr wrap="square" rtlCol="0">
+            <a:spAutoFit/>
+            <a:scene3d>
+              <a:camera prst="orthographicFront"/>
+              <a:lightRig rig="threePt" dir="t"/>
+            </a:scene3d>
+          </a:bodyPr>
+          <a:p>
+            <a:pPr algn="l"/>
+            <a:r>
+              <a:rPr lang="zh-CN" altLang="en-US" sz="2800" b="1">
+                <a:ln w="12700" cmpd="sng">
+                  <a:solidFill>
+                    <a:schemeClr val="accent4"/>
+                  </a:solidFill>
+                  <a:prstDash val="solid"/>
+                </a:ln>
+                <a:gradFill>
+                  <a:gsLst>
+                    <a:gs pos="0">
+                      <a:schemeClr val="accent4"/>
+                    </a:gs>
+                    <a:gs pos="4000">
+                      <a:schemeClr val="accent4">
+                        <a:lumMod val="60000"/>
+                        <a:lumOff val="40000"/>
+                      </a:schemeClr>
+                    </a:gs>
+                    <a:gs pos="87000">
+                      <a:schemeClr val="accent4">
+                        <a:lumMod val="20000"/>
+                        <a:lumOff val="80000"/>
+                      </a:schemeClr>
+                    </a:gs>
+                  </a:gsLst>
+                  <a:lin ang="5400000"/>
+                </a:gradFill>
+                <a:effectLst/>
+                <a:sym typeface="+mn-ea"/>
+              </a:rPr>
+              <a:t>！！！</a:t>
+            </a:r>
+            <a:r>
+              <a:rPr lang="en-US" sz="2800" b="1">
+                <a:ln w="12700" cmpd="sng">
+                  <a:solidFill>
+                    <a:schemeClr val="accent4"/>
+                  </a:solidFill>
+                  <a:prstDash val="solid"/>
+                </a:ln>
+                <a:gradFill>
+                  <a:gsLst>
+                    <a:gs pos="0">
+                      <a:schemeClr val="accent4"/>
+                    </a:gs>
+                    <a:gs pos="4000">
+                      <a:schemeClr val="accent4">
+                        <a:lumMod val="60000"/>
+                        <a:lumOff val="40000"/>
+                      </a:schemeClr>
+                    </a:gs>
+                    <a:gs pos="87000">
+                      <a:schemeClr val="accent4">
+                        <a:lumMod val="20000"/>
+                        <a:lumOff val="80000"/>
+                      </a:schemeClr>
+                    </a:gs>
+                  </a:gsLst>
+                  <a:lin ang="5400000"/>
+                </a:gradFill>
+                <a:effectLst/>
+                <a:sym typeface="+mn-ea"/>
+              </a:rPr>
+              <a:t> </a:t>
+            </a:r>
+            <a:r>
+              <a:rPr sz="2800" b="1">
+                <a:ln w="12700" cmpd="sng">
+                  <a:solidFill>
+                    <a:schemeClr val="accent4"/>
+                  </a:solidFill>
+                  <a:prstDash val="solid"/>
+                </a:ln>
+                <a:gradFill>
+                  <a:gsLst>
+                    <a:gs pos="0">
+                      <a:schemeClr val="accent4"/>
+                    </a:gs>
+                    <a:gs pos="4000">
+                      <a:schemeClr val="accent4">
+                        <a:lumMod val="60000"/>
+                        <a:lumOff val="40000"/>
+                      </a:schemeClr>
+                    </a:gs>
+                    <a:gs pos="87000">
+                      <a:schemeClr val="accent4">
+                        <a:lumMod val="20000"/>
+                        <a:lumOff val="80000"/>
+                      </a:schemeClr>
+                    </a:gs>
+                  </a:gsLst>
+                  <a:lin ang="5400000"/>
+                </a:gradFill>
+                <a:effectLst/>
+                <a:sym typeface="+mn-ea"/>
+              </a:rPr>
+              <a:t>股票</a:t>
+            </a:r>
+            <a:r>
+              <a:rPr lang="zh-CN" sz="2800" b="1">
+                <a:ln w="12700" cmpd="sng">
+                  <a:solidFill>
+                    <a:schemeClr val="accent4"/>
+                  </a:solidFill>
+                  <a:prstDash val="solid"/>
+                </a:ln>
+                <a:gradFill>
+                  <a:gsLst>
+                    <a:gs pos="0">
+                      <a:schemeClr val="accent4"/>
+                    </a:gs>
+                    <a:gs pos="4000">
+                      <a:schemeClr val="accent4">
+                        <a:lumMod val="60000"/>
+                        <a:lumOff val="40000"/>
+                      </a:schemeClr>
+                    </a:gs>
+                    <a:gs pos="87000">
+                      <a:schemeClr val="accent4">
+                        <a:lumMod val="20000"/>
+                        <a:lumOff val="80000"/>
+                      </a:schemeClr>
+                    </a:gs>
+                  </a:gsLst>
+                  <a:lin ang="5400000"/>
+                </a:gradFill>
+                <a:effectLst/>
+                <a:sym typeface="+mn-ea"/>
+              </a:rPr>
+              <a:t>赚钱操作原则：高抛低吸 </a:t>
+            </a:r>
+            <a:r>
+              <a:rPr lang="zh-CN" altLang="en-US" sz="2800" b="1">
+                <a:ln w="12700" cmpd="sng">
+                  <a:solidFill>
+                    <a:schemeClr val="accent4"/>
+                  </a:solidFill>
+                  <a:prstDash val="solid"/>
+                </a:ln>
+                <a:gradFill>
+                  <a:gsLst>
+                    <a:gs pos="0">
+                      <a:schemeClr val="accent4"/>
+                    </a:gs>
+                    <a:gs pos="4000">
+                      <a:schemeClr val="accent4">
+                        <a:lumMod val="60000"/>
+                        <a:lumOff val="40000"/>
+                      </a:schemeClr>
+                    </a:gs>
+                    <a:gs pos="87000">
+                      <a:schemeClr val="accent4">
+                        <a:lumMod val="20000"/>
+                        <a:lumOff val="80000"/>
+                      </a:schemeClr>
+                    </a:gs>
+                  </a:gsLst>
+                  <a:lin ang="5400000"/>
+                </a:gradFill>
+                <a:effectLst/>
+                <a:sym typeface="+mn-ea"/>
+              </a:rPr>
+              <a:t>！！！</a:t>
+            </a:r>
+            <a:endParaRPr lang="zh-CN" altLang="en-US" sz="2800" b="1">
+              <a:ln w="12700" cmpd="sng">
+                <a:solidFill>
+                  <a:schemeClr val="accent4"/>
+                </a:solidFill>
+                <a:prstDash val="solid"/>
+              </a:ln>
+              <a:gradFill>
+                <a:gsLst>
+                  <a:gs pos="0">
+                    <a:schemeClr val="accent4"/>
+                  </a:gs>
+                  <a:gs pos="4000">
+                    <a:schemeClr val="accent4">
+                      <a:lumMod val="60000"/>
+                      <a:lumOff val="40000"/>
+                    </a:schemeClr>
+                  </a:gs>
+                  <a:gs pos="87000">
+                    <a:schemeClr val="accent4">
+                      <a:lumMod val="20000"/>
+                      <a:lumOff val="80000"/>
+                    </a:schemeClr>
+                  </a:gs>
+                </a:gsLst>
+                <a:lin ang="5400000"/>
+              </a:gradFill>
+              <a:effectLst/>
+              <a:sym typeface="+mn-ea"/>
+            </a:endParaRPr>
+          </a:p>
+        </p:txBody>
+      </p:sp>
+      <p:sp>
+        <p:nvSpPr>
+          <p:cNvPr id="22" name="文本框 21"/>
+          <p:cNvSpPr txBox="1"/>
+          <p:nvPr/>
+        </p:nvSpPr>
+        <p:spPr>
+          <a:xfrm>
+            <a:off x="1352550" y="6850380"/>
+            <a:ext cx="337185" cy="306705"/>
+          </a:xfrm>
+          <a:prstGeom prst="rect">
+            <a:avLst/>
+          </a:prstGeom>
+          <a:noFill/>
+        </p:spPr>
+        <p:txBody>
+          <a:bodyPr wrap="square" rtlCol="0">
+            <a:spAutoFit/>
+          </a:bodyPr>
+          <a:p>
+            <a:pPr algn="l"/>
+            <a:r>
+              <a:rPr lang="en-US" altLang="zh-CN" sz="1400">
+                <a:solidFill>
+                  <a:schemeClr val="bg1"/>
+                </a:solidFill>
+              </a:rPr>
+              <a:t>1</a:t>
+            </a:r>
+            <a:endParaRPr lang="en-US" altLang="zh-CN" sz="1400">
+              <a:solidFill>
+                <a:schemeClr val="bg1"/>
+              </a:solidFill>
+            </a:endParaRPr>
+          </a:p>
+        </p:txBody>
+      </p:sp>
+      <p:grpSp>
+        <p:nvGrpSpPr>
+          <p:cNvPr id="39" name="组合 38"/>
+          <p:cNvGrpSpPr/>
+          <p:nvPr/>
+        </p:nvGrpSpPr>
+        <p:grpSpPr>
+          <a:xfrm>
+            <a:off x="723900" y="3702050"/>
+            <a:ext cx="3719830" cy="2875280"/>
+            <a:chOff x="1393" y="5830"/>
+            <a:chExt cx="5858" cy="4528"/>
+          </a:xfrm>
+        </p:grpSpPr>
+        <p:pic>
+          <p:nvPicPr>
+            <p:cNvPr id="11" name="图片 10"/>
+            <p:cNvPicPr>
+              <a:picLocks noChangeAspect="1"/>
+            </p:cNvPicPr>
+            <p:nvPr/>
+          </p:nvPicPr>
+          <p:blipFill>
+            <a:blip r:embed="rId1"/>
+            <a:stretch>
+              <a:fillRect/>
+            </a:stretch>
+          </p:blipFill>
+          <p:spPr>
+            <a:xfrm>
+              <a:off x="1393" y="5830"/>
+              <a:ext cx="5858" cy="4528"/>
+            </a:xfrm>
+            <a:prstGeom prst="rect">
+              <a:avLst/>
+            </a:prstGeom>
+          </p:spPr>
+        </p:pic>
+        <p:sp>
+          <p:nvSpPr>
+            <p:cNvPr id="21" name="文本框 20"/>
+            <p:cNvSpPr txBox="1"/>
+            <p:nvPr/>
+          </p:nvSpPr>
+          <p:spPr>
+            <a:xfrm>
+              <a:off x="2141" y="6868"/>
+              <a:ext cx="531" cy="483"/>
+            </a:xfrm>
+            <a:prstGeom prst="rect">
+              <a:avLst/>
+            </a:prstGeom>
+            <a:noFill/>
+          </p:spPr>
+          <p:txBody>
+            <a:bodyPr wrap="square" rtlCol="0">
+              <a:spAutoFit/>
+            </a:bodyPr>
+            <a:p>
+              <a:pPr algn="l"/>
+              <a:r>
+                <a:rPr lang="zh-CN" altLang="en-US" sz="1400">
+                  <a:solidFill>
+                    <a:schemeClr val="bg1"/>
+                  </a:solidFill>
+                </a:rPr>
+                <a:t>7</a:t>
+              </a:r>
+              <a:endParaRPr lang="zh-CN" altLang="en-US" sz="1400">
+                <a:solidFill>
+                  <a:schemeClr val="bg1"/>
+                </a:solidFill>
+              </a:endParaRPr>
+            </a:p>
+          </p:txBody>
+        </p:sp>
+        <p:sp>
+          <p:nvSpPr>
+            <p:cNvPr id="24" name="文本框 23"/>
+            <p:cNvSpPr txBox="1"/>
+            <p:nvPr/>
+          </p:nvSpPr>
+          <p:spPr>
+            <a:xfrm>
+              <a:off x="3702" y="7276"/>
+              <a:ext cx="531" cy="483"/>
+            </a:xfrm>
+            <a:prstGeom prst="rect">
+              <a:avLst/>
+            </a:prstGeom>
+            <a:noFill/>
+          </p:spPr>
+          <p:txBody>
+            <a:bodyPr wrap="square" rtlCol="0">
+              <a:spAutoFit/>
+            </a:bodyPr>
+            <a:p>
+              <a:pPr algn="l"/>
+              <a:r>
+                <a:rPr lang="en-US" altLang="zh-CN" sz="1400">
+                  <a:solidFill>
+                    <a:schemeClr val="bg1"/>
+                  </a:solidFill>
+                </a:rPr>
+                <a:t>5</a:t>
+              </a:r>
+              <a:endParaRPr lang="en-US" altLang="zh-CN" sz="1400">
+                <a:solidFill>
+                  <a:schemeClr val="bg1"/>
+                </a:solidFill>
+              </a:endParaRPr>
+            </a:p>
+          </p:txBody>
+        </p:sp>
+        <p:sp>
+          <p:nvSpPr>
+            <p:cNvPr id="25" name="文本框 24"/>
+            <p:cNvSpPr txBox="1"/>
+            <p:nvPr/>
+          </p:nvSpPr>
+          <p:spPr>
+            <a:xfrm>
+              <a:off x="4473" y="9110"/>
+              <a:ext cx="531" cy="483"/>
+            </a:xfrm>
+            <a:prstGeom prst="rect">
+              <a:avLst/>
+            </a:prstGeom>
+            <a:noFill/>
+          </p:spPr>
+          <p:txBody>
+            <a:bodyPr wrap="square" rtlCol="0">
+              <a:spAutoFit/>
+            </a:bodyPr>
+            <a:p>
+              <a:pPr algn="l"/>
+              <a:r>
+                <a:rPr lang="en-US" altLang="zh-CN" sz="1400">
+                  <a:solidFill>
+                    <a:schemeClr val="bg1"/>
+                  </a:solidFill>
+                </a:rPr>
+                <a:t>3</a:t>
+              </a:r>
+              <a:endParaRPr lang="en-US" altLang="zh-CN" sz="1400">
+                <a:solidFill>
+                  <a:schemeClr val="bg1"/>
+                </a:solidFill>
+              </a:endParaRPr>
+            </a:p>
+          </p:txBody>
+        </p:sp>
+        <p:sp>
+          <p:nvSpPr>
+            <p:cNvPr id="26" name="文本框 25"/>
+            <p:cNvSpPr txBox="1"/>
+            <p:nvPr/>
+          </p:nvSpPr>
+          <p:spPr>
+            <a:xfrm>
+              <a:off x="5263" y="6887"/>
+              <a:ext cx="531" cy="483"/>
+            </a:xfrm>
+            <a:prstGeom prst="rect">
+              <a:avLst/>
+            </a:prstGeom>
+            <a:noFill/>
+          </p:spPr>
+          <p:txBody>
+            <a:bodyPr wrap="square" rtlCol="0">
+              <a:spAutoFit/>
+            </a:bodyPr>
+            <a:p>
+              <a:pPr algn="l"/>
+              <a:r>
+                <a:rPr lang="en-US" altLang="zh-CN" sz="1400">
+                  <a:solidFill>
+                    <a:schemeClr val="bg1"/>
+                  </a:solidFill>
+                </a:rPr>
+                <a:t>6</a:t>
+              </a:r>
+              <a:endParaRPr lang="en-US" altLang="zh-CN" sz="1400">
+                <a:solidFill>
+                  <a:schemeClr val="bg1"/>
+                </a:solidFill>
+              </a:endParaRPr>
+            </a:p>
+          </p:txBody>
+        </p:sp>
+        <p:sp>
+          <p:nvSpPr>
+            <p:cNvPr id="27" name="文本框 26"/>
+            <p:cNvSpPr txBox="1"/>
+            <p:nvPr/>
+          </p:nvSpPr>
+          <p:spPr>
+            <a:xfrm>
+              <a:off x="5964" y="6887"/>
+              <a:ext cx="531" cy="483"/>
+            </a:xfrm>
+            <a:prstGeom prst="rect">
+              <a:avLst/>
+            </a:prstGeom>
+            <a:noFill/>
+          </p:spPr>
+          <p:txBody>
+            <a:bodyPr wrap="square" rtlCol="0">
+              <a:spAutoFit/>
+            </a:bodyPr>
+            <a:p>
+              <a:pPr algn="l"/>
+              <a:r>
+                <a:rPr lang="en-US" altLang="zh-CN" sz="1400">
+                  <a:solidFill>
+                    <a:schemeClr val="bg1"/>
+                  </a:solidFill>
+                </a:rPr>
+                <a:t>4</a:t>
+              </a:r>
+              <a:endParaRPr lang="en-US" altLang="zh-CN" sz="1400">
+                <a:solidFill>
+                  <a:schemeClr val="bg1"/>
+                </a:solidFill>
+              </a:endParaRPr>
+            </a:p>
+          </p:txBody>
+        </p:sp>
+      </p:grpSp>
+      <p:cxnSp>
+        <p:nvCxnSpPr>
+          <p:cNvPr id="62" name="直接箭头连接符 61"/>
+          <p:cNvCxnSpPr/>
+          <p:nvPr/>
+        </p:nvCxnSpPr>
+        <p:spPr>
+          <a:xfrm>
+            <a:off x="2586990" y="3274695"/>
+            <a:ext cx="0" cy="325755"/>
+          </a:xfrm>
+          <a:prstGeom prst="straightConnector1">
+            <a:avLst/>
+          </a:prstGeom>
+          <a:ln w="28575" cmpd="sng">
+            <a:solidFill>
+              <a:schemeClr val="bg1"/>
+            </a:solidFill>
+            <a:prstDash val="solid"/>
+            <a:tailEnd type="arrow"/>
+          </a:ln>
+        </p:spPr>
+        <p:style>
+          <a:lnRef idx="1">
+            <a:schemeClr val="accent1"/>
+          </a:lnRef>
+          <a:fillRef idx="0">
+            <a:schemeClr val="accent1"/>
+          </a:fillRef>
+          <a:effectRef idx="0">
+            <a:schemeClr val="accent1"/>
+          </a:effectRef>
+          <a:fontRef idx="minor">
+            <a:schemeClr val="tx1"/>
+          </a:fontRef>
+        </p:style>
+      </p:cxnSp>
+      <p:cxnSp>
+        <p:nvCxnSpPr>
+          <p:cNvPr id="30" name="直接箭头连接符 29"/>
+          <p:cNvCxnSpPr/>
+          <p:nvPr/>
+        </p:nvCxnSpPr>
+        <p:spPr>
+          <a:xfrm>
+            <a:off x="7506335" y="3264535"/>
+            <a:ext cx="0" cy="324000"/>
+          </a:xfrm>
+          <a:prstGeom prst="straightConnector1">
+            <a:avLst/>
+          </a:prstGeom>
+          <a:ln w="28575" cmpd="sng">
+            <a:solidFill>
+              <a:schemeClr val="bg1"/>
+            </a:solidFill>
+            <a:prstDash val="solid"/>
+            <a:tailEnd type="arrow"/>
+          </a:ln>
+        </p:spPr>
+        <p:style>
+          <a:lnRef idx="1">
+            <a:schemeClr val="accent1"/>
+          </a:lnRef>
+          <a:fillRef idx="0">
+            <a:schemeClr val="accent1"/>
+          </a:fillRef>
+          <a:effectRef idx="0">
+            <a:schemeClr val="accent1"/>
+          </a:effectRef>
+          <a:fontRef idx="minor">
+            <a:schemeClr val="tx1"/>
+          </a:fontRef>
+        </p:style>
+      </p:cxnSp>
+      <p:sp>
+        <p:nvSpPr>
+          <p:cNvPr id="31" name="文本框 30"/>
+          <p:cNvSpPr txBox="1"/>
+          <p:nvPr/>
+        </p:nvSpPr>
+        <p:spPr>
+          <a:xfrm>
+            <a:off x="5826125" y="2767965"/>
+            <a:ext cx="3345180" cy="521970"/>
+          </a:xfrm>
+          <a:prstGeom prst="rect">
+            <a:avLst/>
+          </a:prstGeom>
+          <a:noFill/>
+        </p:spPr>
+        <p:txBody>
+          <a:bodyPr wrap="square" rtlCol="0">
+            <a:spAutoFit/>
+          </a:bodyPr>
+          <a:p>
+            <a:pPr algn="l"/>
+            <a:r>
+              <a:rPr lang="zh-CN" altLang="en-US" sz="2800" b="1">
+                <a:solidFill>
+                  <a:schemeClr val="bg1"/>
+                </a:solidFill>
+              </a:rPr>
+              <a:t>[ 7,  </a:t>
+            </a:r>
+            <a:r>
+              <a:rPr lang="en-US" altLang="zh-CN" sz="2800" b="1">
+                <a:solidFill>
+                  <a:schemeClr val="bg1"/>
+                </a:solidFill>
+              </a:rPr>
+              <a:t>3</a:t>
+            </a:r>
+            <a:r>
+              <a:rPr lang="zh-CN" altLang="en-US" sz="2800" b="1">
+                <a:solidFill>
+                  <a:schemeClr val="bg1"/>
+                </a:solidFill>
+              </a:rPr>
+              <a:t>,  5,  </a:t>
+            </a:r>
+            <a:r>
+              <a:rPr lang="en-US" altLang="zh-CN" sz="2800" b="1">
+                <a:solidFill>
+                  <a:schemeClr val="bg1"/>
+                </a:solidFill>
+              </a:rPr>
+              <a:t>1</a:t>
+            </a:r>
+            <a:r>
+              <a:rPr lang="zh-CN" altLang="en-US" sz="2800" b="1">
+                <a:solidFill>
+                  <a:schemeClr val="bg1"/>
+                </a:solidFill>
+              </a:rPr>
+              <a:t>,  </a:t>
+            </a:r>
+            <a:r>
+              <a:rPr lang="en-US" altLang="zh-CN" sz="2800" b="1">
+                <a:solidFill>
+                  <a:schemeClr val="bg1"/>
+                </a:solidFill>
+              </a:rPr>
+              <a:t>2</a:t>
+            </a:r>
+            <a:r>
+              <a:rPr lang="zh-CN" altLang="en-US" sz="2800" b="1">
+                <a:solidFill>
+                  <a:schemeClr val="bg1"/>
+                </a:solidFill>
+              </a:rPr>
+              <a:t>,  </a:t>
+            </a:r>
+            <a:r>
+              <a:rPr lang="en-US" altLang="zh-CN" sz="2800" b="1">
+                <a:solidFill>
+                  <a:schemeClr val="bg1"/>
+                </a:solidFill>
+              </a:rPr>
+              <a:t>1</a:t>
+            </a:r>
+            <a:r>
+              <a:rPr lang="zh-CN" altLang="en-US" sz="2800" b="1">
+                <a:solidFill>
+                  <a:schemeClr val="bg1"/>
+                </a:solidFill>
+              </a:rPr>
+              <a:t> ]</a:t>
+            </a:r>
+            <a:endParaRPr lang="zh-CN" altLang="en-US" sz="2800" b="1">
+              <a:solidFill>
+                <a:schemeClr val="bg1"/>
+              </a:solidFill>
+            </a:endParaRPr>
+          </a:p>
+        </p:txBody>
+      </p:sp>
+      <p:grpSp>
+        <p:nvGrpSpPr>
+          <p:cNvPr id="38" name="组合 37"/>
+          <p:cNvGrpSpPr/>
+          <p:nvPr/>
+        </p:nvGrpSpPr>
+        <p:grpSpPr>
+          <a:xfrm>
+            <a:off x="5623560" y="3697605"/>
+            <a:ext cx="3765550" cy="2879090"/>
+            <a:chOff x="10152" y="5823"/>
+            <a:chExt cx="5930" cy="4534"/>
+          </a:xfrm>
+        </p:grpSpPr>
+        <p:pic>
+          <p:nvPicPr>
+            <p:cNvPr id="29" name="图片 28"/>
+            <p:cNvPicPr>
+              <a:picLocks noChangeAspect="1"/>
+            </p:cNvPicPr>
+            <p:nvPr/>
+          </p:nvPicPr>
+          <p:blipFill>
+            <a:blip r:embed="rId2"/>
+            <a:stretch>
+              <a:fillRect/>
+            </a:stretch>
+          </p:blipFill>
+          <p:spPr>
+            <a:xfrm>
+              <a:off x="10152" y="5823"/>
+              <a:ext cx="5931" cy="4513"/>
+            </a:xfrm>
+            <a:prstGeom prst="rect">
+              <a:avLst/>
+            </a:prstGeom>
+          </p:spPr>
+        </p:pic>
+        <p:sp>
+          <p:nvSpPr>
+            <p:cNvPr id="32" name="文本框 31"/>
+            <p:cNvSpPr txBox="1"/>
+            <p:nvPr/>
+          </p:nvSpPr>
+          <p:spPr>
+            <a:xfrm>
+              <a:off x="10962" y="6206"/>
+              <a:ext cx="531" cy="483"/>
+            </a:xfrm>
+            <a:prstGeom prst="rect">
+              <a:avLst/>
+            </a:prstGeom>
+            <a:noFill/>
+          </p:spPr>
+          <p:txBody>
+            <a:bodyPr wrap="square" rtlCol="0">
+              <a:spAutoFit/>
+            </a:bodyPr>
+            <a:p>
+              <a:pPr algn="l"/>
+              <a:r>
+                <a:rPr lang="en-US" altLang="zh-CN" sz="1400">
+                  <a:solidFill>
+                    <a:schemeClr val="bg1"/>
+                  </a:solidFill>
+                </a:rPr>
+                <a:t>7</a:t>
+              </a:r>
+              <a:endParaRPr lang="en-US" altLang="zh-CN" sz="1400">
+                <a:solidFill>
+                  <a:schemeClr val="bg1"/>
+                </a:solidFill>
+              </a:endParaRPr>
+            </a:p>
+          </p:txBody>
+        </p:sp>
+        <p:sp>
+          <p:nvSpPr>
+            <p:cNvPr id="33" name="文本框 32"/>
+            <p:cNvSpPr txBox="1"/>
+            <p:nvPr/>
+          </p:nvSpPr>
+          <p:spPr>
+            <a:xfrm>
+              <a:off x="11726" y="6689"/>
+              <a:ext cx="531" cy="483"/>
+            </a:xfrm>
+            <a:prstGeom prst="rect">
+              <a:avLst/>
+            </a:prstGeom>
+            <a:noFill/>
+          </p:spPr>
+          <p:txBody>
+            <a:bodyPr wrap="square" rtlCol="0">
+              <a:spAutoFit/>
+            </a:bodyPr>
+            <a:p>
+              <a:pPr algn="l"/>
+              <a:r>
+                <a:rPr lang="en-US" altLang="zh-CN" sz="1400">
+                  <a:solidFill>
+                    <a:schemeClr val="bg1"/>
+                  </a:solidFill>
+                </a:rPr>
+                <a:t>3</a:t>
+              </a:r>
+              <a:endParaRPr lang="en-US" altLang="zh-CN" sz="1400">
+                <a:solidFill>
+                  <a:schemeClr val="bg1"/>
+                </a:solidFill>
+              </a:endParaRPr>
+            </a:p>
+          </p:txBody>
+        </p:sp>
+        <p:sp>
+          <p:nvSpPr>
+            <p:cNvPr id="34" name="文本框 33"/>
+            <p:cNvSpPr txBox="1"/>
+            <p:nvPr/>
+          </p:nvSpPr>
+          <p:spPr>
+            <a:xfrm>
+              <a:off x="12490" y="6889"/>
+              <a:ext cx="531" cy="483"/>
+            </a:xfrm>
+            <a:prstGeom prst="rect">
+              <a:avLst/>
+            </a:prstGeom>
+            <a:noFill/>
+          </p:spPr>
+          <p:txBody>
+            <a:bodyPr wrap="square" rtlCol="0">
+              <a:spAutoFit/>
+            </a:bodyPr>
+            <a:p>
+              <a:pPr algn="l"/>
+              <a:r>
+                <a:rPr lang="en-US" altLang="zh-CN" sz="1400">
+                  <a:solidFill>
+                    <a:schemeClr val="bg1"/>
+                  </a:solidFill>
+                </a:rPr>
+                <a:t>5</a:t>
+              </a:r>
+              <a:endParaRPr lang="en-US" altLang="zh-CN" sz="1400">
+                <a:solidFill>
+                  <a:schemeClr val="bg1"/>
+                </a:solidFill>
+              </a:endParaRPr>
+            </a:p>
+          </p:txBody>
+        </p:sp>
+        <p:sp>
+          <p:nvSpPr>
+            <p:cNvPr id="35" name="文本框 34"/>
+            <p:cNvSpPr txBox="1"/>
+            <p:nvPr/>
+          </p:nvSpPr>
+          <p:spPr>
+            <a:xfrm>
+              <a:off x="13254" y="9875"/>
+              <a:ext cx="531" cy="483"/>
+            </a:xfrm>
+            <a:prstGeom prst="rect">
+              <a:avLst/>
+            </a:prstGeom>
+            <a:noFill/>
+          </p:spPr>
+          <p:txBody>
+            <a:bodyPr wrap="square" rtlCol="0">
+              <a:spAutoFit/>
+            </a:bodyPr>
+            <a:p>
+              <a:pPr algn="l"/>
+              <a:r>
+                <a:rPr lang="en-US" altLang="zh-CN" sz="1400">
+                  <a:solidFill>
+                    <a:schemeClr val="bg1"/>
+                  </a:solidFill>
+                </a:rPr>
+                <a:t>1</a:t>
+              </a:r>
+              <a:endParaRPr lang="en-US" altLang="zh-CN" sz="1400">
+                <a:solidFill>
+                  <a:schemeClr val="bg1"/>
+                </a:solidFill>
+              </a:endParaRPr>
+            </a:p>
+          </p:txBody>
+        </p:sp>
+        <p:sp>
+          <p:nvSpPr>
+            <p:cNvPr id="36" name="文本框 35"/>
+            <p:cNvSpPr txBox="1"/>
+            <p:nvPr/>
+          </p:nvSpPr>
+          <p:spPr>
+            <a:xfrm>
+              <a:off x="14041" y="8548"/>
+              <a:ext cx="531" cy="483"/>
+            </a:xfrm>
+            <a:prstGeom prst="rect">
+              <a:avLst/>
+            </a:prstGeom>
+            <a:noFill/>
+          </p:spPr>
+          <p:txBody>
+            <a:bodyPr wrap="square" rtlCol="0">
+              <a:spAutoFit/>
+            </a:bodyPr>
+            <a:p>
+              <a:pPr algn="l"/>
+              <a:r>
+                <a:rPr lang="en-US" altLang="zh-CN" sz="1400">
+                  <a:solidFill>
+                    <a:schemeClr val="bg1"/>
+                  </a:solidFill>
+                </a:rPr>
+                <a:t>2</a:t>
+              </a:r>
+              <a:endParaRPr lang="en-US" altLang="zh-CN" sz="1400">
+                <a:solidFill>
+                  <a:schemeClr val="bg1"/>
+                </a:solidFill>
+              </a:endParaRPr>
+            </a:p>
+          </p:txBody>
+        </p:sp>
+        <p:sp>
+          <p:nvSpPr>
+            <p:cNvPr id="37" name="文本框 36"/>
+            <p:cNvSpPr txBox="1"/>
+            <p:nvPr/>
+          </p:nvSpPr>
+          <p:spPr>
+            <a:xfrm>
+              <a:off x="14873" y="9593"/>
+              <a:ext cx="531" cy="483"/>
+            </a:xfrm>
+            <a:prstGeom prst="rect">
+              <a:avLst/>
+            </a:prstGeom>
+            <a:noFill/>
+          </p:spPr>
+          <p:txBody>
+            <a:bodyPr wrap="square" rtlCol="0">
+              <a:spAutoFit/>
+            </a:bodyPr>
+            <a:p>
+              <a:pPr algn="l"/>
+              <a:r>
+                <a:rPr lang="en-US" altLang="zh-CN" sz="1400">
+                  <a:solidFill>
+                    <a:schemeClr val="bg1"/>
+                  </a:solidFill>
+                </a:rPr>
+                <a:t>1</a:t>
+              </a:r>
+              <a:endParaRPr lang="en-US" altLang="zh-CN" sz="1400">
+                <a:solidFill>
+                  <a:schemeClr val="bg1"/>
+                </a:solidFill>
+              </a:endParaRPr>
+            </a:p>
+          </p:txBody>
+        </p:sp>
+      </p:grpSp>
+      <p:sp>
+        <p:nvSpPr>
+          <p:cNvPr id="40" name="文本框 39"/>
+          <p:cNvSpPr txBox="1"/>
+          <p:nvPr/>
+        </p:nvSpPr>
+        <p:spPr>
+          <a:xfrm>
+            <a:off x="1724025" y="6295390"/>
+            <a:ext cx="337185" cy="306705"/>
+          </a:xfrm>
+          <a:prstGeom prst="rect">
+            <a:avLst/>
+          </a:prstGeom>
+          <a:noFill/>
+        </p:spPr>
+        <p:txBody>
+          <a:bodyPr wrap="square" rtlCol="0">
+            <a:spAutoFit/>
+          </a:bodyPr>
+          <a:p>
+            <a:pPr algn="l"/>
+            <a:r>
+              <a:rPr lang="en-US" altLang="zh-CN" sz="1400">
+                <a:solidFill>
+                  <a:schemeClr val="bg1"/>
+                </a:solidFill>
+              </a:rPr>
+              <a:t>1</a:t>
+            </a:r>
+            <a:endParaRPr lang="en-US" altLang="zh-CN" sz="1400">
+              <a:solidFill>
+                <a:schemeClr val="bg1"/>
+              </a:solidFill>
+            </a:endParaRPr>
+          </a:p>
+        </p:txBody>
+      </p:sp>
+      <p:sp>
+        <p:nvSpPr>
+          <p:cNvPr id="41" name="文本框 40"/>
+          <p:cNvSpPr txBox="1"/>
+          <p:nvPr/>
+        </p:nvSpPr>
+        <p:spPr>
+          <a:xfrm>
+            <a:off x="7930515" y="1863090"/>
+            <a:ext cx="4234815" cy="368300"/>
+          </a:xfrm>
+          <a:prstGeom prst="rect">
+            <a:avLst/>
+          </a:prstGeom>
+          <a:noFill/>
+        </p:spPr>
+        <p:txBody>
+          <a:bodyPr wrap="square" rtlCol="0">
+            <a:spAutoFit/>
+          </a:bodyPr>
+          <a:p>
+            <a:pPr algn="l"/>
+            <a:r>
+              <a:rPr lang="zh-CN" altLang="en-US" b="1">
+                <a:solidFill>
+                  <a:schemeClr val="bg1"/>
+                </a:solidFill>
+                <a:sym typeface="+mn-ea"/>
+              </a:rPr>
+              <a:t>当天最大利润 </a:t>
+            </a:r>
+            <a:r>
+              <a:rPr lang="en-US" altLang="zh-CN" b="1">
+                <a:solidFill>
+                  <a:schemeClr val="bg1"/>
+                </a:solidFill>
+              </a:rPr>
+              <a:t>= </a:t>
+            </a:r>
+            <a:r>
+              <a:rPr lang="zh-CN" altLang="en-US" b="1">
+                <a:solidFill>
+                  <a:schemeClr val="bg1"/>
+                </a:solidFill>
+              </a:rPr>
+              <a:t>当天价格 - 历史最低价</a:t>
+            </a:r>
+            <a:endParaRPr lang="zh-CN" altLang="en-US" b="1">
+              <a:solidFill>
+                <a:schemeClr val="bg1"/>
+              </a:solidFill>
+            </a:endParaRPr>
+          </a:p>
+        </p:txBody>
+      </p:sp>
+    </p:spTree>
+  </p:cSld>
+  <p:clrMapOvr>
+    <a:masterClrMapping/>
+  </p:clrMapOvr>
+  <p:timing>
+    <p:tnLst>
+      <p:par>
+        <p:cTn id="1" dur="indefinite" restart="never" nodeType="tmRoot">
+          <p:childTnLst>
+            <p:seq concurrent="1" nextAc="seek">
+              <p:cTn id="2" dur="indefinite" nodeType="mainSeq">
+                <p:childTnLst>
+                  <p:par>
+                    <p:cTn id="3" fill="hold">
+                      <p:stCondLst>
+                        <p:cond delay="indefinite"/>
+                      </p:stCondLst>
+                      <p:childTnLst>
+                        <p:par>
+                          <p:cTn id="4" fill="hold">
+                            <p:stCondLst>
+                              <p:cond delay="0"/>
+                            </p:stCondLst>
+                            <p:childTnLst>
+                              <p:par>
+                                <p:cTn id="5" presetID="10" presetClass="entr" presetSubtype="0" fill="hold" nodeType="clickEffect">
+                                  <p:stCondLst>
+                                    <p:cond delay="0"/>
+                                  </p:stCondLst>
+                                  <p:childTnLst>
+                                    <p:set>
+                                      <p:cBhvr>
+                                        <p:cTn id="6" dur="1" fill="hold">
+                                          <p:stCondLst>
+                                            <p:cond delay="0"/>
+                                          </p:stCondLst>
+                                        </p:cTn>
+                                        <p:tgtEl>
+                                          <p:spTgt spid="30"/>
+                                        </p:tgtEl>
+                                        <p:attrNameLst>
+                                          <p:attrName>style.visibility</p:attrName>
+                                        </p:attrNameLst>
+                                      </p:cBhvr>
+                                      <p:to>
+                                        <p:strVal val="visible"/>
+                                      </p:to>
+                                    </p:set>
+                                    <p:animEffect transition="in" filter="fade">
+                                      <p:cBhvr>
+                                        <p:cTn id="7" dur="500"/>
+                                        <p:tgtEl>
+                                          <p:spTgt spid="30"/>
+                                        </p:tgtEl>
+                                      </p:cBhvr>
+                                    </p:animEffect>
+                                  </p:childTnLst>
+                                </p:cTn>
+                              </p:par>
+                            </p:childTnLst>
+                          </p:cTn>
+                        </p:par>
+                        <p:par>
+                          <p:cTn id="8" fill="hold">
+                            <p:stCondLst>
+                              <p:cond delay="500"/>
+                            </p:stCondLst>
+                            <p:childTnLst>
+                              <p:par>
+                                <p:cTn id="9" presetID="10" presetClass="entr" presetSubtype="0" fill="hold" nodeType="afterEffect">
+                                  <p:stCondLst>
+                                    <p:cond delay="0"/>
+                                  </p:stCondLst>
+                                  <p:childTnLst>
+                                    <p:set>
+                                      <p:cBhvr>
+                                        <p:cTn id="10" dur="1" fill="hold">
+                                          <p:stCondLst>
+                                            <p:cond delay="0"/>
+                                          </p:stCondLst>
+                                        </p:cTn>
+                                        <p:tgtEl>
+                                          <p:spTgt spid="38"/>
+                                        </p:tgtEl>
+                                        <p:attrNameLst>
+                                          <p:attrName>style.visibility</p:attrName>
+                                        </p:attrNameLst>
+                                      </p:cBhvr>
+                                      <p:to>
+                                        <p:strVal val="visible"/>
+                                      </p:to>
+                                    </p:set>
+                                    <p:animEffect transition="in" filter="fade">
+                                      <p:cBhvr>
+                                        <p:cTn id="11" dur="500"/>
+                                        <p:tgtEl>
+                                          <p:spTgt spid="38"/>
+                                        </p:tgtEl>
+                                      </p:cBhvr>
+                                    </p:animEffect>
+                                  </p:childTnLst>
+                                </p:cTn>
+                              </p:par>
+                            </p:childTnLst>
+                          </p:cTn>
+                        </p:par>
+                      </p:childTnLst>
+                    </p:cTn>
+                  </p:par>
+                  <p:par>
+                    <p:cTn id="12" fill="hold">
+                      <p:stCondLst>
+                        <p:cond delay="indefinite"/>
+                      </p:stCondLst>
+                      <p:childTnLst>
+                        <p:par>
+                          <p:cTn id="13" fill="hold">
+                            <p:stCondLst>
+                              <p:cond delay="0"/>
+                            </p:stCondLst>
+                            <p:childTnLst>
+                              <p:par>
+                                <p:cTn id="14" presetID="10" presetClass="entr" presetSubtype="0" fill="hold" grpId="0" nodeType="clickEffect">
+                                  <p:stCondLst>
+                                    <p:cond delay="0"/>
+                                  </p:stCondLst>
+                                  <p:childTnLst>
+                                    <p:set>
+                                      <p:cBhvr>
+                                        <p:cTn id="15" dur="1" fill="hold">
+                                          <p:stCondLst>
+                                            <p:cond delay="0"/>
+                                          </p:stCondLst>
+                                        </p:cTn>
+                                        <p:tgtEl>
+                                          <p:spTgt spid="41"/>
+                                        </p:tgtEl>
+                                        <p:attrNameLst>
+                                          <p:attrName>style.visibility</p:attrName>
+                                        </p:attrNameLst>
+                                      </p:cBhvr>
+                                      <p:to>
+                                        <p:strVal val="visible"/>
+                                      </p:to>
+                                    </p:set>
+                                    <p:animEffect transition="in" filter="fade">
+                                      <p:cBhvr>
+                                        <p:cTn id="16" dur="500"/>
+                                        <p:tgtEl>
+                                          <p:spTgt spid="41"/>
+                                        </p:tgtEl>
+                                      </p:cBhvr>
+                                    </p:animEffect>
+                                  </p:childTnLst>
+                                </p:cTn>
+                              </p:par>
+                            </p:childTnLst>
+                          </p:cTn>
+                        </p:par>
+                      </p:childTnLst>
+                    </p:cTn>
+                  </p:par>
+                </p:childTnLst>
+              </p:cTn>
+              <p:prevCondLst>
+                <p:cond evt="onPrev" delay="0">
+                  <p:tgtEl>
+                    <p:sldTgt/>
+                  </p:tgtEl>
+                </p:cond>
+              </p:prevCondLst>
+              <p:nextCondLst>
+                <p:cond evt="onNext" delay="0">
+                  <p:tgtEl>
+                    <p:sldTgt/>
+                  </p:tgtEl>
+                </p:cond>
+              </p:nextCondLst>
+            </p:seq>
+          </p:childTnLst>
+        </p:cTn>
+      </p:par>
+    </p:tnLst>
+    <p:bldLst>
+      <p:bldP spid="41" grpId="0"/>
     </p:bldLst>
   </p:timing>
 </p:sld>

--- a/小白学算法系列.pptx
+++ b/小白学算法系列.pptx
@@ -18,6 +18,8 @@
     <p:sldId id="265" r:id="rId11"/>
     <p:sldId id="270" r:id="rId12"/>
     <p:sldId id="271" r:id="rId13"/>
+    <p:sldId id="273" r:id="rId14"/>
+    <p:sldId id="272" r:id="rId15"/>
   </p:sldIdLst>
   <p:sldSz cx="12192000" cy="6858000"/>
   <p:notesSz cx="7103745" cy="10234295"/>
@@ -5504,324 +5506,6 @@
       </p:sp>
       <p:sp>
         <p:nvSpPr>
-          <p:cNvPr id="6" name="文本框 5"/>
-          <p:cNvSpPr txBox="1"/>
-          <p:nvPr/>
-        </p:nvSpPr>
-        <p:spPr>
-          <a:xfrm>
-            <a:off x="503555" y="1197610"/>
-            <a:ext cx="11573510" cy="645160"/>
-          </a:xfrm>
-          <a:prstGeom prst="rect">
-            <a:avLst/>
-          </a:prstGeom>
-          <a:noFill/>
-        </p:spPr>
-        <p:txBody>
-          <a:bodyPr wrap="square" rtlCol="0">
-            <a:spAutoFit/>
-          </a:bodyPr>
-          <a:p>
-            <a:pPr algn="l"/>
-            <a:r>
-              <a:rPr lang="zh-CN" altLang="en-US" b="1">
-                <a:solidFill>
-                  <a:schemeClr val="bg1"/>
-                </a:solidFill>
-              </a:rPr>
-              <a:t>题目：给定一个数组 prices ，它的第 i 个元素 prices[i] 表示一支给定股票第 i 天的价格。</a:t>
-            </a:r>
-            <a:endParaRPr lang="zh-CN" altLang="en-US" b="1">
-              <a:solidFill>
-                <a:schemeClr val="bg1"/>
-              </a:solidFill>
-            </a:endParaRPr>
-          </a:p>
-          <a:p>
-            <a:pPr algn="l"/>
-            <a:r>
-              <a:rPr lang="zh-CN" altLang="en-US" b="1">
-                <a:solidFill>
-                  <a:schemeClr val="bg1"/>
-                </a:solidFill>
-              </a:rPr>
-              <a:t>要求：买和卖各操作一次获取最大利润</a:t>
-            </a:r>
-            <a:endParaRPr lang="zh-CN" altLang="en-US" b="1">
-              <a:solidFill>
-                <a:schemeClr val="bg1"/>
-              </a:solidFill>
-            </a:endParaRPr>
-          </a:p>
-        </p:txBody>
-      </p:sp>
-      <p:sp>
-        <p:nvSpPr>
-          <p:cNvPr id="14" name="文本框 13"/>
-          <p:cNvSpPr txBox="1"/>
-          <p:nvPr/>
-        </p:nvSpPr>
-        <p:spPr>
-          <a:xfrm>
-            <a:off x="578485" y="419100"/>
-            <a:ext cx="6424295" cy="706755"/>
-          </a:xfrm>
-          <a:prstGeom prst="rect">
-            <a:avLst/>
-          </a:prstGeom>
-          <a:noFill/>
-        </p:spPr>
-        <p:txBody>
-          <a:bodyPr wrap="square" rtlCol="0">
-            <a:spAutoFit/>
-          </a:bodyPr>
-          <a:p>
-            <a:pPr algn="l"/>
-            <a:r>
-              <a:rPr sz="4000" b="1">
-                <a:solidFill>
-                  <a:schemeClr val="bg1"/>
-                </a:solidFill>
-                <a:sym typeface="+mn-ea"/>
-              </a:rPr>
-              <a:t>121. 买卖股票的最佳时机</a:t>
-            </a:r>
-            <a:endParaRPr sz="4000" b="1">
-              <a:solidFill>
-                <a:schemeClr val="bg1"/>
-              </a:solidFill>
-              <a:sym typeface="+mn-ea"/>
-            </a:endParaRPr>
-          </a:p>
-        </p:txBody>
-      </p:sp>
-      <p:sp>
-        <p:nvSpPr>
-          <p:cNvPr id="20" name="文本框 19"/>
-          <p:cNvSpPr txBox="1"/>
-          <p:nvPr/>
-        </p:nvSpPr>
-        <p:spPr>
-          <a:xfrm>
-            <a:off x="578485" y="1800225"/>
-            <a:ext cx="7010400" cy="521970"/>
-          </a:xfrm>
-          <a:prstGeom prst="rect">
-            <a:avLst/>
-          </a:prstGeom>
-          <a:noFill/>
-        </p:spPr>
-        <p:txBody>
-          <a:bodyPr wrap="square" rtlCol="0">
-            <a:spAutoFit/>
-            <a:scene3d>
-              <a:camera prst="orthographicFront"/>
-              <a:lightRig rig="threePt" dir="t"/>
-            </a:scene3d>
-          </a:bodyPr>
-          <a:p>
-            <a:pPr algn="l"/>
-            <a:r>
-              <a:rPr lang="zh-CN" altLang="en-US" sz="2800" b="1">
-                <a:ln w="12700" cmpd="sng">
-                  <a:solidFill>
-                    <a:schemeClr val="accent4"/>
-                  </a:solidFill>
-                  <a:prstDash val="solid"/>
-                </a:ln>
-                <a:gradFill>
-                  <a:gsLst>
-                    <a:gs pos="0">
-                      <a:schemeClr val="accent4"/>
-                    </a:gs>
-                    <a:gs pos="4000">
-                      <a:schemeClr val="accent4">
-                        <a:lumMod val="60000"/>
-                        <a:lumOff val="40000"/>
-                      </a:schemeClr>
-                    </a:gs>
-                    <a:gs pos="87000">
-                      <a:schemeClr val="accent4">
-                        <a:lumMod val="20000"/>
-                        <a:lumOff val="80000"/>
-                      </a:schemeClr>
-                    </a:gs>
-                  </a:gsLst>
-                  <a:lin ang="5400000"/>
-                </a:gradFill>
-                <a:effectLst/>
-                <a:sym typeface="+mn-ea"/>
-              </a:rPr>
-              <a:t>！！！</a:t>
-            </a:r>
-            <a:r>
-              <a:rPr lang="en-US" sz="2800" b="1">
-                <a:ln w="12700" cmpd="sng">
-                  <a:solidFill>
-                    <a:schemeClr val="accent4"/>
-                  </a:solidFill>
-                  <a:prstDash val="solid"/>
-                </a:ln>
-                <a:gradFill>
-                  <a:gsLst>
-                    <a:gs pos="0">
-                      <a:schemeClr val="accent4"/>
-                    </a:gs>
-                    <a:gs pos="4000">
-                      <a:schemeClr val="accent4">
-                        <a:lumMod val="60000"/>
-                        <a:lumOff val="40000"/>
-                      </a:schemeClr>
-                    </a:gs>
-                    <a:gs pos="87000">
-                      <a:schemeClr val="accent4">
-                        <a:lumMod val="20000"/>
-                        <a:lumOff val="80000"/>
-                      </a:schemeClr>
-                    </a:gs>
-                  </a:gsLst>
-                  <a:lin ang="5400000"/>
-                </a:gradFill>
-                <a:effectLst/>
-                <a:sym typeface="+mn-ea"/>
-              </a:rPr>
-              <a:t> </a:t>
-            </a:r>
-            <a:r>
-              <a:rPr sz="2800" b="1">
-                <a:ln w="12700" cmpd="sng">
-                  <a:solidFill>
-                    <a:schemeClr val="accent4"/>
-                  </a:solidFill>
-                  <a:prstDash val="solid"/>
-                </a:ln>
-                <a:gradFill>
-                  <a:gsLst>
-                    <a:gs pos="0">
-                      <a:schemeClr val="accent4"/>
-                    </a:gs>
-                    <a:gs pos="4000">
-                      <a:schemeClr val="accent4">
-                        <a:lumMod val="60000"/>
-                        <a:lumOff val="40000"/>
-                      </a:schemeClr>
-                    </a:gs>
-                    <a:gs pos="87000">
-                      <a:schemeClr val="accent4">
-                        <a:lumMod val="20000"/>
-                        <a:lumOff val="80000"/>
-                      </a:schemeClr>
-                    </a:gs>
-                  </a:gsLst>
-                  <a:lin ang="5400000"/>
-                </a:gradFill>
-                <a:effectLst/>
-                <a:sym typeface="+mn-ea"/>
-              </a:rPr>
-              <a:t>股票</a:t>
-            </a:r>
-            <a:r>
-              <a:rPr lang="zh-CN" sz="2800" b="1">
-                <a:ln w="12700" cmpd="sng">
-                  <a:solidFill>
-                    <a:schemeClr val="accent4"/>
-                  </a:solidFill>
-                  <a:prstDash val="solid"/>
-                </a:ln>
-                <a:gradFill>
-                  <a:gsLst>
-                    <a:gs pos="0">
-                      <a:schemeClr val="accent4"/>
-                    </a:gs>
-                    <a:gs pos="4000">
-                      <a:schemeClr val="accent4">
-                        <a:lumMod val="60000"/>
-                        <a:lumOff val="40000"/>
-                      </a:schemeClr>
-                    </a:gs>
-                    <a:gs pos="87000">
-                      <a:schemeClr val="accent4">
-                        <a:lumMod val="20000"/>
-                        <a:lumOff val="80000"/>
-                      </a:schemeClr>
-                    </a:gs>
-                  </a:gsLst>
-                  <a:lin ang="5400000"/>
-                </a:gradFill>
-                <a:effectLst/>
-                <a:sym typeface="+mn-ea"/>
-              </a:rPr>
-              <a:t>赚钱操作原则：高抛低吸 </a:t>
-            </a:r>
-            <a:r>
-              <a:rPr lang="zh-CN" altLang="en-US" sz="2800" b="1">
-                <a:ln w="12700" cmpd="sng">
-                  <a:solidFill>
-                    <a:schemeClr val="accent4"/>
-                  </a:solidFill>
-                  <a:prstDash val="solid"/>
-                </a:ln>
-                <a:gradFill>
-                  <a:gsLst>
-                    <a:gs pos="0">
-                      <a:schemeClr val="accent4"/>
-                    </a:gs>
-                    <a:gs pos="4000">
-                      <a:schemeClr val="accent4">
-                        <a:lumMod val="60000"/>
-                        <a:lumOff val="40000"/>
-                      </a:schemeClr>
-                    </a:gs>
-                    <a:gs pos="87000">
-                      <a:schemeClr val="accent4">
-                        <a:lumMod val="20000"/>
-                        <a:lumOff val="80000"/>
-                      </a:schemeClr>
-                    </a:gs>
-                  </a:gsLst>
-                  <a:lin ang="5400000"/>
-                </a:gradFill>
-                <a:effectLst/>
-                <a:sym typeface="+mn-ea"/>
-              </a:rPr>
-              <a:t>！！！</a:t>
-            </a:r>
-            <a:endParaRPr lang="zh-CN" altLang="en-US" sz="2800" b="1">
-              <a:ln w="12700" cmpd="sng">
-                <a:solidFill>
-                  <a:schemeClr val="accent4"/>
-                </a:solidFill>
-                <a:prstDash val="solid"/>
-              </a:ln>
-              <a:gradFill>
-                <a:gsLst>
-                  <a:gs pos="0">
-                    <a:schemeClr val="accent4"/>
-                  </a:gs>
-                  <a:gs pos="4000">
-                    <a:schemeClr val="accent4">
-                      <a:lumMod val="60000"/>
-                      <a:lumOff val="40000"/>
-                    </a:schemeClr>
-                  </a:gs>
-                  <a:gs pos="87000">
-                    <a:schemeClr val="accent4">
-                      <a:lumMod val="20000"/>
-                      <a:lumOff val="80000"/>
-                    </a:schemeClr>
-                  </a:gs>
-                </a:gsLst>
-                <a:lin ang="5400000"/>
-              </a:gradFill>
-              <a:effectLst/>
-              <a:sym typeface="+mn-ea"/>
-            </a:endParaRPr>
-          </a:p>
-        </p:txBody>
-      </p:sp>
-      <p:sp>
-        <p:nvSpPr>
           <p:cNvPr id="22" name="文本框 21"/>
           <p:cNvSpPr txBox="1"/>
           <p:nvPr/>
@@ -6439,6 +6123,324 @@
           </a:p>
         </p:txBody>
       </p:sp>
+      <p:sp>
+        <p:nvSpPr>
+          <p:cNvPr id="28" name="文本框 27"/>
+          <p:cNvSpPr txBox="1"/>
+          <p:nvPr/>
+        </p:nvSpPr>
+        <p:spPr>
+          <a:xfrm>
+            <a:off x="503555" y="1197610"/>
+            <a:ext cx="11573510" cy="645160"/>
+          </a:xfrm>
+          <a:prstGeom prst="rect">
+            <a:avLst/>
+          </a:prstGeom>
+          <a:noFill/>
+        </p:spPr>
+        <p:txBody>
+          <a:bodyPr wrap="square" rtlCol="0">
+            <a:spAutoFit/>
+          </a:bodyPr>
+          <a:p>
+            <a:pPr algn="l"/>
+            <a:r>
+              <a:rPr lang="zh-CN" altLang="en-US" b="1">
+                <a:solidFill>
+                  <a:schemeClr val="bg1"/>
+                </a:solidFill>
+              </a:rPr>
+              <a:t>题目：给定一个数组 prices ，它的第 i 个元素 prices[i] 表示一支给定股票第 i 天的价格。</a:t>
+            </a:r>
+            <a:endParaRPr lang="zh-CN" altLang="en-US" b="1">
+              <a:solidFill>
+                <a:schemeClr val="bg1"/>
+              </a:solidFill>
+            </a:endParaRPr>
+          </a:p>
+          <a:p>
+            <a:pPr algn="l"/>
+            <a:r>
+              <a:rPr lang="zh-CN" altLang="en-US" b="1">
+                <a:solidFill>
+                  <a:schemeClr val="bg1"/>
+                </a:solidFill>
+              </a:rPr>
+              <a:t>要求：买和卖各操作一次获取最大利润</a:t>
+            </a:r>
+            <a:endParaRPr lang="zh-CN" altLang="en-US" b="1">
+              <a:solidFill>
+                <a:schemeClr val="bg1"/>
+              </a:solidFill>
+            </a:endParaRPr>
+          </a:p>
+        </p:txBody>
+      </p:sp>
+      <p:sp>
+        <p:nvSpPr>
+          <p:cNvPr id="42" name="文本框 41"/>
+          <p:cNvSpPr txBox="1"/>
+          <p:nvPr/>
+        </p:nvSpPr>
+        <p:spPr>
+          <a:xfrm>
+            <a:off x="578485" y="419100"/>
+            <a:ext cx="6424295" cy="706755"/>
+          </a:xfrm>
+          <a:prstGeom prst="rect">
+            <a:avLst/>
+          </a:prstGeom>
+          <a:noFill/>
+        </p:spPr>
+        <p:txBody>
+          <a:bodyPr wrap="square" rtlCol="0">
+            <a:spAutoFit/>
+          </a:bodyPr>
+          <a:p>
+            <a:pPr algn="l"/>
+            <a:r>
+              <a:rPr sz="4000" b="1">
+                <a:solidFill>
+                  <a:schemeClr val="bg1"/>
+                </a:solidFill>
+                <a:sym typeface="+mn-ea"/>
+              </a:rPr>
+              <a:t>121. 买卖股票的最佳时机</a:t>
+            </a:r>
+            <a:endParaRPr sz="4000" b="1">
+              <a:solidFill>
+                <a:schemeClr val="bg1"/>
+              </a:solidFill>
+              <a:sym typeface="+mn-ea"/>
+            </a:endParaRPr>
+          </a:p>
+        </p:txBody>
+      </p:sp>
+      <p:sp>
+        <p:nvSpPr>
+          <p:cNvPr id="43" name="文本框 42"/>
+          <p:cNvSpPr txBox="1"/>
+          <p:nvPr/>
+        </p:nvSpPr>
+        <p:spPr>
+          <a:xfrm>
+            <a:off x="578485" y="1800225"/>
+            <a:ext cx="7010400" cy="521970"/>
+          </a:xfrm>
+          <a:prstGeom prst="rect">
+            <a:avLst/>
+          </a:prstGeom>
+          <a:noFill/>
+        </p:spPr>
+        <p:txBody>
+          <a:bodyPr wrap="square" rtlCol="0">
+            <a:spAutoFit/>
+            <a:scene3d>
+              <a:camera prst="orthographicFront"/>
+              <a:lightRig rig="threePt" dir="t"/>
+            </a:scene3d>
+          </a:bodyPr>
+          <a:p>
+            <a:pPr algn="l"/>
+            <a:r>
+              <a:rPr lang="zh-CN" altLang="en-US" sz="2800" b="1">
+                <a:ln w="12700" cmpd="sng">
+                  <a:solidFill>
+                    <a:schemeClr val="accent4"/>
+                  </a:solidFill>
+                  <a:prstDash val="solid"/>
+                </a:ln>
+                <a:gradFill>
+                  <a:gsLst>
+                    <a:gs pos="0">
+                      <a:schemeClr val="accent4"/>
+                    </a:gs>
+                    <a:gs pos="4000">
+                      <a:schemeClr val="accent4">
+                        <a:lumMod val="60000"/>
+                        <a:lumOff val="40000"/>
+                      </a:schemeClr>
+                    </a:gs>
+                    <a:gs pos="87000">
+                      <a:schemeClr val="accent4">
+                        <a:lumMod val="20000"/>
+                        <a:lumOff val="80000"/>
+                      </a:schemeClr>
+                    </a:gs>
+                  </a:gsLst>
+                  <a:lin ang="5400000"/>
+                </a:gradFill>
+                <a:effectLst/>
+                <a:sym typeface="+mn-ea"/>
+              </a:rPr>
+              <a:t>！！！</a:t>
+            </a:r>
+            <a:r>
+              <a:rPr lang="en-US" sz="2800" b="1">
+                <a:ln w="12700" cmpd="sng">
+                  <a:solidFill>
+                    <a:schemeClr val="accent4"/>
+                  </a:solidFill>
+                  <a:prstDash val="solid"/>
+                </a:ln>
+                <a:gradFill>
+                  <a:gsLst>
+                    <a:gs pos="0">
+                      <a:schemeClr val="accent4"/>
+                    </a:gs>
+                    <a:gs pos="4000">
+                      <a:schemeClr val="accent4">
+                        <a:lumMod val="60000"/>
+                        <a:lumOff val="40000"/>
+                      </a:schemeClr>
+                    </a:gs>
+                    <a:gs pos="87000">
+                      <a:schemeClr val="accent4">
+                        <a:lumMod val="20000"/>
+                        <a:lumOff val="80000"/>
+                      </a:schemeClr>
+                    </a:gs>
+                  </a:gsLst>
+                  <a:lin ang="5400000"/>
+                </a:gradFill>
+                <a:effectLst/>
+                <a:sym typeface="+mn-ea"/>
+              </a:rPr>
+              <a:t> </a:t>
+            </a:r>
+            <a:r>
+              <a:rPr sz="2800" b="1">
+                <a:ln w="12700" cmpd="sng">
+                  <a:solidFill>
+                    <a:schemeClr val="accent4"/>
+                  </a:solidFill>
+                  <a:prstDash val="solid"/>
+                </a:ln>
+                <a:gradFill>
+                  <a:gsLst>
+                    <a:gs pos="0">
+                      <a:schemeClr val="accent4"/>
+                    </a:gs>
+                    <a:gs pos="4000">
+                      <a:schemeClr val="accent4">
+                        <a:lumMod val="60000"/>
+                        <a:lumOff val="40000"/>
+                      </a:schemeClr>
+                    </a:gs>
+                    <a:gs pos="87000">
+                      <a:schemeClr val="accent4">
+                        <a:lumMod val="20000"/>
+                        <a:lumOff val="80000"/>
+                      </a:schemeClr>
+                    </a:gs>
+                  </a:gsLst>
+                  <a:lin ang="5400000"/>
+                </a:gradFill>
+                <a:effectLst/>
+                <a:sym typeface="+mn-ea"/>
+              </a:rPr>
+              <a:t>股票</a:t>
+            </a:r>
+            <a:r>
+              <a:rPr lang="zh-CN" sz="2800" b="1">
+                <a:ln w="12700" cmpd="sng">
+                  <a:solidFill>
+                    <a:schemeClr val="accent4"/>
+                  </a:solidFill>
+                  <a:prstDash val="solid"/>
+                </a:ln>
+                <a:gradFill>
+                  <a:gsLst>
+                    <a:gs pos="0">
+                      <a:schemeClr val="accent4"/>
+                    </a:gs>
+                    <a:gs pos="4000">
+                      <a:schemeClr val="accent4">
+                        <a:lumMod val="60000"/>
+                        <a:lumOff val="40000"/>
+                      </a:schemeClr>
+                    </a:gs>
+                    <a:gs pos="87000">
+                      <a:schemeClr val="accent4">
+                        <a:lumMod val="20000"/>
+                        <a:lumOff val="80000"/>
+                      </a:schemeClr>
+                    </a:gs>
+                  </a:gsLst>
+                  <a:lin ang="5400000"/>
+                </a:gradFill>
+                <a:effectLst/>
+                <a:sym typeface="+mn-ea"/>
+              </a:rPr>
+              <a:t>赚钱操作原则：高抛低吸 </a:t>
+            </a:r>
+            <a:r>
+              <a:rPr lang="zh-CN" altLang="en-US" sz="2800" b="1">
+                <a:ln w="12700" cmpd="sng">
+                  <a:solidFill>
+                    <a:schemeClr val="accent4"/>
+                  </a:solidFill>
+                  <a:prstDash val="solid"/>
+                </a:ln>
+                <a:gradFill>
+                  <a:gsLst>
+                    <a:gs pos="0">
+                      <a:schemeClr val="accent4"/>
+                    </a:gs>
+                    <a:gs pos="4000">
+                      <a:schemeClr val="accent4">
+                        <a:lumMod val="60000"/>
+                        <a:lumOff val="40000"/>
+                      </a:schemeClr>
+                    </a:gs>
+                    <a:gs pos="87000">
+                      <a:schemeClr val="accent4">
+                        <a:lumMod val="20000"/>
+                        <a:lumOff val="80000"/>
+                      </a:schemeClr>
+                    </a:gs>
+                  </a:gsLst>
+                  <a:lin ang="5400000"/>
+                </a:gradFill>
+                <a:effectLst/>
+                <a:sym typeface="+mn-ea"/>
+              </a:rPr>
+              <a:t>！！！</a:t>
+            </a:r>
+            <a:endParaRPr lang="zh-CN" altLang="en-US" sz="2800" b="1">
+              <a:ln w="12700" cmpd="sng">
+                <a:solidFill>
+                  <a:schemeClr val="accent4"/>
+                </a:solidFill>
+                <a:prstDash val="solid"/>
+              </a:ln>
+              <a:gradFill>
+                <a:gsLst>
+                  <a:gs pos="0">
+                    <a:schemeClr val="accent4"/>
+                  </a:gs>
+                  <a:gs pos="4000">
+                    <a:schemeClr val="accent4">
+                      <a:lumMod val="60000"/>
+                      <a:lumOff val="40000"/>
+                    </a:schemeClr>
+                  </a:gs>
+                  <a:gs pos="87000">
+                    <a:schemeClr val="accent4">
+                      <a:lumMod val="20000"/>
+                      <a:lumOff val="80000"/>
+                    </a:schemeClr>
+                  </a:gs>
+                </a:gsLst>
+                <a:lin ang="5400000"/>
+              </a:gradFill>
+              <a:effectLst/>
+              <a:sym typeface="+mn-ea"/>
+            </a:endParaRPr>
+          </a:p>
+        </p:txBody>
+      </p:sp>
     </p:spTree>
   </p:cSld>
   <p:clrMapOvr>
@@ -7168,6 +7170,5588 @@
 </p:sld>
 </file>
 
+<file path=ppt/slides/slide11.xml><?xml version="1.0" encoding="utf-8"?>
+<p:sld xmlns:a="http://schemas.openxmlformats.org/drawingml/2006/main" xmlns:r="http://schemas.openxmlformats.org/officeDocument/2006/relationships" xmlns:p="http://schemas.openxmlformats.org/presentationml/2006/main">
+  <p:cSld>
+    <p:bg>
+      <p:bgPr>
+        <a:solidFill>
+          <a:schemeClr val="tx2"/>
+        </a:solidFill>
+        <a:effectLst/>
+      </p:bgPr>
+    </p:bg>
+    <p:spTree>
+      <p:nvGrpSpPr>
+        <p:cNvPr id="1" name=""/>
+        <p:cNvGrpSpPr/>
+        <p:nvPr/>
+      </p:nvGrpSpPr>
+      <p:grpSpPr/>
+      <p:sp>
+        <p:nvSpPr>
+          <p:cNvPr id="79" name="矩形 78"/>
+          <p:cNvSpPr/>
+          <p:nvPr/>
+        </p:nvSpPr>
+        <p:spPr>
+          <a:xfrm>
+            <a:off x="622300" y="2481580"/>
+            <a:ext cx="3582035" cy="2200910"/>
+          </a:xfrm>
+          <a:prstGeom prst="rect">
+            <a:avLst/>
+          </a:prstGeom>
+          <a:solidFill>
+            <a:schemeClr val="accent1">
+              <a:alpha val="6000"/>
+            </a:schemeClr>
+          </a:solidFill>
+          <a:ln>
+            <a:solidFill>
+              <a:schemeClr val="tx2"/>
+            </a:solidFill>
+          </a:ln>
+        </p:spPr>
+        <p:style>
+          <a:lnRef idx="2">
+            <a:schemeClr val="accent1">
+              <a:shade val="50000"/>
+            </a:schemeClr>
+          </a:lnRef>
+          <a:fillRef idx="1">
+            <a:schemeClr val="accent1"/>
+          </a:fillRef>
+          <a:effectRef idx="0">
+            <a:schemeClr val="accent1"/>
+          </a:effectRef>
+          <a:fontRef idx="minor">
+            <a:schemeClr val="lt1"/>
+          </a:fontRef>
+        </p:style>
+        <p:txBody>
+          <a:bodyPr rtlCol="0" anchor="ctr"/>
+          <a:p>
+            <a:pPr algn="ctr"/>
+            <a:endParaRPr lang="zh-CN" altLang="en-US"/>
+          </a:p>
+        </p:txBody>
+      </p:sp>
+      <p:sp>
+        <p:nvSpPr>
+          <p:cNvPr id="80" name="矩形 79"/>
+          <p:cNvSpPr/>
+          <p:nvPr/>
+        </p:nvSpPr>
+        <p:spPr>
+          <a:xfrm>
+            <a:off x="5474970" y="2466975"/>
+            <a:ext cx="3582035" cy="2200275"/>
+          </a:xfrm>
+          <a:prstGeom prst="rect">
+            <a:avLst/>
+          </a:prstGeom>
+          <a:solidFill>
+            <a:schemeClr val="accent1">
+              <a:alpha val="6000"/>
+            </a:schemeClr>
+          </a:solidFill>
+          <a:ln>
+            <a:solidFill>
+              <a:schemeClr val="tx2"/>
+            </a:solidFill>
+          </a:ln>
+        </p:spPr>
+        <p:style>
+          <a:lnRef idx="2">
+            <a:schemeClr val="accent1">
+              <a:shade val="50000"/>
+            </a:schemeClr>
+          </a:lnRef>
+          <a:fillRef idx="1">
+            <a:schemeClr val="accent1"/>
+          </a:fillRef>
+          <a:effectRef idx="0">
+            <a:schemeClr val="accent1"/>
+          </a:effectRef>
+          <a:fontRef idx="minor">
+            <a:schemeClr val="lt1"/>
+          </a:fontRef>
+        </p:style>
+        <p:txBody>
+          <a:bodyPr rtlCol="0" anchor="ctr"/>
+          <a:p>
+            <a:pPr algn="ctr"/>
+            <a:endParaRPr lang="zh-CN" altLang="en-US"/>
+          </a:p>
+        </p:txBody>
+      </p:sp>
+      <p:sp>
+        <p:nvSpPr>
+          <p:cNvPr id="29" name="文本框 28"/>
+          <p:cNvSpPr txBox="1"/>
+          <p:nvPr/>
+        </p:nvSpPr>
+        <p:spPr>
+          <a:xfrm>
+            <a:off x="578486" y="419100"/>
+            <a:ext cx="3347085" cy="706755"/>
+          </a:xfrm>
+          <a:prstGeom prst="rect">
+            <a:avLst/>
+          </a:prstGeom>
+          <a:noFill/>
+        </p:spPr>
+        <p:txBody>
+          <a:bodyPr wrap="none" rtlCol="0">
+            <a:spAutoFit/>
+          </a:bodyPr>
+          <a:p>
+            <a:pPr algn="l"/>
+            <a:r>
+              <a:rPr lang="zh-CN" altLang="en-US" sz="4000" b="1">
+                <a:solidFill>
+                  <a:schemeClr val="bg1"/>
+                </a:solidFill>
+                <a:sym typeface="+mn-ea"/>
+              </a:rPr>
+              <a:t>647. 回文子串</a:t>
+            </a:r>
+            <a:endParaRPr lang="zh-CN" altLang="en-US" sz="4000" b="1">
+              <a:solidFill>
+                <a:schemeClr val="bg1"/>
+              </a:solidFill>
+              <a:sym typeface="+mn-ea"/>
+            </a:endParaRPr>
+          </a:p>
+        </p:txBody>
+      </p:sp>
+      <p:sp>
+        <p:nvSpPr>
+          <p:cNvPr id="34" name="文本框 33"/>
+          <p:cNvSpPr txBox="1"/>
+          <p:nvPr/>
+        </p:nvSpPr>
+        <p:spPr>
+          <a:xfrm>
+            <a:off x="608965" y="1240155"/>
+            <a:ext cx="8498840" cy="368300"/>
+          </a:xfrm>
+          <a:prstGeom prst="rect">
+            <a:avLst/>
+          </a:prstGeom>
+          <a:noFill/>
+        </p:spPr>
+        <p:txBody>
+          <a:bodyPr wrap="square" rtlCol="0">
+            <a:spAutoFit/>
+          </a:bodyPr>
+          <a:p>
+            <a:pPr algn="l"/>
+            <a:r>
+              <a:rPr lang="zh-CN" altLang="en-US" b="1">
+                <a:solidFill>
+                  <a:schemeClr val="bg1"/>
+                </a:solidFill>
+                <a:sym typeface="+mn-ea"/>
+              </a:rPr>
+              <a:t>题目：</a:t>
+            </a:r>
+            <a:r>
+              <a:rPr b="1">
+                <a:solidFill>
+                  <a:schemeClr val="bg1"/>
+                </a:solidFill>
+                <a:sym typeface="+mn-ea"/>
+              </a:rPr>
+              <a:t>给你一个字符串 s ，请你统计并返回这个字符串中回文子串的数目。</a:t>
+            </a:r>
+            <a:endParaRPr b="1">
+              <a:solidFill>
+                <a:schemeClr val="bg1"/>
+              </a:solidFill>
+              <a:sym typeface="+mn-ea"/>
+            </a:endParaRPr>
+          </a:p>
+        </p:txBody>
+      </p:sp>
+      <p:sp>
+        <p:nvSpPr>
+          <p:cNvPr id="7" name="文本框 6"/>
+          <p:cNvSpPr txBox="1"/>
+          <p:nvPr/>
+        </p:nvSpPr>
+        <p:spPr>
+          <a:xfrm>
+            <a:off x="608965" y="1637030"/>
+            <a:ext cx="7410450" cy="368300"/>
+          </a:xfrm>
+          <a:prstGeom prst="rect">
+            <a:avLst/>
+          </a:prstGeom>
+          <a:noFill/>
+        </p:spPr>
+        <p:txBody>
+          <a:bodyPr wrap="square" rtlCol="0">
+            <a:spAutoFit/>
+            <a:scene3d>
+              <a:camera prst="orthographicFront"/>
+              <a:lightRig rig="soft" dir="t">
+                <a:rot lat="0" lon="0" rev="15600000"/>
+              </a:lightRig>
+            </a:scene3d>
+            <a:sp3d extrusionH="57150" prstMaterial="softEdge">
+              <a:bevelT w="25400" h="38100"/>
+            </a:sp3d>
+          </a:bodyPr>
+          <a:p>
+            <a:pPr algn="l"/>
+            <a:r>
+              <a:rPr lang="zh-CN" altLang="en-US" b="1">
+                <a:solidFill>
+                  <a:schemeClr val="accent4"/>
+                </a:solidFill>
+                <a:effectLst/>
+              </a:rPr>
+              <a:t>字符串的所有第 </a:t>
+            </a:r>
+            <a:r>
+              <a:rPr lang="en-US" altLang="zh-CN" b="1">
+                <a:solidFill>
+                  <a:schemeClr val="accent4"/>
+                </a:solidFill>
+                <a:effectLst/>
+              </a:rPr>
+              <a:t>i </a:t>
+            </a:r>
+            <a:r>
+              <a:rPr lang="zh-CN" altLang="en-US" b="1">
+                <a:solidFill>
+                  <a:schemeClr val="accent4"/>
+                </a:solidFill>
+                <a:effectLst/>
+              </a:rPr>
+              <a:t>个字符和第 </a:t>
+            </a:r>
+            <a:r>
+              <a:rPr lang="en-US" altLang="zh-CN" b="1">
+                <a:solidFill>
+                  <a:schemeClr val="accent4"/>
+                </a:solidFill>
+                <a:effectLst/>
+              </a:rPr>
+              <a:t>length-i-1 </a:t>
+            </a:r>
+            <a:r>
+              <a:rPr lang="zh-CN" altLang="en-US" b="1">
+                <a:solidFill>
+                  <a:schemeClr val="accent4"/>
+                </a:solidFill>
+                <a:effectLst/>
+              </a:rPr>
+              <a:t>个字符相同则是回文字符串</a:t>
+            </a:r>
+            <a:endParaRPr lang="zh-CN" altLang="en-US" b="1">
+              <a:solidFill>
+                <a:schemeClr val="accent4"/>
+              </a:solidFill>
+              <a:effectLst/>
+            </a:endParaRPr>
+          </a:p>
+        </p:txBody>
+      </p:sp>
+      <p:sp>
+        <p:nvSpPr>
+          <p:cNvPr id="8" name="文本框 7"/>
+          <p:cNvSpPr txBox="1"/>
+          <p:nvPr/>
+        </p:nvSpPr>
+        <p:spPr>
+          <a:xfrm>
+            <a:off x="7879080" y="1637030"/>
+            <a:ext cx="2159000" cy="368300"/>
+          </a:xfrm>
+          <a:prstGeom prst="rect">
+            <a:avLst/>
+          </a:prstGeom>
+          <a:noFill/>
+        </p:spPr>
+        <p:txBody>
+          <a:bodyPr wrap="square" rtlCol="0">
+            <a:spAutoFit/>
+          </a:bodyPr>
+          <a:p>
+            <a:pPr algn="l"/>
+            <a:r>
+              <a:rPr lang="en-US" altLang="zh-CN" b="1">
+                <a:solidFill>
+                  <a:schemeClr val="bg1"/>
+                </a:solidFill>
+              </a:rPr>
+              <a:t>bnb</a:t>
+            </a:r>
+            <a:r>
+              <a:rPr lang="zh-CN" altLang="en-US" b="1">
+                <a:solidFill>
+                  <a:schemeClr val="bg1"/>
+                </a:solidFill>
+              </a:rPr>
+              <a:t>、</a:t>
+            </a:r>
+            <a:r>
+              <a:rPr lang="en-US" altLang="zh-CN" b="1">
+                <a:solidFill>
+                  <a:schemeClr val="bg1"/>
+                </a:solidFill>
+              </a:rPr>
+              <a:t>level</a:t>
+            </a:r>
+            <a:r>
+              <a:rPr lang="zh-CN" altLang="en-US" b="1">
+                <a:solidFill>
+                  <a:schemeClr val="bg1"/>
+                </a:solidFill>
+              </a:rPr>
+              <a:t>、</a:t>
+            </a:r>
+            <a:r>
+              <a:rPr lang="en-US" altLang="zh-CN" b="1">
+                <a:solidFill>
+                  <a:schemeClr val="bg1"/>
+                </a:solidFill>
+              </a:rPr>
+              <a:t>acca</a:t>
+            </a:r>
+            <a:endParaRPr lang="en-US" altLang="zh-CN" b="1">
+              <a:solidFill>
+                <a:schemeClr val="bg1"/>
+              </a:solidFill>
+            </a:endParaRPr>
+          </a:p>
+        </p:txBody>
+      </p:sp>
+      <p:grpSp>
+        <p:nvGrpSpPr>
+          <p:cNvPr id="71" name="组合 70"/>
+          <p:cNvGrpSpPr/>
+          <p:nvPr/>
+        </p:nvGrpSpPr>
+        <p:grpSpPr>
+          <a:xfrm>
+            <a:off x="737235" y="2611755"/>
+            <a:ext cx="3333115" cy="1941830"/>
+            <a:chOff x="741" y="3424"/>
+            <a:chExt cx="5249" cy="3058"/>
+          </a:xfrm>
+        </p:grpSpPr>
+        <p:sp>
+          <p:nvSpPr>
+            <p:cNvPr id="9" name="文本框 8"/>
+            <p:cNvSpPr txBox="1"/>
+            <p:nvPr/>
+          </p:nvSpPr>
+          <p:spPr>
+            <a:xfrm>
+              <a:off x="864" y="5854"/>
+              <a:ext cx="4958" cy="628"/>
+            </a:xfrm>
+            <a:prstGeom prst="rect">
+              <a:avLst/>
+            </a:prstGeom>
+            <a:noFill/>
+          </p:spPr>
+          <p:txBody>
+            <a:bodyPr wrap="square" rtlCol="0">
+              <a:spAutoFit/>
+            </a:bodyPr>
+            <a:p>
+              <a:pPr algn="l"/>
+              <a:r>
+                <a:rPr lang="en-US" altLang="zh-CN" sz="2000" b="1">
+                  <a:solidFill>
+                    <a:schemeClr val="bg1"/>
+                  </a:solidFill>
+                </a:rPr>
+                <a:t>l        e         v         e        l</a:t>
+              </a:r>
+              <a:endParaRPr lang="en-US" altLang="zh-CN" sz="2000" b="1">
+                <a:solidFill>
+                  <a:schemeClr val="bg1"/>
+                </a:solidFill>
+              </a:endParaRPr>
+            </a:p>
+          </p:txBody>
+        </p:sp>
+        <p:sp>
+          <p:nvSpPr>
+            <p:cNvPr id="36" name="左大括号 35"/>
+            <p:cNvSpPr/>
+            <p:nvPr/>
+          </p:nvSpPr>
+          <p:spPr>
+            <a:xfrm rot="5400000">
+              <a:off x="3136" y="1846"/>
+              <a:ext cx="340" cy="4252"/>
+            </a:xfrm>
+            <a:prstGeom prst="leftBrace">
+              <a:avLst/>
+            </a:prstGeom>
+            <a:ln>
+              <a:solidFill>
+                <a:schemeClr val="bg1"/>
+              </a:solidFill>
+            </a:ln>
+          </p:spPr>
+          <p:style>
+            <a:lnRef idx="1">
+              <a:schemeClr val="accent1"/>
+            </a:lnRef>
+            <a:fillRef idx="0">
+              <a:schemeClr val="accent1"/>
+            </a:fillRef>
+            <a:effectRef idx="0">
+              <a:schemeClr val="accent1"/>
+            </a:effectRef>
+            <a:fontRef idx="minor">
+              <a:schemeClr val="tx1"/>
+            </a:fontRef>
+          </p:style>
+          <p:txBody>
+            <a:bodyPr rtlCol="0" anchor="ctr"/>
+            <a:p>
+              <a:pPr algn="ctr"/>
+              <a:endParaRPr lang="zh-CN" altLang="en-US"/>
+            </a:p>
+          </p:txBody>
+        </p:sp>
+        <p:sp>
+          <p:nvSpPr>
+            <p:cNvPr id="61" name="文本框 60"/>
+            <p:cNvSpPr txBox="1"/>
+            <p:nvPr/>
+          </p:nvSpPr>
+          <p:spPr>
+            <a:xfrm>
+              <a:off x="741" y="3424"/>
+              <a:ext cx="1025" cy="483"/>
+            </a:xfrm>
+            <a:prstGeom prst="rect">
+              <a:avLst/>
+            </a:prstGeom>
+            <a:noFill/>
+          </p:spPr>
+          <p:txBody>
+            <a:bodyPr wrap="square" rtlCol="0">
+              <a:spAutoFit/>
+            </a:bodyPr>
+            <a:p>
+              <a:pPr algn="ctr"/>
+              <a:r>
+                <a:rPr lang="en-US" altLang="zh-CN" sz="1400" b="1">
+                  <a:solidFill>
+                    <a:schemeClr val="bg1"/>
+                  </a:solidFill>
+                </a:rPr>
+                <a:t>i = 0</a:t>
+              </a:r>
+              <a:endParaRPr lang="en-US" altLang="zh-CN" sz="1400" b="1">
+                <a:solidFill>
+                  <a:schemeClr val="bg1"/>
+                </a:solidFill>
+              </a:endParaRPr>
+            </a:p>
+          </p:txBody>
+        </p:sp>
+        <p:sp>
+          <p:nvSpPr>
+            <p:cNvPr id="10" name="左大括号 9"/>
+            <p:cNvSpPr/>
+            <p:nvPr/>
+          </p:nvSpPr>
+          <p:spPr>
+            <a:xfrm rot="5400000">
+              <a:off x="3151" y="3539"/>
+              <a:ext cx="340" cy="2551"/>
+            </a:xfrm>
+            <a:prstGeom prst="leftBrace">
+              <a:avLst/>
+            </a:prstGeom>
+            <a:ln>
+              <a:solidFill>
+                <a:schemeClr val="bg1"/>
+              </a:solidFill>
+            </a:ln>
+          </p:spPr>
+          <p:style>
+            <a:lnRef idx="1">
+              <a:schemeClr val="accent1"/>
+            </a:lnRef>
+            <a:fillRef idx="0">
+              <a:schemeClr val="accent1"/>
+            </a:fillRef>
+            <a:effectRef idx="0">
+              <a:schemeClr val="accent1"/>
+            </a:effectRef>
+            <a:fontRef idx="minor">
+              <a:schemeClr val="tx1"/>
+            </a:fontRef>
+          </p:style>
+          <p:txBody>
+            <a:bodyPr rtlCol="0" anchor="ctr"/>
+            <a:p>
+              <a:pPr algn="ctr"/>
+              <a:endParaRPr lang="zh-CN" altLang="en-US"/>
+            </a:p>
+          </p:txBody>
+        </p:sp>
+        <p:sp>
+          <p:nvSpPr>
+            <p:cNvPr id="20" name="左大括号 19"/>
+            <p:cNvSpPr/>
+            <p:nvPr/>
+          </p:nvSpPr>
+          <p:spPr>
+            <a:xfrm rot="5400000">
+              <a:off x="3151" y="5482"/>
+              <a:ext cx="340" cy="567"/>
+            </a:xfrm>
+            <a:prstGeom prst="leftBrace">
+              <a:avLst/>
+            </a:prstGeom>
+            <a:ln>
+              <a:solidFill>
+                <a:schemeClr val="bg1"/>
+              </a:solidFill>
+            </a:ln>
+          </p:spPr>
+          <p:style>
+            <a:lnRef idx="1">
+              <a:schemeClr val="accent1"/>
+            </a:lnRef>
+            <a:fillRef idx="0">
+              <a:schemeClr val="accent1"/>
+            </a:fillRef>
+            <a:effectRef idx="0">
+              <a:schemeClr val="accent1"/>
+            </a:effectRef>
+            <a:fontRef idx="minor">
+              <a:schemeClr val="tx1"/>
+            </a:fontRef>
+          </p:style>
+          <p:txBody>
+            <a:bodyPr rtlCol="0" anchor="ctr"/>
+            <a:p>
+              <a:pPr algn="ctr"/>
+              <a:endParaRPr lang="zh-CN" altLang="en-US"/>
+            </a:p>
+          </p:txBody>
+        </p:sp>
+        <p:sp>
+          <p:nvSpPr>
+            <p:cNvPr id="22" name="文本框 21"/>
+            <p:cNvSpPr txBox="1"/>
+            <p:nvPr/>
+          </p:nvSpPr>
+          <p:spPr>
+            <a:xfrm>
+              <a:off x="2635" y="5056"/>
+              <a:ext cx="1458" cy="483"/>
+            </a:xfrm>
+            <a:prstGeom prst="rect">
+              <a:avLst/>
+            </a:prstGeom>
+            <a:noFill/>
+          </p:spPr>
+          <p:txBody>
+            <a:bodyPr wrap="square" rtlCol="0">
+              <a:spAutoFit/>
+            </a:bodyPr>
+            <a:p>
+              <a:pPr algn="ctr"/>
+              <a:r>
+                <a:rPr lang="en-US" altLang="zh-CN" sz="1400" b="1">
+                  <a:solidFill>
+                    <a:schemeClr val="bg1"/>
+                  </a:solidFill>
+                </a:rPr>
+                <a:t>i = j = 2</a:t>
+              </a:r>
+              <a:endParaRPr lang="en-US" altLang="zh-CN" sz="1400" b="1">
+                <a:solidFill>
+                  <a:schemeClr val="bg1"/>
+                </a:solidFill>
+              </a:endParaRPr>
+            </a:p>
+          </p:txBody>
+        </p:sp>
+        <p:sp>
+          <p:nvSpPr>
+            <p:cNvPr id="42" name="文本框 41"/>
+            <p:cNvSpPr txBox="1"/>
+            <p:nvPr/>
+          </p:nvSpPr>
+          <p:spPr>
+            <a:xfrm>
+              <a:off x="4966" y="3453"/>
+              <a:ext cx="1025" cy="483"/>
+            </a:xfrm>
+            <a:prstGeom prst="rect">
+              <a:avLst/>
+            </a:prstGeom>
+            <a:noFill/>
+          </p:spPr>
+          <p:txBody>
+            <a:bodyPr wrap="square" rtlCol="0">
+              <a:spAutoFit/>
+            </a:bodyPr>
+            <a:p>
+              <a:pPr algn="ctr"/>
+              <a:r>
+                <a:rPr lang="en-US" altLang="zh-CN" sz="1400" b="1">
+                  <a:solidFill>
+                    <a:schemeClr val="bg1"/>
+                  </a:solidFill>
+                </a:rPr>
+                <a:t>j = 4</a:t>
+              </a:r>
+              <a:endParaRPr lang="en-US" altLang="zh-CN" sz="1400" b="1">
+                <a:solidFill>
+                  <a:schemeClr val="bg1"/>
+                </a:solidFill>
+              </a:endParaRPr>
+            </a:p>
+          </p:txBody>
+        </p:sp>
+        <p:sp>
+          <p:nvSpPr>
+            <p:cNvPr id="43" name="文本框 42"/>
+            <p:cNvSpPr txBox="1"/>
+            <p:nvPr/>
+          </p:nvSpPr>
+          <p:spPr>
+            <a:xfrm>
+              <a:off x="1595" y="4278"/>
+              <a:ext cx="1025" cy="483"/>
+            </a:xfrm>
+            <a:prstGeom prst="rect">
+              <a:avLst/>
+            </a:prstGeom>
+            <a:noFill/>
+          </p:spPr>
+          <p:txBody>
+            <a:bodyPr wrap="square" rtlCol="0">
+              <a:spAutoFit/>
+            </a:bodyPr>
+            <a:p>
+              <a:pPr algn="ctr"/>
+              <a:r>
+                <a:rPr lang="en-US" altLang="zh-CN" sz="1400" b="1">
+                  <a:solidFill>
+                    <a:schemeClr val="bg1"/>
+                  </a:solidFill>
+                </a:rPr>
+                <a:t>i = 1</a:t>
+              </a:r>
+              <a:endParaRPr lang="en-US" altLang="zh-CN" sz="1400" b="1">
+                <a:solidFill>
+                  <a:schemeClr val="bg1"/>
+                </a:solidFill>
+              </a:endParaRPr>
+            </a:p>
+          </p:txBody>
+        </p:sp>
+        <p:sp>
+          <p:nvSpPr>
+            <p:cNvPr id="44" name="文本框 43"/>
+            <p:cNvSpPr txBox="1"/>
+            <p:nvPr/>
+          </p:nvSpPr>
+          <p:spPr>
+            <a:xfrm>
+              <a:off x="4093" y="4321"/>
+              <a:ext cx="1025" cy="483"/>
+            </a:xfrm>
+            <a:prstGeom prst="rect">
+              <a:avLst/>
+            </a:prstGeom>
+            <a:noFill/>
+          </p:spPr>
+          <p:txBody>
+            <a:bodyPr wrap="square" rtlCol="0">
+              <a:spAutoFit/>
+            </a:bodyPr>
+            <a:p>
+              <a:pPr algn="ctr"/>
+              <a:r>
+                <a:rPr lang="en-US" altLang="zh-CN" sz="1400" b="1">
+                  <a:solidFill>
+                    <a:schemeClr val="bg1"/>
+                  </a:solidFill>
+                </a:rPr>
+                <a:t>j = 3</a:t>
+              </a:r>
+              <a:endParaRPr lang="en-US" altLang="zh-CN" sz="1400" b="1">
+                <a:solidFill>
+                  <a:schemeClr val="bg1"/>
+                </a:solidFill>
+              </a:endParaRPr>
+            </a:p>
+          </p:txBody>
+        </p:sp>
+      </p:grpSp>
+      <p:grpSp>
+        <p:nvGrpSpPr>
+          <p:cNvPr id="59" name="组合 58"/>
+          <p:cNvGrpSpPr/>
+          <p:nvPr/>
+        </p:nvGrpSpPr>
+        <p:grpSpPr>
+          <a:xfrm>
+            <a:off x="5854700" y="2978150"/>
+            <a:ext cx="2873375" cy="1550670"/>
+            <a:chOff x="625" y="5694"/>
+            <a:chExt cx="4525" cy="2442"/>
+          </a:xfrm>
+        </p:grpSpPr>
+        <p:sp>
+          <p:nvSpPr>
+            <p:cNvPr id="60" name="文本框 59"/>
+            <p:cNvSpPr txBox="1"/>
+            <p:nvPr/>
+          </p:nvSpPr>
+          <p:spPr>
+            <a:xfrm>
+              <a:off x="896" y="7508"/>
+              <a:ext cx="4102" cy="628"/>
+            </a:xfrm>
+            <a:prstGeom prst="rect">
+              <a:avLst/>
+            </a:prstGeom>
+            <a:noFill/>
+          </p:spPr>
+          <p:txBody>
+            <a:bodyPr wrap="square" rtlCol="0">
+              <a:spAutoFit/>
+            </a:bodyPr>
+            <a:p>
+              <a:pPr algn="l"/>
+              <a:r>
+                <a:rPr lang="en-US" altLang="zh-CN" sz="2000" b="1">
+                  <a:solidFill>
+                    <a:schemeClr val="bg1"/>
+                  </a:solidFill>
+                </a:rPr>
+                <a:t>a       c         c         a</a:t>
+              </a:r>
+              <a:endParaRPr lang="en-US" altLang="zh-CN" sz="2000" b="1">
+                <a:solidFill>
+                  <a:schemeClr val="bg1"/>
+                </a:solidFill>
+              </a:endParaRPr>
+            </a:p>
+          </p:txBody>
+        </p:sp>
+        <p:sp>
+          <p:nvSpPr>
+            <p:cNvPr id="65" name="左大括号 64"/>
+            <p:cNvSpPr/>
+            <p:nvPr/>
+          </p:nvSpPr>
+          <p:spPr>
+            <a:xfrm rot="5400000">
+              <a:off x="2578" y="4635"/>
+              <a:ext cx="340" cy="3401"/>
+            </a:xfrm>
+            <a:prstGeom prst="leftBrace">
+              <a:avLst/>
+            </a:prstGeom>
+            <a:ln>
+              <a:solidFill>
+                <a:schemeClr val="bg1"/>
+              </a:solidFill>
+            </a:ln>
+          </p:spPr>
+          <p:style>
+            <a:lnRef idx="1">
+              <a:schemeClr val="accent1"/>
+            </a:lnRef>
+            <a:fillRef idx="0">
+              <a:schemeClr val="accent1"/>
+            </a:fillRef>
+            <a:effectRef idx="0">
+              <a:schemeClr val="accent1"/>
+            </a:effectRef>
+            <a:fontRef idx="minor">
+              <a:schemeClr val="tx1"/>
+            </a:fontRef>
+          </p:style>
+          <p:txBody>
+            <a:bodyPr rtlCol="0" anchor="ctr"/>
+            <a:p>
+              <a:pPr algn="ctr"/>
+              <a:endParaRPr lang="zh-CN" altLang="en-US"/>
+            </a:p>
+          </p:txBody>
+        </p:sp>
+        <p:sp>
+          <p:nvSpPr>
+            <p:cNvPr id="66" name="左大括号 65"/>
+            <p:cNvSpPr/>
+            <p:nvPr/>
+          </p:nvSpPr>
+          <p:spPr>
+            <a:xfrm rot="5400000">
+              <a:off x="2585" y="6763"/>
+              <a:ext cx="340" cy="1133"/>
+            </a:xfrm>
+            <a:prstGeom prst="leftBrace">
+              <a:avLst/>
+            </a:prstGeom>
+            <a:ln>
+              <a:solidFill>
+                <a:schemeClr val="bg1"/>
+              </a:solidFill>
+            </a:ln>
+          </p:spPr>
+          <p:style>
+            <a:lnRef idx="1">
+              <a:schemeClr val="accent1"/>
+            </a:lnRef>
+            <a:fillRef idx="0">
+              <a:schemeClr val="accent1"/>
+            </a:fillRef>
+            <a:effectRef idx="0">
+              <a:schemeClr val="accent1"/>
+            </a:effectRef>
+            <a:fontRef idx="minor">
+              <a:schemeClr val="tx1"/>
+            </a:fontRef>
+          </p:style>
+          <p:txBody>
+            <a:bodyPr rtlCol="0" anchor="ctr"/>
+            <a:p>
+              <a:pPr algn="ctr"/>
+              <a:endParaRPr lang="zh-CN" altLang="en-US"/>
+            </a:p>
+          </p:txBody>
+        </p:sp>
+        <p:sp>
+          <p:nvSpPr>
+            <p:cNvPr id="67" name="文本框 66"/>
+            <p:cNvSpPr txBox="1"/>
+            <p:nvPr/>
+          </p:nvSpPr>
+          <p:spPr>
+            <a:xfrm>
+              <a:off x="1633" y="6680"/>
+              <a:ext cx="2234" cy="483"/>
+            </a:xfrm>
+            <a:prstGeom prst="rect">
+              <a:avLst/>
+            </a:prstGeom>
+            <a:noFill/>
+          </p:spPr>
+          <p:txBody>
+            <a:bodyPr wrap="square" rtlCol="0">
+              <a:spAutoFit/>
+            </a:bodyPr>
+            <a:p>
+              <a:pPr algn="ctr"/>
+              <a:r>
+                <a:rPr lang="en-US" altLang="zh-CN" sz="1400" b="1">
+                  <a:solidFill>
+                    <a:schemeClr val="bg1"/>
+                  </a:solidFill>
+                </a:rPr>
+                <a:t>i =1         j = 2</a:t>
+              </a:r>
+              <a:endParaRPr lang="en-US" altLang="zh-CN" sz="1400" b="1">
+                <a:solidFill>
+                  <a:schemeClr val="bg1"/>
+                </a:solidFill>
+              </a:endParaRPr>
+            </a:p>
+          </p:txBody>
+        </p:sp>
+        <p:sp>
+          <p:nvSpPr>
+            <p:cNvPr id="69" name="文本框 68"/>
+            <p:cNvSpPr txBox="1"/>
+            <p:nvPr/>
+          </p:nvSpPr>
+          <p:spPr>
+            <a:xfrm>
+              <a:off x="625" y="5694"/>
+              <a:ext cx="1025" cy="483"/>
+            </a:xfrm>
+            <a:prstGeom prst="rect">
+              <a:avLst/>
+            </a:prstGeom>
+            <a:noFill/>
+          </p:spPr>
+          <p:txBody>
+            <a:bodyPr wrap="square" rtlCol="0">
+              <a:spAutoFit/>
+            </a:bodyPr>
+            <a:p>
+              <a:pPr algn="ctr"/>
+              <a:r>
+                <a:rPr lang="en-US" altLang="zh-CN" sz="1400" b="1">
+                  <a:solidFill>
+                    <a:schemeClr val="bg1"/>
+                  </a:solidFill>
+                </a:rPr>
+                <a:t>i = 0</a:t>
+              </a:r>
+              <a:endParaRPr lang="en-US" altLang="zh-CN" sz="1400" b="1">
+                <a:solidFill>
+                  <a:schemeClr val="bg1"/>
+                </a:solidFill>
+              </a:endParaRPr>
+            </a:p>
+          </p:txBody>
+        </p:sp>
+        <p:sp>
+          <p:nvSpPr>
+            <p:cNvPr id="70" name="文本框 69"/>
+            <p:cNvSpPr txBox="1"/>
+            <p:nvPr/>
+          </p:nvSpPr>
+          <p:spPr>
+            <a:xfrm>
+              <a:off x="4125" y="5707"/>
+              <a:ext cx="1025" cy="483"/>
+            </a:xfrm>
+            <a:prstGeom prst="rect">
+              <a:avLst/>
+            </a:prstGeom>
+            <a:noFill/>
+          </p:spPr>
+          <p:txBody>
+            <a:bodyPr wrap="square" rtlCol="0">
+              <a:spAutoFit/>
+            </a:bodyPr>
+            <a:p>
+              <a:pPr algn="ctr"/>
+              <a:r>
+                <a:rPr lang="en-US" altLang="zh-CN" sz="1400" b="1">
+                  <a:solidFill>
+                    <a:schemeClr val="bg1"/>
+                  </a:solidFill>
+                </a:rPr>
+                <a:t>j = 3</a:t>
+              </a:r>
+              <a:endParaRPr lang="en-US" altLang="zh-CN" sz="1400" b="1">
+                <a:solidFill>
+                  <a:schemeClr val="bg1"/>
+                </a:solidFill>
+              </a:endParaRPr>
+            </a:p>
+          </p:txBody>
+        </p:sp>
+      </p:grpSp>
+      <p:sp>
+        <p:nvSpPr>
+          <p:cNvPr id="2" name="文本框 1"/>
+          <p:cNvSpPr txBox="1"/>
+          <p:nvPr/>
+        </p:nvSpPr>
+        <p:spPr>
+          <a:xfrm>
+            <a:off x="578485" y="4987925"/>
+            <a:ext cx="3905885" cy="737235"/>
+          </a:xfrm>
+          <a:prstGeom prst="rect">
+            <a:avLst/>
+          </a:prstGeom>
+          <a:noFill/>
+        </p:spPr>
+        <p:txBody>
+          <a:bodyPr wrap="square" rtlCol="0">
+            <a:spAutoFit/>
+          </a:bodyPr>
+          <a:p>
+            <a:pPr algn="l"/>
+            <a:r>
+              <a:rPr lang="zh-CN" altLang="en-US" sz="1400" b="1">
+                <a:solidFill>
+                  <a:schemeClr val="bg1"/>
+                </a:solidFill>
+                <a:sym typeface="+mn-ea"/>
+              </a:rPr>
+              <a:t>递推公式：</a:t>
+            </a:r>
+            <a:endParaRPr lang="zh-CN" altLang="en-US" sz="1400">
+              <a:solidFill>
+                <a:schemeClr val="bg1"/>
+              </a:solidFill>
+              <a:sym typeface="+mn-ea"/>
+            </a:endParaRPr>
+          </a:p>
+          <a:p>
+            <a:pPr algn="l"/>
+            <a:endParaRPr lang="zh-CN" altLang="en-US" sz="1400">
+              <a:solidFill>
+                <a:schemeClr val="bg1"/>
+              </a:solidFill>
+              <a:sym typeface="+mn-ea"/>
+            </a:endParaRPr>
+          </a:p>
+          <a:p>
+            <a:pPr algn="l"/>
+            <a:r>
+              <a:rPr lang="en-US" sz="1400">
+                <a:solidFill>
+                  <a:schemeClr val="bg1"/>
+                </a:solidFill>
+                <a:sym typeface="+mn-ea"/>
+              </a:rPr>
+              <a:t>dp[i][j] = s[i] === s[j] &amp;&amp; dp[i - 1][j + 1]</a:t>
+            </a:r>
+            <a:endParaRPr lang="en-US" sz="1400">
+              <a:solidFill>
+                <a:schemeClr val="bg1"/>
+              </a:solidFill>
+              <a:sym typeface="+mn-ea"/>
+            </a:endParaRPr>
+          </a:p>
+        </p:txBody>
+      </p:sp>
+      <p:sp>
+        <p:nvSpPr>
+          <p:cNvPr id="3" name="文本框 2"/>
+          <p:cNvSpPr txBox="1"/>
+          <p:nvPr/>
+        </p:nvSpPr>
+        <p:spPr>
+          <a:xfrm>
+            <a:off x="5474970" y="4977130"/>
+            <a:ext cx="4562475" cy="1599565"/>
+          </a:xfrm>
+          <a:prstGeom prst="rect">
+            <a:avLst/>
+          </a:prstGeom>
+          <a:noFill/>
+        </p:spPr>
+        <p:txBody>
+          <a:bodyPr wrap="square" rtlCol="0">
+            <a:spAutoFit/>
+          </a:bodyPr>
+          <a:p>
+            <a:pPr algn="l"/>
+            <a:r>
+              <a:rPr lang="zh-CN" sz="1400" b="1">
+                <a:solidFill>
+                  <a:schemeClr val="bg1"/>
+                </a:solidFill>
+                <a:sym typeface="+mn-ea"/>
+              </a:rPr>
+              <a:t>状态转移方程：</a:t>
+            </a:r>
+            <a:endParaRPr lang="zh-CN" sz="1400">
+              <a:solidFill>
+                <a:schemeClr val="bg1"/>
+              </a:solidFill>
+              <a:sym typeface="+mn-ea"/>
+            </a:endParaRPr>
+          </a:p>
+          <a:p>
+            <a:pPr algn="l"/>
+            <a:endParaRPr lang="zh-CN" sz="1400">
+              <a:solidFill>
+                <a:schemeClr val="bg1"/>
+              </a:solidFill>
+              <a:sym typeface="+mn-ea"/>
+            </a:endParaRPr>
+          </a:p>
+          <a:p>
+            <a:pPr algn="l"/>
+            <a:r>
+              <a:rPr sz="1400">
+                <a:solidFill>
+                  <a:schemeClr val="bg1"/>
+                </a:solidFill>
+                <a:sym typeface="+mn-ea"/>
+              </a:rPr>
+              <a:t>for (let i = 0; i &lt; len; i++) {</a:t>
+            </a:r>
+            <a:endParaRPr sz="1400">
+              <a:solidFill>
+                <a:schemeClr val="bg1"/>
+              </a:solidFill>
+              <a:sym typeface="+mn-ea"/>
+            </a:endParaRPr>
+          </a:p>
+          <a:p>
+            <a:pPr algn="l"/>
+            <a:r>
+              <a:rPr sz="1400">
+                <a:solidFill>
+                  <a:schemeClr val="bg1"/>
+                </a:solidFill>
+                <a:sym typeface="+mn-ea"/>
+              </a:rPr>
+              <a:t>    for (let j = 0; j &lt;= i; j++) {</a:t>
+            </a:r>
+            <a:endParaRPr sz="1400">
+              <a:solidFill>
+                <a:schemeClr val="bg1"/>
+              </a:solidFill>
+              <a:sym typeface="+mn-ea"/>
+            </a:endParaRPr>
+          </a:p>
+          <a:p>
+            <a:pPr algn="l"/>
+            <a:r>
+              <a:rPr sz="1400">
+                <a:solidFill>
+                  <a:schemeClr val="bg1"/>
+                </a:solidFill>
+                <a:sym typeface="+mn-ea"/>
+              </a:rPr>
+              <a:t>        dp[i][j] = </a:t>
+            </a:r>
+            <a:r>
+              <a:rPr sz="1400">
+                <a:solidFill>
+                  <a:schemeClr val="bg1"/>
+                </a:solidFill>
+                <a:sym typeface="+mn-ea"/>
+              </a:rPr>
+              <a:t>s[i] === s[j] &amp;&amp; dp[i - 1][j + 1]</a:t>
+            </a:r>
+            <a:endParaRPr sz="1400">
+              <a:solidFill>
+                <a:schemeClr val="bg1"/>
+              </a:solidFill>
+              <a:sym typeface="+mn-ea"/>
+            </a:endParaRPr>
+          </a:p>
+          <a:p>
+            <a:pPr algn="l"/>
+            <a:r>
+              <a:rPr sz="1400">
+                <a:solidFill>
+                  <a:schemeClr val="bg1"/>
+                </a:solidFill>
+                <a:sym typeface="+mn-ea"/>
+              </a:rPr>
+              <a:t>    }</a:t>
+            </a:r>
+            <a:endParaRPr sz="1400">
+              <a:solidFill>
+                <a:schemeClr val="bg1"/>
+              </a:solidFill>
+              <a:sym typeface="+mn-ea"/>
+            </a:endParaRPr>
+          </a:p>
+          <a:p>
+            <a:pPr algn="l"/>
+            <a:r>
+              <a:rPr sz="1400">
+                <a:solidFill>
+                  <a:schemeClr val="bg1"/>
+                </a:solidFill>
+                <a:sym typeface="+mn-ea"/>
+              </a:rPr>
+              <a:t>}</a:t>
+            </a:r>
+            <a:endParaRPr sz="1400">
+              <a:solidFill>
+                <a:schemeClr val="bg1"/>
+              </a:solidFill>
+              <a:sym typeface="+mn-ea"/>
+            </a:endParaRPr>
+          </a:p>
+        </p:txBody>
+      </p:sp>
+    </p:spTree>
+  </p:cSld>
+  <p:clrMapOvr>
+    <a:masterClrMapping/>
+  </p:clrMapOvr>
+  <p:timing>
+    <p:tnLst>
+      <p:par>
+        <p:cTn id="1" dur="indefinite" restart="never" nodeType="tmRoot"/>
+      </p:par>
+    </p:tnLst>
+  </p:timing>
+</p:sld>
+</file>
+
+<file path=ppt/slides/slide12.xml><?xml version="1.0" encoding="utf-8"?>
+<p:sld xmlns:a="http://schemas.openxmlformats.org/drawingml/2006/main" xmlns:r="http://schemas.openxmlformats.org/officeDocument/2006/relationships" xmlns:p="http://schemas.openxmlformats.org/presentationml/2006/main">
+  <p:cSld>
+    <p:bg>
+      <p:bgPr>
+        <a:solidFill>
+          <a:schemeClr val="tx2"/>
+        </a:solidFill>
+        <a:effectLst/>
+      </p:bgPr>
+    </p:bg>
+    <p:spTree>
+      <p:nvGrpSpPr>
+        <p:cNvPr id="1" name=""/>
+        <p:cNvGrpSpPr/>
+        <p:nvPr/>
+      </p:nvGrpSpPr>
+      <p:grpSpPr/>
+      <p:sp>
+        <p:nvSpPr>
+          <p:cNvPr id="29" name="文本框 28"/>
+          <p:cNvSpPr txBox="1"/>
+          <p:nvPr/>
+        </p:nvSpPr>
+        <p:spPr>
+          <a:xfrm>
+            <a:off x="578486" y="419100"/>
+            <a:ext cx="3347085" cy="706755"/>
+          </a:xfrm>
+          <a:prstGeom prst="rect">
+            <a:avLst/>
+          </a:prstGeom>
+          <a:noFill/>
+        </p:spPr>
+        <p:txBody>
+          <a:bodyPr wrap="none" rtlCol="0">
+            <a:spAutoFit/>
+          </a:bodyPr>
+          <a:p>
+            <a:pPr algn="l"/>
+            <a:r>
+              <a:rPr lang="zh-CN" altLang="en-US" sz="4000" b="1">
+                <a:solidFill>
+                  <a:schemeClr val="bg1"/>
+                </a:solidFill>
+                <a:sym typeface="+mn-ea"/>
+              </a:rPr>
+              <a:t>647. 回文子串</a:t>
+            </a:r>
+            <a:endParaRPr lang="zh-CN" altLang="en-US" sz="4000" b="1">
+              <a:solidFill>
+                <a:schemeClr val="bg1"/>
+              </a:solidFill>
+              <a:sym typeface="+mn-ea"/>
+            </a:endParaRPr>
+          </a:p>
+        </p:txBody>
+      </p:sp>
+      <p:sp>
+        <p:nvSpPr>
+          <p:cNvPr id="34" name="文本框 33"/>
+          <p:cNvSpPr txBox="1"/>
+          <p:nvPr/>
+        </p:nvSpPr>
+        <p:spPr>
+          <a:xfrm>
+            <a:off x="608965" y="1240155"/>
+            <a:ext cx="8498840" cy="368300"/>
+          </a:xfrm>
+          <a:prstGeom prst="rect">
+            <a:avLst/>
+          </a:prstGeom>
+          <a:noFill/>
+        </p:spPr>
+        <p:txBody>
+          <a:bodyPr wrap="square" rtlCol="0">
+            <a:spAutoFit/>
+          </a:bodyPr>
+          <a:p>
+            <a:pPr algn="l"/>
+            <a:r>
+              <a:rPr lang="zh-CN" altLang="en-US" b="1">
+                <a:solidFill>
+                  <a:schemeClr val="bg1"/>
+                </a:solidFill>
+                <a:sym typeface="+mn-ea"/>
+              </a:rPr>
+              <a:t>题目：</a:t>
+            </a:r>
+            <a:r>
+              <a:rPr b="1">
+                <a:solidFill>
+                  <a:schemeClr val="bg1"/>
+                </a:solidFill>
+                <a:sym typeface="+mn-ea"/>
+              </a:rPr>
+              <a:t>给你一个字符串 s ，请你统计并返回这个字符串中回文子串的数目。</a:t>
+            </a:r>
+            <a:endParaRPr b="1">
+              <a:solidFill>
+                <a:schemeClr val="bg1"/>
+              </a:solidFill>
+              <a:sym typeface="+mn-ea"/>
+            </a:endParaRPr>
+          </a:p>
+        </p:txBody>
+      </p:sp>
+      <p:graphicFrame>
+        <p:nvGraphicFramePr>
+          <p:cNvPr id="45" name="表格 44"/>
+          <p:cNvGraphicFramePr/>
+          <p:nvPr>
+            <p:custDataLst>
+              <p:tags r:id="rId1"/>
+            </p:custDataLst>
+          </p:nvPr>
+        </p:nvGraphicFramePr>
+        <p:xfrm>
+          <a:off x="6896100" y="3188335"/>
+          <a:ext cx="3413760" cy="3219450"/>
+        </p:xfrm>
+        <a:graphic>
+          <a:graphicData uri="http://schemas.openxmlformats.org/drawingml/2006/table">
+            <a:tbl>
+              <a:tblPr firstRow="1" bandRow="1">
+                <a:tableStyleId>{5C22544A-7EE6-4342-B048-85BDC9FD1C3A}</a:tableStyleId>
+              </a:tblPr>
+              <a:tblGrid>
+                <a:gridCol w="568960"/>
+                <a:gridCol w="568960"/>
+                <a:gridCol w="568960"/>
+                <a:gridCol w="568960"/>
+                <a:gridCol w="568960"/>
+                <a:gridCol w="568960"/>
+              </a:tblGrid>
+              <a:tr h="536575">
+                <a:tc>
+                  <a:txBody>
+                    <a:bodyPr/>
+                    <a:p>
+                      <a:pPr algn="ctr">
+                        <a:buNone/>
+                      </a:pPr>
+                      <a:endParaRPr lang="zh-CN" altLang="en-US"/>
+                    </a:p>
+                  </a:txBody>
+                  <a:tcPr/>
+                </a:tc>
+                <a:tc>
+                  <a:txBody>
+                    <a:bodyPr/>
+                    <a:p>
+                      <a:pPr algn="ctr">
+                        <a:buNone/>
+                      </a:pPr>
+                      <a:r>
+                        <a:rPr lang="en-US" altLang="zh-CN"/>
+                        <a:t>a</a:t>
+                      </a:r>
+                      <a:endParaRPr lang="en-US" altLang="zh-CN"/>
+                    </a:p>
+                  </a:txBody>
+                  <a:tcPr/>
+                </a:tc>
+                <a:tc>
+                  <a:txBody>
+                    <a:bodyPr/>
+                    <a:p>
+                      <a:pPr algn="ctr">
+                        <a:buNone/>
+                      </a:pPr>
+                      <a:r>
+                        <a:rPr lang="en-US" altLang="zh-CN"/>
+                        <a:t>k</a:t>
+                      </a:r>
+                      <a:endParaRPr lang="en-US" altLang="zh-CN"/>
+                    </a:p>
+                  </a:txBody>
+                  <a:tcPr/>
+                </a:tc>
+                <a:tc>
+                  <a:txBody>
+                    <a:bodyPr/>
+                    <a:p>
+                      <a:pPr algn="ctr">
+                        <a:buNone/>
+                      </a:pPr>
+                      <a:r>
+                        <a:rPr lang="en-US" altLang="zh-CN"/>
+                        <a:t>f</a:t>
+                      </a:r>
+                      <a:endParaRPr lang="en-US" altLang="zh-CN"/>
+                    </a:p>
+                  </a:txBody>
+                  <a:tcPr/>
+                </a:tc>
+                <a:tc>
+                  <a:txBody>
+                    <a:bodyPr/>
+                    <a:p>
+                      <a:pPr algn="ctr">
+                        <a:buNone/>
+                      </a:pPr>
+                      <a:r>
+                        <a:rPr lang="en-US" altLang="zh-CN"/>
+                        <a:t>a</a:t>
+                      </a:r>
+                      <a:endParaRPr lang="en-US" altLang="zh-CN"/>
+                    </a:p>
+                  </a:txBody>
+                  <a:tcPr/>
+                </a:tc>
+                <a:tc>
+                  <a:txBody>
+                    <a:bodyPr/>
+                    <a:p>
+                      <a:pPr algn="ctr">
+                        <a:buNone/>
+                      </a:pPr>
+                      <a:r>
+                        <a:rPr lang="en-US" altLang="zh-CN"/>
+                        <a:t>f</a:t>
+                      </a:r>
+                      <a:endParaRPr lang="en-US" altLang="zh-CN"/>
+                    </a:p>
+                  </a:txBody>
+                  <a:tcPr/>
+                </a:tc>
+              </a:tr>
+              <a:tr h="536575">
+                <a:tc>
+                  <a:txBody>
+                    <a:bodyPr/>
+                    <a:p>
+                      <a:pPr algn="ctr">
+                        <a:buNone/>
+                      </a:pPr>
+                      <a:r>
+                        <a:rPr lang="en-US" altLang="zh-CN" b="1">
+                          <a:solidFill>
+                            <a:schemeClr val="bg1"/>
+                          </a:solidFill>
+                        </a:rPr>
+                        <a:t>a</a:t>
+                      </a:r>
+                      <a:endParaRPr lang="en-US" altLang="zh-CN" b="1">
+                        <a:solidFill>
+                          <a:schemeClr val="bg1"/>
+                        </a:solidFill>
+                      </a:endParaRPr>
+                    </a:p>
+                  </a:txBody>
+                  <a:tcPr>
+                    <a:solidFill>
+                      <a:schemeClr val="accent1"/>
+                    </a:solidFill>
+                  </a:tcPr>
+                </a:tc>
+                <a:tc>
+                  <a:txBody>
+                    <a:bodyPr/>
+                    <a:p>
+                      <a:pPr algn="ctr">
+                        <a:buNone/>
+                      </a:pPr>
+                      <a:endParaRPr lang="en-US" altLang="zh-CN"/>
+                    </a:p>
+                  </a:txBody>
+                  <a:tcPr/>
+                </a:tc>
+                <a:tc>
+                  <a:txBody>
+                    <a:bodyPr/>
+                    <a:p>
+                      <a:pPr algn="ctr">
+                        <a:buNone/>
+                      </a:pPr>
+                      <a:endParaRPr lang="en-US" altLang="zh-CN"/>
+                    </a:p>
+                  </a:txBody>
+                  <a:tcPr/>
+                </a:tc>
+                <a:tc>
+                  <a:txBody>
+                    <a:bodyPr/>
+                    <a:p>
+                      <a:pPr algn="ctr">
+                        <a:buNone/>
+                      </a:pPr>
+                      <a:endParaRPr lang="en-US" altLang="zh-CN"/>
+                    </a:p>
+                  </a:txBody>
+                  <a:tcPr/>
+                </a:tc>
+                <a:tc>
+                  <a:txBody>
+                    <a:bodyPr/>
+                    <a:p>
+                      <a:pPr algn="ctr">
+                        <a:buNone/>
+                      </a:pPr>
+                      <a:endParaRPr lang="en-US" altLang="zh-CN"/>
+                    </a:p>
+                  </a:txBody>
+                  <a:tcPr/>
+                </a:tc>
+                <a:tc>
+                  <a:txBody>
+                    <a:bodyPr/>
+                    <a:p>
+                      <a:pPr algn="ctr">
+                        <a:buNone/>
+                      </a:pPr>
+                      <a:endParaRPr lang="en-US" altLang="zh-CN"/>
+                    </a:p>
+                  </a:txBody>
+                  <a:tcPr/>
+                </a:tc>
+              </a:tr>
+              <a:tr h="536575">
+                <a:tc>
+                  <a:txBody>
+                    <a:bodyPr/>
+                    <a:p>
+                      <a:pPr algn="ctr">
+                        <a:buNone/>
+                      </a:pPr>
+                      <a:r>
+                        <a:rPr lang="en-US" altLang="zh-CN" b="1">
+                          <a:solidFill>
+                            <a:schemeClr val="bg1"/>
+                          </a:solidFill>
+                        </a:rPr>
+                        <a:t>k</a:t>
+                      </a:r>
+                      <a:endParaRPr lang="en-US" altLang="zh-CN" b="1">
+                        <a:solidFill>
+                          <a:schemeClr val="bg1"/>
+                        </a:solidFill>
+                      </a:endParaRPr>
+                    </a:p>
+                  </a:txBody>
+                  <a:tcPr>
+                    <a:solidFill>
+                      <a:schemeClr val="accent1"/>
+                    </a:solidFill>
+                  </a:tcPr>
+                </a:tc>
+                <a:tc>
+                  <a:txBody>
+                    <a:bodyPr/>
+                    <a:p>
+                      <a:pPr algn="ctr">
+                        <a:buNone/>
+                      </a:pPr>
+                      <a:endParaRPr lang="en-US" altLang="zh-CN"/>
+                    </a:p>
+                  </a:txBody>
+                  <a:tcPr/>
+                </a:tc>
+                <a:tc>
+                  <a:txBody>
+                    <a:bodyPr/>
+                    <a:p>
+                      <a:pPr algn="ctr">
+                        <a:buNone/>
+                      </a:pPr>
+                      <a:endParaRPr lang="en-US" altLang="zh-CN"/>
+                    </a:p>
+                  </a:txBody>
+                  <a:tcPr/>
+                </a:tc>
+                <a:tc>
+                  <a:txBody>
+                    <a:bodyPr/>
+                    <a:p>
+                      <a:pPr algn="ctr">
+                        <a:buNone/>
+                      </a:pPr>
+                      <a:endParaRPr lang="en-US" altLang="zh-CN"/>
+                    </a:p>
+                  </a:txBody>
+                  <a:tcPr/>
+                </a:tc>
+                <a:tc>
+                  <a:txBody>
+                    <a:bodyPr/>
+                    <a:p>
+                      <a:pPr algn="ctr">
+                        <a:buNone/>
+                      </a:pPr>
+                      <a:endParaRPr lang="en-US" altLang="zh-CN"/>
+                    </a:p>
+                  </a:txBody>
+                  <a:tcPr/>
+                </a:tc>
+                <a:tc>
+                  <a:txBody>
+                    <a:bodyPr/>
+                    <a:p>
+                      <a:pPr algn="ctr">
+                        <a:buNone/>
+                      </a:pPr>
+                      <a:endParaRPr lang="en-US" altLang="zh-CN"/>
+                    </a:p>
+                  </a:txBody>
+                  <a:tcPr/>
+                </a:tc>
+              </a:tr>
+              <a:tr h="536575">
+                <a:tc>
+                  <a:txBody>
+                    <a:bodyPr/>
+                    <a:p>
+                      <a:pPr algn="ctr">
+                        <a:buNone/>
+                      </a:pPr>
+                      <a:r>
+                        <a:rPr lang="en-US" altLang="zh-CN" b="1">
+                          <a:solidFill>
+                            <a:schemeClr val="bg1"/>
+                          </a:solidFill>
+                        </a:rPr>
+                        <a:t>f</a:t>
+                      </a:r>
+                      <a:endParaRPr lang="en-US" altLang="zh-CN" b="1">
+                        <a:solidFill>
+                          <a:schemeClr val="bg1"/>
+                        </a:solidFill>
+                      </a:endParaRPr>
+                    </a:p>
+                  </a:txBody>
+                  <a:tcPr>
+                    <a:solidFill>
+                      <a:schemeClr val="accent1"/>
+                    </a:solidFill>
+                  </a:tcPr>
+                </a:tc>
+                <a:tc>
+                  <a:txBody>
+                    <a:bodyPr/>
+                    <a:p>
+                      <a:pPr algn="ctr">
+                        <a:buNone/>
+                      </a:pPr>
+                      <a:endParaRPr lang="en-US" altLang="zh-CN"/>
+                    </a:p>
+                  </a:txBody>
+                  <a:tcPr/>
+                </a:tc>
+                <a:tc>
+                  <a:txBody>
+                    <a:bodyPr/>
+                    <a:p>
+                      <a:pPr algn="ctr">
+                        <a:buNone/>
+                      </a:pPr>
+                      <a:endParaRPr lang="en-US" altLang="zh-CN"/>
+                    </a:p>
+                  </a:txBody>
+                  <a:tcPr/>
+                </a:tc>
+                <a:tc>
+                  <a:txBody>
+                    <a:bodyPr/>
+                    <a:p>
+                      <a:pPr algn="ctr">
+                        <a:buNone/>
+                      </a:pPr>
+                      <a:endParaRPr lang="en-US" altLang="zh-CN">
+                        <a:solidFill>
+                          <a:schemeClr val="tx1"/>
+                        </a:solidFill>
+                      </a:endParaRPr>
+                    </a:p>
+                  </a:txBody>
+                  <a:tcPr/>
+                </a:tc>
+                <a:tc>
+                  <a:txBody>
+                    <a:bodyPr/>
+                    <a:p>
+                      <a:pPr algn="ctr">
+                        <a:buNone/>
+                      </a:pPr>
+                      <a:endParaRPr lang="en-US" altLang="zh-CN"/>
+                    </a:p>
+                  </a:txBody>
+                  <a:tcPr/>
+                </a:tc>
+                <a:tc>
+                  <a:txBody>
+                    <a:bodyPr/>
+                    <a:p>
+                      <a:pPr algn="ctr">
+                        <a:buNone/>
+                      </a:pPr>
+                      <a:endParaRPr lang="en-US" altLang="zh-CN"/>
+                    </a:p>
+                  </a:txBody>
+                  <a:tcPr/>
+                </a:tc>
+              </a:tr>
+              <a:tr h="536575">
+                <a:tc>
+                  <a:txBody>
+                    <a:bodyPr/>
+                    <a:p>
+                      <a:pPr algn="ctr">
+                        <a:buNone/>
+                      </a:pPr>
+                      <a:r>
+                        <a:rPr lang="en-US" altLang="zh-CN" b="1">
+                          <a:solidFill>
+                            <a:schemeClr val="bg1"/>
+                          </a:solidFill>
+                        </a:rPr>
+                        <a:t>a</a:t>
+                      </a:r>
+                      <a:endParaRPr lang="en-US" altLang="zh-CN" b="1">
+                        <a:solidFill>
+                          <a:schemeClr val="bg1"/>
+                        </a:solidFill>
+                      </a:endParaRPr>
+                    </a:p>
+                  </a:txBody>
+                  <a:tcPr>
+                    <a:solidFill>
+                      <a:schemeClr val="accent1"/>
+                    </a:solidFill>
+                  </a:tcPr>
+                </a:tc>
+                <a:tc>
+                  <a:txBody>
+                    <a:bodyPr/>
+                    <a:p>
+                      <a:pPr algn="ctr">
+                        <a:buNone/>
+                      </a:pPr>
+                      <a:endParaRPr lang="en-US" altLang="zh-CN"/>
+                    </a:p>
+                  </a:txBody>
+                  <a:tcPr/>
+                </a:tc>
+                <a:tc>
+                  <a:txBody>
+                    <a:bodyPr/>
+                    <a:p>
+                      <a:pPr algn="ctr">
+                        <a:buNone/>
+                      </a:pPr>
+                      <a:endParaRPr lang="en-US" altLang="zh-CN"/>
+                    </a:p>
+                  </a:txBody>
+                  <a:tcPr/>
+                </a:tc>
+                <a:tc>
+                  <a:txBody>
+                    <a:bodyPr/>
+                    <a:p>
+                      <a:pPr algn="ctr">
+                        <a:buNone/>
+                      </a:pPr>
+                      <a:endParaRPr lang="en-US" altLang="zh-CN"/>
+                    </a:p>
+                  </a:txBody>
+                  <a:tcPr/>
+                </a:tc>
+                <a:tc>
+                  <a:txBody>
+                    <a:bodyPr/>
+                    <a:p>
+                      <a:pPr algn="ctr">
+                        <a:buNone/>
+                      </a:pPr>
+                      <a:endParaRPr lang="en-US" altLang="zh-CN"/>
+                    </a:p>
+                  </a:txBody>
+                  <a:tcPr/>
+                </a:tc>
+                <a:tc>
+                  <a:txBody>
+                    <a:bodyPr/>
+                    <a:p>
+                      <a:pPr algn="ctr">
+                        <a:buNone/>
+                      </a:pPr>
+                      <a:endParaRPr lang="en-US" altLang="zh-CN"/>
+                    </a:p>
+                  </a:txBody>
+                  <a:tcPr/>
+                </a:tc>
+              </a:tr>
+              <a:tr h="536575">
+                <a:tc>
+                  <a:txBody>
+                    <a:bodyPr/>
+                    <a:p>
+                      <a:pPr algn="ctr">
+                        <a:buNone/>
+                      </a:pPr>
+                      <a:r>
+                        <a:rPr lang="en-US" altLang="zh-CN" b="1">
+                          <a:solidFill>
+                            <a:schemeClr val="bg1"/>
+                          </a:solidFill>
+                        </a:rPr>
+                        <a:t>f</a:t>
+                      </a:r>
+                      <a:endParaRPr lang="en-US" altLang="zh-CN" b="1">
+                        <a:solidFill>
+                          <a:schemeClr val="bg1"/>
+                        </a:solidFill>
+                      </a:endParaRPr>
+                    </a:p>
+                  </a:txBody>
+                  <a:tcPr>
+                    <a:solidFill>
+                      <a:schemeClr val="accent1"/>
+                    </a:solidFill>
+                  </a:tcPr>
+                </a:tc>
+                <a:tc>
+                  <a:txBody>
+                    <a:bodyPr/>
+                    <a:p>
+                      <a:pPr algn="ctr">
+                        <a:buNone/>
+                      </a:pPr>
+                      <a:endParaRPr lang="en-US" altLang="zh-CN"/>
+                    </a:p>
+                  </a:txBody>
+                  <a:tcPr/>
+                </a:tc>
+                <a:tc>
+                  <a:txBody>
+                    <a:bodyPr/>
+                    <a:p>
+                      <a:pPr algn="ctr">
+                        <a:buNone/>
+                      </a:pPr>
+                      <a:endParaRPr lang="en-US" altLang="zh-CN"/>
+                    </a:p>
+                  </a:txBody>
+                  <a:tcPr/>
+                </a:tc>
+                <a:tc>
+                  <a:txBody>
+                    <a:bodyPr/>
+                    <a:p>
+                      <a:pPr algn="ctr">
+                        <a:buNone/>
+                      </a:pPr>
+                      <a:endParaRPr lang="en-US" altLang="zh-CN"/>
+                    </a:p>
+                  </a:txBody>
+                  <a:tcPr/>
+                </a:tc>
+                <a:tc>
+                  <a:txBody>
+                    <a:bodyPr/>
+                    <a:p>
+                      <a:pPr algn="ctr">
+                        <a:buNone/>
+                      </a:pPr>
+                      <a:endParaRPr lang="en-US" altLang="zh-CN"/>
+                    </a:p>
+                  </a:txBody>
+                  <a:tcPr/>
+                </a:tc>
+                <a:tc>
+                  <a:txBody>
+                    <a:bodyPr/>
+                    <a:p>
+                      <a:pPr algn="ctr">
+                        <a:buNone/>
+                      </a:pPr>
+                      <a:endParaRPr lang="en-US" altLang="zh-CN"/>
+                    </a:p>
+                  </a:txBody>
+                  <a:tcPr/>
+                </a:tc>
+              </a:tr>
+            </a:tbl>
+          </a:graphicData>
+        </a:graphic>
+      </p:graphicFrame>
+      <p:grpSp>
+        <p:nvGrpSpPr>
+          <p:cNvPr id="116" name="组合 115"/>
+          <p:cNvGrpSpPr/>
+          <p:nvPr/>
+        </p:nvGrpSpPr>
+        <p:grpSpPr>
+          <a:xfrm>
+            <a:off x="6196599" y="2801678"/>
+            <a:ext cx="4052739" cy="3605472"/>
+            <a:chOff x="9141" y="4370"/>
+            <a:chExt cx="4871" cy="4515"/>
+          </a:xfrm>
+        </p:grpSpPr>
+        <p:cxnSp>
+          <p:nvCxnSpPr>
+            <p:cNvPr id="62" name="直接箭头连接符 61"/>
+            <p:cNvCxnSpPr/>
+            <p:nvPr/>
+          </p:nvCxnSpPr>
+          <p:spPr>
+            <a:xfrm>
+              <a:off x="10971" y="4563"/>
+              <a:ext cx="3041" cy="0"/>
+            </a:xfrm>
+            <a:prstGeom prst="straightConnector1">
+              <a:avLst/>
+            </a:prstGeom>
+            <a:ln w="12700" cmpd="sng">
+              <a:solidFill>
+                <a:schemeClr val="bg1"/>
+              </a:solidFill>
+              <a:prstDash val="solid"/>
+              <a:tailEnd type="arrow"/>
+            </a:ln>
+          </p:spPr>
+          <p:style>
+            <a:lnRef idx="1">
+              <a:schemeClr val="accent1"/>
+            </a:lnRef>
+            <a:fillRef idx="0">
+              <a:schemeClr val="accent1"/>
+            </a:fillRef>
+            <a:effectRef idx="0">
+              <a:schemeClr val="accent1"/>
+            </a:effectRef>
+            <a:fontRef idx="minor">
+              <a:schemeClr val="tx1"/>
+            </a:fontRef>
+          </p:style>
+        </p:cxnSp>
+        <p:cxnSp>
+          <p:nvCxnSpPr>
+            <p:cNvPr id="46" name="直接箭头连接符 45"/>
+            <p:cNvCxnSpPr/>
+            <p:nvPr/>
+          </p:nvCxnSpPr>
+          <p:spPr>
+            <a:xfrm>
+              <a:off x="9668" y="5950"/>
+              <a:ext cx="0" cy="2935"/>
+            </a:xfrm>
+            <a:prstGeom prst="straightConnector1">
+              <a:avLst/>
+            </a:prstGeom>
+            <a:ln w="12700" cmpd="sng">
+              <a:solidFill>
+                <a:schemeClr val="bg1"/>
+              </a:solidFill>
+              <a:prstDash val="solid"/>
+              <a:tailEnd type="arrow"/>
+            </a:ln>
+          </p:spPr>
+          <p:style>
+            <a:lnRef idx="1">
+              <a:schemeClr val="accent1"/>
+            </a:lnRef>
+            <a:fillRef idx="0">
+              <a:schemeClr val="accent1"/>
+            </a:fillRef>
+            <a:effectRef idx="0">
+              <a:schemeClr val="accent1"/>
+            </a:effectRef>
+            <a:fontRef idx="minor">
+              <a:schemeClr val="tx1"/>
+            </a:fontRef>
+          </p:style>
+        </p:cxnSp>
+        <p:sp>
+          <p:nvSpPr>
+            <p:cNvPr id="47" name="文本框 46"/>
+            <p:cNvSpPr txBox="1"/>
+            <p:nvPr/>
+          </p:nvSpPr>
+          <p:spPr>
+            <a:xfrm>
+              <a:off x="10210" y="4370"/>
+              <a:ext cx="624" cy="384"/>
+            </a:xfrm>
+            <a:prstGeom prst="rect">
+              <a:avLst/>
+            </a:prstGeom>
+            <a:noFill/>
+          </p:spPr>
+          <p:txBody>
+            <a:bodyPr wrap="square" rtlCol="0">
+              <a:spAutoFit/>
+            </a:bodyPr>
+            <a:p>
+              <a:pPr algn="ctr"/>
+              <a:r>
+                <a:rPr lang="en-US" altLang="zh-CN" sz="1400" b="1">
+                  <a:solidFill>
+                    <a:schemeClr val="bg1"/>
+                  </a:solidFill>
+                </a:rPr>
+                <a:t>i</a:t>
+              </a:r>
+              <a:endParaRPr lang="en-US" altLang="zh-CN" sz="1400" b="1">
+                <a:solidFill>
+                  <a:schemeClr val="bg1"/>
+                </a:solidFill>
+              </a:endParaRPr>
+            </a:p>
+          </p:txBody>
+        </p:sp>
+        <p:sp>
+          <p:nvSpPr>
+            <p:cNvPr id="48" name="文本框 47"/>
+            <p:cNvSpPr txBox="1"/>
+            <p:nvPr/>
+          </p:nvSpPr>
+          <p:spPr>
+            <a:xfrm>
+              <a:off x="9141" y="5116"/>
+              <a:ext cx="1025" cy="654"/>
+            </a:xfrm>
+            <a:prstGeom prst="rect">
+              <a:avLst/>
+            </a:prstGeom>
+            <a:noFill/>
+          </p:spPr>
+          <p:txBody>
+            <a:bodyPr wrap="square" rtlCol="0">
+              <a:spAutoFit/>
+            </a:bodyPr>
+            <a:p>
+              <a:pPr algn="ctr"/>
+              <a:r>
+                <a:rPr lang="en-US" altLang="zh-CN" sz="1400" b="1">
+                  <a:solidFill>
+                    <a:schemeClr val="bg1"/>
+                  </a:solidFill>
+                </a:rPr>
+                <a:t>j</a:t>
+              </a:r>
+              <a:endParaRPr lang="en-US" altLang="zh-CN" sz="1400" b="1">
+                <a:solidFill>
+                  <a:schemeClr val="bg1"/>
+                </a:solidFill>
+              </a:endParaRPr>
+            </a:p>
+            <a:p>
+              <a:pPr algn="ctr"/>
+              <a:r>
+                <a:rPr lang="en-US" altLang="zh-CN" sz="1400" b="1">
+                  <a:solidFill>
+                    <a:schemeClr val="bg1"/>
+                  </a:solidFill>
+                </a:rPr>
+                <a:t>(j&lt;=i)</a:t>
+              </a:r>
+              <a:endParaRPr lang="en-US" altLang="zh-CN" sz="1400" b="1">
+                <a:solidFill>
+                  <a:schemeClr val="bg1"/>
+                </a:solidFill>
+              </a:endParaRPr>
+            </a:p>
+          </p:txBody>
+        </p:sp>
+      </p:grpSp>
+      <p:grpSp>
+        <p:nvGrpSpPr>
+          <p:cNvPr id="84" name="组合 83"/>
+          <p:cNvGrpSpPr/>
+          <p:nvPr/>
+        </p:nvGrpSpPr>
+        <p:grpSpPr>
+          <a:xfrm>
+            <a:off x="7523480" y="2301875"/>
+            <a:ext cx="474980" cy="565150"/>
+            <a:chOff x="10747" y="3479"/>
+            <a:chExt cx="748" cy="890"/>
+          </a:xfrm>
+        </p:grpSpPr>
+        <p:sp>
+          <p:nvSpPr>
+            <p:cNvPr id="82" name="下箭头 81"/>
+            <p:cNvSpPr/>
+            <p:nvPr/>
+          </p:nvSpPr>
+          <p:spPr>
+            <a:xfrm>
+              <a:off x="11020" y="4009"/>
+              <a:ext cx="206" cy="361"/>
+            </a:xfrm>
+            <a:prstGeom prst="downArrow">
+              <a:avLst/>
+            </a:prstGeom>
+            <a:solidFill>
+              <a:schemeClr val="accent2"/>
+            </a:solidFill>
+          </p:spPr>
+          <p:style>
+            <a:lnRef idx="2">
+              <a:schemeClr val="accent1">
+                <a:shade val="50000"/>
+              </a:schemeClr>
+            </a:lnRef>
+            <a:fillRef idx="1">
+              <a:schemeClr val="accent1"/>
+            </a:fillRef>
+            <a:effectRef idx="0">
+              <a:schemeClr val="accent1"/>
+            </a:effectRef>
+            <a:fontRef idx="minor">
+              <a:schemeClr val="lt1"/>
+            </a:fontRef>
+          </p:style>
+          <p:txBody>
+            <a:bodyPr rtlCol="0" anchor="ctr"/>
+            <a:p>
+              <a:pPr algn="ctr"/>
+              <a:endParaRPr lang="zh-CN" altLang="en-US"/>
+            </a:p>
+          </p:txBody>
+        </p:sp>
+        <p:sp>
+          <p:nvSpPr>
+            <p:cNvPr id="83" name="文本框 82"/>
+            <p:cNvSpPr txBox="1"/>
+            <p:nvPr/>
+          </p:nvSpPr>
+          <p:spPr>
+            <a:xfrm>
+              <a:off x="10747" y="3479"/>
+              <a:ext cx="748" cy="434"/>
+            </a:xfrm>
+            <a:prstGeom prst="rect">
+              <a:avLst/>
+            </a:prstGeom>
+            <a:noFill/>
+          </p:spPr>
+          <p:txBody>
+            <a:bodyPr wrap="square" rtlCol="0">
+              <a:spAutoFit/>
+            </a:bodyPr>
+            <a:p>
+              <a:pPr algn="ctr"/>
+              <a:r>
+                <a:rPr lang="en-US" altLang="zh-CN" sz="1200" b="1">
+                  <a:solidFill>
+                    <a:schemeClr val="bg1"/>
+                  </a:solidFill>
+                </a:rPr>
+                <a:t>i=0</a:t>
+              </a:r>
+              <a:endParaRPr lang="en-US" altLang="zh-CN" sz="1200" b="1">
+                <a:solidFill>
+                  <a:schemeClr val="bg1"/>
+                </a:solidFill>
+              </a:endParaRPr>
+            </a:p>
+          </p:txBody>
+        </p:sp>
+      </p:grpSp>
+      <p:grpSp>
+        <p:nvGrpSpPr>
+          <p:cNvPr id="88" name="组合 87"/>
+          <p:cNvGrpSpPr/>
+          <p:nvPr/>
+        </p:nvGrpSpPr>
+        <p:grpSpPr>
+          <a:xfrm>
+            <a:off x="5820410" y="3856355"/>
+            <a:ext cx="674370" cy="275590"/>
+            <a:chOff x="7862" y="5753"/>
+            <a:chExt cx="1062" cy="434"/>
+          </a:xfrm>
+        </p:grpSpPr>
+        <p:sp>
+          <p:nvSpPr>
+            <p:cNvPr id="86" name="下箭头 85"/>
+            <p:cNvSpPr/>
+            <p:nvPr/>
+          </p:nvSpPr>
+          <p:spPr>
+            <a:xfrm rot="16200000" flipH="1">
+              <a:off x="8641" y="5804"/>
+              <a:ext cx="206" cy="361"/>
+            </a:xfrm>
+            <a:prstGeom prst="downArrow">
+              <a:avLst/>
+            </a:prstGeom>
+            <a:solidFill>
+              <a:schemeClr val="accent2"/>
+            </a:solidFill>
+          </p:spPr>
+          <p:style>
+            <a:lnRef idx="2">
+              <a:schemeClr val="accent1">
+                <a:shade val="50000"/>
+              </a:schemeClr>
+            </a:lnRef>
+            <a:fillRef idx="1">
+              <a:schemeClr val="accent1"/>
+            </a:fillRef>
+            <a:effectRef idx="0">
+              <a:schemeClr val="accent1"/>
+            </a:effectRef>
+            <a:fontRef idx="minor">
+              <a:schemeClr val="lt1"/>
+            </a:fontRef>
+          </p:style>
+          <p:txBody>
+            <a:bodyPr rtlCol="0" anchor="ctr"/>
+            <a:p>
+              <a:pPr algn="ctr"/>
+              <a:endParaRPr lang="zh-CN" altLang="en-US"/>
+            </a:p>
+          </p:txBody>
+        </p:sp>
+        <p:sp>
+          <p:nvSpPr>
+            <p:cNvPr id="87" name="文本框 86"/>
+            <p:cNvSpPr txBox="1"/>
+            <p:nvPr/>
+          </p:nvSpPr>
+          <p:spPr>
+            <a:xfrm>
+              <a:off x="7862" y="5753"/>
+              <a:ext cx="748" cy="434"/>
+            </a:xfrm>
+            <a:prstGeom prst="rect">
+              <a:avLst/>
+            </a:prstGeom>
+            <a:noFill/>
+          </p:spPr>
+          <p:txBody>
+            <a:bodyPr wrap="square" rtlCol="0">
+              <a:spAutoFit/>
+            </a:bodyPr>
+            <a:p>
+              <a:pPr algn="ctr"/>
+              <a:r>
+                <a:rPr lang="en-US" altLang="zh-CN" sz="1200" b="1">
+                  <a:solidFill>
+                    <a:schemeClr val="bg1"/>
+                  </a:solidFill>
+                </a:rPr>
+                <a:t>j=0</a:t>
+              </a:r>
+              <a:endParaRPr lang="en-US" altLang="zh-CN" sz="1200" b="1">
+                <a:solidFill>
+                  <a:schemeClr val="bg1"/>
+                </a:solidFill>
+              </a:endParaRPr>
+            </a:p>
+          </p:txBody>
+        </p:sp>
+      </p:grpSp>
+      <p:grpSp>
+        <p:nvGrpSpPr>
+          <p:cNvPr id="92" name="组合 91"/>
+          <p:cNvGrpSpPr/>
+          <p:nvPr/>
+        </p:nvGrpSpPr>
+        <p:grpSpPr>
+          <a:xfrm>
+            <a:off x="8074660" y="2301875"/>
+            <a:ext cx="474980" cy="565785"/>
+            <a:chOff x="10747" y="3479"/>
+            <a:chExt cx="748" cy="891"/>
+          </a:xfrm>
+        </p:grpSpPr>
+        <p:sp>
+          <p:nvSpPr>
+            <p:cNvPr id="93" name="下箭头 92"/>
+            <p:cNvSpPr/>
+            <p:nvPr/>
+          </p:nvSpPr>
+          <p:spPr>
+            <a:xfrm>
+              <a:off x="11020" y="4009"/>
+              <a:ext cx="206" cy="361"/>
+            </a:xfrm>
+            <a:prstGeom prst="downArrow">
+              <a:avLst/>
+            </a:prstGeom>
+            <a:solidFill>
+              <a:schemeClr val="accent2"/>
+            </a:solidFill>
+          </p:spPr>
+          <p:style>
+            <a:lnRef idx="2">
+              <a:schemeClr val="accent1">
+                <a:shade val="50000"/>
+              </a:schemeClr>
+            </a:lnRef>
+            <a:fillRef idx="1">
+              <a:schemeClr val="accent1"/>
+            </a:fillRef>
+            <a:effectRef idx="0">
+              <a:schemeClr val="accent1"/>
+            </a:effectRef>
+            <a:fontRef idx="minor">
+              <a:schemeClr val="lt1"/>
+            </a:fontRef>
+          </p:style>
+          <p:txBody>
+            <a:bodyPr rtlCol="0" anchor="ctr"/>
+            <a:p>
+              <a:pPr algn="ctr"/>
+              <a:endParaRPr lang="zh-CN" altLang="en-US"/>
+            </a:p>
+          </p:txBody>
+        </p:sp>
+        <p:sp>
+          <p:nvSpPr>
+            <p:cNvPr id="94" name="文本框 93"/>
+            <p:cNvSpPr txBox="1"/>
+            <p:nvPr/>
+          </p:nvSpPr>
+          <p:spPr>
+            <a:xfrm>
+              <a:off x="10747" y="3479"/>
+              <a:ext cx="748" cy="434"/>
+            </a:xfrm>
+            <a:prstGeom prst="rect">
+              <a:avLst/>
+            </a:prstGeom>
+            <a:noFill/>
+          </p:spPr>
+          <p:txBody>
+            <a:bodyPr wrap="square" rtlCol="0">
+              <a:spAutoFit/>
+            </a:bodyPr>
+            <a:p>
+              <a:pPr algn="ctr"/>
+              <a:r>
+                <a:rPr lang="en-US" altLang="zh-CN" sz="1200" b="1">
+                  <a:solidFill>
+                    <a:schemeClr val="bg1"/>
+                  </a:solidFill>
+                </a:rPr>
+                <a:t>i=1</a:t>
+              </a:r>
+              <a:endParaRPr lang="en-US" altLang="zh-CN" sz="1200" b="1">
+                <a:solidFill>
+                  <a:schemeClr val="bg1"/>
+                </a:solidFill>
+              </a:endParaRPr>
+            </a:p>
+          </p:txBody>
+        </p:sp>
+      </p:grpSp>
+      <p:grpSp>
+        <p:nvGrpSpPr>
+          <p:cNvPr id="95" name="组合 94"/>
+          <p:cNvGrpSpPr/>
+          <p:nvPr/>
+        </p:nvGrpSpPr>
+        <p:grpSpPr>
+          <a:xfrm>
+            <a:off x="8661400" y="2301875"/>
+            <a:ext cx="474980" cy="565785"/>
+            <a:chOff x="10747" y="3479"/>
+            <a:chExt cx="748" cy="891"/>
+          </a:xfrm>
+        </p:grpSpPr>
+        <p:sp>
+          <p:nvSpPr>
+            <p:cNvPr id="96" name="下箭头 95"/>
+            <p:cNvSpPr/>
+            <p:nvPr/>
+          </p:nvSpPr>
+          <p:spPr>
+            <a:xfrm>
+              <a:off x="11020" y="4009"/>
+              <a:ext cx="206" cy="361"/>
+            </a:xfrm>
+            <a:prstGeom prst="downArrow">
+              <a:avLst/>
+            </a:prstGeom>
+            <a:solidFill>
+              <a:schemeClr val="accent2"/>
+            </a:solidFill>
+          </p:spPr>
+          <p:style>
+            <a:lnRef idx="2">
+              <a:schemeClr val="accent1">
+                <a:shade val="50000"/>
+              </a:schemeClr>
+            </a:lnRef>
+            <a:fillRef idx="1">
+              <a:schemeClr val="accent1"/>
+            </a:fillRef>
+            <a:effectRef idx="0">
+              <a:schemeClr val="accent1"/>
+            </a:effectRef>
+            <a:fontRef idx="minor">
+              <a:schemeClr val="lt1"/>
+            </a:fontRef>
+          </p:style>
+          <p:txBody>
+            <a:bodyPr rtlCol="0" anchor="ctr"/>
+            <a:p>
+              <a:pPr algn="ctr"/>
+              <a:endParaRPr lang="zh-CN" altLang="en-US"/>
+            </a:p>
+          </p:txBody>
+        </p:sp>
+        <p:sp>
+          <p:nvSpPr>
+            <p:cNvPr id="97" name="文本框 96"/>
+            <p:cNvSpPr txBox="1"/>
+            <p:nvPr/>
+          </p:nvSpPr>
+          <p:spPr>
+            <a:xfrm>
+              <a:off x="10747" y="3479"/>
+              <a:ext cx="748" cy="434"/>
+            </a:xfrm>
+            <a:prstGeom prst="rect">
+              <a:avLst/>
+            </a:prstGeom>
+            <a:noFill/>
+          </p:spPr>
+          <p:txBody>
+            <a:bodyPr wrap="square" rtlCol="0">
+              <a:spAutoFit/>
+            </a:bodyPr>
+            <a:p>
+              <a:pPr algn="ctr"/>
+              <a:r>
+                <a:rPr lang="en-US" altLang="zh-CN" sz="1200" b="1">
+                  <a:solidFill>
+                    <a:schemeClr val="bg1"/>
+                  </a:solidFill>
+                </a:rPr>
+                <a:t>i=2</a:t>
+              </a:r>
+              <a:endParaRPr lang="en-US" altLang="zh-CN" sz="1200" b="1">
+                <a:solidFill>
+                  <a:schemeClr val="bg1"/>
+                </a:solidFill>
+              </a:endParaRPr>
+            </a:p>
+          </p:txBody>
+        </p:sp>
+      </p:grpSp>
+      <p:grpSp>
+        <p:nvGrpSpPr>
+          <p:cNvPr id="98" name="组合 97"/>
+          <p:cNvGrpSpPr/>
+          <p:nvPr/>
+        </p:nvGrpSpPr>
+        <p:grpSpPr>
+          <a:xfrm>
+            <a:off x="9245600" y="2301875"/>
+            <a:ext cx="474980" cy="565785"/>
+            <a:chOff x="10747" y="3479"/>
+            <a:chExt cx="748" cy="891"/>
+          </a:xfrm>
+        </p:grpSpPr>
+        <p:sp>
+          <p:nvSpPr>
+            <p:cNvPr id="99" name="下箭头 98"/>
+            <p:cNvSpPr/>
+            <p:nvPr/>
+          </p:nvSpPr>
+          <p:spPr>
+            <a:xfrm>
+              <a:off x="11020" y="4009"/>
+              <a:ext cx="206" cy="361"/>
+            </a:xfrm>
+            <a:prstGeom prst="downArrow">
+              <a:avLst/>
+            </a:prstGeom>
+            <a:solidFill>
+              <a:schemeClr val="accent2"/>
+            </a:solidFill>
+          </p:spPr>
+          <p:style>
+            <a:lnRef idx="2">
+              <a:schemeClr val="accent1">
+                <a:shade val="50000"/>
+              </a:schemeClr>
+            </a:lnRef>
+            <a:fillRef idx="1">
+              <a:schemeClr val="accent1"/>
+            </a:fillRef>
+            <a:effectRef idx="0">
+              <a:schemeClr val="accent1"/>
+            </a:effectRef>
+            <a:fontRef idx="minor">
+              <a:schemeClr val="lt1"/>
+            </a:fontRef>
+          </p:style>
+          <p:txBody>
+            <a:bodyPr rtlCol="0" anchor="ctr"/>
+            <a:p>
+              <a:pPr algn="ctr"/>
+              <a:endParaRPr lang="zh-CN" altLang="en-US"/>
+            </a:p>
+          </p:txBody>
+        </p:sp>
+        <p:sp>
+          <p:nvSpPr>
+            <p:cNvPr id="100" name="文本框 99"/>
+            <p:cNvSpPr txBox="1"/>
+            <p:nvPr/>
+          </p:nvSpPr>
+          <p:spPr>
+            <a:xfrm>
+              <a:off x="10747" y="3479"/>
+              <a:ext cx="748" cy="434"/>
+            </a:xfrm>
+            <a:prstGeom prst="rect">
+              <a:avLst/>
+            </a:prstGeom>
+            <a:noFill/>
+          </p:spPr>
+          <p:txBody>
+            <a:bodyPr wrap="square" rtlCol="0">
+              <a:spAutoFit/>
+            </a:bodyPr>
+            <a:p>
+              <a:pPr algn="ctr"/>
+              <a:r>
+                <a:rPr lang="en-US" altLang="zh-CN" sz="1200" b="1">
+                  <a:solidFill>
+                    <a:schemeClr val="bg1"/>
+                  </a:solidFill>
+                </a:rPr>
+                <a:t>i=3</a:t>
+              </a:r>
+              <a:endParaRPr lang="en-US" altLang="zh-CN" sz="1200" b="1">
+                <a:solidFill>
+                  <a:schemeClr val="bg1"/>
+                </a:solidFill>
+              </a:endParaRPr>
+            </a:p>
+          </p:txBody>
+        </p:sp>
+      </p:grpSp>
+      <p:grpSp>
+        <p:nvGrpSpPr>
+          <p:cNvPr id="101" name="组合 100"/>
+          <p:cNvGrpSpPr/>
+          <p:nvPr/>
+        </p:nvGrpSpPr>
+        <p:grpSpPr>
+          <a:xfrm>
+            <a:off x="9832975" y="2301875"/>
+            <a:ext cx="474980" cy="565785"/>
+            <a:chOff x="10747" y="3479"/>
+            <a:chExt cx="748" cy="891"/>
+          </a:xfrm>
+        </p:grpSpPr>
+        <p:sp>
+          <p:nvSpPr>
+            <p:cNvPr id="102" name="下箭头 101"/>
+            <p:cNvSpPr/>
+            <p:nvPr/>
+          </p:nvSpPr>
+          <p:spPr>
+            <a:xfrm>
+              <a:off x="11020" y="4009"/>
+              <a:ext cx="206" cy="361"/>
+            </a:xfrm>
+            <a:prstGeom prst="downArrow">
+              <a:avLst/>
+            </a:prstGeom>
+            <a:solidFill>
+              <a:schemeClr val="accent2"/>
+            </a:solidFill>
+          </p:spPr>
+          <p:style>
+            <a:lnRef idx="2">
+              <a:schemeClr val="accent1">
+                <a:shade val="50000"/>
+              </a:schemeClr>
+            </a:lnRef>
+            <a:fillRef idx="1">
+              <a:schemeClr val="accent1"/>
+            </a:fillRef>
+            <a:effectRef idx="0">
+              <a:schemeClr val="accent1"/>
+            </a:effectRef>
+            <a:fontRef idx="minor">
+              <a:schemeClr val="lt1"/>
+            </a:fontRef>
+          </p:style>
+          <p:txBody>
+            <a:bodyPr rtlCol="0" anchor="ctr"/>
+            <a:p>
+              <a:pPr algn="ctr"/>
+              <a:endParaRPr lang="zh-CN" altLang="en-US"/>
+            </a:p>
+          </p:txBody>
+        </p:sp>
+        <p:sp>
+          <p:nvSpPr>
+            <p:cNvPr id="103" name="文本框 102"/>
+            <p:cNvSpPr txBox="1"/>
+            <p:nvPr/>
+          </p:nvSpPr>
+          <p:spPr>
+            <a:xfrm>
+              <a:off x="10747" y="3479"/>
+              <a:ext cx="748" cy="434"/>
+            </a:xfrm>
+            <a:prstGeom prst="rect">
+              <a:avLst/>
+            </a:prstGeom>
+            <a:noFill/>
+          </p:spPr>
+          <p:txBody>
+            <a:bodyPr wrap="square" rtlCol="0">
+              <a:spAutoFit/>
+            </a:bodyPr>
+            <a:p>
+              <a:pPr algn="ctr"/>
+              <a:r>
+                <a:rPr lang="en-US" altLang="zh-CN" sz="1200" b="1">
+                  <a:solidFill>
+                    <a:schemeClr val="bg1"/>
+                  </a:solidFill>
+                </a:rPr>
+                <a:t>i=4</a:t>
+              </a:r>
+              <a:endParaRPr lang="en-US" altLang="zh-CN" sz="1200" b="1">
+                <a:solidFill>
+                  <a:schemeClr val="bg1"/>
+                </a:solidFill>
+              </a:endParaRPr>
+            </a:p>
+          </p:txBody>
+        </p:sp>
+      </p:grpSp>
+      <p:grpSp>
+        <p:nvGrpSpPr>
+          <p:cNvPr id="104" name="组合 103"/>
+          <p:cNvGrpSpPr/>
+          <p:nvPr/>
+        </p:nvGrpSpPr>
+        <p:grpSpPr>
+          <a:xfrm>
+            <a:off x="5819775" y="4390390"/>
+            <a:ext cx="675005" cy="275590"/>
+            <a:chOff x="7862" y="5753"/>
+            <a:chExt cx="1063" cy="434"/>
+          </a:xfrm>
+        </p:grpSpPr>
+        <p:sp>
+          <p:nvSpPr>
+            <p:cNvPr id="105" name="下箭头 104"/>
+            <p:cNvSpPr/>
+            <p:nvPr/>
+          </p:nvSpPr>
+          <p:spPr>
+            <a:xfrm rot="16200000" flipH="1">
+              <a:off x="8641" y="5804"/>
+              <a:ext cx="206" cy="361"/>
+            </a:xfrm>
+            <a:prstGeom prst="downArrow">
+              <a:avLst/>
+            </a:prstGeom>
+            <a:solidFill>
+              <a:schemeClr val="accent2"/>
+            </a:solidFill>
+          </p:spPr>
+          <p:style>
+            <a:lnRef idx="2">
+              <a:schemeClr val="accent1">
+                <a:shade val="50000"/>
+              </a:schemeClr>
+            </a:lnRef>
+            <a:fillRef idx="1">
+              <a:schemeClr val="accent1"/>
+            </a:fillRef>
+            <a:effectRef idx="0">
+              <a:schemeClr val="accent1"/>
+            </a:effectRef>
+            <a:fontRef idx="minor">
+              <a:schemeClr val="lt1"/>
+            </a:fontRef>
+          </p:style>
+          <p:txBody>
+            <a:bodyPr rtlCol="0" anchor="ctr"/>
+            <a:p>
+              <a:pPr algn="ctr"/>
+              <a:endParaRPr lang="zh-CN" altLang="en-US"/>
+            </a:p>
+          </p:txBody>
+        </p:sp>
+        <p:sp>
+          <p:nvSpPr>
+            <p:cNvPr id="106" name="文本框 105"/>
+            <p:cNvSpPr txBox="1"/>
+            <p:nvPr/>
+          </p:nvSpPr>
+          <p:spPr>
+            <a:xfrm>
+              <a:off x="7862" y="5753"/>
+              <a:ext cx="748" cy="434"/>
+            </a:xfrm>
+            <a:prstGeom prst="rect">
+              <a:avLst/>
+            </a:prstGeom>
+            <a:noFill/>
+          </p:spPr>
+          <p:txBody>
+            <a:bodyPr wrap="square" rtlCol="0">
+              <a:spAutoFit/>
+            </a:bodyPr>
+            <a:p>
+              <a:pPr algn="ctr"/>
+              <a:r>
+                <a:rPr lang="en-US" altLang="zh-CN" sz="1200" b="1">
+                  <a:solidFill>
+                    <a:schemeClr val="bg1"/>
+                  </a:solidFill>
+                </a:rPr>
+                <a:t>j=1</a:t>
+              </a:r>
+              <a:endParaRPr lang="en-US" altLang="zh-CN" sz="1200" b="1">
+                <a:solidFill>
+                  <a:schemeClr val="bg1"/>
+                </a:solidFill>
+              </a:endParaRPr>
+            </a:p>
+          </p:txBody>
+        </p:sp>
+      </p:grpSp>
+      <p:grpSp>
+        <p:nvGrpSpPr>
+          <p:cNvPr id="107" name="组合 106"/>
+          <p:cNvGrpSpPr/>
+          <p:nvPr/>
+        </p:nvGrpSpPr>
+        <p:grpSpPr>
+          <a:xfrm>
+            <a:off x="5819775" y="4944110"/>
+            <a:ext cx="675005" cy="275590"/>
+            <a:chOff x="7862" y="5753"/>
+            <a:chExt cx="1063" cy="434"/>
+          </a:xfrm>
+        </p:grpSpPr>
+        <p:sp>
+          <p:nvSpPr>
+            <p:cNvPr id="108" name="下箭头 107"/>
+            <p:cNvSpPr/>
+            <p:nvPr/>
+          </p:nvSpPr>
+          <p:spPr>
+            <a:xfrm rot="16200000" flipH="1">
+              <a:off x="8641" y="5804"/>
+              <a:ext cx="206" cy="361"/>
+            </a:xfrm>
+            <a:prstGeom prst="downArrow">
+              <a:avLst/>
+            </a:prstGeom>
+            <a:solidFill>
+              <a:schemeClr val="accent2"/>
+            </a:solidFill>
+          </p:spPr>
+          <p:style>
+            <a:lnRef idx="2">
+              <a:schemeClr val="accent1">
+                <a:shade val="50000"/>
+              </a:schemeClr>
+            </a:lnRef>
+            <a:fillRef idx="1">
+              <a:schemeClr val="accent1"/>
+            </a:fillRef>
+            <a:effectRef idx="0">
+              <a:schemeClr val="accent1"/>
+            </a:effectRef>
+            <a:fontRef idx="minor">
+              <a:schemeClr val="lt1"/>
+            </a:fontRef>
+          </p:style>
+          <p:txBody>
+            <a:bodyPr rtlCol="0" anchor="ctr"/>
+            <a:p>
+              <a:pPr algn="ctr"/>
+              <a:endParaRPr lang="zh-CN" altLang="en-US"/>
+            </a:p>
+          </p:txBody>
+        </p:sp>
+        <p:sp>
+          <p:nvSpPr>
+            <p:cNvPr id="109" name="文本框 108"/>
+            <p:cNvSpPr txBox="1"/>
+            <p:nvPr/>
+          </p:nvSpPr>
+          <p:spPr>
+            <a:xfrm>
+              <a:off x="7862" y="5753"/>
+              <a:ext cx="748" cy="434"/>
+            </a:xfrm>
+            <a:prstGeom prst="rect">
+              <a:avLst/>
+            </a:prstGeom>
+            <a:noFill/>
+          </p:spPr>
+          <p:txBody>
+            <a:bodyPr wrap="square" rtlCol="0">
+              <a:spAutoFit/>
+            </a:bodyPr>
+            <a:p>
+              <a:pPr algn="ctr"/>
+              <a:r>
+                <a:rPr lang="en-US" altLang="zh-CN" sz="1200" b="1">
+                  <a:solidFill>
+                    <a:schemeClr val="bg1"/>
+                  </a:solidFill>
+                </a:rPr>
+                <a:t>j=2</a:t>
+              </a:r>
+              <a:endParaRPr lang="en-US" altLang="zh-CN" sz="1200" b="1">
+                <a:solidFill>
+                  <a:schemeClr val="bg1"/>
+                </a:solidFill>
+              </a:endParaRPr>
+            </a:p>
+          </p:txBody>
+        </p:sp>
+      </p:grpSp>
+      <p:grpSp>
+        <p:nvGrpSpPr>
+          <p:cNvPr id="110" name="组合 109"/>
+          <p:cNvGrpSpPr/>
+          <p:nvPr/>
+        </p:nvGrpSpPr>
+        <p:grpSpPr>
+          <a:xfrm>
+            <a:off x="5819775" y="5477510"/>
+            <a:ext cx="675005" cy="275590"/>
+            <a:chOff x="7862" y="5753"/>
+            <a:chExt cx="1063" cy="434"/>
+          </a:xfrm>
+        </p:grpSpPr>
+        <p:sp>
+          <p:nvSpPr>
+            <p:cNvPr id="111" name="下箭头 110"/>
+            <p:cNvSpPr/>
+            <p:nvPr/>
+          </p:nvSpPr>
+          <p:spPr>
+            <a:xfrm rot="16200000" flipH="1">
+              <a:off x="8641" y="5804"/>
+              <a:ext cx="206" cy="361"/>
+            </a:xfrm>
+            <a:prstGeom prst="downArrow">
+              <a:avLst/>
+            </a:prstGeom>
+            <a:solidFill>
+              <a:schemeClr val="accent2"/>
+            </a:solidFill>
+          </p:spPr>
+          <p:style>
+            <a:lnRef idx="2">
+              <a:schemeClr val="accent1">
+                <a:shade val="50000"/>
+              </a:schemeClr>
+            </a:lnRef>
+            <a:fillRef idx="1">
+              <a:schemeClr val="accent1"/>
+            </a:fillRef>
+            <a:effectRef idx="0">
+              <a:schemeClr val="accent1"/>
+            </a:effectRef>
+            <a:fontRef idx="minor">
+              <a:schemeClr val="lt1"/>
+            </a:fontRef>
+          </p:style>
+          <p:txBody>
+            <a:bodyPr rtlCol="0" anchor="ctr"/>
+            <a:p>
+              <a:pPr algn="ctr"/>
+              <a:endParaRPr lang="zh-CN" altLang="en-US"/>
+            </a:p>
+          </p:txBody>
+        </p:sp>
+        <p:sp>
+          <p:nvSpPr>
+            <p:cNvPr id="112" name="文本框 111"/>
+            <p:cNvSpPr txBox="1"/>
+            <p:nvPr/>
+          </p:nvSpPr>
+          <p:spPr>
+            <a:xfrm>
+              <a:off x="7862" y="5753"/>
+              <a:ext cx="748" cy="434"/>
+            </a:xfrm>
+            <a:prstGeom prst="rect">
+              <a:avLst/>
+            </a:prstGeom>
+            <a:noFill/>
+          </p:spPr>
+          <p:txBody>
+            <a:bodyPr wrap="square" rtlCol="0">
+              <a:spAutoFit/>
+            </a:bodyPr>
+            <a:p>
+              <a:pPr algn="ctr"/>
+              <a:r>
+                <a:rPr lang="en-US" altLang="zh-CN" sz="1200" b="1">
+                  <a:solidFill>
+                    <a:schemeClr val="bg1"/>
+                  </a:solidFill>
+                </a:rPr>
+                <a:t>j=3</a:t>
+              </a:r>
+              <a:endParaRPr lang="en-US" altLang="zh-CN" sz="1200" b="1">
+                <a:solidFill>
+                  <a:schemeClr val="bg1"/>
+                </a:solidFill>
+              </a:endParaRPr>
+            </a:p>
+          </p:txBody>
+        </p:sp>
+      </p:grpSp>
+      <p:grpSp>
+        <p:nvGrpSpPr>
+          <p:cNvPr id="113" name="组合 112"/>
+          <p:cNvGrpSpPr/>
+          <p:nvPr/>
+        </p:nvGrpSpPr>
+        <p:grpSpPr>
+          <a:xfrm>
+            <a:off x="5819775" y="6043295"/>
+            <a:ext cx="675005" cy="275590"/>
+            <a:chOff x="7862" y="5753"/>
+            <a:chExt cx="1063" cy="434"/>
+          </a:xfrm>
+        </p:grpSpPr>
+        <p:sp>
+          <p:nvSpPr>
+            <p:cNvPr id="114" name="下箭头 113"/>
+            <p:cNvSpPr/>
+            <p:nvPr/>
+          </p:nvSpPr>
+          <p:spPr>
+            <a:xfrm rot="16200000" flipH="1">
+              <a:off x="8641" y="5804"/>
+              <a:ext cx="206" cy="361"/>
+            </a:xfrm>
+            <a:prstGeom prst="downArrow">
+              <a:avLst/>
+            </a:prstGeom>
+            <a:solidFill>
+              <a:schemeClr val="accent2"/>
+            </a:solidFill>
+          </p:spPr>
+          <p:style>
+            <a:lnRef idx="2">
+              <a:schemeClr val="accent1">
+                <a:shade val="50000"/>
+              </a:schemeClr>
+            </a:lnRef>
+            <a:fillRef idx="1">
+              <a:schemeClr val="accent1"/>
+            </a:fillRef>
+            <a:effectRef idx="0">
+              <a:schemeClr val="accent1"/>
+            </a:effectRef>
+            <a:fontRef idx="minor">
+              <a:schemeClr val="lt1"/>
+            </a:fontRef>
+          </p:style>
+          <p:txBody>
+            <a:bodyPr rtlCol="0" anchor="ctr"/>
+            <a:p>
+              <a:pPr algn="ctr"/>
+              <a:endParaRPr lang="zh-CN" altLang="en-US"/>
+            </a:p>
+          </p:txBody>
+        </p:sp>
+        <p:sp>
+          <p:nvSpPr>
+            <p:cNvPr id="115" name="文本框 114"/>
+            <p:cNvSpPr txBox="1"/>
+            <p:nvPr/>
+          </p:nvSpPr>
+          <p:spPr>
+            <a:xfrm>
+              <a:off x="7862" y="5753"/>
+              <a:ext cx="748" cy="434"/>
+            </a:xfrm>
+            <a:prstGeom prst="rect">
+              <a:avLst/>
+            </a:prstGeom>
+            <a:noFill/>
+          </p:spPr>
+          <p:txBody>
+            <a:bodyPr wrap="square" rtlCol="0">
+              <a:spAutoFit/>
+            </a:bodyPr>
+            <a:p>
+              <a:pPr algn="ctr"/>
+              <a:r>
+                <a:rPr lang="en-US" altLang="zh-CN" sz="1200" b="1">
+                  <a:solidFill>
+                    <a:schemeClr val="bg1"/>
+                  </a:solidFill>
+                </a:rPr>
+                <a:t>j=4</a:t>
+              </a:r>
+              <a:endParaRPr lang="en-US" altLang="zh-CN" sz="1200" b="1">
+                <a:solidFill>
+                  <a:schemeClr val="bg1"/>
+                </a:solidFill>
+              </a:endParaRPr>
+            </a:p>
+          </p:txBody>
+        </p:sp>
+      </p:grpSp>
+      <p:sp>
+        <p:nvSpPr>
+          <p:cNvPr id="119" name="文本框 118"/>
+          <p:cNvSpPr txBox="1"/>
+          <p:nvPr/>
+        </p:nvSpPr>
+        <p:spPr>
+          <a:xfrm>
+            <a:off x="9876155" y="5950585"/>
+            <a:ext cx="309880" cy="368300"/>
+          </a:xfrm>
+          <a:prstGeom prst="rect">
+            <a:avLst/>
+          </a:prstGeom>
+          <a:noFill/>
+        </p:spPr>
+        <p:txBody>
+          <a:bodyPr wrap="square" rtlCol="0">
+            <a:spAutoFit/>
+          </a:bodyPr>
+          <a:p>
+            <a:r>
+              <a:rPr lang="en-US" altLang="zh-CN"/>
+              <a:t>1</a:t>
+            </a:r>
+            <a:endParaRPr lang="en-US" altLang="zh-CN"/>
+          </a:p>
+        </p:txBody>
+      </p:sp>
+      <p:sp>
+        <p:nvSpPr>
+          <p:cNvPr id="120" name="文本框 119"/>
+          <p:cNvSpPr txBox="1"/>
+          <p:nvPr/>
+        </p:nvSpPr>
+        <p:spPr>
+          <a:xfrm>
+            <a:off x="8173085" y="3814445"/>
+            <a:ext cx="309880" cy="368300"/>
+          </a:xfrm>
+          <a:prstGeom prst="rect">
+            <a:avLst/>
+          </a:prstGeom>
+          <a:noFill/>
+        </p:spPr>
+        <p:txBody>
+          <a:bodyPr wrap="square" rtlCol="0">
+            <a:spAutoFit/>
+          </a:bodyPr>
+          <a:p>
+            <a:r>
+              <a:rPr lang="en-US" altLang="zh-CN"/>
+              <a:t>0</a:t>
+            </a:r>
+            <a:endParaRPr lang="en-US" altLang="zh-CN"/>
+          </a:p>
+        </p:txBody>
+      </p:sp>
+      <p:sp>
+        <p:nvSpPr>
+          <p:cNvPr id="121" name="文本框 120"/>
+          <p:cNvSpPr txBox="1"/>
+          <p:nvPr/>
+        </p:nvSpPr>
+        <p:spPr>
+          <a:xfrm>
+            <a:off x="9298940" y="5406390"/>
+            <a:ext cx="309880" cy="368300"/>
+          </a:xfrm>
+          <a:prstGeom prst="rect">
+            <a:avLst/>
+          </a:prstGeom>
+          <a:noFill/>
+        </p:spPr>
+        <p:txBody>
+          <a:bodyPr wrap="square" rtlCol="0">
+            <a:spAutoFit/>
+          </a:bodyPr>
+          <a:p>
+            <a:r>
+              <a:rPr lang="en-US" altLang="zh-CN"/>
+              <a:t>1</a:t>
+            </a:r>
+            <a:endParaRPr lang="en-US" altLang="zh-CN"/>
+          </a:p>
+        </p:txBody>
+      </p:sp>
+      <p:sp>
+        <p:nvSpPr>
+          <p:cNvPr id="122" name="文本框 121"/>
+          <p:cNvSpPr txBox="1"/>
+          <p:nvPr/>
+        </p:nvSpPr>
+        <p:spPr>
+          <a:xfrm>
+            <a:off x="8735695" y="4889500"/>
+            <a:ext cx="309880" cy="368300"/>
+          </a:xfrm>
+          <a:prstGeom prst="rect">
+            <a:avLst/>
+          </a:prstGeom>
+          <a:noFill/>
+        </p:spPr>
+        <p:txBody>
+          <a:bodyPr wrap="square" rtlCol="0">
+            <a:spAutoFit/>
+          </a:bodyPr>
+          <a:p>
+            <a:r>
+              <a:rPr lang="en-US" altLang="zh-CN"/>
+              <a:t>1</a:t>
+            </a:r>
+            <a:endParaRPr lang="en-US" altLang="zh-CN"/>
+          </a:p>
+        </p:txBody>
+      </p:sp>
+      <p:sp>
+        <p:nvSpPr>
+          <p:cNvPr id="123" name="文本框 122"/>
+          <p:cNvSpPr txBox="1"/>
+          <p:nvPr/>
+        </p:nvSpPr>
+        <p:spPr>
+          <a:xfrm>
+            <a:off x="8173085" y="4332605"/>
+            <a:ext cx="309880" cy="368300"/>
+          </a:xfrm>
+          <a:prstGeom prst="rect">
+            <a:avLst/>
+          </a:prstGeom>
+          <a:noFill/>
+        </p:spPr>
+        <p:txBody>
+          <a:bodyPr wrap="square" rtlCol="0">
+            <a:spAutoFit/>
+          </a:bodyPr>
+          <a:p>
+            <a:r>
+              <a:rPr lang="en-US" altLang="zh-CN"/>
+              <a:t>1</a:t>
+            </a:r>
+            <a:endParaRPr lang="en-US" altLang="zh-CN"/>
+          </a:p>
+        </p:txBody>
+      </p:sp>
+      <p:sp>
+        <p:nvSpPr>
+          <p:cNvPr id="124" name="文本框 123"/>
+          <p:cNvSpPr txBox="1"/>
+          <p:nvPr/>
+        </p:nvSpPr>
+        <p:spPr>
+          <a:xfrm>
+            <a:off x="7605395" y="3814445"/>
+            <a:ext cx="309880" cy="368300"/>
+          </a:xfrm>
+          <a:prstGeom prst="rect">
+            <a:avLst/>
+          </a:prstGeom>
+          <a:noFill/>
+        </p:spPr>
+        <p:txBody>
+          <a:bodyPr wrap="square" rtlCol="0">
+            <a:spAutoFit/>
+          </a:bodyPr>
+          <a:p>
+            <a:r>
+              <a:rPr lang="en-US" altLang="zh-CN"/>
+              <a:t>1</a:t>
+            </a:r>
+            <a:endParaRPr lang="en-US" altLang="zh-CN"/>
+          </a:p>
+        </p:txBody>
+      </p:sp>
+      <p:sp>
+        <p:nvSpPr>
+          <p:cNvPr id="125" name="文本框 124"/>
+          <p:cNvSpPr txBox="1"/>
+          <p:nvPr/>
+        </p:nvSpPr>
+        <p:spPr>
+          <a:xfrm>
+            <a:off x="9876155" y="5406390"/>
+            <a:ext cx="309880" cy="368300"/>
+          </a:xfrm>
+          <a:prstGeom prst="rect">
+            <a:avLst/>
+          </a:prstGeom>
+          <a:noFill/>
+        </p:spPr>
+        <p:txBody>
+          <a:bodyPr wrap="square" rtlCol="0">
+            <a:spAutoFit/>
+          </a:bodyPr>
+          <a:p>
+            <a:r>
+              <a:rPr lang="en-US" altLang="zh-CN"/>
+              <a:t>0</a:t>
+            </a:r>
+            <a:endParaRPr lang="en-US" altLang="zh-CN"/>
+          </a:p>
+        </p:txBody>
+      </p:sp>
+      <p:sp>
+        <p:nvSpPr>
+          <p:cNvPr id="126" name="文本框 125"/>
+          <p:cNvSpPr txBox="1"/>
+          <p:nvPr/>
+        </p:nvSpPr>
+        <p:spPr>
+          <a:xfrm>
+            <a:off x="9876155" y="4889500"/>
+            <a:ext cx="309880" cy="368300"/>
+          </a:xfrm>
+          <a:prstGeom prst="rect">
+            <a:avLst/>
+          </a:prstGeom>
+          <a:noFill/>
+        </p:spPr>
+        <p:txBody>
+          <a:bodyPr wrap="square" rtlCol="0">
+            <a:spAutoFit/>
+          </a:bodyPr>
+          <a:p>
+            <a:r>
+              <a:rPr lang="en-US" altLang="zh-CN"/>
+              <a:t>1</a:t>
+            </a:r>
+            <a:endParaRPr lang="en-US" altLang="zh-CN"/>
+          </a:p>
+        </p:txBody>
+      </p:sp>
+      <p:sp>
+        <p:nvSpPr>
+          <p:cNvPr id="127" name="文本框 126"/>
+          <p:cNvSpPr txBox="1"/>
+          <p:nvPr/>
+        </p:nvSpPr>
+        <p:spPr>
+          <a:xfrm>
+            <a:off x="9298940" y="4889500"/>
+            <a:ext cx="309880" cy="368300"/>
+          </a:xfrm>
+          <a:prstGeom prst="rect">
+            <a:avLst/>
+          </a:prstGeom>
+          <a:noFill/>
+        </p:spPr>
+        <p:txBody>
+          <a:bodyPr wrap="square" rtlCol="0">
+            <a:spAutoFit/>
+          </a:bodyPr>
+          <a:p>
+            <a:r>
+              <a:rPr lang="en-US" altLang="zh-CN"/>
+              <a:t>0</a:t>
+            </a:r>
+            <a:endParaRPr lang="en-US" altLang="zh-CN"/>
+          </a:p>
+        </p:txBody>
+      </p:sp>
+      <p:sp>
+        <p:nvSpPr>
+          <p:cNvPr id="130" name="文本框 129"/>
+          <p:cNvSpPr txBox="1"/>
+          <p:nvPr/>
+        </p:nvSpPr>
+        <p:spPr>
+          <a:xfrm>
+            <a:off x="9298940" y="3814445"/>
+            <a:ext cx="309880" cy="368300"/>
+          </a:xfrm>
+          <a:prstGeom prst="rect">
+            <a:avLst/>
+          </a:prstGeom>
+          <a:noFill/>
+        </p:spPr>
+        <p:txBody>
+          <a:bodyPr wrap="square" rtlCol="0">
+            <a:spAutoFit/>
+          </a:bodyPr>
+          <a:p>
+            <a:r>
+              <a:rPr lang="en-US" altLang="zh-CN"/>
+              <a:t>0</a:t>
+            </a:r>
+            <a:endParaRPr lang="en-US" altLang="zh-CN"/>
+          </a:p>
+        </p:txBody>
+      </p:sp>
+      <p:sp>
+        <p:nvSpPr>
+          <p:cNvPr id="131" name="文本框 130"/>
+          <p:cNvSpPr txBox="1"/>
+          <p:nvPr/>
+        </p:nvSpPr>
+        <p:spPr>
+          <a:xfrm>
+            <a:off x="9876155" y="3814445"/>
+            <a:ext cx="309880" cy="368300"/>
+          </a:xfrm>
+          <a:prstGeom prst="rect">
+            <a:avLst/>
+          </a:prstGeom>
+          <a:noFill/>
+        </p:spPr>
+        <p:txBody>
+          <a:bodyPr wrap="square" rtlCol="0">
+            <a:spAutoFit/>
+          </a:bodyPr>
+          <a:p>
+            <a:r>
+              <a:rPr lang="en-US" altLang="zh-CN"/>
+              <a:t>0</a:t>
+            </a:r>
+            <a:endParaRPr lang="en-US" altLang="zh-CN"/>
+          </a:p>
+        </p:txBody>
+      </p:sp>
+      <p:sp>
+        <p:nvSpPr>
+          <p:cNvPr id="132" name="文本框 131"/>
+          <p:cNvSpPr txBox="1"/>
+          <p:nvPr/>
+        </p:nvSpPr>
+        <p:spPr>
+          <a:xfrm>
+            <a:off x="8735695" y="4332605"/>
+            <a:ext cx="309880" cy="368300"/>
+          </a:xfrm>
+          <a:prstGeom prst="rect">
+            <a:avLst/>
+          </a:prstGeom>
+          <a:noFill/>
+        </p:spPr>
+        <p:txBody>
+          <a:bodyPr wrap="square" rtlCol="0">
+            <a:spAutoFit/>
+          </a:bodyPr>
+          <a:p>
+            <a:r>
+              <a:rPr lang="en-US" altLang="zh-CN"/>
+              <a:t>0</a:t>
+            </a:r>
+            <a:endParaRPr lang="en-US" altLang="zh-CN"/>
+          </a:p>
+        </p:txBody>
+      </p:sp>
+      <p:sp>
+        <p:nvSpPr>
+          <p:cNvPr id="133" name="文本框 132"/>
+          <p:cNvSpPr txBox="1"/>
+          <p:nvPr/>
+        </p:nvSpPr>
+        <p:spPr>
+          <a:xfrm>
+            <a:off x="9298940" y="4332605"/>
+            <a:ext cx="309880" cy="368300"/>
+          </a:xfrm>
+          <a:prstGeom prst="rect">
+            <a:avLst/>
+          </a:prstGeom>
+          <a:noFill/>
+        </p:spPr>
+        <p:txBody>
+          <a:bodyPr wrap="square" rtlCol="0">
+            <a:spAutoFit/>
+          </a:bodyPr>
+          <a:p>
+            <a:r>
+              <a:rPr lang="en-US" altLang="zh-CN"/>
+              <a:t>0</a:t>
+            </a:r>
+            <a:endParaRPr lang="en-US" altLang="zh-CN"/>
+          </a:p>
+        </p:txBody>
+      </p:sp>
+      <p:sp>
+        <p:nvSpPr>
+          <p:cNvPr id="134" name="文本框 133"/>
+          <p:cNvSpPr txBox="1"/>
+          <p:nvPr/>
+        </p:nvSpPr>
+        <p:spPr>
+          <a:xfrm>
+            <a:off x="9876155" y="4332605"/>
+            <a:ext cx="309880" cy="368300"/>
+          </a:xfrm>
+          <a:prstGeom prst="rect">
+            <a:avLst/>
+          </a:prstGeom>
+          <a:noFill/>
+        </p:spPr>
+        <p:txBody>
+          <a:bodyPr wrap="square" rtlCol="0">
+            <a:spAutoFit/>
+          </a:bodyPr>
+          <a:p>
+            <a:r>
+              <a:rPr lang="en-US" altLang="zh-CN"/>
+              <a:t>0</a:t>
+            </a:r>
+            <a:endParaRPr lang="en-US" altLang="zh-CN"/>
+          </a:p>
+        </p:txBody>
+      </p:sp>
+      <p:sp>
+        <p:nvSpPr>
+          <p:cNvPr id="135" name="文本框 134"/>
+          <p:cNvSpPr txBox="1"/>
+          <p:nvPr/>
+        </p:nvSpPr>
+        <p:spPr>
+          <a:xfrm>
+            <a:off x="8735695" y="3814445"/>
+            <a:ext cx="309880" cy="368300"/>
+          </a:xfrm>
+          <a:prstGeom prst="rect">
+            <a:avLst/>
+          </a:prstGeom>
+          <a:noFill/>
+        </p:spPr>
+        <p:txBody>
+          <a:bodyPr wrap="square" rtlCol="0">
+            <a:spAutoFit/>
+          </a:bodyPr>
+          <a:p>
+            <a:r>
+              <a:rPr lang="en-US" altLang="zh-CN"/>
+              <a:t>0</a:t>
+            </a:r>
+            <a:endParaRPr lang="en-US" altLang="zh-CN"/>
+          </a:p>
+        </p:txBody>
+      </p:sp>
+      <p:sp>
+        <p:nvSpPr>
+          <p:cNvPr id="139" name="文本框 138"/>
+          <p:cNvSpPr txBox="1"/>
+          <p:nvPr/>
+        </p:nvSpPr>
+        <p:spPr>
+          <a:xfrm>
+            <a:off x="3895090" y="4613910"/>
+            <a:ext cx="1101090" cy="368300"/>
+          </a:xfrm>
+          <a:prstGeom prst="rect">
+            <a:avLst/>
+          </a:prstGeom>
+          <a:noFill/>
+        </p:spPr>
+        <p:txBody>
+          <a:bodyPr wrap="square" rtlCol="0">
+            <a:spAutoFit/>
+          </a:bodyPr>
+          <a:p>
+            <a:pPr algn="l"/>
+            <a:r>
+              <a:rPr lang="en-US" altLang="zh-CN" b="1">
+                <a:solidFill>
+                  <a:schemeClr val="bg1"/>
+                </a:solidFill>
+              </a:rPr>
+              <a:t>a k f a f</a:t>
+            </a:r>
+            <a:endParaRPr lang="en-US" altLang="zh-CN" b="1">
+              <a:solidFill>
+                <a:schemeClr val="bg1"/>
+              </a:solidFill>
+            </a:endParaRPr>
+          </a:p>
+        </p:txBody>
+      </p:sp>
+      <p:cxnSp>
+        <p:nvCxnSpPr>
+          <p:cNvPr id="140" name="直接箭头连接符 139"/>
+          <p:cNvCxnSpPr/>
+          <p:nvPr/>
+        </p:nvCxnSpPr>
+        <p:spPr>
+          <a:xfrm>
+            <a:off x="4996180" y="4798060"/>
+            <a:ext cx="676275" cy="0"/>
+          </a:xfrm>
+          <a:prstGeom prst="straightConnector1">
+            <a:avLst/>
+          </a:prstGeom>
+          <a:ln w="28575" cmpd="sng">
+            <a:solidFill>
+              <a:schemeClr val="bg1"/>
+            </a:solidFill>
+            <a:prstDash val="solid"/>
+            <a:tailEnd type="arrow"/>
+          </a:ln>
+        </p:spPr>
+        <p:style>
+          <a:lnRef idx="1">
+            <a:schemeClr val="accent1"/>
+          </a:lnRef>
+          <a:fillRef idx="0">
+            <a:schemeClr val="accent1"/>
+          </a:fillRef>
+          <a:effectRef idx="0">
+            <a:schemeClr val="accent1"/>
+          </a:effectRef>
+          <a:fontRef idx="minor">
+            <a:schemeClr val="tx1"/>
+          </a:fontRef>
+        </p:style>
+      </p:cxnSp>
+      <p:sp>
+        <p:nvSpPr>
+          <p:cNvPr id="141" name="文本框 140"/>
+          <p:cNvSpPr txBox="1"/>
+          <p:nvPr/>
+        </p:nvSpPr>
+        <p:spPr>
+          <a:xfrm>
+            <a:off x="639445" y="2104390"/>
+            <a:ext cx="4952365" cy="1599565"/>
+          </a:xfrm>
+          <a:prstGeom prst="rect">
+            <a:avLst/>
+          </a:prstGeom>
+          <a:noFill/>
+        </p:spPr>
+        <p:txBody>
+          <a:bodyPr wrap="square" rtlCol="0">
+            <a:spAutoFit/>
+          </a:bodyPr>
+          <a:p>
+            <a:pPr algn="l"/>
+            <a:r>
+              <a:rPr lang="zh-CN" sz="1400" b="1">
+                <a:solidFill>
+                  <a:schemeClr val="bg1"/>
+                </a:solidFill>
+                <a:sym typeface="+mn-ea"/>
+              </a:rPr>
+              <a:t>调整状态转移方程：</a:t>
+            </a:r>
+            <a:endParaRPr lang="zh-CN" sz="1400">
+              <a:solidFill>
+                <a:schemeClr val="bg1"/>
+              </a:solidFill>
+              <a:sym typeface="+mn-ea"/>
+            </a:endParaRPr>
+          </a:p>
+          <a:p>
+            <a:pPr algn="l"/>
+            <a:endParaRPr lang="zh-CN" sz="1400">
+              <a:solidFill>
+                <a:schemeClr val="bg1"/>
+              </a:solidFill>
+              <a:sym typeface="+mn-ea"/>
+            </a:endParaRPr>
+          </a:p>
+          <a:p>
+            <a:pPr algn="l"/>
+            <a:r>
+              <a:rPr sz="1400">
+                <a:solidFill>
+                  <a:schemeClr val="bg1"/>
+                </a:solidFill>
+                <a:sym typeface="+mn-ea"/>
+              </a:rPr>
+              <a:t>for (let i = 0; i &lt; len; i++) {</a:t>
+            </a:r>
+            <a:endParaRPr sz="1400">
+              <a:solidFill>
+                <a:schemeClr val="bg1"/>
+              </a:solidFill>
+              <a:sym typeface="+mn-ea"/>
+            </a:endParaRPr>
+          </a:p>
+          <a:p>
+            <a:pPr algn="l"/>
+            <a:r>
+              <a:rPr sz="1400">
+                <a:solidFill>
+                  <a:schemeClr val="bg1"/>
+                </a:solidFill>
+                <a:sym typeface="+mn-ea"/>
+              </a:rPr>
+              <a:t>    for (let j = 0; j &lt;= i; j++) {</a:t>
+            </a:r>
+            <a:endParaRPr sz="1400">
+              <a:solidFill>
+                <a:schemeClr val="bg1"/>
+              </a:solidFill>
+              <a:sym typeface="+mn-ea"/>
+            </a:endParaRPr>
+          </a:p>
+          <a:p>
+            <a:pPr algn="l"/>
+            <a:r>
+              <a:rPr sz="1400">
+                <a:solidFill>
+                  <a:schemeClr val="bg1"/>
+                </a:solidFill>
+                <a:sym typeface="+mn-ea"/>
+              </a:rPr>
+              <a:t>        dp[i][j] = </a:t>
+            </a:r>
+            <a:r>
+              <a:rPr lang="en-US" sz="1400" b="1">
+                <a:solidFill>
+                  <a:schemeClr val="accent2"/>
+                </a:solidFill>
+                <a:sym typeface="+mn-ea"/>
+              </a:rPr>
+              <a:t>i = j || </a:t>
+            </a:r>
+            <a:r>
+              <a:rPr sz="1400">
+                <a:solidFill>
+                  <a:schemeClr val="bg1"/>
+                </a:solidFill>
+                <a:sym typeface="+mn-ea"/>
+              </a:rPr>
+              <a:t>s[i] === s[j] &amp;&amp; </a:t>
+            </a:r>
+            <a:r>
+              <a:rPr lang="en-US" sz="1400">
+                <a:solidFill>
+                  <a:schemeClr val="bg1"/>
+                </a:solidFill>
+                <a:sym typeface="+mn-ea"/>
+              </a:rPr>
+              <a:t>(</a:t>
+            </a:r>
+            <a:r>
+              <a:rPr lang="en-US" sz="1400" b="1">
+                <a:solidFill>
+                  <a:schemeClr val="accent2"/>
+                </a:solidFill>
+                <a:sym typeface="+mn-ea"/>
+              </a:rPr>
+              <a:t>i - j = 1 || </a:t>
+            </a:r>
+            <a:r>
+              <a:rPr sz="1400">
+                <a:solidFill>
+                  <a:schemeClr val="bg1"/>
+                </a:solidFill>
+                <a:sym typeface="+mn-ea"/>
+              </a:rPr>
+              <a:t>dp[i - 1][j + 1]</a:t>
+            </a:r>
+            <a:r>
+              <a:rPr lang="en-US" sz="1400">
+                <a:solidFill>
+                  <a:schemeClr val="bg1"/>
+                </a:solidFill>
+                <a:sym typeface="+mn-ea"/>
+              </a:rPr>
+              <a:t>) </a:t>
+            </a:r>
+            <a:endParaRPr sz="1400">
+              <a:solidFill>
+                <a:schemeClr val="bg1"/>
+              </a:solidFill>
+              <a:sym typeface="+mn-ea"/>
+            </a:endParaRPr>
+          </a:p>
+          <a:p>
+            <a:pPr algn="l"/>
+            <a:r>
+              <a:rPr sz="1400">
+                <a:solidFill>
+                  <a:schemeClr val="bg1"/>
+                </a:solidFill>
+                <a:sym typeface="+mn-ea"/>
+              </a:rPr>
+              <a:t>    }</a:t>
+            </a:r>
+            <a:endParaRPr sz="1400">
+              <a:solidFill>
+                <a:schemeClr val="bg1"/>
+              </a:solidFill>
+              <a:sym typeface="+mn-ea"/>
+            </a:endParaRPr>
+          </a:p>
+          <a:p>
+            <a:pPr algn="l"/>
+            <a:r>
+              <a:rPr sz="1400">
+                <a:solidFill>
+                  <a:schemeClr val="bg1"/>
+                </a:solidFill>
+                <a:sym typeface="+mn-ea"/>
+              </a:rPr>
+              <a:t>}</a:t>
+            </a:r>
+            <a:endParaRPr sz="1400">
+              <a:solidFill>
+                <a:schemeClr val="bg1"/>
+              </a:solidFill>
+              <a:sym typeface="+mn-ea"/>
+            </a:endParaRPr>
+          </a:p>
+        </p:txBody>
+      </p:sp>
+      <p:sp>
+        <p:nvSpPr>
+          <p:cNvPr id="142" name="文本框 141"/>
+          <p:cNvSpPr txBox="1"/>
+          <p:nvPr/>
+        </p:nvSpPr>
+        <p:spPr>
+          <a:xfrm>
+            <a:off x="639445" y="3794125"/>
+            <a:ext cx="2917825" cy="737235"/>
+          </a:xfrm>
+          <a:prstGeom prst="rect">
+            <a:avLst/>
+          </a:prstGeom>
+          <a:noFill/>
+        </p:spPr>
+        <p:txBody>
+          <a:bodyPr wrap="square" rtlCol="0">
+            <a:spAutoFit/>
+          </a:bodyPr>
+          <a:p>
+            <a:pPr algn="l"/>
+            <a:r>
+              <a:rPr lang="en-US" sz="1400">
+                <a:solidFill>
+                  <a:schemeClr val="bg1"/>
+                </a:solidFill>
+                <a:sym typeface="+mn-ea"/>
+              </a:rPr>
+              <a:t>i = j </a:t>
+            </a:r>
+            <a:r>
+              <a:rPr lang="zh-CN" altLang="en-US" sz="1400">
+                <a:solidFill>
+                  <a:schemeClr val="bg1"/>
+                </a:solidFill>
+                <a:sym typeface="+mn-ea"/>
+              </a:rPr>
+              <a:t>单点字符是回文子串</a:t>
+            </a:r>
+            <a:endParaRPr lang="zh-CN" altLang="en-US" sz="1400">
+              <a:solidFill>
+                <a:schemeClr val="bg1"/>
+              </a:solidFill>
+              <a:sym typeface="+mn-ea"/>
+            </a:endParaRPr>
+          </a:p>
+          <a:p>
+            <a:pPr algn="l"/>
+            <a:r>
+              <a:rPr lang="en-US" altLang="zh-CN" sz="1400">
+                <a:solidFill>
+                  <a:schemeClr val="bg1"/>
+                </a:solidFill>
+                <a:sym typeface="+mn-ea"/>
+              </a:rPr>
+              <a:t>i-j = 1 </a:t>
+            </a:r>
+            <a:r>
+              <a:rPr lang="zh-CN" altLang="en-US" sz="1400">
+                <a:solidFill>
+                  <a:schemeClr val="bg1"/>
+                </a:solidFill>
+                <a:sym typeface="+mn-ea"/>
+              </a:rPr>
+              <a:t>结尾两位相同是回文子串</a:t>
+            </a:r>
+            <a:endParaRPr lang="zh-CN" altLang="en-US" sz="1400">
+              <a:solidFill>
+                <a:schemeClr val="bg1"/>
+              </a:solidFill>
+              <a:sym typeface="+mn-ea"/>
+            </a:endParaRPr>
+          </a:p>
+          <a:p>
+            <a:pPr algn="l"/>
+            <a:r>
+              <a:rPr lang="zh-CN" altLang="en-US" sz="1400">
+                <a:solidFill>
+                  <a:schemeClr val="bg1"/>
+                </a:solidFill>
+                <a:sym typeface="+mn-ea"/>
+              </a:rPr>
+              <a:t>两个条件简化为 </a:t>
+            </a:r>
+            <a:r>
+              <a:rPr lang="en-US" altLang="zh-CN" sz="1400">
+                <a:solidFill>
+                  <a:schemeClr val="bg1"/>
+                </a:solidFill>
+                <a:sym typeface="+mn-ea"/>
+              </a:rPr>
+              <a:t>i - j &lt;= 1</a:t>
+            </a:r>
+            <a:endParaRPr lang="en-US" altLang="zh-CN" sz="1400">
+              <a:solidFill>
+                <a:schemeClr val="bg1"/>
+              </a:solidFill>
+              <a:sym typeface="+mn-ea"/>
+            </a:endParaRPr>
+          </a:p>
+        </p:txBody>
+      </p:sp>
+    </p:spTree>
+  </p:cSld>
+  <p:clrMapOvr>
+    <a:masterClrMapping/>
+  </p:clrMapOvr>
+  <p:timing>
+    <p:tnLst>
+      <p:par>
+        <p:cTn id="1" dur="indefinite" restart="never" nodeType="tmRoot">
+          <p:childTnLst>
+            <p:seq concurrent="1" nextAc="seek">
+              <p:cTn id="2" dur="indefinite" nodeType="mainSeq">
+                <p:childTnLst>
+                  <p:par>
+                    <p:cTn id="3" fill="hold">
+                      <p:stCondLst>
+                        <p:cond delay="indefinite"/>
+                      </p:stCondLst>
+                      <p:childTnLst>
+                        <p:par>
+                          <p:cTn id="4" fill="hold">
+                            <p:stCondLst>
+                              <p:cond delay="0"/>
+                            </p:stCondLst>
+                            <p:childTnLst>
+                              <p:par>
+                                <p:cTn id="5" presetID="10" presetClass="entr" presetSubtype="0" fill="hold" nodeType="clickEffect">
+                                  <p:stCondLst>
+                                    <p:cond delay="0"/>
+                                  </p:stCondLst>
+                                  <p:childTnLst>
+                                    <p:set>
+                                      <p:cBhvr>
+                                        <p:cTn id="6" dur="1" fill="hold">
+                                          <p:stCondLst>
+                                            <p:cond delay="0"/>
+                                          </p:stCondLst>
+                                        </p:cTn>
+                                        <p:tgtEl>
+                                          <p:spTgt spid="45"/>
+                                        </p:tgtEl>
+                                        <p:attrNameLst>
+                                          <p:attrName>style.visibility</p:attrName>
+                                        </p:attrNameLst>
+                                      </p:cBhvr>
+                                      <p:to>
+                                        <p:strVal val="visible"/>
+                                      </p:to>
+                                    </p:set>
+                                    <p:animEffect transition="in" filter="fade">
+                                      <p:cBhvr>
+                                        <p:cTn id="7" dur="500"/>
+                                        <p:tgtEl>
+                                          <p:spTgt spid="45"/>
+                                        </p:tgtEl>
+                                      </p:cBhvr>
+                                    </p:animEffect>
+                                  </p:childTnLst>
+                                </p:cTn>
+                              </p:par>
+                            </p:childTnLst>
+                          </p:cTn>
+                        </p:par>
+                        <p:par>
+                          <p:cTn id="8" fill="hold">
+                            <p:stCondLst>
+                              <p:cond delay="500"/>
+                            </p:stCondLst>
+                            <p:childTnLst>
+                              <p:par>
+                                <p:cTn id="9" presetID="10" presetClass="entr" presetSubtype="0" fill="hold" nodeType="afterEffect">
+                                  <p:stCondLst>
+                                    <p:cond delay="0"/>
+                                  </p:stCondLst>
+                                  <p:childTnLst>
+                                    <p:set>
+                                      <p:cBhvr>
+                                        <p:cTn id="10" dur="1" fill="hold">
+                                          <p:stCondLst>
+                                            <p:cond delay="0"/>
+                                          </p:stCondLst>
+                                        </p:cTn>
+                                        <p:tgtEl>
+                                          <p:spTgt spid="116"/>
+                                        </p:tgtEl>
+                                        <p:attrNameLst>
+                                          <p:attrName>style.visibility</p:attrName>
+                                        </p:attrNameLst>
+                                      </p:cBhvr>
+                                      <p:to>
+                                        <p:strVal val="visible"/>
+                                      </p:to>
+                                    </p:set>
+                                    <p:animEffect transition="in" filter="fade">
+                                      <p:cBhvr>
+                                        <p:cTn id="11" dur="500"/>
+                                        <p:tgtEl>
+                                          <p:spTgt spid="116"/>
+                                        </p:tgtEl>
+                                      </p:cBhvr>
+                                    </p:animEffect>
+                                  </p:childTnLst>
+                                </p:cTn>
+                              </p:par>
+                            </p:childTnLst>
+                          </p:cTn>
+                        </p:par>
+                        <p:par>
+                          <p:cTn id="12" fill="hold">
+                            <p:stCondLst>
+                              <p:cond delay="1000"/>
+                            </p:stCondLst>
+                            <p:childTnLst>
+                              <p:par>
+                                <p:cTn id="13" presetID="10" presetClass="entr" presetSubtype="0" fill="hold" nodeType="afterEffect">
+                                  <p:stCondLst>
+                                    <p:cond delay="0"/>
+                                  </p:stCondLst>
+                                  <p:childTnLst>
+                                    <p:set>
+                                      <p:cBhvr>
+                                        <p:cTn id="14" dur="1" fill="hold">
+                                          <p:stCondLst>
+                                            <p:cond delay="0"/>
+                                          </p:stCondLst>
+                                        </p:cTn>
+                                        <p:tgtEl>
+                                          <p:spTgt spid="84"/>
+                                        </p:tgtEl>
+                                        <p:attrNameLst>
+                                          <p:attrName>style.visibility</p:attrName>
+                                        </p:attrNameLst>
+                                      </p:cBhvr>
+                                      <p:to>
+                                        <p:strVal val="visible"/>
+                                      </p:to>
+                                    </p:set>
+                                    <p:animEffect transition="in" filter="fade">
+                                      <p:cBhvr>
+                                        <p:cTn id="15" dur="500"/>
+                                        <p:tgtEl>
+                                          <p:spTgt spid="84"/>
+                                        </p:tgtEl>
+                                      </p:cBhvr>
+                                    </p:animEffect>
+                                  </p:childTnLst>
+                                </p:cTn>
+                              </p:par>
+                            </p:childTnLst>
+                          </p:cTn>
+                        </p:par>
+                        <p:par>
+                          <p:cTn id="16" fill="hold">
+                            <p:stCondLst>
+                              <p:cond delay="1500"/>
+                            </p:stCondLst>
+                            <p:childTnLst>
+                              <p:par>
+                                <p:cTn id="17" presetID="10" presetClass="entr" presetSubtype="0" fill="hold" nodeType="afterEffect">
+                                  <p:stCondLst>
+                                    <p:cond delay="0"/>
+                                  </p:stCondLst>
+                                  <p:childTnLst>
+                                    <p:set>
+                                      <p:cBhvr>
+                                        <p:cTn id="18" dur="1" fill="hold">
+                                          <p:stCondLst>
+                                            <p:cond delay="0"/>
+                                          </p:stCondLst>
+                                        </p:cTn>
+                                        <p:tgtEl>
+                                          <p:spTgt spid="88"/>
+                                        </p:tgtEl>
+                                        <p:attrNameLst>
+                                          <p:attrName>style.visibility</p:attrName>
+                                        </p:attrNameLst>
+                                      </p:cBhvr>
+                                      <p:to>
+                                        <p:strVal val="visible"/>
+                                      </p:to>
+                                    </p:set>
+                                    <p:animEffect transition="in" filter="fade">
+                                      <p:cBhvr>
+                                        <p:cTn id="19" dur="500"/>
+                                        <p:tgtEl>
+                                          <p:spTgt spid="88"/>
+                                        </p:tgtEl>
+                                      </p:cBhvr>
+                                    </p:animEffect>
+                                  </p:childTnLst>
+                                </p:cTn>
+                              </p:par>
+                            </p:childTnLst>
+                          </p:cTn>
+                        </p:par>
+                      </p:childTnLst>
+                    </p:cTn>
+                  </p:par>
+                  <p:par>
+                    <p:cTn id="20" fill="hold">
+                      <p:stCondLst>
+                        <p:cond delay="indefinite"/>
+                      </p:stCondLst>
+                      <p:childTnLst>
+                        <p:par>
+                          <p:cTn id="21" fill="hold">
+                            <p:stCondLst>
+                              <p:cond delay="0"/>
+                            </p:stCondLst>
+                            <p:childTnLst>
+                              <p:par>
+                                <p:cTn id="22" presetID="10" presetClass="entr" presetSubtype="0" fill="hold" grpId="0" nodeType="clickEffect">
+                                  <p:stCondLst>
+                                    <p:cond delay="0"/>
+                                  </p:stCondLst>
+                                  <p:childTnLst>
+                                    <p:set>
+                                      <p:cBhvr>
+                                        <p:cTn id="23" dur="1" fill="hold">
+                                          <p:stCondLst>
+                                            <p:cond delay="0"/>
+                                          </p:stCondLst>
+                                        </p:cTn>
+                                        <p:tgtEl>
+                                          <p:spTgt spid="124"/>
+                                        </p:tgtEl>
+                                        <p:attrNameLst>
+                                          <p:attrName>style.visibility</p:attrName>
+                                        </p:attrNameLst>
+                                      </p:cBhvr>
+                                      <p:to>
+                                        <p:strVal val="visible"/>
+                                      </p:to>
+                                    </p:set>
+                                    <p:animEffect transition="in" filter="fade">
+                                      <p:cBhvr>
+                                        <p:cTn id="24" dur="500"/>
+                                        <p:tgtEl>
+                                          <p:spTgt spid="124"/>
+                                        </p:tgtEl>
+                                      </p:cBhvr>
+                                    </p:animEffect>
+                                  </p:childTnLst>
+                                </p:cTn>
+                              </p:par>
+                            </p:childTnLst>
+                          </p:cTn>
+                        </p:par>
+                      </p:childTnLst>
+                    </p:cTn>
+                  </p:par>
+                  <p:par>
+                    <p:cTn id="25" fill="hold">
+                      <p:stCondLst>
+                        <p:cond delay="indefinite"/>
+                      </p:stCondLst>
+                      <p:childTnLst>
+                        <p:par>
+                          <p:cTn id="26" fill="hold">
+                            <p:stCondLst>
+                              <p:cond delay="0"/>
+                            </p:stCondLst>
+                            <p:childTnLst>
+                              <p:par>
+                                <p:cTn id="27" presetID="10" presetClass="exit" presetSubtype="0" fill="hold" nodeType="clickEffect">
+                                  <p:stCondLst>
+                                    <p:cond delay="0"/>
+                                  </p:stCondLst>
+                                  <p:childTnLst>
+                                    <p:animEffect transition="out" filter="fade">
+                                      <p:cBhvr>
+                                        <p:cTn id="28" dur="500"/>
+                                        <p:tgtEl>
+                                          <p:spTgt spid="84"/>
+                                        </p:tgtEl>
+                                      </p:cBhvr>
+                                    </p:animEffect>
+                                    <p:set>
+                                      <p:cBhvr>
+                                        <p:cTn id="29" dur="1" fill="hold">
+                                          <p:stCondLst>
+                                            <p:cond delay="499"/>
+                                          </p:stCondLst>
+                                        </p:cTn>
+                                        <p:tgtEl>
+                                          <p:spTgt spid="84"/>
+                                        </p:tgtEl>
+                                        <p:attrNameLst>
+                                          <p:attrName>style.visibility</p:attrName>
+                                        </p:attrNameLst>
+                                      </p:cBhvr>
+                                      <p:to>
+                                        <p:strVal val="hidden"/>
+                                      </p:to>
+                                    </p:set>
+                                  </p:childTnLst>
+                                </p:cTn>
+                              </p:par>
+                            </p:childTnLst>
+                          </p:cTn>
+                        </p:par>
+                        <p:par>
+                          <p:cTn id="30" fill="hold">
+                            <p:stCondLst>
+                              <p:cond delay="500"/>
+                            </p:stCondLst>
+                            <p:childTnLst>
+                              <p:par>
+                                <p:cTn id="31" presetID="10" presetClass="entr" presetSubtype="0" fill="hold" nodeType="afterEffect">
+                                  <p:stCondLst>
+                                    <p:cond delay="0"/>
+                                  </p:stCondLst>
+                                  <p:childTnLst>
+                                    <p:set>
+                                      <p:cBhvr>
+                                        <p:cTn id="32" dur="1" fill="hold">
+                                          <p:stCondLst>
+                                            <p:cond delay="0"/>
+                                          </p:stCondLst>
+                                        </p:cTn>
+                                        <p:tgtEl>
+                                          <p:spTgt spid="92"/>
+                                        </p:tgtEl>
+                                        <p:attrNameLst>
+                                          <p:attrName>style.visibility</p:attrName>
+                                        </p:attrNameLst>
+                                      </p:cBhvr>
+                                      <p:to>
+                                        <p:strVal val="visible"/>
+                                      </p:to>
+                                    </p:set>
+                                    <p:animEffect transition="in" filter="fade">
+                                      <p:cBhvr>
+                                        <p:cTn id="33" dur="500"/>
+                                        <p:tgtEl>
+                                          <p:spTgt spid="92"/>
+                                        </p:tgtEl>
+                                      </p:cBhvr>
+                                    </p:animEffect>
+                                  </p:childTnLst>
+                                </p:cTn>
+                              </p:par>
+                            </p:childTnLst>
+                          </p:cTn>
+                        </p:par>
+                        <p:par>
+                          <p:cTn id="34" fill="hold">
+                            <p:stCondLst>
+                              <p:cond delay="1000"/>
+                            </p:stCondLst>
+                            <p:childTnLst>
+                              <p:par>
+                                <p:cTn id="35" presetID="10" presetClass="exit" presetSubtype="0" fill="hold" nodeType="afterEffect">
+                                  <p:stCondLst>
+                                    <p:cond delay="0"/>
+                                  </p:stCondLst>
+                                  <p:childTnLst>
+                                    <p:animEffect transition="out" filter="fade">
+                                      <p:cBhvr>
+                                        <p:cTn id="36" dur="500"/>
+                                        <p:tgtEl>
+                                          <p:spTgt spid="88"/>
+                                        </p:tgtEl>
+                                      </p:cBhvr>
+                                    </p:animEffect>
+                                    <p:set>
+                                      <p:cBhvr>
+                                        <p:cTn id="37" dur="1" fill="hold">
+                                          <p:stCondLst>
+                                            <p:cond delay="499"/>
+                                          </p:stCondLst>
+                                        </p:cTn>
+                                        <p:tgtEl>
+                                          <p:spTgt spid="88"/>
+                                        </p:tgtEl>
+                                        <p:attrNameLst>
+                                          <p:attrName>style.visibility</p:attrName>
+                                        </p:attrNameLst>
+                                      </p:cBhvr>
+                                      <p:to>
+                                        <p:strVal val="hidden"/>
+                                      </p:to>
+                                    </p:set>
+                                  </p:childTnLst>
+                                </p:cTn>
+                              </p:par>
+                            </p:childTnLst>
+                          </p:cTn>
+                        </p:par>
+                        <p:par>
+                          <p:cTn id="38" fill="hold">
+                            <p:stCondLst>
+                              <p:cond delay="1500"/>
+                            </p:stCondLst>
+                            <p:childTnLst>
+                              <p:par>
+                                <p:cTn id="39" presetID="10" presetClass="entr" presetSubtype="0" fill="hold" nodeType="afterEffect">
+                                  <p:stCondLst>
+                                    <p:cond delay="0"/>
+                                  </p:stCondLst>
+                                  <p:childTnLst>
+                                    <p:set>
+                                      <p:cBhvr>
+                                        <p:cTn id="40" dur="1" fill="hold">
+                                          <p:stCondLst>
+                                            <p:cond delay="0"/>
+                                          </p:stCondLst>
+                                        </p:cTn>
+                                        <p:tgtEl>
+                                          <p:spTgt spid="104"/>
+                                        </p:tgtEl>
+                                        <p:attrNameLst>
+                                          <p:attrName>style.visibility</p:attrName>
+                                        </p:attrNameLst>
+                                      </p:cBhvr>
+                                      <p:to>
+                                        <p:strVal val="visible"/>
+                                      </p:to>
+                                    </p:set>
+                                    <p:animEffect transition="in" filter="fade">
+                                      <p:cBhvr>
+                                        <p:cTn id="41" dur="500"/>
+                                        <p:tgtEl>
+                                          <p:spTgt spid="104"/>
+                                        </p:tgtEl>
+                                      </p:cBhvr>
+                                    </p:animEffect>
+                                  </p:childTnLst>
+                                </p:cTn>
+                              </p:par>
+                            </p:childTnLst>
+                          </p:cTn>
+                        </p:par>
+                      </p:childTnLst>
+                    </p:cTn>
+                  </p:par>
+                  <p:par>
+                    <p:cTn id="42" fill="hold">
+                      <p:stCondLst>
+                        <p:cond delay="indefinite"/>
+                      </p:stCondLst>
+                      <p:childTnLst>
+                        <p:par>
+                          <p:cTn id="43" fill="hold">
+                            <p:stCondLst>
+                              <p:cond delay="0"/>
+                            </p:stCondLst>
+                            <p:childTnLst>
+                              <p:par>
+                                <p:cTn id="44" presetID="10" presetClass="entr" presetSubtype="0" fill="hold" grpId="0" nodeType="clickEffect">
+                                  <p:stCondLst>
+                                    <p:cond delay="0"/>
+                                  </p:stCondLst>
+                                  <p:childTnLst>
+                                    <p:set>
+                                      <p:cBhvr>
+                                        <p:cTn id="45" dur="1" fill="hold">
+                                          <p:stCondLst>
+                                            <p:cond delay="0"/>
+                                          </p:stCondLst>
+                                        </p:cTn>
+                                        <p:tgtEl>
+                                          <p:spTgt spid="120"/>
+                                        </p:tgtEl>
+                                        <p:attrNameLst>
+                                          <p:attrName>style.visibility</p:attrName>
+                                        </p:attrNameLst>
+                                      </p:cBhvr>
+                                      <p:to>
+                                        <p:strVal val="visible"/>
+                                      </p:to>
+                                    </p:set>
+                                    <p:animEffect transition="in" filter="fade">
+                                      <p:cBhvr>
+                                        <p:cTn id="46" dur="500"/>
+                                        <p:tgtEl>
+                                          <p:spTgt spid="120"/>
+                                        </p:tgtEl>
+                                      </p:cBhvr>
+                                    </p:animEffect>
+                                  </p:childTnLst>
+                                </p:cTn>
+                              </p:par>
+                            </p:childTnLst>
+                          </p:cTn>
+                        </p:par>
+                      </p:childTnLst>
+                    </p:cTn>
+                  </p:par>
+                  <p:par>
+                    <p:cTn id="47" fill="hold">
+                      <p:stCondLst>
+                        <p:cond delay="indefinite"/>
+                      </p:stCondLst>
+                      <p:childTnLst>
+                        <p:par>
+                          <p:cTn id="48" fill="hold">
+                            <p:stCondLst>
+                              <p:cond delay="0"/>
+                            </p:stCondLst>
+                            <p:childTnLst>
+                              <p:par>
+                                <p:cTn id="49" presetID="10" presetClass="entr" presetSubtype="0" fill="hold" grpId="0" nodeType="clickEffect">
+                                  <p:stCondLst>
+                                    <p:cond delay="0"/>
+                                  </p:stCondLst>
+                                  <p:childTnLst>
+                                    <p:set>
+                                      <p:cBhvr>
+                                        <p:cTn id="50" dur="1" fill="hold">
+                                          <p:stCondLst>
+                                            <p:cond delay="0"/>
+                                          </p:stCondLst>
+                                        </p:cTn>
+                                        <p:tgtEl>
+                                          <p:spTgt spid="123"/>
+                                        </p:tgtEl>
+                                        <p:attrNameLst>
+                                          <p:attrName>style.visibility</p:attrName>
+                                        </p:attrNameLst>
+                                      </p:cBhvr>
+                                      <p:to>
+                                        <p:strVal val="visible"/>
+                                      </p:to>
+                                    </p:set>
+                                    <p:animEffect transition="in" filter="fade">
+                                      <p:cBhvr>
+                                        <p:cTn id="51" dur="500"/>
+                                        <p:tgtEl>
+                                          <p:spTgt spid="123"/>
+                                        </p:tgtEl>
+                                      </p:cBhvr>
+                                    </p:animEffect>
+                                  </p:childTnLst>
+                                </p:cTn>
+                              </p:par>
+                            </p:childTnLst>
+                          </p:cTn>
+                        </p:par>
+                      </p:childTnLst>
+                    </p:cTn>
+                  </p:par>
+                  <p:par>
+                    <p:cTn id="52" fill="hold">
+                      <p:stCondLst>
+                        <p:cond delay="indefinite"/>
+                      </p:stCondLst>
+                      <p:childTnLst>
+                        <p:par>
+                          <p:cTn id="53" fill="hold">
+                            <p:stCondLst>
+                              <p:cond delay="0"/>
+                            </p:stCondLst>
+                            <p:childTnLst>
+                              <p:par>
+                                <p:cTn id="54" presetID="10" presetClass="exit" presetSubtype="0" fill="hold" nodeType="clickEffect">
+                                  <p:stCondLst>
+                                    <p:cond delay="0"/>
+                                  </p:stCondLst>
+                                  <p:childTnLst>
+                                    <p:animEffect transition="out" filter="fade">
+                                      <p:cBhvr>
+                                        <p:cTn id="55" dur="500"/>
+                                        <p:tgtEl>
+                                          <p:spTgt spid="92"/>
+                                        </p:tgtEl>
+                                      </p:cBhvr>
+                                    </p:animEffect>
+                                    <p:set>
+                                      <p:cBhvr>
+                                        <p:cTn id="56" dur="1" fill="hold">
+                                          <p:stCondLst>
+                                            <p:cond delay="499"/>
+                                          </p:stCondLst>
+                                        </p:cTn>
+                                        <p:tgtEl>
+                                          <p:spTgt spid="92"/>
+                                        </p:tgtEl>
+                                        <p:attrNameLst>
+                                          <p:attrName>style.visibility</p:attrName>
+                                        </p:attrNameLst>
+                                      </p:cBhvr>
+                                      <p:to>
+                                        <p:strVal val="hidden"/>
+                                      </p:to>
+                                    </p:set>
+                                  </p:childTnLst>
+                                </p:cTn>
+                              </p:par>
+                            </p:childTnLst>
+                          </p:cTn>
+                        </p:par>
+                        <p:par>
+                          <p:cTn id="57" fill="hold">
+                            <p:stCondLst>
+                              <p:cond delay="500"/>
+                            </p:stCondLst>
+                            <p:childTnLst>
+                              <p:par>
+                                <p:cTn id="58" presetID="10" presetClass="entr" presetSubtype="0" fill="hold" nodeType="afterEffect">
+                                  <p:stCondLst>
+                                    <p:cond delay="0"/>
+                                  </p:stCondLst>
+                                  <p:childTnLst>
+                                    <p:set>
+                                      <p:cBhvr>
+                                        <p:cTn id="59" dur="1" fill="hold">
+                                          <p:stCondLst>
+                                            <p:cond delay="0"/>
+                                          </p:stCondLst>
+                                        </p:cTn>
+                                        <p:tgtEl>
+                                          <p:spTgt spid="95"/>
+                                        </p:tgtEl>
+                                        <p:attrNameLst>
+                                          <p:attrName>style.visibility</p:attrName>
+                                        </p:attrNameLst>
+                                      </p:cBhvr>
+                                      <p:to>
+                                        <p:strVal val="visible"/>
+                                      </p:to>
+                                    </p:set>
+                                    <p:animEffect transition="in" filter="fade">
+                                      <p:cBhvr>
+                                        <p:cTn id="60" dur="500"/>
+                                        <p:tgtEl>
+                                          <p:spTgt spid="95"/>
+                                        </p:tgtEl>
+                                      </p:cBhvr>
+                                    </p:animEffect>
+                                  </p:childTnLst>
+                                </p:cTn>
+                              </p:par>
+                              <p:par>
+                                <p:cTn id="61" presetID="10" presetClass="exit" presetSubtype="0" fill="hold" nodeType="withEffect">
+                                  <p:stCondLst>
+                                    <p:cond delay="0"/>
+                                  </p:stCondLst>
+                                  <p:childTnLst>
+                                    <p:animEffect transition="out" filter="fade">
+                                      <p:cBhvr>
+                                        <p:cTn id="62" dur="500"/>
+                                        <p:tgtEl>
+                                          <p:spTgt spid="104"/>
+                                        </p:tgtEl>
+                                      </p:cBhvr>
+                                    </p:animEffect>
+                                    <p:set>
+                                      <p:cBhvr>
+                                        <p:cTn id="63" dur="1" fill="hold">
+                                          <p:stCondLst>
+                                            <p:cond delay="499"/>
+                                          </p:stCondLst>
+                                        </p:cTn>
+                                        <p:tgtEl>
+                                          <p:spTgt spid="104"/>
+                                        </p:tgtEl>
+                                        <p:attrNameLst>
+                                          <p:attrName>style.visibility</p:attrName>
+                                        </p:attrNameLst>
+                                      </p:cBhvr>
+                                      <p:to>
+                                        <p:strVal val="hidden"/>
+                                      </p:to>
+                                    </p:set>
+                                  </p:childTnLst>
+                                </p:cTn>
+                              </p:par>
+                            </p:childTnLst>
+                          </p:cTn>
+                        </p:par>
+                        <p:par>
+                          <p:cTn id="64" fill="hold">
+                            <p:stCondLst>
+                              <p:cond delay="1000"/>
+                            </p:stCondLst>
+                            <p:childTnLst>
+                              <p:par>
+                                <p:cTn id="65" presetID="10" presetClass="entr" presetSubtype="0" fill="hold" nodeType="afterEffect">
+                                  <p:stCondLst>
+                                    <p:cond delay="0"/>
+                                  </p:stCondLst>
+                                  <p:childTnLst>
+                                    <p:set>
+                                      <p:cBhvr>
+                                        <p:cTn id="66" dur="1" fill="hold">
+                                          <p:stCondLst>
+                                            <p:cond delay="0"/>
+                                          </p:stCondLst>
+                                        </p:cTn>
+                                        <p:tgtEl>
+                                          <p:spTgt spid="107"/>
+                                        </p:tgtEl>
+                                        <p:attrNameLst>
+                                          <p:attrName>style.visibility</p:attrName>
+                                        </p:attrNameLst>
+                                      </p:cBhvr>
+                                      <p:to>
+                                        <p:strVal val="visible"/>
+                                      </p:to>
+                                    </p:set>
+                                    <p:animEffect transition="in" filter="fade">
+                                      <p:cBhvr>
+                                        <p:cTn id="67" dur="500"/>
+                                        <p:tgtEl>
+                                          <p:spTgt spid="107"/>
+                                        </p:tgtEl>
+                                      </p:cBhvr>
+                                    </p:animEffect>
+                                  </p:childTnLst>
+                                </p:cTn>
+                              </p:par>
+                            </p:childTnLst>
+                          </p:cTn>
+                        </p:par>
+                      </p:childTnLst>
+                    </p:cTn>
+                  </p:par>
+                  <p:par>
+                    <p:cTn id="68" fill="hold">
+                      <p:stCondLst>
+                        <p:cond delay="indefinite"/>
+                      </p:stCondLst>
+                      <p:childTnLst>
+                        <p:par>
+                          <p:cTn id="69" fill="hold">
+                            <p:stCondLst>
+                              <p:cond delay="0"/>
+                            </p:stCondLst>
+                            <p:childTnLst>
+                              <p:par>
+                                <p:cTn id="70" presetID="10" presetClass="entr" presetSubtype="0" fill="hold" grpId="0" nodeType="clickEffect">
+                                  <p:stCondLst>
+                                    <p:cond delay="0"/>
+                                  </p:stCondLst>
+                                  <p:childTnLst>
+                                    <p:set>
+                                      <p:cBhvr>
+                                        <p:cTn id="71" dur="1" fill="hold">
+                                          <p:stCondLst>
+                                            <p:cond delay="0"/>
+                                          </p:stCondLst>
+                                        </p:cTn>
+                                        <p:tgtEl>
+                                          <p:spTgt spid="135"/>
+                                        </p:tgtEl>
+                                        <p:attrNameLst>
+                                          <p:attrName>style.visibility</p:attrName>
+                                        </p:attrNameLst>
+                                      </p:cBhvr>
+                                      <p:to>
+                                        <p:strVal val="visible"/>
+                                      </p:to>
+                                    </p:set>
+                                    <p:animEffect transition="in" filter="fade">
+                                      <p:cBhvr>
+                                        <p:cTn id="72" dur="500"/>
+                                        <p:tgtEl>
+                                          <p:spTgt spid="135"/>
+                                        </p:tgtEl>
+                                      </p:cBhvr>
+                                    </p:animEffect>
+                                  </p:childTnLst>
+                                </p:cTn>
+                              </p:par>
+                            </p:childTnLst>
+                          </p:cTn>
+                        </p:par>
+                      </p:childTnLst>
+                    </p:cTn>
+                  </p:par>
+                  <p:par>
+                    <p:cTn id="73" fill="hold">
+                      <p:stCondLst>
+                        <p:cond delay="indefinite"/>
+                      </p:stCondLst>
+                      <p:childTnLst>
+                        <p:par>
+                          <p:cTn id="74" fill="hold">
+                            <p:stCondLst>
+                              <p:cond delay="0"/>
+                            </p:stCondLst>
+                            <p:childTnLst>
+                              <p:par>
+                                <p:cTn id="75" presetID="10" presetClass="entr" presetSubtype="0" fill="hold" grpId="0" nodeType="clickEffect">
+                                  <p:stCondLst>
+                                    <p:cond delay="0"/>
+                                  </p:stCondLst>
+                                  <p:childTnLst>
+                                    <p:set>
+                                      <p:cBhvr>
+                                        <p:cTn id="76" dur="1" fill="hold">
+                                          <p:stCondLst>
+                                            <p:cond delay="0"/>
+                                          </p:stCondLst>
+                                        </p:cTn>
+                                        <p:tgtEl>
+                                          <p:spTgt spid="132"/>
+                                        </p:tgtEl>
+                                        <p:attrNameLst>
+                                          <p:attrName>style.visibility</p:attrName>
+                                        </p:attrNameLst>
+                                      </p:cBhvr>
+                                      <p:to>
+                                        <p:strVal val="visible"/>
+                                      </p:to>
+                                    </p:set>
+                                    <p:animEffect transition="in" filter="fade">
+                                      <p:cBhvr>
+                                        <p:cTn id="77" dur="500"/>
+                                        <p:tgtEl>
+                                          <p:spTgt spid="132"/>
+                                        </p:tgtEl>
+                                      </p:cBhvr>
+                                    </p:animEffect>
+                                  </p:childTnLst>
+                                </p:cTn>
+                              </p:par>
+                            </p:childTnLst>
+                          </p:cTn>
+                        </p:par>
+                      </p:childTnLst>
+                    </p:cTn>
+                  </p:par>
+                  <p:par>
+                    <p:cTn id="78" fill="hold">
+                      <p:stCondLst>
+                        <p:cond delay="indefinite"/>
+                      </p:stCondLst>
+                      <p:childTnLst>
+                        <p:par>
+                          <p:cTn id="79" fill="hold">
+                            <p:stCondLst>
+                              <p:cond delay="0"/>
+                            </p:stCondLst>
+                            <p:childTnLst>
+                              <p:par>
+                                <p:cTn id="80" presetID="10" presetClass="entr" presetSubtype="0" fill="hold" grpId="0" nodeType="clickEffect">
+                                  <p:stCondLst>
+                                    <p:cond delay="0"/>
+                                  </p:stCondLst>
+                                  <p:childTnLst>
+                                    <p:set>
+                                      <p:cBhvr>
+                                        <p:cTn id="81" dur="1" fill="hold">
+                                          <p:stCondLst>
+                                            <p:cond delay="0"/>
+                                          </p:stCondLst>
+                                        </p:cTn>
+                                        <p:tgtEl>
+                                          <p:spTgt spid="122"/>
+                                        </p:tgtEl>
+                                        <p:attrNameLst>
+                                          <p:attrName>style.visibility</p:attrName>
+                                        </p:attrNameLst>
+                                      </p:cBhvr>
+                                      <p:to>
+                                        <p:strVal val="visible"/>
+                                      </p:to>
+                                    </p:set>
+                                    <p:animEffect transition="in" filter="fade">
+                                      <p:cBhvr>
+                                        <p:cTn id="82" dur="500"/>
+                                        <p:tgtEl>
+                                          <p:spTgt spid="122"/>
+                                        </p:tgtEl>
+                                      </p:cBhvr>
+                                    </p:animEffect>
+                                  </p:childTnLst>
+                                </p:cTn>
+                              </p:par>
+                            </p:childTnLst>
+                          </p:cTn>
+                        </p:par>
+                      </p:childTnLst>
+                    </p:cTn>
+                  </p:par>
+                  <p:par>
+                    <p:cTn id="83" fill="hold">
+                      <p:stCondLst>
+                        <p:cond delay="indefinite"/>
+                      </p:stCondLst>
+                      <p:childTnLst>
+                        <p:par>
+                          <p:cTn id="84" fill="hold">
+                            <p:stCondLst>
+                              <p:cond delay="0"/>
+                            </p:stCondLst>
+                            <p:childTnLst>
+                              <p:par>
+                                <p:cTn id="85" presetID="10" presetClass="exit" presetSubtype="0" fill="hold" nodeType="clickEffect">
+                                  <p:stCondLst>
+                                    <p:cond delay="0"/>
+                                  </p:stCondLst>
+                                  <p:childTnLst>
+                                    <p:animEffect transition="out" filter="fade">
+                                      <p:cBhvr>
+                                        <p:cTn id="86" dur="500"/>
+                                        <p:tgtEl>
+                                          <p:spTgt spid="95"/>
+                                        </p:tgtEl>
+                                      </p:cBhvr>
+                                    </p:animEffect>
+                                    <p:set>
+                                      <p:cBhvr>
+                                        <p:cTn id="87" dur="1" fill="hold">
+                                          <p:stCondLst>
+                                            <p:cond delay="499"/>
+                                          </p:stCondLst>
+                                        </p:cTn>
+                                        <p:tgtEl>
+                                          <p:spTgt spid="95"/>
+                                        </p:tgtEl>
+                                        <p:attrNameLst>
+                                          <p:attrName>style.visibility</p:attrName>
+                                        </p:attrNameLst>
+                                      </p:cBhvr>
+                                      <p:to>
+                                        <p:strVal val="hidden"/>
+                                      </p:to>
+                                    </p:set>
+                                  </p:childTnLst>
+                                </p:cTn>
+                              </p:par>
+                            </p:childTnLst>
+                          </p:cTn>
+                        </p:par>
+                        <p:par>
+                          <p:cTn id="88" fill="hold">
+                            <p:stCondLst>
+                              <p:cond delay="500"/>
+                            </p:stCondLst>
+                            <p:childTnLst>
+                              <p:par>
+                                <p:cTn id="89" presetID="10" presetClass="entr" presetSubtype="0" fill="hold" nodeType="afterEffect">
+                                  <p:stCondLst>
+                                    <p:cond delay="0"/>
+                                  </p:stCondLst>
+                                  <p:childTnLst>
+                                    <p:set>
+                                      <p:cBhvr>
+                                        <p:cTn id="90" dur="1" fill="hold">
+                                          <p:stCondLst>
+                                            <p:cond delay="0"/>
+                                          </p:stCondLst>
+                                        </p:cTn>
+                                        <p:tgtEl>
+                                          <p:spTgt spid="98"/>
+                                        </p:tgtEl>
+                                        <p:attrNameLst>
+                                          <p:attrName>style.visibility</p:attrName>
+                                        </p:attrNameLst>
+                                      </p:cBhvr>
+                                      <p:to>
+                                        <p:strVal val="visible"/>
+                                      </p:to>
+                                    </p:set>
+                                    <p:animEffect transition="in" filter="fade">
+                                      <p:cBhvr>
+                                        <p:cTn id="91" dur="500"/>
+                                        <p:tgtEl>
+                                          <p:spTgt spid="98"/>
+                                        </p:tgtEl>
+                                      </p:cBhvr>
+                                    </p:animEffect>
+                                  </p:childTnLst>
+                                </p:cTn>
+                              </p:par>
+                              <p:par>
+                                <p:cTn id="92" presetID="10" presetClass="exit" presetSubtype="0" fill="hold" nodeType="withEffect">
+                                  <p:stCondLst>
+                                    <p:cond delay="0"/>
+                                  </p:stCondLst>
+                                  <p:childTnLst>
+                                    <p:animEffect transition="out" filter="fade">
+                                      <p:cBhvr>
+                                        <p:cTn id="93" dur="500"/>
+                                        <p:tgtEl>
+                                          <p:spTgt spid="107"/>
+                                        </p:tgtEl>
+                                      </p:cBhvr>
+                                    </p:animEffect>
+                                    <p:set>
+                                      <p:cBhvr>
+                                        <p:cTn id="94" dur="1" fill="hold">
+                                          <p:stCondLst>
+                                            <p:cond delay="499"/>
+                                          </p:stCondLst>
+                                        </p:cTn>
+                                        <p:tgtEl>
+                                          <p:spTgt spid="107"/>
+                                        </p:tgtEl>
+                                        <p:attrNameLst>
+                                          <p:attrName>style.visibility</p:attrName>
+                                        </p:attrNameLst>
+                                      </p:cBhvr>
+                                      <p:to>
+                                        <p:strVal val="hidden"/>
+                                      </p:to>
+                                    </p:set>
+                                  </p:childTnLst>
+                                </p:cTn>
+                              </p:par>
+                            </p:childTnLst>
+                          </p:cTn>
+                        </p:par>
+                        <p:par>
+                          <p:cTn id="95" fill="hold">
+                            <p:stCondLst>
+                              <p:cond delay="1000"/>
+                            </p:stCondLst>
+                            <p:childTnLst>
+                              <p:par>
+                                <p:cTn id="96" presetID="10" presetClass="entr" presetSubtype="0" fill="hold" nodeType="afterEffect">
+                                  <p:stCondLst>
+                                    <p:cond delay="0"/>
+                                  </p:stCondLst>
+                                  <p:childTnLst>
+                                    <p:set>
+                                      <p:cBhvr>
+                                        <p:cTn id="97" dur="1" fill="hold">
+                                          <p:stCondLst>
+                                            <p:cond delay="0"/>
+                                          </p:stCondLst>
+                                        </p:cTn>
+                                        <p:tgtEl>
+                                          <p:spTgt spid="110"/>
+                                        </p:tgtEl>
+                                        <p:attrNameLst>
+                                          <p:attrName>style.visibility</p:attrName>
+                                        </p:attrNameLst>
+                                      </p:cBhvr>
+                                      <p:to>
+                                        <p:strVal val="visible"/>
+                                      </p:to>
+                                    </p:set>
+                                    <p:animEffect transition="in" filter="fade">
+                                      <p:cBhvr>
+                                        <p:cTn id="98" dur="500"/>
+                                        <p:tgtEl>
+                                          <p:spTgt spid="110"/>
+                                        </p:tgtEl>
+                                      </p:cBhvr>
+                                    </p:animEffect>
+                                  </p:childTnLst>
+                                </p:cTn>
+                              </p:par>
+                            </p:childTnLst>
+                          </p:cTn>
+                        </p:par>
+                      </p:childTnLst>
+                    </p:cTn>
+                  </p:par>
+                  <p:par>
+                    <p:cTn id="99" fill="hold">
+                      <p:stCondLst>
+                        <p:cond delay="indefinite"/>
+                      </p:stCondLst>
+                      <p:childTnLst>
+                        <p:par>
+                          <p:cTn id="100" fill="hold">
+                            <p:stCondLst>
+                              <p:cond delay="0"/>
+                            </p:stCondLst>
+                            <p:childTnLst>
+                              <p:par>
+                                <p:cTn id="101" presetID="10" presetClass="entr" presetSubtype="0" fill="hold" grpId="0" nodeType="clickEffect">
+                                  <p:stCondLst>
+                                    <p:cond delay="0"/>
+                                  </p:stCondLst>
+                                  <p:childTnLst>
+                                    <p:set>
+                                      <p:cBhvr>
+                                        <p:cTn id="102" dur="1" fill="hold">
+                                          <p:stCondLst>
+                                            <p:cond delay="0"/>
+                                          </p:stCondLst>
+                                        </p:cTn>
+                                        <p:tgtEl>
+                                          <p:spTgt spid="130"/>
+                                        </p:tgtEl>
+                                        <p:attrNameLst>
+                                          <p:attrName>style.visibility</p:attrName>
+                                        </p:attrNameLst>
+                                      </p:cBhvr>
+                                      <p:to>
+                                        <p:strVal val="visible"/>
+                                      </p:to>
+                                    </p:set>
+                                    <p:animEffect transition="in" filter="fade">
+                                      <p:cBhvr>
+                                        <p:cTn id="103" dur="500"/>
+                                        <p:tgtEl>
+                                          <p:spTgt spid="130"/>
+                                        </p:tgtEl>
+                                      </p:cBhvr>
+                                    </p:animEffect>
+                                  </p:childTnLst>
+                                </p:cTn>
+                              </p:par>
+                            </p:childTnLst>
+                          </p:cTn>
+                        </p:par>
+                      </p:childTnLst>
+                    </p:cTn>
+                  </p:par>
+                  <p:par>
+                    <p:cTn id="104" fill="hold">
+                      <p:stCondLst>
+                        <p:cond delay="indefinite"/>
+                      </p:stCondLst>
+                      <p:childTnLst>
+                        <p:par>
+                          <p:cTn id="105" fill="hold">
+                            <p:stCondLst>
+                              <p:cond delay="0"/>
+                            </p:stCondLst>
+                            <p:childTnLst>
+                              <p:par>
+                                <p:cTn id="106" presetID="10" presetClass="entr" presetSubtype="0" fill="hold" grpId="0" nodeType="clickEffect">
+                                  <p:stCondLst>
+                                    <p:cond delay="0"/>
+                                  </p:stCondLst>
+                                  <p:childTnLst>
+                                    <p:set>
+                                      <p:cBhvr>
+                                        <p:cTn id="107" dur="1" fill="hold">
+                                          <p:stCondLst>
+                                            <p:cond delay="0"/>
+                                          </p:stCondLst>
+                                        </p:cTn>
+                                        <p:tgtEl>
+                                          <p:spTgt spid="133"/>
+                                        </p:tgtEl>
+                                        <p:attrNameLst>
+                                          <p:attrName>style.visibility</p:attrName>
+                                        </p:attrNameLst>
+                                      </p:cBhvr>
+                                      <p:to>
+                                        <p:strVal val="visible"/>
+                                      </p:to>
+                                    </p:set>
+                                    <p:animEffect transition="in" filter="fade">
+                                      <p:cBhvr>
+                                        <p:cTn id="108" dur="500"/>
+                                        <p:tgtEl>
+                                          <p:spTgt spid="133"/>
+                                        </p:tgtEl>
+                                      </p:cBhvr>
+                                    </p:animEffect>
+                                  </p:childTnLst>
+                                </p:cTn>
+                              </p:par>
+                            </p:childTnLst>
+                          </p:cTn>
+                        </p:par>
+                      </p:childTnLst>
+                    </p:cTn>
+                  </p:par>
+                  <p:par>
+                    <p:cTn id="109" fill="hold">
+                      <p:stCondLst>
+                        <p:cond delay="indefinite"/>
+                      </p:stCondLst>
+                      <p:childTnLst>
+                        <p:par>
+                          <p:cTn id="110" fill="hold">
+                            <p:stCondLst>
+                              <p:cond delay="0"/>
+                            </p:stCondLst>
+                            <p:childTnLst>
+                              <p:par>
+                                <p:cTn id="111" presetID="10" presetClass="entr" presetSubtype="0" fill="hold" grpId="0" nodeType="clickEffect">
+                                  <p:stCondLst>
+                                    <p:cond delay="0"/>
+                                  </p:stCondLst>
+                                  <p:childTnLst>
+                                    <p:set>
+                                      <p:cBhvr>
+                                        <p:cTn id="112" dur="1" fill="hold">
+                                          <p:stCondLst>
+                                            <p:cond delay="0"/>
+                                          </p:stCondLst>
+                                        </p:cTn>
+                                        <p:tgtEl>
+                                          <p:spTgt spid="127"/>
+                                        </p:tgtEl>
+                                        <p:attrNameLst>
+                                          <p:attrName>style.visibility</p:attrName>
+                                        </p:attrNameLst>
+                                      </p:cBhvr>
+                                      <p:to>
+                                        <p:strVal val="visible"/>
+                                      </p:to>
+                                    </p:set>
+                                    <p:animEffect transition="in" filter="fade">
+                                      <p:cBhvr>
+                                        <p:cTn id="113" dur="500"/>
+                                        <p:tgtEl>
+                                          <p:spTgt spid="127"/>
+                                        </p:tgtEl>
+                                      </p:cBhvr>
+                                    </p:animEffect>
+                                  </p:childTnLst>
+                                </p:cTn>
+                              </p:par>
+                            </p:childTnLst>
+                          </p:cTn>
+                        </p:par>
+                      </p:childTnLst>
+                    </p:cTn>
+                  </p:par>
+                  <p:par>
+                    <p:cTn id="114" fill="hold">
+                      <p:stCondLst>
+                        <p:cond delay="indefinite"/>
+                      </p:stCondLst>
+                      <p:childTnLst>
+                        <p:par>
+                          <p:cTn id="115" fill="hold">
+                            <p:stCondLst>
+                              <p:cond delay="0"/>
+                            </p:stCondLst>
+                            <p:childTnLst>
+                              <p:par>
+                                <p:cTn id="116" presetID="10" presetClass="entr" presetSubtype="0" fill="hold" grpId="0" nodeType="clickEffect">
+                                  <p:stCondLst>
+                                    <p:cond delay="0"/>
+                                  </p:stCondLst>
+                                  <p:childTnLst>
+                                    <p:set>
+                                      <p:cBhvr>
+                                        <p:cTn id="117" dur="1" fill="hold">
+                                          <p:stCondLst>
+                                            <p:cond delay="0"/>
+                                          </p:stCondLst>
+                                        </p:cTn>
+                                        <p:tgtEl>
+                                          <p:spTgt spid="121"/>
+                                        </p:tgtEl>
+                                        <p:attrNameLst>
+                                          <p:attrName>style.visibility</p:attrName>
+                                        </p:attrNameLst>
+                                      </p:cBhvr>
+                                      <p:to>
+                                        <p:strVal val="visible"/>
+                                      </p:to>
+                                    </p:set>
+                                    <p:animEffect transition="in" filter="fade">
+                                      <p:cBhvr>
+                                        <p:cTn id="118" dur="500"/>
+                                        <p:tgtEl>
+                                          <p:spTgt spid="121"/>
+                                        </p:tgtEl>
+                                      </p:cBhvr>
+                                    </p:animEffect>
+                                  </p:childTnLst>
+                                </p:cTn>
+                              </p:par>
+                            </p:childTnLst>
+                          </p:cTn>
+                        </p:par>
+                      </p:childTnLst>
+                    </p:cTn>
+                  </p:par>
+                  <p:par>
+                    <p:cTn id="119" fill="hold">
+                      <p:stCondLst>
+                        <p:cond delay="indefinite"/>
+                      </p:stCondLst>
+                      <p:childTnLst>
+                        <p:par>
+                          <p:cTn id="120" fill="hold">
+                            <p:stCondLst>
+                              <p:cond delay="0"/>
+                            </p:stCondLst>
+                            <p:childTnLst>
+                              <p:par>
+                                <p:cTn id="121" presetID="10" presetClass="exit" presetSubtype="0" fill="hold" nodeType="clickEffect">
+                                  <p:stCondLst>
+                                    <p:cond delay="0"/>
+                                  </p:stCondLst>
+                                  <p:childTnLst>
+                                    <p:animEffect transition="out" filter="fade">
+                                      <p:cBhvr>
+                                        <p:cTn id="122" dur="500"/>
+                                        <p:tgtEl>
+                                          <p:spTgt spid="98"/>
+                                        </p:tgtEl>
+                                      </p:cBhvr>
+                                    </p:animEffect>
+                                    <p:set>
+                                      <p:cBhvr>
+                                        <p:cTn id="123" dur="1" fill="hold">
+                                          <p:stCondLst>
+                                            <p:cond delay="499"/>
+                                          </p:stCondLst>
+                                        </p:cTn>
+                                        <p:tgtEl>
+                                          <p:spTgt spid="98"/>
+                                        </p:tgtEl>
+                                        <p:attrNameLst>
+                                          <p:attrName>style.visibility</p:attrName>
+                                        </p:attrNameLst>
+                                      </p:cBhvr>
+                                      <p:to>
+                                        <p:strVal val="hidden"/>
+                                      </p:to>
+                                    </p:set>
+                                  </p:childTnLst>
+                                </p:cTn>
+                              </p:par>
+                            </p:childTnLst>
+                          </p:cTn>
+                        </p:par>
+                        <p:par>
+                          <p:cTn id="124" fill="hold">
+                            <p:stCondLst>
+                              <p:cond delay="500"/>
+                            </p:stCondLst>
+                            <p:childTnLst>
+                              <p:par>
+                                <p:cTn id="125" presetID="10" presetClass="entr" presetSubtype="0" fill="hold" nodeType="afterEffect">
+                                  <p:stCondLst>
+                                    <p:cond delay="0"/>
+                                  </p:stCondLst>
+                                  <p:childTnLst>
+                                    <p:set>
+                                      <p:cBhvr>
+                                        <p:cTn id="126" dur="1" fill="hold">
+                                          <p:stCondLst>
+                                            <p:cond delay="0"/>
+                                          </p:stCondLst>
+                                        </p:cTn>
+                                        <p:tgtEl>
+                                          <p:spTgt spid="101"/>
+                                        </p:tgtEl>
+                                        <p:attrNameLst>
+                                          <p:attrName>style.visibility</p:attrName>
+                                        </p:attrNameLst>
+                                      </p:cBhvr>
+                                      <p:to>
+                                        <p:strVal val="visible"/>
+                                      </p:to>
+                                    </p:set>
+                                    <p:animEffect transition="in" filter="fade">
+                                      <p:cBhvr>
+                                        <p:cTn id="127" dur="500"/>
+                                        <p:tgtEl>
+                                          <p:spTgt spid="101"/>
+                                        </p:tgtEl>
+                                      </p:cBhvr>
+                                    </p:animEffect>
+                                  </p:childTnLst>
+                                </p:cTn>
+                              </p:par>
+                              <p:par>
+                                <p:cTn id="128" presetID="10" presetClass="exit" presetSubtype="0" fill="hold" nodeType="withEffect">
+                                  <p:stCondLst>
+                                    <p:cond delay="0"/>
+                                  </p:stCondLst>
+                                  <p:childTnLst>
+                                    <p:animEffect transition="out" filter="fade">
+                                      <p:cBhvr>
+                                        <p:cTn id="129" dur="500"/>
+                                        <p:tgtEl>
+                                          <p:spTgt spid="110"/>
+                                        </p:tgtEl>
+                                      </p:cBhvr>
+                                    </p:animEffect>
+                                    <p:set>
+                                      <p:cBhvr>
+                                        <p:cTn id="130" dur="1" fill="hold">
+                                          <p:stCondLst>
+                                            <p:cond delay="499"/>
+                                          </p:stCondLst>
+                                        </p:cTn>
+                                        <p:tgtEl>
+                                          <p:spTgt spid="110"/>
+                                        </p:tgtEl>
+                                        <p:attrNameLst>
+                                          <p:attrName>style.visibility</p:attrName>
+                                        </p:attrNameLst>
+                                      </p:cBhvr>
+                                      <p:to>
+                                        <p:strVal val="hidden"/>
+                                      </p:to>
+                                    </p:set>
+                                  </p:childTnLst>
+                                </p:cTn>
+                              </p:par>
+                            </p:childTnLst>
+                          </p:cTn>
+                        </p:par>
+                        <p:par>
+                          <p:cTn id="131" fill="hold">
+                            <p:stCondLst>
+                              <p:cond delay="1000"/>
+                            </p:stCondLst>
+                            <p:childTnLst>
+                              <p:par>
+                                <p:cTn id="132" presetID="10" presetClass="entr" presetSubtype="0" fill="hold" nodeType="afterEffect">
+                                  <p:stCondLst>
+                                    <p:cond delay="0"/>
+                                  </p:stCondLst>
+                                  <p:childTnLst>
+                                    <p:set>
+                                      <p:cBhvr>
+                                        <p:cTn id="133" dur="1" fill="hold">
+                                          <p:stCondLst>
+                                            <p:cond delay="0"/>
+                                          </p:stCondLst>
+                                        </p:cTn>
+                                        <p:tgtEl>
+                                          <p:spTgt spid="113"/>
+                                        </p:tgtEl>
+                                        <p:attrNameLst>
+                                          <p:attrName>style.visibility</p:attrName>
+                                        </p:attrNameLst>
+                                      </p:cBhvr>
+                                      <p:to>
+                                        <p:strVal val="visible"/>
+                                      </p:to>
+                                    </p:set>
+                                    <p:animEffect transition="in" filter="fade">
+                                      <p:cBhvr>
+                                        <p:cTn id="134" dur="500"/>
+                                        <p:tgtEl>
+                                          <p:spTgt spid="113"/>
+                                        </p:tgtEl>
+                                      </p:cBhvr>
+                                    </p:animEffect>
+                                  </p:childTnLst>
+                                </p:cTn>
+                              </p:par>
+                            </p:childTnLst>
+                          </p:cTn>
+                        </p:par>
+                      </p:childTnLst>
+                    </p:cTn>
+                  </p:par>
+                  <p:par>
+                    <p:cTn id="135" fill="hold">
+                      <p:stCondLst>
+                        <p:cond delay="indefinite"/>
+                      </p:stCondLst>
+                      <p:childTnLst>
+                        <p:par>
+                          <p:cTn id="136" fill="hold">
+                            <p:stCondLst>
+                              <p:cond delay="0"/>
+                            </p:stCondLst>
+                            <p:childTnLst>
+                              <p:par>
+                                <p:cTn id="137" presetID="10" presetClass="entr" presetSubtype="0" fill="hold" grpId="0" nodeType="clickEffect">
+                                  <p:stCondLst>
+                                    <p:cond delay="0"/>
+                                  </p:stCondLst>
+                                  <p:childTnLst>
+                                    <p:set>
+                                      <p:cBhvr>
+                                        <p:cTn id="138" dur="1" fill="hold">
+                                          <p:stCondLst>
+                                            <p:cond delay="0"/>
+                                          </p:stCondLst>
+                                        </p:cTn>
+                                        <p:tgtEl>
+                                          <p:spTgt spid="131"/>
+                                        </p:tgtEl>
+                                        <p:attrNameLst>
+                                          <p:attrName>style.visibility</p:attrName>
+                                        </p:attrNameLst>
+                                      </p:cBhvr>
+                                      <p:to>
+                                        <p:strVal val="visible"/>
+                                      </p:to>
+                                    </p:set>
+                                    <p:animEffect transition="in" filter="fade">
+                                      <p:cBhvr>
+                                        <p:cTn id="139" dur="500"/>
+                                        <p:tgtEl>
+                                          <p:spTgt spid="131"/>
+                                        </p:tgtEl>
+                                      </p:cBhvr>
+                                    </p:animEffect>
+                                  </p:childTnLst>
+                                </p:cTn>
+                              </p:par>
+                            </p:childTnLst>
+                          </p:cTn>
+                        </p:par>
+                      </p:childTnLst>
+                    </p:cTn>
+                  </p:par>
+                  <p:par>
+                    <p:cTn id="140" fill="hold">
+                      <p:stCondLst>
+                        <p:cond delay="indefinite"/>
+                      </p:stCondLst>
+                      <p:childTnLst>
+                        <p:par>
+                          <p:cTn id="141" fill="hold">
+                            <p:stCondLst>
+                              <p:cond delay="0"/>
+                            </p:stCondLst>
+                            <p:childTnLst>
+                              <p:par>
+                                <p:cTn id="142" presetID="10" presetClass="entr" presetSubtype="0" fill="hold" grpId="0" nodeType="clickEffect">
+                                  <p:stCondLst>
+                                    <p:cond delay="0"/>
+                                  </p:stCondLst>
+                                  <p:childTnLst>
+                                    <p:set>
+                                      <p:cBhvr>
+                                        <p:cTn id="143" dur="1" fill="hold">
+                                          <p:stCondLst>
+                                            <p:cond delay="0"/>
+                                          </p:stCondLst>
+                                        </p:cTn>
+                                        <p:tgtEl>
+                                          <p:spTgt spid="134"/>
+                                        </p:tgtEl>
+                                        <p:attrNameLst>
+                                          <p:attrName>style.visibility</p:attrName>
+                                        </p:attrNameLst>
+                                      </p:cBhvr>
+                                      <p:to>
+                                        <p:strVal val="visible"/>
+                                      </p:to>
+                                    </p:set>
+                                    <p:animEffect transition="in" filter="fade">
+                                      <p:cBhvr>
+                                        <p:cTn id="144" dur="500"/>
+                                        <p:tgtEl>
+                                          <p:spTgt spid="134"/>
+                                        </p:tgtEl>
+                                      </p:cBhvr>
+                                    </p:animEffect>
+                                  </p:childTnLst>
+                                </p:cTn>
+                              </p:par>
+                            </p:childTnLst>
+                          </p:cTn>
+                        </p:par>
+                      </p:childTnLst>
+                    </p:cTn>
+                  </p:par>
+                  <p:par>
+                    <p:cTn id="145" fill="hold">
+                      <p:stCondLst>
+                        <p:cond delay="indefinite"/>
+                      </p:stCondLst>
+                      <p:childTnLst>
+                        <p:par>
+                          <p:cTn id="146" fill="hold">
+                            <p:stCondLst>
+                              <p:cond delay="0"/>
+                            </p:stCondLst>
+                            <p:childTnLst>
+                              <p:par>
+                                <p:cTn id="147" presetID="10" presetClass="entr" presetSubtype="0" fill="hold" grpId="0" nodeType="clickEffect">
+                                  <p:stCondLst>
+                                    <p:cond delay="0"/>
+                                  </p:stCondLst>
+                                  <p:childTnLst>
+                                    <p:set>
+                                      <p:cBhvr>
+                                        <p:cTn id="148" dur="1" fill="hold">
+                                          <p:stCondLst>
+                                            <p:cond delay="0"/>
+                                          </p:stCondLst>
+                                        </p:cTn>
+                                        <p:tgtEl>
+                                          <p:spTgt spid="126"/>
+                                        </p:tgtEl>
+                                        <p:attrNameLst>
+                                          <p:attrName>style.visibility</p:attrName>
+                                        </p:attrNameLst>
+                                      </p:cBhvr>
+                                      <p:to>
+                                        <p:strVal val="visible"/>
+                                      </p:to>
+                                    </p:set>
+                                    <p:animEffect transition="in" filter="fade">
+                                      <p:cBhvr>
+                                        <p:cTn id="149" dur="500"/>
+                                        <p:tgtEl>
+                                          <p:spTgt spid="126"/>
+                                        </p:tgtEl>
+                                      </p:cBhvr>
+                                    </p:animEffect>
+                                  </p:childTnLst>
+                                </p:cTn>
+                              </p:par>
+                            </p:childTnLst>
+                          </p:cTn>
+                        </p:par>
+                      </p:childTnLst>
+                    </p:cTn>
+                  </p:par>
+                  <p:par>
+                    <p:cTn id="150" fill="hold">
+                      <p:stCondLst>
+                        <p:cond delay="indefinite"/>
+                      </p:stCondLst>
+                      <p:childTnLst>
+                        <p:par>
+                          <p:cTn id="151" fill="hold">
+                            <p:stCondLst>
+                              <p:cond delay="0"/>
+                            </p:stCondLst>
+                            <p:childTnLst>
+                              <p:par>
+                                <p:cTn id="152" presetID="10" presetClass="entr" presetSubtype="0" fill="hold" grpId="0" nodeType="clickEffect">
+                                  <p:stCondLst>
+                                    <p:cond delay="0"/>
+                                  </p:stCondLst>
+                                  <p:childTnLst>
+                                    <p:set>
+                                      <p:cBhvr>
+                                        <p:cTn id="153" dur="1" fill="hold">
+                                          <p:stCondLst>
+                                            <p:cond delay="0"/>
+                                          </p:stCondLst>
+                                        </p:cTn>
+                                        <p:tgtEl>
+                                          <p:spTgt spid="125"/>
+                                        </p:tgtEl>
+                                        <p:attrNameLst>
+                                          <p:attrName>style.visibility</p:attrName>
+                                        </p:attrNameLst>
+                                      </p:cBhvr>
+                                      <p:to>
+                                        <p:strVal val="visible"/>
+                                      </p:to>
+                                    </p:set>
+                                    <p:animEffect transition="in" filter="fade">
+                                      <p:cBhvr>
+                                        <p:cTn id="154" dur="500"/>
+                                        <p:tgtEl>
+                                          <p:spTgt spid="125"/>
+                                        </p:tgtEl>
+                                      </p:cBhvr>
+                                    </p:animEffect>
+                                  </p:childTnLst>
+                                </p:cTn>
+                              </p:par>
+                            </p:childTnLst>
+                          </p:cTn>
+                        </p:par>
+                      </p:childTnLst>
+                    </p:cTn>
+                  </p:par>
+                  <p:par>
+                    <p:cTn id="155" fill="hold">
+                      <p:stCondLst>
+                        <p:cond delay="indefinite"/>
+                      </p:stCondLst>
+                      <p:childTnLst>
+                        <p:par>
+                          <p:cTn id="156" fill="hold">
+                            <p:stCondLst>
+                              <p:cond delay="0"/>
+                            </p:stCondLst>
+                            <p:childTnLst>
+                              <p:par>
+                                <p:cTn id="157" presetID="10" presetClass="entr" presetSubtype="0" fill="hold" grpId="0" nodeType="clickEffect">
+                                  <p:stCondLst>
+                                    <p:cond delay="0"/>
+                                  </p:stCondLst>
+                                  <p:childTnLst>
+                                    <p:set>
+                                      <p:cBhvr>
+                                        <p:cTn id="158" dur="1" fill="hold">
+                                          <p:stCondLst>
+                                            <p:cond delay="0"/>
+                                          </p:stCondLst>
+                                        </p:cTn>
+                                        <p:tgtEl>
+                                          <p:spTgt spid="119"/>
+                                        </p:tgtEl>
+                                        <p:attrNameLst>
+                                          <p:attrName>style.visibility</p:attrName>
+                                        </p:attrNameLst>
+                                      </p:cBhvr>
+                                      <p:to>
+                                        <p:strVal val="visible"/>
+                                      </p:to>
+                                    </p:set>
+                                    <p:animEffect transition="in" filter="fade">
+                                      <p:cBhvr>
+                                        <p:cTn id="159" dur="500"/>
+                                        <p:tgtEl>
+                                          <p:spTgt spid="119"/>
+                                        </p:tgtEl>
+                                      </p:cBhvr>
+                                    </p:animEffect>
+                                  </p:childTnLst>
+                                </p:cTn>
+                              </p:par>
+                            </p:childTnLst>
+                          </p:cTn>
+                        </p:par>
+                      </p:childTnLst>
+                    </p:cTn>
+                  </p:par>
+                </p:childTnLst>
+              </p:cTn>
+              <p:prevCondLst>
+                <p:cond evt="onPrev" delay="0">
+                  <p:tgtEl>
+                    <p:sldTgt/>
+                  </p:tgtEl>
+                </p:cond>
+              </p:prevCondLst>
+              <p:nextCondLst>
+                <p:cond evt="onNext" delay="0">
+                  <p:tgtEl>
+                    <p:sldTgt/>
+                  </p:tgtEl>
+                </p:cond>
+              </p:nextCondLst>
+            </p:seq>
+          </p:childTnLst>
+        </p:cTn>
+      </p:par>
+    </p:tnLst>
+    <p:bldLst>
+      <p:bldP spid="124" grpId="0"/>
+      <p:bldP spid="120" grpId="0"/>
+      <p:bldP spid="123" grpId="0"/>
+      <p:bldP spid="135" grpId="0"/>
+      <p:bldP spid="132" grpId="0"/>
+      <p:bldP spid="122" grpId="0"/>
+      <p:bldP spid="130" grpId="0"/>
+      <p:bldP spid="133" grpId="0"/>
+      <p:bldP spid="127" grpId="0"/>
+      <p:bldP spid="121" grpId="0"/>
+      <p:bldP spid="125" grpId="0"/>
+      <p:bldP spid="126" grpId="0"/>
+      <p:bldP spid="131" grpId="0"/>
+      <p:bldP spid="134" grpId="0"/>
+      <p:bldP spid="119" grpId="0"/>
+    </p:bldLst>
+  </p:timing>
+</p:sld>
+</file>
+
 <file path=ppt/slides/slide2.xml><?xml version="1.0" encoding="utf-8"?>
 <p:sld xmlns:a="http://schemas.openxmlformats.org/drawingml/2006/main" xmlns:r="http://schemas.openxmlformats.org/officeDocument/2006/relationships" xmlns:p="http://schemas.openxmlformats.org/presentationml/2006/main">
   <p:cSld>
@@ -7837,7 +13421,7 @@
         </p:nvSpPr>
         <p:spPr>
           <a:xfrm rot="5400000">
-            <a:off x="2185043" y="2398748"/>
+            <a:off x="2181868" y="2394303"/>
             <a:ext cx="288000" cy="2880000"/>
           </a:xfrm>
           <a:prstGeom prst="leftBrace">
@@ -27067,7 +32651,7 @@
                   <a:schemeClr val="bg1"/>
                 </a:solidFill>
               </a:rPr>
-              <a:t>要求：买和卖各操作一次获取最大利润</a:t>
+              <a:t>要求：买和卖各操作一次获得最大利润</a:t>
             </a:r>
             <a:endParaRPr lang="zh-CN" altLang="en-US" b="1">
               <a:solidFill>
@@ -28371,6 +33955,14 @@
     </p:bldLst>
   </p:timing>
 </p:sld>
+</file>
+
+<file path=ppt/tags/tag1.xml><?xml version="1.0" encoding="utf-8"?>
+<p:tagLst xmlns:p="http://schemas.openxmlformats.org/presentationml/2006/main">
+  <p:tag name="KSO_WM_UNIT_TABLE_BEAUTIFY" val="smartTable{1fe0001a-b8e3-4c69-bd35-d01141d38582}"/>
+  <p:tag name="TABLE_ENDDRAG_ORIGIN_RECT" val="273*260"/>
+  <p:tag name="TABLE_ENDDRAG_RECT" val="554*251*268*253"/>
+</p:tagLst>
 </file>
 
 <file path=ppt/theme/theme1.xml><?xml version="1.0" encoding="utf-8"?>

--- a/小白学算法系列.pptx
+++ b/小白学算法系列.pptx
@@ -9067,187 +9067,6 @@
           </a:graphicData>
         </a:graphic>
       </p:graphicFrame>
-      <p:grpSp>
-        <p:nvGrpSpPr>
-          <p:cNvPr id="116" name="组合 115"/>
-          <p:cNvGrpSpPr/>
-          <p:nvPr/>
-        </p:nvGrpSpPr>
-        <p:grpSpPr>
-          <a:xfrm>
-            <a:off x="6196599" y="2801678"/>
-            <a:ext cx="4052739" cy="3605472"/>
-            <a:chOff x="9141" y="4370"/>
-            <a:chExt cx="4871" cy="4515"/>
-          </a:xfrm>
-        </p:grpSpPr>
-        <p:cxnSp>
-          <p:nvCxnSpPr>
-            <p:cNvPr id="62" name="直接箭头连接符 61"/>
-            <p:cNvCxnSpPr/>
-            <p:nvPr/>
-          </p:nvCxnSpPr>
-          <p:spPr>
-            <a:xfrm>
-              <a:off x="10971" y="4563"/>
-              <a:ext cx="3041" cy="0"/>
-            </a:xfrm>
-            <a:prstGeom prst="straightConnector1">
-              <a:avLst/>
-            </a:prstGeom>
-            <a:ln w="12700" cmpd="sng">
-              <a:solidFill>
-                <a:schemeClr val="bg1"/>
-              </a:solidFill>
-              <a:prstDash val="solid"/>
-              <a:tailEnd type="arrow"/>
-            </a:ln>
-          </p:spPr>
-          <p:style>
-            <a:lnRef idx="1">
-              <a:schemeClr val="accent1"/>
-            </a:lnRef>
-            <a:fillRef idx="0">
-              <a:schemeClr val="accent1"/>
-            </a:fillRef>
-            <a:effectRef idx="0">
-              <a:schemeClr val="accent1"/>
-            </a:effectRef>
-            <a:fontRef idx="minor">
-              <a:schemeClr val="tx1"/>
-            </a:fontRef>
-          </p:style>
-        </p:cxnSp>
-        <p:cxnSp>
-          <p:nvCxnSpPr>
-            <p:cNvPr id="46" name="直接箭头连接符 45"/>
-            <p:cNvCxnSpPr/>
-            <p:nvPr/>
-          </p:nvCxnSpPr>
-          <p:spPr>
-            <a:xfrm>
-              <a:off x="9668" y="5950"/>
-              <a:ext cx="0" cy="2935"/>
-            </a:xfrm>
-            <a:prstGeom prst="straightConnector1">
-              <a:avLst/>
-            </a:prstGeom>
-            <a:ln w="12700" cmpd="sng">
-              <a:solidFill>
-                <a:schemeClr val="bg1"/>
-              </a:solidFill>
-              <a:prstDash val="solid"/>
-              <a:tailEnd type="arrow"/>
-            </a:ln>
-          </p:spPr>
-          <p:style>
-            <a:lnRef idx="1">
-              <a:schemeClr val="accent1"/>
-            </a:lnRef>
-            <a:fillRef idx="0">
-              <a:schemeClr val="accent1"/>
-            </a:fillRef>
-            <a:effectRef idx="0">
-              <a:schemeClr val="accent1"/>
-            </a:effectRef>
-            <a:fontRef idx="minor">
-              <a:schemeClr val="tx1"/>
-            </a:fontRef>
-          </p:style>
-        </p:cxnSp>
-        <p:sp>
-          <p:nvSpPr>
-            <p:cNvPr id="47" name="文本框 46"/>
-            <p:cNvSpPr txBox="1"/>
-            <p:nvPr/>
-          </p:nvSpPr>
-          <p:spPr>
-            <a:xfrm>
-              <a:off x="10210" y="4370"/>
-              <a:ext cx="624" cy="384"/>
-            </a:xfrm>
-            <a:prstGeom prst="rect">
-              <a:avLst/>
-            </a:prstGeom>
-            <a:noFill/>
-          </p:spPr>
-          <p:txBody>
-            <a:bodyPr wrap="square" rtlCol="0">
-              <a:spAutoFit/>
-            </a:bodyPr>
-            <a:p>
-              <a:pPr algn="ctr"/>
-              <a:r>
-                <a:rPr lang="en-US" altLang="zh-CN" sz="1400" b="1">
-                  <a:solidFill>
-                    <a:schemeClr val="bg1"/>
-                  </a:solidFill>
-                </a:rPr>
-                <a:t>i</a:t>
-              </a:r>
-              <a:endParaRPr lang="en-US" altLang="zh-CN" sz="1400" b="1">
-                <a:solidFill>
-                  <a:schemeClr val="bg1"/>
-                </a:solidFill>
-              </a:endParaRPr>
-            </a:p>
-          </p:txBody>
-        </p:sp>
-        <p:sp>
-          <p:nvSpPr>
-            <p:cNvPr id="48" name="文本框 47"/>
-            <p:cNvSpPr txBox="1"/>
-            <p:nvPr/>
-          </p:nvSpPr>
-          <p:spPr>
-            <a:xfrm>
-              <a:off x="9141" y="5116"/>
-              <a:ext cx="1025" cy="654"/>
-            </a:xfrm>
-            <a:prstGeom prst="rect">
-              <a:avLst/>
-            </a:prstGeom>
-            <a:noFill/>
-          </p:spPr>
-          <p:txBody>
-            <a:bodyPr wrap="square" rtlCol="0">
-              <a:spAutoFit/>
-            </a:bodyPr>
-            <a:p>
-              <a:pPr algn="ctr"/>
-              <a:r>
-                <a:rPr lang="en-US" altLang="zh-CN" sz="1400" b="1">
-                  <a:solidFill>
-                    <a:schemeClr val="bg1"/>
-                  </a:solidFill>
-                </a:rPr>
-                <a:t>j</a:t>
-              </a:r>
-              <a:endParaRPr lang="en-US" altLang="zh-CN" sz="1400" b="1">
-                <a:solidFill>
-                  <a:schemeClr val="bg1"/>
-                </a:solidFill>
-              </a:endParaRPr>
-            </a:p>
-            <a:p>
-              <a:pPr algn="ctr"/>
-              <a:r>
-                <a:rPr lang="en-US" altLang="zh-CN" sz="1400" b="1">
-                  <a:solidFill>
-                    <a:schemeClr val="bg1"/>
-                  </a:solidFill>
-                </a:rPr>
-                <a:t>(j&lt;=i)</a:t>
-              </a:r>
-              <a:endParaRPr lang="en-US" altLang="zh-CN" sz="1400" b="1">
-                <a:solidFill>
-                  <a:schemeClr val="bg1"/>
-                </a:solidFill>
-              </a:endParaRPr>
-            </a:p>
-          </p:txBody>
-        </p:sp>
-      </p:grpSp>
       <p:grpSp>
         <p:nvGrpSpPr>
           <p:cNvPr id="84" name="组合 83"/>
@@ -10633,81 +10452,277 @@
           </a:p>
         </p:txBody>
       </p:sp>
-      <p:sp>
-        <p:nvSpPr>
-          <p:cNvPr id="139" name="文本框 138"/>
-          <p:cNvSpPr txBox="1"/>
+      <p:grpSp>
+        <p:nvGrpSpPr>
+          <p:cNvPr id="143" name="组合 142"/>
+          <p:cNvGrpSpPr/>
           <p:nvPr/>
-        </p:nvSpPr>
-        <p:spPr>
+        </p:nvGrpSpPr>
+        <p:grpSpPr>
           <a:xfrm>
-            <a:off x="3895090" y="4613910"/>
-            <a:ext cx="1101090" cy="368300"/>
+            <a:off x="3895090" y="2801620"/>
+            <a:ext cx="6353810" cy="3605530"/>
+            <a:chOff x="6134" y="4412"/>
+            <a:chExt cx="10006" cy="5678"/>
           </a:xfrm>
-          <a:prstGeom prst="rect">
-            <a:avLst/>
-          </a:prstGeom>
-          <a:noFill/>
-        </p:spPr>
-        <p:txBody>
-          <a:bodyPr wrap="square" rtlCol="0">
-            <a:spAutoFit/>
-          </a:bodyPr>
-          <a:p>
-            <a:pPr algn="l"/>
-            <a:r>
-              <a:rPr lang="en-US" altLang="zh-CN" b="1">
+        </p:grpSpPr>
+        <p:grpSp>
+          <p:nvGrpSpPr>
+            <p:cNvPr id="116" name="组合 115"/>
+            <p:cNvGrpSpPr/>
+            <p:nvPr/>
+          </p:nvGrpSpPr>
+          <p:grpSpPr>
+            <a:xfrm>
+              <a:off x="9758" y="4412"/>
+              <a:ext cx="6382" cy="5678"/>
+              <a:chOff x="9141" y="4370"/>
+              <a:chExt cx="4871" cy="4515"/>
+            </a:xfrm>
+          </p:grpSpPr>
+          <p:cxnSp>
+            <p:nvCxnSpPr>
+              <p:cNvPr id="62" name="直接箭头连接符 61"/>
+              <p:cNvCxnSpPr/>
+              <p:nvPr/>
+            </p:nvCxnSpPr>
+            <p:spPr>
+              <a:xfrm>
+                <a:off x="10971" y="4563"/>
+                <a:ext cx="3041" cy="0"/>
+              </a:xfrm>
+              <a:prstGeom prst="straightConnector1">
+                <a:avLst/>
+              </a:prstGeom>
+              <a:ln w="12700" cmpd="sng">
                 <a:solidFill>
                   <a:schemeClr val="bg1"/>
                 </a:solidFill>
-              </a:rPr>
-              <a:t>a k f a f</a:t>
-            </a:r>
-            <a:endParaRPr lang="en-US" altLang="zh-CN" b="1">
+                <a:prstDash val="solid"/>
+                <a:tailEnd type="arrow"/>
+              </a:ln>
+            </p:spPr>
+            <p:style>
+              <a:lnRef idx="1">
+                <a:schemeClr val="accent1"/>
+              </a:lnRef>
+              <a:fillRef idx="0">
+                <a:schemeClr val="accent1"/>
+              </a:fillRef>
+              <a:effectRef idx="0">
+                <a:schemeClr val="accent1"/>
+              </a:effectRef>
+              <a:fontRef idx="minor">
+                <a:schemeClr val="tx1"/>
+              </a:fontRef>
+            </p:style>
+          </p:cxnSp>
+          <p:cxnSp>
+            <p:nvCxnSpPr>
+              <p:cNvPr id="46" name="直接箭头连接符 45"/>
+              <p:cNvCxnSpPr/>
+              <p:nvPr/>
+            </p:nvCxnSpPr>
+            <p:spPr>
+              <a:xfrm>
+                <a:off x="9668" y="5950"/>
+                <a:ext cx="0" cy="2935"/>
+              </a:xfrm>
+              <a:prstGeom prst="straightConnector1">
+                <a:avLst/>
+              </a:prstGeom>
+              <a:ln w="12700" cmpd="sng">
+                <a:solidFill>
+                  <a:schemeClr val="bg1"/>
+                </a:solidFill>
+                <a:prstDash val="solid"/>
+                <a:tailEnd type="arrow"/>
+              </a:ln>
+            </p:spPr>
+            <p:style>
+              <a:lnRef idx="1">
+                <a:schemeClr val="accent1"/>
+              </a:lnRef>
+              <a:fillRef idx="0">
+                <a:schemeClr val="accent1"/>
+              </a:fillRef>
+              <a:effectRef idx="0">
+                <a:schemeClr val="accent1"/>
+              </a:effectRef>
+              <a:fontRef idx="minor">
+                <a:schemeClr val="tx1"/>
+              </a:fontRef>
+            </p:style>
+          </p:cxnSp>
+          <p:sp>
+            <p:nvSpPr>
+              <p:cNvPr id="47" name="文本框 46"/>
+              <p:cNvSpPr txBox="1"/>
+              <p:nvPr/>
+            </p:nvSpPr>
+            <p:spPr>
+              <a:xfrm>
+                <a:off x="10210" y="4370"/>
+                <a:ext cx="624" cy="384"/>
+              </a:xfrm>
+              <a:prstGeom prst="rect">
+                <a:avLst/>
+              </a:prstGeom>
+              <a:noFill/>
+            </p:spPr>
+            <p:txBody>
+              <a:bodyPr wrap="square" rtlCol="0">
+                <a:spAutoFit/>
+              </a:bodyPr>
+              <a:p>
+                <a:pPr algn="ctr"/>
+                <a:r>
+                  <a:rPr lang="en-US" altLang="zh-CN" sz="1400" b="1">
+                    <a:solidFill>
+                      <a:schemeClr val="bg1"/>
+                    </a:solidFill>
+                  </a:rPr>
+                  <a:t>i</a:t>
+                </a:r>
+                <a:endParaRPr lang="en-US" altLang="zh-CN" sz="1400" b="1">
+                  <a:solidFill>
+                    <a:schemeClr val="bg1"/>
+                  </a:solidFill>
+                </a:endParaRPr>
+              </a:p>
+            </p:txBody>
+          </p:sp>
+          <p:sp>
+            <p:nvSpPr>
+              <p:cNvPr id="48" name="文本框 47"/>
+              <p:cNvSpPr txBox="1"/>
+              <p:nvPr/>
+            </p:nvSpPr>
+            <p:spPr>
+              <a:xfrm>
+                <a:off x="9141" y="5116"/>
+                <a:ext cx="1025" cy="654"/>
+              </a:xfrm>
+              <a:prstGeom prst="rect">
+                <a:avLst/>
+              </a:prstGeom>
+              <a:noFill/>
+            </p:spPr>
+            <p:txBody>
+              <a:bodyPr wrap="square" rtlCol="0">
+                <a:spAutoFit/>
+              </a:bodyPr>
+              <a:p>
+                <a:pPr algn="ctr"/>
+                <a:r>
+                  <a:rPr lang="en-US" altLang="zh-CN" sz="1400" b="1">
+                    <a:solidFill>
+                      <a:schemeClr val="bg1"/>
+                    </a:solidFill>
+                  </a:rPr>
+                  <a:t>j</a:t>
+                </a:r>
+                <a:endParaRPr lang="en-US" altLang="zh-CN" sz="1400" b="1">
+                  <a:solidFill>
+                    <a:schemeClr val="bg1"/>
+                  </a:solidFill>
+                </a:endParaRPr>
+              </a:p>
+              <a:p>
+                <a:pPr algn="ctr"/>
+                <a:r>
+                  <a:rPr lang="en-US" altLang="zh-CN" sz="1400" b="1">
+                    <a:solidFill>
+                      <a:schemeClr val="bg1"/>
+                    </a:solidFill>
+                  </a:rPr>
+                  <a:t>(j&lt;=i)</a:t>
+                </a:r>
+                <a:endParaRPr lang="en-US" altLang="zh-CN" sz="1400" b="1">
+                  <a:solidFill>
+                    <a:schemeClr val="bg1"/>
+                  </a:solidFill>
+                </a:endParaRPr>
+              </a:p>
+            </p:txBody>
+          </p:sp>
+        </p:grpSp>
+        <p:sp>
+          <p:nvSpPr>
+            <p:cNvPr id="139" name="文本框 138"/>
+            <p:cNvSpPr txBox="1"/>
+            <p:nvPr/>
+          </p:nvSpPr>
+          <p:spPr>
+            <a:xfrm>
+              <a:off x="6134" y="7266"/>
+              <a:ext cx="1734" cy="580"/>
+            </a:xfrm>
+            <a:prstGeom prst="rect">
+              <a:avLst/>
+            </a:prstGeom>
+            <a:noFill/>
+          </p:spPr>
+          <p:txBody>
+            <a:bodyPr wrap="square" rtlCol="0">
+              <a:spAutoFit/>
+            </a:bodyPr>
+            <a:p>
+              <a:pPr algn="l"/>
+              <a:r>
+                <a:rPr lang="en-US" altLang="zh-CN" b="1">
+                  <a:solidFill>
+                    <a:schemeClr val="bg1"/>
+                  </a:solidFill>
+                </a:rPr>
+                <a:t>a k f a f</a:t>
+              </a:r>
+              <a:endParaRPr lang="en-US" altLang="zh-CN" b="1">
+                <a:solidFill>
+                  <a:schemeClr val="bg1"/>
+                </a:solidFill>
+              </a:endParaRPr>
+            </a:p>
+          </p:txBody>
+        </p:sp>
+        <p:cxnSp>
+          <p:nvCxnSpPr>
+            <p:cNvPr id="140" name="直接箭头连接符 139"/>
+            <p:cNvCxnSpPr/>
+            <p:nvPr/>
+          </p:nvCxnSpPr>
+          <p:spPr>
+            <a:xfrm>
+              <a:off x="7868" y="7556"/>
+              <a:ext cx="1065" cy="0"/>
+            </a:xfrm>
+            <a:prstGeom prst="straightConnector1">
+              <a:avLst/>
+            </a:prstGeom>
+            <a:ln w="28575" cmpd="sng">
               <a:solidFill>
                 <a:schemeClr val="bg1"/>
               </a:solidFill>
-            </a:endParaRPr>
-          </a:p>
-        </p:txBody>
-      </p:sp>
-      <p:cxnSp>
-        <p:nvCxnSpPr>
-          <p:cNvPr id="140" name="直接箭头连接符 139"/>
-          <p:cNvCxnSpPr/>
-          <p:nvPr/>
-        </p:nvCxnSpPr>
-        <p:spPr>
-          <a:xfrm>
-            <a:off x="4996180" y="4798060"/>
-            <a:ext cx="676275" cy="0"/>
-          </a:xfrm>
-          <a:prstGeom prst="straightConnector1">
-            <a:avLst/>
-          </a:prstGeom>
-          <a:ln w="28575" cmpd="sng">
-            <a:solidFill>
-              <a:schemeClr val="bg1"/>
-            </a:solidFill>
-            <a:prstDash val="solid"/>
-            <a:tailEnd type="arrow"/>
-          </a:ln>
-        </p:spPr>
-        <p:style>
-          <a:lnRef idx="1">
-            <a:schemeClr val="accent1"/>
-          </a:lnRef>
-          <a:fillRef idx="0">
-            <a:schemeClr val="accent1"/>
-          </a:fillRef>
-          <a:effectRef idx="0">
-            <a:schemeClr val="accent1"/>
-          </a:effectRef>
-          <a:fontRef idx="minor">
-            <a:schemeClr val="tx1"/>
-          </a:fontRef>
-        </p:style>
-      </p:cxnSp>
+              <a:prstDash val="solid"/>
+              <a:tailEnd type="arrow"/>
+            </a:ln>
+          </p:spPr>
+          <p:style>
+            <a:lnRef idx="1">
+              <a:schemeClr val="accent1"/>
+            </a:lnRef>
+            <a:fillRef idx="0">
+              <a:schemeClr val="accent1"/>
+            </a:fillRef>
+            <a:effectRef idx="0">
+              <a:schemeClr val="accent1"/>
+            </a:effectRef>
+            <a:fontRef idx="minor">
+              <a:schemeClr val="tx1"/>
+            </a:fontRef>
+          </p:style>
+        </p:cxnSp>
+      </p:grpSp>
       <p:sp>
         <p:nvSpPr>
           <p:cNvPr id="141" name="文本框 140"/>
@@ -11087,7 +11102,7 @@
                                           </p:stCondLst>
                                         </p:cTn>
                                         <p:tgtEl>
-                                          <p:spTgt spid="116"/>
+                                          <p:spTgt spid="143"/>
                                         </p:tgtEl>
                                         <p:attrNameLst>
                                           <p:attrName>style.visibility</p:attrName>
@@ -11101,7 +11116,7 @@
                                       <p:cBhvr>
                                         <p:cTn id="11" dur="500"/>
                                         <p:tgtEl>
-                                          <p:spTgt spid="116"/>
+                                          <p:spTgt spid="143"/>
                                         </p:tgtEl>
                                       </p:cBhvr>
                                     </p:animEffect>
@@ -11155,21 +11170,30 @@
                             </p:childTnLst>
                           </p:cTn>
                         </p:par>
+                      </p:childTnLst>
+                    </p:cTn>
+                  </p:par>
+                  <p:par>
+                    <p:cTn id="16" fill="hold">
+                      <p:stCondLst>
+                        <p:cond delay="indefinite"/>
+                      </p:stCondLst>
+                      <p:childTnLst>
                         <p:par>
-                          <p:cTn id="16" fill="hold">
+                          <p:cTn id="17" fill="hold">
                             <p:stCondLst>
-                              <p:cond delay="1500"/>
+                              <p:cond delay="0"/>
                             </p:stCondLst>
                             <p:childTnLst>
                               <p:par>
-                                <p:cTn id="17" presetID="10" presetClass="entr" presetSubtype="0" fill="hold" nodeType="afterEffect">
+                                <p:cTn id="18" presetID="10" presetClass="entr" presetSubtype="0" fill="hold" nodeType="clickEffect">
                                   <p:stCondLst>
                                     <p:cond delay="0"/>
                                   </p:stCondLst>
                                   <p:childTnLst>
                                     <p:set>
                                       <p:cBhvr>
-                                        <p:cTn id="18" dur="1" fill="hold">
+                                        <p:cTn id="19" dur="1" fill="hold">
                                           <p:stCondLst>
                                             <p:cond delay="0"/>
                                           </p:stCondLst>
@@ -11187,7 +11211,7 @@
                                     </p:set>
                                     <p:animEffect transition="in" filter="fade">
                                       <p:cBhvr>
-                                        <p:cTn id="19" dur="500"/>
+                                        <p:cTn id="20" dur="500"/>
                                         <p:tgtEl>
                                           <p:spTgt spid="88"/>
                                         </p:tgtEl>
@@ -11203,26 +11227,26 @@
                     </p:cTn>
                   </p:par>
                   <p:par>
-                    <p:cTn id="20" fill="hold">
+                    <p:cTn id="21" fill="hold">
                       <p:stCondLst>
                         <p:cond delay="indefinite"/>
                       </p:stCondLst>
                       <p:childTnLst>
                         <p:par>
-                          <p:cTn id="21" fill="hold">
+                          <p:cTn id="22" fill="hold">
                             <p:stCondLst>
                               <p:cond delay="0"/>
                             </p:stCondLst>
                             <p:childTnLst>
                               <p:par>
-                                <p:cTn id="22" presetID="10" presetClass="entr" presetSubtype="0" fill="hold" grpId="0" nodeType="clickEffect">
+                                <p:cTn id="23" presetID="10" presetClass="entr" presetSubtype="0" fill="hold" grpId="0" nodeType="clickEffect">
                                   <p:stCondLst>
                                     <p:cond delay="0"/>
                                   </p:stCondLst>
                                   <p:childTnLst>
                                     <p:set>
                                       <p:cBhvr>
-                                        <p:cTn id="23" dur="1" fill="hold">
+                                        <p:cTn id="24" dur="1" fill="hold">
                                           <p:stCondLst>
                                             <p:cond delay="0"/>
                                           </p:stCondLst>
@@ -11240,7 +11264,7 @@
                                     </p:set>
                                     <p:animEffect transition="in" filter="fade">
                                       <p:cBhvr>
-                                        <p:cTn id="24" dur="500"/>
+                                        <p:cTn id="25" dur="500"/>
                                         <p:tgtEl>
                                           <p:spTgt spid="124"/>
                                         </p:tgtEl>
@@ -11256,26 +11280,26 @@
                     </p:cTn>
                   </p:par>
                   <p:par>
-                    <p:cTn id="25" fill="hold">
+                    <p:cTn id="26" fill="hold">
                       <p:stCondLst>
                         <p:cond delay="indefinite"/>
                       </p:stCondLst>
                       <p:childTnLst>
                         <p:par>
-                          <p:cTn id="26" fill="hold">
+                          <p:cTn id="27" fill="hold">
                             <p:stCondLst>
                               <p:cond delay="0"/>
                             </p:stCondLst>
                             <p:childTnLst>
                               <p:par>
-                                <p:cTn id="27" presetID="10" presetClass="exit" presetSubtype="0" fill="hold" nodeType="clickEffect">
+                                <p:cTn id="28" presetID="10" presetClass="exit" presetSubtype="0" fill="hold" nodeType="clickEffect">
                                   <p:stCondLst>
                                     <p:cond delay="0"/>
                                   </p:stCondLst>
                                   <p:childTnLst>
                                     <p:animEffect transition="out" filter="fade">
                                       <p:cBhvr>
-                                        <p:cTn id="28" dur="500"/>
+                                        <p:cTn id="29" dur="500"/>
                                         <p:tgtEl>
                                           <p:spTgt spid="84"/>
                                         </p:tgtEl>
@@ -11283,7 +11307,7 @@
                                     </p:animEffect>
                                     <p:set>
                                       <p:cBhvr>
-                                        <p:cTn id="29" dur="1" fill="hold">
+                                        <p:cTn id="30" dur="1" fill="hold">
                                           <p:stCondLst>
                                             <p:cond delay="499"/>
                                           </p:stCondLst>
@@ -11306,20 +11330,20 @@
                           </p:cTn>
                         </p:par>
                         <p:par>
-                          <p:cTn id="30" fill="hold">
+                          <p:cTn id="31" fill="hold">
                             <p:stCondLst>
                               <p:cond delay="500"/>
                             </p:stCondLst>
                             <p:childTnLst>
                               <p:par>
-                                <p:cTn id="31" presetID="10" presetClass="entr" presetSubtype="0" fill="hold" nodeType="afterEffect">
+                                <p:cTn id="32" presetID="10" presetClass="entr" presetSubtype="0" fill="hold" nodeType="afterEffect">
                                   <p:stCondLst>
                                     <p:cond delay="0"/>
                                   </p:stCondLst>
                                   <p:childTnLst>
                                     <p:set>
                                       <p:cBhvr>
-                                        <p:cTn id="32" dur="1" fill="hold">
+                                        <p:cTn id="33" dur="1" fill="hold">
                                           <p:stCondLst>
                                             <p:cond delay="0"/>
                                           </p:stCondLst>
@@ -11337,7 +11361,7 @@
                                     </p:set>
                                     <p:animEffect transition="in" filter="fade">
                                       <p:cBhvr>
-                                        <p:cTn id="33" dur="500"/>
+                                        <p:cTn id="34" dur="500"/>
                                         <p:tgtEl>
                                           <p:spTgt spid="92"/>
                                         </p:tgtEl>
@@ -11349,21 +11373,83 @@
                             </p:childTnLst>
                           </p:cTn>
                         </p:par>
+                      </p:childTnLst>
+                    </p:cTn>
+                  </p:par>
+                  <p:par>
+                    <p:cTn id="35" fill="hold">
+                      <p:stCondLst>
+                        <p:cond delay="indefinite"/>
+                      </p:stCondLst>
+                      <p:childTnLst>
                         <p:par>
-                          <p:cTn id="34" fill="hold">
+                          <p:cTn id="36" fill="hold">
                             <p:stCondLst>
-                              <p:cond delay="1000"/>
+                              <p:cond delay="0"/>
                             </p:stCondLst>
                             <p:childTnLst>
                               <p:par>
-                                <p:cTn id="35" presetID="10" presetClass="exit" presetSubtype="0" fill="hold" nodeType="afterEffect">
+                                <p:cTn id="37" presetID="10" presetClass="entr" presetSubtype="0" fill="hold" grpId="0" nodeType="clickEffect">
+                                  <p:stCondLst>
+                                    <p:cond delay="0"/>
+                                  </p:stCondLst>
+                                  <p:childTnLst>
+                                    <p:set>
+                                      <p:cBhvr>
+                                        <p:cTn id="38" dur="1" fill="hold">
+                                          <p:stCondLst>
+                                            <p:cond delay="0"/>
+                                          </p:stCondLst>
+                                        </p:cTn>
+                                        <p:tgtEl>
+                                          <p:spTgt spid="120"/>
+                                        </p:tgtEl>
+                                        <p:attrNameLst>
+                                          <p:attrName>style.visibility</p:attrName>
+                                        </p:attrNameLst>
+                                      </p:cBhvr>
+                                      <p:to>
+                                        <p:strVal val="visible"/>
+                                      </p:to>
+                                    </p:set>
+                                    <p:animEffect transition="in" filter="fade">
+                                      <p:cBhvr>
+                                        <p:cTn id="39" dur="500"/>
+                                        <p:tgtEl>
+                                          <p:spTgt spid="120"/>
+                                        </p:tgtEl>
+                                      </p:cBhvr>
+                                    </p:animEffect>
+                                  </p:childTnLst>
+                                </p:cTn>
+                              </p:par>
+                            </p:childTnLst>
+                          </p:cTn>
+                        </p:par>
+                      </p:childTnLst>
+                    </p:cTn>
+                  </p:par>
+                  <p:par>
+                    <p:cTn id="40" fill="hold">
+                      <p:stCondLst>
+                        <p:cond delay="indefinite"/>
+                      </p:stCondLst>
+                      <p:childTnLst>
+                        <p:par>
+                          <p:cTn id="41" fill="hold">
+                            <p:stCondLst>
+                              <p:cond delay="0"/>
+                            </p:stCondLst>
+                            <p:childTnLst>
+                              <p:par>
+                                <p:cTn id="42" presetID="10" presetClass="exit" presetSubtype="0" fill="hold" nodeType="clickEffect">
                                   <p:stCondLst>
                                     <p:cond delay="0"/>
                                   </p:stCondLst>
                                   <p:childTnLst>
                                     <p:animEffect transition="out" filter="fade">
                                       <p:cBhvr>
-                                        <p:cTn id="36" dur="500"/>
+                                        <p:cTn id="43" dur="500"/>
                                         <p:tgtEl>
                                           <p:spTgt spid="88"/>
                                         </p:tgtEl>
@@ -11371,7 +11457,7 @@
                                     </p:animEffect>
                                     <p:set>
                                       <p:cBhvr>
-                                        <p:cTn id="37" dur="1" fill="hold">
+                                        <p:cTn id="44" dur="1" fill="hold">
                                           <p:stCondLst>
                                             <p:cond delay="499"/>
                                           </p:stCondLst>
@@ -11394,20 +11480,20 @@
                           </p:cTn>
                         </p:par>
                         <p:par>
-                          <p:cTn id="38" fill="hold">
+                          <p:cTn id="45" fill="hold">
                             <p:stCondLst>
-                              <p:cond delay="1500"/>
+                              <p:cond delay="500"/>
                             </p:stCondLst>
                             <p:childTnLst>
                               <p:par>
-                                <p:cTn id="39" presetID="10" presetClass="entr" presetSubtype="0" fill="hold" nodeType="afterEffect">
+                                <p:cTn id="46" presetID="10" presetClass="entr" presetSubtype="0" fill="hold" nodeType="afterEffect">
                                   <p:stCondLst>
                                     <p:cond delay="0"/>
                                   </p:stCondLst>
                                   <p:childTnLst>
                                     <p:set>
                                       <p:cBhvr>
-                                        <p:cTn id="40" dur="1" fill="hold">
+                                        <p:cTn id="47" dur="1" fill="hold">
                                           <p:stCondLst>
                                             <p:cond delay="0"/>
                                           </p:stCondLst>
@@ -11425,7 +11511,7 @@
                                     </p:set>
                                     <p:animEffect transition="in" filter="fade">
                                       <p:cBhvr>
-                                        <p:cTn id="41" dur="500"/>
+                                        <p:cTn id="48" dur="500"/>
                                         <p:tgtEl>
                                           <p:spTgt spid="104"/>
                                         </p:tgtEl>
@@ -11441,32 +11527,32 @@
                     </p:cTn>
                   </p:par>
                   <p:par>
-                    <p:cTn id="42" fill="hold">
+                    <p:cTn id="49" fill="hold">
                       <p:stCondLst>
                         <p:cond delay="indefinite"/>
                       </p:stCondLst>
                       <p:childTnLst>
                         <p:par>
-                          <p:cTn id="43" fill="hold">
+                          <p:cTn id="50" fill="hold">
                             <p:stCondLst>
                               <p:cond delay="0"/>
                             </p:stCondLst>
                             <p:childTnLst>
                               <p:par>
-                                <p:cTn id="44" presetID="10" presetClass="entr" presetSubtype="0" fill="hold" grpId="0" nodeType="clickEffect">
+                                <p:cTn id="51" presetID="10" presetClass="entr" presetSubtype="0" fill="hold" grpId="0" nodeType="clickEffect">
                                   <p:stCondLst>
                                     <p:cond delay="0"/>
                                   </p:stCondLst>
                                   <p:childTnLst>
                                     <p:set>
                                       <p:cBhvr>
-                                        <p:cTn id="45" dur="1" fill="hold">
+                                        <p:cTn id="52" dur="1" fill="hold">
                                           <p:stCondLst>
                                             <p:cond delay="0"/>
                                           </p:stCondLst>
                                         </p:cTn>
                                         <p:tgtEl>
-                                          <p:spTgt spid="120"/>
+                                          <p:spTgt spid="123"/>
                                         </p:tgtEl>
                                         <p:attrNameLst>
                                           <p:attrName>style.visibility</p:attrName>
@@ -11478,9 +11564,9 @@
                                     </p:set>
                                     <p:animEffect transition="in" filter="fade">
                                       <p:cBhvr>
-                                        <p:cTn id="46" dur="500"/>
-                                        <p:tgtEl>
-                                          <p:spTgt spid="120"/>
+                                        <p:cTn id="53" dur="500"/>
+                                        <p:tgtEl>
+                                          <p:spTgt spid="123"/>
                                         </p:tgtEl>
                                       </p:cBhvr>
                                     </p:animEffect>
@@ -11494,32 +11580,76 @@
                     </p:cTn>
                   </p:par>
                   <p:par>
-                    <p:cTn id="47" fill="hold">
+                    <p:cTn id="54" fill="hold">
                       <p:stCondLst>
                         <p:cond delay="indefinite"/>
                       </p:stCondLst>
                       <p:childTnLst>
                         <p:par>
-                          <p:cTn id="48" fill="hold">
+                          <p:cTn id="55" fill="hold">
                             <p:stCondLst>
                               <p:cond delay="0"/>
                             </p:stCondLst>
                             <p:childTnLst>
                               <p:par>
-                                <p:cTn id="49" presetID="10" presetClass="entr" presetSubtype="0" fill="hold" grpId="0" nodeType="clickEffect">
+                                <p:cTn id="56" presetID="10" presetClass="exit" presetSubtype="0" fill="hold" nodeType="clickEffect">
+                                  <p:stCondLst>
+                                    <p:cond delay="0"/>
+                                  </p:stCondLst>
+                                  <p:childTnLst>
+                                    <p:animEffect transition="out" filter="fade">
+                                      <p:cBhvr>
+                                        <p:cTn id="57" dur="500"/>
+                                        <p:tgtEl>
+                                          <p:spTgt spid="92"/>
+                                        </p:tgtEl>
+                                      </p:cBhvr>
+                                    </p:animEffect>
+                                    <p:set>
+                                      <p:cBhvr>
+                                        <p:cTn id="58" dur="1" fill="hold">
+                                          <p:stCondLst>
+                                            <p:cond delay="499"/>
+                                          </p:stCondLst>
+                                        </p:cTn>
+                                        <p:tgtEl>
+                                          <p:spTgt spid="92"/>
+                                        </p:tgtEl>
+                                        <p:attrNameLst>
+                                          <p:attrName>style.visibility</p:attrName>
+                                        </p:attrNameLst>
+                                      </p:cBhvr>
+                                      <p:to>
+                                        <p:strVal val="hidden"/>
+                                      </p:to>
+                                    </p:set>
+                                  </p:childTnLst>
+                                </p:cTn>
+                              </p:par>
+                            </p:childTnLst>
+                          </p:cTn>
+                        </p:par>
+                        <p:par>
+                          <p:cTn id="59" fill="hold">
+                            <p:stCondLst>
+                              <p:cond delay="500"/>
+                            </p:stCondLst>
+                            <p:childTnLst>
+                              <p:par>
+                                <p:cTn id="60" presetID="10" presetClass="entr" presetSubtype="0" fill="hold" nodeType="afterEffect">
                                   <p:stCondLst>
                                     <p:cond delay="0"/>
                                   </p:stCondLst>
                                   <p:childTnLst>
                                     <p:set>
                                       <p:cBhvr>
-                                        <p:cTn id="50" dur="1" fill="hold">
+                                        <p:cTn id="61" dur="1" fill="hold">
                                           <p:stCondLst>
                                             <p:cond delay="0"/>
                                           </p:stCondLst>
                                         </p:cTn>
                                         <p:tgtEl>
-                                          <p:spTgt spid="123"/>
+                                          <p:spTgt spid="95"/>
                                         </p:tgtEl>
                                         <p:attrNameLst>
                                           <p:attrName>style.visibility</p:attrName>
@@ -11531,9 +11661,97 @@
                                     </p:set>
                                     <p:animEffect transition="in" filter="fade">
                                       <p:cBhvr>
-                                        <p:cTn id="51" dur="500"/>
-                                        <p:tgtEl>
-                                          <p:spTgt spid="123"/>
+                                        <p:cTn id="62" dur="500"/>
+                                        <p:tgtEl>
+                                          <p:spTgt spid="95"/>
+                                        </p:tgtEl>
+                                      </p:cBhvr>
+                                    </p:animEffect>
+                                  </p:childTnLst>
+                                </p:cTn>
+                              </p:par>
+                              <p:par>
+                                <p:cTn id="63" presetID="10" presetClass="exit" presetSubtype="0" fill="hold" nodeType="withEffect">
+                                  <p:stCondLst>
+                                    <p:cond delay="0"/>
+                                  </p:stCondLst>
+                                  <p:childTnLst>
+                                    <p:animEffect transition="out" filter="fade">
+                                      <p:cBhvr>
+                                        <p:cTn id="64" dur="500"/>
+                                        <p:tgtEl>
+                                          <p:spTgt spid="104"/>
+                                        </p:tgtEl>
+                                      </p:cBhvr>
+                                    </p:animEffect>
+                                    <p:set>
+                                      <p:cBhvr>
+                                        <p:cTn id="65" dur="1" fill="hold">
+                                          <p:stCondLst>
+                                            <p:cond delay="499"/>
+                                          </p:stCondLst>
+                                        </p:cTn>
+                                        <p:tgtEl>
+                                          <p:spTgt spid="104"/>
+                                        </p:tgtEl>
+                                        <p:attrNameLst>
+                                          <p:attrName>style.visibility</p:attrName>
+                                        </p:attrNameLst>
+                                      </p:cBhvr>
+                                      <p:to>
+                                        <p:strVal val="hidden"/>
+                                      </p:to>
+                                    </p:set>
+                                  </p:childTnLst>
+                                </p:cTn>
+                              </p:par>
+                            </p:childTnLst>
+                          </p:cTn>
+                        </p:par>
+                      </p:childTnLst>
+                    </p:cTn>
+                  </p:par>
+                  <p:par>
+                    <p:cTn id="66" fill="hold">
+                      <p:stCondLst>
+                        <p:cond delay="indefinite"/>
+                      </p:stCondLst>
+                      <p:childTnLst>
+                        <p:par>
+                          <p:cTn id="67" fill="hold">
+                            <p:stCondLst>
+                              <p:cond delay="0"/>
+                            </p:stCondLst>
+                            <p:childTnLst>
+                              <p:par>
+                                <p:cTn id="68" presetID="10" presetClass="entr" presetSubtype="0" fill="hold" nodeType="clickEffect">
+                                  <p:stCondLst>
+                                    <p:cond delay="0"/>
+                                  </p:stCondLst>
+                                  <p:childTnLst>
+                                    <p:set>
+                                      <p:cBhvr>
+                                        <p:cTn id="69" dur="1" fill="hold">
+                                          <p:stCondLst>
+                                            <p:cond delay="0"/>
+                                          </p:stCondLst>
+                                        </p:cTn>
+                                        <p:tgtEl>
+                                          <p:spTgt spid="88"/>
+                                        </p:tgtEl>
+                                        <p:attrNameLst>
+                                          <p:attrName>style.visibility</p:attrName>
+                                        </p:attrNameLst>
+                                      </p:cBhvr>
+                                      <p:to>
+                                        <p:strVal val="visible"/>
+                                      </p:to>
+                                    </p:set>
+                                    <p:animEffect transition="in" filter="fade">
+                                      <p:cBhvr>
+                                        <p:cTn id="70" dur="500"/>
+                                        <p:tgtEl>
+                                          <p:spTgt spid="88"/>
                                         </p:tgtEl>
                                       </p:cBhvr>
                                     </p:animEffect>
@@ -11547,40 +11765,93 @@
                     </p:cTn>
                   </p:par>
                   <p:par>
-                    <p:cTn id="52" fill="hold">
+                    <p:cTn id="71" fill="hold">
                       <p:stCondLst>
                         <p:cond delay="indefinite"/>
                       </p:stCondLst>
                       <p:childTnLst>
                         <p:par>
-                          <p:cTn id="53" fill="hold">
+                          <p:cTn id="72" fill="hold">
                             <p:stCondLst>
                               <p:cond delay="0"/>
                             </p:stCondLst>
                             <p:childTnLst>
                               <p:par>
-                                <p:cTn id="54" presetID="10" presetClass="exit" presetSubtype="0" fill="hold" nodeType="clickEffect">
+                                <p:cTn id="73" presetID="10" presetClass="entr" presetSubtype="0" fill="hold" grpId="0" nodeType="clickEffect">
+                                  <p:stCondLst>
+                                    <p:cond delay="0"/>
+                                  </p:stCondLst>
+                                  <p:childTnLst>
+                                    <p:set>
+                                      <p:cBhvr>
+                                        <p:cTn id="74" dur="1" fill="hold">
+                                          <p:stCondLst>
+                                            <p:cond delay="0"/>
+                                          </p:stCondLst>
+                                        </p:cTn>
+                                        <p:tgtEl>
+                                          <p:spTgt spid="135"/>
+                                        </p:tgtEl>
+                                        <p:attrNameLst>
+                                          <p:attrName>style.visibility</p:attrName>
+                                        </p:attrNameLst>
+                                      </p:cBhvr>
+                                      <p:to>
+                                        <p:strVal val="visible"/>
+                                      </p:to>
+                                    </p:set>
+                                    <p:animEffect transition="in" filter="fade">
+                                      <p:cBhvr>
+                                        <p:cTn id="75" dur="500"/>
+                                        <p:tgtEl>
+                                          <p:spTgt spid="135"/>
+                                        </p:tgtEl>
+                                      </p:cBhvr>
+                                    </p:animEffect>
+                                  </p:childTnLst>
+                                </p:cTn>
+                              </p:par>
+                            </p:childTnLst>
+                          </p:cTn>
+                        </p:par>
+                      </p:childTnLst>
+                    </p:cTn>
+                  </p:par>
+                  <p:par>
+                    <p:cTn id="76" fill="hold">
+                      <p:stCondLst>
+                        <p:cond delay="indefinite"/>
+                      </p:stCondLst>
+                      <p:childTnLst>
+                        <p:par>
+                          <p:cTn id="77" fill="hold">
+                            <p:stCondLst>
+                              <p:cond delay="0"/>
+                            </p:stCondLst>
+                            <p:childTnLst>
+                              <p:par>
+                                <p:cTn id="78" presetID="10" presetClass="exit" presetSubtype="0" fill="hold" nodeType="clickEffect">
                                   <p:stCondLst>
                                     <p:cond delay="0"/>
                                   </p:stCondLst>
                                   <p:childTnLst>
                                     <p:animEffect transition="out" filter="fade">
                                       <p:cBhvr>
-                                        <p:cTn id="55" dur="500"/>
-                                        <p:tgtEl>
-                                          <p:spTgt spid="92"/>
+                                        <p:cTn id="79" dur="500"/>
+                                        <p:tgtEl>
+                                          <p:spTgt spid="88"/>
                                         </p:tgtEl>
                                       </p:cBhvr>
                                     </p:animEffect>
                                     <p:set>
                                       <p:cBhvr>
-                                        <p:cTn id="56" dur="1" fill="hold">
+                                        <p:cTn id="80" dur="1" fill="hold">
                                           <p:stCondLst>
                                             <p:cond delay="499"/>
                                           </p:stCondLst>
                                         </p:cTn>
                                         <p:tgtEl>
-                                          <p:spTgt spid="92"/>
+                                          <p:spTgt spid="88"/>
                                         </p:tgtEl>
                                         <p:attrNameLst>
                                           <p:attrName>style.visibility</p:attrName>
@@ -11597,26 +11868,26 @@
                           </p:cTn>
                         </p:par>
                         <p:par>
-                          <p:cTn id="57" fill="hold">
+                          <p:cTn id="81" fill="hold">
                             <p:stCondLst>
                               <p:cond delay="500"/>
                             </p:stCondLst>
                             <p:childTnLst>
                               <p:par>
-                                <p:cTn id="58" presetID="10" presetClass="entr" presetSubtype="0" fill="hold" nodeType="afterEffect">
+                                <p:cTn id="82" presetID="10" presetClass="entr" presetSubtype="0" fill="hold" nodeType="afterEffect">
                                   <p:stCondLst>
                                     <p:cond delay="0"/>
                                   </p:stCondLst>
                                   <p:childTnLst>
                                     <p:set>
                                       <p:cBhvr>
-                                        <p:cTn id="59" dur="1" fill="hold">
+                                        <p:cTn id="83" dur="1" fill="hold">
                                           <p:stCondLst>
                                             <p:cond delay="0"/>
                                           </p:stCondLst>
                                         </p:cTn>
                                         <p:tgtEl>
-                                          <p:spTgt spid="95"/>
+                                          <p:spTgt spid="104"/>
                                         </p:tgtEl>
                                         <p:attrNameLst>
                                           <p:attrName>style.visibility</p:attrName>
@@ -11628,88 +11899,9 @@
                                     </p:set>
                                     <p:animEffect transition="in" filter="fade">
                                       <p:cBhvr>
-                                        <p:cTn id="60" dur="500"/>
-                                        <p:tgtEl>
-                                          <p:spTgt spid="95"/>
-                                        </p:tgtEl>
-                                      </p:cBhvr>
-                                    </p:animEffect>
-                                  </p:childTnLst>
-                                </p:cTn>
-                              </p:par>
-                              <p:par>
-                                <p:cTn id="61" presetID="10" presetClass="exit" presetSubtype="0" fill="hold" nodeType="withEffect">
-                                  <p:stCondLst>
-                                    <p:cond delay="0"/>
-                                  </p:stCondLst>
-                                  <p:childTnLst>
-                                    <p:animEffect transition="out" filter="fade">
-                                      <p:cBhvr>
-                                        <p:cTn id="62" dur="500"/>
+                                        <p:cTn id="84" dur="500"/>
                                         <p:tgtEl>
                                           <p:spTgt spid="104"/>
-                                        </p:tgtEl>
-                                      </p:cBhvr>
-                                    </p:animEffect>
-                                    <p:set>
-                                      <p:cBhvr>
-                                        <p:cTn id="63" dur="1" fill="hold">
-                                          <p:stCondLst>
-                                            <p:cond delay="499"/>
-                                          </p:stCondLst>
-                                        </p:cTn>
-                                        <p:tgtEl>
-                                          <p:spTgt spid="104"/>
-                                        </p:tgtEl>
-                                        <p:attrNameLst>
-                                          <p:attrName>style.visibility</p:attrName>
-                                        </p:attrNameLst>
-                                      </p:cBhvr>
-                                      <p:to>
-                                        <p:strVal val="hidden"/>
-                                      </p:to>
-                                    </p:set>
-                                  </p:childTnLst>
-                                </p:cTn>
-                              </p:par>
-                            </p:childTnLst>
-                          </p:cTn>
-                        </p:par>
-                        <p:par>
-                          <p:cTn id="64" fill="hold">
-                            <p:stCondLst>
-                              <p:cond delay="1000"/>
-                            </p:stCondLst>
-                            <p:childTnLst>
-                              <p:par>
-                                <p:cTn id="65" presetID="10" presetClass="entr" presetSubtype="0" fill="hold" nodeType="afterEffect">
-                                  <p:stCondLst>
-                                    <p:cond delay="0"/>
-                                  </p:stCondLst>
-                                  <p:childTnLst>
-                                    <p:set>
-                                      <p:cBhvr>
-                                        <p:cTn id="66" dur="1" fill="hold">
-                                          <p:stCondLst>
-                                            <p:cond delay="0"/>
-                                          </p:stCondLst>
-                                        </p:cTn>
-                                        <p:tgtEl>
-                                          <p:spTgt spid="107"/>
-                                        </p:tgtEl>
-                                        <p:attrNameLst>
-                                          <p:attrName>style.visibility</p:attrName>
-                                        </p:attrNameLst>
-                                      </p:cBhvr>
-                                      <p:to>
-                                        <p:strVal val="visible"/>
-                                      </p:to>
-                                    </p:set>
-                                    <p:animEffect transition="in" filter="fade">
-                                      <p:cBhvr>
-                                        <p:cTn id="67" dur="500"/>
-                                        <p:tgtEl>
-                                          <p:spTgt spid="107"/>
                                         </p:tgtEl>
                                       </p:cBhvr>
                                     </p:animEffect>
@@ -11723,32 +11915,32 @@
                     </p:cTn>
                   </p:par>
                   <p:par>
-                    <p:cTn id="68" fill="hold">
+                    <p:cTn id="85" fill="hold">
                       <p:stCondLst>
                         <p:cond delay="indefinite"/>
                       </p:stCondLst>
                       <p:childTnLst>
                         <p:par>
-                          <p:cTn id="69" fill="hold">
+                          <p:cTn id="86" fill="hold">
                             <p:stCondLst>
                               <p:cond delay="0"/>
                             </p:stCondLst>
                             <p:childTnLst>
                               <p:par>
-                                <p:cTn id="70" presetID="10" presetClass="entr" presetSubtype="0" fill="hold" grpId="0" nodeType="clickEffect">
+                                <p:cTn id="87" presetID="10" presetClass="entr" presetSubtype="0" fill="hold" grpId="0" nodeType="clickEffect">
                                   <p:stCondLst>
                                     <p:cond delay="0"/>
                                   </p:stCondLst>
                                   <p:childTnLst>
                                     <p:set>
                                       <p:cBhvr>
-                                        <p:cTn id="71" dur="1" fill="hold">
+                                        <p:cTn id="88" dur="1" fill="hold">
                                           <p:stCondLst>
                                             <p:cond delay="0"/>
                                           </p:stCondLst>
                                         </p:cTn>
                                         <p:tgtEl>
-                                          <p:spTgt spid="135"/>
+                                          <p:spTgt spid="132"/>
                                         </p:tgtEl>
                                         <p:attrNameLst>
                                           <p:attrName>style.visibility</p:attrName>
@@ -11760,9 +11952,9 @@
                                     </p:set>
                                     <p:animEffect transition="in" filter="fade">
                                       <p:cBhvr>
-                                        <p:cTn id="72" dur="500"/>
-                                        <p:tgtEl>
-                                          <p:spTgt spid="135"/>
+                                        <p:cTn id="89" dur="500"/>
+                                        <p:tgtEl>
+                                          <p:spTgt spid="132"/>
                                         </p:tgtEl>
                                       </p:cBhvr>
                                     </p:animEffect>
@@ -11776,213 +11968,28 @@
                     </p:cTn>
                   </p:par>
                   <p:par>
-                    <p:cTn id="73" fill="hold">
+                    <p:cTn id="90" fill="hold">
                       <p:stCondLst>
                         <p:cond delay="indefinite"/>
                       </p:stCondLst>
                       <p:childTnLst>
                         <p:par>
-                          <p:cTn id="74" fill="hold">
+                          <p:cTn id="91" fill="hold">
                             <p:stCondLst>
                               <p:cond delay="0"/>
                             </p:stCondLst>
                             <p:childTnLst>
                               <p:par>
-                                <p:cTn id="75" presetID="10" presetClass="entr" presetSubtype="0" fill="hold" grpId="0" nodeType="clickEffect">
-                                  <p:stCondLst>
-                                    <p:cond delay="0"/>
-                                  </p:stCondLst>
-                                  <p:childTnLst>
-                                    <p:set>
-                                      <p:cBhvr>
-                                        <p:cTn id="76" dur="1" fill="hold">
-                                          <p:stCondLst>
-                                            <p:cond delay="0"/>
-                                          </p:stCondLst>
-                                        </p:cTn>
-                                        <p:tgtEl>
-                                          <p:spTgt spid="132"/>
-                                        </p:tgtEl>
-                                        <p:attrNameLst>
-                                          <p:attrName>style.visibility</p:attrName>
-                                        </p:attrNameLst>
-                                      </p:cBhvr>
-                                      <p:to>
-                                        <p:strVal val="visible"/>
-                                      </p:to>
-                                    </p:set>
-                                    <p:animEffect transition="in" filter="fade">
-                                      <p:cBhvr>
-                                        <p:cTn id="77" dur="500"/>
-                                        <p:tgtEl>
-                                          <p:spTgt spid="132"/>
-                                        </p:tgtEl>
-                                      </p:cBhvr>
-                                    </p:animEffect>
-                                  </p:childTnLst>
-                                </p:cTn>
-                              </p:par>
-                            </p:childTnLst>
-                          </p:cTn>
-                        </p:par>
-                      </p:childTnLst>
-                    </p:cTn>
-                  </p:par>
-                  <p:par>
-                    <p:cTn id="78" fill="hold">
-                      <p:stCondLst>
-                        <p:cond delay="indefinite"/>
-                      </p:stCondLst>
-                      <p:childTnLst>
-                        <p:par>
-                          <p:cTn id="79" fill="hold">
-                            <p:stCondLst>
-                              <p:cond delay="0"/>
-                            </p:stCondLst>
-                            <p:childTnLst>
-                              <p:par>
-                                <p:cTn id="80" presetID="10" presetClass="entr" presetSubtype="0" fill="hold" grpId="0" nodeType="clickEffect">
-                                  <p:stCondLst>
-                                    <p:cond delay="0"/>
-                                  </p:stCondLst>
-                                  <p:childTnLst>
-                                    <p:set>
-                                      <p:cBhvr>
-                                        <p:cTn id="81" dur="1" fill="hold">
-                                          <p:stCondLst>
-                                            <p:cond delay="0"/>
-                                          </p:stCondLst>
-                                        </p:cTn>
-                                        <p:tgtEl>
-                                          <p:spTgt spid="122"/>
-                                        </p:tgtEl>
-                                        <p:attrNameLst>
-                                          <p:attrName>style.visibility</p:attrName>
-                                        </p:attrNameLst>
-                                      </p:cBhvr>
-                                      <p:to>
-                                        <p:strVal val="visible"/>
-                                      </p:to>
-                                    </p:set>
-                                    <p:animEffect transition="in" filter="fade">
-                                      <p:cBhvr>
-                                        <p:cTn id="82" dur="500"/>
-                                        <p:tgtEl>
-                                          <p:spTgt spid="122"/>
-                                        </p:tgtEl>
-                                      </p:cBhvr>
-                                    </p:animEffect>
-                                  </p:childTnLst>
-                                </p:cTn>
-                              </p:par>
-                            </p:childTnLst>
-                          </p:cTn>
-                        </p:par>
-                      </p:childTnLst>
-                    </p:cTn>
-                  </p:par>
-                  <p:par>
-                    <p:cTn id="83" fill="hold">
-                      <p:stCondLst>
-                        <p:cond delay="indefinite"/>
-                      </p:stCondLst>
-                      <p:childTnLst>
-                        <p:par>
-                          <p:cTn id="84" fill="hold">
-                            <p:stCondLst>
-                              <p:cond delay="0"/>
-                            </p:stCondLst>
-                            <p:childTnLst>
-                              <p:par>
-                                <p:cTn id="85" presetID="10" presetClass="exit" presetSubtype="0" fill="hold" nodeType="clickEffect">
+                                <p:cTn id="92" presetID="10" presetClass="exit" presetSubtype="0" fill="hold" nodeType="clickEffect">
                                   <p:stCondLst>
                                     <p:cond delay="0"/>
                                   </p:stCondLst>
                                   <p:childTnLst>
                                     <p:animEffect transition="out" filter="fade">
                                       <p:cBhvr>
-                                        <p:cTn id="86" dur="500"/>
-                                        <p:tgtEl>
-                                          <p:spTgt spid="95"/>
-                                        </p:tgtEl>
-                                      </p:cBhvr>
-                                    </p:animEffect>
-                                    <p:set>
-                                      <p:cBhvr>
-                                        <p:cTn id="87" dur="1" fill="hold">
-                                          <p:stCondLst>
-                                            <p:cond delay="499"/>
-                                          </p:stCondLst>
-                                        </p:cTn>
-                                        <p:tgtEl>
-                                          <p:spTgt spid="95"/>
-                                        </p:tgtEl>
-                                        <p:attrNameLst>
-                                          <p:attrName>style.visibility</p:attrName>
-                                        </p:attrNameLst>
-                                      </p:cBhvr>
-                                      <p:to>
-                                        <p:strVal val="hidden"/>
-                                      </p:to>
-                                    </p:set>
-                                  </p:childTnLst>
-                                </p:cTn>
-                              </p:par>
-                            </p:childTnLst>
-                          </p:cTn>
-                        </p:par>
-                        <p:par>
-                          <p:cTn id="88" fill="hold">
-                            <p:stCondLst>
-                              <p:cond delay="500"/>
-                            </p:stCondLst>
-                            <p:childTnLst>
-                              <p:par>
-                                <p:cTn id="89" presetID="10" presetClass="entr" presetSubtype="0" fill="hold" nodeType="afterEffect">
-                                  <p:stCondLst>
-                                    <p:cond delay="0"/>
-                                  </p:stCondLst>
-                                  <p:childTnLst>
-                                    <p:set>
-                                      <p:cBhvr>
-                                        <p:cTn id="90" dur="1" fill="hold">
-                                          <p:stCondLst>
-                                            <p:cond delay="0"/>
-                                          </p:stCondLst>
-                                        </p:cTn>
-                                        <p:tgtEl>
-                                          <p:spTgt spid="98"/>
-                                        </p:tgtEl>
-                                        <p:attrNameLst>
-                                          <p:attrName>style.visibility</p:attrName>
-                                        </p:attrNameLst>
-                                      </p:cBhvr>
-                                      <p:to>
-                                        <p:strVal val="visible"/>
-                                      </p:to>
-                                    </p:set>
-                                    <p:animEffect transition="in" filter="fade">
-                                      <p:cBhvr>
-                                        <p:cTn id="91" dur="500"/>
-                                        <p:tgtEl>
-                                          <p:spTgt spid="98"/>
-                                        </p:tgtEl>
-                                      </p:cBhvr>
-                                    </p:animEffect>
-                                  </p:childTnLst>
-                                </p:cTn>
-                              </p:par>
-                              <p:par>
-                                <p:cTn id="92" presetID="10" presetClass="exit" presetSubtype="0" fill="hold" nodeType="withEffect">
-                                  <p:stCondLst>
-                                    <p:cond delay="0"/>
-                                  </p:stCondLst>
-                                  <p:childTnLst>
-                                    <p:animEffect transition="out" filter="fade">
-                                      <p:cBhvr>
                                         <p:cTn id="93" dur="500"/>
                                         <p:tgtEl>
-                                          <p:spTgt spid="107"/>
+                                          <p:spTgt spid="104"/>
                                         </p:tgtEl>
                                       </p:cBhvr>
                                     </p:animEffect>
@@ -11994,7 +12001,7 @@
                                           </p:stCondLst>
                                         </p:cTn>
                                         <p:tgtEl>
-                                          <p:spTgt spid="107"/>
+                                          <p:spTgt spid="104"/>
                                         </p:tgtEl>
                                         <p:attrNameLst>
                                           <p:attrName>style.visibility</p:attrName>
@@ -12013,7 +12020,7 @@
                         <p:par>
                           <p:cTn id="95" fill="hold">
                             <p:stCondLst>
-                              <p:cond delay="1000"/>
+                              <p:cond delay="500"/>
                             </p:stCondLst>
                             <p:childTnLst>
                               <p:par>
@@ -12030,7 +12037,7 @@
                                           </p:stCondLst>
                                         </p:cTn>
                                         <p:tgtEl>
-                                          <p:spTgt spid="110"/>
+                                          <p:spTgt spid="107"/>
                                         </p:tgtEl>
                                         <p:attrNameLst>
                                           <p:attrName>style.visibility</p:attrName>
@@ -12044,7 +12051,7 @@
                                       <p:cBhvr>
                                         <p:cTn id="98" dur="500"/>
                                         <p:tgtEl>
-                                          <p:spTgt spid="110"/>
+                                          <p:spTgt spid="107"/>
                                         </p:tgtEl>
                                       </p:cBhvr>
                                     </p:animEffect>
@@ -12083,7 +12090,7 @@
                                           </p:stCondLst>
                                         </p:cTn>
                                         <p:tgtEl>
-                                          <p:spTgt spid="130"/>
+                                          <p:spTgt spid="122"/>
                                         </p:tgtEl>
                                         <p:attrNameLst>
                                           <p:attrName>style.visibility</p:attrName>
@@ -12097,7 +12104,7 @@
                                       <p:cBhvr>
                                         <p:cTn id="103" dur="500"/>
                                         <p:tgtEl>
-                                          <p:spTgt spid="130"/>
+                                          <p:spTgt spid="122"/>
                                         </p:tgtEl>
                                       </p:cBhvr>
                                     </p:animEffect>
@@ -12123,20 +12130,64 @@
                             </p:stCondLst>
                             <p:childTnLst>
                               <p:par>
-                                <p:cTn id="106" presetID="10" presetClass="entr" presetSubtype="0" fill="hold" grpId="0" nodeType="clickEffect">
+                                <p:cTn id="106" presetID="10" presetClass="exit" presetSubtype="0" fill="hold" nodeType="clickEffect">
+                                  <p:stCondLst>
+                                    <p:cond delay="0"/>
+                                  </p:stCondLst>
+                                  <p:childTnLst>
+                                    <p:animEffect transition="out" filter="fade">
+                                      <p:cBhvr>
+                                        <p:cTn id="107" dur="500"/>
+                                        <p:tgtEl>
+                                          <p:spTgt spid="95"/>
+                                        </p:tgtEl>
+                                      </p:cBhvr>
+                                    </p:animEffect>
+                                    <p:set>
+                                      <p:cBhvr>
+                                        <p:cTn id="108" dur="1" fill="hold">
+                                          <p:stCondLst>
+                                            <p:cond delay="499"/>
+                                          </p:stCondLst>
+                                        </p:cTn>
+                                        <p:tgtEl>
+                                          <p:spTgt spid="95"/>
+                                        </p:tgtEl>
+                                        <p:attrNameLst>
+                                          <p:attrName>style.visibility</p:attrName>
+                                        </p:attrNameLst>
+                                      </p:cBhvr>
+                                      <p:to>
+                                        <p:strVal val="hidden"/>
+                                      </p:to>
+                                    </p:set>
+                                  </p:childTnLst>
+                                </p:cTn>
+                              </p:par>
+                            </p:childTnLst>
+                          </p:cTn>
+                        </p:par>
+                        <p:par>
+                          <p:cTn id="109" fill="hold">
+                            <p:stCondLst>
+                              <p:cond delay="500"/>
+                            </p:stCondLst>
+                            <p:childTnLst>
+                              <p:par>
+                                <p:cTn id="110" presetID="10" presetClass="entr" presetSubtype="0" fill="hold" nodeType="afterEffect">
                                   <p:stCondLst>
                                     <p:cond delay="0"/>
                                   </p:stCondLst>
                                   <p:childTnLst>
                                     <p:set>
                                       <p:cBhvr>
-                                        <p:cTn id="107" dur="1" fill="hold">
+                                        <p:cTn id="111" dur="1" fill="hold">
                                           <p:stCondLst>
                                             <p:cond delay="0"/>
                                           </p:stCondLst>
                                         </p:cTn>
                                         <p:tgtEl>
-                                          <p:spTgt spid="133"/>
+                                          <p:spTgt spid="98"/>
                                         </p:tgtEl>
                                         <p:attrNameLst>
                                           <p:attrName>style.visibility</p:attrName>
@@ -12148,9 +12199,106 @@
                                     </p:set>
                                     <p:animEffect transition="in" filter="fade">
                                       <p:cBhvr>
-                                        <p:cTn id="108" dur="500"/>
-                                        <p:tgtEl>
-                                          <p:spTgt spid="133"/>
+                                        <p:cTn id="112" dur="500"/>
+                                        <p:tgtEl>
+                                          <p:spTgt spid="98"/>
+                                        </p:tgtEl>
+                                      </p:cBhvr>
+                                    </p:animEffect>
+                                  </p:childTnLst>
+                                </p:cTn>
+                              </p:par>
+                            </p:childTnLst>
+                          </p:cTn>
+                        </p:par>
+                        <p:par>
+                          <p:cTn id="113" fill="hold">
+                            <p:stCondLst>
+                              <p:cond delay="1000"/>
+                            </p:stCondLst>
+                            <p:childTnLst>
+                              <p:par>
+                                <p:cTn id="114" presetID="10" presetClass="exit" presetSubtype="0" fill="hold" nodeType="afterEffect">
+                                  <p:stCondLst>
+                                    <p:cond delay="0"/>
+                                  </p:stCondLst>
+                                  <p:childTnLst>
+                                    <p:animEffect transition="out" filter="fade">
+                                      <p:cBhvr>
+                                        <p:cTn id="115" dur="500"/>
+                                        <p:tgtEl>
+                                          <p:spTgt spid="107"/>
+                                        </p:tgtEl>
+                                      </p:cBhvr>
+                                    </p:animEffect>
+                                    <p:set>
+                                      <p:cBhvr>
+                                        <p:cTn id="116" dur="1" fill="hold">
+                                          <p:stCondLst>
+                                            <p:cond delay="499"/>
+                                          </p:stCondLst>
+                                        </p:cTn>
+                                        <p:tgtEl>
+                                          <p:spTgt spid="107"/>
+                                        </p:tgtEl>
+                                        <p:attrNameLst>
+                                          <p:attrName>style.visibility</p:attrName>
+                                        </p:attrNameLst>
+                                      </p:cBhvr>
+                                      <p:to>
+                                        <p:strVal val="hidden"/>
+                                      </p:to>
+                                    </p:set>
+                                  </p:childTnLst>
+                                </p:cTn>
+                              </p:par>
+                            </p:childTnLst>
+                          </p:cTn>
+                        </p:par>
+                      </p:childTnLst>
+                    </p:cTn>
+                  </p:par>
+                  <p:par>
+                    <p:cTn id="117" fill="hold">
+                      <p:stCondLst>
+                        <p:cond delay="indefinite"/>
+                      </p:stCondLst>
+                      <p:childTnLst>
+                        <p:par>
+                          <p:cTn id="118" fill="hold">
+                            <p:stCondLst>
+                              <p:cond delay="0"/>
+                            </p:stCondLst>
+                            <p:childTnLst>
+                              <p:par>
+                                <p:cTn id="119" presetID="10" presetClass="entr" presetSubtype="0" fill="hold" nodeType="clickEffect">
+                                  <p:stCondLst>
+                                    <p:cond delay="0"/>
+                                  </p:stCondLst>
+                                  <p:childTnLst>
+                                    <p:set>
+                                      <p:cBhvr>
+                                        <p:cTn id="120" dur="1" fill="hold">
+                                          <p:stCondLst>
+                                            <p:cond delay="0"/>
+                                          </p:stCondLst>
+                                        </p:cTn>
+                                        <p:tgtEl>
+                                          <p:spTgt spid="88"/>
+                                        </p:tgtEl>
+                                        <p:attrNameLst>
+                                          <p:attrName>style.visibility</p:attrName>
+                                        </p:attrNameLst>
+                                      </p:cBhvr>
+                                      <p:to>
+                                        <p:strVal val="visible"/>
+                                      </p:to>
+                                    </p:set>
+                                    <p:animEffect transition="in" filter="fade">
+                                      <p:cBhvr>
+                                        <p:cTn id="121" dur="500"/>
+                                        <p:tgtEl>
+                                          <p:spTgt spid="88"/>
                                         </p:tgtEl>
                                       </p:cBhvr>
                                     </p:animEffect>
@@ -12164,32 +12312,32 @@
                     </p:cTn>
                   </p:par>
                   <p:par>
-                    <p:cTn id="109" fill="hold">
+                    <p:cTn id="122" fill="hold">
                       <p:stCondLst>
                         <p:cond delay="indefinite"/>
                       </p:stCondLst>
                       <p:childTnLst>
                         <p:par>
-                          <p:cTn id="110" fill="hold">
+                          <p:cTn id="123" fill="hold">
                             <p:stCondLst>
                               <p:cond delay="0"/>
                             </p:stCondLst>
                             <p:childTnLst>
                               <p:par>
-                                <p:cTn id="111" presetID="10" presetClass="entr" presetSubtype="0" fill="hold" grpId="0" nodeType="clickEffect">
+                                <p:cTn id="124" presetID="10" presetClass="entr" presetSubtype="0" fill="hold" grpId="0" nodeType="clickEffect">
                                   <p:stCondLst>
                                     <p:cond delay="0"/>
                                   </p:stCondLst>
                                   <p:childTnLst>
                                     <p:set>
                                       <p:cBhvr>
-                                        <p:cTn id="112" dur="1" fill="hold">
+                                        <p:cTn id="125" dur="1" fill="hold">
                                           <p:stCondLst>
                                             <p:cond delay="0"/>
                                           </p:stCondLst>
                                         </p:cTn>
                                         <p:tgtEl>
-                                          <p:spTgt spid="127"/>
+                                          <p:spTgt spid="130"/>
                                         </p:tgtEl>
                                         <p:attrNameLst>
                                           <p:attrName>style.visibility</p:attrName>
@@ -12201,9 +12349,9 @@
                                     </p:set>
                                     <p:animEffect transition="in" filter="fade">
                                       <p:cBhvr>
-                                        <p:cTn id="113" dur="500"/>
-                                        <p:tgtEl>
-                                          <p:spTgt spid="127"/>
+                                        <p:cTn id="126" dur="500"/>
+                                        <p:tgtEl>
+                                          <p:spTgt spid="130"/>
                                         </p:tgtEl>
                                       </p:cBhvr>
                                     </p:animEffect>
@@ -12217,32 +12365,76 @@
                     </p:cTn>
                   </p:par>
                   <p:par>
-                    <p:cTn id="114" fill="hold">
+                    <p:cTn id="127" fill="hold">
                       <p:stCondLst>
                         <p:cond delay="indefinite"/>
                       </p:stCondLst>
                       <p:childTnLst>
                         <p:par>
-                          <p:cTn id="115" fill="hold">
+                          <p:cTn id="128" fill="hold">
                             <p:stCondLst>
                               <p:cond delay="0"/>
                             </p:stCondLst>
                             <p:childTnLst>
                               <p:par>
-                                <p:cTn id="116" presetID="10" presetClass="entr" presetSubtype="0" fill="hold" grpId="0" nodeType="clickEffect">
+                                <p:cTn id="129" presetID="10" presetClass="exit" presetSubtype="0" fill="hold" nodeType="clickEffect">
+                                  <p:stCondLst>
+                                    <p:cond delay="0"/>
+                                  </p:stCondLst>
+                                  <p:childTnLst>
+                                    <p:animEffect transition="out" filter="fade">
+                                      <p:cBhvr>
+                                        <p:cTn id="130" dur="500"/>
+                                        <p:tgtEl>
+                                          <p:spTgt spid="88"/>
+                                        </p:tgtEl>
+                                      </p:cBhvr>
+                                    </p:animEffect>
+                                    <p:set>
+                                      <p:cBhvr>
+                                        <p:cTn id="131" dur="1" fill="hold">
+                                          <p:stCondLst>
+                                            <p:cond delay="499"/>
+                                          </p:stCondLst>
+                                        </p:cTn>
+                                        <p:tgtEl>
+                                          <p:spTgt spid="88"/>
+                                        </p:tgtEl>
+                                        <p:attrNameLst>
+                                          <p:attrName>style.visibility</p:attrName>
+                                        </p:attrNameLst>
+                                      </p:cBhvr>
+                                      <p:to>
+                                        <p:strVal val="hidden"/>
+                                      </p:to>
+                                    </p:set>
+                                  </p:childTnLst>
+                                </p:cTn>
+                              </p:par>
+                            </p:childTnLst>
+                          </p:cTn>
+                        </p:par>
+                        <p:par>
+                          <p:cTn id="132" fill="hold">
+                            <p:stCondLst>
+                              <p:cond delay="500"/>
+                            </p:stCondLst>
+                            <p:childTnLst>
+                              <p:par>
+                                <p:cTn id="133" presetID="10" presetClass="entr" presetSubtype="0" fill="hold" nodeType="afterEffect">
                                   <p:stCondLst>
                                     <p:cond delay="0"/>
                                   </p:stCondLst>
                                   <p:childTnLst>
                                     <p:set>
                                       <p:cBhvr>
-                                        <p:cTn id="117" dur="1" fill="hold">
+                                        <p:cTn id="134" dur="1" fill="hold">
                                           <p:stCondLst>
                                             <p:cond delay="0"/>
                                           </p:stCondLst>
                                         </p:cTn>
                                         <p:tgtEl>
-                                          <p:spTgt spid="121"/>
+                                          <p:spTgt spid="104"/>
                                         </p:tgtEl>
                                         <p:attrNameLst>
                                           <p:attrName>style.visibility</p:attrName>
@@ -12254,9 +12446,9 @@
                                     </p:set>
                                     <p:animEffect transition="in" filter="fade">
                                       <p:cBhvr>
-                                        <p:cTn id="118" dur="500"/>
-                                        <p:tgtEl>
-                                          <p:spTgt spid="121"/>
+                                        <p:cTn id="135" dur="500"/>
+                                        <p:tgtEl>
+                                          <p:spTgt spid="104"/>
                                         </p:tgtEl>
                                       </p:cBhvr>
                                     </p:animEffect>
@@ -12270,40 +12462,93 @@
                     </p:cTn>
                   </p:par>
                   <p:par>
-                    <p:cTn id="119" fill="hold">
+                    <p:cTn id="136" fill="hold">
                       <p:stCondLst>
                         <p:cond delay="indefinite"/>
                       </p:stCondLst>
                       <p:childTnLst>
                         <p:par>
-                          <p:cTn id="120" fill="hold">
+                          <p:cTn id="137" fill="hold">
                             <p:stCondLst>
                               <p:cond delay="0"/>
                             </p:stCondLst>
                             <p:childTnLst>
                               <p:par>
-                                <p:cTn id="121" presetID="10" presetClass="exit" presetSubtype="0" fill="hold" nodeType="clickEffect">
+                                <p:cTn id="138" presetID="10" presetClass="entr" presetSubtype="0" fill="hold" grpId="0" nodeType="clickEffect">
+                                  <p:stCondLst>
+                                    <p:cond delay="0"/>
+                                  </p:stCondLst>
+                                  <p:childTnLst>
+                                    <p:set>
+                                      <p:cBhvr>
+                                        <p:cTn id="139" dur="1" fill="hold">
+                                          <p:stCondLst>
+                                            <p:cond delay="0"/>
+                                          </p:stCondLst>
+                                        </p:cTn>
+                                        <p:tgtEl>
+                                          <p:spTgt spid="133"/>
+                                        </p:tgtEl>
+                                        <p:attrNameLst>
+                                          <p:attrName>style.visibility</p:attrName>
+                                        </p:attrNameLst>
+                                      </p:cBhvr>
+                                      <p:to>
+                                        <p:strVal val="visible"/>
+                                      </p:to>
+                                    </p:set>
+                                    <p:animEffect transition="in" filter="fade">
+                                      <p:cBhvr>
+                                        <p:cTn id="140" dur="500"/>
+                                        <p:tgtEl>
+                                          <p:spTgt spid="133"/>
+                                        </p:tgtEl>
+                                      </p:cBhvr>
+                                    </p:animEffect>
+                                  </p:childTnLst>
+                                </p:cTn>
+                              </p:par>
+                            </p:childTnLst>
+                          </p:cTn>
+                        </p:par>
+                      </p:childTnLst>
+                    </p:cTn>
+                  </p:par>
+                  <p:par>
+                    <p:cTn id="141" fill="hold">
+                      <p:stCondLst>
+                        <p:cond delay="indefinite"/>
+                      </p:stCondLst>
+                      <p:childTnLst>
+                        <p:par>
+                          <p:cTn id="142" fill="hold">
+                            <p:stCondLst>
+                              <p:cond delay="0"/>
+                            </p:stCondLst>
+                            <p:childTnLst>
+                              <p:par>
+                                <p:cTn id="143" presetID="10" presetClass="exit" presetSubtype="0" fill="hold" nodeType="clickEffect">
                                   <p:stCondLst>
                                     <p:cond delay="0"/>
                                   </p:stCondLst>
                                   <p:childTnLst>
                                     <p:animEffect transition="out" filter="fade">
                                       <p:cBhvr>
-                                        <p:cTn id="122" dur="500"/>
-                                        <p:tgtEl>
-                                          <p:spTgt spid="98"/>
+                                        <p:cTn id="144" dur="500"/>
+                                        <p:tgtEl>
+                                          <p:spTgt spid="104"/>
                                         </p:tgtEl>
                                       </p:cBhvr>
                                     </p:animEffect>
                                     <p:set>
                                       <p:cBhvr>
-                                        <p:cTn id="123" dur="1" fill="hold">
+                                        <p:cTn id="145" dur="1" fill="hold">
                                           <p:stCondLst>
                                             <p:cond delay="499"/>
                                           </p:stCondLst>
                                         </p:cTn>
                                         <p:tgtEl>
-                                          <p:spTgt spid="98"/>
+                                          <p:spTgt spid="104"/>
                                         </p:tgtEl>
                                         <p:attrNameLst>
                                           <p:attrName>style.visibility</p:attrName>
@@ -12320,26 +12565,26 @@
                           </p:cTn>
                         </p:par>
                         <p:par>
-                          <p:cTn id="124" fill="hold">
+                          <p:cTn id="146" fill="hold">
                             <p:stCondLst>
                               <p:cond delay="500"/>
                             </p:stCondLst>
                             <p:childTnLst>
                               <p:par>
-                                <p:cTn id="125" presetID="10" presetClass="entr" presetSubtype="0" fill="hold" nodeType="afterEffect">
+                                <p:cTn id="147" presetID="10" presetClass="entr" presetSubtype="0" fill="hold" nodeType="afterEffect">
                                   <p:stCondLst>
                                     <p:cond delay="0"/>
                                   </p:stCondLst>
                                   <p:childTnLst>
                                     <p:set>
                                       <p:cBhvr>
-                                        <p:cTn id="126" dur="1" fill="hold">
+                                        <p:cTn id="148" dur="1" fill="hold">
                                           <p:stCondLst>
                                             <p:cond delay="0"/>
                                           </p:stCondLst>
                                         </p:cTn>
                                         <p:tgtEl>
-                                          <p:spTgt spid="101"/>
+                                          <p:spTgt spid="107"/>
                                         </p:tgtEl>
                                         <p:attrNameLst>
                                           <p:attrName>style.visibility</p:attrName>
@@ -12351,247 +12596,9 @@
                                     </p:set>
                                     <p:animEffect transition="in" filter="fade">
                                       <p:cBhvr>
-                                        <p:cTn id="127" dur="500"/>
-                                        <p:tgtEl>
-                                          <p:spTgt spid="101"/>
-                                        </p:tgtEl>
-                                      </p:cBhvr>
-                                    </p:animEffect>
-                                  </p:childTnLst>
-                                </p:cTn>
-                              </p:par>
-                              <p:par>
-                                <p:cTn id="128" presetID="10" presetClass="exit" presetSubtype="0" fill="hold" nodeType="withEffect">
-                                  <p:stCondLst>
-                                    <p:cond delay="0"/>
-                                  </p:stCondLst>
-                                  <p:childTnLst>
-                                    <p:animEffect transition="out" filter="fade">
-                                      <p:cBhvr>
-                                        <p:cTn id="129" dur="500"/>
-                                        <p:tgtEl>
-                                          <p:spTgt spid="110"/>
-                                        </p:tgtEl>
-                                      </p:cBhvr>
-                                    </p:animEffect>
-                                    <p:set>
-                                      <p:cBhvr>
-                                        <p:cTn id="130" dur="1" fill="hold">
-                                          <p:stCondLst>
-                                            <p:cond delay="499"/>
-                                          </p:stCondLst>
-                                        </p:cTn>
-                                        <p:tgtEl>
-                                          <p:spTgt spid="110"/>
-                                        </p:tgtEl>
-                                        <p:attrNameLst>
-                                          <p:attrName>style.visibility</p:attrName>
-                                        </p:attrNameLst>
-                                      </p:cBhvr>
-                                      <p:to>
-                                        <p:strVal val="hidden"/>
-                                      </p:to>
-                                    </p:set>
-                                  </p:childTnLst>
-                                </p:cTn>
-                              </p:par>
-                            </p:childTnLst>
-                          </p:cTn>
-                        </p:par>
-                        <p:par>
-                          <p:cTn id="131" fill="hold">
-                            <p:stCondLst>
-                              <p:cond delay="1000"/>
-                            </p:stCondLst>
-                            <p:childTnLst>
-                              <p:par>
-                                <p:cTn id="132" presetID="10" presetClass="entr" presetSubtype="0" fill="hold" nodeType="afterEffect">
-                                  <p:stCondLst>
-                                    <p:cond delay="0"/>
-                                  </p:stCondLst>
-                                  <p:childTnLst>
-                                    <p:set>
-                                      <p:cBhvr>
-                                        <p:cTn id="133" dur="1" fill="hold">
-                                          <p:stCondLst>
-                                            <p:cond delay="0"/>
-                                          </p:stCondLst>
-                                        </p:cTn>
-                                        <p:tgtEl>
-                                          <p:spTgt spid="113"/>
-                                        </p:tgtEl>
-                                        <p:attrNameLst>
-                                          <p:attrName>style.visibility</p:attrName>
-                                        </p:attrNameLst>
-                                      </p:cBhvr>
-                                      <p:to>
-                                        <p:strVal val="visible"/>
-                                      </p:to>
-                                    </p:set>
-                                    <p:animEffect transition="in" filter="fade">
-                                      <p:cBhvr>
-                                        <p:cTn id="134" dur="500"/>
-                                        <p:tgtEl>
-                                          <p:spTgt spid="113"/>
-                                        </p:tgtEl>
-                                      </p:cBhvr>
-                                    </p:animEffect>
-                                  </p:childTnLst>
-                                </p:cTn>
-                              </p:par>
-                            </p:childTnLst>
-                          </p:cTn>
-                        </p:par>
-                      </p:childTnLst>
-                    </p:cTn>
-                  </p:par>
-                  <p:par>
-                    <p:cTn id="135" fill="hold">
-                      <p:stCondLst>
-                        <p:cond delay="indefinite"/>
-                      </p:stCondLst>
-                      <p:childTnLst>
-                        <p:par>
-                          <p:cTn id="136" fill="hold">
-                            <p:stCondLst>
-                              <p:cond delay="0"/>
-                            </p:stCondLst>
-                            <p:childTnLst>
-                              <p:par>
-                                <p:cTn id="137" presetID="10" presetClass="entr" presetSubtype="0" fill="hold" grpId="0" nodeType="clickEffect">
-                                  <p:stCondLst>
-                                    <p:cond delay="0"/>
-                                  </p:stCondLst>
-                                  <p:childTnLst>
-                                    <p:set>
-                                      <p:cBhvr>
-                                        <p:cTn id="138" dur="1" fill="hold">
-                                          <p:stCondLst>
-                                            <p:cond delay="0"/>
-                                          </p:stCondLst>
-                                        </p:cTn>
-                                        <p:tgtEl>
-                                          <p:spTgt spid="131"/>
-                                        </p:tgtEl>
-                                        <p:attrNameLst>
-                                          <p:attrName>style.visibility</p:attrName>
-                                        </p:attrNameLst>
-                                      </p:cBhvr>
-                                      <p:to>
-                                        <p:strVal val="visible"/>
-                                      </p:to>
-                                    </p:set>
-                                    <p:animEffect transition="in" filter="fade">
-                                      <p:cBhvr>
-                                        <p:cTn id="139" dur="500"/>
-                                        <p:tgtEl>
-                                          <p:spTgt spid="131"/>
-                                        </p:tgtEl>
-                                      </p:cBhvr>
-                                    </p:animEffect>
-                                  </p:childTnLst>
-                                </p:cTn>
-                              </p:par>
-                            </p:childTnLst>
-                          </p:cTn>
-                        </p:par>
-                      </p:childTnLst>
-                    </p:cTn>
-                  </p:par>
-                  <p:par>
-                    <p:cTn id="140" fill="hold">
-                      <p:stCondLst>
-                        <p:cond delay="indefinite"/>
-                      </p:stCondLst>
-                      <p:childTnLst>
-                        <p:par>
-                          <p:cTn id="141" fill="hold">
-                            <p:stCondLst>
-                              <p:cond delay="0"/>
-                            </p:stCondLst>
-                            <p:childTnLst>
-                              <p:par>
-                                <p:cTn id="142" presetID="10" presetClass="entr" presetSubtype="0" fill="hold" grpId="0" nodeType="clickEffect">
-                                  <p:stCondLst>
-                                    <p:cond delay="0"/>
-                                  </p:stCondLst>
-                                  <p:childTnLst>
-                                    <p:set>
-                                      <p:cBhvr>
-                                        <p:cTn id="143" dur="1" fill="hold">
-                                          <p:stCondLst>
-                                            <p:cond delay="0"/>
-                                          </p:stCondLst>
-                                        </p:cTn>
-                                        <p:tgtEl>
-                                          <p:spTgt spid="134"/>
-                                        </p:tgtEl>
-                                        <p:attrNameLst>
-                                          <p:attrName>style.visibility</p:attrName>
-                                        </p:attrNameLst>
-                                      </p:cBhvr>
-                                      <p:to>
-                                        <p:strVal val="visible"/>
-                                      </p:to>
-                                    </p:set>
-                                    <p:animEffect transition="in" filter="fade">
-                                      <p:cBhvr>
-                                        <p:cTn id="144" dur="500"/>
-                                        <p:tgtEl>
-                                          <p:spTgt spid="134"/>
-                                        </p:tgtEl>
-                                      </p:cBhvr>
-                                    </p:animEffect>
-                                  </p:childTnLst>
-                                </p:cTn>
-                              </p:par>
-                            </p:childTnLst>
-                          </p:cTn>
-                        </p:par>
-                      </p:childTnLst>
-                    </p:cTn>
-                  </p:par>
-                  <p:par>
-                    <p:cTn id="145" fill="hold">
-                      <p:stCondLst>
-                        <p:cond delay="indefinite"/>
-                      </p:stCondLst>
-                      <p:childTnLst>
-                        <p:par>
-                          <p:cTn id="146" fill="hold">
-                            <p:stCondLst>
-                              <p:cond delay="0"/>
-                            </p:stCondLst>
-                            <p:childTnLst>
-                              <p:par>
-                                <p:cTn id="147" presetID="10" presetClass="entr" presetSubtype="0" fill="hold" grpId="0" nodeType="clickEffect">
-                                  <p:stCondLst>
-                                    <p:cond delay="0"/>
-                                  </p:stCondLst>
-                                  <p:childTnLst>
-                                    <p:set>
-                                      <p:cBhvr>
-                                        <p:cTn id="148" dur="1" fill="hold">
-                                          <p:stCondLst>
-                                            <p:cond delay="0"/>
-                                          </p:stCondLst>
-                                        </p:cTn>
-                                        <p:tgtEl>
-                                          <p:spTgt spid="126"/>
-                                        </p:tgtEl>
-                                        <p:attrNameLst>
-                                          <p:attrName>style.visibility</p:attrName>
-                                        </p:attrNameLst>
-                                      </p:cBhvr>
-                                      <p:to>
-                                        <p:strVal val="visible"/>
-                                      </p:to>
-                                    </p:set>
-                                    <p:animEffect transition="in" filter="fade">
-                                      <p:cBhvr>
                                         <p:cTn id="149" dur="500"/>
                                         <p:tgtEl>
-                                          <p:spTgt spid="126"/>
+                                          <p:spTgt spid="107"/>
                                         </p:tgtEl>
                                       </p:cBhvr>
                                     </p:animEffect>
@@ -12630,7 +12637,7 @@
                                           </p:stCondLst>
                                         </p:cTn>
                                         <p:tgtEl>
-                                          <p:spTgt spid="125"/>
+                                          <p:spTgt spid="127"/>
                                         </p:tgtEl>
                                         <p:attrNameLst>
                                           <p:attrName>style.visibility</p:attrName>
@@ -12644,7 +12651,7 @@
                                       <p:cBhvr>
                                         <p:cTn id="154" dur="500"/>
                                         <p:tgtEl>
-                                          <p:spTgt spid="125"/>
+                                          <p:spTgt spid="127"/>
                                         </p:tgtEl>
                                       </p:cBhvr>
                                     </p:animEffect>
@@ -12670,20 +12677,64 @@
                             </p:stCondLst>
                             <p:childTnLst>
                               <p:par>
-                                <p:cTn id="157" presetID="10" presetClass="entr" presetSubtype="0" fill="hold" grpId="0" nodeType="clickEffect">
+                                <p:cTn id="157" presetID="10" presetClass="exit" presetSubtype="0" fill="hold" nodeType="clickEffect">
+                                  <p:stCondLst>
+                                    <p:cond delay="0"/>
+                                  </p:stCondLst>
+                                  <p:childTnLst>
+                                    <p:animEffect transition="out" filter="fade">
+                                      <p:cBhvr>
+                                        <p:cTn id="158" dur="500"/>
+                                        <p:tgtEl>
+                                          <p:spTgt spid="107"/>
+                                        </p:tgtEl>
+                                      </p:cBhvr>
+                                    </p:animEffect>
+                                    <p:set>
+                                      <p:cBhvr>
+                                        <p:cTn id="159" dur="1" fill="hold">
+                                          <p:stCondLst>
+                                            <p:cond delay="499"/>
+                                          </p:stCondLst>
+                                        </p:cTn>
+                                        <p:tgtEl>
+                                          <p:spTgt spid="107"/>
+                                        </p:tgtEl>
+                                        <p:attrNameLst>
+                                          <p:attrName>style.visibility</p:attrName>
+                                        </p:attrNameLst>
+                                      </p:cBhvr>
+                                      <p:to>
+                                        <p:strVal val="hidden"/>
+                                      </p:to>
+                                    </p:set>
+                                  </p:childTnLst>
+                                </p:cTn>
+                              </p:par>
+                            </p:childTnLst>
+                          </p:cTn>
+                        </p:par>
+                        <p:par>
+                          <p:cTn id="160" fill="hold">
+                            <p:stCondLst>
+                              <p:cond delay="500"/>
+                            </p:stCondLst>
+                            <p:childTnLst>
+                              <p:par>
+                                <p:cTn id="161" presetID="10" presetClass="entr" presetSubtype="0" fill="hold" nodeType="afterEffect">
                                   <p:stCondLst>
                                     <p:cond delay="0"/>
                                   </p:stCondLst>
                                   <p:childTnLst>
                                     <p:set>
                                       <p:cBhvr>
-                                        <p:cTn id="158" dur="1" fill="hold">
+                                        <p:cTn id="162" dur="1" fill="hold">
                                           <p:stCondLst>
                                             <p:cond delay="0"/>
                                           </p:stCondLst>
                                         </p:cTn>
                                         <p:tgtEl>
-                                          <p:spTgt spid="119"/>
+                                          <p:spTgt spid="110"/>
                                         </p:tgtEl>
                                         <p:attrNameLst>
                                           <p:attrName>style.visibility</p:attrName>
@@ -12695,7 +12746,907 @@
                                     </p:set>
                                     <p:animEffect transition="in" filter="fade">
                                       <p:cBhvr>
-                                        <p:cTn id="159" dur="500"/>
+                                        <p:cTn id="163" dur="500"/>
+                                        <p:tgtEl>
+                                          <p:spTgt spid="110"/>
+                                        </p:tgtEl>
+                                      </p:cBhvr>
+                                    </p:animEffect>
+                                  </p:childTnLst>
+                                </p:cTn>
+                              </p:par>
+                            </p:childTnLst>
+                          </p:cTn>
+                        </p:par>
+                      </p:childTnLst>
+                    </p:cTn>
+                  </p:par>
+                  <p:par>
+                    <p:cTn id="164" fill="hold">
+                      <p:stCondLst>
+                        <p:cond delay="indefinite"/>
+                      </p:stCondLst>
+                      <p:childTnLst>
+                        <p:par>
+                          <p:cTn id="165" fill="hold">
+                            <p:stCondLst>
+                              <p:cond delay="0"/>
+                            </p:stCondLst>
+                            <p:childTnLst>
+                              <p:par>
+                                <p:cTn id="166" presetID="10" presetClass="entr" presetSubtype="0" fill="hold" grpId="0" nodeType="clickEffect">
+                                  <p:stCondLst>
+                                    <p:cond delay="0"/>
+                                  </p:stCondLst>
+                                  <p:childTnLst>
+                                    <p:set>
+                                      <p:cBhvr>
+                                        <p:cTn id="167" dur="1" fill="hold">
+                                          <p:stCondLst>
+                                            <p:cond delay="0"/>
+                                          </p:stCondLst>
+                                        </p:cTn>
+                                        <p:tgtEl>
+                                          <p:spTgt spid="121"/>
+                                        </p:tgtEl>
+                                        <p:attrNameLst>
+                                          <p:attrName>style.visibility</p:attrName>
+                                        </p:attrNameLst>
+                                      </p:cBhvr>
+                                      <p:to>
+                                        <p:strVal val="visible"/>
+                                      </p:to>
+                                    </p:set>
+                                    <p:animEffect transition="in" filter="fade">
+                                      <p:cBhvr>
+                                        <p:cTn id="168" dur="500"/>
+                                        <p:tgtEl>
+                                          <p:spTgt spid="121"/>
+                                        </p:tgtEl>
+                                      </p:cBhvr>
+                                    </p:animEffect>
+                                  </p:childTnLst>
+                                </p:cTn>
+                              </p:par>
+                            </p:childTnLst>
+                          </p:cTn>
+                        </p:par>
+                      </p:childTnLst>
+                    </p:cTn>
+                  </p:par>
+                  <p:par>
+                    <p:cTn id="169" fill="hold">
+                      <p:stCondLst>
+                        <p:cond delay="indefinite"/>
+                      </p:stCondLst>
+                      <p:childTnLst>
+                        <p:par>
+                          <p:cTn id="170" fill="hold">
+                            <p:stCondLst>
+                              <p:cond delay="0"/>
+                            </p:stCondLst>
+                            <p:childTnLst>
+                              <p:par>
+                                <p:cTn id="171" presetID="10" presetClass="exit" presetSubtype="0" fill="hold" nodeType="clickEffect">
+                                  <p:stCondLst>
+                                    <p:cond delay="0"/>
+                                  </p:stCondLst>
+                                  <p:childTnLst>
+                                    <p:animEffect transition="out" filter="fade">
+                                      <p:cBhvr>
+                                        <p:cTn id="172" dur="500"/>
+                                        <p:tgtEl>
+                                          <p:spTgt spid="98"/>
+                                        </p:tgtEl>
+                                      </p:cBhvr>
+                                    </p:animEffect>
+                                    <p:set>
+                                      <p:cBhvr>
+                                        <p:cTn id="173" dur="1" fill="hold">
+                                          <p:stCondLst>
+                                            <p:cond delay="499"/>
+                                          </p:stCondLst>
+                                        </p:cTn>
+                                        <p:tgtEl>
+                                          <p:spTgt spid="98"/>
+                                        </p:tgtEl>
+                                        <p:attrNameLst>
+                                          <p:attrName>style.visibility</p:attrName>
+                                        </p:attrNameLst>
+                                      </p:cBhvr>
+                                      <p:to>
+                                        <p:strVal val="hidden"/>
+                                      </p:to>
+                                    </p:set>
+                                  </p:childTnLst>
+                                </p:cTn>
+                              </p:par>
+                            </p:childTnLst>
+                          </p:cTn>
+                        </p:par>
+                        <p:par>
+                          <p:cTn id="174" fill="hold">
+                            <p:stCondLst>
+                              <p:cond delay="500"/>
+                            </p:stCondLst>
+                            <p:childTnLst>
+                              <p:par>
+                                <p:cTn id="175" presetID="10" presetClass="entr" presetSubtype="0" fill="hold" nodeType="afterEffect">
+                                  <p:stCondLst>
+                                    <p:cond delay="0"/>
+                                  </p:stCondLst>
+                                  <p:childTnLst>
+                                    <p:set>
+                                      <p:cBhvr>
+                                        <p:cTn id="176" dur="1" fill="hold">
+                                          <p:stCondLst>
+                                            <p:cond delay="0"/>
+                                          </p:stCondLst>
+                                        </p:cTn>
+                                        <p:tgtEl>
+                                          <p:spTgt spid="101"/>
+                                        </p:tgtEl>
+                                        <p:attrNameLst>
+                                          <p:attrName>style.visibility</p:attrName>
+                                        </p:attrNameLst>
+                                      </p:cBhvr>
+                                      <p:to>
+                                        <p:strVal val="visible"/>
+                                      </p:to>
+                                    </p:set>
+                                    <p:animEffect transition="in" filter="fade">
+                                      <p:cBhvr>
+                                        <p:cTn id="177" dur="500"/>
+                                        <p:tgtEl>
+                                          <p:spTgt spid="101"/>
+                                        </p:tgtEl>
+                                      </p:cBhvr>
+                                    </p:animEffect>
+                                  </p:childTnLst>
+                                </p:cTn>
+                              </p:par>
+                            </p:childTnLst>
+                          </p:cTn>
+                        </p:par>
+                        <p:par>
+                          <p:cTn id="178" fill="hold">
+                            <p:stCondLst>
+                              <p:cond delay="1000"/>
+                            </p:stCondLst>
+                            <p:childTnLst>
+                              <p:par>
+                                <p:cTn id="179" presetID="10" presetClass="exit" presetSubtype="0" fill="hold" nodeType="afterEffect">
+                                  <p:stCondLst>
+                                    <p:cond delay="0"/>
+                                  </p:stCondLst>
+                                  <p:childTnLst>
+                                    <p:animEffect transition="out" filter="fade">
+                                      <p:cBhvr>
+                                        <p:cTn id="180" dur="500"/>
+                                        <p:tgtEl>
+                                          <p:spTgt spid="110"/>
+                                        </p:tgtEl>
+                                      </p:cBhvr>
+                                    </p:animEffect>
+                                    <p:set>
+                                      <p:cBhvr>
+                                        <p:cTn id="181" dur="1" fill="hold">
+                                          <p:stCondLst>
+                                            <p:cond delay="499"/>
+                                          </p:stCondLst>
+                                        </p:cTn>
+                                        <p:tgtEl>
+                                          <p:spTgt spid="110"/>
+                                        </p:tgtEl>
+                                        <p:attrNameLst>
+                                          <p:attrName>style.visibility</p:attrName>
+                                        </p:attrNameLst>
+                                      </p:cBhvr>
+                                      <p:to>
+                                        <p:strVal val="hidden"/>
+                                      </p:to>
+                                    </p:set>
+                                  </p:childTnLst>
+                                </p:cTn>
+                              </p:par>
+                            </p:childTnLst>
+                          </p:cTn>
+                        </p:par>
+                      </p:childTnLst>
+                    </p:cTn>
+                  </p:par>
+                  <p:par>
+                    <p:cTn id="182" fill="hold">
+                      <p:stCondLst>
+                        <p:cond delay="indefinite"/>
+                      </p:stCondLst>
+                      <p:childTnLst>
+                        <p:par>
+                          <p:cTn id="183" fill="hold">
+                            <p:stCondLst>
+                              <p:cond delay="0"/>
+                            </p:stCondLst>
+                            <p:childTnLst>
+                              <p:par>
+                                <p:cTn id="184" presetID="10" presetClass="entr" presetSubtype="0" fill="hold" nodeType="clickEffect">
+                                  <p:stCondLst>
+                                    <p:cond delay="0"/>
+                                  </p:stCondLst>
+                                  <p:childTnLst>
+                                    <p:set>
+                                      <p:cBhvr>
+                                        <p:cTn id="185" dur="1" fill="hold">
+                                          <p:stCondLst>
+                                            <p:cond delay="0"/>
+                                          </p:stCondLst>
+                                        </p:cTn>
+                                        <p:tgtEl>
+                                          <p:spTgt spid="88"/>
+                                        </p:tgtEl>
+                                        <p:attrNameLst>
+                                          <p:attrName>style.visibility</p:attrName>
+                                        </p:attrNameLst>
+                                      </p:cBhvr>
+                                      <p:to>
+                                        <p:strVal val="visible"/>
+                                      </p:to>
+                                    </p:set>
+                                    <p:animEffect transition="in" filter="fade">
+                                      <p:cBhvr>
+                                        <p:cTn id="186" dur="500"/>
+                                        <p:tgtEl>
+                                          <p:spTgt spid="88"/>
+                                        </p:tgtEl>
+                                      </p:cBhvr>
+                                    </p:animEffect>
+                                  </p:childTnLst>
+                                </p:cTn>
+                              </p:par>
+                            </p:childTnLst>
+                          </p:cTn>
+                        </p:par>
+                      </p:childTnLst>
+                    </p:cTn>
+                  </p:par>
+                  <p:par>
+                    <p:cTn id="187" fill="hold">
+                      <p:stCondLst>
+                        <p:cond delay="indefinite"/>
+                      </p:stCondLst>
+                      <p:childTnLst>
+                        <p:par>
+                          <p:cTn id="188" fill="hold">
+                            <p:stCondLst>
+                              <p:cond delay="0"/>
+                            </p:stCondLst>
+                            <p:childTnLst>
+                              <p:par>
+                                <p:cTn id="189" presetID="10" presetClass="entr" presetSubtype="0" fill="hold" grpId="0" nodeType="clickEffect">
+                                  <p:stCondLst>
+                                    <p:cond delay="0"/>
+                                  </p:stCondLst>
+                                  <p:childTnLst>
+                                    <p:set>
+                                      <p:cBhvr>
+                                        <p:cTn id="190" dur="1" fill="hold">
+                                          <p:stCondLst>
+                                            <p:cond delay="0"/>
+                                          </p:stCondLst>
+                                        </p:cTn>
+                                        <p:tgtEl>
+                                          <p:spTgt spid="131"/>
+                                        </p:tgtEl>
+                                        <p:attrNameLst>
+                                          <p:attrName>style.visibility</p:attrName>
+                                        </p:attrNameLst>
+                                      </p:cBhvr>
+                                      <p:to>
+                                        <p:strVal val="visible"/>
+                                      </p:to>
+                                    </p:set>
+                                    <p:animEffect transition="in" filter="fade">
+                                      <p:cBhvr>
+                                        <p:cTn id="191" dur="500"/>
+                                        <p:tgtEl>
+                                          <p:spTgt spid="131"/>
+                                        </p:tgtEl>
+                                      </p:cBhvr>
+                                    </p:animEffect>
+                                  </p:childTnLst>
+                                </p:cTn>
+                              </p:par>
+                            </p:childTnLst>
+                          </p:cTn>
+                        </p:par>
+                      </p:childTnLst>
+                    </p:cTn>
+                  </p:par>
+                  <p:par>
+                    <p:cTn id="192" fill="hold">
+                      <p:stCondLst>
+                        <p:cond delay="indefinite"/>
+                      </p:stCondLst>
+                      <p:childTnLst>
+                        <p:par>
+                          <p:cTn id="193" fill="hold">
+                            <p:stCondLst>
+                              <p:cond delay="0"/>
+                            </p:stCondLst>
+                            <p:childTnLst>
+                              <p:par>
+                                <p:cTn id="194" presetID="10" presetClass="exit" presetSubtype="0" fill="hold" nodeType="clickEffect">
+                                  <p:stCondLst>
+                                    <p:cond delay="0"/>
+                                  </p:stCondLst>
+                                  <p:childTnLst>
+                                    <p:animEffect transition="out" filter="fade">
+                                      <p:cBhvr>
+                                        <p:cTn id="195" dur="500"/>
+                                        <p:tgtEl>
+                                          <p:spTgt spid="88"/>
+                                        </p:tgtEl>
+                                      </p:cBhvr>
+                                    </p:animEffect>
+                                    <p:set>
+                                      <p:cBhvr>
+                                        <p:cTn id="196" dur="1" fill="hold">
+                                          <p:stCondLst>
+                                            <p:cond delay="499"/>
+                                          </p:stCondLst>
+                                        </p:cTn>
+                                        <p:tgtEl>
+                                          <p:spTgt spid="88"/>
+                                        </p:tgtEl>
+                                        <p:attrNameLst>
+                                          <p:attrName>style.visibility</p:attrName>
+                                        </p:attrNameLst>
+                                      </p:cBhvr>
+                                      <p:to>
+                                        <p:strVal val="hidden"/>
+                                      </p:to>
+                                    </p:set>
+                                  </p:childTnLst>
+                                </p:cTn>
+                              </p:par>
+                            </p:childTnLst>
+                          </p:cTn>
+                        </p:par>
+                        <p:par>
+                          <p:cTn id="197" fill="hold">
+                            <p:stCondLst>
+                              <p:cond delay="500"/>
+                            </p:stCondLst>
+                            <p:childTnLst>
+                              <p:par>
+                                <p:cTn id="198" presetID="10" presetClass="entr" presetSubtype="0" fill="hold" nodeType="afterEffect">
+                                  <p:stCondLst>
+                                    <p:cond delay="0"/>
+                                  </p:stCondLst>
+                                  <p:childTnLst>
+                                    <p:set>
+                                      <p:cBhvr>
+                                        <p:cTn id="199" dur="1" fill="hold">
+                                          <p:stCondLst>
+                                            <p:cond delay="0"/>
+                                          </p:stCondLst>
+                                        </p:cTn>
+                                        <p:tgtEl>
+                                          <p:spTgt spid="104"/>
+                                        </p:tgtEl>
+                                        <p:attrNameLst>
+                                          <p:attrName>style.visibility</p:attrName>
+                                        </p:attrNameLst>
+                                      </p:cBhvr>
+                                      <p:to>
+                                        <p:strVal val="visible"/>
+                                      </p:to>
+                                    </p:set>
+                                    <p:animEffect transition="in" filter="fade">
+                                      <p:cBhvr>
+                                        <p:cTn id="200" dur="500"/>
+                                        <p:tgtEl>
+                                          <p:spTgt spid="104"/>
+                                        </p:tgtEl>
+                                      </p:cBhvr>
+                                    </p:animEffect>
+                                  </p:childTnLst>
+                                </p:cTn>
+                              </p:par>
+                            </p:childTnLst>
+                          </p:cTn>
+                        </p:par>
+                      </p:childTnLst>
+                    </p:cTn>
+                  </p:par>
+                  <p:par>
+                    <p:cTn id="201" fill="hold">
+                      <p:stCondLst>
+                        <p:cond delay="indefinite"/>
+                      </p:stCondLst>
+                      <p:childTnLst>
+                        <p:par>
+                          <p:cTn id="202" fill="hold">
+                            <p:stCondLst>
+                              <p:cond delay="0"/>
+                            </p:stCondLst>
+                            <p:childTnLst>
+                              <p:par>
+                                <p:cTn id="203" presetID="10" presetClass="entr" presetSubtype="0" fill="hold" grpId="0" nodeType="clickEffect">
+                                  <p:stCondLst>
+                                    <p:cond delay="0"/>
+                                  </p:stCondLst>
+                                  <p:childTnLst>
+                                    <p:set>
+                                      <p:cBhvr>
+                                        <p:cTn id="204" dur="1" fill="hold">
+                                          <p:stCondLst>
+                                            <p:cond delay="0"/>
+                                          </p:stCondLst>
+                                        </p:cTn>
+                                        <p:tgtEl>
+                                          <p:spTgt spid="134"/>
+                                        </p:tgtEl>
+                                        <p:attrNameLst>
+                                          <p:attrName>style.visibility</p:attrName>
+                                        </p:attrNameLst>
+                                      </p:cBhvr>
+                                      <p:to>
+                                        <p:strVal val="visible"/>
+                                      </p:to>
+                                    </p:set>
+                                    <p:animEffect transition="in" filter="fade">
+                                      <p:cBhvr>
+                                        <p:cTn id="205" dur="500"/>
+                                        <p:tgtEl>
+                                          <p:spTgt spid="134"/>
+                                        </p:tgtEl>
+                                      </p:cBhvr>
+                                    </p:animEffect>
+                                  </p:childTnLst>
+                                </p:cTn>
+                              </p:par>
+                            </p:childTnLst>
+                          </p:cTn>
+                        </p:par>
+                      </p:childTnLst>
+                    </p:cTn>
+                  </p:par>
+                  <p:par>
+                    <p:cTn id="206" fill="hold">
+                      <p:stCondLst>
+                        <p:cond delay="indefinite"/>
+                      </p:stCondLst>
+                      <p:childTnLst>
+                        <p:par>
+                          <p:cTn id="207" fill="hold">
+                            <p:stCondLst>
+                              <p:cond delay="0"/>
+                            </p:stCondLst>
+                            <p:childTnLst>
+                              <p:par>
+                                <p:cTn id="208" presetID="10" presetClass="exit" presetSubtype="0" fill="hold" nodeType="clickEffect">
+                                  <p:stCondLst>
+                                    <p:cond delay="0"/>
+                                  </p:stCondLst>
+                                  <p:childTnLst>
+                                    <p:animEffect transition="out" filter="fade">
+                                      <p:cBhvr>
+                                        <p:cTn id="209" dur="500"/>
+                                        <p:tgtEl>
+                                          <p:spTgt spid="104"/>
+                                        </p:tgtEl>
+                                      </p:cBhvr>
+                                    </p:animEffect>
+                                    <p:set>
+                                      <p:cBhvr>
+                                        <p:cTn id="210" dur="1" fill="hold">
+                                          <p:stCondLst>
+                                            <p:cond delay="499"/>
+                                          </p:stCondLst>
+                                        </p:cTn>
+                                        <p:tgtEl>
+                                          <p:spTgt spid="104"/>
+                                        </p:tgtEl>
+                                        <p:attrNameLst>
+                                          <p:attrName>style.visibility</p:attrName>
+                                        </p:attrNameLst>
+                                      </p:cBhvr>
+                                      <p:to>
+                                        <p:strVal val="hidden"/>
+                                      </p:to>
+                                    </p:set>
+                                  </p:childTnLst>
+                                </p:cTn>
+                              </p:par>
+                            </p:childTnLst>
+                          </p:cTn>
+                        </p:par>
+                        <p:par>
+                          <p:cTn id="211" fill="hold">
+                            <p:stCondLst>
+                              <p:cond delay="500"/>
+                            </p:stCondLst>
+                            <p:childTnLst>
+                              <p:par>
+                                <p:cTn id="212" presetID="10" presetClass="entr" presetSubtype="0" fill="hold" nodeType="afterEffect">
+                                  <p:stCondLst>
+                                    <p:cond delay="0"/>
+                                  </p:stCondLst>
+                                  <p:childTnLst>
+                                    <p:set>
+                                      <p:cBhvr>
+                                        <p:cTn id="213" dur="1" fill="hold">
+                                          <p:stCondLst>
+                                            <p:cond delay="0"/>
+                                          </p:stCondLst>
+                                        </p:cTn>
+                                        <p:tgtEl>
+                                          <p:spTgt spid="107"/>
+                                        </p:tgtEl>
+                                        <p:attrNameLst>
+                                          <p:attrName>style.visibility</p:attrName>
+                                        </p:attrNameLst>
+                                      </p:cBhvr>
+                                      <p:to>
+                                        <p:strVal val="visible"/>
+                                      </p:to>
+                                    </p:set>
+                                    <p:animEffect transition="in" filter="fade">
+                                      <p:cBhvr>
+                                        <p:cTn id="214" dur="500"/>
+                                        <p:tgtEl>
+                                          <p:spTgt spid="107"/>
+                                        </p:tgtEl>
+                                      </p:cBhvr>
+                                    </p:animEffect>
+                                  </p:childTnLst>
+                                </p:cTn>
+                              </p:par>
+                            </p:childTnLst>
+                          </p:cTn>
+                        </p:par>
+                      </p:childTnLst>
+                    </p:cTn>
+                  </p:par>
+                  <p:par>
+                    <p:cTn id="215" fill="hold">
+                      <p:stCondLst>
+                        <p:cond delay="indefinite"/>
+                      </p:stCondLst>
+                      <p:childTnLst>
+                        <p:par>
+                          <p:cTn id="216" fill="hold">
+                            <p:stCondLst>
+                              <p:cond delay="0"/>
+                            </p:stCondLst>
+                            <p:childTnLst>
+                              <p:par>
+                                <p:cTn id="217" presetID="10" presetClass="entr" presetSubtype="0" fill="hold" grpId="0" nodeType="clickEffect">
+                                  <p:stCondLst>
+                                    <p:cond delay="0"/>
+                                  </p:stCondLst>
+                                  <p:childTnLst>
+                                    <p:set>
+                                      <p:cBhvr>
+                                        <p:cTn id="218" dur="1" fill="hold">
+                                          <p:stCondLst>
+                                            <p:cond delay="0"/>
+                                          </p:stCondLst>
+                                        </p:cTn>
+                                        <p:tgtEl>
+                                          <p:spTgt spid="126"/>
+                                        </p:tgtEl>
+                                        <p:attrNameLst>
+                                          <p:attrName>style.visibility</p:attrName>
+                                        </p:attrNameLst>
+                                      </p:cBhvr>
+                                      <p:to>
+                                        <p:strVal val="visible"/>
+                                      </p:to>
+                                    </p:set>
+                                    <p:animEffect transition="in" filter="fade">
+                                      <p:cBhvr>
+                                        <p:cTn id="219" dur="500"/>
+                                        <p:tgtEl>
+                                          <p:spTgt spid="126"/>
+                                        </p:tgtEl>
+                                      </p:cBhvr>
+                                    </p:animEffect>
+                                  </p:childTnLst>
+                                </p:cTn>
+                              </p:par>
+                            </p:childTnLst>
+                          </p:cTn>
+                        </p:par>
+                      </p:childTnLst>
+                    </p:cTn>
+                  </p:par>
+                  <p:par>
+                    <p:cTn id="220" fill="hold">
+                      <p:stCondLst>
+                        <p:cond delay="indefinite"/>
+                      </p:stCondLst>
+                      <p:childTnLst>
+                        <p:par>
+                          <p:cTn id="221" fill="hold">
+                            <p:stCondLst>
+                              <p:cond delay="0"/>
+                            </p:stCondLst>
+                            <p:childTnLst>
+                              <p:par>
+                                <p:cTn id="222" presetID="10" presetClass="exit" presetSubtype="0" fill="hold" nodeType="clickEffect">
+                                  <p:stCondLst>
+                                    <p:cond delay="0"/>
+                                  </p:stCondLst>
+                                  <p:childTnLst>
+                                    <p:animEffect transition="out" filter="fade">
+                                      <p:cBhvr>
+                                        <p:cTn id="223" dur="500"/>
+                                        <p:tgtEl>
+                                          <p:spTgt spid="107"/>
+                                        </p:tgtEl>
+                                      </p:cBhvr>
+                                    </p:animEffect>
+                                    <p:set>
+                                      <p:cBhvr>
+                                        <p:cTn id="224" dur="1" fill="hold">
+                                          <p:stCondLst>
+                                            <p:cond delay="499"/>
+                                          </p:stCondLst>
+                                        </p:cTn>
+                                        <p:tgtEl>
+                                          <p:spTgt spid="107"/>
+                                        </p:tgtEl>
+                                        <p:attrNameLst>
+                                          <p:attrName>style.visibility</p:attrName>
+                                        </p:attrNameLst>
+                                      </p:cBhvr>
+                                      <p:to>
+                                        <p:strVal val="hidden"/>
+                                      </p:to>
+                                    </p:set>
+                                  </p:childTnLst>
+                                </p:cTn>
+                              </p:par>
+                            </p:childTnLst>
+                          </p:cTn>
+                        </p:par>
+                        <p:par>
+                          <p:cTn id="225" fill="hold">
+                            <p:stCondLst>
+                              <p:cond delay="500"/>
+                            </p:stCondLst>
+                            <p:childTnLst>
+                              <p:par>
+                                <p:cTn id="226" presetID="10" presetClass="entr" presetSubtype="0" fill="hold" nodeType="afterEffect">
+                                  <p:stCondLst>
+                                    <p:cond delay="0"/>
+                                  </p:stCondLst>
+                                  <p:childTnLst>
+                                    <p:set>
+                                      <p:cBhvr>
+                                        <p:cTn id="227" dur="1" fill="hold">
+                                          <p:stCondLst>
+                                            <p:cond delay="0"/>
+                                          </p:stCondLst>
+                                        </p:cTn>
+                                        <p:tgtEl>
+                                          <p:spTgt spid="110"/>
+                                        </p:tgtEl>
+                                        <p:attrNameLst>
+                                          <p:attrName>style.visibility</p:attrName>
+                                        </p:attrNameLst>
+                                      </p:cBhvr>
+                                      <p:to>
+                                        <p:strVal val="visible"/>
+                                      </p:to>
+                                    </p:set>
+                                    <p:animEffect transition="in" filter="fade">
+                                      <p:cBhvr>
+                                        <p:cTn id="228" dur="500"/>
+                                        <p:tgtEl>
+                                          <p:spTgt spid="110"/>
+                                        </p:tgtEl>
+                                      </p:cBhvr>
+                                    </p:animEffect>
+                                  </p:childTnLst>
+                                </p:cTn>
+                              </p:par>
+                            </p:childTnLst>
+                          </p:cTn>
+                        </p:par>
+                      </p:childTnLst>
+                    </p:cTn>
+                  </p:par>
+                  <p:par>
+                    <p:cTn id="229" fill="hold">
+                      <p:stCondLst>
+                        <p:cond delay="indefinite"/>
+                      </p:stCondLst>
+                      <p:childTnLst>
+                        <p:par>
+                          <p:cTn id="230" fill="hold">
+                            <p:stCondLst>
+                              <p:cond delay="0"/>
+                            </p:stCondLst>
+                            <p:childTnLst>
+                              <p:par>
+                                <p:cTn id="231" presetID="10" presetClass="entr" presetSubtype="0" fill="hold" grpId="0" nodeType="clickEffect">
+                                  <p:stCondLst>
+                                    <p:cond delay="0"/>
+                                  </p:stCondLst>
+                                  <p:childTnLst>
+                                    <p:set>
+                                      <p:cBhvr>
+                                        <p:cTn id="232" dur="1" fill="hold">
+                                          <p:stCondLst>
+                                            <p:cond delay="0"/>
+                                          </p:stCondLst>
+                                        </p:cTn>
+                                        <p:tgtEl>
+                                          <p:spTgt spid="125"/>
+                                        </p:tgtEl>
+                                        <p:attrNameLst>
+                                          <p:attrName>style.visibility</p:attrName>
+                                        </p:attrNameLst>
+                                      </p:cBhvr>
+                                      <p:to>
+                                        <p:strVal val="visible"/>
+                                      </p:to>
+                                    </p:set>
+                                    <p:animEffect transition="in" filter="fade">
+                                      <p:cBhvr>
+                                        <p:cTn id="233" dur="500"/>
+                                        <p:tgtEl>
+                                          <p:spTgt spid="125"/>
+                                        </p:tgtEl>
+                                      </p:cBhvr>
+                                    </p:animEffect>
+                                  </p:childTnLst>
+                                </p:cTn>
+                              </p:par>
+                            </p:childTnLst>
+                          </p:cTn>
+                        </p:par>
+                      </p:childTnLst>
+                    </p:cTn>
+                  </p:par>
+                  <p:par>
+                    <p:cTn id="234" fill="hold">
+                      <p:stCondLst>
+                        <p:cond delay="indefinite"/>
+                      </p:stCondLst>
+                      <p:childTnLst>
+                        <p:par>
+                          <p:cTn id="235" fill="hold">
+                            <p:stCondLst>
+                              <p:cond delay="0"/>
+                            </p:stCondLst>
+                            <p:childTnLst>
+                              <p:par>
+                                <p:cTn id="236" presetID="10" presetClass="exit" presetSubtype="0" fill="hold" nodeType="clickEffect">
+                                  <p:stCondLst>
+                                    <p:cond delay="0"/>
+                                  </p:stCondLst>
+                                  <p:childTnLst>
+                                    <p:animEffect transition="out" filter="fade">
+                                      <p:cBhvr>
+                                        <p:cTn id="237" dur="500"/>
+                                        <p:tgtEl>
+                                          <p:spTgt spid="110"/>
+                                        </p:tgtEl>
+                                      </p:cBhvr>
+                                    </p:animEffect>
+                                    <p:set>
+                                      <p:cBhvr>
+                                        <p:cTn id="238" dur="1" fill="hold">
+                                          <p:stCondLst>
+                                            <p:cond delay="499"/>
+                                          </p:stCondLst>
+                                        </p:cTn>
+                                        <p:tgtEl>
+                                          <p:spTgt spid="110"/>
+                                        </p:tgtEl>
+                                        <p:attrNameLst>
+                                          <p:attrName>style.visibility</p:attrName>
+                                        </p:attrNameLst>
+                                      </p:cBhvr>
+                                      <p:to>
+                                        <p:strVal val="hidden"/>
+                                      </p:to>
+                                    </p:set>
+                                  </p:childTnLst>
+                                </p:cTn>
+                              </p:par>
+                            </p:childTnLst>
+                          </p:cTn>
+                        </p:par>
+                        <p:par>
+                          <p:cTn id="239" fill="hold">
+                            <p:stCondLst>
+                              <p:cond delay="500"/>
+                            </p:stCondLst>
+                            <p:childTnLst>
+                              <p:par>
+                                <p:cTn id="240" presetID="10" presetClass="entr" presetSubtype="0" fill="hold" nodeType="afterEffect">
+                                  <p:stCondLst>
+                                    <p:cond delay="0"/>
+                                  </p:stCondLst>
+                                  <p:childTnLst>
+                                    <p:set>
+                                      <p:cBhvr>
+                                        <p:cTn id="241" dur="1" fill="hold">
+                                          <p:stCondLst>
+                                            <p:cond delay="0"/>
+                                          </p:stCondLst>
+                                        </p:cTn>
+                                        <p:tgtEl>
+                                          <p:spTgt spid="113"/>
+                                        </p:tgtEl>
+                                        <p:attrNameLst>
+                                          <p:attrName>style.visibility</p:attrName>
+                                        </p:attrNameLst>
+                                      </p:cBhvr>
+                                      <p:to>
+                                        <p:strVal val="visible"/>
+                                      </p:to>
+                                    </p:set>
+                                    <p:animEffect transition="in" filter="fade">
+                                      <p:cBhvr>
+                                        <p:cTn id="242" dur="500"/>
+                                        <p:tgtEl>
+                                          <p:spTgt spid="113"/>
+                                        </p:tgtEl>
+                                      </p:cBhvr>
+                                    </p:animEffect>
+                                  </p:childTnLst>
+                                </p:cTn>
+                              </p:par>
+                            </p:childTnLst>
+                          </p:cTn>
+                        </p:par>
+                      </p:childTnLst>
+                    </p:cTn>
+                  </p:par>
+                  <p:par>
+                    <p:cTn id="243" fill="hold">
+                      <p:stCondLst>
+                        <p:cond delay="indefinite"/>
+                      </p:stCondLst>
+                      <p:childTnLst>
+                        <p:par>
+                          <p:cTn id="244" fill="hold">
+                            <p:stCondLst>
+                              <p:cond delay="0"/>
+                            </p:stCondLst>
+                            <p:childTnLst>
+                              <p:par>
+                                <p:cTn id="245" presetID="10" presetClass="entr" presetSubtype="0" fill="hold" grpId="0" nodeType="clickEffect">
+                                  <p:stCondLst>
+                                    <p:cond delay="0"/>
+                                  </p:stCondLst>
+                                  <p:childTnLst>
+                                    <p:set>
+                                      <p:cBhvr>
+                                        <p:cTn id="246" dur="1" fill="hold">
+                                          <p:stCondLst>
+                                            <p:cond delay="0"/>
+                                          </p:stCondLst>
+                                        </p:cTn>
+                                        <p:tgtEl>
+                                          <p:spTgt spid="119"/>
+                                        </p:tgtEl>
+                                        <p:attrNameLst>
+                                          <p:attrName>style.visibility</p:attrName>
+                                        </p:attrNameLst>
+                                      </p:cBhvr>
+                                      <p:to>
+                                        <p:strVal val="visible"/>
+                                      </p:to>
+                                    </p:set>
+                                    <p:animEffect transition="in" filter="fade">
+                                      <p:cBhvr>
+                                        <p:cTn id="247" dur="500"/>
                                         <p:tgtEl>
                                           <p:spTgt spid="119"/>
                                         </p:tgtEl>
@@ -12742,10 +13693,10 @@
       <p:bldP spid="133" grpId="0"/>
       <p:bldP spid="127" grpId="0"/>
       <p:bldP spid="121" grpId="0"/>
-      <p:bldP spid="125" grpId="0"/>
-      <p:bldP spid="126" grpId="0"/>
       <p:bldP spid="131" grpId="0"/>
       <p:bldP spid="134" grpId="0"/>
+      <p:bldP spid="126" grpId="0"/>
+      <p:bldP spid="125" grpId="0"/>
       <p:bldP spid="119" grpId="0"/>
     </p:bldLst>
   </p:timing>

--- a/小白学算法系列.pptx
+++ b/小白学算法系列.pptx
@@ -12,14 +12,15 @@
     <p:sldId id="261" r:id="rId4"/>
     <p:sldId id="264" r:id="rId6"/>
     <p:sldId id="259" r:id="rId7"/>
-    <p:sldId id="266" r:id="rId8"/>
-    <p:sldId id="267" r:id="rId9"/>
-    <p:sldId id="260" r:id="rId10"/>
-    <p:sldId id="265" r:id="rId11"/>
-    <p:sldId id="270" r:id="rId12"/>
-    <p:sldId id="271" r:id="rId13"/>
-    <p:sldId id="273" r:id="rId14"/>
-    <p:sldId id="272" r:id="rId15"/>
+    <p:sldId id="275" r:id="rId8"/>
+    <p:sldId id="266" r:id="rId9"/>
+    <p:sldId id="267" r:id="rId10"/>
+    <p:sldId id="260" r:id="rId11"/>
+    <p:sldId id="265" r:id="rId12"/>
+    <p:sldId id="270" r:id="rId13"/>
+    <p:sldId id="271" r:id="rId14"/>
+    <p:sldId id="273" r:id="rId15"/>
+    <p:sldId id="272" r:id="rId16"/>
   </p:sldIdLst>
   <p:sldSz cx="12192000" cy="6858000"/>
   <p:notesSz cx="7103745" cy="10234295"/>
@@ -469,6 +470,50 @@
 </file>
 
 <file path=ppt/notesSlides/notesSlide1.xml><?xml version="1.0" encoding="utf-8"?>
+<p:notes xmlns:a="http://schemas.openxmlformats.org/drawingml/2006/main" xmlns:r="http://schemas.openxmlformats.org/officeDocument/2006/relationships" xmlns:p="http://schemas.openxmlformats.org/presentationml/2006/main">
+  <p:cSld>
+    <p:spTree>
+      <p:nvGrpSpPr>
+        <p:cNvPr id="1" name=""/>
+        <p:cNvGrpSpPr/>
+        <p:nvPr/>
+      </p:nvGrpSpPr>
+      <p:grpSpPr/>
+      <p:sp>
+        <p:nvSpPr>
+          <p:cNvPr id="2" name="幻灯片图像占位符 1"/>
+          <p:cNvSpPr/>
+          <p:nvPr>
+            <p:ph type="sldImg" idx="2"/>
+          </p:nvPr>
+        </p:nvSpPr>
+        <p:spPr/>
+      </p:sp>
+      <p:sp>
+        <p:nvSpPr>
+          <p:cNvPr id="3" name="文本占位符 2"/>
+          <p:cNvSpPr/>
+          <p:nvPr>
+            <p:ph type="body" idx="3"/>
+          </p:nvPr>
+        </p:nvSpPr>
+        <p:spPr/>
+        <p:txBody>
+          <a:bodyPr/>
+          <a:p>
+            <a:endParaRPr lang="zh-CN" altLang="en-US"/>
+          </a:p>
+        </p:txBody>
+      </p:sp>
+    </p:spTree>
+  </p:cSld>
+  <p:clrMapOvr>
+    <a:masterClrMapping/>
+  </p:clrMapOvr>
+</p:notes>
+</file>
+
+<file path=ppt/notesSlides/notesSlide2.xml><?xml version="1.0" encoding="utf-8"?>
 <p:notes xmlns:a="http://schemas.openxmlformats.org/drawingml/2006/main" xmlns:r="http://schemas.openxmlformats.org/officeDocument/2006/relationships" xmlns:p="http://schemas.openxmlformats.org/presentationml/2006/main">
   <p:cSld>
     <p:spTree>
@@ -5365,6 +5410,1374 @@
       <p:grpSpPr/>
       <p:sp>
         <p:nvSpPr>
+          <p:cNvPr id="6" name="文本框 5"/>
+          <p:cNvSpPr txBox="1"/>
+          <p:nvPr/>
+        </p:nvSpPr>
+        <p:spPr>
+          <a:xfrm>
+            <a:off x="503555" y="1197610"/>
+            <a:ext cx="11573510" cy="645160"/>
+          </a:xfrm>
+          <a:prstGeom prst="rect">
+            <a:avLst/>
+          </a:prstGeom>
+          <a:noFill/>
+        </p:spPr>
+        <p:txBody>
+          <a:bodyPr wrap="square" rtlCol="0">
+            <a:spAutoFit/>
+          </a:bodyPr>
+          <a:p>
+            <a:pPr algn="l"/>
+            <a:r>
+              <a:rPr lang="zh-CN" altLang="en-US" b="1">
+                <a:solidFill>
+                  <a:schemeClr val="bg1"/>
+                </a:solidFill>
+              </a:rPr>
+              <a:t>题目：给定一个数组 prices ，它的第 i 个元素 prices[i] 表示一支给定股票第 i 天的价格。</a:t>
+            </a:r>
+            <a:endParaRPr lang="zh-CN" altLang="en-US" b="1">
+              <a:solidFill>
+                <a:schemeClr val="bg1"/>
+              </a:solidFill>
+            </a:endParaRPr>
+          </a:p>
+          <a:p>
+            <a:pPr algn="l"/>
+            <a:r>
+              <a:rPr lang="zh-CN" altLang="en-US" b="1">
+                <a:solidFill>
+                  <a:schemeClr val="bg1"/>
+                </a:solidFill>
+              </a:rPr>
+              <a:t>要求：买和卖各操作一次获得最大利润</a:t>
+            </a:r>
+            <a:endParaRPr lang="zh-CN" altLang="en-US" b="1">
+              <a:solidFill>
+                <a:schemeClr val="bg1"/>
+              </a:solidFill>
+            </a:endParaRPr>
+          </a:p>
+        </p:txBody>
+      </p:sp>
+      <p:sp>
+        <p:nvSpPr>
+          <p:cNvPr id="14" name="文本框 13"/>
+          <p:cNvSpPr txBox="1"/>
+          <p:nvPr/>
+        </p:nvSpPr>
+        <p:spPr>
+          <a:xfrm>
+            <a:off x="578485" y="419100"/>
+            <a:ext cx="6424295" cy="706755"/>
+          </a:xfrm>
+          <a:prstGeom prst="rect">
+            <a:avLst/>
+          </a:prstGeom>
+          <a:noFill/>
+        </p:spPr>
+        <p:txBody>
+          <a:bodyPr wrap="square" rtlCol="0">
+            <a:spAutoFit/>
+          </a:bodyPr>
+          <a:p>
+            <a:pPr algn="l"/>
+            <a:r>
+              <a:rPr sz="4000" b="1">
+                <a:solidFill>
+                  <a:schemeClr val="bg1"/>
+                </a:solidFill>
+                <a:sym typeface="+mn-ea"/>
+              </a:rPr>
+              <a:t>121. 买卖股票的最佳时机</a:t>
+            </a:r>
+            <a:endParaRPr sz="4000" b="1">
+              <a:solidFill>
+                <a:schemeClr val="bg1"/>
+              </a:solidFill>
+              <a:sym typeface="+mn-ea"/>
+            </a:endParaRPr>
+          </a:p>
+        </p:txBody>
+      </p:sp>
+      <p:sp>
+        <p:nvSpPr>
+          <p:cNvPr id="2" name="文本框 1"/>
+          <p:cNvSpPr txBox="1"/>
+          <p:nvPr/>
+        </p:nvSpPr>
+        <p:spPr>
+          <a:xfrm>
+            <a:off x="914400" y="2767965"/>
+            <a:ext cx="3345180" cy="521970"/>
+          </a:xfrm>
+          <a:prstGeom prst="rect">
+            <a:avLst/>
+          </a:prstGeom>
+          <a:noFill/>
+        </p:spPr>
+        <p:txBody>
+          <a:bodyPr wrap="square" rtlCol="0">
+            <a:spAutoFit/>
+          </a:bodyPr>
+          <a:p>
+            <a:pPr algn="l"/>
+            <a:r>
+              <a:rPr lang="zh-CN" altLang="en-US" sz="2800" b="1">
+                <a:solidFill>
+                  <a:schemeClr val="bg1"/>
+                </a:solidFill>
+              </a:rPr>
+              <a:t>[ 7,  1,  5,  3,  6,  4 ]</a:t>
+            </a:r>
+            <a:endParaRPr lang="zh-CN" altLang="en-US" sz="2800" b="1">
+              <a:solidFill>
+                <a:schemeClr val="bg1"/>
+              </a:solidFill>
+            </a:endParaRPr>
+          </a:p>
+        </p:txBody>
+      </p:sp>
+      <p:sp>
+        <p:nvSpPr>
+          <p:cNvPr id="20" name="文本框 19"/>
+          <p:cNvSpPr txBox="1"/>
+          <p:nvPr/>
+        </p:nvSpPr>
+        <p:spPr>
+          <a:xfrm>
+            <a:off x="578485" y="1800225"/>
+            <a:ext cx="7010400" cy="521970"/>
+          </a:xfrm>
+          <a:prstGeom prst="rect">
+            <a:avLst/>
+          </a:prstGeom>
+          <a:noFill/>
+        </p:spPr>
+        <p:txBody>
+          <a:bodyPr wrap="square" rtlCol="0">
+            <a:spAutoFit/>
+            <a:scene3d>
+              <a:camera prst="orthographicFront"/>
+              <a:lightRig rig="threePt" dir="t"/>
+            </a:scene3d>
+          </a:bodyPr>
+          <a:p>
+            <a:pPr algn="l"/>
+            <a:r>
+              <a:rPr lang="zh-CN" altLang="en-US" sz="2800" b="1">
+                <a:ln w="12700" cmpd="sng">
+                  <a:solidFill>
+                    <a:schemeClr val="accent4"/>
+                  </a:solidFill>
+                  <a:prstDash val="solid"/>
+                </a:ln>
+                <a:gradFill>
+                  <a:gsLst>
+                    <a:gs pos="0">
+                      <a:schemeClr val="accent4"/>
+                    </a:gs>
+                    <a:gs pos="4000">
+                      <a:schemeClr val="accent4">
+                        <a:lumMod val="60000"/>
+                        <a:lumOff val="40000"/>
+                      </a:schemeClr>
+                    </a:gs>
+                    <a:gs pos="87000">
+                      <a:schemeClr val="accent4">
+                        <a:lumMod val="20000"/>
+                        <a:lumOff val="80000"/>
+                      </a:schemeClr>
+                    </a:gs>
+                  </a:gsLst>
+                  <a:lin ang="5400000"/>
+                </a:gradFill>
+                <a:effectLst/>
+                <a:sym typeface="+mn-ea"/>
+              </a:rPr>
+              <a:t>！！！</a:t>
+            </a:r>
+            <a:r>
+              <a:rPr lang="en-US" sz="2800" b="1">
+                <a:ln w="12700" cmpd="sng">
+                  <a:solidFill>
+                    <a:schemeClr val="accent4"/>
+                  </a:solidFill>
+                  <a:prstDash val="solid"/>
+                </a:ln>
+                <a:gradFill>
+                  <a:gsLst>
+                    <a:gs pos="0">
+                      <a:schemeClr val="accent4"/>
+                    </a:gs>
+                    <a:gs pos="4000">
+                      <a:schemeClr val="accent4">
+                        <a:lumMod val="60000"/>
+                        <a:lumOff val="40000"/>
+                      </a:schemeClr>
+                    </a:gs>
+                    <a:gs pos="87000">
+                      <a:schemeClr val="accent4">
+                        <a:lumMod val="20000"/>
+                        <a:lumOff val="80000"/>
+                      </a:schemeClr>
+                    </a:gs>
+                  </a:gsLst>
+                  <a:lin ang="5400000"/>
+                </a:gradFill>
+                <a:effectLst/>
+                <a:sym typeface="+mn-ea"/>
+              </a:rPr>
+              <a:t> </a:t>
+            </a:r>
+            <a:r>
+              <a:rPr sz="2800" b="1">
+                <a:ln w="12700" cmpd="sng">
+                  <a:solidFill>
+                    <a:schemeClr val="accent4"/>
+                  </a:solidFill>
+                  <a:prstDash val="solid"/>
+                </a:ln>
+                <a:gradFill>
+                  <a:gsLst>
+                    <a:gs pos="0">
+                      <a:schemeClr val="accent4"/>
+                    </a:gs>
+                    <a:gs pos="4000">
+                      <a:schemeClr val="accent4">
+                        <a:lumMod val="60000"/>
+                        <a:lumOff val="40000"/>
+                      </a:schemeClr>
+                    </a:gs>
+                    <a:gs pos="87000">
+                      <a:schemeClr val="accent4">
+                        <a:lumMod val="20000"/>
+                        <a:lumOff val="80000"/>
+                      </a:schemeClr>
+                    </a:gs>
+                  </a:gsLst>
+                  <a:lin ang="5400000"/>
+                </a:gradFill>
+                <a:effectLst/>
+                <a:sym typeface="+mn-ea"/>
+              </a:rPr>
+              <a:t>股票</a:t>
+            </a:r>
+            <a:r>
+              <a:rPr lang="zh-CN" sz="2800" b="1">
+                <a:ln w="12700" cmpd="sng">
+                  <a:solidFill>
+                    <a:schemeClr val="accent4"/>
+                  </a:solidFill>
+                  <a:prstDash val="solid"/>
+                </a:ln>
+                <a:gradFill>
+                  <a:gsLst>
+                    <a:gs pos="0">
+                      <a:schemeClr val="accent4"/>
+                    </a:gs>
+                    <a:gs pos="4000">
+                      <a:schemeClr val="accent4">
+                        <a:lumMod val="60000"/>
+                        <a:lumOff val="40000"/>
+                      </a:schemeClr>
+                    </a:gs>
+                    <a:gs pos="87000">
+                      <a:schemeClr val="accent4">
+                        <a:lumMod val="20000"/>
+                        <a:lumOff val="80000"/>
+                      </a:schemeClr>
+                    </a:gs>
+                  </a:gsLst>
+                  <a:lin ang="5400000"/>
+                </a:gradFill>
+                <a:effectLst/>
+                <a:sym typeface="+mn-ea"/>
+              </a:rPr>
+              <a:t>赚钱操作原则：高抛低吸 </a:t>
+            </a:r>
+            <a:r>
+              <a:rPr lang="zh-CN" altLang="en-US" sz="2800" b="1">
+                <a:ln w="12700" cmpd="sng">
+                  <a:solidFill>
+                    <a:schemeClr val="accent4"/>
+                  </a:solidFill>
+                  <a:prstDash val="solid"/>
+                </a:ln>
+                <a:gradFill>
+                  <a:gsLst>
+                    <a:gs pos="0">
+                      <a:schemeClr val="accent4"/>
+                    </a:gs>
+                    <a:gs pos="4000">
+                      <a:schemeClr val="accent4">
+                        <a:lumMod val="60000"/>
+                        <a:lumOff val="40000"/>
+                      </a:schemeClr>
+                    </a:gs>
+                    <a:gs pos="87000">
+                      <a:schemeClr val="accent4">
+                        <a:lumMod val="20000"/>
+                        <a:lumOff val="80000"/>
+                      </a:schemeClr>
+                    </a:gs>
+                  </a:gsLst>
+                  <a:lin ang="5400000"/>
+                </a:gradFill>
+                <a:effectLst/>
+                <a:sym typeface="+mn-ea"/>
+              </a:rPr>
+              <a:t>！！！</a:t>
+            </a:r>
+            <a:endParaRPr lang="zh-CN" altLang="en-US" sz="2800" b="1">
+              <a:ln w="12700" cmpd="sng">
+                <a:solidFill>
+                  <a:schemeClr val="accent4"/>
+                </a:solidFill>
+                <a:prstDash val="solid"/>
+              </a:ln>
+              <a:gradFill>
+                <a:gsLst>
+                  <a:gs pos="0">
+                    <a:schemeClr val="accent4"/>
+                  </a:gs>
+                  <a:gs pos="4000">
+                    <a:schemeClr val="accent4">
+                      <a:lumMod val="60000"/>
+                      <a:lumOff val="40000"/>
+                    </a:schemeClr>
+                  </a:gs>
+                  <a:gs pos="87000">
+                    <a:schemeClr val="accent4">
+                      <a:lumMod val="20000"/>
+                      <a:lumOff val="80000"/>
+                    </a:schemeClr>
+                  </a:gs>
+                </a:gsLst>
+                <a:lin ang="5400000"/>
+              </a:gradFill>
+              <a:effectLst/>
+              <a:sym typeface="+mn-ea"/>
+            </a:endParaRPr>
+          </a:p>
+        </p:txBody>
+      </p:sp>
+      <p:sp>
+        <p:nvSpPr>
+          <p:cNvPr id="22" name="文本框 21"/>
+          <p:cNvSpPr txBox="1"/>
+          <p:nvPr/>
+        </p:nvSpPr>
+        <p:spPr>
+          <a:xfrm>
+            <a:off x="1352550" y="6850380"/>
+            <a:ext cx="337185" cy="306705"/>
+          </a:xfrm>
+          <a:prstGeom prst="rect">
+            <a:avLst/>
+          </a:prstGeom>
+          <a:noFill/>
+        </p:spPr>
+        <p:txBody>
+          <a:bodyPr wrap="square" rtlCol="0">
+            <a:spAutoFit/>
+          </a:bodyPr>
+          <a:p>
+            <a:pPr algn="l"/>
+            <a:r>
+              <a:rPr lang="en-US" altLang="zh-CN" sz="1400">
+                <a:solidFill>
+                  <a:schemeClr val="bg1"/>
+                </a:solidFill>
+              </a:rPr>
+              <a:t>1</a:t>
+            </a:r>
+            <a:endParaRPr lang="en-US" altLang="zh-CN" sz="1400">
+              <a:solidFill>
+                <a:schemeClr val="bg1"/>
+              </a:solidFill>
+            </a:endParaRPr>
+          </a:p>
+        </p:txBody>
+      </p:sp>
+      <p:grpSp>
+        <p:nvGrpSpPr>
+          <p:cNvPr id="39" name="组合 38"/>
+          <p:cNvGrpSpPr/>
+          <p:nvPr/>
+        </p:nvGrpSpPr>
+        <p:grpSpPr>
+          <a:xfrm>
+            <a:off x="723900" y="3702050"/>
+            <a:ext cx="3719830" cy="2875280"/>
+            <a:chOff x="1393" y="5830"/>
+            <a:chExt cx="5858" cy="4528"/>
+          </a:xfrm>
+        </p:grpSpPr>
+        <p:pic>
+          <p:nvPicPr>
+            <p:cNvPr id="11" name="图片 10"/>
+            <p:cNvPicPr>
+              <a:picLocks noChangeAspect="1"/>
+            </p:cNvPicPr>
+            <p:nvPr/>
+          </p:nvPicPr>
+          <p:blipFill>
+            <a:blip r:embed="rId1"/>
+            <a:stretch>
+              <a:fillRect/>
+            </a:stretch>
+          </p:blipFill>
+          <p:spPr>
+            <a:xfrm>
+              <a:off x="1393" y="5830"/>
+              <a:ext cx="5858" cy="4528"/>
+            </a:xfrm>
+            <a:prstGeom prst="rect">
+              <a:avLst/>
+            </a:prstGeom>
+          </p:spPr>
+        </p:pic>
+        <p:sp>
+          <p:nvSpPr>
+            <p:cNvPr id="21" name="文本框 20"/>
+            <p:cNvSpPr txBox="1"/>
+            <p:nvPr/>
+          </p:nvSpPr>
+          <p:spPr>
+            <a:xfrm>
+              <a:off x="2141" y="6868"/>
+              <a:ext cx="531" cy="483"/>
+            </a:xfrm>
+            <a:prstGeom prst="rect">
+              <a:avLst/>
+            </a:prstGeom>
+            <a:noFill/>
+          </p:spPr>
+          <p:txBody>
+            <a:bodyPr wrap="square" rtlCol="0">
+              <a:spAutoFit/>
+            </a:bodyPr>
+            <a:p>
+              <a:pPr algn="l"/>
+              <a:r>
+                <a:rPr lang="zh-CN" altLang="en-US" sz="1400">
+                  <a:solidFill>
+                    <a:schemeClr val="bg1"/>
+                  </a:solidFill>
+                </a:rPr>
+                <a:t>7</a:t>
+              </a:r>
+              <a:endParaRPr lang="zh-CN" altLang="en-US" sz="1400">
+                <a:solidFill>
+                  <a:schemeClr val="bg1"/>
+                </a:solidFill>
+              </a:endParaRPr>
+            </a:p>
+          </p:txBody>
+        </p:sp>
+        <p:sp>
+          <p:nvSpPr>
+            <p:cNvPr id="24" name="文本框 23"/>
+            <p:cNvSpPr txBox="1"/>
+            <p:nvPr/>
+          </p:nvSpPr>
+          <p:spPr>
+            <a:xfrm>
+              <a:off x="3702" y="7276"/>
+              <a:ext cx="531" cy="483"/>
+            </a:xfrm>
+            <a:prstGeom prst="rect">
+              <a:avLst/>
+            </a:prstGeom>
+            <a:noFill/>
+          </p:spPr>
+          <p:txBody>
+            <a:bodyPr wrap="square" rtlCol="0">
+              <a:spAutoFit/>
+            </a:bodyPr>
+            <a:p>
+              <a:pPr algn="l"/>
+              <a:r>
+                <a:rPr lang="en-US" altLang="zh-CN" sz="1400">
+                  <a:solidFill>
+                    <a:schemeClr val="bg1"/>
+                  </a:solidFill>
+                </a:rPr>
+                <a:t>5</a:t>
+              </a:r>
+              <a:endParaRPr lang="en-US" altLang="zh-CN" sz="1400">
+                <a:solidFill>
+                  <a:schemeClr val="bg1"/>
+                </a:solidFill>
+              </a:endParaRPr>
+            </a:p>
+          </p:txBody>
+        </p:sp>
+        <p:sp>
+          <p:nvSpPr>
+            <p:cNvPr id="25" name="文本框 24"/>
+            <p:cNvSpPr txBox="1"/>
+            <p:nvPr/>
+          </p:nvSpPr>
+          <p:spPr>
+            <a:xfrm>
+              <a:off x="4473" y="9110"/>
+              <a:ext cx="531" cy="483"/>
+            </a:xfrm>
+            <a:prstGeom prst="rect">
+              <a:avLst/>
+            </a:prstGeom>
+            <a:noFill/>
+          </p:spPr>
+          <p:txBody>
+            <a:bodyPr wrap="square" rtlCol="0">
+              <a:spAutoFit/>
+            </a:bodyPr>
+            <a:p>
+              <a:pPr algn="l"/>
+              <a:r>
+                <a:rPr lang="en-US" altLang="zh-CN" sz="1400">
+                  <a:solidFill>
+                    <a:schemeClr val="bg1"/>
+                  </a:solidFill>
+                </a:rPr>
+                <a:t>3</a:t>
+              </a:r>
+              <a:endParaRPr lang="en-US" altLang="zh-CN" sz="1400">
+                <a:solidFill>
+                  <a:schemeClr val="bg1"/>
+                </a:solidFill>
+              </a:endParaRPr>
+            </a:p>
+          </p:txBody>
+        </p:sp>
+        <p:sp>
+          <p:nvSpPr>
+            <p:cNvPr id="26" name="文本框 25"/>
+            <p:cNvSpPr txBox="1"/>
+            <p:nvPr/>
+          </p:nvSpPr>
+          <p:spPr>
+            <a:xfrm>
+              <a:off x="5263" y="6887"/>
+              <a:ext cx="531" cy="483"/>
+            </a:xfrm>
+            <a:prstGeom prst="rect">
+              <a:avLst/>
+            </a:prstGeom>
+            <a:noFill/>
+          </p:spPr>
+          <p:txBody>
+            <a:bodyPr wrap="square" rtlCol="0">
+              <a:spAutoFit/>
+            </a:bodyPr>
+            <a:p>
+              <a:pPr algn="l"/>
+              <a:r>
+                <a:rPr lang="en-US" altLang="zh-CN" sz="1400">
+                  <a:solidFill>
+                    <a:schemeClr val="bg1"/>
+                  </a:solidFill>
+                </a:rPr>
+                <a:t>6</a:t>
+              </a:r>
+              <a:endParaRPr lang="en-US" altLang="zh-CN" sz="1400">
+                <a:solidFill>
+                  <a:schemeClr val="bg1"/>
+                </a:solidFill>
+              </a:endParaRPr>
+            </a:p>
+          </p:txBody>
+        </p:sp>
+        <p:sp>
+          <p:nvSpPr>
+            <p:cNvPr id="27" name="文本框 26"/>
+            <p:cNvSpPr txBox="1"/>
+            <p:nvPr/>
+          </p:nvSpPr>
+          <p:spPr>
+            <a:xfrm>
+              <a:off x="5964" y="6887"/>
+              <a:ext cx="531" cy="483"/>
+            </a:xfrm>
+            <a:prstGeom prst="rect">
+              <a:avLst/>
+            </a:prstGeom>
+            <a:noFill/>
+          </p:spPr>
+          <p:txBody>
+            <a:bodyPr wrap="square" rtlCol="0">
+              <a:spAutoFit/>
+            </a:bodyPr>
+            <a:p>
+              <a:pPr algn="l"/>
+              <a:r>
+                <a:rPr lang="en-US" altLang="zh-CN" sz="1400">
+                  <a:solidFill>
+                    <a:schemeClr val="bg1"/>
+                  </a:solidFill>
+                </a:rPr>
+                <a:t>4</a:t>
+              </a:r>
+              <a:endParaRPr lang="en-US" altLang="zh-CN" sz="1400">
+                <a:solidFill>
+                  <a:schemeClr val="bg1"/>
+                </a:solidFill>
+              </a:endParaRPr>
+            </a:p>
+          </p:txBody>
+        </p:sp>
+      </p:grpSp>
+      <p:cxnSp>
+        <p:nvCxnSpPr>
+          <p:cNvPr id="62" name="直接箭头连接符 61"/>
+          <p:cNvCxnSpPr/>
+          <p:nvPr/>
+        </p:nvCxnSpPr>
+        <p:spPr>
+          <a:xfrm>
+            <a:off x="2586990" y="3274695"/>
+            <a:ext cx="0" cy="325755"/>
+          </a:xfrm>
+          <a:prstGeom prst="straightConnector1">
+            <a:avLst/>
+          </a:prstGeom>
+          <a:ln w="28575" cmpd="sng">
+            <a:solidFill>
+              <a:schemeClr val="bg1"/>
+            </a:solidFill>
+            <a:prstDash val="solid"/>
+            <a:tailEnd type="arrow"/>
+          </a:ln>
+        </p:spPr>
+        <p:style>
+          <a:lnRef idx="1">
+            <a:schemeClr val="accent1"/>
+          </a:lnRef>
+          <a:fillRef idx="0">
+            <a:schemeClr val="accent1"/>
+          </a:fillRef>
+          <a:effectRef idx="0">
+            <a:schemeClr val="accent1"/>
+          </a:effectRef>
+          <a:fontRef idx="minor">
+            <a:schemeClr val="tx1"/>
+          </a:fontRef>
+        </p:style>
+      </p:cxnSp>
+      <p:cxnSp>
+        <p:nvCxnSpPr>
+          <p:cNvPr id="30" name="直接箭头连接符 29"/>
+          <p:cNvCxnSpPr/>
+          <p:nvPr/>
+        </p:nvCxnSpPr>
+        <p:spPr>
+          <a:xfrm>
+            <a:off x="7506335" y="3264535"/>
+            <a:ext cx="0" cy="324000"/>
+          </a:xfrm>
+          <a:prstGeom prst="straightConnector1">
+            <a:avLst/>
+          </a:prstGeom>
+          <a:ln w="28575" cmpd="sng">
+            <a:solidFill>
+              <a:schemeClr val="bg1"/>
+            </a:solidFill>
+            <a:prstDash val="solid"/>
+            <a:tailEnd type="arrow"/>
+          </a:ln>
+        </p:spPr>
+        <p:style>
+          <a:lnRef idx="1">
+            <a:schemeClr val="accent1"/>
+          </a:lnRef>
+          <a:fillRef idx="0">
+            <a:schemeClr val="accent1"/>
+          </a:fillRef>
+          <a:effectRef idx="0">
+            <a:schemeClr val="accent1"/>
+          </a:effectRef>
+          <a:fontRef idx="minor">
+            <a:schemeClr val="tx1"/>
+          </a:fontRef>
+        </p:style>
+      </p:cxnSp>
+      <p:sp>
+        <p:nvSpPr>
+          <p:cNvPr id="31" name="文本框 30"/>
+          <p:cNvSpPr txBox="1"/>
+          <p:nvPr/>
+        </p:nvSpPr>
+        <p:spPr>
+          <a:xfrm>
+            <a:off x="5826125" y="2767965"/>
+            <a:ext cx="3345180" cy="521970"/>
+          </a:xfrm>
+          <a:prstGeom prst="rect">
+            <a:avLst/>
+          </a:prstGeom>
+          <a:noFill/>
+        </p:spPr>
+        <p:txBody>
+          <a:bodyPr wrap="square" rtlCol="0">
+            <a:spAutoFit/>
+          </a:bodyPr>
+          <a:p>
+            <a:pPr algn="l"/>
+            <a:r>
+              <a:rPr lang="zh-CN" altLang="en-US" sz="2800" b="1">
+                <a:solidFill>
+                  <a:schemeClr val="bg1"/>
+                </a:solidFill>
+              </a:rPr>
+              <a:t>[ 7,  </a:t>
+            </a:r>
+            <a:r>
+              <a:rPr lang="en-US" altLang="zh-CN" sz="2800" b="1">
+                <a:solidFill>
+                  <a:schemeClr val="bg1"/>
+                </a:solidFill>
+              </a:rPr>
+              <a:t>3</a:t>
+            </a:r>
+            <a:r>
+              <a:rPr lang="zh-CN" altLang="en-US" sz="2800" b="1">
+                <a:solidFill>
+                  <a:schemeClr val="bg1"/>
+                </a:solidFill>
+              </a:rPr>
+              <a:t>,  5,  </a:t>
+            </a:r>
+            <a:r>
+              <a:rPr lang="en-US" altLang="zh-CN" sz="2800" b="1">
+                <a:solidFill>
+                  <a:schemeClr val="bg1"/>
+                </a:solidFill>
+              </a:rPr>
+              <a:t>1</a:t>
+            </a:r>
+            <a:r>
+              <a:rPr lang="zh-CN" altLang="en-US" sz="2800" b="1">
+                <a:solidFill>
+                  <a:schemeClr val="bg1"/>
+                </a:solidFill>
+              </a:rPr>
+              <a:t>,  </a:t>
+            </a:r>
+            <a:r>
+              <a:rPr lang="en-US" altLang="zh-CN" sz="2800" b="1">
+                <a:solidFill>
+                  <a:schemeClr val="bg1"/>
+                </a:solidFill>
+              </a:rPr>
+              <a:t>2</a:t>
+            </a:r>
+            <a:r>
+              <a:rPr lang="zh-CN" altLang="en-US" sz="2800" b="1">
+                <a:solidFill>
+                  <a:schemeClr val="bg1"/>
+                </a:solidFill>
+              </a:rPr>
+              <a:t>,  </a:t>
+            </a:r>
+            <a:r>
+              <a:rPr lang="en-US" altLang="zh-CN" sz="2800" b="1">
+                <a:solidFill>
+                  <a:schemeClr val="bg1"/>
+                </a:solidFill>
+              </a:rPr>
+              <a:t>1</a:t>
+            </a:r>
+            <a:r>
+              <a:rPr lang="zh-CN" altLang="en-US" sz="2800" b="1">
+                <a:solidFill>
+                  <a:schemeClr val="bg1"/>
+                </a:solidFill>
+              </a:rPr>
+              <a:t> ]</a:t>
+            </a:r>
+            <a:endParaRPr lang="zh-CN" altLang="en-US" sz="2800" b="1">
+              <a:solidFill>
+                <a:schemeClr val="bg1"/>
+              </a:solidFill>
+            </a:endParaRPr>
+          </a:p>
+        </p:txBody>
+      </p:sp>
+      <p:grpSp>
+        <p:nvGrpSpPr>
+          <p:cNvPr id="38" name="组合 37"/>
+          <p:cNvGrpSpPr/>
+          <p:nvPr/>
+        </p:nvGrpSpPr>
+        <p:grpSpPr>
+          <a:xfrm>
+            <a:off x="5623560" y="3697605"/>
+            <a:ext cx="3765550" cy="2879090"/>
+            <a:chOff x="10152" y="5823"/>
+            <a:chExt cx="5930" cy="4534"/>
+          </a:xfrm>
+        </p:grpSpPr>
+        <p:pic>
+          <p:nvPicPr>
+            <p:cNvPr id="29" name="图片 28"/>
+            <p:cNvPicPr>
+              <a:picLocks noChangeAspect="1"/>
+            </p:cNvPicPr>
+            <p:nvPr/>
+          </p:nvPicPr>
+          <p:blipFill>
+            <a:blip r:embed="rId2"/>
+            <a:stretch>
+              <a:fillRect/>
+            </a:stretch>
+          </p:blipFill>
+          <p:spPr>
+            <a:xfrm>
+              <a:off x="10152" y="5823"/>
+              <a:ext cx="5931" cy="4513"/>
+            </a:xfrm>
+            <a:prstGeom prst="rect">
+              <a:avLst/>
+            </a:prstGeom>
+          </p:spPr>
+        </p:pic>
+        <p:sp>
+          <p:nvSpPr>
+            <p:cNvPr id="32" name="文本框 31"/>
+            <p:cNvSpPr txBox="1"/>
+            <p:nvPr/>
+          </p:nvSpPr>
+          <p:spPr>
+            <a:xfrm>
+              <a:off x="10962" y="6206"/>
+              <a:ext cx="531" cy="483"/>
+            </a:xfrm>
+            <a:prstGeom prst="rect">
+              <a:avLst/>
+            </a:prstGeom>
+            <a:noFill/>
+          </p:spPr>
+          <p:txBody>
+            <a:bodyPr wrap="square" rtlCol="0">
+              <a:spAutoFit/>
+            </a:bodyPr>
+            <a:p>
+              <a:pPr algn="l"/>
+              <a:r>
+                <a:rPr lang="en-US" altLang="zh-CN" sz="1400">
+                  <a:solidFill>
+                    <a:schemeClr val="bg1"/>
+                  </a:solidFill>
+                </a:rPr>
+                <a:t>7</a:t>
+              </a:r>
+              <a:endParaRPr lang="en-US" altLang="zh-CN" sz="1400">
+                <a:solidFill>
+                  <a:schemeClr val="bg1"/>
+                </a:solidFill>
+              </a:endParaRPr>
+            </a:p>
+          </p:txBody>
+        </p:sp>
+        <p:sp>
+          <p:nvSpPr>
+            <p:cNvPr id="33" name="文本框 32"/>
+            <p:cNvSpPr txBox="1"/>
+            <p:nvPr/>
+          </p:nvSpPr>
+          <p:spPr>
+            <a:xfrm>
+              <a:off x="11726" y="6689"/>
+              <a:ext cx="531" cy="483"/>
+            </a:xfrm>
+            <a:prstGeom prst="rect">
+              <a:avLst/>
+            </a:prstGeom>
+            <a:noFill/>
+          </p:spPr>
+          <p:txBody>
+            <a:bodyPr wrap="square" rtlCol="0">
+              <a:spAutoFit/>
+            </a:bodyPr>
+            <a:p>
+              <a:pPr algn="l"/>
+              <a:r>
+                <a:rPr lang="en-US" altLang="zh-CN" sz="1400">
+                  <a:solidFill>
+                    <a:schemeClr val="bg1"/>
+                  </a:solidFill>
+                </a:rPr>
+                <a:t>3</a:t>
+              </a:r>
+              <a:endParaRPr lang="en-US" altLang="zh-CN" sz="1400">
+                <a:solidFill>
+                  <a:schemeClr val="bg1"/>
+                </a:solidFill>
+              </a:endParaRPr>
+            </a:p>
+          </p:txBody>
+        </p:sp>
+        <p:sp>
+          <p:nvSpPr>
+            <p:cNvPr id="34" name="文本框 33"/>
+            <p:cNvSpPr txBox="1"/>
+            <p:nvPr/>
+          </p:nvSpPr>
+          <p:spPr>
+            <a:xfrm>
+              <a:off x="12490" y="6889"/>
+              <a:ext cx="531" cy="483"/>
+            </a:xfrm>
+            <a:prstGeom prst="rect">
+              <a:avLst/>
+            </a:prstGeom>
+            <a:noFill/>
+          </p:spPr>
+          <p:txBody>
+            <a:bodyPr wrap="square" rtlCol="0">
+              <a:spAutoFit/>
+            </a:bodyPr>
+            <a:p>
+              <a:pPr algn="l"/>
+              <a:r>
+                <a:rPr lang="en-US" altLang="zh-CN" sz="1400">
+                  <a:solidFill>
+                    <a:schemeClr val="bg1"/>
+                  </a:solidFill>
+                </a:rPr>
+                <a:t>5</a:t>
+              </a:r>
+              <a:endParaRPr lang="en-US" altLang="zh-CN" sz="1400">
+                <a:solidFill>
+                  <a:schemeClr val="bg1"/>
+                </a:solidFill>
+              </a:endParaRPr>
+            </a:p>
+          </p:txBody>
+        </p:sp>
+        <p:sp>
+          <p:nvSpPr>
+            <p:cNvPr id="35" name="文本框 34"/>
+            <p:cNvSpPr txBox="1"/>
+            <p:nvPr/>
+          </p:nvSpPr>
+          <p:spPr>
+            <a:xfrm>
+              <a:off x="13254" y="9875"/>
+              <a:ext cx="531" cy="483"/>
+            </a:xfrm>
+            <a:prstGeom prst="rect">
+              <a:avLst/>
+            </a:prstGeom>
+            <a:noFill/>
+          </p:spPr>
+          <p:txBody>
+            <a:bodyPr wrap="square" rtlCol="0">
+              <a:spAutoFit/>
+            </a:bodyPr>
+            <a:p>
+              <a:pPr algn="l"/>
+              <a:r>
+                <a:rPr lang="en-US" altLang="zh-CN" sz="1400">
+                  <a:solidFill>
+                    <a:schemeClr val="bg1"/>
+                  </a:solidFill>
+                </a:rPr>
+                <a:t>1</a:t>
+              </a:r>
+              <a:endParaRPr lang="en-US" altLang="zh-CN" sz="1400">
+                <a:solidFill>
+                  <a:schemeClr val="bg1"/>
+                </a:solidFill>
+              </a:endParaRPr>
+            </a:p>
+          </p:txBody>
+        </p:sp>
+        <p:sp>
+          <p:nvSpPr>
+            <p:cNvPr id="36" name="文本框 35"/>
+            <p:cNvSpPr txBox="1"/>
+            <p:nvPr/>
+          </p:nvSpPr>
+          <p:spPr>
+            <a:xfrm>
+              <a:off x="14041" y="8548"/>
+              <a:ext cx="531" cy="483"/>
+            </a:xfrm>
+            <a:prstGeom prst="rect">
+              <a:avLst/>
+            </a:prstGeom>
+            <a:noFill/>
+          </p:spPr>
+          <p:txBody>
+            <a:bodyPr wrap="square" rtlCol="0">
+              <a:spAutoFit/>
+            </a:bodyPr>
+            <a:p>
+              <a:pPr algn="l"/>
+              <a:r>
+                <a:rPr lang="en-US" altLang="zh-CN" sz="1400">
+                  <a:solidFill>
+                    <a:schemeClr val="bg1"/>
+                  </a:solidFill>
+                </a:rPr>
+                <a:t>2</a:t>
+              </a:r>
+              <a:endParaRPr lang="en-US" altLang="zh-CN" sz="1400">
+                <a:solidFill>
+                  <a:schemeClr val="bg1"/>
+                </a:solidFill>
+              </a:endParaRPr>
+            </a:p>
+          </p:txBody>
+        </p:sp>
+        <p:sp>
+          <p:nvSpPr>
+            <p:cNvPr id="37" name="文本框 36"/>
+            <p:cNvSpPr txBox="1"/>
+            <p:nvPr/>
+          </p:nvSpPr>
+          <p:spPr>
+            <a:xfrm>
+              <a:off x="14873" y="9593"/>
+              <a:ext cx="531" cy="483"/>
+            </a:xfrm>
+            <a:prstGeom prst="rect">
+              <a:avLst/>
+            </a:prstGeom>
+            <a:noFill/>
+          </p:spPr>
+          <p:txBody>
+            <a:bodyPr wrap="square" rtlCol="0">
+              <a:spAutoFit/>
+            </a:bodyPr>
+            <a:p>
+              <a:pPr algn="l"/>
+              <a:r>
+                <a:rPr lang="en-US" altLang="zh-CN" sz="1400">
+                  <a:solidFill>
+                    <a:schemeClr val="bg1"/>
+                  </a:solidFill>
+                </a:rPr>
+                <a:t>1</a:t>
+              </a:r>
+              <a:endParaRPr lang="en-US" altLang="zh-CN" sz="1400">
+                <a:solidFill>
+                  <a:schemeClr val="bg1"/>
+                </a:solidFill>
+              </a:endParaRPr>
+            </a:p>
+          </p:txBody>
+        </p:sp>
+      </p:grpSp>
+      <p:sp>
+        <p:nvSpPr>
+          <p:cNvPr id="40" name="文本框 39"/>
+          <p:cNvSpPr txBox="1"/>
+          <p:nvPr/>
+        </p:nvSpPr>
+        <p:spPr>
+          <a:xfrm>
+            <a:off x="1724025" y="6295390"/>
+            <a:ext cx="337185" cy="306705"/>
+          </a:xfrm>
+          <a:prstGeom prst="rect">
+            <a:avLst/>
+          </a:prstGeom>
+          <a:noFill/>
+        </p:spPr>
+        <p:txBody>
+          <a:bodyPr wrap="square" rtlCol="0">
+            <a:spAutoFit/>
+          </a:bodyPr>
+          <a:p>
+            <a:pPr algn="l"/>
+            <a:r>
+              <a:rPr lang="en-US" altLang="zh-CN" sz="1400">
+                <a:solidFill>
+                  <a:schemeClr val="bg1"/>
+                </a:solidFill>
+              </a:rPr>
+              <a:t>1</a:t>
+            </a:r>
+            <a:endParaRPr lang="en-US" altLang="zh-CN" sz="1400">
+              <a:solidFill>
+                <a:schemeClr val="bg1"/>
+              </a:solidFill>
+            </a:endParaRPr>
+          </a:p>
+        </p:txBody>
+      </p:sp>
+      <p:sp>
+        <p:nvSpPr>
+          <p:cNvPr id="41" name="文本框 40"/>
+          <p:cNvSpPr txBox="1"/>
+          <p:nvPr/>
+        </p:nvSpPr>
+        <p:spPr>
+          <a:xfrm>
+            <a:off x="7930515" y="1863090"/>
+            <a:ext cx="4234815" cy="368300"/>
+          </a:xfrm>
+          <a:prstGeom prst="rect">
+            <a:avLst/>
+          </a:prstGeom>
+          <a:noFill/>
+        </p:spPr>
+        <p:txBody>
+          <a:bodyPr wrap="square" rtlCol="0">
+            <a:spAutoFit/>
+          </a:bodyPr>
+          <a:p>
+            <a:pPr algn="l"/>
+            <a:r>
+              <a:rPr lang="zh-CN" altLang="en-US" b="1">
+                <a:solidFill>
+                  <a:schemeClr val="bg1"/>
+                </a:solidFill>
+                <a:sym typeface="+mn-ea"/>
+              </a:rPr>
+              <a:t>当天最大利润 </a:t>
+            </a:r>
+            <a:r>
+              <a:rPr lang="en-US" altLang="zh-CN" b="1">
+                <a:solidFill>
+                  <a:schemeClr val="bg1"/>
+                </a:solidFill>
+              </a:rPr>
+              <a:t>= </a:t>
+            </a:r>
+            <a:r>
+              <a:rPr lang="zh-CN" altLang="en-US" b="1">
+                <a:solidFill>
+                  <a:schemeClr val="bg1"/>
+                </a:solidFill>
+              </a:rPr>
+              <a:t>当天价格 - 历史最低价</a:t>
+            </a:r>
+            <a:endParaRPr lang="zh-CN" altLang="en-US" b="1">
+              <a:solidFill>
+                <a:schemeClr val="bg1"/>
+              </a:solidFill>
+            </a:endParaRPr>
+          </a:p>
+        </p:txBody>
+      </p:sp>
+    </p:spTree>
+  </p:cSld>
+  <p:clrMapOvr>
+    <a:masterClrMapping/>
+  </p:clrMapOvr>
+  <p:timing>
+    <p:tnLst>
+      <p:par>
+        <p:cTn id="1" dur="indefinite" restart="never" nodeType="tmRoot">
+          <p:childTnLst>
+            <p:seq concurrent="1" nextAc="seek">
+              <p:cTn id="2" dur="indefinite" nodeType="mainSeq">
+                <p:childTnLst>
+                  <p:par>
+                    <p:cTn id="3" fill="hold">
+                      <p:stCondLst>
+                        <p:cond delay="indefinite"/>
+                      </p:stCondLst>
+                      <p:childTnLst>
+                        <p:par>
+                          <p:cTn id="4" fill="hold">
+                            <p:stCondLst>
+                              <p:cond delay="0"/>
+                            </p:stCondLst>
+                            <p:childTnLst>
+                              <p:par>
+                                <p:cTn id="5" presetID="10" presetClass="entr" presetSubtype="0" fill="hold" nodeType="clickEffect">
+                                  <p:stCondLst>
+                                    <p:cond delay="0"/>
+                                  </p:stCondLst>
+                                  <p:childTnLst>
+                                    <p:set>
+                                      <p:cBhvr>
+                                        <p:cTn id="6" dur="1" fill="hold">
+                                          <p:stCondLst>
+                                            <p:cond delay="0"/>
+                                          </p:stCondLst>
+                                        </p:cTn>
+                                        <p:tgtEl>
+                                          <p:spTgt spid="30"/>
+                                        </p:tgtEl>
+                                        <p:attrNameLst>
+                                          <p:attrName>style.visibility</p:attrName>
+                                        </p:attrNameLst>
+                                      </p:cBhvr>
+                                      <p:to>
+                                        <p:strVal val="visible"/>
+                                      </p:to>
+                                    </p:set>
+                                    <p:animEffect transition="in" filter="fade">
+                                      <p:cBhvr>
+                                        <p:cTn id="7" dur="500"/>
+                                        <p:tgtEl>
+                                          <p:spTgt spid="30"/>
+                                        </p:tgtEl>
+                                      </p:cBhvr>
+                                    </p:animEffect>
+                                  </p:childTnLst>
+                                </p:cTn>
+                              </p:par>
+                            </p:childTnLst>
+                          </p:cTn>
+                        </p:par>
+                        <p:par>
+                          <p:cTn id="8" fill="hold">
+                            <p:stCondLst>
+                              <p:cond delay="500"/>
+                            </p:stCondLst>
+                            <p:childTnLst>
+                              <p:par>
+                                <p:cTn id="9" presetID="10" presetClass="entr" presetSubtype="0" fill="hold" nodeType="afterEffect">
+                                  <p:stCondLst>
+                                    <p:cond delay="0"/>
+                                  </p:stCondLst>
+                                  <p:childTnLst>
+                                    <p:set>
+                                      <p:cBhvr>
+                                        <p:cTn id="10" dur="1" fill="hold">
+                                          <p:stCondLst>
+                                            <p:cond delay="0"/>
+                                          </p:stCondLst>
+                                        </p:cTn>
+                                        <p:tgtEl>
+                                          <p:spTgt spid="38"/>
+                                        </p:tgtEl>
+                                        <p:attrNameLst>
+                                          <p:attrName>style.visibility</p:attrName>
+                                        </p:attrNameLst>
+                                      </p:cBhvr>
+                                      <p:to>
+                                        <p:strVal val="visible"/>
+                                      </p:to>
+                                    </p:set>
+                                    <p:animEffect transition="in" filter="fade">
+                                      <p:cBhvr>
+                                        <p:cTn id="11" dur="500"/>
+                                        <p:tgtEl>
+                                          <p:spTgt spid="38"/>
+                                        </p:tgtEl>
+                                      </p:cBhvr>
+                                    </p:animEffect>
+                                  </p:childTnLst>
+                                </p:cTn>
+                              </p:par>
+                            </p:childTnLst>
+                          </p:cTn>
+                        </p:par>
+                      </p:childTnLst>
+                    </p:cTn>
+                  </p:par>
+                  <p:par>
+                    <p:cTn id="12" fill="hold">
+                      <p:stCondLst>
+                        <p:cond delay="indefinite"/>
+                      </p:stCondLst>
+                      <p:childTnLst>
+                        <p:par>
+                          <p:cTn id="13" fill="hold">
+                            <p:stCondLst>
+                              <p:cond delay="0"/>
+                            </p:stCondLst>
+                            <p:childTnLst>
+                              <p:par>
+                                <p:cTn id="14" presetID="10" presetClass="entr" presetSubtype="0" fill="hold" grpId="0" nodeType="clickEffect">
+                                  <p:stCondLst>
+                                    <p:cond delay="0"/>
+                                  </p:stCondLst>
+                                  <p:childTnLst>
+                                    <p:set>
+                                      <p:cBhvr>
+                                        <p:cTn id="15" dur="1" fill="hold">
+                                          <p:stCondLst>
+                                            <p:cond delay="0"/>
+                                          </p:stCondLst>
+                                        </p:cTn>
+                                        <p:tgtEl>
+                                          <p:spTgt spid="41"/>
+                                        </p:tgtEl>
+                                        <p:attrNameLst>
+                                          <p:attrName>style.visibility</p:attrName>
+                                        </p:attrNameLst>
+                                      </p:cBhvr>
+                                      <p:to>
+                                        <p:strVal val="visible"/>
+                                      </p:to>
+                                    </p:set>
+                                    <p:animEffect transition="in" filter="fade">
+                                      <p:cBhvr>
+                                        <p:cTn id="16" dur="500"/>
+                                        <p:tgtEl>
+                                          <p:spTgt spid="41"/>
+                                        </p:tgtEl>
+                                      </p:cBhvr>
+                                    </p:animEffect>
+                                  </p:childTnLst>
+                                </p:cTn>
+                              </p:par>
+                            </p:childTnLst>
+                          </p:cTn>
+                        </p:par>
+                      </p:childTnLst>
+                    </p:cTn>
+                  </p:par>
+                </p:childTnLst>
+              </p:cTn>
+              <p:prevCondLst>
+                <p:cond evt="onPrev" delay="0">
+                  <p:tgtEl>
+                    <p:sldTgt/>
+                  </p:tgtEl>
+                </p:cond>
+              </p:prevCondLst>
+              <p:nextCondLst>
+                <p:cond evt="onNext" delay="0">
+                  <p:tgtEl>
+                    <p:sldTgt/>
+                  </p:tgtEl>
+                </p:cond>
+              </p:nextCondLst>
+            </p:seq>
+          </p:childTnLst>
+        </p:cTn>
+      </p:par>
+    </p:tnLst>
+    <p:bldLst>
+      <p:bldP spid="41" grpId="0"/>
+    </p:bldLst>
+  </p:timing>
+</p:sld>
+</file>
+
+<file path=ppt/slides/slide11.xml><?xml version="1.0" encoding="utf-8"?>
+<p:sld xmlns:a="http://schemas.openxmlformats.org/drawingml/2006/main" xmlns:r="http://schemas.openxmlformats.org/officeDocument/2006/relationships" xmlns:p="http://schemas.openxmlformats.org/presentationml/2006/main">
+  <p:cSld>
+    <p:bg>
+      <p:bgPr>
+        <a:solidFill>
+          <a:schemeClr val="tx2"/>
+        </a:solidFill>
+        <a:effectLst/>
+      </p:bgPr>
+    </p:bg>
+    <p:spTree>
+      <p:nvGrpSpPr>
+        <p:cNvPr id="1" name=""/>
+        <p:cNvGrpSpPr/>
+        <p:nvPr/>
+      </p:nvGrpSpPr>
+      <p:grpSpPr/>
+      <p:sp>
+        <p:nvSpPr>
           <p:cNvPr id="19" name="椭圆 18"/>
           <p:cNvSpPr/>
           <p:nvPr/>
@@ -7170,7 +8583,7 @@
 </p:sld>
 </file>
 
-<file path=ppt/slides/slide11.xml><?xml version="1.0" encoding="utf-8"?>
+<file path=ppt/slides/slide12.xml><?xml version="1.0" encoding="utf-8"?>
 <p:sld xmlns:a="http://schemas.openxmlformats.org/drawingml/2006/main" xmlns:r="http://schemas.openxmlformats.org/officeDocument/2006/relationships" xmlns:p="http://schemas.openxmlformats.org/presentationml/2006/main">
   <p:cSld>
     <p:bg>
@@ -7384,7 +8797,7 @@
         <p:spPr>
           <a:xfrm>
             <a:off x="608965" y="1637030"/>
-            <a:ext cx="7410450" cy="368300"/>
+            <a:ext cx="7673975" cy="368300"/>
           </a:xfrm>
           <a:prstGeom prst="rect">
             <a:avLst/>
@@ -7431,7 +8844,7 @@
                 </a:solidFill>
                 <a:effectLst/>
               </a:rPr>
-              <a:t>个字符和第 </a:t>
+              <a:t>个位置和第 </a:t>
             </a:r>
             <a:r>
               <a:rPr lang="en-US" altLang="zh-CN" b="1">
@@ -7449,7 +8862,7 @@
                 </a:solidFill>
                 <a:effectLst/>
               </a:rPr>
-              <a:t>个字符相同则是回文字符串</a:t>
+              <a:t>个位置字符相同则是回文字符串</a:t>
             </a:r>
             <a:endParaRPr lang="zh-CN" altLang="en-US" b="1">
               <a:solidFill>
@@ -7468,7 +8881,7 @@
         </p:nvSpPr>
         <p:spPr>
           <a:xfrm>
-            <a:off x="7879080" y="1637030"/>
+            <a:off x="8119110" y="1637030"/>
             <a:ext cx="2159000" cy="368300"/>
           </a:xfrm>
           <a:prstGeom prst="rect">
@@ -8206,7 +9619,7 @@
                 </a:solidFill>
                 <a:sym typeface="+mn-ea"/>
               </a:rPr>
-              <a:t>dp[i][j] = s[i] === s[j] &amp;&amp; dp[i - 1][j + 1]</a:t>
+              <a:t>dp[i][j] = s[i] === s[j] &amp;&amp; dp[i + 1][j - 1]</a:t>
             </a:r>
             <a:endParaRPr lang="en-US" sz="1400">
               <a:solidFill>
@@ -8226,7 +9639,7 @@
         <p:spPr>
           <a:xfrm>
             <a:off x="5474970" y="4977130"/>
-            <a:ext cx="4562475" cy="1599565"/>
+            <a:ext cx="5288915" cy="1599565"/>
           </a:xfrm>
           <a:prstGeom prst="rect">
             <a:avLst/>
@@ -8273,7 +9686,61 @@
                 </a:solidFill>
                 <a:sym typeface="+mn-ea"/>
               </a:rPr>
-              <a:t>for (let i = 0; i &lt; len; i++) {</a:t>
+              <a:t>for (let </a:t>
+            </a:r>
+            <a:r>
+              <a:rPr lang="en-US" sz="1400">
+                <a:solidFill>
+                  <a:schemeClr val="bg1"/>
+                </a:solidFill>
+                <a:sym typeface="+mn-ea"/>
+              </a:rPr>
+              <a:t>j</a:t>
+            </a:r>
+            <a:r>
+              <a:rPr sz="1400">
+                <a:solidFill>
+                  <a:schemeClr val="bg1"/>
+                </a:solidFill>
+                <a:sym typeface="+mn-ea"/>
+              </a:rPr>
+              <a:t> = 0; </a:t>
+            </a:r>
+            <a:r>
+              <a:rPr lang="en-US" sz="1400">
+                <a:solidFill>
+                  <a:schemeClr val="bg1"/>
+                </a:solidFill>
+                <a:sym typeface="+mn-ea"/>
+              </a:rPr>
+              <a:t>j</a:t>
+            </a:r>
+            <a:r>
+              <a:rPr sz="1400">
+                <a:solidFill>
+                  <a:schemeClr val="bg1"/>
+                </a:solidFill>
+                <a:sym typeface="+mn-ea"/>
+              </a:rPr>
+              <a:t> &lt; len; </a:t>
+            </a:r>
+            <a:r>
+              <a:rPr lang="en-US" sz="1400">
+                <a:solidFill>
+                  <a:schemeClr val="bg1"/>
+                </a:solidFill>
+                <a:sym typeface="+mn-ea"/>
+              </a:rPr>
+              <a:t>j</a:t>
+            </a:r>
+            <a:r>
+              <a:rPr sz="1400">
+                <a:solidFill>
+                  <a:schemeClr val="bg1"/>
+                </a:solidFill>
+                <a:sym typeface="+mn-ea"/>
+              </a:rPr>
+              <a:t>++) {</a:t>
             </a:r>
             <a:endParaRPr sz="1400">
               <a:solidFill>
@@ -8291,7 +9758,79 @@
                 </a:solidFill>
                 <a:sym typeface="+mn-ea"/>
               </a:rPr>
-              <a:t>    for (let j = 0; j &lt;= i; j++) {</a:t>
+              <a:t>    for (let </a:t>
+            </a:r>
+            <a:r>
+              <a:rPr lang="en-US" sz="1400">
+                <a:solidFill>
+                  <a:schemeClr val="bg1"/>
+                </a:solidFill>
+                <a:sym typeface="+mn-ea"/>
+              </a:rPr>
+              <a:t>i</a:t>
+            </a:r>
+            <a:r>
+              <a:rPr sz="1400">
+                <a:solidFill>
+                  <a:schemeClr val="bg1"/>
+                </a:solidFill>
+                <a:sym typeface="+mn-ea"/>
+              </a:rPr>
+              <a:t> = 0; </a:t>
+            </a:r>
+            <a:r>
+              <a:rPr lang="en-US" sz="1400">
+                <a:solidFill>
+                  <a:schemeClr val="bg1"/>
+                </a:solidFill>
+                <a:sym typeface="+mn-ea"/>
+              </a:rPr>
+              <a:t>i</a:t>
+            </a:r>
+            <a:r>
+              <a:rPr sz="1400">
+                <a:solidFill>
+                  <a:schemeClr val="bg1"/>
+                </a:solidFill>
+                <a:sym typeface="+mn-ea"/>
+              </a:rPr>
+              <a:t> &lt;= </a:t>
+            </a:r>
+            <a:r>
+              <a:rPr lang="en-US" sz="1400">
+                <a:solidFill>
+                  <a:schemeClr val="bg1"/>
+                </a:solidFill>
+                <a:sym typeface="+mn-ea"/>
+              </a:rPr>
+              <a:t>j</a:t>
+            </a:r>
+            <a:r>
+              <a:rPr sz="1400">
+                <a:solidFill>
+                  <a:schemeClr val="bg1"/>
+                </a:solidFill>
+                <a:sym typeface="+mn-ea"/>
+              </a:rPr>
+              <a:t>; </a:t>
+            </a:r>
+            <a:r>
+              <a:rPr lang="en-US" sz="1400">
+                <a:solidFill>
+                  <a:schemeClr val="bg1"/>
+                </a:solidFill>
+                <a:sym typeface="+mn-ea"/>
+              </a:rPr>
+              <a:t>i</a:t>
+            </a:r>
+            <a:r>
+              <a:rPr sz="1400">
+                <a:solidFill>
+                  <a:schemeClr val="bg1"/>
+                </a:solidFill>
+                <a:sym typeface="+mn-ea"/>
+              </a:rPr>
+              <a:t>++) {</a:t>
             </a:r>
             <a:endParaRPr sz="1400">
               <a:solidFill>
@@ -8312,13 +9851,94 @@
               <a:t>        dp[i][j] = </a:t>
             </a:r>
             <a:r>
+              <a:rPr lang="en-US" sz="1400" b="1">
+                <a:solidFill>
+                  <a:schemeClr val="accent2"/>
+                </a:solidFill>
+                <a:sym typeface="+mn-ea"/>
+              </a:rPr>
+              <a:t>i === j || </a:t>
+            </a:r>
+            <a:r>
               <a:rPr sz="1400">
                 <a:solidFill>
                   <a:schemeClr val="bg1"/>
                 </a:solidFill>
                 <a:sym typeface="+mn-ea"/>
               </a:rPr>
-              <a:t>s[i] === s[j] &amp;&amp; dp[i - 1][j + 1]</a:t>
+              <a:t>s[i] === s[j] &amp;&amp; </a:t>
+            </a:r>
+            <a:r>
+              <a:rPr lang="en-US" sz="1400">
+                <a:solidFill>
+                  <a:schemeClr val="bg1"/>
+                </a:solidFill>
+                <a:sym typeface="+mn-ea"/>
+              </a:rPr>
+              <a:t>(</a:t>
+            </a:r>
+            <a:r>
+              <a:rPr lang="en-US" sz="1400" b="1">
+                <a:solidFill>
+                  <a:schemeClr val="accent2"/>
+                </a:solidFill>
+                <a:sym typeface="+mn-ea"/>
+              </a:rPr>
+              <a:t>j - i === 1 || </a:t>
+            </a:r>
+            <a:r>
+              <a:rPr sz="1400">
+                <a:solidFill>
+                  <a:schemeClr val="bg1"/>
+                </a:solidFill>
+                <a:sym typeface="+mn-ea"/>
+              </a:rPr>
+              <a:t>dp[i </a:t>
+            </a:r>
+            <a:r>
+              <a:rPr lang="en-US" sz="1400">
+                <a:solidFill>
+                  <a:schemeClr val="bg1"/>
+                </a:solidFill>
+                <a:sym typeface="+mn-ea"/>
+              </a:rPr>
+              <a:t>+</a:t>
+            </a:r>
+            <a:r>
+              <a:rPr sz="1400">
+                <a:solidFill>
+                  <a:schemeClr val="bg1"/>
+                </a:solidFill>
+                <a:sym typeface="+mn-ea"/>
+              </a:rPr>
+              <a:t> 1][j </a:t>
+            </a:r>
+            <a:r>
+              <a:rPr lang="en-US" sz="1400">
+                <a:solidFill>
+                  <a:schemeClr val="bg1"/>
+                </a:solidFill>
+                <a:sym typeface="+mn-ea"/>
+              </a:rPr>
+              <a:t>-</a:t>
+            </a:r>
+            <a:r>
+              <a:rPr sz="1400">
+                <a:solidFill>
+                  <a:schemeClr val="bg1"/>
+                </a:solidFill>
+                <a:sym typeface="+mn-ea"/>
+              </a:rPr>
+              <a:t> 1]</a:t>
+            </a:r>
+            <a:r>
+              <a:rPr lang="en-US" sz="1400">
+                <a:solidFill>
+                  <a:schemeClr val="bg1"/>
+                </a:solidFill>
+                <a:sym typeface="+mn-ea"/>
+              </a:rPr>
+              <a:t>) </a:t>
             </a:r>
             <a:endParaRPr sz="1400">
               <a:solidFill>
@@ -8362,6 +9982,120 @@
               </a:solidFill>
               <a:sym typeface="+mn-ea"/>
             </a:endParaRPr>
+          </a:p>
+        </p:txBody>
+      </p:sp>
+      <p:sp>
+        <p:nvSpPr>
+          <p:cNvPr id="11" name="椭圆形标注 10"/>
+          <p:cNvSpPr/>
+          <p:nvPr/>
+        </p:nvSpPr>
+        <p:spPr>
+          <a:xfrm>
+            <a:off x="8077200" y="4687570"/>
+            <a:ext cx="3346450" cy="875665"/>
+          </a:xfrm>
+          <a:prstGeom prst="wedgeEllipseCallout">
+            <a:avLst>
+              <a:gd name="adj1" fmla="val -21889"/>
+              <a:gd name="adj2" fmla="val 73388"/>
+            </a:avLst>
+          </a:prstGeom>
+        </p:spPr>
+        <p:style>
+          <a:lnRef idx="2">
+            <a:schemeClr val="accent1">
+              <a:shade val="50000"/>
+            </a:schemeClr>
+          </a:lnRef>
+          <a:fillRef idx="1">
+            <a:schemeClr val="accent1"/>
+          </a:fillRef>
+          <a:effectRef idx="0">
+            <a:schemeClr val="accent1"/>
+          </a:effectRef>
+          <a:fontRef idx="minor">
+            <a:schemeClr val="lt1"/>
+          </a:fontRef>
+        </p:style>
+        <p:txBody>
+          <a:bodyPr rtlCol="0" anchor="ctr"/>
+          <a:p>
+            <a:pPr algn="l"/>
+            <a:r>
+              <a:rPr lang="en-US" sz="1200">
+                <a:solidFill>
+                  <a:schemeClr val="bg1"/>
+                </a:solidFill>
+                <a:sym typeface="+mn-ea"/>
+              </a:rPr>
+              <a:t>i = j </a:t>
+            </a:r>
+            <a:r>
+              <a:rPr lang="zh-CN" altLang="en-US" sz="1200">
+                <a:solidFill>
+                  <a:schemeClr val="bg1"/>
+                </a:solidFill>
+                <a:sym typeface="+mn-ea"/>
+              </a:rPr>
+              <a:t>单个字符是回文子串</a:t>
+            </a:r>
+            <a:endParaRPr lang="zh-CN" altLang="en-US" sz="1200">
+              <a:solidFill>
+                <a:schemeClr val="bg1"/>
+              </a:solidFill>
+              <a:sym typeface="+mn-ea"/>
+            </a:endParaRPr>
+          </a:p>
+          <a:p>
+            <a:pPr algn="l"/>
+            <a:r>
+              <a:rPr lang="en-US" altLang="zh-CN" sz="1200">
+                <a:solidFill>
+                  <a:schemeClr val="bg1"/>
+                </a:solidFill>
+                <a:sym typeface="+mn-ea"/>
+              </a:rPr>
+              <a:t>i-j = 1 </a:t>
+            </a:r>
+            <a:r>
+              <a:rPr lang="zh-CN" altLang="en-US" sz="1200">
+                <a:solidFill>
+                  <a:schemeClr val="bg1"/>
+                </a:solidFill>
+                <a:sym typeface="+mn-ea"/>
+              </a:rPr>
+              <a:t>结尾两位相同是回文子串</a:t>
+            </a:r>
+            <a:endParaRPr lang="zh-CN" altLang="en-US" sz="1200">
+              <a:solidFill>
+                <a:schemeClr val="bg1"/>
+              </a:solidFill>
+              <a:sym typeface="+mn-ea"/>
+            </a:endParaRPr>
+          </a:p>
+          <a:p>
+            <a:pPr algn="l"/>
+            <a:r>
+              <a:rPr lang="zh-CN" altLang="en-US" sz="1200">
+                <a:solidFill>
+                  <a:schemeClr val="bg1"/>
+                </a:solidFill>
+                <a:sym typeface="+mn-ea"/>
+              </a:rPr>
+              <a:t>两个条件简化为 </a:t>
+            </a:r>
+            <a:r>
+              <a:rPr lang="en-US" altLang="zh-CN" sz="1200">
+                <a:solidFill>
+                  <a:schemeClr val="bg1"/>
+                </a:solidFill>
+                <a:sym typeface="+mn-ea"/>
+              </a:rPr>
+              <a:t>j- i &lt;= 1</a:t>
+            </a:r>
+            <a:endParaRPr lang="zh-CN" altLang="en-US" sz="1200"/>
           </a:p>
         </p:txBody>
       </p:sp>
@@ -8380,7 +10114,7 @@
 </p:sld>
 </file>
 
-<file path=ppt/slides/slide12.xml><?xml version="1.0" encoding="utf-8"?>
+<file path=ppt/slides/slide13.xml><?xml version="1.0" encoding="utf-8"?>
 <p:sld xmlns:a="http://schemas.openxmlformats.org/drawingml/2006/main" xmlns:r="http://schemas.openxmlformats.org/officeDocument/2006/relationships" xmlns:p="http://schemas.openxmlformats.org/presentationml/2006/main">
   <p:cSld>
     <p:bg>
@@ -8438,55 +10172,6 @@
           </a:p>
         </p:txBody>
       </p:sp>
-      <p:sp>
-        <p:nvSpPr>
-          <p:cNvPr id="34" name="文本框 33"/>
-          <p:cNvSpPr txBox="1"/>
-          <p:nvPr/>
-        </p:nvSpPr>
-        <p:spPr>
-          <a:xfrm>
-            <a:off x="608965" y="1240155"/>
-            <a:ext cx="8498840" cy="368300"/>
-          </a:xfrm>
-          <a:prstGeom prst="rect">
-            <a:avLst/>
-          </a:prstGeom>
-          <a:noFill/>
-        </p:spPr>
-        <p:txBody>
-          <a:bodyPr wrap="square" rtlCol="0">
-            <a:spAutoFit/>
-          </a:bodyPr>
-          <a:p>
-            <a:pPr algn="l"/>
-            <a:r>
-              <a:rPr lang="zh-CN" altLang="en-US" b="1">
-                <a:solidFill>
-                  <a:schemeClr val="bg1"/>
-                </a:solidFill>
-                <a:sym typeface="+mn-ea"/>
-              </a:rPr>
-              <a:t>题目：</a:t>
-            </a:r>
-            <a:r>
-              <a:rPr b="1">
-                <a:solidFill>
-                  <a:schemeClr val="bg1"/>
-                </a:solidFill>
-                <a:sym typeface="+mn-ea"/>
-              </a:rPr>
-              <a:t>给你一个字符串 s ，请你统计并返回这个字符串中回文子串的数目。</a:t>
-            </a:r>
-            <a:endParaRPr b="1">
-              <a:solidFill>
-                <a:schemeClr val="bg1"/>
-              </a:solidFill>
-              <a:sym typeface="+mn-ea"/>
-            </a:endParaRPr>
-          </a:p>
-        </p:txBody>
-      </p:sp>
       <p:graphicFrame>
         <p:nvGraphicFramePr>
           <p:cNvPr id="45" name="表格 44"/>
@@ -8498,7 +10183,7 @@
           </p:nvPr>
         </p:nvGraphicFramePr>
         <p:xfrm>
-          <a:off x="6896100" y="3188335"/>
+          <a:off x="4745355" y="2875915"/>
           <a:ext cx="3413760" cy="3219450"/>
         </p:xfrm>
         <a:graphic>
@@ -9075,10 +10760,10 @@
         </p:nvGrpSpPr>
         <p:grpSpPr>
           <a:xfrm>
-            <a:off x="7523480" y="2301875"/>
-            <a:ext cx="474980" cy="565150"/>
+            <a:off x="5372735" y="1989455"/>
+            <a:ext cx="474980" cy="565785"/>
             <a:chOff x="10747" y="3479"/>
-            <a:chExt cx="748" cy="890"/>
+            <a:chExt cx="748" cy="891"/>
           </a:xfrm>
         </p:grpSpPr>
         <p:sp>
@@ -9151,7 +10836,7 @@
                     <a:schemeClr val="bg1"/>
                   </a:solidFill>
                 </a:rPr>
-                <a:t>i=0</a:t>
+                <a:t>j=0</a:t>
               </a:r>
               <a:endParaRPr lang="en-US" altLang="zh-CN" sz="1200" b="1">
                 <a:solidFill>
@@ -9170,10 +10855,10 @@
         </p:nvGrpSpPr>
         <p:grpSpPr>
           <a:xfrm>
-            <a:off x="5820410" y="3856355"/>
-            <a:ext cx="674370" cy="275590"/>
+            <a:off x="3669665" y="3543935"/>
+            <a:ext cx="675005" cy="275590"/>
             <a:chOff x="7862" y="5753"/>
-            <a:chExt cx="1062" cy="434"/>
+            <a:chExt cx="1063" cy="434"/>
           </a:xfrm>
         </p:grpSpPr>
         <p:sp>
@@ -9246,7 +10931,7 @@
                     <a:schemeClr val="bg1"/>
                   </a:solidFill>
                 </a:rPr>
-                <a:t>j=0</a:t>
+                <a:t>i=0</a:t>
               </a:r>
               <a:endParaRPr lang="en-US" altLang="zh-CN" sz="1200" b="1">
                 <a:solidFill>
@@ -9265,7 +10950,7 @@
         </p:nvGrpSpPr>
         <p:grpSpPr>
           <a:xfrm>
-            <a:off x="8074660" y="2301875"/>
+            <a:off x="5923915" y="1989455"/>
             <a:ext cx="474980" cy="565785"/>
             <a:chOff x="10747" y="3479"/>
             <a:chExt cx="748" cy="891"/>
@@ -9341,7 +11026,7 @@
                     <a:schemeClr val="bg1"/>
                   </a:solidFill>
                 </a:rPr>
-                <a:t>i=1</a:t>
+                <a:t>j=1</a:t>
               </a:r>
               <a:endParaRPr lang="en-US" altLang="zh-CN" sz="1200" b="1">
                 <a:solidFill>
@@ -9360,7 +11045,7 @@
         </p:nvGrpSpPr>
         <p:grpSpPr>
           <a:xfrm>
-            <a:off x="8661400" y="2301875"/>
+            <a:off x="6510655" y="1989455"/>
             <a:ext cx="474980" cy="565785"/>
             <a:chOff x="10747" y="3479"/>
             <a:chExt cx="748" cy="891"/>
@@ -9436,7 +11121,7 @@
                     <a:schemeClr val="bg1"/>
                   </a:solidFill>
                 </a:rPr>
-                <a:t>i=2</a:t>
+                <a:t>j=2</a:t>
               </a:r>
               <a:endParaRPr lang="en-US" altLang="zh-CN" sz="1200" b="1">
                 <a:solidFill>
@@ -9455,7 +11140,7 @@
         </p:nvGrpSpPr>
         <p:grpSpPr>
           <a:xfrm>
-            <a:off x="9245600" y="2301875"/>
+            <a:off x="7094855" y="1989455"/>
             <a:ext cx="474980" cy="565785"/>
             <a:chOff x="10747" y="3479"/>
             <a:chExt cx="748" cy="891"/>
@@ -9531,7 +11216,7 @@
                     <a:schemeClr val="bg1"/>
                   </a:solidFill>
                 </a:rPr>
-                <a:t>i=3</a:t>
+                <a:t>j=3</a:t>
               </a:r>
               <a:endParaRPr lang="en-US" altLang="zh-CN" sz="1200" b="1">
                 <a:solidFill>
@@ -9550,7 +11235,7 @@
         </p:nvGrpSpPr>
         <p:grpSpPr>
           <a:xfrm>
-            <a:off x="9832975" y="2301875"/>
+            <a:off x="7682230" y="1989455"/>
             <a:ext cx="474980" cy="565785"/>
             <a:chOff x="10747" y="3479"/>
             <a:chExt cx="748" cy="891"/>
@@ -9626,7 +11311,7 @@
                     <a:schemeClr val="bg1"/>
                   </a:solidFill>
                 </a:rPr>
-                <a:t>i=4</a:t>
+                <a:t>j=4</a:t>
               </a:r>
               <a:endParaRPr lang="en-US" altLang="zh-CN" sz="1200" b="1">
                 <a:solidFill>
@@ -9645,7 +11330,7 @@
         </p:nvGrpSpPr>
         <p:grpSpPr>
           <a:xfrm>
-            <a:off x="5819775" y="4390390"/>
+            <a:off x="3669030" y="4077970"/>
             <a:ext cx="675005" cy="275590"/>
             <a:chOff x="7862" y="5753"/>
             <a:chExt cx="1063" cy="434"/>
@@ -9721,7 +11406,7 @@
                     <a:schemeClr val="bg1"/>
                   </a:solidFill>
                 </a:rPr>
-                <a:t>j=1</a:t>
+                <a:t>i=1</a:t>
               </a:r>
               <a:endParaRPr lang="en-US" altLang="zh-CN" sz="1200" b="1">
                 <a:solidFill>
@@ -9740,7 +11425,7 @@
         </p:nvGrpSpPr>
         <p:grpSpPr>
           <a:xfrm>
-            <a:off x="5819775" y="4944110"/>
+            <a:off x="3669030" y="4631690"/>
             <a:ext cx="675005" cy="275590"/>
             <a:chOff x="7862" y="5753"/>
             <a:chExt cx="1063" cy="434"/>
@@ -9816,7 +11501,7 @@
                     <a:schemeClr val="bg1"/>
                   </a:solidFill>
                 </a:rPr>
-                <a:t>j=2</a:t>
+                <a:t>i=2</a:t>
               </a:r>
               <a:endParaRPr lang="en-US" altLang="zh-CN" sz="1200" b="1">
                 <a:solidFill>
@@ -9835,7 +11520,7 @@
         </p:nvGrpSpPr>
         <p:grpSpPr>
           <a:xfrm>
-            <a:off x="5819775" y="5477510"/>
+            <a:off x="3669030" y="5165090"/>
             <a:ext cx="675005" cy="275590"/>
             <a:chOff x="7862" y="5753"/>
             <a:chExt cx="1063" cy="434"/>
@@ -9911,7 +11596,7 @@
                     <a:schemeClr val="bg1"/>
                   </a:solidFill>
                 </a:rPr>
-                <a:t>j=3</a:t>
+                <a:t>i=3</a:t>
               </a:r>
               <a:endParaRPr lang="en-US" altLang="zh-CN" sz="1200" b="1">
                 <a:solidFill>
@@ -9930,7 +11615,7 @@
         </p:nvGrpSpPr>
         <p:grpSpPr>
           <a:xfrm>
-            <a:off x="5819775" y="6043295"/>
+            <a:off x="3669030" y="5730875"/>
             <a:ext cx="675005" cy="275590"/>
             <a:chOff x="7862" y="5753"/>
             <a:chExt cx="1063" cy="434"/>
@@ -10006,7 +11691,7 @@
                     <a:schemeClr val="bg1"/>
                   </a:solidFill>
                 </a:rPr>
-                <a:t>j=4</a:t>
+                <a:t>i=4</a:t>
               </a:r>
               <a:endParaRPr lang="en-US" altLang="zh-CN" sz="1200" b="1">
                 <a:solidFill>
@@ -10025,7 +11710,7 @@
         </p:nvSpPr>
         <p:spPr>
           <a:xfrm>
-            <a:off x="9876155" y="5950585"/>
+            <a:off x="7725410" y="5638165"/>
             <a:ext cx="309880" cy="368300"/>
           </a:xfrm>
           <a:prstGeom prst="rect">
@@ -10054,7 +11739,7 @@
         </p:nvSpPr>
         <p:spPr>
           <a:xfrm>
-            <a:off x="8173085" y="3814445"/>
+            <a:off x="6022340" y="3502025"/>
             <a:ext cx="309880" cy="368300"/>
           </a:xfrm>
           <a:prstGeom prst="rect">
@@ -10083,7 +11768,7 @@
         </p:nvSpPr>
         <p:spPr>
           <a:xfrm>
-            <a:off x="9298940" y="5406390"/>
+            <a:off x="7148195" y="5093970"/>
             <a:ext cx="309880" cy="368300"/>
           </a:xfrm>
           <a:prstGeom prst="rect">
@@ -10112,7 +11797,7 @@
         </p:nvSpPr>
         <p:spPr>
           <a:xfrm>
-            <a:off x="8735695" y="4889500"/>
+            <a:off x="6584950" y="4577080"/>
             <a:ext cx="309880" cy="368300"/>
           </a:xfrm>
           <a:prstGeom prst="rect">
@@ -10141,7 +11826,7 @@
         </p:nvSpPr>
         <p:spPr>
           <a:xfrm>
-            <a:off x="8173085" y="4332605"/>
+            <a:off x="6022340" y="4020185"/>
             <a:ext cx="309880" cy="368300"/>
           </a:xfrm>
           <a:prstGeom prst="rect">
@@ -10170,7 +11855,7 @@
         </p:nvSpPr>
         <p:spPr>
           <a:xfrm>
-            <a:off x="7605395" y="3814445"/>
+            <a:off x="5454650" y="3502025"/>
             <a:ext cx="309880" cy="368300"/>
           </a:xfrm>
           <a:prstGeom prst="rect">
@@ -10199,7 +11884,7 @@
         </p:nvSpPr>
         <p:spPr>
           <a:xfrm>
-            <a:off x="9876155" y="5406390"/>
+            <a:off x="7725410" y="5093970"/>
             <a:ext cx="309880" cy="368300"/>
           </a:xfrm>
           <a:prstGeom prst="rect">
@@ -10228,7 +11913,7 @@
         </p:nvSpPr>
         <p:spPr>
           <a:xfrm>
-            <a:off x="9876155" y="4889500"/>
+            <a:off x="7725410" y="4577080"/>
             <a:ext cx="309880" cy="368300"/>
           </a:xfrm>
           <a:prstGeom prst="rect">
@@ -10257,7 +11942,7 @@
         </p:nvSpPr>
         <p:spPr>
           <a:xfrm>
-            <a:off x="9298940" y="4889500"/>
+            <a:off x="7148195" y="4577080"/>
             <a:ext cx="309880" cy="368300"/>
           </a:xfrm>
           <a:prstGeom prst="rect">
@@ -10286,7 +11971,7 @@
         </p:nvSpPr>
         <p:spPr>
           <a:xfrm>
-            <a:off x="9298940" y="3814445"/>
+            <a:off x="7148195" y="3502025"/>
             <a:ext cx="309880" cy="368300"/>
           </a:xfrm>
           <a:prstGeom prst="rect">
@@ -10315,7 +12000,7 @@
         </p:nvSpPr>
         <p:spPr>
           <a:xfrm>
-            <a:off x="9876155" y="3814445"/>
+            <a:off x="7725410" y="3502025"/>
             <a:ext cx="309880" cy="368300"/>
           </a:xfrm>
           <a:prstGeom prst="rect">
@@ -10344,7 +12029,7 @@
         </p:nvSpPr>
         <p:spPr>
           <a:xfrm>
-            <a:off x="8735695" y="4332605"/>
+            <a:off x="6584950" y="4020185"/>
             <a:ext cx="309880" cy="368300"/>
           </a:xfrm>
           <a:prstGeom prst="rect">
@@ -10373,7 +12058,7 @@
         </p:nvSpPr>
         <p:spPr>
           <a:xfrm>
-            <a:off x="9298940" y="4332605"/>
+            <a:off x="7148195" y="4020185"/>
             <a:ext cx="309880" cy="368300"/>
           </a:xfrm>
           <a:prstGeom prst="rect">
@@ -10402,7 +12087,7 @@
         </p:nvSpPr>
         <p:spPr>
           <a:xfrm>
-            <a:off x="9876155" y="4332605"/>
+            <a:off x="7725410" y="4020185"/>
             <a:ext cx="309880" cy="368300"/>
           </a:xfrm>
           <a:prstGeom prst="rect">
@@ -10431,7 +12116,7 @@
         </p:nvSpPr>
         <p:spPr>
           <a:xfrm>
-            <a:off x="8735695" y="3814445"/>
+            <a:off x="6584950" y="3502025"/>
             <a:ext cx="309880" cy="368300"/>
           </a:xfrm>
           <a:prstGeom prst="rect">
@@ -10460,10 +12145,10 @@
         </p:nvGrpSpPr>
         <p:grpSpPr>
           <a:xfrm>
-            <a:off x="3895090" y="2801620"/>
-            <a:ext cx="6353810" cy="3605530"/>
-            <a:chOff x="6134" y="4412"/>
-            <a:chExt cx="10006" cy="5678"/>
+            <a:off x="1178560" y="2489200"/>
+            <a:ext cx="6919595" cy="3605530"/>
+            <a:chOff x="5243" y="4412"/>
+            <a:chExt cx="10897" cy="5678"/>
           </a:xfrm>
         </p:grpSpPr>
         <p:grpSp>
@@ -10582,7 +12267,7 @@
                       <a:schemeClr val="bg1"/>
                     </a:solidFill>
                   </a:rPr>
-                  <a:t>i</a:t>
+                  <a:t>j</a:t>
                 </a:r>
                 <a:endParaRPr lang="en-US" altLang="zh-CN" sz="1400" b="1">
                   <a:solidFill>
@@ -10620,7 +12305,7 @@
                       <a:schemeClr val="bg1"/>
                     </a:solidFill>
                   </a:rPr>
-                  <a:t>j</a:t>
+                  <a:t>i</a:t>
                 </a:r>
                 <a:endParaRPr lang="en-US" altLang="zh-CN" sz="1400" b="1">
                   <a:solidFill>
@@ -10636,7 +12321,7 @@
                       <a:schemeClr val="bg1"/>
                     </a:solidFill>
                   </a:rPr>
-                  <a:t>(j&lt;=i)</a:t>
+                  <a:t>(i&lt;=j)</a:t>
                 </a:r>
                 <a:endParaRPr lang="en-US" altLang="zh-CN" sz="1400" b="1">
                   <a:solidFill>
@@ -10655,7 +12340,7 @@
           </p:nvSpPr>
           <p:spPr>
             <a:xfrm>
-              <a:off x="6134" y="7266"/>
+              <a:off x="5243" y="7266"/>
               <a:ext cx="1734" cy="580"/>
             </a:xfrm>
             <a:prstGeom prst="rect">
@@ -10693,8 +12378,8 @@
           </p:nvCxnSpPr>
           <p:spPr>
             <a:xfrm>
-              <a:off x="7868" y="7556"/>
-              <a:ext cx="1065" cy="0"/>
+              <a:off x="6977" y="7556"/>
+              <a:ext cx="1417" cy="0"/>
             </a:xfrm>
             <a:prstGeom prst="straightConnector1">
               <a:avLst/>
@@ -10723,302 +12408,6 @@
           </p:style>
         </p:cxnSp>
       </p:grpSp>
-      <p:sp>
-        <p:nvSpPr>
-          <p:cNvPr id="141" name="文本框 140"/>
-          <p:cNvSpPr txBox="1"/>
-          <p:nvPr/>
-        </p:nvSpPr>
-        <p:spPr>
-          <a:xfrm>
-            <a:off x="639445" y="2104390"/>
-            <a:ext cx="4952365" cy="1599565"/>
-          </a:xfrm>
-          <a:prstGeom prst="rect">
-            <a:avLst/>
-          </a:prstGeom>
-          <a:noFill/>
-        </p:spPr>
-        <p:txBody>
-          <a:bodyPr wrap="square" rtlCol="0">
-            <a:spAutoFit/>
-          </a:bodyPr>
-          <a:p>
-            <a:pPr algn="l"/>
-            <a:r>
-              <a:rPr lang="zh-CN" sz="1400" b="1">
-                <a:solidFill>
-                  <a:schemeClr val="bg1"/>
-                </a:solidFill>
-                <a:sym typeface="+mn-ea"/>
-              </a:rPr>
-              <a:t>调整状态转移方程：</a:t>
-            </a:r>
-            <a:endParaRPr lang="zh-CN" sz="1400">
-              <a:solidFill>
-                <a:schemeClr val="bg1"/>
-              </a:solidFill>
-              <a:sym typeface="+mn-ea"/>
-            </a:endParaRPr>
-          </a:p>
-          <a:p>
-            <a:pPr algn="l"/>
-            <a:endParaRPr lang="zh-CN" sz="1400">
-              <a:solidFill>
-                <a:schemeClr val="bg1"/>
-              </a:solidFill>
-              <a:sym typeface="+mn-ea"/>
-            </a:endParaRPr>
-          </a:p>
-          <a:p>
-            <a:pPr algn="l"/>
-            <a:r>
-              <a:rPr sz="1400">
-                <a:solidFill>
-                  <a:schemeClr val="bg1"/>
-                </a:solidFill>
-                <a:sym typeface="+mn-ea"/>
-              </a:rPr>
-              <a:t>for (let i = 0; i &lt; len; i++) {</a:t>
-            </a:r>
-            <a:endParaRPr sz="1400">
-              <a:solidFill>
-                <a:schemeClr val="bg1"/>
-              </a:solidFill>
-              <a:sym typeface="+mn-ea"/>
-            </a:endParaRPr>
-          </a:p>
-          <a:p>
-            <a:pPr algn="l"/>
-            <a:r>
-              <a:rPr sz="1400">
-                <a:solidFill>
-                  <a:schemeClr val="bg1"/>
-                </a:solidFill>
-                <a:sym typeface="+mn-ea"/>
-              </a:rPr>
-              <a:t>    for (let j = 0; j &lt;= i; j++) {</a:t>
-            </a:r>
-            <a:endParaRPr sz="1400">
-              <a:solidFill>
-                <a:schemeClr val="bg1"/>
-              </a:solidFill>
-              <a:sym typeface="+mn-ea"/>
-            </a:endParaRPr>
-          </a:p>
-          <a:p>
-            <a:pPr algn="l"/>
-            <a:r>
-              <a:rPr sz="1400">
-                <a:solidFill>
-                  <a:schemeClr val="bg1"/>
-                </a:solidFill>
-                <a:sym typeface="+mn-ea"/>
-              </a:rPr>
-              <a:t>        dp[i][j] = </a:t>
-            </a:r>
-            <a:r>
-              <a:rPr lang="en-US" sz="1400" b="1">
-                <a:solidFill>
-                  <a:schemeClr val="accent2"/>
-                </a:solidFill>
-                <a:sym typeface="+mn-ea"/>
-              </a:rPr>
-              <a:t>i = j || </a:t>
-            </a:r>
-            <a:r>
-              <a:rPr sz="1400">
-                <a:solidFill>
-                  <a:schemeClr val="bg1"/>
-                </a:solidFill>
-                <a:sym typeface="+mn-ea"/>
-              </a:rPr>
-              <a:t>s[i] === s[j] &amp;&amp; </a:t>
-            </a:r>
-            <a:r>
-              <a:rPr lang="en-US" sz="1400">
-                <a:solidFill>
-                  <a:schemeClr val="bg1"/>
-                </a:solidFill>
-                <a:sym typeface="+mn-ea"/>
-              </a:rPr>
-              <a:t>(</a:t>
-            </a:r>
-            <a:r>
-              <a:rPr lang="en-US" sz="1400" b="1">
-                <a:solidFill>
-                  <a:schemeClr val="accent2"/>
-                </a:solidFill>
-                <a:sym typeface="+mn-ea"/>
-              </a:rPr>
-              <a:t>i - j = 1 || </a:t>
-            </a:r>
-            <a:r>
-              <a:rPr sz="1400">
-                <a:solidFill>
-                  <a:schemeClr val="bg1"/>
-                </a:solidFill>
-                <a:sym typeface="+mn-ea"/>
-              </a:rPr>
-              <a:t>dp[i - 1][j + 1]</a:t>
-            </a:r>
-            <a:r>
-              <a:rPr lang="en-US" sz="1400">
-                <a:solidFill>
-                  <a:schemeClr val="bg1"/>
-                </a:solidFill>
-                <a:sym typeface="+mn-ea"/>
-              </a:rPr>
-              <a:t>) </a:t>
-            </a:r>
-            <a:endParaRPr sz="1400">
-              <a:solidFill>
-                <a:schemeClr val="bg1"/>
-              </a:solidFill>
-              <a:sym typeface="+mn-ea"/>
-            </a:endParaRPr>
-          </a:p>
-          <a:p>
-            <a:pPr algn="l"/>
-            <a:r>
-              <a:rPr sz="1400">
-                <a:solidFill>
-                  <a:schemeClr val="bg1"/>
-                </a:solidFill>
-                <a:sym typeface="+mn-ea"/>
-              </a:rPr>
-              <a:t>    }</a:t>
-            </a:r>
-            <a:endParaRPr sz="1400">
-              <a:solidFill>
-                <a:schemeClr val="bg1"/>
-              </a:solidFill>
-              <a:sym typeface="+mn-ea"/>
-            </a:endParaRPr>
-          </a:p>
-          <a:p>
-            <a:pPr algn="l"/>
-            <a:r>
-              <a:rPr sz="1400">
-                <a:solidFill>
-                  <a:schemeClr val="bg1"/>
-                </a:solidFill>
-                <a:sym typeface="+mn-ea"/>
-              </a:rPr>
-              <a:t>}</a:t>
-            </a:r>
-            <a:endParaRPr sz="1400">
-              <a:solidFill>
-                <a:schemeClr val="bg1"/>
-              </a:solidFill>
-              <a:sym typeface="+mn-ea"/>
-            </a:endParaRPr>
-          </a:p>
-        </p:txBody>
-      </p:sp>
-      <p:sp>
-        <p:nvSpPr>
-          <p:cNvPr id="142" name="文本框 141"/>
-          <p:cNvSpPr txBox="1"/>
-          <p:nvPr/>
-        </p:nvSpPr>
-        <p:spPr>
-          <a:xfrm>
-            <a:off x="639445" y="3794125"/>
-            <a:ext cx="2917825" cy="737235"/>
-          </a:xfrm>
-          <a:prstGeom prst="rect">
-            <a:avLst/>
-          </a:prstGeom>
-          <a:noFill/>
-        </p:spPr>
-        <p:txBody>
-          <a:bodyPr wrap="square" rtlCol="0">
-            <a:spAutoFit/>
-          </a:bodyPr>
-          <a:p>
-            <a:pPr algn="l"/>
-            <a:r>
-              <a:rPr lang="en-US" sz="1400">
-                <a:solidFill>
-                  <a:schemeClr val="bg1"/>
-                </a:solidFill>
-                <a:sym typeface="+mn-ea"/>
-              </a:rPr>
-              <a:t>i = j </a:t>
-            </a:r>
-            <a:r>
-              <a:rPr lang="zh-CN" altLang="en-US" sz="1400">
-                <a:solidFill>
-                  <a:schemeClr val="bg1"/>
-                </a:solidFill>
-                <a:sym typeface="+mn-ea"/>
-              </a:rPr>
-              <a:t>单点字符是回文子串</a:t>
-            </a:r>
-            <a:endParaRPr lang="zh-CN" altLang="en-US" sz="1400">
-              <a:solidFill>
-                <a:schemeClr val="bg1"/>
-              </a:solidFill>
-              <a:sym typeface="+mn-ea"/>
-            </a:endParaRPr>
-          </a:p>
-          <a:p>
-            <a:pPr algn="l"/>
-            <a:r>
-              <a:rPr lang="en-US" altLang="zh-CN" sz="1400">
-                <a:solidFill>
-                  <a:schemeClr val="bg1"/>
-                </a:solidFill>
-                <a:sym typeface="+mn-ea"/>
-              </a:rPr>
-              <a:t>i-j = 1 </a:t>
-            </a:r>
-            <a:r>
-              <a:rPr lang="zh-CN" altLang="en-US" sz="1400">
-                <a:solidFill>
-                  <a:schemeClr val="bg1"/>
-                </a:solidFill>
-                <a:sym typeface="+mn-ea"/>
-              </a:rPr>
-              <a:t>结尾两位相同是回文子串</a:t>
-            </a:r>
-            <a:endParaRPr lang="zh-CN" altLang="en-US" sz="1400">
-              <a:solidFill>
-                <a:schemeClr val="bg1"/>
-              </a:solidFill>
-              <a:sym typeface="+mn-ea"/>
-            </a:endParaRPr>
-          </a:p>
-          <a:p>
-            <a:pPr algn="l"/>
-            <a:r>
-              <a:rPr lang="zh-CN" altLang="en-US" sz="1400">
-                <a:solidFill>
-                  <a:schemeClr val="bg1"/>
-                </a:solidFill>
-                <a:sym typeface="+mn-ea"/>
-              </a:rPr>
-              <a:t>两个条件简化为 </a:t>
-            </a:r>
-            <a:r>
-              <a:rPr lang="en-US" altLang="zh-CN" sz="1400">
-                <a:solidFill>
-                  <a:schemeClr val="bg1"/>
-                </a:solidFill>
-                <a:sym typeface="+mn-ea"/>
-              </a:rPr>
-              <a:t>i - j &lt;= 1</a:t>
-            </a:r>
-            <a:endParaRPr lang="en-US" altLang="zh-CN" sz="1400">
-              <a:solidFill>
-                <a:schemeClr val="bg1"/>
-              </a:solidFill>
-              <a:sym typeface="+mn-ea"/>
-            </a:endParaRPr>
-          </a:p>
-        </p:txBody>
-      </p:sp>
     </p:spTree>
   </p:cSld>
   <p:clrMapOvr>
@@ -19343,6 +20732,2481 @@
         <p:nvPr/>
       </p:nvGrpSpPr>
       <p:grpSpPr/>
+      <p:grpSp>
+        <p:nvGrpSpPr>
+          <p:cNvPr id="38" name="组合 37"/>
+          <p:cNvGrpSpPr/>
+          <p:nvPr/>
+        </p:nvGrpSpPr>
+        <p:grpSpPr>
+          <a:xfrm>
+            <a:off x="625475" y="3939540"/>
+            <a:ext cx="10565130" cy="2143760"/>
+            <a:chOff x="985" y="6204"/>
+            <a:chExt cx="16638" cy="3376"/>
+          </a:xfrm>
+        </p:grpSpPr>
+        <p:grpSp>
+          <p:nvGrpSpPr>
+            <p:cNvPr id="23" name="组合 22"/>
+            <p:cNvGrpSpPr/>
+            <p:nvPr/>
+          </p:nvGrpSpPr>
+          <p:grpSpPr>
+            <a:xfrm>
+              <a:off x="5473" y="6204"/>
+              <a:ext cx="12151" cy="1160"/>
+              <a:chOff x="5473" y="6154"/>
+              <a:chExt cx="12399" cy="1160"/>
+            </a:xfrm>
+          </p:grpSpPr>
+          <p:sp>
+            <p:nvSpPr>
+              <p:cNvPr id="61" name="文本框 60"/>
+              <p:cNvSpPr txBox="1"/>
+              <p:nvPr/>
+            </p:nvSpPr>
+            <p:spPr>
+              <a:xfrm>
+                <a:off x="10927" y="6154"/>
+                <a:ext cx="1458" cy="580"/>
+              </a:xfrm>
+              <a:prstGeom prst="rect">
+                <a:avLst/>
+              </a:prstGeom>
+              <a:noFill/>
+            </p:spPr>
+            <p:txBody>
+              <a:bodyPr wrap="square" rtlCol="0">
+                <a:spAutoFit/>
+              </a:bodyPr>
+              <a:p>
+                <a:pPr algn="ctr"/>
+                <a:r>
+                  <a:rPr lang="en-US" altLang="zh-CN" b="1">
+                    <a:solidFill>
+                      <a:schemeClr val="bg1"/>
+                    </a:solidFill>
+                  </a:rPr>
+                  <a:t>frontD</a:t>
+                </a:r>
+                <a:endParaRPr lang="en-US" altLang="zh-CN" b="1">
+                  <a:solidFill>
+                    <a:schemeClr val="bg1"/>
+                  </a:solidFill>
+                </a:endParaRPr>
+              </a:p>
+            </p:txBody>
+          </p:sp>
+          <p:grpSp>
+            <p:nvGrpSpPr>
+              <p:cNvPr id="14" name="组合 13"/>
+              <p:cNvGrpSpPr/>
+              <p:nvPr/>
+            </p:nvGrpSpPr>
+            <p:grpSpPr>
+              <a:xfrm>
+                <a:off x="5473" y="6733"/>
+                <a:ext cx="12399" cy="581"/>
+                <a:chOff x="3247" y="7508"/>
+                <a:chExt cx="14625" cy="581"/>
+              </a:xfrm>
+            </p:grpSpPr>
+            <p:sp>
+              <p:nvSpPr>
+                <p:cNvPr id="11" name="文本框 10"/>
+                <p:cNvSpPr txBox="1"/>
+                <p:nvPr/>
+              </p:nvSpPr>
+              <p:spPr>
+                <a:xfrm>
+                  <a:off x="3247" y="7509"/>
+                  <a:ext cx="1020" cy="580"/>
+                </a:xfrm>
+                <a:prstGeom prst="rect">
+                  <a:avLst/>
+                </a:prstGeom>
+                <a:noFill/>
+              </p:spPr>
+              <p:txBody>
+                <a:bodyPr wrap="square" rtlCol="0">
+                  <a:spAutoFit/>
+                </a:bodyPr>
+                <a:p>
+                  <a:pPr algn="ctr"/>
+                  <a:r>
+                    <a:rPr lang="en-US" altLang="zh-CN" b="1">
+                      <a:solidFill>
+                        <a:schemeClr val="bg1"/>
+                      </a:solidFill>
+                    </a:rPr>
+                    <a:t>|&lt; </a:t>
+                  </a:r>
+                  <a:endParaRPr lang="zh-CN" altLang="en-US" b="1">
+                    <a:solidFill>
+                      <a:schemeClr val="bg1"/>
+                    </a:solidFill>
+                  </a:endParaRPr>
+                </a:p>
+              </p:txBody>
+            </p:sp>
+            <p:cxnSp>
+              <p:nvCxnSpPr>
+                <p:cNvPr id="12" name="直接连接符 11"/>
+                <p:cNvCxnSpPr/>
+                <p:nvPr/>
+              </p:nvCxnSpPr>
+              <p:spPr>
+                <a:xfrm>
+                  <a:off x="3829" y="7848"/>
+                  <a:ext cx="13479" cy="0"/>
+                </a:xfrm>
+                <a:prstGeom prst="line">
+                  <a:avLst/>
+                </a:prstGeom>
+                <a:ln>
+                  <a:solidFill>
+                    <a:schemeClr val="bg1"/>
+                  </a:solidFill>
+                </a:ln>
+              </p:spPr>
+              <p:style>
+                <a:lnRef idx="1">
+                  <a:schemeClr val="accent1"/>
+                </a:lnRef>
+                <a:fillRef idx="0">
+                  <a:schemeClr val="accent1"/>
+                </a:fillRef>
+                <a:effectRef idx="0">
+                  <a:schemeClr val="accent1"/>
+                </a:effectRef>
+                <a:fontRef idx="minor">
+                  <a:schemeClr val="tx1"/>
+                </a:fontRef>
+              </p:style>
+            </p:cxnSp>
+            <p:sp>
+              <p:nvSpPr>
+                <p:cNvPr id="13" name="文本框 12"/>
+                <p:cNvSpPr txBox="1"/>
+                <p:nvPr/>
+              </p:nvSpPr>
+              <p:spPr>
+                <a:xfrm>
+                  <a:off x="16852" y="7508"/>
+                  <a:ext cx="1020" cy="580"/>
+                </a:xfrm>
+                <a:prstGeom prst="rect">
+                  <a:avLst/>
+                </a:prstGeom>
+                <a:noFill/>
+              </p:spPr>
+              <p:txBody>
+                <a:bodyPr wrap="square" rtlCol="0">
+                  <a:spAutoFit/>
+                </a:bodyPr>
+                <a:p>
+                  <a:pPr algn="ctr"/>
+                  <a:r>
+                    <a:rPr lang="en-US" altLang="zh-CN" b="1">
+                      <a:solidFill>
+                        <a:schemeClr val="bg1"/>
+                      </a:solidFill>
+                    </a:rPr>
+                    <a:t>&gt;| </a:t>
+                  </a:r>
+                  <a:endParaRPr lang="zh-CN" altLang="en-US" b="1">
+                    <a:solidFill>
+                      <a:schemeClr val="bg1"/>
+                    </a:solidFill>
+                  </a:endParaRPr>
+                </a:p>
+              </p:txBody>
+            </p:sp>
+          </p:grpSp>
+        </p:grpSp>
+        <p:grpSp>
+          <p:nvGrpSpPr>
+            <p:cNvPr id="24" name="组合 23"/>
+            <p:cNvGrpSpPr/>
+            <p:nvPr/>
+          </p:nvGrpSpPr>
+          <p:grpSpPr>
+            <a:xfrm>
+              <a:off x="985" y="8382"/>
+              <a:ext cx="12236" cy="1198"/>
+              <a:chOff x="985" y="8432"/>
+              <a:chExt cx="12236" cy="1198"/>
+            </a:xfrm>
+          </p:grpSpPr>
+          <p:sp>
+            <p:nvSpPr>
+              <p:cNvPr id="3" name="文本框 2"/>
+              <p:cNvSpPr txBox="1"/>
+              <p:nvPr/>
+            </p:nvSpPr>
+            <p:spPr>
+              <a:xfrm>
+                <a:off x="6319" y="9050"/>
+                <a:ext cx="1458" cy="580"/>
+              </a:xfrm>
+              <a:prstGeom prst="rect">
+                <a:avLst/>
+              </a:prstGeom>
+              <a:noFill/>
+            </p:spPr>
+            <p:txBody>
+              <a:bodyPr wrap="square" rtlCol="0">
+                <a:spAutoFit/>
+              </a:bodyPr>
+              <a:p>
+                <a:pPr algn="ctr"/>
+                <a:r>
+                  <a:rPr lang="en-US" altLang="zh-CN" b="1">
+                    <a:solidFill>
+                      <a:schemeClr val="bg1"/>
+                    </a:solidFill>
+                  </a:rPr>
+                  <a:t>backD</a:t>
+                </a:r>
+                <a:endParaRPr lang="en-US" altLang="zh-CN" b="1">
+                  <a:solidFill>
+                    <a:schemeClr val="bg1"/>
+                  </a:solidFill>
+                </a:endParaRPr>
+              </a:p>
+            </p:txBody>
+          </p:sp>
+          <p:grpSp>
+            <p:nvGrpSpPr>
+              <p:cNvPr id="17" name="组合 16"/>
+              <p:cNvGrpSpPr/>
+              <p:nvPr/>
+            </p:nvGrpSpPr>
+            <p:grpSpPr>
+              <a:xfrm>
+                <a:off x="985" y="8432"/>
+                <a:ext cx="12236" cy="581"/>
+                <a:chOff x="3247" y="7508"/>
+                <a:chExt cx="14625" cy="581"/>
+              </a:xfrm>
+            </p:grpSpPr>
+            <p:sp>
+              <p:nvSpPr>
+                <p:cNvPr id="18" name="文本框 17"/>
+                <p:cNvSpPr txBox="1"/>
+                <p:nvPr/>
+              </p:nvSpPr>
+              <p:spPr>
+                <a:xfrm>
+                  <a:off x="3247" y="7509"/>
+                  <a:ext cx="1020" cy="580"/>
+                </a:xfrm>
+                <a:prstGeom prst="rect">
+                  <a:avLst/>
+                </a:prstGeom>
+                <a:noFill/>
+              </p:spPr>
+              <p:txBody>
+                <a:bodyPr wrap="square" rtlCol="0">
+                  <a:spAutoFit/>
+                </a:bodyPr>
+                <a:p>
+                  <a:pPr algn="ctr"/>
+                  <a:r>
+                    <a:rPr lang="en-US" altLang="zh-CN" b="1">
+                      <a:solidFill>
+                        <a:schemeClr val="bg1"/>
+                      </a:solidFill>
+                    </a:rPr>
+                    <a:t>|&lt; </a:t>
+                  </a:r>
+                  <a:endParaRPr lang="zh-CN" altLang="en-US" b="1">
+                    <a:solidFill>
+                      <a:schemeClr val="bg1"/>
+                    </a:solidFill>
+                  </a:endParaRPr>
+                </a:p>
+              </p:txBody>
+            </p:sp>
+            <p:cxnSp>
+              <p:nvCxnSpPr>
+                <p:cNvPr id="21" name="直接连接符 20"/>
+                <p:cNvCxnSpPr/>
+                <p:nvPr/>
+              </p:nvCxnSpPr>
+              <p:spPr>
+                <a:xfrm>
+                  <a:off x="3829" y="7848"/>
+                  <a:ext cx="13479" cy="0"/>
+                </a:xfrm>
+                <a:prstGeom prst="line">
+                  <a:avLst/>
+                </a:prstGeom>
+                <a:ln>
+                  <a:solidFill>
+                    <a:schemeClr val="bg1"/>
+                  </a:solidFill>
+                </a:ln>
+              </p:spPr>
+              <p:style>
+                <a:lnRef idx="1">
+                  <a:schemeClr val="accent1"/>
+                </a:lnRef>
+                <a:fillRef idx="0">
+                  <a:schemeClr val="accent1"/>
+                </a:fillRef>
+                <a:effectRef idx="0">
+                  <a:schemeClr val="accent1"/>
+                </a:effectRef>
+                <a:fontRef idx="minor">
+                  <a:schemeClr val="tx1"/>
+                </a:fontRef>
+              </p:style>
+            </p:cxnSp>
+            <p:sp>
+              <p:nvSpPr>
+                <p:cNvPr id="22" name="文本框 21"/>
+                <p:cNvSpPr txBox="1"/>
+                <p:nvPr/>
+              </p:nvSpPr>
+              <p:spPr>
+                <a:xfrm>
+                  <a:off x="16852" y="7508"/>
+                  <a:ext cx="1020" cy="580"/>
+                </a:xfrm>
+                <a:prstGeom prst="rect">
+                  <a:avLst/>
+                </a:prstGeom>
+                <a:noFill/>
+              </p:spPr>
+              <p:txBody>
+                <a:bodyPr wrap="square" rtlCol="0">
+                  <a:spAutoFit/>
+                </a:bodyPr>
+                <a:p>
+                  <a:pPr algn="ctr"/>
+                  <a:r>
+                    <a:rPr lang="en-US" altLang="zh-CN" b="1">
+                      <a:solidFill>
+                        <a:schemeClr val="bg1"/>
+                      </a:solidFill>
+                    </a:rPr>
+                    <a:t>&gt;| </a:t>
+                  </a:r>
+                  <a:endParaRPr lang="zh-CN" altLang="en-US" b="1">
+                    <a:solidFill>
+                      <a:schemeClr val="bg1"/>
+                    </a:solidFill>
+                  </a:endParaRPr>
+                </a:p>
+              </p:txBody>
+            </p:sp>
+          </p:grpSp>
+        </p:grpSp>
+      </p:grpSp>
+      <p:sp>
+        <p:nvSpPr>
+          <p:cNvPr id="4" name="椭圆 3"/>
+          <p:cNvSpPr/>
+          <p:nvPr/>
+        </p:nvSpPr>
+        <p:spPr>
+          <a:xfrm>
+            <a:off x="608965" y="4750435"/>
+            <a:ext cx="540000" cy="540000"/>
+          </a:xfrm>
+          <a:prstGeom prst="ellipse">
+            <a:avLst/>
+          </a:prstGeom>
+        </p:spPr>
+        <p:style>
+          <a:lnRef idx="2">
+            <a:schemeClr val="accent1">
+              <a:shade val="50000"/>
+            </a:schemeClr>
+          </a:lnRef>
+          <a:fillRef idx="1">
+            <a:schemeClr val="accent1"/>
+          </a:fillRef>
+          <a:effectRef idx="0">
+            <a:schemeClr val="accent1"/>
+          </a:effectRef>
+          <a:fontRef idx="minor">
+            <a:schemeClr val="lt1"/>
+          </a:fontRef>
+        </p:style>
+        <p:txBody>
+          <a:bodyPr rtlCol="0" anchor="ctr"/>
+          <a:p>
+            <a:pPr algn="ctr"/>
+            <a:r>
+              <a:rPr lang="en-US" altLang="zh-CN" sz="2800"/>
+              <a:t>1</a:t>
+            </a:r>
+            <a:endParaRPr lang="en-US" altLang="zh-CN" sz="2800"/>
+          </a:p>
+        </p:txBody>
+      </p:sp>
+      <p:sp>
+        <p:nvSpPr>
+          <p:cNvPr id="5" name="椭圆 4"/>
+          <p:cNvSpPr/>
+          <p:nvPr/>
+        </p:nvSpPr>
+        <p:spPr>
+          <a:xfrm>
+            <a:off x="2056130" y="4750435"/>
+            <a:ext cx="540000" cy="540000"/>
+          </a:xfrm>
+          <a:prstGeom prst="ellipse">
+            <a:avLst/>
+          </a:prstGeom>
+        </p:spPr>
+        <p:style>
+          <a:lnRef idx="2">
+            <a:schemeClr val="accent1">
+              <a:shade val="50000"/>
+            </a:schemeClr>
+          </a:lnRef>
+          <a:fillRef idx="1">
+            <a:schemeClr val="accent1"/>
+          </a:fillRef>
+          <a:effectRef idx="0">
+            <a:schemeClr val="accent1"/>
+          </a:effectRef>
+          <a:fontRef idx="minor">
+            <a:schemeClr val="lt1"/>
+          </a:fontRef>
+        </p:style>
+        <p:txBody>
+          <a:bodyPr rtlCol="0" anchor="ctr"/>
+          <a:p>
+            <a:pPr algn="ctr"/>
+            <a:r>
+              <a:rPr lang="en-US" altLang="zh-CN" sz="2800"/>
+              <a:t>2</a:t>
+            </a:r>
+            <a:endParaRPr lang="en-US" altLang="zh-CN" sz="2800"/>
+          </a:p>
+        </p:txBody>
+      </p:sp>
+      <p:sp>
+        <p:nvSpPr>
+          <p:cNvPr id="6" name="椭圆 5"/>
+          <p:cNvSpPr/>
+          <p:nvPr/>
+        </p:nvSpPr>
+        <p:spPr>
+          <a:xfrm>
+            <a:off x="3475355" y="4750435"/>
+            <a:ext cx="540000" cy="540000"/>
+          </a:xfrm>
+          <a:prstGeom prst="ellipse">
+            <a:avLst/>
+          </a:prstGeom>
+        </p:spPr>
+        <p:style>
+          <a:lnRef idx="2">
+            <a:schemeClr val="accent2">
+              <a:shade val="50000"/>
+            </a:schemeClr>
+          </a:lnRef>
+          <a:fillRef idx="1">
+            <a:schemeClr val="accent2"/>
+          </a:fillRef>
+          <a:effectRef idx="0">
+            <a:schemeClr val="accent2"/>
+          </a:effectRef>
+          <a:fontRef idx="minor">
+            <a:schemeClr val="lt1"/>
+          </a:fontRef>
+        </p:style>
+        <p:txBody>
+          <a:bodyPr rtlCol="0" anchor="ctr"/>
+          <a:p>
+            <a:pPr algn="ctr"/>
+            <a:r>
+              <a:rPr lang="en-US" altLang="zh-CN" sz="2800"/>
+              <a:t>3</a:t>
+            </a:r>
+            <a:endParaRPr lang="en-US" altLang="zh-CN" sz="2800"/>
+          </a:p>
+        </p:txBody>
+      </p:sp>
+      <p:cxnSp>
+        <p:nvCxnSpPr>
+          <p:cNvPr id="15" name="直接箭头连接符 14"/>
+          <p:cNvCxnSpPr/>
+          <p:nvPr/>
+        </p:nvCxnSpPr>
+        <p:spPr>
+          <a:xfrm>
+            <a:off x="1257935" y="5020310"/>
+            <a:ext cx="648000" cy="0"/>
+          </a:xfrm>
+          <a:prstGeom prst="straightConnector1">
+            <a:avLst/>
+          </a:prstGeom>
+          <a:ln w="28575" cmpd="sng">
+            <a:solidFill>
+              <a:schemeClr val="bg1"/>
+            </a:solidFill>
+            <a:prstDash val="solid"/>
+            <a:tailEnd type="arrow"/>
+          </a:ln>
+        </p:spPr>
+        <p:style>
+          <a:lnRef idx="1">
+            <a:schemeClr val="accent1"/>
+          </a:lnRef>
+          <a:fillRef idx="0">
+            <a:schemeClr val="accent1"/>
+          </a:fillRef>
+          <a:effectRef idx="0">
+            <a:schemeClr val="accent1"/>
+          </a:effectRef>
+          <a:fontRef idx="minor">
+            <a:schemeClr val="tx1"/>
+          </a:fontRef>
+        </p:style>
+      </p:cxnSp>
+      <p:cxnSp>
+        <p:nvCxnSpPr>
+          <p:cNvPr id="16" name="直接箭头连接符 15"/>
+          <p:cNvCxnSpPr/>
+          <p:nvPr/>
+        </p:nvCxnSpPr>
+        <p:spPr>
+          <a:xfrm>
+            <a:off x="2694305" y="5020310"/>
+            <a:ext cx="648000" cy="0"/>
+          </a:xfrm>
+          <a:prstGeom prst="straightConnector1">
+            <a:avLst/>
+          </a:prstGeom>
+          <a:ln w="28575" cmpd="sng">
+            <a:solidFill>
+              <a:schemeClr val="bg1"/>
+            </a:solidFill>
+            <a:prstDash val="solid"/>
+            <a:tailEnd type="arrow"/>
+          </a:ln>
+        </p:spPr>
+        <p:style>
+          <a:lnRef idx="1">
+            <a:schemeClr val="accent1"/>
+          </a:lnRef>
+          <a:fillRef idx="0">
+            <a:schemeClr val="accent1"/>
+          </a:fillRef>
+          <a:effectRef idx="0">
+            <a:schemeClr val="accent1"/>
+          </a:effectRef>
+          <a:fontRef idx="minor">
+            <a:schemeClr val="tx1"/>
+          </a:fontRef>
+        </p:style>
+      </p:cxnSp>
+      <p:sp>
+        <p:nvSpPr>
+          <p:cNvPr id="29" name="文本框 28"/>
+          <p:cNvSpPr txBox="1"/>
+          <p:nvPr/>
+        </p:nvSpPr>
+        <p:spPr>
+          <a:xfrm>
+            <a:off x="578486" y="419100"/>
+            <a:ext cx="5664200" cy="706755"/>
+          </a:xfrm>
+          <a:prstGeom prst="rect">
+            <a:avLst/>
+          </a:prstGeom>
+          <a:noFill/>
+        </p:spPr>
+        <p:txBody>
+          <a:bodyPr wrap="none" rtlCol="0">
+            <a:spAutoFit/>
+          </a:bodyPr>
+          <a:p>
+            <a:pPr algn="l"/>
+            <a:r>
+              <a:rPr lang="zh-CN" altLang="en-US" sz="4000" b="1">
+                <a:solidFill>
+                  <a:schemeClr val="bg1"/>
+                </a:solidFill>
+                <a:sym typeface="+mn-ea"/>
+              </a:rPr>
+              <a:t>1721. 交换链表中的节点</a:t>
+            </a:r>
+            <a:endParaRPr lang="zh-CN" altLang="en-US" sz="4000" b="1">
+              <a:solidFill>
+                <a:schemeClr val="bg1"/>
+              </a:solidFill>
+              <a:sym typeface="+mn-ea"/>
+            </a:endParaRPr>
+          </a:p>
+        </p:txBody>
+      </p:sp>
+      <p:sp>
+        <p:nvSpPr>
+          <p:cNvPr id="30" name="椭圆 29"/>
+          <p:cNvSpPr/>
+          <p:nvPr/>
+        </p:nvSpPr>
+        <p:spPr>
+          <a:xfrm>
+            <a:off x="4938395" y="4750435"/>
+            <a:ext cx="540000" cy="540000"/>
+          </a:xfrm>
+          <a:prstGeom prst="ellipse">
+            <a:avLst/>
+          </a:prstGeom>
+        </p:spPr>
+        <p:style>
+          <a:lnRef idx="2">
+            <a:schemeClr val="accent1">
+              <a:shade val="50000"/>
+            </a:schemeClr>
+          </a:lnRef>
+          <a:fillRef idx="1">
+            <a:schemeClr val="accent1"/>
+          </a:fillRef>
+          <a:effectRef idx="0">
+            <a:schemeClr val="accent1"/>
+          </a:effectRef>
+          <a:fontRef idx="minor">
+            <a:schemeClr val="lt1"/>
+          </a:fontRef>
+        </p:style>
+        <p:txBody>
+          <a:bodyPr rtlCol="0" anchor="ctr"/>
+          <a:p>
+            <a:pPr algn="ctr"/>
+            <a:r>
+              <a:rPr lang="en-US" altLang="zh-CN" sz="2800"/>
+              <a:t>4</a:t>
+            </a:r>
+            <a:endParaRPr lang="en-US" altLang="zh-CN" sz="2800"/>
+          </a:p>
+        </p:txBody>
+      </p:sp>
+      <p:sp>
+        <p:nvSpPr>
+          <p:cNvPr id="31" name="椭圆 30"/>
+          <p:cNvSpPr/>
+          <p:nvPr/>
+        </p:nvSpPr>
+        <p:spPr>
+          <a:xfrm>
+            <a:off x="6374765" y="4750435"/>
+            <a:ext cx="540000" cy="540000"/>
+          </a:xfrm>
+          <a:prstGeom prst="ellipse">
+            <a:avLst/>
+          </a:prstGeom>
+        </p:spPr>
+        <p:style>
+          <a:lnRef idx="2">
+            <a:schemeClr val="accent1">
+              <a:shade val="50000"/>
+            </a:schemeClr>
+          </a:lnRef>
+          <a:fillRef idx="1">
+            <a:schemeClr val="accent1"/>
+          </a:fillRef>
+          <a:effectRef idx="0">
+            <a:schemeClr val="accent1"/>
+          </a:effectRef>
+          <a:fontRef idx="minor">
+            <a:schemeClr val="lt1"/>
+          </a:fontRef>
+        </p:style>
+        <p:txBody>
+          <a:bodyPr rtlCol="0" anchor="ctr"/>
+          <a:p>
+            <a:pPr algn="ctr"/>
+            <a:r>
+              <a:rPr lang="en-US" altLang="zh-CN" sz="2800"/>
+              <a:t>5</a:t>
+            </a:r>
+            <a:endParaRPr lang="en-US" altLang="zh-CN" sz="2800"/>
+          </a:p>
+        </p:txBody>
+      </p:sp>
+      <p:cxnSp>
+        <p:nvCxnSpPr>
+          <p:cNvPr id="32" name="直接箭头连接符 31"/>
+          <p:cNvCxnSpPr/>
+          <p:nvPr/>
+        </p:nvCxnSpPr>
+        <p:spPr>
+          <a:xfrm>
+            <a:off x="4159250" y="5020310"/>
+            <a:ext cx="648000" cy="0"/>
+          </a:xfrm>
+          <a:prstGeom prst="straightConnector1">
+            <a:avLst/>
+          </a:prstGeom>
+          <a:ln w="28575" cmpd="sng">
+            <a:solidFill>
+              <a:schemeClr val="bg1"/>
+            </a:solidFill>
+            <a:prstDash val="solid"/>
+            <a:tailEnd type="arrow"/>
+          </a:ln>
+        </p:spPr>
+        <p:style>
+          <a:lnRef idx="1">
+            <a:schemeClr val="accent1"/>
+          </a:lnRef>
+          <a:fillRef idx="0">
+            <a:schemeClr val="accent1"/>
+          </a:fillRef>
+          <a:effectRef idx="0">
+            <a:schemeClr val="accent1"/>
+          </a:effectRef>
+          <a:fontRef idx="minor">
+            <a:schemeClr val="tx1"/>
+          </a:fontRef>
+        </p:style>
+      </p:cxnSp>
+      <p:cxnSp>
+        <p:nvCxnSpPr>
+          <p:cNvPr id="33" name="直接箭头连接符 32"/>
+          <p:cNvCxnSpPr/>
+          <p:nvPr/>
+        </p:nvCxnSpPr>
+        <p:spPr>
+          <a:xfrm>
+            <a:off x="5611495" y="5020310"/>
+            <a:ext cx="648000" cy="0"/>
+          </a:xfrm>
+          <a:prstGeom prst="straightConnector1">
+            <a:avLst/>
+          </a:prstGeom>
+          <a:ln w="28575" cmpd="sng">
+            <a:solidFill>
+              <a:schemeClr val="bg1"/>
+            </a:solidFill>
+            <a:prstDash val="solid"/>
+            <a:tailEnd type="arrow"/>
+          </a:ln>
+        </p:spPr>
+        <p:style>
+          <a:lnRef idx="1">
+            <a:schemeClr val="accent1"/>
+          </a:lnRef>
+          <a:fillRef idx="0">
+            <a:schemeClr val="accent1"/>
+          </a:fillRef>
+          <a:effectRef idx="0">
+            <a:schemeClr val="accent1"/>
+          </a:effectRef>
+          <a:fontRef idx="minor">
+            <a:schemeClr val="tx1"/>
+          </a:fontRef>
+        </p:style>
+      </p:cxnSp>
+      <p:sp>
+        <p:nvSpPr>
+          <p:cNvPr id="7" name="椭圆 6"/>
+          <p:cNvSpPr/>
+          <p:nvPr/>
+        </p:nvSpPr>
+        <p:spPr>
+          <a:xfrm>
+            <a:off x="7855585" y="4750435"/>
+            <a:ext cx="540000" cy="540000"/>
+          </a:xfrm>
+          <a:prstGeom prst="ellipse">
+            <a:avLst/>
+          </a:prstGeom>
+        </p:spPr>
+        <p:style>
+          <a:lnRef idx="2">
+            <a:schemeClr val="accent2">
+              <a:shade val="50000"/>
+            </a:schemeClr>
+          </a:lnRef>
+          <a:fillRef idx="1">
+            <a:schemeClr val="accent2"/>
+          </a:fillRef>
+          <a:effectRef idx="0">
+            <a:schemeClr val="accent2"/>
+          </a:effectRef>
+          <a:fontRef idx="minor">
+            <a:schemeClr val="lt1"/>
+          </a:fontRef>
+        </p:style>
+        <p:txBody>
+          <a:bodyPr rtlCol="0" anchor="ctr"/>
+          <a:p>
+            <a:pPr algn="ctr"/>
+            <a:r>
+              <a:rPr lang="en-US" altLang="zh-CN" sz="2800"/>
+              <a:t>6</a:t>
+            </a:r>
+            <a:endParaRPr lang="en-US" altLang="zh-CN" sz="2800"/>
+          </a:p>
+        </p:txBody>
+      </p:sp>
+      <p:cxnSp>
+        <p:nvCxnSpPr>
+          <p:cNvPr id="8" name="直接箭头连接符 7"/>
+          <p:cNvCxnSpPr/>
+          <p:nvPr/>
+        </p:nvCxnSpPr>
+        <p:spPr>
+          <a:xfrm>
+            <a:off x="7074535" y="5020310"/>
+            <a:ext cx="648000" cy="0"/>
+          </a:xfrm>
+          <a:prstGeom prst="straightConnector1">
+            <a:avLst/>
+          </a:prstGeom>
+          <a:ln w="28575" cmpd="sng">
+            <a:solidFill>
+              <a:schemeClr val="bg1"/>
+            </a:solidFill>
+            <a:prstDash val="solid"/>
+            <a:tailEnd type="arrow"/>
+          </a:ln>
+        </p:spPr>
+        <p:style>
+          <a:lnRef idx="1">
+            <a:schemeClr val="accent1"/>
+          </a:lnRef>
+          <a:fillRef idx="0">
+            <a:schemeClr val="accent1"/>
+          </a:fillRef>
+          <a:effectRef idx="0">
+            <a:schemeClr val="accent1"/>
+          </a:effectRef>
+          <a:fontRef idx="minor">
+            <a:schemeClr val="tx1"/>
+          </a:fontRef>
+        </p:style>
+      </p:cxnSp>
+      <p:sp>
+        <p:nvSpPr>
+          <p:cNvPr id="9" name="椭圆 8"/>
+          <p:cNvSpPr/>
+          <p:nvPr/>
+        </p:nvSpPr>
+        <p:spPr>
+          <a:xfrm>
+            <a:off x="9318625" y="4750435"/>
+            <a:ext cx="540000" cy="540000"/>
+          </a:xfrm>
+          <a:prstGeom prst="ellipse">
+            <a:avLst/>
+          </a:prstGeom>
+        </p:spPr>
+        <p:style>
+          <a:lnRef idx="2">
+            <a:schemeClr val="accent1">
+              <a:shade val="50000"/>
+            </a:schemeClr>
+          </a:lnRef>
+          <a:fillRef idx="1">
+            <a:schemeClr val="accent1"/>
+          </a:fillRef>
+          <a:effectRef idx="0">
+            <a:schemeClr val="accent1"/>
+          </a:effectRef>
+          <a:fontRef idx="minor">
+            <a:schemeClr val="lt1"/>
+          </a:fontRef>
+        </p:style>
+        <p:txBody>
+          <a:bodyPr rtlCol="0" anchor="ctr"/>
+          <a:p>
+            <a:pPr algn="ctr"/>
+            <a:r>
+              <a:rPr lang="en-US" altLang="zh-CN" sz="2800"/>
+              <a:t>7</a:t>
+            </a:r>
+            <a:endParaRPr lang="en-US" altLang="zh-CN" sz="2800"/>
+          </a:p>
+        </p:txBody>
+      </p:sp>
+      <p:sp>
+        <p:nvSpPr>
+          <p:cNvPr id="10" name="椭圆 9"/>
+          <p:cNvSpPr/>
+          <p:nvPr/>
+        </p:nvSpPr>
+        <p:spPr>
+          <a:xfrm>
+            <a:off x="10754995" y="4750435"/>
+            <a:ext cx="540000" cy="540000"/>
+          </a:xfrm>
+          <a:prstGeom prst="ellipse">
+            <a:avLst/>
+          </a:prstGeom>
+        </p:spPr>
+        <p:style>
+          <a:lnRef idx="2">
+            <a:schemeClr val="accent1">
+              <a:shade val="50000"/>
+            </a:schemeClr>
+          </a:lnRef>
+          <a:fillRef idx="1">
+            <a:schemeClr val="accent1"/>
+          </a:fillRef>
+          <a:effectRef idx="0">
+            <a:schemeClr val="accent1"/>
+          </a:effectRef>
+          <a:fontRef idx="minor">
+            <a:schemeClr val="lt1"/>
+          </a:fontRef>
+        </p:style>
+        <p:txBody>
+          <a:bodyPr rtlCol="0" anchor="ctr"/>
+          <a:p>
+            <a:pPr algn="ctr"/>
+            <a:r>
+              <a:rPr lang="en-US" altLang="zh-CN" sz="2800"/>
+              <a:t>8</a:t>
+            </a:r>
+            <a:endParaRPr lang="en-US" altLang="zh-CN" sz="2800"/>
+          </a:p>
+        </p:txBody>
+      </p:sp>
+      <p:cxnSp>
+        <p:nvCxnSpPr>
+          <p:cNvPr id="19" name="直接箭头连接符 18"/>
+          <p:cNvCxnSpPr/>
+          <p:nvPr/>
+        </p:nvCxnSpPr>
+        <p:spPr>
+          <a:xfrm>
+            <a:off x="8539480" y="5020310"/>
+            <a:ext cx="648000" cy="0"/>
+          </a:xfrm>
+          <a:prstGeom prst="straightConnector1">
+            <a:avLst/>
+          </a:prstGeom>
+          <a:ln w="28575" cmpd="sng">
+            <a:solidFill>
+              <a:schemeClr val="bg1"/>
+            </a:solidFill>
+            <a:prstDash val="solid"/>
+            <a:tailEnd type="arrow"/>
+          </a:ln>
+        </p:spPr>
+        <p:style>
+          <a:lnRef idx="1">
+            <a:schemeClr val="accent1"/>
+          </a:lnRef>
+          <a:fillRef idx="0">
+            <a:schemeClr val="accent1"/>
+          </a:fillRef>
+          <a:effectRef idx="0">
+            <a:schemeClr val="accent1"/>
+          </a:effectRef>
+          <a:fontRef idx="minor">
+            <a:schemeClr val="tx1"/>
+          </a:fontRef>
+        </p:style>
+      </p:cxnSp>
+      <p:cxnSp>
+        <p:nvCxnSpPr>
+          <p:cNvPr id="20" name="直接箭头连接符 19"/>
+          <p:cNvCxnSpPr/>
+          <p:nvPr/>
+        </p:nvCxnSpPr>
+        <p:spPr>
+          <a:xfrm>
+            <a:off x="9991725" y="5020310"/>
+            <a:ext cx="648000" cy="0"/>
+          </a:xfrm>
+          <a:prstGeom prst="straightConnector1">
+            <a:avLst/>
+          </a:prstGeom>
+          <a:ln w="28575" cmpd="sng">
+            <a:solidFill>
+              <a:schemeClr val="bg1"/>
+            </a:solidFill>
+            <a:prstDash val="solid"/>
+            <a:tailEnd type="arrow"/>
+          </a:ln>
+        </p:spPr>
+        <p:style>
+          <a:lnRef idx="1">
+            <a:schemeClr val="accent1"/>
+          </a:lnRef>
+          <a:fillRef idx="0">
+            <a:schemeClr val="accent1"/>
+          </a:fillRef>
+          <a:effectRef idx="0">
+            <a:schemeClr val="accent1"/>
+          </a:effectRef>
+          <a:fontRef idx="minor">
+            <a:schemeClr val="tx1"/>
+          </a:fontRef>
+        </p:style>
+      </p:cxnSp>
+      <p:sp>
+        <p:nvSpPr>
+          <p:cNvPr id="49" name="文本框 48"/>
+          <p:cNvSpPr txBox="1"/>
+          <p:nvPr/>
+        </p:nvSpPr>
+        <p:spPr>
+          <a:xfrm>
+            <a:off x="608965" y="1229995"/>
+            <a:ext cx="10483215" cy="368300"/>
+          </a:xfrm>
+          <a:prstGeom prst="rect">
+            <a:avLst/>
+          </a:prstGeom>
+          <a:noFill/>
+        </p:spPr>
+        <p:txBody>
+          <a:bodyPr wrap="square" rtlCol="0">
+            <a:spAutoFit/>
+          </a:bodyPr>
+          <a:p>
+            <a:pPr algn="l"/>
+            <a:r>
+              <a:rPr lang="zh-CN" b="1">
+                <a:solidFill>
+                  <a:schemeClr val="bg1"/>
+                </a:solidFill>
+                <a:sym typeface="+mn-ea"/>
+              </a:rPr>
+              <a:t>题目：</a:t>
+            </a:r>
+            <a:r>
+              <a:rPr b="1">
+                <a:solidFill>
+                  <a:schemeClr val="bg1"/>
+                </a:solidFill>
+                <a:sym typeface="+mn-ea"/>
+              </a:rPr>
+              <a:t>交换链表正数第 k 个节点和倒数第 k 个节点的值</a:t>
+            </a:r>
+            <a:endParaRPr b="1">
+              <a:solidFill>
+                <a:schemeClr val="bg1"/>
+              </a:solidFill>
+              <a:sym typeface="+mn-ea"/>
+            </a:endParaRPr>
+          </a:p>
+        </p:txBody>
+      </p:sp>
+      <p:sp>
+        <p:nvSpPr>
+          <p:cNvPr id="50" name="文本框 49"/>
+          <p:cNvSpPr txBox="1"/>
+          <p:nvPr/>
+        </p:nvSpPr>
+        <p:spPr>
+          <a:xfrm>
+            <a:off x="578485" y="1720850"/>
+            <a:ext cx="11338560" cy="1476375"/>
+          </a:xfrm>
+          <a:prstGeom prst="rect">
+            <a:avLst/>
+          </a:prstGeom>
+          <a:noFill/>
+        </p:spPr>
+        <p:txBody>
+          <a:bodyPr wrap="square" rtlCol="0">
+            <a:spAutoFit/>
+          </a:bodyPr>
+          <a:p>
+            <a:pPr algn="l"/>
+            <a:r>
+              <a:rPr lang="zh-CN" altLang="en-US" b="1">
+                <a:solidFill>
+                  <a:schemeClr val="bg1"/>
+                </a:solidFill>
+              </a:rPr>
+              <a:t>解法：</a:t>
+            </a:r>
+            <a:endParaRPr lang="zh-CN" altLang="en-US" b="1">
+              <a:solidFill>
+                <a:schemeClr val="bg1"/>
+              </a:solidFill>
+            </a:endParaRPr>
+          </a:p>
+          <a:p>
+            <a:pPr algn="l"/>
+            <a:r>
+              <a:rPr lang="en-US" altLang="zh-CN" b="1">
+                <a:solidFill>
+                  <a:schemeClr val="bg1"/>
+                </a:solidFill>
+              </a:rPr>
+              <a:t>1</a:t>
+            </a:r>
+            <a:r>
+              <a:rPr lang="zh-CN" altLang="en-US" b="1">
+                <a:solidFill>
+                  <a:schemeClr val="bg1"/>
+                </a:solidFill>
+              </a:rPr>
+              <a:t>、找到第 </a:t>
+            </a:r>
+            <a:r>
+              <a:rPr lang="en-US" altLang="zh-CN" b="1">
+                <a:solidFill>
+                  <a:schemeClr val="bg1"/>
+                </a:solidFill>
+              </a:rPr>
+              <a:t>k </a:t>
+            </a:r>
+            <a:r>
+              <a:rPr lang="zh-CN" altLang="en-US" b="1">
+                <a:solidFill>
+                  <a:schemeClr val="bg1"/>
+                </a:solidFill>
+              </a:rPr>
+              <a:t>个节点：</a:t>
+            </a:r>
+            <a:r>
+              <a:rPr lang="en-US" altLang="zh-CN" b="1">
+                <a:solidFill>
+                  <a:schemeClr val="bg1"/>
+                </a:solidFill>
+              </a:rPr>
+              <a:t>curr </a:t>
+            </a:r>
+            <a:r>
+              <a:rPr lang="zh-CN" altLang="en-US" b="1">
+                <a:solidFill>
+                  <a:schemeClr val="bg1"/>
+                </a:solidFill>
+              </a:rPr>
+              <a:t>从头走 </a:t>
+            </a:r>
+            <a:r>
+              <a:rPr lang="en-US" altLang="zh-CN" b="1">
+                <a:solidFill>
+                  <a:schemeClr val="bg1"/>
+                </a:solidFill>
+              </a:rPr>
+              <a:t>k-1 </a:t>
+            </a:r>
+            <a:r>
+              <a:rPr lang="zh-CN" altLang="en-US" b="1">
+                <a:solidFill>
+                  <a:schemeClr val="bg1"/>
+                </a:solidFill>
+              </a:rPr>
+              <a:t>步后，当前为第 </a:t>
+            </a:r>
+            <a:r>
+              <a:rPr lang="en-US" altLang="zh-CN" b="1">
+                <a:solidFill>
+                  <a:schemeClr val="bg1"/>
+                </a:solidFill>
+              </a:rPr>
+              <a:t>k </a:t>
+            </a:r>
+            <a:r>
+              <a:rPr lang="zh-CN" altLang="en-US" b="1">
+                <a:solidFill>
+                  <a:schemeClr val="bg1"/>
+                </a:solidFill>
+              </a:rPr>
+              <a:t>个节点</a:t>
+            </a:r>
+            <a:endParaRPr lang="zh-CN" altLang="en-US" b="1">
+              <a:solidFill>
+                <a:schemeClr val="bg1"/>
+              </a:solidFill>
+            </a:endParaRPr>
+          </a:p>
+          <a:p>
+            <a:pPr algn="l"/>
+            <a:r>
+              <a:rPr lang="en-US" altLang="zh-CN" b="1">
+                <a:solidFill>
+                  <a:schemeClr val="bg1"/>
+                </a:solidFill>
+              </a:rPr>
+              <a:t>2</a:t>
+            </a:r>
+            <a:r>
+              <a:rPr lang="zh-CN" altLang="en-US" b="1">
+                <a:solidFill>
+                  <a:schemeClr val="bg1"/>
+                </a:solidFill>
+              </a:rPr>
+              <a:t>、找到倒数第 </a:t>
+            </a:r>
+            <a:r>
+              <a:rPr lang="en-US" altLang="zh-CN" b="1">
+                <a:solidFill>
+                  <a:schemeClr val="bg1"/>
+                </a:solidFill>
+              </a:rPr>
+              <a:t>k </a:t>
+            </a:r>
+            <a:r>
+              <a:rPr lang="zh-CN" altLang="en-US" b="1">
+                <a:solidFill>
+                  <a:schemeClr val="bg1"/>
+                </a:solidFill>
+              </a:rPr>
+              <a:t>个节点：</a:t>
+            </a:r>
+            <a:r>
+              <a:rPr lang="zh-CN" altLang="en-US" b="1">
+                <a:solidFill>
+                  <a:schemeClr val="bg1"/>
+                </a:solidFill>
+                <a:sym typeface="+mn-ea"/>
+              </a:rPr>
+              <a:t>因为第 </a:t>
+            </a:r>
+            <a:r>
+              <a:rPr lang="en-US" altLang="zh-CN" b="1">
+                <a:solidFill>
+                  <a:schemeClr val="bg1"/>
+                </a:solidFill>
+                <a:sym typeface="+mn-ea"/>
+              </a:rPr>
+              <a:t>k </a:t>
+            </a:r>
+            <a:r>
+              <a:rPr lang="zh-CN" altLang="en-US" b="1">
+                <a:solidFill>
+                  <a:schemeClr val="bg1"/>
+                </a:solidFill>
+                <a:sym typeface="+mn-ea"/>
+              </a:rPr>
+              <a:t>个节点到尾节点的距离 </a:t>
+            </a:r>
+            <a:r>
+              <a:rPr lang="en-US" altLang="zh-CN" b="1">
+                <a:solidFill>
+                  <a:schemeClr val="bg1"/>
+                </a:solidFill>
+                <a:sym typeface="+mn-ea"/>
+              </a:rPr>
+              <a:t>= </a:t>
+            </a:r>
+            <a:r>
+              <a:rPr lang="zh-CN" altLang="en-US" b="1">
+                <a:solidFill>
+                  <a:schemeClr val="bg1"/>
+                </a:solidFill>
+                <a:sym typeface="+mn-ea"/>
+              </a:rPr>
+              <a:t>头节点到倒数第 </a:t>
+            </a:r>
+            <a:r>
+              <a:rPr lang="en-US" altLang="zh-CN" b="1">
+                <a:solidFill>
+                  <a:schemeClr val="bg1"/>
+                </a:solidFill>
+                <a:sym typeface="+mn-ea"/>
+              </a:rPr>
+              <a:t>k </a:t>
+            </a:r>
+            <a:r>
+              <a:rPr lang="zh-CN" altLang="en-US" b="1">
+                <a:solidFill>
+                  <a:schemeClr val="bg1"/>
+                </a:solidFill>
+                <a:sym typeface="+mn-ea"/>
+              </a:rPr>
+              <a:t>个节点的距离，</a:t>
+            </a:r>
+            <a:r>
+              <a:rPr lang="en-US" altLang="zh-CN" b="1">
+                <a:solidFill>
+                  <a:schemeClr val="bg1"/>
+                </a:solidFill>
+              </a:rPr>
+              <a:t>back </a:t>
+            </a:r>
+            <a:r>
+              <a:rPr lang="zh-CN" altLang="en-US" b="1">
+                <a:solidFill>
+                  <a:schemeClr val="bg1"/>
+                </a:solidFill>
+              </a:rPr>
+              <a:t>从头开始，</a:t>
+            </a:r>
+            <a:r>
+              <a:rPr lang="en-US" altLang="zh-CN" b="1">
+                <a:solidFill>
+                  <a:schemeClr val="bg1"/>
+                </a:solidFill>
+              </a:rPr>
+              <a:t>curr </a:t>
+            </a:r>
+            <a:r>
+              <a:rPr lang="zh-CN" altLang="en-US" b="1">
+                <a:solidFill>
+                  <a:schemeClr val="bg1"/>
+                </a:solidFill>
+              </a:rPr>
+              <a:t>从 第 </a:t>
+            </a:r>
+            <a:r>
+              <a:rPr lang="en-US" altLang="zh-CN" b="1">
+                <a:solidFill>
+                  <a:schemeClr val="bg1"/>
+                </a:solidFill>
+              </a:rPr>
+              <a:t>k </a:t>
+            </a:r>
+            <a:r>
+              <a:rPr lang="zh-CN" altLang="en-US" b="1">
+                <a:solidFill>
+                  <a:schemeClr val="bg1"/>
+                </a:solidFill>
+              </a:rPr>
+              <a:t>个元素开始，同时走，当</a:t>
+            </a:r>
+            <a:r>
+              <a:rPr lang="en-US" altLang="zh-CN" b="1">
+                <a:solidFill>
+                  <a:schemeClr val="bg1"/>
+                </a:solidFill>
+              </a:rPr>
+              <a:t> curr </a:t>
+            </a:r>
+            <a:r>
+              <a:rPr lang="zh-CN" altLang="en-US" b="1">
+                <a:solidFill>
+                  <a:schemeClr val="bg1"/>
+                </a:solidFill>
+              </a:rPr>
+              <a:t>到最后一个元素时  </a:t>
+            </a:r>
+            <a:r>
+              <a:rPr lang="en-US" altLang="zh-CN" b="1">
+                <a:solidFill>
+                  <a:schemeClr val="bg1"/>
+                </a:solidFill>
+              </a:rPr>
+              <a:t>back </a:t>
+            </a:r>
+            <a:r>
+              <a:rPr lang="zh-CN" altLang="en-US" b="1">
+                <a:solidFill>
+                  <a:schemeClr val="bg1"/>
+                </a:solidFill>
+              </a:rPr>
+              <a:t>为倒数第 </a:t>
+            </a:r>
+            <a:r>
+              <a:rPr lang="en-US" altLang="zh-CN" b="1">
+                <a:solidFill>
+                  <a:schemeClr val="bg1"/>
+                </a:solidFill>
+              </a:rPr>
+              <a:t>k </a:t>
+            </a:r>
+            <a:r>
+              <a:rPr lang="zh-CN" altLang="en-US" b="1">
+                <a:solidFill>
+                  <a:schemeClr val="bg1"/>
+                </a:solidFill>
+              </a:rPr>
+              <a:t>个节点</a:t>
+            </a:r>
+            <a:endParaRPr lang="zh-CN" altLang="en-US" b="1">
+              <a:solidFill>
+                <a:schemeClr val="bg1"/>
+              </a:solidFill>
+            </a:endParaRPr>
+          </a:p>
+          <a:p>
+            <a:pPr algn="l"/>
+            <a:r>
+              <a:rPr lang="en-US" altLang="zh-CN" b="1">
+                <a:solidFill>
+                  <a:schemeClr val="bg1"/>
+                </a:solidFill>
+              </a:rPr>
+              <a:t>3</a:t>
+            </a:r>
+            <a:r>
+              <a:rPr lang="zh-CN" altLang="en-US" b="1">
+                <a:solidFill>
+                  <a:schemeClr val="bg1"/>
+                </a:solidFill>
+              </a:rPr>
+              <a:t>、交换值</a:t>
+            </a:r>
+            <a:endParaRPr lang="zh-CN" altLang="en-US" b="1">
+              <a:solidFill>
+                <a:schemeClr val="bg1"/>
+              </a:solidFill>
+            </a:endParaRPr>
+          </a:p>
+        </p:txBody>
+      </p:sp>
+      <p:grpSp>
+        <p:nvGrpSpPr>
+          <p:cNvPr id="54" name="组合 53"/>
+          <p:cNvGrpSpPr/>
+          <p:nvPr/>
+        </p:nvGrpSpPr>
+        <p:grpSpPr>
+          <a:xfrm>
+            <a:off x="560705" y="3320415"/>
+            <a:ext cx="627380" cy="1045845"/>
+            <a:chOff x="4499" y="3025"/>
+            <a:chExt cx="988" cy="1647"/>
+          </a:xfrm>
+        </p:grpSpPr>
+        <p:sp>
+          <p:nvSpPr>
+            <p:cNvPr id="55" name="下箭头 54"/>
+            <p:cNvSpPr/>
+            <p:nvPr/>
+          </p:nvSpPr>
+          <p:spPr>
+            <a:xfrm>
+              <a:off x="4729" y="3821"/>
+              <a:ext cx="522" cy="851"/>
+            </a:xfrm>
+            <a:prstGeom prst="downArrow">
+              <a:avLst/>
+            </a:prstGeom>
+            <a:solidFill>
+              <a:schemeClr val="accent2"/>
+            </a:solidFill>
+          </p:spPr>
+          <p:style>
+            <a:lnRef idx="2">
+              <a:schemeClr val="accent1">
+                <a:shade val="50000"/>
+              </a:schemeClr>
+            </a:lnRef>
+            <a:fillRef idx="1">
+              <a:schemeClr val="accent1"/>
+            </a:fillRef>
+            <a:effectRef idx="0">
+              <a:schemeClr val="accent1"/>
+            </a:effectRef>
+            <a:fontRef idx="minor">
+              <a:schemeClr val="lt1"/>
+            </a:fontRef>
+          </p:style>
+          <p:txBody>
+            <a:bodyPr rtlCol="0" anchor="ctr"/>
+            <a:p>
+              <a:pPr algn="ctr"/>
+              <a:endParaRPr lang="zh-CN" altLang="en-US"/>
+            </a:p>
+          </p:txBody>
+        </p:sp>
+        <p:sp>
+          <p:nvSpPr>
+            <p:cNvPr id="56" name="文本框 55"/>
+            <p:cNvSpPr txBox="1"/>
+            <p:nvPr/>
+          </p:nvSpPr>
+          <p:spPr>
+            <a:xfrm>
+              <a:off x="4499" y="3025"/>
+              <a:ext cx="988" cy="580"/>
+            </a:xfrm>
+            <a:prstGeom prst="rect">
+              <a:avLst/>
+            </a:prstGeom>
+            <a:noFill/>
+          </p:spPr>
+          <p:txBody>
+            <a:bodyPr wrap="none" rtlCol="0">
+              <a:spAutoFit/>
+            </a:bodyPr>
+            <a:p>
+              <a:pPr algn="ctr"/>
+              <a:r>
+                <a:rPr lang="en-US" altLang="zh-CN" b="1">
+                  <a:solidFill>
+                    <a:schemeClr val="bg1"/>
+                  </a:solidFill>
+                </a:rPr>
+                <a:t>curr</a:t>
+              </a:r>
+              <a:endParaRPr lang="en-US" altLang="zh-CN" b="1">
+                <a:solidFill>
+                  <a:schemeClr val="bg1"/>
+                </a:solidFill>
+              </a:endParaRPr>
+            </a:p>
+          </p:txBody>
+        </p:sp>
+      </p:grpSp>
+      <p:grpSp>
+        <p:nvGrpSpPr>
+          <p:cNvPr id="25" name="组合 24"/>
+          <p:cNvGrpSpPr/>
+          <p:nvPr/>
+        </p:nvGrpSpPr>
+        <p:grpSpPr>
+          <a:xfrm>
+            <a:off x="3382645" y="3061970"/>
+            <a:ext cx="703580" cy="1299845"/>
+            <a:chOff x="4442" y="2625"/>
+            <a:chExt cx="1108" cy="2047"/>
+          </a:xfrm>
+        </p:grpSpPr>
+        <p:sp>
+          <p:nvSpPr>
+            <p:cNvPr id="26" name="下箭头 25"/>
+            <p:cNvSpPr/>
+            <p:nvPr/>
+          </p:nvSpPr>
+          <p:spPr>
+            <a:xfrm>
+              <a:off x="4729" y="3821"/>
+              <a:ext cx="522" cy="851"/>
+            </a:xfrm>
+            <a:prstGeom prst="downArrow">
+              <a:avLst/>
+            </a:prstGeom>
+            <a:solidFill>
+              <a:schemeClr val="accent2"/>
+            </a:solidFill>
+          </p:spPr>
+          <p:style>
+            <a:lnRef idx="2">
+              <a:schemeClr val="accent1">
+                <a:shade val="50000"/>
+              </a:schemeClr>
+            </a:lnRef>
+            <a:fillRef idx="1">
+              <a:schemeClr val="accent1"/>
+            </a:fillRef>
+            <a:effectRef idx="0">
+              <a:schemeClr val="accent1"/>
+            </a:effectRef>
+            <a:fontRef idx="minor">
+              <a:schemeClr val="lt1"/>
+            </a:fontRef>
+          </p:style>
+          <p:txBody>
+            <a:bodyPr rtlCol="0" anchor="ctr"/>
+            <a:p>
+              <a:pPr algn="ctr"/>
+              <a:endParaRPr lang="zh-CN" altLang="en-US"/>
+            </a:p>
+          </p:txBody>
+        </p:sp>
+        <p:sp>
+          <p:nvSpPr>
+            <p:cNvPr id="27" name="文本框 26"/>
+            <p:cNvSpPr txBox="1"/>
+            <p:nvPr/>
+          </p:nvSpPr>
+          <p:spPr>
+            <a:xfrm>
+              <a:off x="4442" y="2625"/>
+              <a:ext cx="1108" cy="580"/>
+            </a:xfrm>
+            <a:prstGeom prst="rect">
+              <a:avLst/>
+            </a:prstGeom>
+            <a:noFill/>
+          </p:spPr>
+          <p:txBody>
+            <a:bodyPr wrap="none" rtlCol="0">
+              <a:spAutoFit/>
+            </a:bodyPr>
+            <a:p>
+              <a:pPr algn="ctr"/>
+              <a:r>
+                <a:rPr lang="en-US" altLang="zh-CN" b="1">
+                  <a:solidFill>
+                    <a:schemeClr val="bg1"/>
+                  </a:solidFill>
+                </a:rPr>
+                <a:t>front</a:t>
+              </a:r>
+              <a:endParaRPr lang="en-US" altLang="zh-CN" b="1">
+                <a:solidFill>
+                  <a:schemeClr val="bg1"/>
+                </a:solidFill>
+              </a:endParaRPr>
+            </a:p>
+          </p:txBody>
+        </p:sp>
+      </p:grpSp>
+      <p:grpSp>
+        <p:nvGrpSpPr>
+          <p:cNvPr id="37" name="组合 36"/>
+          <p:cNvGrpSpPr/>
+          <p:nvPr/>
+        </p:nvGrpSpPr>
+        <p:grpSpPr>
+          <a:xfrm>
+            <a:off x="525780" y="3315970"/>
+            <a:ext cx="3521075" cy="3366135"/>
+            <a:chOff x="801" y="5222"/>
+            <a:chExt cx="5545" cy="5301"/>
+          </a:xfrm>
+        </p:grpSpPr>
+        <p:grpSp>
+          <p:nvGrpSpPr>
+            <p:cNvPr id="57" name="组合 56"/>
+            <p:cNvGrpSpPr/>
+            <p:nvPr/>
+          </p:nvGrpSpPr>
+          <p:grpSpPr>
+            <a:xfrm>
+              <a:off x="801" y="9065"/>
+              <a:ext cx="1129" cy="1459"/>
+              <a:chOff x="6736" y="3271"/>
+              <a:chExt cx="1129" cy="1459"/>
+            </a:xfrm>
+          </p:grpSpPr>
+          <p:sp>
+            <p:nvSpPr>
+              <p:cNvPr id="58" name="下箭头 57"/>
+              <p:cNvSpPr/>
+              <p:nvPr/>
+            </p:nvSpPr>
+            <p:spPr>
+              <a:xfrm flipV="1">
+                <a:off x="7049" y="3271"/>
+                <a:ext cx="522" cy="851"/>
+              </a:xfrm>
+              <a:prstGeom prst="downArrow">
+                <a:avLst/>
+              </a:prstGeom>
+              <a:solidFill>
+                <a:schemeClr val="accent2"/>
+              </a:solidFill>
+            </p:spPr>
+            <p:style>
+              <a:lnRef idx="2">
+                <a:schemeClr val="accent1">
+                  <a:shade val="50000"/>
+                </a:schemeClr>
+              </a:lnRef>
+              <a:fillRef idx="1">
+                <a:schemeClr val="accent1"/>
+              </a:fillRef>
+              <a:effectRef idx="0">
+                <a:schemeClr val="accent1"/>
+              </a:effectRef>
+              <a:fontRef idx="minor">
+                <a:schemeClr val="lt1"/>
+              </a:fontRef>
+            </p:style>
+            <p:txBody>
+              <a:bodyPr rtlCol="0" anchor="ctr"/>
+              <a:p>
+                <a:pPr algn="ctr"/>
+                <a:endParaRPr lang="zh-CN" altLang="en-US"/>
+              </a:p>
+            </p:txBody>
+          </p:sp>
+          <p:sp>
+            <p:nvSpPr>
+              <p:cNvPr id="59" name="文本框 58"/>
+              <p:cNvSpPr txBox="1"/>
+              <p:nvPr/>
+            </p:nvSpPr>
+            <p:spPr>
+              <a:xfrm>
+                <a:off x="6736" y="4150"/>
+                <a:ext cx="1129" cy="580"/>
+              </a:xfrm>
+              <a:prstGeom prst="rect">
+                <a:avLst/>
+              </a:prstGeom>
+              <a:noFill/>
+            </p:spPr>
+            <p:txBody>
+              <a:bodyPr wrap="none" rtlCol="0">
+                <a:spAutoFit/>
+              </a:bodyPr>
+              <a:p>
+                <a:pPr algn="ctr"/>
+                <a:r>
+                  <a:rPr lang="en-US" altLang="zh-CN" b="1">
+                    <a:solidFill>
+                      <a:schemeClr val="bg1"/>
+                    </a:solidFill>
+                  </a:rPr>
+                  <a:t>back</a:t>
+                </a:r>
+                <a:endParaRPr lang="en-US" altLang="zh-CN" b="1">
+                  <a:solidFill>
+                    <a:schemeClr val="bg1"/>
+                  </a:solidFill>
+                </a:endParaRPr>
+              </a:p>
+            </p:txBody>
+          </p:sp>
+        </p:grpSp>
+        <p:grpSp>
+          <p:nvGrpSpPr>
+            <p:cNvPr id="28" name="组合 27"/>
+            <p:cNvGrpSpPr/>
+            <p:nvPr/>
+          </p:nvGrpSpPr>
+          <p:grpSpPr>
+            <a:xfrm>
+              <a:off x="5358" y="5222"/>
+              <a:ext cx="988" cy="1647"/>
+              <a:chOff x="4499" y="3025"/>
+              <a:chExt cx="988" cy="1647"/>
+            </a:xfrm>
+          </p:grpSpPr>
+          <p:sp>
+            <p:nvSpPr>
+              <p:cNvPr id="34" name="下箭头 33"/>
+              <p:cNvSpPr/>
+              <p:nvPr/>
+            </p:nvSpPr>
+            <p:spPr>
+              <a:xfrm>
+                <a:off x="4729" y="3821"/>
+                <a:ext cx="522" cy="851"/>
+              </a:xfrm>
+              <a:prstGeom prst="downArrow">
+                <a:avLst/>
+              </a:prstGeom>
+              <a:solidFill>
+                <a:schemeClr val="accent2"/>
+              </a:solidFill>
+            </p:spPr>
+            <p:style>
+              <a:lnRef idx="2">
+                <a:schemeClr val="accent1">
+                  <a:shade val="50000"/>
+                </a:schemeClr>
+              </a:lnRef>
+              <a:fillRef idx="1">
+                <a:schemeClr val="accent1"/>
+              </a:fillRef>
+              <a:effectRef idx="0">
+                <a:schemeClr val="accent1"/>
+              </a:effectRef>
+              <a:fontRef idx="minor">
+                <a:schemeClr val="lt1"/>
+              </a:fontRef>
+            </p:style>
+            <p:txBody>
+              <a:bodyPr rtlCol="0" anchor="ctr"/>
+              <a:p>
+                <a:pPr algn="ctr"/>
+                <a:endParaRPr lang="zh-CN" altLang="en-US"/>
+              </a:p>
+            </p:txBody>
+          </p:sp>
+          <p:sp>
+            <p:nvSpPr>
+              <p:cNvPr id="35" name="文本框 34"/>
+              <p:cNvSpPr txBox="1"/>
+              <p:nvPr/>
+            </p:nvSpPr>
+            <p:spPr>
+              <a:xfrm>
+                <a:off x="4499" y="3025"/>
+                <a:ext cx="988" cy="580"/>
+              </a:xfrm>
+              <a:prstGeom prst="rect">
+                <a:avLst/>
+              </a:prstGeom>
+              <a:noFill/>
+            </p:spPr>
+            <p:txBody>
+              <a:bodyPr wrap="none" rtlCol="0">
+                <a:spAutoFit/>
+              </a:bodyPr>
+              <a:p>
+                <a:pPr algn="ctr"/>
+                <a:r>
+                  <a:rPr lang="en-US" altLang="zh-CN" b="1">
+                    <a:solidFill>
+                      <a:schemeClr val="bg1"/>
+                    </a:solidFill>
+                  </a:rPr>
+                  <a:t>curr</a:t>
+                </a:r>
+                <a:endParaRPr lang="en-US" altLang="zh-CN" b="1">
+                  <a:solidFill>
+                    <a:schemeClr val="bg1"/>
+                  </a:solidFill>
+                </a:endParaRPr>
+              </a:p>
+            </p:txBody>
+          </p:sp>
+        </p:grpSp>
+      </p:grpSp>
+      <p:grpSp>
+        <p:nvGrpSpPr>
+          <p:cNvPr id="41" name="组合 40"/>
+          <p:cNvGrpSpPr/>
+          <p:nvPr/>
+        </p:nvGrpSpPr>
+        <p:grpSpPr>
+          <a:xfrm>
+            <a:off x="3475355" y="4752975"/>
+            <a:ext cx="4919980" cy="539750"/>
+            <a:chOff x="5473" y="7485"/>
+            <a:chExt cx="7748" cy="850"/>
+          </a:xfrm>
+        </p:grpSpPr>
+        <p:sp>
+          <p:nvSpPr>
+            <p:cNvPr id="39" name="椭圆 38"/>
+            <p:cNvSpPr/>
+            <p:nvPr/>
+          </p:nvSpPr>
+          <p:spPr>
+            <a:xfrm>
+              <a:off x="5473" y="7485"/>
+              <a:ext cx="850" cy="850"/>
+            </a:xfrm>
+            <a:prstGeom prst="ellipse">
+              <a:avLst/>
+            </a:prstGeom>
+          </p:spPr>
+          <p:style>
+            <a:lnRef idx="2">
+              <a:schemeClr val="accent2">
+                <a:shade val="50000"/>
+              </a:schemeClr>
+            </a:lnRef>
+            <a:fillRef idx="1">
+              <a:schemeClr val="accent2"/>
+            </a:fillRef>
+            <a:effectRef idx="0">
+              <a:schemeClr val="accent2"/>
+            </a:effectRef>
+            <a:fontRef idx="minor">
+              <a:schemeClr val="lt1"/>
+            </a:fontRef>
+          </p:style>
+          <p:txBody>
+            <a:bodyPr rtlCol="0" anchor="ctr"/>
+            <a:p>
+              <a:pPr algn="ctr"/>
+              <a:r>
+                <a:rPr lang="en-US" altLang="zh-CN" sz="2800"/>
+                <a:t>6</a:t>
+              </a:r>
+              <a:endParaRPr lang="en-US" altLang="zh-CN" sz="2800"/>
+            </a:p>
+          </p:txBody>
+        </p:sp>
+        <p:sp>
+          <p:nvSpPr>
+            <p:cNvPr id="40" name="椭圆 39"/>
+            <p:cNvSpPr/>
+            <p:nvPr/>
+          </p:nvSpPr>
+          <p:spPr>
+            <a:xfrm>
+              <a:off x="12371" y="7485"/>
+              <a:ext cx="850" cy="850"/>
+            </a:xfrm>
+            <a:prstGeom prst="ellipse">
+              <a:avLst/>
+            </a:prstGeom>
+          </p:spPr>
+          <p:style>
+            <a:lnRef idx="2">
+              <a:schemeClr val="accent2">
+                <a:shade val="50000"/>
+              </a:schemeClr>
+            </a:lnRef>
+            <a:fillRef idx="1">
+              <a:schemeClr val="accent2"/>
+            </a:fillRef>
+            <a:effectRef idx="0">
+              <a:schemeClr val="accent2"/>
+            </a:effectRef>
+            <a:fontRef idx="minor">
+              <a:schemeClr val="lt1"/>
+            </a:fontRef>
+          </p:style>
+          <p:txBody>
+            <a:bodyPr rtlCol="0" anchor="ctr"/>
+            <a:p>
+              <a:pPr algn="ctr"/>
+              <a:r>
+                <a:rPr lang="en-US" altLang="zh-CN" sz="2800"/>
+                <a:t>3</a:t>
+              </a:r>
+              <a:endParaRPr lang="en-US" altLang="zh-CN" sz="2800"/>
+            </a:p>
+          </p:txBody>
+        </p:sp>
+      </p:grpSp>
+      <p:grpSp>
+        <p:nvGrpSpPr>
+          <p:cNvPr id="44" name="组合 43"/>
+          <p:cNvGrpSpPr/>
+          <p:nvPr/>
+        </p:nvGrpSpPr>
+        <p:grpSpPr>
+          <a:xfrm>
+            <a:off x="3810635" y="3190875"/>
+            <a:ext cx="4248150" cy="786765"/>
+            <a:chOff x="6001" y="5025"/>
+            <a:chExt cx="6690" cy="1239"/>
+          </a:xfrm>
+        </p:grpSpPr>
+        <p:sp>
+          <p:nvSpPr>
+            <p:cNvPr id="42" name="左大括号 41"/>
+            <p:cNvSpPr/>
+            <p:nvPr/>
+          </p:nvSpPr>
+          <p:spPr>
+            <a:xfrm rot="5400000">
+              <a:off x="9120" y="2693"/>
+              <a:ext cx="454" cy="6690"/>
+            </a:xfrm>
+            <a:prstGeom prst="leftBrace">
+              <a:avLst/>
+            </a:prstGeom>
+            <a:ln>
+              <a:solidFill>
+                <a:schemeClr val="bg1"/>
+              </a:solidFill>
+            </a:ln>
+          </p:spPr>
+          <p:style>
+            <a:lnRef idx="1">
+              <a:schemeClr val="accent1"/>
+            </a:lnRef>
+            <a:fillRef idx="0">
+              <a:schemeClr val="accent1"/>
+            </a:fillRef>
+            <a:effectRef idx="0">
+              <a:schemeClr val="accent1"/>
+            </a:effectRef>
+            <a:fontRef idx="minor">
+              <a:schemeClr val="tx1"/>
+            </a:fontRef>
+          </p:style>
+          <p:txBody>
+            <a:bodyPr rtlCol="0" anchor="ctr"/>
+            <a:p>
+              <a:pPr algn="ctr"/>
+              <a:endParaRPr lang="zh-CN" altLang="en-US"/>
+            </a:p>
+          </p:txBody>
+        </p:sp>
+        <p:sp>
+          <p:nvSpPr>
+            <p:cNvPr id="43" name="文本框 42"/>
+            <p:cNvSpPr txBox="1"/>
+            <p:nvPr/>
+          </p:nvSpPr>
+          <p:spPr>
+            <a:xfrm>
+              <a:off x="8593" y="5025"/>
+              <a:ext cx="1458" cy="580"/>
+            </a:xfrm>
+            <a:prstGeom prst="rect">
+              <a:avLst/>
+            </a:prstGeom>
+            <a:noFill/>
+          </p:spPr>
+          <p:txBody>
+            <a:bodyPr wrap="square" rtlCol="0">
+              <a:spAutoFit/>
+            </a:bodyPr>
+            <a:p>
+              <a:pPr algn="ctr"/>
+              <a:r>
+                <a:rPr lang="en-US" altLang="zh-CN" b="1">
+                  <a:solidFill>
+                    <a:schemeClr val="bg1"/>
+                  </a:solidFill>
+                </a:rPr>
+                <a:t>k = 3</a:t>
+              </a:r>
+              <a:endParaRPr lang="en-US" altLang="zh-CN" b="1">
+                <a:solidFill>
+                  <a:schemeClr val="bg1"/>
+                </a:solidFill>
+              </a:endParaRPr>
+            </a:p>
+          </p:txBody>
+        </p:sp>
+      </p:grpSp>
+    </p:spTree>
+  </p:cSld>
+  <p:clrMapOvr>
+    <a:masterClrMapping/>
+  </p:clrMapOvr>
+  <p:timing>
+    <p:tnLst>
+      <p:par>
+        <p:cTn id="1" dur="indefinite" restart="never" nodeType="tmRoot">
+          <p:childTnLst>
+            <p:seq concurrent="1" nextAc="seek">
+              <p:cTn id="2" dur="indefinite" nodeType="mainSeq">
+                <p:childTnLst>
+                  <p:par>
+                    <p:cTn id="3" fill="hold">
+                      <p:stCondLst>
+                        <p:cond delay="indefinite"/>
+                      </p:stCondLst>
+                      <p:childTnLst>
+                        <p:par>
+                          <p:cTn id="4" fill="hold">
+                            <p:stCondLst>
+                              <p:cond delay="0"/>
+                            </p:stCondLst>
+                            <p:childTnLst>
+                              <p:par>
+                                <p:cTn id="5" presetID="63" presetClass="path" presetSubtype="0" accel="50000" decel="50000" fill="hold" nodeType="clickEffect">
+                                  <p:stCondLst>
+                                    <p:cond delay="0"/>
+                                  </p:stCondLst>
+                                  <p:childTnLst>
+                                    <p:animMotion origin="layout" path="M 0.000000 0.000000 L 0.115260 0.000185 " pathEditMode="relative" rAng="0" ptsTypes="">
+                                      <p:cBhvr>
+                                        <p:cTn id="6" dur="1000" fill="hold"/>
+                                        <p:tgtEl>
+                                          <p:spTgt spid="54"/>
+                                        </p:tgtEl>
+                                        <p:attrNameLst>
+                                          <p:attrName>ppt_x</p:attrName>
+                                          <p:attrName>ppt_y</p:attrName>
+                                        </p:attrNameLst>
+                                      </p:cBhvr>
+                                      <p:rCtr x="58" y="0"/>
+                                    </p:animMotion>
+                                  </p:childTnLst>
+                                </p:cTn>
+                              </p:par>
+                            </p:childTnLst>
+                          </p:cTn>
+                        </p:par>
+                        <p:par>
+                          <p:cTn id="7" fill="hold">
+                            <p:stCondLst>
+                              <p:cond delay="1000"/>
+                            </p:stCondLst>
+                            <p:childTnLst>
+                              <p:par>
+                                <p:cTn id="8" presetID="63" presetClass="path" presetSubtype="0" accel="50000" decel="50000" fill="hold" nodeType="afterEffect">
+                                  <p:stCondLst>
+                                    <p:cond delay="0"/>
+                                  </p:stCondLst>
+                                  <p:childTnLst>
+                                    <p:animMotion origin="layout" path="M 0.115990 0.000000 L 0.234792 0.000741 " pathEditMode="relative" rAng="0" ptsTypes="">
+                                      <p:cBhvr>
+                                        <p:cTn id="9" dur="1000" fill="hold"/>
+                                        <p:tgtEl>
+                                          <p:spTgt spid="54"/>
+                                        </p:tgtEl>
+                                        <p:attrNameLst>
+                                          <p:attrName>ppt_x</p:attrName>
+                                          <p:attrName>ppt_y</p:attrName>
+                                        </p:attrNameLst>
+                                      </p:cBhvr>
+                                      <p:rCtr x="125" y="0"/>
+                                    </p:animMotion>
+                                  </p:childTnLst>
+                                </p:cTn>
+                              </p:par>
+                            </p:childTnLst>
+                          </p:cTn>
+                        </p:par>
+                      </p:childTnLst>
+                    </p:cTn>
+                  </p:par>
+                  <p:par>
+                    <p:cTn id="10" fill="hold">
+                      <p:stCondLst>
+                        <p:cond delay="indefinite"/>
+                      </p:stCondLst>
+                      <p:childTnLst>
+                        <p:par>
+                          <p:cTn id="11" fill="hold">
+                            <p:stCondLst>
+                              <p:cond delay="0"/>
+                            </p:stCondLst>
+                            <p:childTnLst>
+                              <p:par>
+                                <p:cTn id="12" presetID="10" presetClass="entr" presetSubtype="0" fill="hold" nodeType="clickEffect">
+                                  <p:stCondLst>
+                                    <p:cond delay="0"/>
+                                  </p:stCondLst>
+                                  <p:childTnLst>
+                                    <p:set>
+                                      <p:cBhvr>
+                                        <p:cTn id="13" dur="1" fill="hold">
+                                          <p:stCondLst>
+                                            <p:cond delay="0"/>
+                                          </p:stCondLst>
+                                        </p:cTn>
+                                        <p:tgtEl>
+                                          <p:spTgt spid="25"/>
+                                        </p:tgtEl>
+                                        <p:attrNameLst>
+                                          <p:attrName>style.visibility</p:attrName>
+                                        </p:attrNameLst>
+                                      </p:cBhvr>
+                                      <p:to>
+                                        <p:strVal val="visible"/>
+                                      </p:to>
+                                    </p:set>
+                                    <p:animEffect transition="in" filter="fade">
+                                      <p:cBhvr>
+                                        <p:cTn id="14" dur="500"/>
+                                        <p:tgtEl>
+                                          <p:spTgt spid="25"/>
+                                        </p:tgtEl>
+                                      </p:cBhvr>
+                                    </p:animEffect>
+                                  </p:childTnLst>
+                                </p:cTn>
+                              </p:par>
+                            </p:childTnLst>
+                          </p:cTn>
+                        </p:par>
+                      </p:childTnLst>
+                    </p:cTn>
+                  </p:par>
+                  <p:par>
+                    <p:cTn id="15" fill="hold">
+                      <p:stCondLst>
+                        <p:cond delay="indefinite"/>
+                      </p:stCondLst>
+                      <p:childTnLst>
+                        <p:par>
+                          <p:cTn id="16" fill="hold">
+                            <p:stCondLst>
+                              <p:cond delay="0"/>
+                            </p:stCondLst>
+                            <p:childTnLst>
+                              <p:par>
+                                <p:cTn id="17" presetID="10" presetClass="exit" presetSubtype="0" fill="hold" nodeType="clickEffect">
+                                  <p:stCondLst>
+                                    <p:cond delay="0"/>
+                                  </p:stCondLst>
+                                  <p:childTnLst>
+                                    <p:animEffect transition="out" filter="fade">
+                                      <p:cBhvr>
+                                        <p:cTn id="18" dur="500"/>
+                                        <p:tgtEl>
+                                          <p:spTgt spid="44"/>
+                                        </p:tgtEl>
+                                      </p:cBhvr>
+                                    </p:animEffect>
+                                    <p:set>
+                                      <p:cBhvr>
+                                        <p:cTn id="19" dur="1" fill="hold">
+                                          <p:stCondLst>
+                                            <p:cond delay="499"/>
+                                          </p:stCondLst>
+                                        </p:cTn>
+                                        <p:tgtEl>
+                                          <p:spTgt spid="44"/>
+                                        </p:tgtEl>
+                                        <p:attrNameLst>
+                                          <p:attrName>style.visibility</p:attrName>
+                                        </p:attrNameLst>
+                                      </p:cBhvr>
+                                      <p:to>
+                                        <p:strVal val="hidden"/>
+                                      </p:to>
+                                    </p:set>
+                                  </p:childTnLst>
+                                </p:cTn>
+                              </p:par>
+                            </p:childTnLst>
+                          </p:cTn>
+                        </p:par>
+                        <p:par>
+                          <p:cTn id="20" fill="hold">
+                            <p:stCondLst>
+                              <p:cond delay="500"/>
+                            </p:stCondLst>
+                            <p:childTnLst>
+                              <p:par>
+                                <p:cTn id="21" presetID="10" presetClass="entr" presetSubtype="0" fill="hold" nodeType="afterEffect">
+                                  <p:stCondLst>
+                                    <p:cond delay="0"/>
+                                  </p:stCondLst>
+                                  <p:childTnLst>
+                                    <p:set>
+                                      <p:cBhvr>
+                                        <p:cTn id="22" dur="1" fill="hold">
+                                          <p:stCondLst>
+                                            <p:cond delay="0"/>
+                                          </p:stCondLst>
+                                        </p:cTn>
+                                        <p:tgtEl>
+                                          <p:spTgt spid="38"/>
+                                        </p:tgtEl>
+                                        <p:attrNameLst>
+                                          <p:attrName>style.visibility</p:attrName>
+                                        </p:attrNameLst>
+                                      </p:cBhvr>
+                                      <p:to>
+                                        <p:strVal val="visible"/>
+                                      </p:to>
+                                    </p:set>
+                                    <p:animEffect transition="in" filter="fade">
+                                      <p:cBhvr>
+                                        <p:cTn id="23" dur="500"/>
+                                        <p:tgtEl>
+                                          <p:spTgt spid="38"/>
+                                        </p:tgtEl>
+                                      </p:cBhvr>
+                                    </p:animEffect>
+                                  </p:childTnLst>
+                                </p:cTn>
+                              </p:par>
+                            </p:childTnLst>
+                          </p:cTn>
+                        </p:par>
+                      </p:childTnLst>
+                    </p:cTn>
+                  </p:par>
+                  <p:par>
+                    <p:cTn id="24" fill="hold">
+                      <p:stCondLst>
+                        <p:cond delay="indefinite"/>
+                      </p:stCondLst>
+                      <p:childTnLst>
+                        <p:par>
+                          <p:cTn id="25" fill="hold">
+                            <p:stCondLst>
+                              <p:cond delay="0"/>
+                            </p:stCondLst>
+                            <p:childTnLst>
+                              <p:par>
+                                <p:cTn id="26" presetID="10" presetClass="entr" presetSubtype="0" fill="hold" nodeType="clickEffect">
+                                  <p:stCondLst>
+                                    <p:cond delay="0"/>
+                                  </p:stCondLst>
+                                  <p:childTnLst>
+                                    <p:set>
+                                      <p:cBhvr>
+                                        <p:cTn id="27" dur="1" fill="hold">
+                                          <p:stCondLst>
+                                            <p:cond delay="0"/>
+                                          </p:stCondLst>
+                                        </p:cTn>
+                                        <p:tgtEl>
+                                          <p:spTgt spid="37"/>
+                                        </p:tgtEl>
+                                        <p:attrNameLst>
+                                          <p:attrName>style.visibility</p:attrName>
+                                        </p:attrNameLst>
+                                      </p:cBhvr>
+                                      <p:to>
+                                        <p:strVal val="visible"/>
+                                      </p:to>
+                                    </p:set>
+                                    <p:animEffect transition="in" filter="fade">
+                                      <p:cBhvr>
+                                        <p:cTn id="28" dur="500"/>
+                                        <p:tgtEl>
+                                          <p:spTgt spid="37"/>
+                                        </p:tgtEl>
+                                      </p:cBhvr>
+                                    </p:animEffect>
+                                  </p:childTnLst>
+                                </p:cTn>
+                              </p:par>
+                            </p:childTnLst>
+                          </p:cTn>
+                        </p:par>
+                        <p:par>
+                          <p:cTn id="29" fill="hold">
+                            <p:stCondLst>
+                              <p:cond delay="500"/>
+                            </p:stCondLst>
+                            <p:childTnLst>
+                              <p:par>
+                                <p:cTn id="30" presetID="10" presetClass="exit" presetSubtype="0" fill="hold" nodeType="afterEffect">
+                                  <p:stCondLst>
+                                    <p:cond delay="0"/>
+                                  </p:stCondLst>
+                                  <p:childTnLst>
+                                    <p:animEffect transition="out" filter="fade">
+                                      <p:cBhvr>
+                                        <p:cTn id="31" dur="500"/>
+                                        <p:tgtEl>
+                                          <p:spTgt spid="54"/>
+                                        </p:tgtEl>
+                                      </p:cBhvr>
+                                    </p:animEffect>
+                                    <p:set>
+                                      <p:cBhvr>
+                                        <p:cTn id="32" dur="1" fill="hold">
+                                          <p:stCondLst>
+                                            <p:cond delay="499"/>
+                                          </p:stCondLst>
+                                        </p:cTn>
+                                        <p:tgtEl>
+                                          <p:spTgt spid="54"/>
+                                        </p:tgtEl>
+                                        <p:attrNameLst>
+                                          <p:attrName>style.visibility</p:attrName>
+                                        </p:attrNameLst>
+                                      </p:cBhvr>
+                                      <p:to>
+                                        <p:strVal val="hidden"/>
+                                      </p:to>
+                                    </p:set>
+                                  </p:childTnLst>
+                                </p:cTn>
+                              </p:par>
+                            </p:childTnLst>
+                          </p:cTn>
+                        </p:par>
+                      </p:childTnLst>
+                    </p:cTn>
+                  </p:par>
+                  <p:par>
+                    <p:cTn id="33" fill="hold">
+                      <p:stCondLst>
+                        <p:cond delay="indefinite"/>
+                      </p:stCondLst>
+                      <p:childTnLst>
+                        <p:par>
+                          <p:cTn id="34" fill="hold">
+                            <p:stCondLst>
+                              <p:cond delay="0"/>
+                            </p:stCondLst>
+                            <p:childTnLst>
+                              <p:par>
+                                <p:cTn id="35" presetID="63" presetClass="path" presetSubtype="0" accel="50000" decel="50000" fill="hold" nodeType="clickEffect">
+                                  <p:stCondLst>
+                                    <p:cond delay="0"/>
+                                  </p:stCondLst>
+                                  <p:childTnLst>
+                                    <p:animMotion origin="layout" path="M 0.000000 0.000000 L 0.599688 0.000185 " pathEditMode="relative" rAng="0" ptsTypes="">
+                                      <p:cBhvr>
+                                        <p:cTn id="36" dur="2000" fill="hold"/>
+                                        <p:tgtEl>
+                                          <p:spTgt spid="37"/>
+                                        </p:tgtEl>
+                                        <p:attrNameLst>
+                                          <p:attrName>ppt_x</p:attrName>
+                                          <p:attrName>ppt_y</p:attrName>
+                                        </p:attrNameLst>
+                                      </p:cBhvr>
+                                      <p:rCtr x="359" y="1"/>
+                                    </p:animMotion>
+                                  </p:childTnLst>
+                                </p:cTn>
+                              </p:par>
+                            </p:childTnLst>
+                          </p:cTn>
+                        </p:par>
+                      </p:childTnLst>
+                    </p:cTn>
+                  </p:par>
+                  <p:par>
+                    <p:cTn id="37" fill="hold">
+                      <p:stCondLst>
+                        <p:cond delay="indefinite"/>
+                      </p:stCondLst>
+                      <p:childTnLst>
+                        <p:par>
+                          <p:cTn id="38" fill="hold">
+                            <p:stCondLst>
+                              <p:cond delay="0"/>
+                            </p:stCondLst>
+                            <p:childTnLst>
+                              <p:par>
+                                <p:cTn id="39" presetID="10" presetClass="entr" presetSubtype="0" fill="hold" nodeType="clickEffect">
+                                  <p:stCondLst>
+                                    <p:cond delay="0"/>
+                                  </p:stCondLst>
+                                  <p:childTnLst>
+                                    <p:set>
+                                      <p:cBhvr>
+                                        <p:cTn id="40" dur="1" fill="hold">
+                                          <p:stCondLst>
+                                            <p:cond delay="0"/>
+                                          </p:stCondLst>
+                                        </p:cTn>
+                                        <p:tgtEl>
+                                          <p:spTgt spid="41"/>
+                                        </p:tgtEl>
+                                        <p:attrNameLst>
+                                          <p:attrName>style.visibility</p:attrName>
+                                        </p:attrNameLst>
+                                      </p:cBhvr>
+                                      <p:to>
+                                        <p:strVal val="visible"/>
+                                      </p:to>
+                                    </p:set>
+                                    <p:animEffect transition="in" filter="fade">
+                                      <p:cBhvr>
+                                        <p:cTn id="41" dur="500"/>
+                                        <p:tgtEl>
+                                          <p:spTgt spid="41"/>
+                                        </p:tgtEl>
+                                      </p:cBhvr>
+                                    </p:animEffect>
+                                  </p:childTnLst>
+                                </p:cTn>
+                              </p:par>
+                            </p:childTnLst>
+                          </p:cTn>
+                        </p:par>
+                      </p:childTnLst>
+                    </p:cTn>
+                  </p:par>
+                </p:childTnLst>
+              </p:cTn>
+              <p:prevCondLst>
+                <p:cond evt="onPrev" delay="0">
+                  <p:tgtEl>
+                    <p:sldTgt/>
+                  </p:tgtEl>
+                </p:cond>
+              </p:prevCondLst>
+              <p:nextCondLst>
+                <p:cond evt="onNext" delay="0">
+                  <p:tgtEl>
+                    <p:sldTgt/>
+                  </p:tgtEl>
+                </p:cond>
+              </p:nextCondLst>
+            </p:seq>
+          </p:childTnLst>
+        </p:cTn>
+      </p:par>
+    </p:tnLst>
+    <p:bldLst>
+      <p:bldP spid="4" grpId="0" animBg="1"/>
+    </p:bldLst>
+  </p:timing>
+</p:sld>
+</file>
+
+<file path=ppt/slides/slide6.xml><?xml version="1.0" encoding="utf-8"?>
+<p:sld xmlns:a="http://schemas.openxmlformats.org/drawingml/2006/main" xmlns:r="http://schemas.openxmlformats.org/officeDocument/2006/relationships" xmlns:p="http://schemas.openxmlformats.org/presentationml/2006/main">
+  <p:cSld>
+    <p:bg>
+      <p:bgPr>
+        <a:solidFill>
+          <a:schemeClr val="tx2"/>
+        </a:solidFill>
+        <a:effectLst/>
+      </p:bgPr>
+    </p:bg>
+    <p:spTree>
+      <p:nvGrpSpPr>
+        <p:cNvPr id="1" name=""/>
+        <p:cNvGrpSpPr/>
+        <p:nvPr/>
+      </p:nvGrpSpPr>
+      <p:grpSpPr/>
       <p:sp>
         <p:nvSpPr>
           <p:cNvPr id="8" name="文本框 7"/>
@@ -21999,7 +25863,7 @@
 </p:sld>
 </file>
 
-<file path=ppt/slides/slide6.xml><?xml version="1.0" encoding="utf-8"?>
+<file path=ppt/slides/slide7.xml><?xml version="1.0" encoding="utf-8"?>
 <p:sld xmlns:a="http://schemas.openxmlformats.org/drawingml/2006/main" xmlns:r="http://schemas.openxmlformats.org/officeDocument/2006/relationships" xmlns:p="http://schemas.openxmlformats.org/presentationml/2006/main">
   <p:cSld>
     <p:bg>
@@ -24562,7 +28426,7 @@
 </p:sld>
 </file>
 
-<file path=ppt/slides/slide7.xml><?xml version="1.0" encoding="utf-8"?>
+<file path=ppt/slides/slide8.xml><?xml version="1.0" encoding="utf-8"?>
 <p:sld xmlns:a="http://schemas.openxmlformats.org/drawingml/2006/main" xmlns:r="http://schemas.openxmlformats.org/officeDocument/2006/relationships" xmlns:p="http://schemas.openxmlformats.org/presentationml/2006/main">
   <p:cSld>
     <p:bg>
@@ -25859,7 +29723,7 @@
 </p:sld>
 </file>
 
-<file path=ppt/slides/slide8.xml><?xml version="1.0" encoding="utf-8"?>
+<file path=ppt/slides/slide9.xml><?xml version="1.0" encoding="utf-8"?>
 <p:sld xmlns:a="http://schemas.openxmlformats.org/drawingml/2006/main" xmlns:r="http://schemas.openxmlformats.org/officeDocument/2006/relationships" xmlns:p="http://schemas.openxmlformats.org/presentationml/2006/main">
   <p:cSld>
     <p:bg>
@@ -33540,1374 +37404,6 @@
 </p:sld>
 </file>
 
-<file path=ppt/slides/slide9.xml><?xml version="1.0" encoding="utf-8"?>
-<p:sld xmlns:a="http://schemas.openxmlformats.org/drawingml/2006/main" xmlns:r="http://schemas.openxmlformats.org/officeDocument/2006/relationships" xmlns:p="http://schemas.openxmlformats.org/presentationml/2006/main">
-  <p:cSld>
-    <p:bg>
-      <p:bgPr>
-        <a:solidFill>
-          <a:schemeClr val="tx2"/>
-        </a:solidFill>
-        <a:effectLst/>
-      </p:bgPr>
-    </p:bg>
-    <p:spTree>
-      <p:nvGrpSpPr>
-        <p:cNvPr id="1" name=""/>
-        <p:cNvGrpSpPr/>
-        <p:nvPr/>
-      </p:nvGrpSpPr>
-      <p:grpSpPr/>
-      <p:sp>
-        <p:nvSpPr>
-          <p:cNvPr id="6" name="文本框 5"/>
-          <p:cNvSpPr txBox="1"/>
-          <p:nvPr/>
-        </p:nvSpPr>
-        <p:spPr>
-          <a:xfrm>
-            <a:off x="503555" y="1197610"/>
-            <a:ext cx="11573510" cy="645160"/>
-          </a:xfrm>
-          <a:prstGeom prst="rect">
-            <a:avLst/>
-          </a:prstGeom>
-          <a:noFill/>
-        </p:spPr>
-        <p:txBody>
-          <a:bodyPr wrap="square" rtlCol="0">
-            <a:spAutoFit/>
-          </a:bodyPr>
-          <a:p>
-            <a:pPr algn="l"/>
-            <a:r>
-              <a:rPr lang="zh-CN" altLang="en-US" b="1">
-                <a:solidFill>
-                  <a:schemeClr val="bg1"/>
-                </a:solidFill>
-              </a:rPr>
-              <a:t>题目：给定一个数组 prices ，它的第 i 个元素 prices[i] 表示一支给定股票第 i 天的价格。</a:t>
-            </a:r>
-            <a:endParaRPr lang="zh-CN" altLang="en-US" b="1">
-              <a:solidFill>
-                <a:schemeClr val="bg1"/>
-              </a:solidFill>
-            </a:endParaRPr>
-          </a:p>
-          <a:p>
-            <a:pPr algn="l"/>
-            <a:r>
-              <a:rPr lang="zh-CN" altLang="en-US" b="1">
-                <a:solidFill>
-                  <a:schemeClr val="bg1"/>
-                </a:solidFill>
-              </a:rPr>
-              <a:t>要求：买和卖各操作一次获得最大利润</a:t>
-            </a:r>
-            <a:endParaRPr lang="zh-CN" altLang="en-US" b="1">
-              <a:solidFill>
-                <a:schemeClr val="bg1"/>
-              </a:solidFill>
-            </a:endParaRPr>
-          </a:p>
-        </p:txBody>
-      </p:sp>
-      <p:sp>
-        <p:nvSpPr>
-          <p:cNvPr id="14" name="文本框 13"/>
-          <p:cNvSpPr txBox="1"/>
-          <p:nvPr/>
-        </p:nvSpPr>
-        <p:spPr>
-          <a:xfrm>
-            <a:off x="578485" y="419100"/>
-            <a:ext cx="6424295" cy="706755"/>
-          </a:xfrm>
-          <a:prstGeom prst="rect">
-            <a:avLst/>
-          </a:prstGeom>
-          <a:noFill/>
-        </p:spPr>
-        <p:txBody>
-          <a:bodyPr wrap="square" rtlCol="0">
-            <a:spAutoFit/>
-          </a:bodyPr>
-          <a:p>
-            <a:pPr algn="l"/>
-            <a:r>
-              <a:rPr sz="4000" b="1">
-                <a:solidFill>
-                  <a:schemeClr val="bg1"/>
-                </a:solidFill>
-                <a:sym typeface="+mn-ea"/>
-              </a:rPr>
-              <a:t>121. 买卖股票的最佳时机</a:t>
-            </a:r>
-            <a:endParaRPr sz="4000" b="1">
-              <a:solidFill>
-                <a:schemeClr val="bg1"/>
-              </a:solidFill>
-              <a:sym typeface="+mn-ea"/>
-            </a:endParaRPr>
-          </a:p>
-        </p:txBody>
-      </p:sp>
-      <p:sp>
-        <p:nvSpPr>
-          <p:cNvPr id="2" name="文本框 1"/>
-          <p:cNvSpPr txBox="1"/>
-          <p:nvPr/>
-        </p:nvSpPr>
-        <p:spPr>
-          <a:xfrm>
-            <a:off x="914400" y="2767965"/>
-            <a:ext cx="3345180" cy="521970"/>
-          </a:xfrm>
-          <a:prstGeom prst="rect">
-            <a:avLst/>
-          </a:prstGeom>
-          <a:noFill/>
-        </p:spPr>
-        <p:txBody>
-          <a:bodyPr wrap="square" rtlCol="0">
-            <a:spAutoFit/>
-          </a:bodyPr>
-          <a:p>
-            <a:pPr algn="l"/>
-            <a:r>
-              <a:rPr lang="zh-CN" altLang="en-US" sz="2800" b="1">
-                <a:solidFill>
-                  <a:schemeClr val="bg1"/>
-                </a:solidFill>
-              </a:rPr>
-              <a:t>[ 7,  1,  5,  3,  6,  4 ]</a:t>
-            </a:r>
-            <a:endParaRPr lang="zh-CN" altLang="en-US" sz="2800" b="1">
-              <a:solidFill>
-                <a:schemeClr val="bg1"/>
-              </a:solidFill>
-            </a:endParaRPr>
-          </a:p>
-        </p:txBody>
-      </p:sp>
-      <p:sp>
-        <p:nvSpPr>
-          <p:cNvPr id="20" name="文本框 19"/>
-          <p:cNvSpPr txBox="1"/>
-          <p:nvPr/>
-        </p:nvSpPr>
-        <p:spPr>
-          <a:xfrm>
-            <a:off x="578485" y="1800225"/>
-            <a:ext cx="7010400" cy="521970"/>
-          </a:xfrm>
-          <a:prstGeom prst="rect">
-            <a:avLst/>
-          </a:prstGeom>
-          <a:noFill/>
-        </p:spPr>
-        <p:txBody>
-          <a:bodyPr wrap="square" rtlCol="0">
-            <a:spAutoFit/>
-            <a:scene3d>
-              <a:camera prst="orthographicFront"/>
-              <a:lightRig rig="threePt" dir="t"/>
-            </a:scene3d>
-          </a:bodyPr>
-          <a:p>
-            <a:pPr algn="l"/>
-            <a:r>
-              <a:rPr lang="zh-CN" altLang="en-US" sz="2800" b="1">
-                <a:ln w="12700" cmpd="sng">
-                  <a:solidFill>
-                    <a:schemeClr val="accent4"/>
-                  </a:solidFill>
-                  <a:prstDash val="solid"/>
-                </a:ln>
-                <a:gradFill>
-                  <a:gsLst>
-                    <a:gs pos="0">
-                      <a:schemeClr val="accent4"/>
-                    </a:gs>
-                    <a:gs pos="4000">
-                      <a:schemeClr val="accent4">
-                        <a:lumMod val="60000"/>
-                        <a:lumOff val="40000"/>
-                      </a:schemeClr>
-                    </a:gs>
-                    <a:gs pos="87000">
-                      <a:schemeClr val="accent4">
-                        <a:lumMod val="20000"/>
-                        <a:lumOff val="80000"/>
-                      </a:schemeClr>
-                    </a:gs>
-                  </a:gsLst>
-                  <a:lin ang="5400000"/>
-                </a:gradFill>
-                <a:effectLst/>
-                <a:sym typeface="+mn-ea"/>
-              </a:rPr>
-              <a:t>！！！</a:t>
-            </a:r>
-            <a:r>
-              <a:rPr lang="en-US" sz="2800" b="1">
-                <a:ln w="12700" cmpd="sng">
-                  <a:solidFill>
-                    <a:schemeClr val="accent4"/>
-                  </a:solidFill>
-                  <a:prstDash val="solid"/>
-                </a:ln>
-                <a:gradFill>
-                  <a:gsLst>
-                    <a:gs pos="0">
-                      <a:schemeClr val="accent4"/>
-                    </a:gs>
-                    <a:gs pos="4000">
-                      <a:schemeClr val="accent4">
-                        <a:lumMod val="60000"/>
-                        <a:lumOff val="40000"/>
-                      </a:schemeClr>
-                    </a:gs>
-                    <a:gs pos="87000">
-                      <a:schemeClr val="accent4">
-                        <a:lumMod val="20000"/>
-                        <a:lumOff val="80000"/>
-                      </a:schemeClr>
-                    </a:gs>
-                  </a:gsLst>
-                  <a:lin ang="5400000"/>
-                </a:gradFill>
-                <a:effectLst/>
-                <a:sym typeface="+mn-ea"/>
-              </a:rPr>
-              <a:t> </a:t>
-            </a:r>
-            <a:r>
-              <a:rPr sz="2800" b="1">
-                <a:ln w="12700" cmpd="sng">
-                  <a:solidFill>
-                    <a:schemeClr val="accent4"/>
-                  </a:solidFill>
-                  <a:prstDash val="solid"/>
-                </a:ln>
-                <a:gradFill>
-                  <a:gsLst>
-                    <a:gs pos="0">
-                      <a:schemeClr val="accent4"/>
-                    </a:gs>
-                    <a:gs pos="4000">
-                      <a:schemeClr val="accent4">
-                        <a:lumMod val="60000"/>
-                        <a:lumOff val="40000"/>
-                      </a:schemeClr>
-                    </a:gs>
-                    <a:gs pos="87000">
-                      <a:schemeClr val="accent4">
-                        <a:lumMod val="20000"/>
-                        <a:lumOff val="80000"/>
-                      </a:schemeClr>
-                    </a:gs>
-                  </a:gsLst>
-                  <a:lin ang="5400000"/>
-                </a:gradFill>
-                <a:effectLst/>
-                <a:sym typeface="+mn-ea"/>
-              </a:rPr>
-              <a:t>股票</a:t>
-            </a:r>
-            <a:r>
-              <a:rPr lang="zh-CN" sz="2800" b="1">
-                <a:ln w="12700" cmpd="sng">
-                  <a:solidFill>
-                    <a:schemeClr val="accent4"/>
-                  </a:solidFill>
-                  <a:prstDash val="solid"/>
-                </a:ln>
-                <a:gradFill>
-                  <a:gsLst>
-                    <a:gs pos="0">
-                      <a:schemeClr val="accent4"/>
-                    </a:gs>
-                    <a:gs pos="4000">
-                      <a:schemeClr val="accent4">
-                        <a:lumMod val="60000"/>
-                        <a:lumOff val="40000"/>
-                      </a:schemeClr>
-                    </a:gs>
-                    <a:gs pos="87000">
-                      <a:schemeClr val="accent4">
-                        <a:lumMod val="20000"/>
-                        <a:lumOff val="80000"/>
-                      </a:schemeClr>
-                    </a:gs>
-                  </a:gsLst>
-                  <a:lin ang="5400000"/>
-                </a:gradFill>
-                <a:effectLst/>
-                <a:sym typeface="+mn-ea"/>
-              </a:rPr>
-              <a:t>赚钱操作原则：高抛低吸 </a:t>
-            </a:r>
-            <a:r>
-              <a:rPr lang="zh-CN" altLang="en-US" sz="2800" b="1">
-                <a:ln w="12700" cmpd="sng">
-                  <a:solidFill>
-                    <a:schemeClr val="accent4"/>
-                  </a:solidFill>
-                  <a:prstDash val="solid"/>
-                </a:ln>
-                <a:gradFill>
-                  <a:gsLst>
-                    <a:gs pos="0">
-                      <a:schemeClr val="accent4"/>
-                    </a:gs>
-                    <a:gs pos="4000">
-                      <a:schemeClr val="accent4">
-                        <a:lumMod val="60000"/>
-                        <a:lumOff val="40000"/>
-                      </a:schemeClr>
-                    </a:gs>
-                    <a:gs pos="87000">
-                      <a:schemeClr val="accent4">
-                        <a:lumMod val="20000"/>
-                        <a:lumOff val="80000"/>
-                      </a:schemeClr>
-                    </a:gs>
-                  </a:gsLst>
-                  <a:lin ang="5400000"/>
-                </a:gradFill>
-                <a:effectLst/>
-                <a:sym typeface="+mn-ea"/>
-              </a:rPr>
-              <a:t>！！！</a:t>
-            </a:r>
-            <a:endParaRPr lang="zh-CN" altLang="en-US" sz="2800" b="1">
-              <a:ln w="12700" cmpd="sng">
-                <a:solidFill>
-                  <a:schemeClr val="accent4"/>
-                </a:solidFill>
-                <a:prstDash val="solid"/>
-              </a:ln>
-              <a:gradFill>
-                <a:gsLst>
-                  <a:gs pos="0">
-                    <a:schemeClr val="accent4"/>
-                  </a:gs>
-                  <a:gs pos="4000">
-                    <a:schemeClr val="accent4">
-                      <a:lumMod val="60000"/>
-                      <a:lumOff val="40000"/>
-                    </a:schemeClr>
-                  </a:gs>
-                  <a:gs pos="87000">
-                    <a:schemeClr val="accent4">
-                      <a:lumMod val="20000"/>
-                      <a:lumOff val="80000"/>
-                    </a:schemeClr>
-                  </a:gs>
-                </a:gsLst>
-                <a:lin ang="5400000"/>
-              </a:gradFill>
-              <a:effectLst/>
-              <a:sym typeface="+mn-ea"/>
-            </a:endParaRPr>
-          </a:p>
-        </p:txBody>
-      </p:sp>
-      <p:sp>
-        <p:nvSpPr>
-          <p:cNvPr id="22" name="文本框 21"/>
-          <p:cNvSpPr txBox="1"/>
-          <p:nvPr/>
-        </p:nvSpPr>
-        <p:spPr>
-          <a:xfrm>
-            <a:off x="1352550" y="6850380"/>
-            <a:ext cx="337185" cy="306705"/>
-          </a:xfrm>
-          <a:prstGeom prst="rect">
-            <a:avLst/>
-          </a:prstGeom>
-          <a:noFill/>
-        </p:spPr>
-        <p:txBody>
-          <a:bodyPr wrap="square" rtlCol="0">
-            <a:spAutoFit/>
-          </a:bodyPr>
-          <a:p>
-            <a:pPr algn="l"/>
-            <a:r>
-              <a:rPr lang="en-US" altLang="zh-CN" sz="1400">
-                <a:solidFill>
-                  <a:schemeClr val="bg1"/>
-                </a:solidFill>
-              </a:rPr>
-              <a:t>1</a:t>
-            </a:r>
-            <a:endParaRPr lang="en-US" altLang="zh-CN" sz="1400">
-              <a:solidFill>
-                <a:schemeClr val="bg1"/>
-              </a:solidFill>
-            </a:endParaRPr>
-          </a:p>
-        </p:txBody>
-      </p:sp>
-      <p:grpSp>
-        <p:nvGrpSpPr>
-          <p:cNvPr id="39" name="组合 38"/>
-          <p:cNvGrpSpPr/>
-          <p:nvPr/>
-        </p:nvGrpSpPr>
-        <p:grpSpPr>
-          <a:xfrm>
-            <a:off x="723900" y="3702050"/>
-            <a:ext cx="3719830" cy="2875280"/>
-            <a:chOff x="1393" y="5830"/>
-            <a:chExt cx="5858" cy="4528"/>
-          </a:xfrm>
-        </p:grpSpPr>
-        <p:pic>
-          <p:nvPicPr>
-            <p:cNvPr id="11" name="图片 10"/>
-            <p:cNvPicPr>
-              <a:picLocks noChangeAspect="1"/>
-            </p:cNvPicPr>
-            <p:nvPr/>
-          </p:nvPicPr>
-          <p:blipFill>
-            <a:blip r:embed="rId1"/>
-            <a:stretch>
-              <a:fillRect/>
-            </a:stretch>
-          </p:blipFill>
-          <p:spPr>
-            <a:xfrm>
-              <a:off x="1393" y="5830"/>
-              <a:ext cx="5858" cy="4528"/>
-            </a:xfrm>
-            <a:prstGeom prst="rect">
-              <a:avLst/>
-            </a:prstGeom>
-          </p:spPr>
-        </p:pic>
-        <p:sp>
-          <p:nvSpPr>
-            <p:cNvPr id="21" name="文本框 20"/>
-            <p:cNvSpPr txBox="1"/>
-            <p:nvPr/>
-          </p:nvSpPr>
-          <p:spPr>
-            <a:xfrm>
-              <a:off x="2141" y="6868"/>
-              <a:ext cx="531" cy="483"/>
-            </a:xfrm>
-            <a:prstGeom prst="rect">
-              <a:avLst/>
-            </a:prstGeom>
-            <a:noFill/>
-          </p:spPr>
-          <p:txBody>
-            <a:bodyPr wrap="square" rtlCol="0">
-              <a:spAutoFit/>
-            </a:bodyPr>
-            <a:p>
-              <a:pPr algn="l"/>
-              <a:r>
-                <a:rPr lang="zh-CN" altLang="en-US" sz="1400">
-                  <a:solidFill>
-                    <a:schemeClr val="bg1"/>
-                  </a:solidFill>
-                </a:rPr>
-                <a:t>7</a:t>
-              </a:r>
-              <a:endParaRPr lang="zh-CN" altLang="en-US" sz="1400">
-                <a:solidFill>
-                  <a:schemeClr val="bg1"/>
-                </a:solidFill>
-              </a:endParaRPr>
-            </a:p>
-          </p:txBody>
-        </p:sp>
-        <p:sp>
-          <p:nvSpPr>
-            <p:cNvPr id="24" name="文本框 23"/>
-            <p:cNvSpPr txBox="1"/>
-            <p:nvPr/>
-          </p:nvSpPr>
-          <p:spPr>
-            <a:xfrm>
-              <a:off x="3702" y="7276"/>
-              <a:ext cx="531" cy="483"/>
-            </a:xfrm>
-            <a:prstGeom prst="rect">
-              <a:avLst/>
-            </a:prstGeom>
-            <a:noFill/>
-          </p:spPr>
-          <p:txBody>
-            <a:bodyPr wrap="square" rtlCol="0">
-              <a:spAutoFit/>
-            </a:bodyPr>
-            <a:p>
-              <a:pPr algn="l"/>
-              <a:r>
-                <a:rPr lang="en-US" altLang="zh-CN" sz="1400">
-                  <a:solidFill>
-                    <a:schemeClr val="bg1"/>
-                  </a:solidFill>
-                </a:rPr>
-                <a:t>5</a:t>
-              </a:r>
-              <a:endParaRPr lang="en-US" altLang="zh-CN" sz="1400">
-                <a:solidFill>
-                  <a:schemeClr val="bg1"/>
-                </a:solidFill>
-              </a:endParaRPr>
-            </a:p>
-          </p:txBody>
-        </p:sp>
-        <p:sp>
-          <p:nvSpPr>
-            <p:cNvPr id="25" name="文本框 24"/>
-            <p:cNvSpPr txBox="1"/>
-            <p:nvPr/>
-          </p:nvSpPr>
-          <p:spPr>
-            <a:xfrm>
-              <a:off x="4473" y="9110"/>
-              <a:ext cx="531" cy="483"/>
-            </a:xfrm>
-            <a:prstGeom prst="rect">
-              <a:avLst/>
-            </a:prstGeom>
-            <a:noFill/>
-          </p:spPr>
-          <p:txBody>
-            <a:bodyPr wrap="square" rtlCol="0">
-              <a:spAutoFit/>
-            </a:bodyPr>
-            <a:p>
-              <a:pPr algn="l"/>
-              <a:r>
-                <a:rPr lang="en-US" altLang="zh-CN" sz="1400">
-                  <a:solidFill>
-                    <a:schemeClr val="bg1"/>
-                  </a:solidFill>
-                </a:rPr>
-                <a:t>3</a:t>
-              </a:r>
-              <a:endParaRPr lang="en-US" altLang="zh-CN" sz="1400">
-                <a:solidFill>
-                  <a:schemeClr val="bg1"/>
-                </a:solidFill>
-              </a:endParaRPr>
-            </a:p>
-          </p:txBody>
-        </p:sp>
-        <p:sp>
-          <p:nvSpPr>
-            <p:cNvPr id="26" name="文本框 25"/>
-            <p:cNvSpPr txBox="1"/>
-            <p:nvPr/>
-          </p:nvSpPr>
-          <p:spPr>
-            <a:xfrm>
-              <a:off x="5263" y="6887"/>
-              <a:ext cx="531" cy="483"/>
-            </a:xfrm>
-            <a:prstGeom prst="rect">
-              <a:avLst/>
-            </a:prstGeom>
-            <a:noFill/>
-          </p:spPr>
-          <p:txBody>
-            <a:bodyPr wrap="square" rtlCol="0">
-              <a:spAutoFit/>
-            </a:bodyPr>
-            <a:p>
-              <a:pPr algn="l"/>
-              <a:r>
-                <a:rPr lang="en-US" altLang="zh-CN" sz="1400">
-                  <a:solidFill>
-                    <a:schemeClr val="bg1"/>
-                  </a:solidFill>
-                </a:rPr>
-                <a:t>6</a:t>
-              </a:r>
-              <a:endParaRPr lang="en-US" altLang="zh-CN" sz="1400">
-                <a:solidFill>
-                  <a:schemeClr val="bg1"/>
-                </a:solidFill>
-              </a:endParaRPr>
-            </a:p>
-          </p:txBody>
-        </p:sp>
-        <p:sp>
-          <p:nvSpPr>
-            <p:cNvPr id="27" name="文本框 26"/>
-            <p:cNvSpPr txBox="1"/>
-            <p:nvPr/>
-          </p:nvSpPr>
-          <p:spPr>
-            <a:xfrm>
-              <a:off x="5964" y="6887"/>
-              <a:ext cx="531" cy="483"/>
-            </a:xfrm>
-            <a:prstGeom prst="rect">
-              <a:avLst/>
-            </a:prstGeom>
-            <a:noFill/>
-          </p:spPr>
-          <p:txBody>
-            <a:bodyPr wrap="square" rtlCol="0">
-              <a:spAutoFit/>
-            </a:bodyPr>
-            <a:p>
-              <a:pPr algn="l"/>
-              <a:r>
-                <a:rPr lang="en-US" altLang="zh-CN" sz="1400">
-                  <a:solidFill>
-                    <a:schemeClr val="bg1"/>
-                  </a:solidFill>
-                </a:rPr>
-                <a:t>4</a:t>
-              </a:r>
-              <a:endParaRPr lang="en-US" altLang="zh-CN" sz="1400">
-                <a:solidFill>
-                  <a:schemeClr val="bg1"/>
-                </a:solidFill>
-              </a:endParaRPr>
-            </a:p>
-          </p:txBody>
-        </p:sp>
-      </p:grpSp>
-      <p:cxnSp>
-        <p:nvCxnSpPr>
-          <p:cNvPr id="62" name="直接箭头连接符 61"/>
-          <p:cNvCxnSpPr/>
-          <p:nvPr/>
-        </p:nvCxnSpPr>
-        <p:spPr>
-          <a:xfrm>
-            <a:off x="2586990" y="3274695"/>
-            <a:ext cx="0" cy="325755"/>
-          </a:xfrm>
-          <a:prstGeom prst="straightConnector1">
-            <a:avLst/>
-          </a:prstGeom>
-          <a:ln w="28575" cmpd="sng">
-            <a:solidFill>
-              <a:schemeClr val="bg1"/>
-            </a:solidFill>
-            <a:prstDash val="solid"/>
-            <a:tailEnd type="arrow"/>
-          </a:ln>
-        </p:spPr>
-        <p:style>
-          <a:lnRef idx="1">
-            <a:schemeClr val="accent1"/>
-          </a:lnRef>
-          <a:fillRef idx="0">
-            <a:schemeClr val="accent1"/>
-          </a:fillRef>
-          <a:effectRef idx="0">
-            <a:schemeClr val="accent1"/>
-          </a:effectRef>
-          <a:fontRef idx="minor">
-            <a:schemeClr val="tx1"/>
-          </a:fontRef>
-        </p:style>
-      </p:cxnSp>
-      <p:cxnSp>
-        <p:nvCxnSpPr>
-          <p:cNvPr id="30" name="直接箭头连接符 29"/>
-          <p:cNvCxnSpPr/>
-          <p:nvPr/>
-        </p:nvCxnSpPr>
-        <p:spPr>
-          <a:xfrm>
-            <a:off x="7506335" y="3264535"/>
-            <a:ext cx="0" cy="324000"/>
-          </a:xfrm>
-          <a:prstGeom prst="straightConnector1">
-            <a:avLst/>
-          </a:prstGeom>
-          <a:ln w="28575" cmpd="sng">
-            <a:solidFill>
-              <a:schemeClr val="bg1"/>
-            </a:solidFill>
-            <a:prstDash val="solid"/>
-            <a:tailEnd type="arrow"/>
-          </a:ln>
-        </p:spPr>
-        <p:style>
-          <a:lnRef idx="1">
-            <a:schemeClr val="accent1"/>
-          </a:lnRef>
-          <a:fillRef idx="0">
-            <a:schemeClr val="accent1"/>
-          </a:fillRef>
-          <a:effectRef idx="0">
-            <a:schemeClr val="accent1"/>
-          </a:effectRef>
-          <a:fontRef idx="minor">
-            <a:schemeClr val="tx1"/>
-          </a:fontRef>
-        </p:style>
-      </p:cxnSp>
-      <p:sp>
-        <p:nvSpPr>
-          <p:cNvPr id="31" name="文本框 30"/>
-          <p:cNvSpPr txBox="1"/>
-          <p:nvPr/>
-        </p:nvSpPr>
-        <p:spPr>
-          <a:xfrm>
-            <a:off x="5826125" y="2767965"/>
-            <a:ext cx="3345180" cy="521970"/>
-          </a:xfrm>
-          <a:prstGeom prst="rect">
-            <a:avLst/>
-          </a:prstGeom>
-          <a:noFill/>
-        </p:spPr>
-        <p:txBody>
-          <a:bodyPr wrap="square" rtlCol="0">
-            <a:spAutoFit/>
-          </a:bodyPr>
-          <a:p>
-            <a:pPr algn="l"/>
-            <a:r>
-              <a:rPr lang="zh-CN" altLang="en-US" sz="2800" b="1">
-                <a:solidFill>
-                  <a:schemeClr val="bg1"/>
-                </a:solidFill>
-              </a:rPr>
-              <a:t>[ 7,  </a:t>
-            </a:r>
-            <a:r>
-              <a:rPr lang="en-US" altLang="zh-CN" sz="2800" b="1">
-                <a:solidFill>
-                  <a:schemeClr val="bg1"/>
-                </a:solidFill>
-              </a:rPr>
-              <a:t>3</a:t>
-            </a:r>
-            <a:r>
-              <a:rPr lang="zh-CN" altLang="en-US" sz="2800" b="1">
-                <a:solidFill>
-                  <a:schemeClr val="bg1"/>
-                </a:solidFill>
-              </a:rPr>
-              <a:t>,  5,  </a:t>
-            </a:r>
-            <a:r>
-              <a:rPr lang="en-US" altLang="zh-CN" sz="2800" b="1">
-                <a:solidFill>
-                  <a:schemeClr val="bg1"/>
-                </a:solidFill>
-              </a:rPr>
-              <a:t>1</a:t>
-            </a:r>
-            <a:r>
-              <a:rPr lang="zh-CN" altLang="en-US" sz="2800" b="1">
-                <a:solidFill>
-                  <a:schemeClr val="bg1"/>
-                </a:solidFill>
-              </a:rPr>
-              <a:t>,  </a:t>
-            </a:r>
-            <a:r>
-              <a:rPr lang="en-US" altLang="zh-CN" sz="2800" b="1">
-                <a:solidFill>
-                  <a:schemeClr val="bg1"/>
-                </a:solidFill>
-              </a:rPr>
-              <a:t>2</a:t>
-            </a:r>
-            <a:r>
-              <a:rPr lang="zh-CN" altLang="en-US" sz="2800" b="1">
-                <a:solidFill>
-                  <a:schemeClr val="bg1"/>
-                </a:solidFill>
-              </a:rPr>
-              <a:t>,  </a:t>
-            </a:r>
-            <a:r>
-              <a:rPr lang="en-US" altLang="zh-CN" sz="2800" b="1">
-                <a:solidFill>
-                  <a:schemeClr val="bg1"/>
-                </a:solidFill>
-              </a:rPr>
-              <a:t>1</a:t>
-            </a:r>
-            <a:r>
-              <a:rPr lang="zh-CN" altLang="en-US" sz="2800" b="1">
-                <a:solidFill>
-                  <a:schemeClr val="bg1"/>
-                </a:solidFill>
-              </a:rPr>
-              <a:t> ]</a:t>
-            </a:r>
-            <a:endParaRPr lang="zh-CN" altLang="en-US" sz="2800" b="1">
-              <a:solidFill>
-                <a:schemeClr val="bg1"/>
-              </a:solidFill>
-            </a:endParaRPr>
-          </a:p>
-        </p:txBody>
-      </p:sp>
-      <p:grpSp>
-        <p:nvGrpSpPr>
-          <p:cNvPr id="38" name="组合 37"/>
-          <p:cNvGrpSpPr/>
-          <p:nvPr/>
-        </p:nvGrpSpPr>
-        <p:grpSpPr>
-          <a:xfrm>
-            <a:off x="5623560" y="3697605"/>
-            <a:ext cx="3765550" cy="2879090"/>
-            <a:chOff x="10152" y="5823"/>
-            <a:chExt cx="5930" cy="4534"/>
-          </a:xfrm>
-        </p:grpSpPr>
-        <p:pic>
-          <p:nvPicPr>
-            <p:cNvPr id="29" name="图片 28"/>
-            <p:cNvPicPr>
-              <a:picLocks noChangeAspect="1"/>
-            </p:cNvPicPr>
-            <p:nvPr/>
-          </p:nvPicPr>
-          <p:blipFill>
-            <a:blip r:embed="rId2"/>
-            <a:stretch>
-              <a:fillRect/>
-            </a:stretch>
-          </p:blipFill>
-          <p:spPr>
-            <a:xfrm>
-              <a:off x="10152" y="5823"/>
-              <a:ext cx="5931" cy="4513"/>
-            </a:xfrm>
-            <a:prstGeom prst="rect">
-              <a:avLst/>
-            </a:prstGeom>
-          </p:spPr>
-        </p:pic>
-        <p:sp>
-          <p:nvSpPr>
-            <p:cNvPr id="32" name="文本框 31"/>
-            <p:cNvSpPr txBox="1"/>
-            <p:nvPr/>
-          </p:nvSpPr>
-          <p:spPr>
-            <a:xfrm>
-              <a:off x="10962" y="6206"/>
-              <a:ext cx="531" cy="483"/>
-            </a:xfrm>
-            <a:prstGeom prst="rect">
-              <a:avLst/>
-            </a:prstGeom>
-            <a:noFill/>
-          </p:spPr>
-          <p:txBody>
-            <a:bodyPr wrap="square" rtlCol="0">
-              <a:spAutoFit/>
-            </a:bodyPr>
-            <a:p>
-              <a:pPr algn="l"/>
-              <a:r>
-                <a:rPr lang="en-US" altLang="zh-CN" sz="1400">
-                  <a:solidFill>
-                    <a:schemeClr val="bg1"/>
-                  </a:solidFill>
-                </a:rPr>
-                <a:t>7</a:t>
-              </a:r>
-              <a:endParaRPr lang="en-US" altLang="zh-CN" sz="1400">
-                <a:solidFill>
-                  <a:schemeClr val="bg1"/>
-                </a:solidFill>
-              </a:endParaRPr>
-            </a:p>
-          </p:txBody>
-        </p:sp>
-        <p:sp>
-          <p:nvSpPr>
-            <p:cNvPr id="33" name="文本框 32"/>
-            <p:cNvSpPr txBox="1"/>
-            <p:nvPr/>
-          </p:nvSpPr>
-          <p:spPr>
-            <a:xfrm>
-              <a:off x="11726" y="6689"/>
-              <a:ext cx="531" cy="483"/>
-            </a:xfrm>
-            <a:prstGeom prst="rect">
-              <a:avLst/>
-            </a:prstGeom>
-            <a:noFill/>
-          </p:spPr>
-          <p:txBody>
-            <a:bodyPr wrap="square" rtlCol="0">
-              <a:spAutoFit/>
-            </a:bodyPr>
-            <a:p>
-              <a:pPr algn="l"/>
-              <a:r>
-                <a:rPr lang="en-US" altLang="zh-CN" sz="1400">
-                  <a:solidFill>
-                    <a:schemeClr val="bg1"/>
-                  </a:solidFill>
-                </a:rPr>
-                <a:t>3</a:t>
-              </a:r>
-              <a:endParaRPr lang="en-US" altLang="zh-CN" sz="1400">
-                <a:solidFill>
-                  <a:schemeClr val="bg1"/>
-                </a:solidFill>
-              </a:endParaRPr>
-            </a:p>
-          </p:txBody>
-        </p:sp>
-        <p:sp>
-          <p:nvSpPr>
-            <p:cNvPr id="34" name="文本框 33"/>
-            <p:cNvSpPr txBox="1"/>
-            <p:nvPr/>
-          </p:nvSpPr>
-          <p:spPr>
-            <a:xfrm>
-              <a:off x="12490" y="6889"/>
-              <a:ext cx="531" cy="483"/>
-            </a:xfrm>
-            <a:prstGeom prst="rect">
-              <a:avLst/>
-            </a:prstGeom>
-            <a:noFill/>
-          </p:spPr>
-          <p:txBody>
-            <a:bodyPr wrap="square" rtlCol="0">
-              <a:spAutoFit/>
-            </a:bodyPr>
-            <a:p>
-              <a:pPr algn="l"/>
-              <a:r>
-                <a:rPr lang="en-US" altLang="zh-CN" sz="1400">
-                  <a:solidFill>
-                    <a:schemeClr val="bg1"/>
-                  </a:solidFill>
-                </a:rPr>
-                <a:t>5</a:t>
-              </a:r>
-              <a:endParaRPr lang="en-US" altLang="zh-CN" sz="1400">
-                <a:solidFill>
-                  <a:schemeClr val="bg1"/>
-                </a:solidFill>
-              </a:endParaRPr>
-            </a:p>
-          </p:txBody>
-        </p:sp>
-        <p:sp>
-          <p:nvSpPr>
-            <p:cNvPr id="35" name="文本框 34"/>
-            <p:cNvSpPr txBox="1"/>
-            <p:nvPr/>
-          </p:nvSpPr>
-          <p:spPr>
-            <a:xfrm>
-              <a:off x="13254" y="9875"/>
-              <a:ext cx="531" cy="483"/>
-            </a:xfrm>
-            <a:prstGeom prst="rect">
-              <a:avLst/>
-            </a:prstGeom>
-            <a:noFill/>
-          </p:spPr>
-          <p:txBody>
-            <a:bodyPr wrap="square" rtlCol="0">
-              <a:spAutoFit/>
-            </a:bodyPr>
-            <a:p>
-              <a:pPr algn="l"/>
-              <a:r>
-                <a:rPr lang="en-US" altLang="zh-CN" sz="1400">
-                  <a:solidFill>
-                    <a:schemeClr val="bg1"/>
-                  </a:solidFill>
-                </a:rPr>
-                <a:t>1</a:t>
-              </a:r>
-              <a:endParaRPr lang="en-US" altLang="zh-CN" sz="1400">
-                <a:solidFill>
-                  <a:schemeClr val="bg1"/>
-                </a:solidFill>
-              </a:endParaRPr>
-            </a:p>
-          </p:txBody>
-        </p:sp>
-        <p:sp>
-          <p:nvSpPr>
-            <p:cNvPr id="36" name="文本框 35"/>
-            <p:cNvSpPr txBox="1"/>
-            <p:nvPr/>
-          </p:nvSpPr>
-          <p:spPr>
-            <a:xfrm>
-              <a:off x="14041" y="8548"/>
-              <a:ext cx="531" cy="483"/>
-            </a:xfrm>
-            <a:prstGeom prst="rect">
-              <a:avLst/>
-            </a:prstGeom>
-            <a:noFill/>
-          </p:spPr>
-          <p:txBody>
-            <a:bodyPr wrap="square" rtlCol="0">
-              <a:spAutoFit/>
-            </a:bodyPr>
-            <a:p>
-              <a:pPr algn="l"/>
-              <a:r>
-                <a:rPr lang="en-US" altLang="zh-CN" sz="1400">
-                  <a:solidFill>
-                    <a:schemeClr val="bg1"/>
-                  </a:solidFill>
-                </a:rPr>
-                <a:t>2</a:t>
-              </a:r>
-              <a:endParaRPr lang="en-US" altLang="zh-CN" sz="1400">
-                <a:solidFill>
-                  <a:schemeClr val="bg1"/>
-                </a:solidFill>
-              </a:endParaRPr>
-            </a:p>
-          </p:txBody>
-        </p:sp>
-        <p:sp>
-          <p:nvSpPr>
-            <p:cNvPr id="37" name="文本框 36"/>
-            <p:cNvSpPr txBox="1"/>
-            <p:nvPr/>
-          </p:nvSpPr>
-          <p:spPr>
-            <a:xfrm>
-              <a:off x="14873" y="9593"/>
-              <a:ext cx="531" cy="483"/>
-            </a:xfrm>
-            <a:prstGeom prst="rect">
-              <a:avLst/>
-            </a:prstGeom>
-            <a:noFill/>
-          </p:spPr>
-          <p:txBody>
-            <a:bodyPr wrap="square" rtlCol="0">
-              <a:spAutoFit/>
-            </a:bodyPr>
-            <a:p>
-              <a:pPr algn="l"/>
-              <a:r>
-                <a:rPr lang="en-US" altLang="zh-CN" sz="1400">
-                  <a:solidFill>
-                    <a:schemeClr val="bg1"/>
-                  </a:solidFill>
-                </a:rPr>
-                <a:t>1</a:t>
-              </a:r>
-              <a:endParaRPr lang="en-US" altLang="zh-CN" sz="1400">
-                <a:solidFill>
-                  <a:schemeClr val="bg1"/>
-                </a:solidFill>
-              </a:endParaRPr>
-            </a:p>
-          </p:txBody>
-        </p:sp>
-      </p:grpSp>
-      <p:sp>
-        <p:nvSpPr>
-          <p:cNvPr id="40" name="文本框 39"/>
-          <p:cNvSpPr txBox="1"/>
-          <p:nvPr/>
-        </p:nvSpPr>
-        <p:spPr>
-          <a:xfrm>
-            <a:off x="1724025" y="6295390"/>
-            <a:ext cx="337185" cy="306705"/>
-          </a:xfrm>
-          <a:prstGeom prst="rect">
-            <a:avLst/>
-          </a:prstGeom>
-          <a:noFill/>
-        </p:spPr>
-        <p:txBody>
-          <a:bodyPr wrap="square" rtlCol="0">
-            <a:spAutoFit/>
-          </a:bodyPr>
-          <a:p>
-            <a:pPr algn="l"/>
-            <a:r>
-              <a:rPr lang="en-US" altLang="zh-CN" sz="1400">
-                <a:solidFill>
-                  <a:schemeClr val="bg1"/>
-                </a:solidFill>
-              </a:rPr>
-              <a:t>1</a:t>
-            </a:r>
-            <a:endParaRPr lang="en-US" altLang="zh-CN" sz="1400">
-              <a:solidFill>
-                <a:schemeClr val="bg1"/>
-              </a:solidFill>
-            </a:endParaRPr>
-          </a:p>
-        </p:txBody>
-      </p:sp>
-      <p:sp>
-        <p:nvSpPr>
-          <p:cNvPr id="41" name="文本框 40"/>
-          <p:cNvSpPr txBox="1"/>
-          <p:nvPr/>
-        </p:nvSpPr>
-        <p:spPr>
-          <a:xfrm>
-            <a:off x="7930515" y="1863090"/>
-            <a:ext cx="4234815" cy="368300"/>
-          </a:xfrm>
-          <a:prstGeom prst="rect">
-            <a:avLst/>
-          </a:prstGeom>
-          <a:noFill/>
-        </p:spPr>
-        <p:txBody>
-          <a:bodyPr wrap="square" rtlCol="0">
-            <a:spAutoFit/>
-          </a:bodyPr>
-          <a:p>
-            <a:pPr algn="l"/>
-            <a:r>
-              <a:rPr lang="zh-CN" altLang="en-US" b="1">
-                <a:solidFill>
-                  <a:schemeClr val="bg1"/>
-                </a:solidFill>
-                <a:sym typeface="+mn-ea"/>
-              </a:rPr>
-              <a:t>当天最大利润 </a:t>
-            </a:r>
-            <a:r>
-              <a:rPr lang="en-US" altLang="zh-CN" b="1">
-                <a:solidFill>
-                  <a:schemeClr val="bg1"/>
-                </a:solidFill>
-              </a:rPr>
-              <a:t>= </a:t>
-            </a:r>
-            <a:r>
-              <a:rPr lang="zh-CN" altLang="en-US" b="1">
-                <a:solidFill>
-                  <a:schemeClr val="bg1"/>
-                </a:solidFill>
-              </a:rPr>
-              <a:t>当天价格 - 历史最低价</a:t>
-            </a:r>
-            <a:endParaRPr lang="zh-CN" altLang="en-US" b="1">
-              <a:solidFill>
-                <a:schemeClr val="bg1"/>
-              </a:solidFill>
-            </a:endParaRPr>
-          </a:p>
-        </p:txBody>
-      </p:sp>
-    </p:spTree>
-  </p:cSld>
-  <p:clrMapOvr>
-    <a:masterClrMapping/>
-  </p:clrMapOvr>
-  <p:timing>
-    <p:tnLst>
-      <p:par>
-        <p:cTn id="1" dur="indefinite" restart="never" nodeType="tmRoot">
-          <p:childTnLst>
-            <p:seq concurrent="1" nextAc="seek">
-              <p:cTn id="2" dur="indefinite" nodeType="mainSeq">
-                <p:childTnLst>
-                  <p:par>
-                    <p:cTn id="3" fill="hold">
-                      <p:stCondLst>
-                        <p:cond delay="indefinite"/>
-                      </p:stCondLst>
-                      <p:childTnLst>
-                        <p:par>
-                          <p:cTn id="4" fill="hold">
-                            <p:stCondLst>
-                              <p:cond delay="0"/>
-                            </p:stCondLst>
-                            <p:childTnLst>
-                              <p:par>
-                                <p:cTn id="5" presetID="10" presetClass="entr" presetSubtype="0" fill="hold" nodeType="clickEffect">
-                                  <p:stCondLst>
-                                    <p:cond delay="0"/>
-                                  </p:stCondLst>
-                                  <p:childTnLst>
-                                    <p:set>
-                                      <p:cBhvr>
-                                        <p:cTn id="6" dur="1" fill="hold">
-                                          <p:stCondLst>
-                                            <p:cond delay="0"/>
-                                          </p:stCondLst>
-                                        </p:cTn>
-                                        <p:tgtEl>
-                                          <p:spTgt spid="30"/>
-                                        </p:tgtEl>
-                                        <p:attrNameLst>
-                                          <p:attrName>style.visibility</p:attrName>
-                                        </p:attrNameLst>
-                                      </p:cBhvr>
-                                      <p:to>
-                                        <p:strVal val="visible"/>
-                                      </p:to>
-                                    </p:set>
-                                    <p:animEffect transition="in" filter="fade">
-                                      <p:cBhvr>
-                                        <p:cTn id="7" dur="500"/>
-                                        <p:tgtEl>
-                                          <p:spTgt spid="30"/>
-                                        </p:tgtEl>
-                                      </p:cBhvr>
-                                    </p:animEffect>
-                                  </p:childTnLst>
-                                </p:cTn>
-                              </p:par>
-                            </p:childTnLst>
-                          </p:cTn>
-                        </p:par>
-                        <p:par>
-                          <p:cTn id="8" fill="hold">
-                            <p:stCondLst>
-                              <p:cond delay="500"/>
-                            </p:stCondLst>
-                            <p:childTnLst>
-                              <p:par>
-                                <p:cTn id="9" presetID="10" presetClass="entr" presetSubtype="0" fill="hold" nodeType="afterEffect">
-                                  <p:stCondLst>
-                                    <p:cond delay="0"/>
-                                  </p:stCondLst>
-                                  <p:childTnLst>
-                                    <p:set>
-                                      <p:cBhvr>
-                                        <p:cTn id="10" dur="1" fill="hold">
-                                          <p:stCondLst>
-                                            <p:cond delay="0"/>
-                                          </p:stCondLst>
-                                        </p:cTn>
-                                        <p:tgtEl>
-                                          <p:spTgt spid="38"/>
-                                        </p:tgtEl>
-                                        <p:attrNameLst>
-                                          <p:attrName>style.visibility</p:attrName>
-                                        </p:attrNameLst>
-                                      </p:cBhvr>
-                                      <p:to>
-                                        <p:strVal val="visible"/>
-                                      </p:to>
-                                    </p:set>
-                                    <p:animEffect transition="in" filter="fade">
-                                      <p:cBhvr>
-                                        <p:cTn id="11" dur="500"/>
-                                        <p:tgtEl>
-                                          <p:spTgt spid="38"/>
-                                        </p:tgtEl>
-                                      </p:cBhvr>
-                                    </p:animEffect>
-                                  </p:childTnLst>
-                                </p:cTn>
-                              </p:par>
-                            </p:childTnLst>
-                          </p:cTn>
-                        </p:par>
-                      </p:childTnLst>
-                    </p:cTn>
-                  </p:par>
-                  <p:par>
-                    <p:cTn id="12" fill="hold">
-                      <p:stCondLst>
-                        <p:cond delay="indefinite"/>
-                      </p:stCondLst>
-                      <p:childTnLst>
-                        <p:par>
-                          <p:cTn id="13" fill="hold">
-                            <p:stCondLst>
-                              <p:cond delay="0"/>
-                            </p:stCondLst>
-                            <p:childTnLst>
-                              <p:par>
-                                <p:cTn id="14" presetID="10" presetClass="entr" presetSubtype="0" fill="hold" grpId="0" nodeType="clickEffect">
-                                  <p:stCondLst>
-                                    <p:cond delay="0"/>
-                                  </p:stCondLst>
-                                  <p:childTnLst>
-                                    <p:set>
-                                      <p:cBhvr>
-                                        <p:cTn id="15" dur="1" fill="hold">
-                                          <p:stCondLst>
-                                            <p:cond delay="0"/>
-                                          </p:stCondLst>
-                                        </p:cTn>
-                                        <p:tgtEl>
-                                          <p:spTgt spid="41"/>
-                                        </p:tgtEl>
-                                        <p:attrNameLst>
-                                          <p:attrName>style.visibility</p:attrName>
-                                        </p:attrNameLst>
-                                      </p:cBhvr>
-                                      <p:to>
-                                        <p:strVal val="visible"/>
-                                      </p:to>
-                                    </p:set>
-                                    <p:animEffect transition="in" filter="fade">
-                                      <p:cBhvr>
-                                        <p:cTn id="16" dur="500"/>
-                                        <p:tgtEl>
-                                          <p:spTgt spid="41"/>
-                                        </p:tgtEl>
-                                      </p:cBhvr>
-                                    </p:animEffect>
-                                  </p:childTnLst>
-                                </p:cTn>
-                              </p:par>
-                            </p:childTnLst>
-                          </p:cTn>
-                        </p:par>
-                      </p:childTnLst>
-                    </p:cTn>
-                  </p:par>
-                </p:childTnLst>
-              </p:cTn>
-              <p:prevCondLst>
-                <p:cond evt="onPrev" delay="0">
-                  <p:tgtEl>
-                    <p:sldTgt/>
-                  </p:tgtEl>
-                </p:cond>
-              </p:prevCondLst>
-              <p:nextCondLst>
-                <p:cond evt="onNext" delay="0">
-                  <p:tgtEl>
-                    <p:sldTgt/>
-                  </p:tgtEl>
-                </p:cond>
-              </p:nextCondLst>
-            </p:seq>
-          </p:childTnLst>
-        </p:cTn>
-      </p:par>
-    </p:tnLst>
-    <p:bldLst>
-      <p:bldP spid="41" grpId="0"/>
-    </p:bldLst>
-  </p:timing>
-</p:sld>
-</file>
-
 <file path=ppt/tags/tag1.xml><?xml version="1.0" encoding="utf-8"?>
 <p:tagLst xmlns:p="http://schemas.openxmlformats.org/presentationml/2006/main">
   <p:tag name="KSO_WM_UNIT_TABLE_BEAUTIFY" val="smartTable{1fe0001a-b8e3-4c69-bd35-d01141d38582}"/>

--- a/小白学算法系列.pptx
+++ b/小白学算法系列.pptx
@@ -21,6 +21,8 @@
     <p:sldId id="271" r:id="rId14"/>
     <p:sldId id="273" r:id="rId15"/>
     <p:sldId id="272" r:id="rId16"/>
+    <p:sldId id="284" r:id="rId17"/>
+    <p:sldId id="285" r:id="rId18"/>
   </p:sldIdLst>
   <p:sldSz cx="12192000" cy="6858000"/>
   <p:notesSz cx="7103745" cy="10234295"/>
@@ -15087,6 +15089,6094 @@
       <p:bldP spid="126" grpId="0"/>
       <p:bldP spid="125" grpId="0"/>
       <p:bldP spid="119" grpId="0"/>
+    </p:bldLst>
+  </p:timing>
+</p:sld>
+</file>
+
+<file path=ppt/slides/slide14.xml><?xml version="1.0" encoding="utf-8"?>
+<p:sld xmlns:a="http://schemas.openxmlformats.org/drawingml/2006/main" xmlns:r="http://schemas.openxmlformats.org/officeDocument/2006/relationships" xmlns:p="http://schemas.openxmlformats.org/presentationml/2006/main">
+  <p:cSld>
+    <p:bg>
+      <p:bgPr>
+        <a:solidFill>
+          <a:schemeClr val="tx2"/>
+        </a:solidFill>
+        <a:effectLst/>
+      </p:bgPr>
+    </p:bg>
+    <p:spTree>
+      <p:nvGrpSpPr>
+        <p:cNvPr id="1" name=""/>
+        <p:cNvGrpSpPr/>
+        <p:nvPr/>
+      </p:nvGrpSpPr>
+      <p:grpSpPr/>
+      <p:sp>
+        <p:nvSpPr>
+          <p:cNvPr id="29" name="文本框 28"/>
+          <p:cNvSpPr txBox="1"/>
+          <p:nvPr/>
+        </p:nvSpPr>
+        <p:spPr>
+          <a:xfrm>
+            <a:off x="578486" y="419100"/>
+            <a:ext cx="4296410" cy="706755"/>
+          </a:xfrm>
+          <a:prstGeom prst="rect">
+            <a:avLst/>
+          </a:prstGeom>
+          <a:noFill/>
+        </p:spPr>
+        <p:txBody>
+          <a:bodyPr wrap="none" rtlCol="0">
+            <a:spAutoFit/>
+          </a:bodyPr>
+          <a:p>
+            <a:pPr algn="l"/>
+            <a:r>
+              <a:rPr lang="zh-CN" altLang="en-US" sz="4000" b="1">
+                <a:solidFill>
+                  <a:schemeClr val="bg1"/>
+                </a:solidFill>
+                <a:sym typeface="+mn-ea"/>
+              </a:rPr>
+              <a:t>227. 基本计算器 II</a:t>
+            </a:r>
+            <a:endParaRPr lang="zh-CN" altLang="en-US" sz="4000" b="1">
+              <a:solidFill>
+                <a:schemeClr val="bg1"/>
+              </a:solidFill>
+              <a:sym typeface="+mn-ea"/>
+            </a:endParaRPr>
+          </a:p>
+        </p:txBody>
+      </p:sp>
+      <p:sp>
+        <p:nvSpPr>
+          <p:cNvPr id="34" name="文本框 33"/>
+          <p:cNvSpPr txBox="1"/>
+          <p:nvPr/>
+        </p:nvSpPr>
+        <p:spPr>
+          <a:xfrm>
+            <a:off x="608965" y="1240155"/>
+            <a:ext cx="8498840" cy="368300"/>
+          </a:xfrm>
+          <a:prstGeom prst="rect">
+            <a:avLst/>
+          </a:prstGeom>
+          <a:noFill/>
+        </p:spPr>
+        <p:txBody>
+          <a:bodyPr wrap="square" rtlCol="0">
+            <a:spAutoFit/>
+          </a:bodyPr>
+          <a:p>
+            <a:pPr algn="l"/>
+            <a:r>
+              <a:rPr lang="zh-CN" altLang="en-US" b="1">
+                <a:solidFill>
+                  <a:schemeClr val="bg1"/>
+                </a:solidFill>
+                <a:sym typeface="+mn-ea"/>
+              </a:rPr>
+              <a:t>题目：</a:t>
+            </a:r>
+            <a:r>
+              <a:rPr b="1">
+                <a:solidFill>
+                  <a:schemeClr val="bg1"/>
+                </a:solidFill>
+                <a:sym typeface="+mn-ea"/>
+              </a:rPr>
+              <a:t>给你一个字符串表达式 s ，请你实现一个基本计算器来计算并返回它的值。</a:t>
+            </a:r>
+            <a:endParaRPr b="1">
+              <a:solidFill>
+                <a:schemeClr val="bg1"/>
+              </a:solidFill>
+              <a:sym typeface="+mn-ea"/>
+            </a:endParaRPr>
+          </a:p>
+        </p:txBody>
+      </p:sp>
+      <p:graphicFrame>
+        <p:nvGraphicFramePr>
+          <p:cNvPr id="4" name="表格 3"/>
+          <p:cNvGraphicFramePr/>
+          <p:nvPr/>
+        </p:nvGraphicFramePr>
+        <p:xfrm>
+          <a:off x="8512175" y="2623820"/>
+          <a:ext cx="595630" cy="3053080"/>
+        </p:xfrm>
+        <a:graphic>
+          <a:graphicData uri="http://schemas.openxmlformats.org/drawingml/2006/table">
+            <a:tbl>
+              <a:tblPr firstRow="1" bandRow="1">
+                <a:tableStyleId>{5940675A-B579-460E-94D1-54222C63F5DA}</a:tableStyleId>
+              </a:tblPr>
+              <a:tblGrid>
+                <a:gridCol w="595630"/>
+              </a:tblGrid>
+              <a:tr h="381635">
+                <a:tc>
+                  <a:txBody>
+                    <a:bodyPr/>
+                    <a:p>
+                      <a:pPr algn="ctr">
+                        <a:buNone/>
+                      </a:pPr>
+                      <a:endParaRPr lang="en-US" altLang="zh-CN" sz="1400">
+                        <a:solidFill>
+                          <a:schemeClr val="tx1"/>
+                        </a:solidFill>
+                      </a:endParaRPr>
+                    </a:p>
+                  </a:txBody>
+                  <a:tcPr>
+                    <a:solidFill>
+                      <a:schemeClr val="bg1"/>
+                    </a:solidFill>
+                  </a:tcPr>
+                </a:tc>
+              </a:tr>
+              <a:tr h="381635">
+                <a:tc>
+                  <a:txBody>
+                    <a:bodyPr/>
+                    <a:p>
+                      <a:pPr algn="ctr">
+                        <a:buNone/>
+                      </a:pPr>
+                      <a:endParaRPr lang="en-US" altLang="zh-CN" sz="1400">
+                        <a:solidFill>
+                          <a:schemeClr val="tx1"/>
+                        </a:solidFill>
+                      </a:endParaRPr>
+                    </a:p>
+                  </a:txBody>
+                  <a:tcPr>
+                    <a:solidFill>
+                      <a:schemeClr val="bg1"/>
+                    </a:solidFill>
+                  </a:tcPr>
+                </a:tc>
+              </a:tr>
+              <a:tr h="381635">
+                <a:tc>
+                  <a:txBody>
+                    <a:bodyPr/>
+                    <a:p>
+                      <a:pPr algn="ctr">
+                        <a:buNone/>
+                      </a:pPr>
+                      <a:endParaRPr lang="zh-CN" altLang="en-US" sz="1400">
+                        <a:solidFill>
+                          <a:schemeClr val="tx1"/>
+                        </a:solidFill>
+                      </a:endParaRPr>
+                    </a:p>
+                  </a:txBody>
+                  <a:tcPr>
+                    <a:solidFill>
+                      <a:schemeClr val="bg1"/>
+                    </a:solidFill>
+                  </a:tcPr>
+                </a:tc>
+              </a:tr>
+              <a:tr h="381635">
+                <a:tc>
+                  <a:txBody>
+                    <a:bodyPr/>
+                    <a:p>
+                      <a:pPr algn="ctr">
+                        <a:buNone/>
+                      </a:pPr>
+                      <a:endParaRPr lang="zh-CN" altLang="en-US" sz="1400">
+                        <a:solidFill>
+                          <a:schemeClr val="tx1"/>
+                        </a:solidFill>
+                      </a:endParaRPr>
+                    </a:p>
+                  </a:txBody>
+                  <a:tcPr>
+                    <a:solidFill>
+                      <a:schemeClr val="bg1"/>
+                    </a:solidFill>
+                  </a:tcPr>
+                </a:tc>
+              </a:tr>
+              <a:tr h="381635">
+                <a:tc>
+                  <a:txBody>
+                    <a:bodyPr/>
+                    <a:p>
+                      <a:pPr algn="ctr">
+                        <a:buNone/>
+                      </a:pPr>
+                      <a:endParaRPr lang="zh-CN" altLang="en-US" sz="1400">
+                        <a:solidFill>
+                          <a:schemeClr val="tx1"/>
+                        </a:solidFill>
+                      </a:endParaRPr>
+                    </a:p>
+                  </a:txBody>
+                  <a:tcPr>
+                    <a:solidFill>
+                      <a:schemeClr val="bg1"/>
+                    </a:solidFill>
+                  </a:tcPr>
+                </a:tc>
+              </a:tr>
+              <a:tr h="381635">
+                <a:tc>
+                  <a:txBody>
+                    <a:bodyPr/>
+                    <a:p>
+                      <a:pPr algn="ctr">
+                        <a:buNone/>
+                      </a:pPr>
+                      <a:r>
+                        <a:rPr lang="en-US" altLang="zh-CN" sz="1400">
+                          <a:solidFill>
+                            <a:schemeClr val="tx1"/>
+                          </a:solidFill>
+                        </a:rPr>
+                        <a:t>2</a:t>
+                      </a:r>
+                      <a:endParaRPr lang="en-US" altLang="zh-CN" sz="1400">
+                        <a:solidFill>
+                          <a:schemeClr val="tx1"/>
+                        </a:solidFill>
+                      </a:endParaRPr>
+                    </a:p>
+                  </a:txBody>
+                  <a:tcPr>
+                    <a:solidFill>
+                      <a:schemeClr val="bg1"/>
+                    </a:solidFill>
+                  </a:tcPr>
+                </a:tc>
+              </a:tr>
+              <a:tr h="381635">
+                <a:tc>
+                  <a:txBody>
+                    <a:bodyPr/>
+                    <a:p>
+                      <a:pPr algn="ctr">
+                        <a:buNone/>
+                      </a:pPr>
+                      <a:r>
+                        <a:rPr lang="en-US" altLang="zh-CN" sz="1400">
+                          <a:solidFill>
+                            <a:schemeClr val="tx1"/>
+                          </a:solidFill>
+                        </a:rPr>
+                        <a:t>10</a:t>
+                      </a:r>
+                      <a:endParaRPr lang="en-US" altLang="zh-CN" sz="1400">
+                        <a:solidFill>
+                          <a:schemeClr val="tx1"/>
+                        </a:solidFill>
+                      </a:endParaRPr>
+                    </a:p>
+                  </a:txBody>
+                  <a:tcPr>
+                    <a:solidFill>
+                      <a:schemeClr val="bg1"/>
+                    </a:solidFill>
+                  </a:tcPr>
+                </a:tc>
+              </a:tr>
+              <a:tr h="381635">
+                <a:tc>
+                  <a:txBody>
+                    <a:bodyPr/>
+                    <a:p>
+                      <a:pPr algn="ctr">
+                        <a:buNone/>
+                      </a:pPr>
+                      <a:r>
+                        <a:rPr lang="en-US" altLang="zh-CN" sz="1400">
+                          <a:solidFill>
+                            <a:schemeClr val="tx1"/>
+                          </a:solidFill>
+                        </a:rPr>
+                        <a:t>1</a:t>
+                      </a:r>
+                      <a:endParaRPr lang="en-US" altLang="zh-CN" sz="1400">
+                        <a:solidFill>
+                          <a:schemeClr val="tx1"/>
+                        </a:solidFill>
+                      </a:endParaRPr>
+                    </a:p>
+                  </a:txBody>
+                  <a:tcPr>
+                    <a:solidFill>
+                      <a:schemeClr val="bg1"/>
+                    </a:solidFill>
+                  </a:tcPr>
+                </a:tc>
+              </a:tr>
+            </a:tbl>
+          </a:graphicData>
+        </a:graphic>
+      </p:graphicFrame>
+      <p:sp>
+        <p:nvSpPr>
+          <p:cNvPr id="12" name="文本框 11"/>
+          <p:cNvSpPr txBox="1"/>
+          <p:nvPr/>
+        </p:nvSpPr>
+        <p:spPr>
+          <a:xfrm>
+            <a:off x="696595" y="2082165"/>
+            <a:ext cx="2213610" cy="306705"/>
+          </a:xfrm>
+          <a:prstGeom prst="rect">
+            <a:avLst/>
+          </a:prstGeom>
+          <a:noFill/>
+        </p:spPr>
+        <p:txBody>
+          <a:bodyPr wrap="square" rtlCol="0">
+            <a:spAutoFit/>
+          </a:bodyPr>
+          <a:p>
+            <a:pPr algn="l"/>
+            <a:r>
+              <a:rPr lang="en-US" sz="1400">
+                <a:solidFill>
+                  <a:schemeClr val="bg1"/>
+                </a:solidFill>
+                <a:sym typeface="+mn-ea"/>
+              </a:rPr>
+              <a:t>1 + 10 / 2 - 5 * 2</a:t>
+            </a:r>
+            <a:endParaRPr lang="en-US" altLang="zh-CN" sz="1400">
+              <a:solidFill>
+                <a:schemeClr val="bg1"/>
+              </a:solidFill>
+              <a:sym typeface="+mn-ea"/>
+            </a:endParaRPr>
+          </a:p>
+        </p:txBody>
+      </p:sp>
+      <p:graphicFrame>
+        <p:nvGraphicFramePr>
+          <p:cNvPr id="14" name="表格 13"/>
+          <p:cNvGraphicFramePr/>
+          <p:nvPr/>
+        </p:nvGraphicFramePr>
+        <p:xfrm>
+          <a:off x="696595" y="3707130"/>
+          <a:ext cx="4584700" cy="452120"/>
+        </p:xfrm>
+        <a:graphic>
+          <a:graphicData uri="http://schemas.openxmlformats.org/drawingml/2006/table">
+            <a:tbl>
+              <a:tblPr firstRow="1" bandRow="1">
+                <a:tableStyleId>{5940675A-B579-460E-94D1-54222C63F5DA}</a:tableStyleId>
+              </a:tblPr>
+              <a:tblGrid>
+                <a:gridCol w="458470"/>
+                <a:gridCol w="458470"/>
+                <a:gridCol w="458470"/>
+                <a:gridCol w="458470"/>
+                <a:gridCol w="458470"/>
+                <a:gridCol w="458470"/>
+                <a:gridCol w="458470"/>
+                <a:gridCol w="458470"/>
+                <a:gridCol w="458470"/>
+                <a:gridCol w="458470"/>
+              </a:tblGrid>
+              <a:tr h="452120">
+                <a:tc>
+                  <a:txBody>
+                    <a:bodyPr/>
+                    <a:p>
+                      <a:pPr algn="ctr">
+                        <a:lnSpc>
+                          <a:spcPct val="110000"/>
+                        </a:lnSpc>
+                        <a:buNone/>
+                      </a:pPr>
+                      <a:r>
+                        <a:rPr lang="en-US" altLang="zh-CN"/>
+                        <a:t>1</a:t>
+                      </a:r>
+                      <a:endParaRPr lang="en-US" altLang="zh-CN"/>
+                    </a:p>
+                  </a:txBody>
+                  <a:tcPr>
+                    <a:solidFill>
+                      <a:schemeClr val="bg1"/>
+                    </a:solidFill>
+                  </a:tcPr>
+                </a:tc>
+                <a:tc>
+                  <a:txBody>
+                    <a:bodyPr/>
+                    <a:p>
+                      <a:pPr algn="ctr">
+                        <a:lnSpc>
+                          <a:spcPct val="110000"/>
+                        </a:lnSpc>
+                        <a:buNone/>
+                      </a:pPr>
+                      <a:r>
+                        <a:rPr lang="en-US" altLang="zh-CN"/>
+                        <a:t>+</a:t>
+                      </a:r>
+                      <a:endParaRPr lang="en-US" altLang="zh-CN"/>
+                    </a:p>
+                  </a:txBody>
+                  <a:tcPr>
+                    <a:solidFill>
+                      <a:schemeClr val="bg1"/>
+                    </a:solidFill>
+                  </a:tcPr>
+                </a:tc>
+                <a:tc>
+                  <a:txBody>
+                    <a:bodyPr/>
+                    <a:p>
+                      <a:pPr algn="ctr">
+                        <a:lnSpc>
+                          <a:spcPct val="110000"/>
+                        </a:lnSpc>
+                        <a:buNone/>
+                      </a:pPr>
+                      <a:r>
+                        <a:rPr lang="en-US" altLang="zh-CN"/>
+                        <a:t>1</a:t>
+                      </a:r>
+                      <a:endParaRPr lang="en-US" altLang="zh-CN"/>
+                    </a:p>
+                  </a:txBody>
+                  <a:tcPr>
+                    <a:solidFill>
+                      <a:schemeClr val="bg1"/>
+                    </a:solidFill>
+                  </a:tcPr>
+                </a:tc>
+                <a:tc>
+                  <a:txBody>
+                    <a:bodyPr/>
+                    <a:p>
+                      <a:pPr algn="ctr">
+                        <a:lnSpc>
+                          <a:spcPct val="110000"/>
+                        </a:lnSpc>
+                        <a:buNone/>
+                      </a:pPr>
+                      <a:r>
+                        <a:rPr lang="en-US" altLang="zh-CN"/>
+                        <a:t>0</a:t>
+                      </a:r>
+                      <a:endParaRPr lang="en-US" altLang="zh-CN"/>
+                    </a:p>
+                  </a:txBody>
+                  <a:tcPr>
+                    <a:solidFill>
+                      <a:schemeClr val="bg1"/>
+                    </a:solidFill>
+                  </a:tcPr>
+                </a:tc>
+                <a:tc>
+                  <a:txBody>
+                    <a:bodyPr/>
+                    <a:p>
+                      <a:pPr algn="ctr">
+                        <a:lnSpc>
+                          <a:spcPct val="110000"/>
+                        </a:lnSpc>
+                        <a:buNone/>
+                      </a:pPr>
+                      <a:r>
+                        <a:rPr lang="en-US" altLang="zh-CN"/>
+                        <a:t>/</a:t>
+                      </a:r>
+                      <a:endParaRPr lang="en-US" altLang="zh-CN"/>
+                    </a:p>
+                  </a:txBody>
+                  <a:tcPr>
+                    <a:solidFill>
+                      <a:schemeClr val="bg1"/>
+                    </a:solidFill>
+                  </a:tcPr>
+                </a:tc>
+                <a:tc>
+                  <a:txBody>
+                    <a:bodyPr/>
+                    <a:p>
+                      <a:pPr algn="ctr">
+                        <a:lnSpc>
+                          <a:spcPct val="110000"/>
+                        </a:lnSpc>
+                        <a:buNone/>
+                      </a:pPr>
+                      <a:r>
+                        <a:rPr lang="en-US" altLang="zh-CN"/>
+                        <a:t>2</a:t>
+                      </a:r>
+                      <a:endParaRPr lang="en-US" altLang="zh-CN"/>
+                    </a:p>
+                  </a:txBody>
+                  <a:tcPr>
+                    <a:solidFill>
+                      <a:schemeClr val="bg1"/>
+                    </a:solidFill>
+                  </a:tcPr>
+                </a:tc>
+                <a:tc>
+                  <a:txBody>
+                    <a:bodyPr/>
+                    <a:p>
+                      <a:pPr algn="ctr">
+                        <a:lnSpc>
+                          <a:spcPct val="110000"/>
+                        </a:lnSpc>
+                        <a:buNone/>
+                      </a:pPr>
+                      <a:r>
+                        <a:rPr lang="en-US" altLang="zh-CN"/>
+                        <a:t>-</a:t>
+                      </a:r>
+                      <a:endParaRPr lang="en-US" altLang="zh-CN"/>
+                    </a:p>
+                  </a:txBody>
+                  <a:tcPr>
+                    <a:solidFill>
+                      <a:schemeClr val="bg1"/>
+                    </a:solidFill>
+                  </a:tcPr>
+                </a:tc>
+                <a:tc>
+                  <a:txBody>
+                    <a:bodyPr/>
+                    <a:p>
+                      <a:pPr algn="ctr">
+                        <a:lnSpc>
+                          <a:spcPct val="110000"/>
+                        </a:lnSpc>
+                        <a:buNone/>
+                      </a:pPr>
+                      <a:r>
+                        <a:rPr lang="en-US" altLang="zh-CN"/>
+                        <a:t>5</a:t>
+                      </a:r>
+                      <a:endParaRPr lang="en-US" altLang="zh-CN"/>
+                    </a:p>
+                  </a:txBody>
+                  <a:tcPr>
+                    <a:solidFill>
+                      <a:schemeClr val="bg1"/>
+                    </a:solidFill>
+                  </a:tcPr>
+                </a:tc>
+                <a:tc>
+                  <a:txBody>
+                    <a:bodyPr/>
+                    <a:p>
+                      <a:pPr algn="ctr">
+                        <a:lnSpc>
+                          <a:spcPct val="110000"/>
+                        </a:lnSpc>
+                        <a:buNone/>
+                      </a:pPr>
+                      <a:r>
+                        <a:rPr lang="en-US" altLang="zh-CN"/>
+                        <a:t>*</a:t>
+                      </a:r>
+                      <a:endParaRPr lang="en-US" altLang="zh-CN"/>
+                    </a:p>
+                  </a:txBody>
+                  <a:tcPr>
+                    <a:solidFill>
+                      <a:schemeClr val="bg1"/>
+                    </a:solidFill>
+                  </a:tcPr>
+                </a:tc>
+                <a:tc>
+                  <a:txBody>
+                    <a:bodyPr/>
+                    <a:p>
+                      <a:pPr algn="ctr">
+                        <a:lnSpc>
+                          <a:spcPct val="110000"/>
+                        </a:lnSpc>
+                        <a:buNone/>
+                      </a:pPr>
+                      <a:r>
+                        <a:rPr lang="en-US" altLang="zh-CN"/>
+                        <a:t>2</a:t>
+                      </a:r>
+                      <a:endParaRPr lang="en-US" altLang="zh-CN"/>
+                    </a:p>
+                  </a:txBody>
+                  <a:tcPr>
+                    <a:solidFill>
+                      <a:schemeClr val="bg1"/>
+                    </a:solidFill>
+                  </a:tcPr>
+                </a:tc>
+              </a:tr>
+            </a:tbl>
+          </a:graphicData>
+        </a:graphic>
+      </p:graphicFrame>
+      <p:grpSp>
+        <p:nvGrpSpPr>
+          <p:cNvPr id="15" name="组合 14"/>
+          <p:cNvGrpSpPr/>
+          <p:nvPr/>
+        </p:nvGrpSpPr>
+        <p:grpSpPr>
+          <a:xfrm>
+            <a:off x="113665" y="2862616"/>
+            <a:ext cx="805778" cy="633694"/>
+            <a:chOff x="6650" y="8285"/>
+            <a:chExt cx="2311" cy="1393"/>
+          </a:xfrm>
+        </p:grpSpPr>
+        <p:sp>
+          <p:nvSpPr>
+            <p:cNvPr id="16" name="下箭头 15"/>
+            <p:cNvSpPr/>
+            <p:nvPr/>
+          </p:nvSpPr>
+          <p:spPr>
+            <a:xfrm>
+              <a:off x="7617" y="9033"/>
+              <a:ext cx="367" cy="645"/>
+            </a:xfrm>
+            <a:prstGeom prst="downArrow">
+              <a:avLst/>
+            </a:prstGeom>
+            <a:solidFill>
+              <a:schemeClr val="accent2"/>
+            </a:solidFill>
+          </p:spPr>
+          <p:style>
+            <a:lnRef idx="2">
+              <a:schemeClr val="accent1">
+                <a:shade val="50000"/>
+              </a:schemeClr>
+            </a:lnRef>
+            <a:fillRef idx="1">
+              <a:schemeClr val="accent1"/>
+            </a:fillRef>
+            <a:effectRef idx="0">
+              <a:schemeClr val="accent1"/>
+            </a:effectRef>
+            <a:fontRef idx="minor">
+              <a:schemeClr val="lt1"/>
+            </a:fontRef>
+          </p:style>
+          <p:txBody>
+            <a:bodyPr rtlCol="0" anchor="ctr"/>
+            <a:p>
+              <a:pPr algn="ctr"/>
+              <a:endParaRPr lang="zh-CN" altLang="en-US"/>
+            </a:p>
+          </p:txBody>
+        </p:sp>
+        <p:sp>
+          <p:nvSpPr>
+            <p:cNvPr id="17" name="文本框 16"/>
+            <p:cNvSpPr txBox="1"/>
+            <p:nvPr/>
+          </p:nvSpPr>
+          <p:spPr>
+            <a:xfrm>
+              <a:off x="6650" y="8285"/>
+              <a:ext cx="2311" cy="606"/>
+            </a:xfrm>
+            <a:prstGeom prst="rect">
+              <a:avLst/>
+            </a:prstGeom>
+            <a:noFill/>
+          </p:spPr>
+          <p:txBody>
+            <a:bodyPr wrap="square" rtlCol="0">
+              <a:spAutoFit/>
+            </a:bodyPr>
+            <a:p>
+              <a:pPr algn="ctr"/>
+              <a:r>
+                <a:rPr lang="en-US" altLang="zh-CN" sz="1200" b="1">
+                  <a:solidFill>
+                    <a:schemeClr val="bg1"/>
+                  </a:solidFill>
+                </a:rPr>
+                <a:t>preSign</a:t>
+              </a:r>
+              <a:endParaRPr lang="en-US" altLang="zh-CN" sz="1200" b="1">
+                <a:solidFill>
+                  <a:schemeClr val="bg1"/>
+                </a:solidFill>
+              </a:endParaRPr>
+            </a:p>
+          </p:txBody>
+        </p:sp>
+      </p:grpSp>
+    </p:spTree>
+  </p:cSld>
+  <p:clrMapOvr>
+    <a:masterClrMapping/>
+  </p:clrMapOvr>
+  <p:timing>
+    <p:tnLst>
+      <p:par>
+        <p:cTn id="1" dur="indefinite" restart="never" nodeType="tmRoot">
+          <p:childTnLst>
+            <p:seq concurrent="1" nextAc="seek">
+              <p:cTn id="2" dur="indefinite" nodeType="mainSeq">
+                <p:childTnLst>
+                  <p:par>
+                    <p:cTn id="3" fill="hold">
+                      <p:stCondLst>
+                        <p:cond delay="indefinite"/>
+                      </p:stCondLst>
+                      <p:childTnLst>
+                        <p:par>
+                          <p:cTn id="4" fill="hold">
+                            <p:stCondLst>
+                              <p:cond delay="0"/>
+                            </p:stCondLst>
+                            <p:childTnLst>
+                              <p:par>
+                                <p:cTn id="5" presetID="63" presetClass="path" presetSubtype="0" accel="50000" decel="50000" fill="hold" nodeType="clickEffect">
+                                  <p:stCondLst>
+                                    <p:cond delay="0"/>
+                                  </p:stCondLst>
+                                  <p:childTnLst>
+                                    <p:animMotion origin="layout" path="M 0.000000 0.000000 L 0.260365 -0.001852 " pathEditMode="relative" rAng="0" ptsTypes="">
+                                      <p:cBhvr>
+                                        <p:cTn id="6" dur="500" fill="hold"/>
+                                        <p:tgtEl>
+                                          <p:spTgt spid="15"/>
+                                        </p:tgtEl>
+                                        <p:attrNameLst>
+                                          <p:attrName>ppt_x</p:attrName>
+                                          <p:attrName>ppt_y</p:attrName>
+                                        </p:attrNameLst>
+                                      </p:cBhvr>
+                                      <p:rCtr x="130" y="-1"/>
+                                    </p:animMotion>
+                                  </p:childTnLst>
+                                </p:cTn>
+                              </p:par>
+                            </p:childTnLst>
+                          </p:cTn>
+                        </p:par>
+                      </p:childTnLst>
+                    </p:cTn>
+                  </p:par>
+                </p:childTnLst>
+              </p:cTn>
+              <p:prevCondLst>
+                <p:cond evt="onPrev" delay="0">
+                  <p:tgtEl>
+                    <p:sldTgt/>
+                  </p:tgtEl>
+                </p:cond>
+              </p:prevCondLst>
+              <p:nextCondLst>
+                <p:cond evt="onNext" delay="0">
+                  <p:tgtEl>
+                    <p:sldTgt/>
+                  </p:tgtEl>
+                </p:cond>
+              </p:nextCondLst>
+            </p:seq>
+          </p:childTnLst>
+        </p:cTn>
+      </p:par>
+    </p:tnLst>
+  </p:timing>
+</p:sld>
+</file>
+
+<file path=ppt/slides/slide15.xml><?xml version="1.0" encoding="utf-8"?>
+<p:sld xmlns:a="http://schemas.openxmlformats.org/drawingml/2006/main" xmlns:r="http://schemas.openxmlformats.org/officeDocument/2006/relationships" xmlns:p="http://schemas.openxmlformats.org/presentationml/2006/main">
+  <p:cSld>
+    <p:bg>
+      <p:bgPr>
+        <a:solidFill>
+          <a:schemeClr val="tx2"/>
+        </a:solidFill>
+        <a:effectLst/>
+      </p:bgPr>
+    </p:bg>
+    <p:spTree>
+      <p:nvGrpSpPr>
+        <p:cNvPr id="1" name=""/>
+        <p:cNvGrpSpPr/>
+        <p:nvPr/>
+      </p:nvGrpSpPr>
+      <p:grpSpPr/>
+      <p:sp>
+        <p:nvSpPr>
+          <p:cNvPr id="38" name="椭圆 37"/>
+          <p:cNvSpPr/>
+          <p:nvPr/>
+        </p:nvSpPr>
+        <p:spPr>
+          <a:xfrm>
+            <a:off x="1731010" y="3073400"/>
+            <a:ext cx="360000" cy="360000"/>
+          </a:xfrm>
+          <a:prstGeom prst="ellipse">
+            <a:avLst/>
+          </a:prstGeom>
+        </p:spPr>
+        <p:style>
+          <a:lnRef idx="2">
+            <a:schemeClr val="accent1">
+              <a:shade val="50000"/>
+            </a:schemeClr>
+          </a:lnRef>
+          <a:fillRef idx="1">
+            <a:schemeClr val="accent1"/>
+          </a:fillRef>
+          <a:effectRef idx="0">
+            <a:schemeClr val="accent1"/>
+          </a:effectRef>
+          <a:fontRef idx="minor">
+            <a:schemeClr val="lt1"/>
+          </a:fontRef>
+        </p:style>
+        <p:txBody>
+          <a:bodyPr rtlCol="0" anchor="ctr"/>
+          <a:p>
+            <a:pPr algn="ctr"/>
+            <a:r>
+              <a:rPr lang="en-US" altLang="zh-CN" sz="1600"/>
+              <a:t>#</a:t>
+            </a:r>
+            <a:endParaRPr lang="en-US" altLang="zh-CN" sz="1600"/>
+          </a:p>
+        </p:txBody>
+      </p:sp>
+      <p:grpSp>
+        <p:nvGrpSpPr>
+          <p:cNvPr id="37" name="组合 36"/>
+          <p:cNvGrpSpPr/>
+          <p:nvPr/>
+        </p:nvGrpSpPr>
+        <p:grpSpPr>
+          <a:xfrm>
+            <a:off x="1165860" y="3073400"/>
+            <a:ext cx="1461770" cy="1242695"/>
+            <a:chOff x="1840" y="4840"/>
+            <a:chExt cx="2302" cy="1957"/>
+          </a:xfrm>
+        </p:grpSpPr>
+        <p:sp>
+          <p:nvSpPr>
+            <p:cNvPr id="31" name="椭圆 30"/>
+            <p:cNvSpPr/>
+            <p:nvPr/>
+          </p:nvSpPr>
+          <p:spPr>
+            <a:xfrm>
+              <a:off x="3576" y="6231"/>
+              <a:ext cx="567" cy="567"/>
+            </a:xfrm>
+            <a:prstGeom prst="ellipse">
+              <a:avLst/>
+            </a:prstGeom>
+          </p:spPr>
+          <p:style>
+            <a:lnRef idx="2">
+              <a:schemeClr val="accent1">
+                <a:shade val="50000"/>
+              </a:schemeClr>
+            </a:lnRef>
+            <a:fillRef idx="1">
+              <a:schemeClr val="accent1"/>
+            </a:fillRef>
+            <a:effectRef idx="0">
+              <a:schemeClr val="accent1"/>
+            </a:effectRef>
+            <a:fontRef idx="minor">
+              <a:schemeClr val="lt1"/>
+            </a:fontRef>
+          </p:style>
+          <p:txBody>
+            <a:bodyPr rtlCol="0" anchor="ctr"/>
+            <a:p>
+              <a:pPr algn="ctr"/>
+              <a:r>
+                <a:rPr lang="en-US" altLang="zh-CN" sz="1600"/>
+                <a:t>#</a:t>
+              </a:r>
+              <a:endParaRPr lang="en-US" altLang="zh-CN" sz="1600"/>
+            </a:p>
+          </p:txBody>
+        </p:sp>
+        <p:sp>
+          <p:nvSpPr>
+            <p:cNvPr id="33" name="椭圆 32"/>
+            <p:cNvSpPr/>
+            <p:nvPr/>
+          </p:nvSpPr>
+          <p:spPr>
+            <a:xfrm>
+              <a:off x="1840" y="6231"/>
+              <a:ext cx="567" cy="567"/>
+            </a:xfrm>
+            <a:prstGeom prst="ellipse">
+              <a:avLst/>
+            </a:prstGeom>
+          </p:spPr>
+          <p:style>
+            <a:lnRef idx="2">
+              <a:schemeClr val="accent1">
+                <a:shade val="50000"/>
+              </a:schemeClr>
+            </a:lnRef>
+            <a:fillRef idx="1">
+              <a:schemeClr val="accent1"/>
+            </a:fillRef>
+            <a:effectRef idx="0">
+              <a:schemeClr val="accent1"/>
+            </a:effectRef>
+            <a:fontRef idx="minor">
+              <a:schemeClr val="lt1"/>
+            </a:fontRef>
+          </p:style>
+          <p:txBody>
+            <a:bodyPr rtlCol="0" anchor="ctr"/>
+            <a:p>
+              <a:pPr algn="ctr"/>
+              <a:r>
+                <a:rPr lang="en-US" altLang="zh-CN" sz="1600"/>
+                <a:t>#</a:t>
+              </a:r>
+              <a:endParaRPr lang="en-US" altLang="zh-CN" sz="1600"/>
+            </a:p>
+          </p:txBody>
+        </p:sp>
+        <p:sp>
+          <p:nvSpPr>
+            <p:cNvPr id="3" name="椭圆 2"/>
+            <p:cNvSpPr/>
+            <p:nvPr/>
+          </p:nvSpPr>
+          <p:spPr>
+            <a:xfrm>
+              <a:off x="2726" y="4840"/>
+              <a:ext cx="567" cy="567"/>
+            </a:xfrm>
+            <a:prstGeom prst="ellipse">
+              <a:avLst/>
+            </a:prstGeom>
+          </p:spPr>
+          <p:style>
+            <a:lnRef idx="2">
+              <a:schemeClr val="accent1">
+                <a:shade val="50000"/>
+              </a:schemeClr>
+            </a:lnRef>
+            <a:fillRef idx="1">
+              <a:schemeClr val="accent1"/>
+            </a:fillRef>
+            <a:effectRef idx="0">
+              <a:schemeClr val="accent1"/>
+            </a:effectRef>
+            <a:fontRef idx="minor">
+              <a:schemeClr val="lt1"/>
+            </a:fontRef>
+          </p:style>
+          <p:txBody>
+            <a:bodyPr rtlCol="0" anchor="ctr"/>
+            <a:p>
+              <a:pPr algn="ctr"/>
+              <a:r>
+                <a:rPr lang="en-US" altLang="zh-CN" sz="1600"/>
+                <a:t>1</a:t>
+              </a:r>
+              <a:endParaRPr lang="en-US" altLang="zh-CN" sz="1600"/>
+            </a:p>
+          </p:txBody>
+        </p:sp>
+        <p:cxnSp>
+          <p:nvCxnSpPr>
+            <p:cNvPr id="7" name="直接连接符 6"/>
+            <p:cNvCxnSpPr/>
+            <p:nvPr/>
+          </p:nvCxnSpPr>
+          <p:spPr>
+            <a:xfrm flipH="1">
+              <a:off x="2544" y="5585"/>
+              <a:ext cx="236" cy="361"/>
+            </a:xfrm>
+            <a:prstGeom prst="line">
+              <a:avLst/>
+            </a:prstGeom>
+          </p:spPr>
+          <p:style>
+            <a:lnRef idx="1">
+              <a:schemeClr val="accent1"/>
+            </a:lnRef>
+            <a:fillRef idx="0">
+              <a:schemeClr val="accent1"/>
+            </a:fillRef>
+            <a:effectRef idx="0">
+              <a:schemeClr val="accent1"/>
+            </a:effectRef>
+            <a:fontRef idx="minor">
+              <a:schemeClr val="tx1"/>
+            </a:fontRef>
+          </p:style>
+        </p:cxnSp>
+        <p:cxnSp>
+          <p:nvCxnSpPr>
+            <p:cNvPr id="8" name="直接连接符 7"/>
+            <p:cNvCxnSpPr/>
+            <p:nvPr/>
+          </p:nvCxnSpPr>
+          <p:spPr>
+            <a:xfrm>
+              <a:off x="3148" y="5602"/>
+              <a:ext cx="245" cy="329"/>
+            </a:xfrm>
+            <a:prstGeom prst="line">
+              <a:avLst/>
+            </a:prstGeom>
+          </p:spPr>
+          <p:style>
+            <a:lnRef idx="1">
+              <a:schemeClr val="accent1"/>
+            </a:lnRef>
+            <a:fillRef idx="0">
+              <a:schemeClr val="accent1"/>
+            </a:fillRef>
+            <a:effectRef idx="0">
+              <a:schemeClr val="accent1"/>
+            </a:effectRef>
+            <a:fontRef idx="minor">
+              <a:schemeClr val="tx1"/>
+            </a:fontRef>
+          </p:style>
+        </p:cxnSp>
+      </p:grpSp>
+      <p:grpSp>
+        <p:nvGrpSpPr>
+          <p:cNvPr id="36" name="组合 35"/>
+          <p:cNvGrpSpPr/>
+          <p:nvPr/>
+        </p:nvGrpSpPr>
+        <p:grpSpPr>
+          <a:xfrm>
+            <a:off x="2030730" y="3956685"/>
+            <a:ext cx="973455" cy="1169670"/>
+            <a:chOff x="3201" y="6231"/>
+            <a:chExt cx="1533" cy="1842"/>
+          </a:xfrm>
+        </p:grpSpPr>
+        <p:sp>
+          <p:nvSpPr>
+            <p:cNvPr id="5" name="椭圆 4"/>
+            <p:cNvSpPr/>
+            <p:nvPr/>
+          </p:nvSpPr>
+          <p:spPr>
+            <a:xfrm>
+              <a:off x="3574" y="6231"/>
+              <a:ext cx="567" cy="567"/>
+            </a:xfrm>
+            <a:prstGeom prst="ellipse">
+              <a:avLst/>
+            </a:prstGeom>
+          </p:spPr>
+          <p:style>
+            <a:lnRef idx="2">
+              <a:schemeClr val="accent1">
+                <a:shade val="50000"/>
+              </a:schemeClr>
+            </a:lnRef>
+            <a:fillRef idx="1">
+              <a:schemeClr val="accent1"/>
+            </a:fillRef>
+            <a:effectRef idx="0">
+              <a:schemeClr val="accent1"/>
+            </a:effectRef>
+            <a:fontRef idx="minor">
+              <a:schemeClr val="lt1"/>
+            </a:fontRef>
+          </p:style>
+          <p:txBody>
+            <a:bodyPr rtlCol="0" anchor="ctr"/>
+            <a:p>
+              <a:pPr algn="ctr"/>
+              <a:r>
+                <a:rPr lang="en-US" altLang="zh-CN" sz="1600"/>
+                <a:t>3</a:t>
+              </a:r>
+              <a:endParaRPr lang="en-US" altLang="zh-CN" sz="1600"/>
+            </a:p>
+          </p:txBody>
+        </p:sp>
+        <p:sp>
+          <p:nvSpPr>
+            <p:cNvPr id="19" name="椭圆 18"/>
+            <p:cNvSpPr/>
+            <p:nvPr/>
+          </p:nvSpPr>
+          <p:spPr>
+            <a:xfrm>
+              <a:off x="3201" y="7501"/>
+              <a:ext cx="567" cy="567"/>
+            </a:xfrm>
+            <a:prstGeom prst="ellipse">
+              <a:avLst/>
+            </a:prstGeom>
+          </p:spPr>
+          <p:style>
+            <a:lnRef idx="2">
+              <a:schemeClr val="accent1">
+                <a:shade val="50000"/>
+              </a:schemeClr>
+            </a:lnRef>
+            <a:fillRef idx="1">
+              <a:schemeClr val="accent1"/>
+            </a:fillRef>
+            <a:effectRef idx="0">
+              <a:schemeClr val="accent1"/>
+            </a:effectRef>
+            <a:fontRef idx="minor">
+              <a:schemeClr val="lt1"/>
+            </a:fontRef>
+          </p:style>
+          <p:txBody>
+            <a:bodyPr rtlCol="0" anchor="ctr"/>
+            <a:p>
+              <a:pPr algn="ctr"/>
+              <a:r>
+                <a:rPr lang="en-US" altLang="zh-CN" sz="1600"/>
+                <a:t>#</a:t>
+              </a:r>
+              <a:endParaRPr lang="en-US" altLang="zh-CN" sz="1600"/>
+            </a:p>
+          </p:txBody>
+        </p:sp>
+        <p:cxnSp>
+          <p:nvCxnSpPr>
+            <p:cNvPr id="20" name="直接连接符 19"/>
+            <p:cNvCxnSpPr/>
+            <p:nvPr/>
+          </p:nvCxnSpPr>
+          <p:spPr>
+            <a:xfrm flipH="1">
+              <a:off x="3566" y="7083"/>
+              <a:ext cx="236" cy="361"/>
+            </a:xfrm>
+            <a:prstGeom prst="line">
+              <a:avLst/>
+            </a:prstGeom>
+          </p:spPr>
+          <p:style>
+            <a:lnRef idx="1">
+              <a:schemeClr val="accent1"/>
+            </a:lnRef>
+            <a:fillRef idx="0">
+              <a:schemeClr val="accent1"/>
+            </a:fillRef>
+            <a:effectRef idx="0">
+              <a:schemeClr val="accent1"/>
+            </a:effectRef>
+            <a:fontRef idx="minor">
+              <a:schemeClr val="tx1"/>
+            </a:fontRef>
+          </p:style>
+        </p:cxnSp>
+        <p:cxnSp>
+          <p:nvCxnSpPr>
+            <p:cNvPr id="21" name="直接连接符 20"/>
+            <p:cNvCxnSpPr/>
+            <p:nvPr/>
+          </p:nvCxnSpPr>
+          <p:spPr>
+            <a:xfrm>
+              <a:off x="4170" y="7100"/>
+              <a:ext cx="245" cy="329"/>
+            </a:xfrm>
+            <a:prstGeom prst="line">
+              <a:avLst/>
+            </a:prstGeom>
+          </p:spPr>
+          <p:style>
+            <a:lnRef idx="1">
+              <a:schemeClr val="accent1"/>
+            </a:lnRef>
+            <a:fillRef idx="0">
+              <a:schemeClr val="accent1"/>
+            </a:fillRef>
+            <a:effectRef idx="0">
+              <a:schemeClr val="accent1"/>
+            </a:effectRef>
+            <a:fontRef idx="minor">
+              <a:schemeClr val="tx1"/>
+            </a:fontRef>
+          </p:style>
+        </p:cxnSp>
+        <p:sp>
+          <p:nvSpPr>
+            <p:cNvPr id="30" name="椭圆 29"/>
+            <p:cNvSpPr/>
+            <p:nvPr/>
+          </p:nvSpPr>
+          <p:spPr>
+            <a:xfrm>
+              <a:off x="4168" y="7507"/>
+              <a:ext cx="567" cy="567"/>
+            </a:xfrm>
+            <a:prstGeom prst="ellipse">
+              <a:avLst/>
+            </a:prstGeom>
+          </p:spPr>
+          <p:style>
+            <a:lnRef idx="2">
+              <a:schemeClr val="accent1">
+                <a:shade val="50000"/>
+              </a:schemeClr>
+            </a:lnRef>
+            <a:fillRef idx="1">
+              <a:schemeClr val="accent1"/>
+            </a:fillRef>
+            <a:effectRef idx="0">
+              <a:schemeClr val="accent1"/>
+            </a:effectRef>
+            <a:fontRef idx="minor">
+              <a:schemeClr val="lt1"/>
+            </a:fontRef>
+          </p:style>
+          <p:txBody>
+            <a:bodyPr rtlCol="0" anchor="ctr"/>
+            <a:p>
+              <a:pPr algn="ctr"/>
+              <a:r>
+                <a:rPr lang="en-US" altLang="zh-CN" sz="1600"/>
+                <a:t>#</a:t>
+              </a:r>
+              <a:endParaRPr lang="en-US" altLang="zh-CN" sz="1600"/>
+            </a:p>
+          </p:txBody>
+        </p:sp>
+      </p:grpSp>
+      <p:grpSp>
+        <p:nvGrpSpPr>
+          <p:cNvPr id="28" name="组合 27"/>
+          <p:cNvGrpSpPr/>
+          <p:nvPr/>
+        </p:nvGrpSpPr>
+        <p:grpSpPr>
+          <a:xfrm>
+            <a:off x="2498725" y="4763135"/>
+            <a:ext cx="943610" cy="1135380"/>
+            <a:chOff x="3942" y="7501"/>
+            <a:chExt cx="1486" cy="1788"/>
+          </a:xfrm>
+        </p:grpSpPr>
+        <p:sp>
+          <p:nvSpPr>
+            <p:cNvPr id="18" name="椭圆 17"/>
+            <p:cNvSpPr/>
+            <p:nvPr/>
+          </p:nvSpPr>
+          <p:spPr>
+            <a:xfrm>
+              <a:off x="4168" y="7501"/>
+              <a:ext cx="567" cy="567"/>
+            </a:xfrm>
+            <a:prstGeom prst="ellipse">
+              <a:avLst/>
+            </a:prstGeom>
+          </p:spPr>
+          <p:style>
+            <a:lnRef idx="2">
+              <a:schemeClr val="accent1">
+                <a:shade val="50000"/>
+              </a:schemeClr>
+            </a:lnRef>
+            <a:fillRef idx="1">
+              <a:schemeClr val="accent1"/>
+            </a:fillRef>
+            <a:effectRef idx="0">
+              <a:schemeClr val="accent1"/>
+            </a:effectRef>
+            <a:fontRef idx="minor">
+              <a:schemeClr val="lt1"/>
+            </a:fontRef>
+          </p:style>
+          <p:txBody>
+            <a:bodyPr rtlCol="0" anchor="ctr"/>
+            <a:p>
+              <a:pPr algn="ctr"/>
+              <a:r>
+                <a:rPr lang="en-US" altLang="zh-CN" sz="1600"/>
+                <a:t>4</a:t>
+              </a:r>
+              <a:endParaRPr lang="en-US" altLang="zh-CN" sz="1600"/>
+            </a:p>
+          </p:txBody>
+        </p:sp>
+        <p:sp>
+          <p:nvSpPr>
+            <p:cNvPr id="22" name="椭圆 21"/>
+            <p:cNvSpPr/>
+            <p:nvPr/>
+          </p:nvSpPr>
+          <p:spPr>
+            <a:xfrm>
+              <a:off x="4862" y="8723"/>
+              <a:ext cx="567" cy="567"/>
+            </a:xfrm>
+            <a:prstGeom prst="ellipse">
+              <a:avLst/>
+            </a:prstGeom>
+          </p:spPr>
+          <p:style>
+            <a:lnRef idx="2">
+              <a:schemeClr val="accent1">
+                <a:shade val="50000"/>
+              </a:schemeClr>
+            </a:lnRef>
+            <a:fillRef idx="1">
+              <a:schemeClr val="accent1"/>
+            </a:fillRef>
+            <a:effectRef idx="0">
+              <a:schemeClr val="accent1"/>
+            </a:effectRef>
+            <a:fontRef idx="minor">
+              <a:schemeClr val="lt1"/>
+            </a:fontRef>
+          </p:style>
+          <p:txBody>
+            <a:bodyPr rtlCol="0" anchor="ctr"/>
+            <a:p>
+              <a:pPr algn="ctr"/>
+              <a:r>
+                <a:rPr lang="en-US" altLang="zh-CN" sz="1600"/>
+                <a:t>#</a:t>
+              </a:r>
+              <a:endParaRPr lang="en-US" altLang="zh-CN" sz="1600"/>
+            </a:p>
+          </p:txBody>
+        </p:sp>
+        <p:sp>
+          <p:nvSpPr>
+            <p:cNvPr id="23" name="椭圆 22"/>
+            <p:cNvSpPr/>
+            <p:nvPr/>
+          </p:nvSpPr>
+          <p:spPr>
+            <a:xfrm>
+              <a:off x="3942" y="8723"/>
+              <a:ext cx="567" cy="567"/>
+            </a:xfrm>
+            <a:prstGeom prst="ellipse">
+              <a:avLst/>
+            </a:prstGeom>
+          </p:spPr>
+          <p:style>
+            <a:lnRef idx="2">
+              <a:schemeClr val="accent1">
+                <a:shade val="50000"/>
+              </a:schemeClr>
+            </a:lnRef>
+            <a:fillRef idx="1">
+              <a:schemeClr val="accent1"/>
+            </a:fillRef>
+            <a:effectRef idx="0">
+              <a:schemeClr val="accent1"/>
+            </a:effectRef>
+            <a:fontRef idx="minor">
+              <a:schemeClr val="lt1"/>
+            </a:fontRef>
+          </p:style>
+          <p:txBody>
+            <a:bodyPr rtlCol="0" anchor="ctr"/>
+            <a:p>
+              <a:pPr algn="ctr"/>
+              <a:r>
+                <a:rPr lang="en-US" altLang="zh-CN" sz="1600"/>
+                <a:t>#</a:t>
+              </a:r>
+              <a:endParaRPr lang="en-US" altLang="zh-CN" sz="1600"/>
+            </a:p>
+          </p:txBody>
+        </p:sp>
+        <p:cxnSp>
+          <p:nvCxnSpPr>
+            <p:cNvPr id="24" name="直接连接符 23"/>
+            <p:cNvCxnSpPr/>
+            <p:nvPr/>
+          </p:nvCxnSpPr>
+          <p:spPr>
+            <a:xfrm flipH="1">
+              <a:off x="4307" y="8305"/>
+              <a:ext cx="236" cy="361"/>
+            </a:xfrm>
+            <a:prstGeom prst="line">
+              <a:avLst/>
+            </a:prstGeom>
+          </p:spPr>
+          <p:style>
+            <a:lnRef idx="1">
+              <a:schemeClr val="accent1"/>
+            </a:lnRef>
+            <a:fillRef idx="0">
+              <a:schemeClr val="accent1"/>
+            </a:fillRef>
+            <a:effectRef idx="0">
+              <a:schemeClr val="accent1"/>
+            </a:effectRef>
+            <a:fontRef idx="minor">
+              <a:schemeClr val="tx1"/>
+            </a:fontRef>
+          </p:style>
+        </p:cxnSp>
+        <p:cxnSp>
+          <p:nvCxnSpPr>
+            <p:cNvPr id="25" name="直接连接符 24"/>
+            <p:cNvCxnSpPr/>
+            <p:nvPr/>
+          </p:nvCxnSpPr>
+          <p:spPr>
+            <a:xfrm>
+              <a:off x="4862" y="8305"/>
+              <a:ext cx="245" cy="329"/>
+            </a:xfrm>
+            <a:prstGeom prst="line">
+              <a:avLst/>
+            </a:prstGeom>
+          </p:spPr>
+          <p:style>
+            <a:lnRef idx="1">
+              <a:schemeClr val="accent1"/>
+            </a:lnRef>
+            <a:fillRef idx="0">
+              <a:schemeClr val="accent1"/>
+            </a:fillRef>
+            <a:effectRef idx="0">
+              <a:schemeClr val="accent1"/>
+            </a:effectRef>
+            <a:fontRef idx="minor">
+              <a:schemeClr val="tx1"/>
+            </a:fontRef>
+          </p:style>
+        </p:cxnSp>
+      </p:grpSp>
+      <p:sp>
+        <p:nvSpPr>
+          <p:cNvPr id="29" name="文本框 28"/>
+          <p:cNvSpPr txBox="1"/>
+          <p:nvPr/>
+        </p:nvSpPr>
+        <p:spPr>
+          <a:xfrm>
+            <a:off x="578486" y="419100"/>
+            <a:ext cx="6907530" cy="706755"/>
+          </a:xfrm>
+          <a:prstGeom prst="rect">
+            <a:avLst/>
+          </a:prstGeom>
+          <a:noFill/>
+        </p:spPr>
+        <p:txBody>
+          <a:bodyPr wrap="none" rtlCol="0">
+            <a:spAutoFit/>
+          </a:bodyPr>
+          <a:p>
+            <a:pPr algn="l"/>
+            <a:r>
+              <a:rPr lang="zh-CN" altLang="en-US" sz="4000" b="1">
+                <a:solidFill>
+                  <a:schemeClr val="bg1"/>
+                </a:solidFill>
+                <a:sym typeface="+mn-ea"/>
+              </a:rPr>
+              <a:t>331. 验证二叉树的前序序列化</a:t>
+            </a:r>
+            <a:endParaRPr lang="zh-CN" altLang="en-US" sz="4000" b="1">
+              <a:solidFill>
+                <a:schemeClr val="bg1"/>
+              </a:solidFill>
+              <a:sym typeface="+mn-ea"/>
+            </a:endParaRPr>
+          </a:p>
+        </p:txBody>
+      </p:sp>
+      <p:sp>
+        <p:nvSpPr>
+          <p:cNvPr id="34" name="文本框 33"/>
+          <p:cNvSpPr txBox="1"/>
+          <p:nvPr/>
+        </p:nvSpPr>
+        <p:spPr>
+          <a:xfrm>
+            <a:off x="608965" y="1240155"/>
+            <a:ext cx="11082655" cy="645160"/>
+          </a:xfrm>
+          <a:prstGeom prst="rect">
+            <a:avLst/>
+          </a:prstGeom>
+          <a:noFill/>
+        </p:spPr>
+        <p:txBody>
+          <a:bodyPr wrap="square" rtlCol="0">
+            <a:spAutoFit/>
+          </a:bodyPr>
+          <a:p>
+            <a:pPr algn="l"/>
+            <a:r>
+              <a:rPr lang="zh-CN" altLang="en-US" b="1">
+                <a:solidFill>
+                  <a:schemeClr val="bg1"/>
+                </a:solidFill>
+                <a:sym typeface="+mn-ea"/>
+              </a:rPr>
+              <a:t>题目：</a:t>
+            </a:r>
+            <a:r>
+              <a:rPr b="1">
+                <a:solidFill>
+                  <a:schemeClr val="bg1"/>
+                </a:solidFill>
+                <a:sym typeface="+mn-ea"/>
+              </a:rPr>
+              <a:t>序列化二叉树的一种方法是使用前序遍历。当我们遇到一个非空节点时，我们可以记录下这个节点的值。如果它是一个空节点，我们可以使用一个标记值记录，例如 #。</a:t>
+            </a:r>
+            <a:endParaRPr b="1">
+              <a:solidFill>
+                <a:schemeClr val="bg1"/>
+              </a:solidFill>
+              <a:sym typeface="+mn-ea"/>
+            </a:endParaRPr>
+          </a:p>
+        </p:txBody>
+      </p:sp>
+      <p:grpSp>
+        <p:nvGrpSpPr>
+          <p:cNvPr id="35" name="组合 34"/>
+          <p:cNvGrpSpPr/>
+          <p:nvPr/>
+        </p:nvGrpSpPr>
+        <p:grpSpPr>
+          <a:xfrm>
+            <a:off x="811530" y="3956685"/>
+            <a:ext cx="944200" cy="1166450"/>
+            <a:chOff x="1319" y="6231"/>
+            <a:chExt cx="1487" cy="1837"/>
+          </a:xfrm>
+        </p:grpSpPr>
+        <p:sp>
+          <p:nvSpPr>
+            <p:cNvPr id="6" name="椭圆 5"/>
+            <p:cNvSpPr/>
+            <p:nvPr/>
+          </p:nvSpPr>
+          <p:spPr>
+            <a:xfrm>
+              <a:off x="1886" y="6231"/>
+              <a:ext cx="567" cy="567"/>
+            </a:xfrm>
+            <a:prstGeom prst="ellipse">
+              <a:avLst/>
+            </a:prstGeom>
+          </p:spPr>
+          <p:style>
+            <a:lnRef idx="2">
+              <a:schemeClr val="accent1">
+                <a:shade val="50000"/>
+              </a:schemeClr>
+            </a:lnRef>
+            <a:fillRef idx="1">
+              <a:schemeClr val="accent1"/>
+            </a:fillRef>
+            <a:effectRef idx="0">
+              <a:schemeClr val="accent1"/>
+            </a:effectRef>
+            <a:fontRef idx="minor">
+              <a:schemeClr val="lt1"/>
+            </a:fontRef>
+          </p:style>
+          <p:txBody>
+            <a:bodyPr rtlCol="0" anchor="ctr"/>
+            <a:p>
+              <a:pPr algn="ctr"/>
+              <a:r>
+                <a:rPr lang="en-US" altLang="zh-CN" sz="1600"/>
+                <a:t>2</a:t>
+              </a:r>
+              <a:endParaRPr lang="en-US" altLang="zh-CN" sz="1600"/>
+            </a:p>
+          </p:txBody>
+        </p:sp>
+        <p:sp>
+          <p:nvSpPr>
+            <p:cNvPr id="9" name="椭圆 8"/>
+            <p:cNvSpPr/>
+            <p:nvPr/>
+          </p:nvSpPr>
+          <p:spPr>
+            <a:xfrm>
+              <a:off x="2239" y="7501"/>
+              <a:ext cx="567" cy="567"/>
+            </a:xfrm>
+            <a:prstGeom prst="ellipse">
+              <a:avLst/>
+            </a:prstGeom>
+          </p:spPr>
+          <p:style>
+            <a:lnRef idx="2">
+              <a:schemeClr val="accent1">
+                <a:shade val="50000"/>
+              </a:schemeClr>
+            </a:lnRef>
+            <a:fillRef idx="1">
+              <a:schemeClr val="accent1"/>
+            </a:fillRef>
+            <a:effectRef idx="0">
+              <a:schemeClr val="accent1"/>
+            </a:effectRef>
+            <a:fontRef idx="minor">
+              <a:schemeClr val="lt1"/>
+            </a:fontRef>
+          </p:style>
+          <p:txBody>
+            <a:bodyPr rtlCol="0" anchor="ctr"/>
+            <a:p>
+              <a:pPr algn="ctr"/>
+              <a:r>
+                <a:rPr lang="en-US" altLang="zh-CN" sz="1600"/>
+                <a:t>#</a:t>
+              </a:r>
+              <a:endParaRPr lang="en-US" altLang="zh-CN" sz="1600"/>
+            </a:p>
+          </p:txBody>
+        </p:sp>
+        <p:sp>
+          <p:nvSpPr>
+            <p:cNvPr id="10" name="椭圆 9"/>
+            <p:cNvSpPr/>
+            <p:nvPr/>
+          </p:nvSpPr>
+          <p:spPr>
+            <a:xfrm>
+              <a:off x="1319" y="7501"/>
+              <a:ext cx="567" cy="567"/>
+            </a:xfrm>
+            <a:prstGeom prst="ellipse">
+              <a:avLst/>
+            </a:prstGeom>
+          </p:spPr>
+          <p:style>
+            <a:lnRef idx="2">
+              <a:schemeClr val="accent1">
+                <a:shade val="50000"/>
+              </a:schemeClr>
+            </a:lnRef>
+            <a:fillRef idx="1">
+              <a:schemeClr val="accent1"/>
+            </a:fillRef>
+            <a:effectRef idx="0">
+              <a:schemeClr val="accent1"/>
+            </a:effectRef>
+            <a:fontRef idx="minor">
+              <a:schemeClr val="lt1"/>
+            </a:fontRef>
+          </p:style>
+          <p:txBody>
+            <a:bodyPr rtlCol="0" anchor="ctr"/>
+            <a:p>
+              <a:pPr algn="ctr"/>
+              <a:r>
+                <a:rPr lang="en-US" altLang="zh-CN" sz="1600"/>
+                <a:t>#</a:t>
+              </a:r>
+              <a:endParaRPr lang="en-US" altLang="zh-CN" sz="1600"/>
+            </a:p>
+          </p:txBody>
+        </p:sp>
+        <p:cxnSp>
+          <p:nvCxnSpPr>
+            <p:cNvPr id="11" name="直接连接符 10"/>
+            <p:cNvCxnSpPr/>
+            <p:nvPr/>
+          </p:nvCxnSpPr>
+          <p:spPr>
+            <a:xfrm flipH="1">
+              <a:off x="1684" y="7083"/>
+              <a:ext cx="236" cy="361"/>
+            </a:xfrm>
+            <a:prstGeom prst="line">
+              <a:avLst/>
+            </a:prstGeom>
+          </p:spPr>
+          <p:style>
+            <a:lnRef idx="1">
+              <a:schemeClr val="accent1"/>
+            </a:lnRef>
+            <a:fillRef idx="0">
+              <a:schemeClr val="accent1"/>
+            </a:fillRef>
+            <a:effectRef idx="0">
+              <a:schemeClr val="accent1"/>
+            </a:effectRef>
+            <a:fontRef idx="minor">
+              <a:schemeClr val="tx1"/>
+            </a:fontRef>
+          </p:style>
+        </p:cxnSp>
+        <p:cxnSp>
+          <p:nvCxnSpPr>
+            <p:cNvPr id="13" name="直接连接符 12"/>
+            <p:cNvCxnSpPr/>
+            <p:nvPr/>
+          </p:nvCxnSpPr>
+          <p:spPr>
+            <a:xfrm>
+              <a:off x="2239" y="7083"/>
+              <a:ext cx="245" cy="329"/>
+            </a:xfrm>
+            <a:prstGeom prst="line">
+              <a:avLst/>
+            </a:prstGeom>
+          </p:spPr>
+          <p:style>
+            <a:lnRef idx="1">
+              <a:schemeClr val="accent1"/>
+            </a:lnRef>
+            <a:fillRef idx="0">
+              <a:schemeClr val="accent1"/>
+            </a:fillRef>
+            <a:effectRef idx="0">
+              <a:schemeClr val="accent1"/>
+            </a:effectRef>
+            <a:fontRef idx="minor">
+              <a:schemeClr val="tx1"/>
+            </a:fontRef>
+          </p:style>
+        </p:cxnSp>
+      </p:grpSp>
+      <p:sp>
+        <p:nvSpPr>
+          <p:cNvPr id="27" name="文本框 26"/>
+          <p:cNvSpPr txBox="1"/>
+          <p:nvPr/>
+        </p:nvSpPr>
+        <p:spPr>
+          <a:xfrm>
+            <a:off x="608965" y="2089150"/>
+            <a:ext cx="2934970" cy="645160"/>
+          </a:xfrm>
+          <a:prstGeom prst="rect">
+            <a:avLst/>
+          </a:prstGeom>
+          <a:noFill/>
+        </p:spPr>
+        <p:txBody>
+          <a:bodyPr wrap="square" rtlCol="0">
+            <a:spAutoFit/>
+          </a:bodyPr>
+          <a:p>
+            <a:pPr algn="l"/>
+            <a:r>
+              <a:rPr lang="zh-CN" altLang="en-US" sz="1200">
+                <a:solidFill>
+                  <a:schemeClr val="bg1"/>
+                </a:solidFill>
+                <a:sym typeface="+mn-ea"/>
+              </a:rPr>
+              <a:t>正确的格式：</a:t>
+            </a:r>
+            <a:endParaRPr lang="zh-CN" altLang="en-US" sz="1200">
+              <a:solidFill>
+                <a:schemeClr val="bg1"/>
+              </a:solidFill>
+              <a:sym typeface="+mn-ea"/>
+            </a:endParaRPr>
+          </a:p>
+          <a:p>
+            <a:pPr algn="l"/>
+            <a:r>
+              <a:rPr lang="en-US" altLang="zh-CN" sz="1200">
+                <a:solidFill>
+                  <a:schemeClr val="bg1"/>
+                </a:solidFill>
+                <a:sym typeface="+mn-ea"/>
+              </a:rPr>
+              <a:t>1</a:t>
+            </a:r>
+            <a:r>
+              <a:rPr lang="zh-CN" altLang="en-US" sz="1200">
+                <a:solidFill>
+                  <a:schemeClr val="bg1"/>
+                </a:solidFill>
+                <a:sym typeface="+mn-ea"/>
+              </a:rPr>
+              <a:t>、叶子节点的左右子节点值为 </a:t>
+            </a:r>
+            <a:r>
+              <a:rPr lang="en-US" altLang="zh-CN" sz="1200">
+                <a:solidFill>
+                  <a:schemeClr val="bg1"/>
+                </a:solidFill>
+                <a:sym typeface="+mn-ea"/>
+              </a:rPr>
+              <a:t>#</a:t>
+            </a:r>
+            <a:endParaRPr lang="en-US" altLang="zh-CN" sz="1200">
+              <a:solidFill>
+                <a:schemeClr val="bg1"/>
+              </a:solidFill>
+              <a:sym typeface="+mn-ea"/>
+            </a:endParaRPr>
+          </a:p>
+          <a:p>
+            <a:pPr algn="l"/>
+            <a:r>
+              <a:rPr lang="en-US" altLang="zh-CN" sz="1200">
+                <a:solidFill>
+                  <a:schemeClr val="bg1"/>
+                </a:solidFill>
+                <a:sym typeface="+mn-ea"/>
+              </a:rPr>
+              <a:t>2</a:t>
+            </a:r>
+            <a:r>
+              <a:rPr lang="zh-CN" altLang="en-US" sz="1200">
+                <a:solidFill>
+                  <a:schemeClr val="bg1"/>
+                </a:solidFill>
+                <a:sym typeface="+mn-ea"/>
+              </a:rPr>
+              <a:t>、非叶子节点值不能为 </a:t>
+            </a:r>
+            <a:r>
+              <a:rPr lang="en-US" altLang="zh-CN" sz="1200">
+                <a:solidFill>
+                  <a:schemeClr val="bg1"/>
+                </a:solidFill>
+                <a:sym typeface="+mn-ea"/>
+              </a:rPr>
+              <a:t>#</a:t>
+            </a:r>
+            <a:endParaRPr lang="en-US" altLang="zh-CN" sz="1200">
+              <a:solidFill>
+                <a:schemeClr val="bg1"/>
+              </a:solidFill>
+              <a:sym typeface="+mn-ea"/>
+            </a:endParaRPr>
+          </a:p>
+        </p:txBody>
+      </p:sp>
+      <p:graphicFrame>
+        <p:nvGraphicFramePr>
+          <p:cNvPr id="39" name="表格 38"/>
+          <p:cNvGraphicFramePr/>
+          <p:nvPr/>
+        </p:nvGraphicFramePr>
+        <p:xfrm>
+          <a:off x="10627995" y="3073400"/>
+          <a:ext cx="454660" cy="3230880"/>
+        </p:xfrm>
+        <a:graphic>
+          <a:graphicData uri="http://schemas.openxmlformats.org/drawingml/2006/table">
+            <a:tbl>
+              <a:tblPr firstRow="1" bandRow="1">
+                <a:tableStyleId>{5940675A-B579-460E-94D1-54222C63F5DA}</a:tableStyleId>
+              </a:tblPr>
+              <a:tblGrid>
+                <a:gridCol w="454660"/>
+              </a:tblGrid>
+              <a:tr h="403860">
+                <a:tc>
+                  <a:txBody>
+                    <a:bodyPr/>
+                    <a:p>
+                      <a:pPr algn="ctr">
+                        <a:lnSpc>
+                          <a:spcPct val="110000"/>
+                        </a:lnSpc>
+                        <a:buNone/>
+                      </a:pPr>
+                      <a:endParaRPr lang="en-US" altLang="zh-CN" sz="1400">
+                        <a:solidFill>
+                          <a:schemeClr val="tx1"/>
+                        </a:solidFill>
+                      </a:endParaRPr>
+                    </a:p>
+                  </a:txBody>
+                  <a:tcPr>
+                    <a:solidFill>
+                      <a:schemeClr val="bg1"/>
+                    </a:solidFill>
+                  </a:tcPr>
+                </a:tc>
+              </a:tr>
+              <a:tr h="403860">
+                <a:tc>
+                  <a:txBody>
+                    <a:bodyPr/>
+                    <a:p>
+                      <a:pPr algn="ctr">
+                        <a:lnSpc>
+                          <a:spcPct val="110000"/>
+                        </a:lnSpc>
+                        <a:buNone/>
+                      </a:pPr>
+                      <a:endParaRPr lang="en-US" altLang="zh-CN" sz="1400">
+                        <a:solidFill>
+                          <a:schemeClr val="tx1"/>
+                        </a:solidFill>
+                      </a:endParaRPr>
+                    </a:p>
+                  </a:txBody>
+                  <a:tcPr>
+                    <a:solidFill>
+                      <a:schemeClr val="bg1"/>
+                    </a:solidFill>
+                  </a:tcPr>
+                </a:tc>
+              </a:tr>
+              <a:tr h="403860">
+                <a:tc>
+                  <a:txBody>
+                    <a:bodyPr/>
+                    <a:p>
+                      <a:pPr algn="ctr">
+                        <a:lnSpc>
+                          <a:spcPct val="110000"/>
+                        </a:lnSpc>
+                        <a:buNone/>
+                      </a:pPr>
+                      <a:endParaRPr lang="zh-CN" altLang="en-US" sz="1400">
+                        <a:solidFill>
+                          <a:schemeClr val="tx1"/>
+                        </a:solidFill>
+                      </a:endParaRPr>
+                    </a:p>
+                  </a:txBody>
+                  <a:tcPr>
+                    <a:solidFill>
+                      <a:schemeClr val="bg1"/>
+                    </a:solidFill>
+                  </a:tcPr>
+                </a:tc>
+              </a:tr>
+              <a:tr h="403860">
+                <a:tc>
+                  <a:txBody>
+                    <a:bodyPr/>
+                    <a:p>
+                      <a:pPr algn="ctr">
+                        <a:lnSpc>
+                          <a:spcPct val="110000"/>
+                        </a:lnSpc>
+                        <a:buNone/>
+                      </a:pPr>
+                      <a:endParaRPr lang="zh-CN" altLang="en-US" sz="1400">
+                        <a:solidFill>
+                          <a:schemeClr val="tx1"/>
+                        </a:solidFill>
+                      </a:endParaRPr>
+                    </a:p>
+                  </a:txBody>
+                  <a:tcPr>
+                    <a:solidFill>
+                      <a:schemeClr val="bg1"/>
+                    </a:solidFill>
+                  </a:tcPr>
+                </a:tc>
+              </a:tr>
+              <a:tr h="403860">
+                <a:tc>
+                  <a:txBody>
+                    <a:bodyPr/>
+                    <a:p>
+                      <a:pPr algn="ctr">
+                        <a:lnSpc>
+                          <a:spcPct val="110000"/>
+                        </a:lnSpc>
+                        <a:buNone/>
+                      </a:pPr>
+                      <a:endParaRPr lang="zh-CN" altLang="en-US" sz="1400">
+                        <a:solidFill>
+                          <a:schemeClr val="tx1"/>
+                        </a:solidFill>
+                      </a:endParaRPr>
+                    </a:p>
+                  </a:txBody>
+                  <a:tcPr>
+                    <a:solidFill>
+                      <a:schemeClr val="bg1"/>
+                    </a:solidFill>
+                  </a:tcPr>
+                </a:tc>
+              </a:tr>
+              <a:tr h="403860">
+                <a:tc>
+                  <a:txBody>
+                    <a:bodyPr/>
+                    <a:p>
+                      <a:pPr algn="ctr">
+                        <a:lnSpc>
+                          <a:spcPct val="110000"/>
+                        </a:lnSpc>
+                        <a:buNone/>
+                      </a:pPr>
+                      <a:endParaRPr lang="en-US" altLang="zh-CN" sz="1400">
+                        <a:solidFill>
+                          <a:schemeClr val="tx1"/>
+                        </a:solidFill>
+                      </a:endParaRPr>
+                    </a:p>
+                  </a:txBody>
+                  <a:tcPr>
+                    <a:solidFill>
+                      <a:schemeClr val="bg1"/>
+                    </a:solidFill>
+                  </a:tcPr>
+                </a:tc>
+              </a:tr>
+              <a:tr h="403860">
+                <a:tc>
+                  <a:txBody>
+                    <a:bodyPr/>
+                    <a:p>
+                      <a:pPr algn="ctr">
+                        <a:lnSpc>
+                          <a:spcPct val="110000"/>
+                        </a:lnSpc>
+                        <a:buNone/>
+                      </a:pPr>
+                      <a:endParaRPr lang="en-US" altLang="zh-CN" sz="1400">
+                        <a:solidFill>
+                          <a:schemeClr val="tx1"/>
+                        </a:solidFill>
+                      </a:endParaRPr>
+                    </a:p>
+                  </a:txBody>
+                  <a:tcPr>
+                    <a:solidFill>
+                      <a:schemeClr val="bg1"/>
+                    </a:solidFill>
+                  </a:tcPr>
+                </a:tc>
+              </a:tr>
+              <a:tr h="403860">
+                <a:tc>
+                  <a:txBody>
+                    <a:bodyPr/>
+                    <a:p>
+                      <a:pPr algn="ctr">
+                        <a:lnSpc>
+                          <a:spcPct val="110000"/>
+                        </a:lnSpc>
+                        <a:buNone/>
+                      </a:pPr>
+                      <a:endParaRPr lang="en-US" altLang="zh-CN" sz="1400">
+                        <a:solidFill>
+                          <a:schemeClr val="tx1"/>
+                        </a:solidFill>
+                      </a:endParaRPr>
+                    </a:p>
+                  </a:txBody>
+                  <a:tcPr>
+                    <a:solidFill>
+                      <a:schemeClr val="bg1"/>
+                    </a:solidFill>
+                  </a:tcPr>
+                </a:tc>
+              </a:tr>
+            </a:tbl>
+          </a:graphicData>
+        </a:graphic>
+      </p:graphicFrame>
+      <p:graphicFrame>
+        <p:nvGraphicFramePr>
+          <p:cNvPr id="40" name="表格 39"/>
+          <p:cNvGraphicFramePr/>
+          <p:nvPr/>
+        </p:nvGraphicFramePr>
+        <p:xfrm>
+          <a:off x="4769485" y="3039745"/>
+          <a:ext cx="4584700" cy="452120"/>
+        </p:xfrm>
+        <a:graphic>
+          <a:graphicData uri="http://schemas.openxmlformats.org/drawingml/2006/table">
+            <a:tbl>
+              <a:tblPr firstRow="1" bandRow="1">
+                <a:tableStyleId>{5940675A-B579-460E-94D1-54222C63F5DA}</a:tableStyleId>
+              </a:tblPr>
+              <a:tblGrid>
+                <a:gridCol w="458470"/>
+                <a:gridCol w="458470"/>
+                <a:gridCol w="458470"/>
+                <a:gridCol w="458470"/>
+                <a:gridCol w="458470"/>
+                <a:gridCol w="458470"/>
+                <a:gridCol w="458470"/>
+                <a:gridCol w="458470"/>
+                <a:gridCol w="458470"/>
+              </a:tblGrid>
+              <a:tr h="452120">
+                <a:tc>
+                  <a:txBody>
+                    <a:bodyPr/>
+                    <a:p>
+                      <a:pPr algn="ctr">
+                        <a:lnSpc>
+                          <a:spcPct val="110000"/>
+                        </a:lnSpc>
+                        <a:buNone/>
+                      </a:pPr>
+                      <a:r>
+                        <a:rPr lang="en-US" altLang="zh-CN"/>
+                        <a:t>1</a:t>
+                      </a:r>
+                      <a:endParaRPr lang="en-US" altLang="zh-CN"/>
+                    </a:p>
+                  </a:txBody>
+                  <a:tcPr>
+                    <a:solidFill>
+                      <a:schemeClr val="bg1"/>
+                    </a:solidFill>
+                  </a:tcPr>
+                </a:tc>
+                <a:tc>
+                  <a:txBody>
+                    <a:bodyPr/>
+                    <a:p>
+                      <a:pPr algn="ctr">
+                        <a:lnSpc>
+                          <a:spcPct val="110000"/>
+                        </a:lnSpc>
+                        <a:buNone/>
+                      </a:pPr>
+                      <a:r>
+                        <a:rPr lang="en-US" altLang="zh-CN"/>
+                        <a:t>2</a:t>
+                      </a:r>
+                      <a:endParaRPr lang="en-US" altLang="zh-CN"/>
+                    </a:p>
+                  </a:txBody>
+                  <a:tcPr>
+                    <a:solidFill>
+                      <a:schemeClr val="bg1"/>
+                    </a:solidFill>
+                  </a:tcPr>
+                </a:tc>
+                <a:tc>
+                  <a:txBody>
+                    <a:bodyPr/>
+                    <a:p>
+                      <a:pPr algn="ctr">
+                        <a:lnSpc>
+                          <a:spcPct val="110000"/>
+                        </a:lnSpc>
+                        <a:buNone/>
+                      </a:pPr>
+                      <a:r>
+                        <a:rPr lang="en-US" altLang="zh-CN"/>
+                        <a:t>#</a:t>
+                      </a:r>
+                      <a:endParaRPr lang="en-US" altLang="zh-CN"/>
+                    </a:p>
+                  </a:txBody>
+                  <a:tcPr>
+                    <a:solidFill>
+                      <a:schemeClr val="bg1"/>
+                    </a:solidFill>
+                  </a:tcPr>
+                </a:tc>
+                <a:tc>
+                  <a:txBody>
+                    <a:bodyPr/>
+                    <a:p>
+                      <a:pPr algn="ctr">
+                        <a:lnSpc>
+                          <a:spcPct val="110000"/>
+                        </a:lnSpc>
+                        <a:buNone/>
+                      </a:pPr>
+                      <a:r>
+                        <a:rPr lang="en-US" altLang="zh-CN"/>
+                        <a:t>#</a:t>
+                      </a:r>
+                      <a:endParaRPr lang="en-US" altLang="zh-CN"/>
+                    </a:p>
+                  </a:txBody>
+                  <a:tcPr>
+                    <a:solidFill>
+                      <a:schemeClr val="bg1"/>
+                    </a:solidFill>
+                  </a:tcPr>
+                </a:tc>
+                <a:tc>
+                  <a:txBody>
+                    <a:bodyPr/>
+                    <a:p>
+                      <a:pPr algn="ctr">
+                        <a:lnSpc>
+                          <a:spcPct val="110000"/>
+                        </a:lnSpc>
+                        <a:buNone/>
+                      </a:pPr>
+                      <a:r>
+                        <a:rPr lang="en-US" altLang="zh-CN"/>
+                        <a:t>3</a:t>
+                      </a:r>
+                      <a:endParaRPr lang="en-US" altLang="zh-CN"/>
+                    </a:p>
+                  </a:txBody>
+                  <a:tcPr>
+                    <a:solidFill>
+                      <a:schemeClr val="bg1"/>
+                    </a:solidFill>
+                  </a:tcPr>
+                </a:tc>
+                <a:tc>
+                  <a:txBody>
+                    <a:bodyPr/>
+                    <a:p>
+                      <a:pPr algn="ctr">
+                        <a:lnSpc>
+                          <a:spcPct val="110000"/>
+                        </a:lnSpc>
+                        <a:buNone/>
+                      </a:pPr>
+                      <a:r>
+                        <a:rPr lang="en-US" altLang="zh-CN"/>
+                        <a:t>#</a:t>
+                      </a:r>
+                      <a:endParaRPr lang="en-US" altLang="zh-CN"/>
+                    </a:p>
+                  </a:txBody>
+                  <a:tcPr>
+                    <a:solidFill>
+                      <a:schemeClr val="bg1"/>
+                    </a:solidFill>
+                  </a:tcPr>
+                </a:tc>
+                <a:tc>
+                  <a:txBody>
+                    <a:bodyPr/>
+                    <a:p>
+                      <a:pPr algn="ctr">
+                        <a:lnSpc>
+                          <a:spcPct val="110000"/>
+                        </a:lnSpc>
+                        <a:buNone/>
+                      </a:pPr>
+                      <a:r>
+                        <a:rPr lang="en-US" altLang="zh-CN"/>
+                        <a:t>4</a:t>
+                      </a:r>
+                      <a:endParaRPr lang="en-US" altLang="zh-CN"/>
+                    </a:p>
+                  </a:txBody>
+                  <a:tcPr>
+                    <a:solidFill>
+                      <a:schemeClr val="bg1"/>
+                    </a:solidFill>
+                  </a:tcPr>
+                </a:tc>
+                <a:tc>
+                  <a:txBody>
+                    <a:bodyPr/>
+                    <a:p>
+                      <a:pPr algn="ctr">
+                        <a:lnSpc>
+                          <a:spcPct val="110000"/>
+                        </a:lnSpc>
+                        <a:buNone/>
+                      </a:pPr>
+                      <a:r>
+                        <a:rPr lang="en-US" altLang="zh-CN"/>
+                        <a:t>#</a:t>
+                      </a:r>
+                      <a:endParaRPr lang="en-US" altLang="zh-CN"/>
+                    </a:p>
+                  </a:txBody>
+                  <a:tcPr>
+                    <a:solidFill>
+                      <a:schemeClr val="bg1"/>
+                    </a:solidFill>
+                  </a:tcPr>
+                </a:tc>
+                <a:tc>
+                  <a:txBody>
+                    <a:bodyPr/>
+                    <a:p>
+                      <a:pPr algn="ctr">
+                        <a:lnSpc>
+                          <a:spcPct val="110000"/>
+                        </a:lnSpc>
+                        <a:buNone/>
+                      </a:pPr>
+                      <a:r>
+                        <a:rPr lang="en-US" altLang="zh-CN"/>
+                        <a:t>#</a:t>
+                      </a:r>
+                      <a:endParaRPr lang="en-US" altLang="zh-CN"/>
+                    </a:p>
+                  </a:txBody>
+                  <a:tcPr>
+                    <a:solidFill>
+                      <a:schemeClr val="bg1"/>
+                    </a:solidFill>
+                  </a:tcPr>
+                </a:tc>
+              </a:tr>
+            </a:tbl>
+          </a:graphicData>
+        </a:graphic>
+      </p:graphicFrame>
+      <p:grpSp>
+        <p:nvGrpSpPr>
+          <p:cNvPr id="44" name="组合 43"/>
+          <p:cNvGrpSpPr/>
+          <p:nvPr/>
+        </p:nvGrpSpPr>
+        <p:grpSpPr>
+          <a:xfrm>
+            <a:off x="4777740" y="2297430"/>
+            <a:ext cx="474345" cy="595630"/>
+            <a:chOff x="7062" y="3830"/>
+            <a:chExt cx="747" cy="938"/>
+          </a:xfrm>
+        </p:grpSpPr>
+        <p:sp>
+          <p:nvSpPr>
+            <p:cNvPr id="42" name="下箭头 41"/>
+            <p:cNvSpPr/>
+            <p:nvPr/>
+          </p:nvSpPr>
+          <p:spPr>
+            <a:xfrm>
+              <a:off x="7352" y="4287"/>
+              <a:ext cx="150" cy="481"/>
+            </a:xfrm>
+            <a:prstGeom prst="downArrow">
+              <a:avLst/>
+            </a:prstGeom>
+            <a:solidFill>
+              <a:schemeClr val="accent2"/>
+            </a:solidFill>
+          </p:spPr>
+          <p:style>
+            <a:lnRef idx="2">
+              <a:schemeClr val="accent1">
+                <a:shade val="50000"/>
+              </a:schemeClr>
+            </a:lnRef>
+            <a:fillRef idx="1">
+              <a:schemeClr val="accent1"/>
+            </a:fillRef>
+            <a:effectRef idx="0">
+              <a:schemeClr val="accent1"/>
+            </a:effectRef>
+            <a:fontRef idx="minor">
+              <a:schemeClr val="lt1"/>
+            </a:fontRef>
+          </p:style>
+          <p:txBody>
+            <a:bodyPr rtlCol="0" anchor="ctr"/>
+            <a:p>
+              <a:pPr algn="ctr"/>
+              <a:endParaRPr lang="zh-CN" altLang="en-US"/>
+            </a:p>
+          </p:txBody>
+        </p:sp>
+        <p:sp>
+          <p:nvSpPr>
+            <p:cNvPr id="43" name="文本框 42"/>
+            <p:cNvSpPr txBox="1"/>
+            <p:nvPr/>
+          </p:nvSpPr>
+          <p:spPr>
+            <a:xfrm>
+              <a:off x="7062" y="3830"/>
+              <a:ext cx="747" cy="434"/>
+            </a:xfrm>
+            <a:prstGeom prst="rect">
+              <a:avLst/>
+            </a:prstGeom>
+            <a:noFill/>
+          </p:spPr>
+          <p:txBody>
+            <a:bodyPr wrap="square" rtlCol="0">
+              <a:spAutoFit/>
+            </a:bodyPr>
+            <a:p>
+              <a:pPr algn="ctr"/>
+              <a:endParaRPr lang="en-US" altLang="zh-CN" sz="1200" b="1">
+                <a:solidFill>
+                  <a:schemeClr val="bg1"/>
+                </a:solidFill>
+              </a:endParaRPr>
+            </a:p>
+          </p:txBody>
+        </p:sp>
+      </p:grpSp>
+      <p:sp>
+        <p:nvSpPr>
+          <p:cNvPr id="46" name="矩形 45"/>
+          <p:cNvSpPr/>
+          <p:nvPr/>
+        </p:nvSpPr>
+        <p:spPr>
+          <a:xfrm>
+            <a:off x="10632440" y="2569845"/>
+            <a:ext cx="432000" cy="360000"/>
+          </a:xfrm>
+          <a:prstGeom prst="rect">
+            <a:avLst/>
+          </a:prstGeom>
+          <a:solidFill>
+            <a:schemeClr val="bg1"/>
+          </a:solidFill>
+          <a:ln>
+            <a:noFill/>
+          </a:ln>
+        </p:spPr>
+        <p:style>
+          <a:lnRef idx="2">
+            <a:schemeClr val="accent1">
+              <a:shade val="50000"/>
+            </a:schemeClr>
+          </a:lnRef>
+          <a:fillRef idx="1">
+            <a:schemeClr val="accent1"/>
+          </a:fillRef>
+          <a:effectRef idx="0">
+            <a:schemeClr val="accent1"/>
+          </a:effectRef>
+          <a:fontRef idx="minor">
+            <a:schemeClr val="lt1"/>
+          </a:fontRef>
+        </p:style>
+        <p:txBody>
+          <a:bodyPr rtlCol="0" anchor="ctr"/>
+          <a:p>
+            <a:pPr algn="ctr"/>
+            <a:r>
+              <a:rPr lang="en-US" altLang="zh-CN">
+                <a:solidFill>
+                  <a:schemeClr val="tx1"/>
+                </a:solidFill>
+              </a:rPr>
+              <a:t>1</a:t>
+            </a:r>
+            <a:endParaRPr lang="en-US" altLang="zh-CN">
+              <a:solidFill>
+                <a:schemeClr val="tx1"/>
+              </a:solidFill>
+            </a:endParaRPr>
+          </a:p>
+        </p:txBody>
+      </p:sp>
+      <p:sp>
+        <p:nvSpPr>
+          <p:cNvPr id="47" name="矩形 46"/>
+          <p:cNvSpPr/>
+          <p:nvPr/>
+        </p:nvSpPr>
+        <p:spPr>
+          <a:xfrm>
+            <a:off x="10632440" y="2569845"/>
+            <a:ext cx="432000" cy="360000"/>
+          </a:xfrm>
+          <a:prstGeom prst="rect">
+            <a:avLst/>
+          </a:prstGeom>
+          <a:solidFill>
+            <a:schemeClr val="bg1"/>
+          </a:solidFill>
+          <a:ln>
+            <a:noFill/>
+          </a:ln>
+        </p:spPr>
+        <p:style>
+          <a:lnRef idx="2">
+            <a:schemeClr val="accent1">
+              <a:shade val="50000"/>
+            </a:schemeClr>
+          </a:lnRef>
+          <a:fillRef idx="1">
+            <a:schemeClr val="accent1"/>
+          </a:fillRef>
+          <a:effectRef idx="0">
+            <a:schemeClr val="accent1"/>
+          </a:effectRef>
+          <a:fontRef idx="minor">
+            <a:schemeClr val="lt1"/>
+          </a:fontRef>
+        </p:style>
+        <p:txBody>
+          <a:bodyPr rtlCol="0" anchor="ctr"/>
+          <a:p>
+            <a:pPr algn="ctr"/>
+            <a:r>
+              <a:rPr lang="en-US" altLang="zh-CN">
+                <a:solidFill>
+                  <a:schemeClr val="tx1"/>
+                </a:solidFill>
+              </a:rPr>
+              <a:t>2</a:t>
+            </a:r>
+            <a:endParaRPr lang="en-US" altLang="zh-CN">
+              <a:solidFill>
+                <a:schemeClr val="tx1"/>
+              </a:solidFill>
+            </a:endParaRPr>
+          </a:p>
+        </p:txBody>
+      </p:sp>
+      <p:sp>
+        <p:nvSpPr>
+          <p:cNvPr id="48" name="矩形 47"/>
+          <p:cNvSpPr/>
+          <p:nvPr/>
+        </p:nvSpPr>
+        <p:spPr>
+          <a:xfrm>
+            <a:off x="10632440" y="2569845"/>
+            <a:ext cx="432000" cy="360000"/>
+          </a:xfrm>
+          <a:prstGeom prst="rect">
+            <a:avLst/>
+          </a:prstGeom>
+          <a:solidFill>
+            <a:schemeClr val="bg1"/>
+          </a:solidFill>
+          <a:ln>
+            <a:noFill/>
+          </a:ln>
+        </p:spPr>
+        <p:style>
+          <a:lnRef idx="2">
+            <a:schemeClr val="accent1">
+              <a:shade val="50000"/>
+            </a:schemeClr>
+          </a:lnRef>
+          <a:fillRef idx="1">
+            <a:schemeClr val="accent1"/>
+          </a:fillRef>
+          <a:effectRef idx="0">
+            <a:schemeClr val="accent1"/>
+          </a:effectRef>
+          <a:fontRef idx="minor">
+            <a:schemeClr val="lt1"/>
+          </a:fontRef>
+        </p:style>
+        <p:txBody>
+          <a:bodyPr rtlCol="0" anchor="ctr"/>
+          <a:p>
+            <a:pPr algn="ctr"/>
+            <a:r>
+              <a:rPr lang="en-US" altLang="zh-CN">
+                <a:solidFill>
+                  <a:schemeClr val="tx1"/>
+                </a:solidFill>
+              </a:rPr>
+              <a:t>#</a:t>
+            </a:r>
+            <a:endParaRPr lang="en-US" altLang="zh-CN">
+              <a:solidFill>
+                <a:schemeClr val="tx1"/>
+              </a:solidFill>
+            </a:endParaRPr>
+          </a:p>
+        </p:txBody>
+      </p:sp>
+      <p:sp>
+        <p:nvSpPr>
+          <p:cNvPr id="49" name="矩形 48"/>
+          <p:cNvSpPr/>
+          <p:nvPr/>
+        </p:nvSpPr>
+        <p:spPr>
+          <a:xfrm>
+            <a:off x="10632440" y="2569845"/>
+            <a:ext cx="432000" cy="360000"/>
+          </a:xfrm>
+          <a:prstGeom prst="rect">
+            <a:avLst/>
+          </a:prstGeom>
+          <a:solidFill>
+            <a:schemeClr val="bg1"/>
+          </a:solidFill>
+          <a:ln>
+            <a:noFill/>
+          </a:ln>
+        </p:spPr>
+        <p:style>
+          <a:lnRef idx="2">
+            <a:schemeClr val="accent1">
+              <a:shade val="50000"/>
+            </a:schemeClr>
+          </a:lnRef>
+          <a:fillRef idx="1">
+            <a:schemeClr val="accent1"/>
+          </a:fillRef>
+          <a:effectRef idx="0">
+            <a:schemeClr val="accent1"/>
+          </a:effectRef>
+          <a:fontRef idx="minor">
+            <a:schemeClr val="lt1"/>
+          </a:fontRef>
+        </p:style>
+        <p:txBody>
+          <a:bodyPr rtlCol="0" anchor="ctr"/>
+          <a:p>
+            <a:pPr algn="ctr"/>
+            <a:r>
+              <a:rPr lang="en-US" altLang="zh-CN">
+                <a:solidFill>
+                  <a:schemeClr val="tx1"/>
+                </a:solidFill>
+              </a:rPr>
+              <a:t>#</a:t>
+            </a:r>
+            <a:endParaRPr lang="en-US" altLang="zh-CN">
+              <a:solidFill>
+                <a:schemeClr val="tx1"/>
+              </a:solidFill>
+            </a:endParaRPr>
+          </a:p>
+        </p:txBody>
+      </p:sp>
+      <p:sp>
+        <p:nvSpPr>
+          <p:cNvPr id="51" name="矩形 50"/>
+          <p:cNvSpPr/>
+          <p:nvPr/>
+        </p:nvSpPr>
+        <p:spPr>
+          <a:xfrm>
+            <a:off x="10632440" y="2569845"/>
+            <a:ext cx="432000" cy="360000"/>
+          </a:xfrm>
+          <a:prstGeom prst="rect">
+            <a:avLst/>
+          </a:prstGeom>
+          <a:solidFill>
+            <a:schemeClr val="bg1"/>
+          </a:solidFill>
+          <a:ln>
+            <a:noFill/>
+          </a:ln>
+        </p:spPr>
+        <p:style>
+          <a:lnRef idx="2">
+            <a:schemeClr val="accent1">
+              <a:shade val="50000"/>
+            </a:schemeClr>
+          </a:lnRef>
+          <a:fillRef idx="1">
+            <a:schemeClr val="accent1"/>
+          </a:fillRef>
+          <a:effectRef idx="0">
+            <a:schemeClr val="accent1"/>
+          </a:effectRef>
+          <a:fontRef idx="minor">
+            <a:schemeClr val="lt1"/>
+          </a:fontRef>
+        </p:style>
+        <p:txBody>
+          <a:bodyPr rtlCol="0" anchor="ctr"/>
+          <a:p>
+            <a:pPr algn="ctr"/>
+            <a:r>
+              <a:rPr lang="en-US" altLang="zh-CN">
+                <a:solidFill>
+                  <a:schemeClr val="tx1"/>
+                </a:solidFill>
+              </a:rPr>
+              <a:t>3</a:t>
+            </a:r>
+            <a:endParaRPr lang="en-US" altLang="zh-CN">
+              <a:solidFill>
+                <a:schemeClr val="tx1"/>
+              </a:solidFill>
+            </a:endParaRPr>
+          </a:p>
+        </p:txBody>
+      </p:sp>
+      <p:sp>
+        <p:nvSpPr>
+          <p:cNvPr id="53" name="矩形 52"/>
+          <p:cNvSpPr/>
+          <p:nvPr/>
+        </p:nvSpPr>
+        <p:spPr>
+          <a:xfrm>
+            <a:off x="10632440" y="2569845"/>
+            <a:ext cx="432000" cy="360000"/>
+          </a:xfrm>
+          <a:prstGeom prst="rect">
+            <a:avLst/>
+          </a:prstGeom>
+          <a:solidFill>
+            <a:schemeClr val="bg1"/>
+          </a:solidFill>
+          <a:ln>
+            <a:noFill/>
+          </a:ln>
+        </p:spPr>
+        <p:style>
+          <a:lnRef idx="2">
+            <a:schemeClr val="accent1">
+              <a:shade val="50000"/>
+            </a:schemeClr>
+          </a:lnRef>
+          <a:fillRef idx="1">
+            <a:schemeClr val="accent1"/>
+          </a:fillRef>
+          <a:effectRef idx="0">
+            <a:schemeClr val="accent1"/>
+          </a:effectRef>
+          <a:fontRef idx="minor">
+            <a:schemeClr val="lt1"/>
+          </a:fontRef>
+        </p:style>
+        <p:txBody>
+          <a:bodyPr rtlCol="0" anchor="ctr"/>
+          <a:p>
+            <a:pPr algn="ctr"/>
+            <a:r>
+              <a:rPr lang="en-US" altLang="zh-CN">
+                <a:solidFill>
+                  <a:schemeClr val="tx1"/>
+                </a:solidFill>
+              </a:rPr>
+              <a:t>#</a:t>
+            </a:r>
+            <a:endParaRPr lang="en-US" altLang="zh-CN">
+              <a:solidFill>
+                <a:schemeClr val="tx1"/>
+              </a:solidFill>
+            </a:endParaRPr>
+          </a:p>
+        </p:txBody>
+      </p:sp>
+      <p:sp>
+        <p:nvSpPr>
+          <p:cNvPr id="54" name="矩形 53"/>
+          <p:cNvSpPr/>
+          <p:nvPr/>
+        </p:nvSpPr>
+        <p:spPr>
+          <a:xfrm>
+            <a:off x="10632440" y="2569845"/>
+            <a:ext cx="432000" cy="360000"/>
+          </a:xfrm>
+          <a:prstGeom prst="rect">
+            <a:avLst/>
+          </a:prstGeom>
+          <a:solidFill>
+            <a:schemeClr val="bg1"/>
+          </a:solidFill>
+          <a:ln>
+            <a:noFill/>
+          </a:ln>
+        </p:spPr>
+        <p:style>
+          <a:lnRef idx="2">
+            <a:schemeClr val="accent1">
+              <a:shade val="50000"/>
+            </a:schemeClr>
+          </a:lnRef>
+          <a:fillRef idx="1">
+            <a:schemeClr val="accent1"/>
+          </a:fillRef>
+          <a:effectRef idx="0">
+            <a:schemeClr val="accent1"/>
+          </a:effectRef>
+          <a:fontRef idx="minor">
+            <a:schemeClr val="lt1"/>
+          </a:fontRef>
+        </p:style>
+        <p:txBody>
+          <a:bodyPr rtlCol="0" anchor="ctr"/>
+          <a:p>
+            <a:pPr algn="ctr"/>
+            <a:r>
+              <a:rPr lang="en-US" altLang="zh-CN">
+                <a:solidFill>
+                  <a:schemeClr val="tx1"/>
+                </a:solidFill>
+              </a:rPr>
+              <a:t>#</a:t>
+            </a:r>
+            <a:endParaRPr lang="en-US" altLang="zh-CN">
+              <a:solidFill>
+                <a:schemeClr val="tx1"/>
+              </a:solidFill>
+            </a:endParaRPr>
+          </a:p>
+        </p:txBody>
+      </p:sp>
+      <p:sp>
+        <p:nvSpPr>
+          <p:cNvPr id="55" name="矩形 54"/>
+          <p:cNvSpPr/>
+          <p:nvPr/>
+        </p:nvSpPr>
+        <p:spPr>
+          <a:xfrm>
+            <a:off x="10632440" y="2569845"/>
+            <a:ext cx="432000" cy="360000"/>
+          </a:xfrm>
+          <a:prstGeom prst="rect">
+            <a:avLst/>
+          </a:prstGeom>
+          <a:solidFill>
+            <a:schemeClr val="bg1"/>
+          </a:solidFill>
+          <a:ln>
+            <a:noFill/>
+          </a:ln>
+        </p:spPr>
+        <p:style>
+          <a:lnRef idx="2">
+            <a:schemeClr val="accent1">
+              <a:shade val="50000"/>
+            </a:schemeClr>
+          </a:lnRef>
+          <a:fillRef idx="1">
+            <a:schemeClr val="accent1"/>
+          </a:fillRef>
+          <a:effectRef idx="0">
+            <a:schemeClr val="accent1"/>
+          </a:effectRef>
+          <a:fontRef idx="minor">
+            <a:schemeClr val="lt1"/>
+          </a:fontRef>
+        </p:style>
+        <p:txBody>
+          <a:bodyPr rtlCol="0" anchor="ctr"/>
+          <a:p>
+            <a:pPr algn="ctr"/>
+            <a:r>
+              <a:rPr lang="en-US" altLang="zh-CN">
+                <a:solidFill>
+                  <a:schemeClr val="tx1"/>
+                </a:solidFill>
+              </a:rPr>
+              <a:t>4</a:t>
+            </a:r>
+            <a:endParaRPr lang="en-US" altLang="zh-CN">
+              <a:solidFill>
+                <a:schemeClr val="tx1"/>
+              </a:solidFill>
+            </a:endParaRPr>
+          </a:p>
+        </p:txBody>
+      </p:sp>
+      <p:sp>
+        <p:nvSpPr>
+          <p:cNvPr id="56" name="矩形 55"/>
+          <p:cNvSpPr/>
+          <p:nvPr/>
+        </p:nvSpPr>
+        <p:spPr>
+          <a:xfrm>
+            <a:off x="10632440" y="2569845"/>
+            <a:ext cx="432000" cy="360000"/>
+          </a:xfrm>
+          <a:prstGeom prst="rect">
+            <a:avLst/>
+          </a:prstGeom>
+          <a:solidFill>
+            <a:schemeClr val="bg1"/>
+          </a:solidFill>
+          <a:ln>
+            <a:noFill/>
+          </a:ln>
+        </p:spPr>
+        <p:style>
+          <a:lnRef idx="2">
+            <a:schemeClr val="accent1">
+              <a:shade val="50000"/>
+            </a:schemeClr>
+          </a:lnRef>
+          <a:fillRef idx="1">
+            <a:schemeClr val="accent1"/>
+          </a:fillRef>
+          <a:effectRef idx="0">
+            <a:schemeClr val="accent1"/>
+          </a:effectRef>
+          <a:fontRef idx="minor">
+            <a:schemeClr val="lt1"/>
+          </a:fontRef>
+        </p:style>
+        <p:txBody>
+          <a:bodyPr rtlCol="0" anchor="ctr"/>
+          <a:p>
+            <a:pPr algn="ctr"/>
+            <a:r>
+              <a:rPr lang="en-US" altLang="zh-CN">
+                <a:solidFill>
+                  <a:schemeClr val="tx1"/>
+                </a:solidFill>
+              </a:rPr>
+              <a:t>#</a:t>
+            </a:r>
+            <a:endParaRPr lang="en-US" altLang="zh-CN">
+              <a:solidFill>
+                <a:schemeClr val="tx1"/>
+              </a:solidFill>
+            </a:endParaRPr>
+          </a:p>
+        </p:txBody>
+      </p:sp>
+      <p:sp>
+        <p:nvSpPr>
+          <p:cNvPr id="57" name="矩形 56"/>
+          <p:cNvSpPr/>
+          <p:nvPr/>
+        </p:nvSpPr>
+        <p:spPr>
+          <a:xfrm>
+            <a:off x="10632440" y="2569845"/>
+            <a:ext cx="432000" cy="360000"/>
+          </a:xfrm>
+          <a:prstGeom prst="rect">
+            <a:avLst/>
+          </a:prstGeom>
+          <a:solidFill>
+            <a:schemeClr val="bg1"/>
+          </a:solidFill>
+          <a:ln>
+            <a:noFill/>
+          </a:ln>
+        </p:spPr>
+        <p:style>
+          <a:lnRef idx="2">
+            <a:schemeClr val="accent1">
+              <a:shade val="50000"/>
+            </a:schemeClr>
+          </a:lnRef>
+          <a:fillRef idx="1">
+            <a:schemeClr val="accent1"/>
+          </a:fillRef>
+          <a:effectRef idx="0">
+            <a:schemeClr val="accent1"/>
+          </a:effectRef>
+          <a:fontRef idx="minor">
+            <a:schemeClr val="lt1"/>
+          </a:fontRef>
+        </p:style>
+        <p:txBody>
+          <a:bodyPr rtlCol="0" anchor="ctr"/>
+          <a:p>
+            <a:pPr algn="ctr"/>
+            <a:r>
+              <a:rPr lang="en-US" altLang="zh-CN">
+                <a:solidFill>
+                  <a:schemeClr val="tx1"/>
+                </a:solidFill>
+              </a:rPr>
+              <a:t>#</a:t>
+            </a:r>
+            <a:endParaRPr lang="en-US" altLang="zh-CN">
+              <a:solidFill>
+                <a:schemeClr val="tx1"/>
+              </a:solidFill>
+            </a:endParaRPr>
+          </a:p>
+        </p:txBody>
+      </p:sp>
+      <p:sp>
+        <p:nvSpPr>
+          <p:cNvPr id="58" name="矩形 57"/>
+          <p:cNvSpPr/>
+          <p:nvPr/>
+        </p:nvSpPr>
+        <p:spPr>
+          <a:xfrm>
+            <a:off x="10632440" y="2569845"/>
+            <a:ext cx="432000" cy="360000"/>
+          </a:xfrm>
+          <a:prstGeom prst="rect">
+            <a:avLst/>
+          </a:prstGeom>
+          <a:solidFill>
+            <a:schemeClr val="bg1"/>
+          </a:solidFill>
+          <a:ln>
+            <a:noFill/>
+          </a:ln>
+        </p:spPr>
+        <p:style>
+          <a:lnRef idx="2">
+            <a:schemeClr val="accent1">
+              <a:shade val="50000"/>
+            </a:schemeClr>
+          </a:lnRef>
+          <a:fillRef idx="1">
+            <a:schemeClr val="accent1"/>
+          </a:fillRef>
+          <a:effectRef idx="0">
+            <a:schemeClr val="accent1"/>
+          </a:effectRef>
+          <a:fontRef idx="minor">
+            <a:schemeClr val="lt1"/>
+          </a:fontRef>
+        </p:style>
+        <p:txBody>
+          <a:bodyPr rtlCol="0" anchor="ctr"/>
+          <a:p>
+            <a:pPr algn="ctr"/>
+            <a:r>
+              <a:rPr lang="en-US" altLang="zh-CN">
+                <a:solidFill>
+                  <a:schemeClr val="tx1"/>
+                </a:solidFill>
+              </a:rPr>
+              <a:t>#</a:t>
+            </a:r>
+            <a:endParaRPr lang="en-US" altLang="zh-CN">
+              <a:solidFill>
+                <a:schemeClr val="tx1"/>
+              </a:solidFill>
+            </a:endParaRPr>
+          </a:p>
+        </p:txBody>
+      </p:sp>
+      <p:sp>
+        <p:nvSpPr>
+          <p:cNvPr id="59" name="矩形 58"/>
+          <p:cNvSpPr/>
+          <p:nvPr/>
+        </p:nvSpPr>
+        <p:spPr>
+          <a:xfrm>
+            <a:off x="10632440" y="2569845"/>
+            <a:ext cx="432000" cy="360000"/>
+          </a:xfrm>
+          <a:prstGeom prst="rect">
+            <a:avLst/>
+          </a:prstGeom>
+          <a:solidFill>
+            <a:schemeClr val="bg1"/>
+          </a:solidFill>
+          <a:ln>
+            <a:noFill/>
+          </a:ln>
+        </p:spPr>
+        <p:style>
+          <a:lnRef idx="2">
+            <a:schemeClr val="accent1">
+              <a:shade val="50000"/>
+            </a:schemeClr>
+          </a:lnRef>
+          <a:fillRef idx="1">
+            <a:schemeClr val="accent1"/>
+          </a:fillRef>
+          <a:effectRef idx="0">
+            <a:schemeClr val="accent1"/>
+          </a:effectRef>
+          <a:fontRef idx="minor">
+            <a:schemeClr val="lt1"/>
+          </a:fontRef>
+        </p:style>
+        <p:txBody>
+          <a:bodyPr rtlCol="0" anchor="ctr"/>
+          <a:p>
+            <a:pPr algn="ctr"/>
+            <a:r>
+              <a:rPr lang="en-US" altLang="zh-CN">
+                <a:solidFill>
+                  <a:schemeClr val="tx1"/>
+                </a:solidFill>
+              </a:rPr>
+              <a:t>#</a:t>
+            </a:r>
+            <a:endParaRPr lang="en-US" altLang="zh-CN">
+              <a:solidFill>
+                <a:schemeClr val="tx1"/>
+              </a:solidFill>
+            </a:endParaRPr>
+          </a:p>
+        </p:txBody>
+      </p:sp>
+      <p:sp>
+        <p:nvSpPr>
+          <p:cNvPr id="60" name="矩形 59"/>
+          <p:cNvSpPr/>
+          <p:nvPr/>
+        </p:nvSpPr>
+        <p:spPr>
+          <a:xfrm>
+            <a:off x="10632440" y="2569845"/>
+            <a:ext cx="432000" cy="360000"/>
+          </a:xfrm>
+          <a:prstGeom prst="rect">
+            <a:avLst/>
+          </a:prstGeom>
+          <a:solidFill>
+            <a:schemeClr val="bg1"/>
+          </a:solidFill>
+          <a:ln>
+            <a:noFill/>
+          </a:ln>
+        </p:spPr>
+        <p:style>
+          <a:lnRef idx="2">
+            <a:schemeClr val="accent1">
+              <a:shade val="50000"/>
+            </a:schemeClr>
+          </a:lnRef>
+          <a:fillRef idx="1">
+            <a:schemeClr val="accent1"/>
+          </a:fillRef>
+          <a:effectRef idx="0">
+            <a:schemeClr val="accent1"/>
+          </a:effectRef>
+          <a:fontRef idx="minor">
+            <a:schemeClr val="lt1"/>
+          </a:fontRef>
+        </p:style>
+        <p:txBody>
+          <a:bodyPr rtlCol="0" anchor="ctr"/>
+          <a:p>
+            <a:pPr algn="ctr"/>
+            <a:r>
+              <a:rPr lang="en-US" altLang="zh-CN">
+                <a:solidFill>
+                  <a:schemeClr val="tx1"/>
+                </a:solidFill>
+              </a:rPr>
+              <a:t>#</a:t>
+            </a:r>
+            <a:endParaRPr lang="en-US" altLang="zh-CN">
+              <a:solidFill>
+                <a:schemeClr val="tx1"/>
+              </a:solidFill>
+            </a:endParaRPr>
+          </a:p>
+        </p:txBody>
+      </p:sp>
+    </p:spTree>
+  </p:cSld>
+  <p:clrMapOvr>
+    <a:masterClrMapping/>
+  </p:clrMapOvr>
+  <p:timing>
+    <p:tnLst>
+      <p:par>
+        <p:cTn id="1" dur="indefinite" restart="never" nodeType="tmRoot">
+          <p:childTnLst>
+            <p:seq concurrent="1" nextAc="seek">
+              <p:cTn id="2" dur="indefinite" nodeType="mainSeq">
+                <p:childTnLst>
+                  <p:par>
+                    <p:cTn id="3" fill="hold">
+                      <p:stCondLst>
+                        <p:cond delay="indefinite"/>
+                      </p:stCondLst>
+                      <p:childTnLst>
+                        <p:par>
+                          <p:cTn id="4" fill="hold">
+                            <p:stCondLst>
+                              <p:cond delay="0"/>
+                            </p:stCondLst>
+                            <p:childTnLst>
+                              <p:par>
+                                <p:cTn id="5" presetID="10" presetClass="entr" presetSubtype="0" fill="hold" grpId="1" nodeType="clickEffect">
+                                  <p:stCondLst>
+                                    <p:cond delay="0"/>
+                                  </p:stCondLst>
+                                  <p:childTnLst>
+                                    <p:set>
+                                      <p:cBhvr>
+                                        <p:cTn id="6" dur="1" fill="hold">
+                                          <p:stCondLst>
+                                            <p:cond delay="0"/>
+                                          </p:stCondLst>
+                                        </p:cTn>
+                                        <p:tgtEl>
+                                          <p:spTgt spid="46"/>
+                                        </p:tgtEl>
+                                        <p:attrNameLst>
+                                          <p:attrName>style.visibility</p:attrName>
+                                        </p:attrNameLst>
+                                      </p:cBhvr>
+                                      <p:to>
+                                        <p:strVal val="visible"/>
+                                      </p:to>
+                                    </p:set>
+                                    <p:animEffect transition="in" filter="fade">
+                                      <p:cBhvr>
+                                        <p:cTn id="7" dur="500"/>
+                                        <p:tgtEl>
+                                          <p:spTgt spid="46"/>
+                                        </p:tgtEl>
+                                      </p:cBhvr>
+                                    </p:animEffect>
+                                  </p:childTnLst>
+                                </p:cTn>
+                              </p:par>
+                            </p:childTnLst>
+                          </p:cTn>
+                        </p:par>
+                        <p:par>
+                          <p:cTn id="8" fill="hold">
+                            <p:stCondLst>
+                              <p:cond delay="500"/>
+                            </p:stCondLst>
+                            <p:childTnLst>
+                              <p:par>
+                                <p:cTn id="9" presetID="42" presetClass="path" presetSubtype="0" accel="50000" decel="50000" fill="hold" grpId="0" nodeType="afterEffect">
+                                  <p:stCondLst>
+                                    <p:cond delay="0"/>
+                                  </p:stCondLst>
+                                  <p:childTnLst>
+                                    <p:animMotion origin="layout" path="M 0.000260 0.000000 L 0.001197 0.487685 " pathEditMode="relative" rAng="0" ptsTypes="">
+                                      <p:cBhvr>
+                                        <p:cTn id="10" dur="500" fill="hold"/>
+                                        <p:tgtEl>
+                                          <p:spTgt spid="46"/>
+                                        </p:tgtEl>
+                                        <p:attrNameLst>
+                                          <p:attrName>ppt_x</p:attrName>
+                                          <p:attrName>ppt_y</p:attrName>
+                                        </p:attrNameLst>
+                                      </p:cBhvr>
+                                      <p:rCtr x="0" y="244"/>
+                                    </p:animMotion>
+                                  </p:childTnLst>
+                                </p:cTn>
+                              </p:par>
+                            </p:childTnLst>
+                          </p:cTn>
+                        </p:par>
+                      </p:childTnLst>
+                    </p:cTn>
+                  </p:par>
+                  <p:par>
+                    <p:cTn id="11" fill="hold">
+                      <p:stCondLst>
+                        <p:cond delay="indefinite"/>
+                      </p:stCondLst>
+                      <p:childTnLst>
+                        <p:par>
+                          <p:cTn id="12" fill="hold">
+                            <p:stCondLst>
+                              <p:cond delay="0"/>
+                            </p:stCondLst>
+                            <p:childTnLst>
+                              <p:par>
+                                <p:cTn id="13" presetID="63" presetClass="path" presetSubtype="0" accel="50000" decel="50000" fill="hold" nodeType="clickEffect">
+                                  <p:stCondLst>
+                                    <p:cond delay="0"/>
+                                  </p:stCondLst>
+                                  <p:childTnLst>
+                                    <p:animMotion origin="layout" path="M 0.000000 0.000000 L 0.036562 -0.000093 " pathEditMode="relative" rAng="0" ptsTypes="">
+                                      <p:cBhvr>
+                                        <p:cTn id="14" dur="500" fill="hold"/>
+                                        <p:tgtEl>
+                                          <p:spTgt spid="44"/>
+                                        </p:tgtEl>
+                                        <p:attrNameLst>
+                                          <p:attrName>ppt_x</p:attrName>
+                                          <p:attrName>ppt_y</p:attrName>
+                                        </p:attrNameLst>
+                                      </p:cBhvr>
+                                      <p:rCtr x="125" y="0"/>
+                                    </p:animMotion>
+                                  </p:childTnLst>
+                                </p:cTn>
+                              </p:par>
+                            </p:childTnLst>
+                          </p:cTn>
+                        </p:par>
+                        <p:par>
+                          <p:cTn id="15" fill="hold">
+                            <p:stCondLst>
+                              <p:cond delay="500"/>
+                            </p:stCondLst>
+                            <p:childTnLst>
+                              <p:par>
+                                <p:cTn id="16" presetID="10" presetClass="entr" presetSubtype="0" fill="hold" grpId="1" nodeType="afterEffect">
+                                  <p:stCondLst>
+                                    <p:cond delay="0"/>
+                                  </p:stCondLst>
+                                  <p:childTnLst>
+                                    <p:set>
+                                      <p:cBhvr>
+                                        <p:cTn id="17" dur="1" fill="hold">
+                                          <p:stCondLst>
+                                            <p:cond delay="0"/>
+                                          </p:stCondLst>
+                                        </p:cTn>
+                                        <p:tgtEl>
+                                          <p:spTgt spid="47"/>
+                                        </p:tgtEl>
+                                        <p:attrNameLst>
+                                          <p:attrName>style.visibility</p:attrName>
+                                        </p:attrNameLst>
+                                      </p:cBhvr>
+                                      <p:to>
+                                        <p:strVal val="visible"/>
+                                      </p:to>
+                                    </p:set>
+                                    <p:animEffect transition="in" filter="fade">
+                                      <p:cBhvr>
+                                        <p:cTn id="18" dur="500"/>
+                                        <p:tgtEl>
+                                          <p:spTgt spid="47"/>
+                                        </p:tgtEl>
+                                      </p:cBhvr>
+                                    </p:animEffect>
+                                  </p:childTnLst>
+                                </p:cTn>
+                              </p:par>
+                            </p:childTnLst>
+                          </p:cTn>
+                        </p:par>
+                        <p:par>
+                          <p:cTn id="19" fill="hold">
+                            <p:stCondLst>
+                              <p:cond delay="1000"/>
+                            </p:stCondLst>
+                            <p:childTnLst>
+                              <p:par>
+                                <p:cTn id="20" presetID="42" presetClass="path" presetSubtype="0" accel="50000" decel="50000" fill="hold" grpId="0" nodeType="afterEffect">
+                                  <p:stCondLst>
+                                    <p:cond delay="0"/>
+                                  </p:stCondLst>
+                                  <p:childTnLst>
+                                    <p:animMotion origin="layout" path="M 0.000260 0.000000 L 0.000833 0.427870 " pathEditMode="relative" rAng="0" ptsTypes="">
+                                      <p:cBhvr>
+                                        <p:cTn id="21" dur="500" fill="hold"/>
+                                        <p:tgtEl>
+                                          <p:spTgt spid="47"/>
+                                        </p:tgtEl>
+                                        <p:attrNameLst>
+                                          <p:attrName>ppt_x</p:attrName>
+                                          <p:attrName>ppt_y</p:attrName>
+                                        </p:attrNameLst>
+                                      </p:cBhvr>
+                                      <p:rCtr x="0" y="214"/>
+                                    </p:animMotion>
+                                  </p:childTnLst>
+                                </p:cTn>
+                              </p:par>
+                            </p:childTnLst>
+                          </p:cTn>
+                        </p:par>
+                      </p:childTnLst>
+                    </p:cTn>
+                  </p:par>
+                  <p:par>
+                    <p:cTn id="22" fill="hold">
+                      <p:stCondLst>
+                        <p:cond delay="indefinite"/>
+                      </p:stCondLst>
+                      <p:childTnLst>
+                        <p:par>
+                          <p:cTn id="23" fill="hold">
+                            <p:stCondLst>
+                              <p:cond delay="0"/>
+                            </p:stCondLst>
+                            <p:childTnLst>
+                              <p:par>
+                                <p:cTn id="24" presetID="63" presetClass="path" presetSubtype="0" accel="50000" decel="50000" fill="hold" nodeType="clickEffect">
+                                  <p:stCondLst>
+                                    <p:cond delay="0"/>
+                                  </p:stCondLst>
+                                  <p:childTnLst>
+                                    <p:animMotion origin="layout" path="M 0.036406 -0.000093 L 0.073542 0.000093 " pathEditMode="relative" rAng="0" ptsTypes="">
+                                      <p:cBhvr>
+                                        <p:cTn id="25" dur="500" fill="hold"/>
+                                        <p:tgtEl>
+                                          <p:spTgt spid="44"/>
+                                        </p:tgtEl>
+                                        <p:attrNameLst>
+                                          <p:attrName>ppt_x</p:attrName>
+                                          <p:attrName>ppt_y</p:attrName>
+                                        </p:attrNameLst>
+                                      </p:cBhvr>
+                                      <p:rCtr x="19" y="0"/>
+                                    </p:animMotion>
+                                  </p:childTnLst>
+                                </p:cTn>
+                              </p:par>
+                            </p:childTnLst>
+                          </p:cTn>
+                        </p:par>
+                        <p:par>
+                          <p:cTn id="26" fill="hold">
+                            <p:stCondLst>
+                              <p:cond delay="500"/>
+                            </p:stCondLst>
+                            <p:childTnLst>
+                              <p:par>
+                                <p:cTn id="27" presetID="10" presetClass="entr" presetSubtype="0" fill="hold" grpId="1" nodeType="afterEffect">
+                                  <p:stCondLst>
+                                    <p:cond delay="0"/>
+                                  </p:stCondLst>
+                                  <p:childTnLst>
+                                    <p:set>
+                                      <p:cBhvr>
+                                        <p:cTn id="28" dur="1" fill="hold">
+                                          <p:stCondLst>
+                                            <p:cond delay="0"/>
+                                          </p:stCondLst>
+                                        </p:cTn>
+                                        <p:tgtEl>
+                                          <p:spTgt spid="48"/>
+                                        </p:tgtEl>
+                                        <p:attrNameLst>
+                                          <p:attrName>style.visibility</p:attrName>
+                                        </p:attrNameLst>
+                                      </p:cBhvr>
+                                      <p:to>
+                                        <p:strVal val="visible"/>
+                                      </p:to>
+                                    </p:set>
+                                    <p:animEffect transition="in" filter="fade">
+                                      <p:cBhvr>
+                                        <p:cTn id="29" dur="500"/>
+                                        <p:tgtEl>
+                                          <p:spTgt spid="48"/>
+                                        </p:tgtEl>
+                                      </p:cBhvr>
+                                    </p:animEffect>
+                                  </p:childTnLst>
+                                </p:cTn>
+                              </p:par>
+                            </p:childTnLst>
+                          </p:cTn>
+                        </p:par>
+                        <p:par>
+                          <p:cTn id="30" fill="hold">
+                            <p:stCondLst>
+                              <p:cond delay="1000"/>
+                            </p:stCondLst>
+                            <p:childTnLst>
+                              <p:par>
+                                <p:cTn id="31" presetID="42" presetClass="path" presetSubtype="0" accel="50000" decel="50000" fill="hold" grpId="0" nodeType="afterEffect">
+                                  <p:stCondLst>
+                                    <p:cond delay="0"/>
+                                  </p:stCondLst>
+                                  <p:childTnLst>
+                                    <p:animMotion origin="layout" path="M 0.000208 0.000000 L 0.000781 0.368426 " pathEditMode="relative" rAng="0" ptsTypes="">
+                                      <p:cBhvr>
+                                        <p:cTn id="32" dur="500" fill="hold"/>
+                                        <p:tgtEl>
+                                          <p:spTgt spid="48"/>
+                                        </p:tgtEl>
+                                        <p:attrNameLst>
+                                          <p:attrName>ppt_x</p:attrName>
+                                          <p:attrName>ppt_y</p:attrName>
+                                        </p:attrNameLst>
+                                      </p:cBhvr>
+                                      <p:rCtr x="0" y="184"/>
+                                    </p:animMotion>
+                                  </p:childTnLst>
+                                </p:cTn>
+                              </p:par>
+                            </p:childTnLst>
+                          </p:cTn>
+                        </p:par>
+                      </p:childTnLst>
+                    </p:cTn>
+                  </p:par>
+                  <p:par>
+                    <p:cTn id="33" fill="hold">
+                      <p:stCondLst>
+                        <p:cond delay="indefinite"/>
+                      </p:stCondLst>
+                      <p:childTnLst>
+                        <p:par>
+                          <p:cTn id="34" fill="hold">
+                            <p:stCondLst>
+                              <p:cond delay="0"/>
+                            </p:stCondLst>
+                            <p:childTnLst>
+                              <p:par>
+                                <p:cTn id="35" presetID="63" presetClass="path" presetSubtype="0" accel="50000" decel="50000" fill="hold" nodeType="clickEffect">
+                                  <p:stCondLst>
+                                    <p:cond delay="0"/>
+                                  </p:stCondLst>
+                                  <p:childTnLst>
+                                    <p:animMotion origin="layout" path="M 0.073073 0.000926 L 0.112083 0.000463 " pathEditMode="relative" rAng="0" ptsTypes="">
+                                      <p:cBhvr>
+                                        <p:cTn id="36" dur="500" fill="hold"/>
+                                        <p:tgtEl>
+                                          <p:spTgt spid="44"/>
+                                        </p:tgtEl>
+                                        <p:attrNameLst>
+                                          <p:attrName>ppt_x</p:attrName>
+                                          <p:attrName>ppt_y</p:attrName>
+                                        </p:attrNameLst>
+                                      </p:cBhvr>
+                                      <p:rCtr x="125" y="0"/>
+                                    </p:animMotion>
+                                  </p:childTnLst>
+                                </p:cTn>
+                              </p:par>
+                            </p:childTnLst>
+                          </p:cTn>
+                        </p:par>
+                        <p:par>
+                          <p:cTn id="37" fill="hold">
+                            <p:stCondLst>
+                              <p:cond delay="500"/>
+                            </p:stCondLst>
+                            <p:childTnLst>
+                              <p:par>
+                                <p:cTn id="38" presetID="10" presetClass="entr" presetSubtype="0" fill="hold" grpId="2" nodeType="afterEffect">
+                                  <p:stCondLst>
+                                    <p:cond delay="0"/>
+                                  </p:stCondLst>
+                                  <p:childTnLst>
+                                    <p:set>
+                                      <p:cBhvr>
+                                        <p:cTn id="39" dur="1" fill="hold">
+                                          <p:stCondLst>
+                                            <p:cond delay="0"/>
+                                          </p:stCondLst>
+                                        </p:cTn>
+                                        <p:tgtEl>
+                                          <p:spTgt spid="49"/>
+                                        </p:tgtEl>
+                                        <p:attrNameLst>
+                                          <p:attrName>style.visibility</p:attrName>
+                                        </p:attrNameLst>
+                                      </p:cBhvr>
+                                      <p:to>
+                                        <p:strVal val="visible"/>
+                                      </p:to>
+                                    </p:set>
+                                    <p:animEffect transition="in" filter="fade">
+                                      <p:cBhvr>
+                                        <p:cTn id="40" dur="500"/>
+                                        <p:tgtEl>
+                                          <p:spTgt spid="49"/>
+                                        </p:tgtEl>
+                                      </p:cBhvr>
+                                    </p:animEffect>
+                                  </p:childTnLst>
+                                </p:cTn>
+                              </p:par>
+                            </p:childTnLst>
+                          </p:cTn>
+                        </p:par>
+                        <p:par>
+                          <p:cTn id="41" fill="hold">
+                            <p:stCondLst>
+                              <p:cond delay="1000"/>
+                            </p:stCondLst>
+                            <p:childTnLst>
+                              <p:par>
+                                <p:cTn id="42" presetID="42" presetClass="path" presetSubtype="0" accel="50000" decel="50000" fill="hold" grpId="0" nodeType="afterEffect">
+                                  <p:stCondLst>
+                                    <p:cond delay="0"/>
+                                  </p:stCondLst>
+                                  <p:childTnLst>
+                                    <p:animMotion origin="layout" path="M -0.000265 0.000000 L 0.000881 0.309444 " pathEditMode="relative" rAng="0" ptsTypes="">
+                                      <p:cBhvr>
+                                        <p:cTn id="43" dur="500" fill="hold"/>
+                                        <p:tgtEl>
+                                          <p:spTgt spid="49"/>
+                                        </p:tgtEl>
+                                        <p:attrNameLst>
+                                          <p:attrName>ppt_x</p:attrName>
+                                          <p:attrName>ppt_y</p:attrName>
+                                        </p:attrNameLst>
+                                      </p:cBhvr>
+                                      <p:rCtr x="1" y="155"/>
+                                    </p:animMotion>
+                                  </p:childTnLst>
+                                </p:cTn>
+                              </p:par>
+                            </p:childTnLst>
+                          </p:cTn>
+                        </p:par>
+                      </p:childTnLst>
+                    </p:cTn>
+                  </p:par>
+                  <p:par>
+                    <p:cTn id="44" fill="hold">
+                      <p:stCondLst>
+                        <p:cond delay="indefinite"/>
+                      </p:stCondLst>
+                      <p:childTnLst>
+                        <p:par>
+                          <p:cTn id="45" fill="hold">
+                            <p:stCondLst>
+                              <p:cond delay="0"/>
+                            </p:stCondLst>
+                            <p:childTnLst>
+                              <p:par>
+                                <p:cTn id="46" presetID="64" presetClass="path" presetSubtype="0" accel="50000" decel="50000" fill="hold" grpId="3" nodeType="clickEffect">
+                                  <p:stCondLst>
+                                    <p:cond delay="0"/>
+                                  </p:stCondLst>
+                                  <p:childTnLst>
+                                    <p:animMotion origin="layout" path="M 0.001042 0.309444 L -0.000417 -0.000185 " pathEditMode="relative" rAng="0" ptsTypes="">
+                                      <p:cBhvr>
+                                        <p:cTn id="47" dur="500" fill="hold"/>
+                                        <p:tgtEl>
+                                          <p:spTgt spid="49"/>
+                                        </p:tgtEl>
+                                        <p:attrNameLst>
+                                          <p:attrName>ppt_x</p:attrName>
+                                          <p:attrName>ppt_y</p:attrName>
+                                        </p:attrNameLst>
+                                      </p:cBhvr>
+                                      <p:rCtr x="0" y="-154"/>
+                                    </p:animMotion>
+                                  </p:childTnLst>
+                                </p:cTn>
+                              </p:par>
+                            </p:childTnLst>
+                          </p:cTn>
+                        </p:par>
+                        <p:par>
+                          <p:cTn id="48" fill="hold">
+                            <p:stCondLst>
+                              <p:cond delay="500"/>
+                            </p:stCondLst>
+                            <p:childTnLst>
+                              <p:par>
+                                <p:cTn id="49" presetID="10" presetClass="exit" presetSubtype="0" fill="hold" grpId="4" nodeType="afterEffect">
+                                  <p:stCondLst>
+                                    <p:cond delay="0"/>
+                                  </p:stCondLst>
+                                  <p:childTnLst>
+                                    <p:animEffect transition="out" filter="fade">
+                                      <p:cBhvr>
+                                        <p:cTn id="50" dur="500"/>
+                                        <p:tgtEl>
+                                          <p:spTgt spid="49"/>
+                                        </p:tgtEl>
+                                      </p:cBhvr>
+                                    </p:animEffect>
+                                    <p:set>
+                                      <p:cBhvr>
+                                        <p:cTn id="51" dur="1" fill="hold">
+                                          <p:stCondLst>
+                                            <p:cond delay="499"/>
+                                          </p:stCondLst>
+                                        </p:cTn>
+                                        <p:tgtEl>
+                                          <p:spTgt spid="49"/>
+                                        </p:tgtEl>
+                                        <p:attrNameLst>
+                                          <p:attrName>style.visibility</p:attrName>
+                                        </p:attrNameLst>
+                                      </p:cBhvr>
+                                      <p:to>
+                                        <p:strVal val="hidden"/>
+                                      </p:to>
+                                    </p:set>
+                                  </p:childTnLst>
+                                </p:cTn>
+                              </p:par>
+                            </p:childTnLst>
+                          </p:cTn>
+                        </p:par>
+                        <p:par>
+                          <p:cTn id="52" fill="hold">
+                            <p:stCondLst>
+                              <p:cond delay="1000"/>
+                            </p:stCondLst>
+                            <p:childTnLst>
+                              <p:par>
+                                <p:cTn id="53" presetID="64" presetClass="path" presetSubtype="0" accel="50000" decel="50000" fill="hold" grpId="2" nodeType="afterEffect">
+                                  <p:stCondLst>
+                                    <p:cond delay="0"/>
+                                  </p:stCondLst>
+                                  <p:childTnLst>
+                                    <p:animMotion origin="layout" path="M 0.001041 0.368426 L 0.000260 -0.000833 " pathEditMode="relative" rAng="0" ptsTypes="">
+                                      <p:cBhvr>
+                                        <p:cTn id="54" dur="500" fill="hold"/>
+                                        <p:tgtEl>
+                                          <p:spTgt spid="48"/>
+                                        </p:tgtEl>
+                                        <p:attrNameLst>
+                                          <p:attrName>ppt_x</p:attrName>
+                                          <p:attrName>ppt_y</p:attrName>
+                                        </p:attrNameLst>
+                                      </p:cBhvr>
+                                      <p:rCtr x="0" y="-184"/>
+                                    </p:animMotion>
+                                  </p:childTnLst>
+                                </p:cTn>
+                              </p:par>
+                            </p:childTnLst>
+                          </p:cTn>
+                        </p:par>
+                        <p:par>
+                          <p:cTn id="55" fill="hold">
+                            <p:stCondLst>
+                              <p:cond delay="1500"/>
+                            </p:stCondLst>
+                            <p:childTnLst>
+                              <p:par>
+                                <p:cTn id="56" presetID="10" presetClass="exit" presetSubtype="0" fill="hold" grpId="3" nodeType="afterEffect">
+                                  <p:stCondLst>
+                                    <p:cond delay="0"/>
+                                  </p:stCondLst>
+                                  <p:childTnLst>
+                                    <p:animEffect transition="out" filter="fade">
+                                      <p:cBhvr>
+                                        <p:cTn id="57" dur="500"/>
+                                        <p:tgtEl>
+                                          <p:spTgt spid="48"/>
+                                        </p:tgtEl>
+                                      </p:cBhvr>
+                                    </p:animEffect>
+                                    <p:set>
+                                      <p:cBhvr>
+                                        <p:cTn id="58" dur="1" fill="hold">
+                                          <p:stCondLst>
+                                            <p:cond delay="499"/>
+                                          </p:stCondLst>
+                                        </p:cTn>
+                                        <p:tgtEl>
+                                          <p:spTgt spid="48"/>
+                                        </p:tgtEl>
+                                        <p:attrNameLst>
+                                          <p:attrName>style.visibility</p:attrName>
+                                        </p:attrNameLst>
+                                      </p:cBhvr>
+                                      <p:to>
+                                        <p:strVal val="hidden"/>
+                                      </p:to>
+                                    </p:set>
+                                  </p:childTnLst>
+                                </p:cTn>
+                              </p:par>
+                            </p:childTnLst>
+                          </p:cTn>
+                        </p:par>
+                        <p:par>
+                          <p:cTn id="59" fill="hold">
+                            <p:stCondLst>
+                              <p:cond delay="2000"/>
+                            </p:stCondLst>
+                            <p:childTnLst>
+                              <p:par>
+                                <p:cTn id="60" presetID="64" presetClass="path" presetSubtype="0" accel="50000" decel="50000" fill="hold" grpId="2" nodeType="afterEffect">
+                                  <p:stCondLst>
+                                    <p:cond delay="0"/>
+                                  </p:stCondLst>
+                                  <p:childTnLst>
+                                    <p:animMotion origin="layout" path="M 0.000466 0.427778 L 0.000362 0.001574 " pathEditMode="relative" rAng="0" ptsTypes="">
+                                      <p:cBhvr>
+                                        <p:cTn id="61" dur="500" fill="hold"/>
+                                        <p:tgtEl>
+                                          <p:spTgt spid="47"/>
+                                        </p:tgtEl>
+                                        <p:attrNameLst>
+                                          <p:attrName>ppt_x</p:attrName>
+                                          <p:attrName>ppt_y</p:attrName>
+                                        </p:attrNameLst>
+                                      </p:cBhvr>
+                                      <p:rCtr x="0" y="-213"/>
+                                    </p:animMotion>
+                                  </p:childTnLst>
+                                </p:cTn>
+                              </p:par>
+                            </p:childTnLst>
+                          </p:cTn>
+                        </p:par>
+                        <p:par>
+                          <p:cTn id="62" fill="hold">
+                            <p:stCondLst>
+                              <p:cond delay="2500"/>
+                            </p:stCondLst>
+                            <p:childTnLst>
+                              <p:par>
+                                <p:cTn id="63" presetID="10" presetClass="exit" presetSubtype="0" fill="hold" grpId="3" nodeType="afterEffect">
+                                  <p:stCondLst>
+                                    <p:cond delay="0"/>
+                                  </p:stCondLst>
+                                  <p:childTnLst>
+                                    <p:animEffect transition="out" filter="fade">
+                                      <p:cBhvr>
+                                        <p:cTn id="64" dur="500"/>
+                                        <p:tgtEl>
+                                          <p:spTgt spid="47"/>
+                                        </p:tgtEl>
+                                      </p:cBhvr>
+                                    </p:animEffect>
+                                    <p:set>
+                                      <p:cBhvr>
+                                        <p:cTn id="65" dur="1" fill="hold">
+                                          <p:stCondLst>
+                                            <p:cond delay="499"/>
+                                          </p:stCondLst>
+                                        </p:cTn>
+                                        <p:tgtEl>
+                                          <p:spTgt spid="47"/>
+                                        </p:tgtEl>
+                                        <p:attrNameLst>
+                                          <p:attrName>style.visibility</p:attrName>
+                                        </p:attrNameLst>
+                                      </p:cBhvr>
+                                      <p:to>
+                                        <p:strVal val="hidden"/>
+                                      </p:to>
+                                    </p:set>
+                                  </p:childTnLst>
+                                </p:cTn>
+                              </p:par>
+                            </p:childTnLst>
+                          </p:cTn>
+                        </p:par>
+                        <p:par>
+                          <p:cTn id="66" fill="hold">
+                            <p:stCondLst>
+                              <p:cond delay="3000"/>
+                            </p:stCondLst>
+                            <p:childTnLst>
+                              <p:par>
+                                <p:cTn id="67" presetID="10" presetClass="exit" presetSubtype="0" fill="hold" nodeType="afterEffect">
+                                  <p:stCondLst>
+                                    <p:cond delay="0"/>
+                                  </p:stCondLst>
+                                  <p:childTnLst>
+                                    <p:animEffect transition="out" filter="fade">
+                                      <p:cBhvr>
+                                        <p:cTn id="68" dur="500"/>
+                                        <p:tgtEl>
+                                          <p:spTgt spid="35"/>
+                                        </p:tgtEl>
+                                      </p:cBhvr>
+                                    </p:animEffect>
+                                    <p:set>
+                                      <p:cBhvr>
+                                        <p:cTn id="69" dur="1" fill="hold">
+                                          <p:stCondLst>
+                                            <p:cond delay="499"/>
+                                          </p:stCondLst>
+                                        </p:cTn>
+                                        <p:tgtEl>
+                                          <p:spTgt spid="35"/>
+                                        </p:tgtEl>
+                                        <p:attrNameLst>
+                                          <p:attrName>style.visibility</p:attrName>
+                                        </p:attrNameLst>
+                                      </p:cBhvr>
+                                      <p:to>
+                                        <p:strVal val="hidden"/>
+                                      </p:to>
+                                    </p:set>
+                                  </p:childTnLst>
+                                </p:cTn>
+                              </p:par>
+                            </p:childTnLst>
+                          </p:cTn>
+                        </p:par>
+                        <p:par>
+                          <p:cTn id="70" fill="hold">
+                            <p:stCondLst>
+                              <p:cond delay="3500"/>
+                            </p:stCondLst>
+                            <p:childTnLst>
+                              <p:par>
+                                <p:cTn id="71" presetID="10" presetClass="entr" presetSubtype="0" fill="hold" grpId="2" nodeType="afterEffect">
+                                  <p:stCondLst>
+                                    <p:cond delay="0"/>
+                                  </p:stCondLst>
+                                  <p:childTnLst>
+                                    <p:set>
+                                      <p:cBhvr>
+                                        <p:cTn id="72" dur="1" fill="hold">
+                                          <p:stCondLst>
+                                            <p:cond delay="0"/>
+                                          </p:stCondLst>
+                                        </p:cTn>
+                                        <p:tgtEl>
+                                          <p:spTgt spid="53"/>
+                                        </p:tgtEl>
+                                        <p:attrNameLst>
+                                          <p:attrName>style.visibility</p:attrName>
+                                        </p:attrNameLst>
+                                      </p:cBhvr>
+                                      <p:to>
+                                        <p:strVal val="visible"/>
+                                      </p:to>
+                                    </p:set>
+                                    <p:animEffect transition="in" filter="fade">
+                                      <p:cBhvr>
+                                        <p:cTn id="73" dur="500"/>
+                                        <p:tgtEl>
+                                          <p:spTgt spid="53"/>
+                                        </p:tgtEl>
+                                      </p:cBhvr>
+                                    </p:animEffect>
+                                  </p:childTnLst>
+                                </p:cTn>
+                              </p:par>
+                            </p:childTnLst>
+                          </p:cTn>
+                        </p:par>
+                        <p:par>
+                          <p:cTn id="74" fill="hold">
+                            <p:stCondLst>
+                              <p:cond delay="4000"/>
+                            </p:stCondLst>
+                            <p:childTnLst>
+                              <p:par>
+                                <p:cTn id="75" presetID="42" presetClass="path" presetSubtype="0" accel="50000" decel="50000" fill="hold" grpId="0" nodeType="afterEffect">
+                                  <p:stCondLst>
+                                    <p:cond delay="0"/>
+                                  </p:stCondLst>
+                                  <p:childTnLst>
+                                    <p:animMotion origin="layout" path="M 0.000260 0.000000 L 0.000833 0.427870 " pathEditMode="relative" rAng="0" ptsTypes="">
+                                      <p:cBhvr>
+                                        <p:cTn id="76" dur="500" fill="hold"/>
+                                        <p:tgtEl>
+                                          <p:spTgt spid="53"/>
+                                        </p:tgtEl>
+                                        <p:attrNameLst>
+                                          <p:attrName>ppt_x</p:attrName>
+                                          <p:attrName>ppt_y</p:attrName>
+                                        </p:attrNameLst>
+                                      </p:cBhvr>
+                                      <p:rCtr x="0" y="214"/>
+                                    </p:animMotion>
+                                  </p:childTnLst>
+                                </p:cTn>
+                              </p:par>
+                            </p:childTnLst>
+                          </p:cTn>
+                        </p:par>
+                      </p:childTnLst>
+                    </p:cTn>
+                  </p:par>
+                  <p:par>
+                    <p:cTn id="77" fill="hold">
+                      <p:stCondLst>
+                        <p:cond delay="indefinite"/>
+                      </p:stCondLst>
+                      <p:childTnLst>
+                        <p:par>
+                          <p:cTn id="78" fill="hold">
+                            <p:stCondLst>
+                              <p:cond delay="0"/>
+                            </p:stCondLst>
+                            <p:childTnLst>
+                              <p:par>
+                                <p:cTn id="79" presetID="63" presetClass="path" presetSubtype="0" accel="50000" decel="50000" fill="hold" nodeType="clickEffect">
+                                  <p:stCondLst>
+                                    <p:cond delay="0"/>
+                                  </p:stCondLst>
+                                  <p:childTnLst>
+                                    <p:animMotion origin="layout" path="M 0.111354 0.000741 L 0.148385 0.000370 " pathEditMode="relative" rAng="0" ptsTypes="">
+                                      <p:cBhvr>
+                                        <p:cTn id="80" dur="500" fill="hold"/>
+                                        <p:tgtEl>
+                                          <p:spTgt spid="44"/>
+                                        </p:tgtEl>
+                                        <p:attrNameLst>
+                                          <p:attrName>ppt_x</p:attrName>
+                                          <p:attrName>ppt_y</p:attrName>
+                                        </p:attrNameLst>
+                                      </p:cBhvr>
+                                      <p:rCtr x="125" y="0"/>
+                                    </p:animMotion>
+                                  </p:childTnLst>
+                                </p:cTn>
+                              </p:par>
+                            </p:childTnLst>
+                          </p:cTn>
+                        </p:par>
+                        <p:par>
+                          <p:cTn id="81" fill="hold">
+                            <p:stCondLst>
+                              <p:cond delay="500"/>
+                            </p:stCondLst>
+                            <p:childTnLst>
+                              <p:par>
+                                <p:cTn id="82" presetID="10" presetClass="entr" presetSubtype="0" fill="hold" grpId="1" nodeType="afterEffect">
+                                  <p:stCondLst>
+                                    <p:cond delay="0"/>
+                                  </p:stCondLst>
+                                  <p:childTnLst>
+                                    <p:set>
+                                      <p:cBhvr>
+                                        <p:cTn id="83" dur="1" fill="hold">
+                                          <p:stCondLst>
+                                            <p:cond delay="0"/>
+                                          </p:stCondLst>
+                                        </p:cTn>
+                                        <p:tgtEl>
+                                          <p:spTgt spid="51"/>
+                                        </p:tgtEl>
+                                        <p:attrNameLst>
+                                          <p:attrName>style.visibility</p:attrName>
+                                        </p:attrNameLst>
+                                      </p:cBhvr>
+                                      <p:to>
+                                        <p:strVal val="visible"/>
+                                      </p:to>
+                                    </p:set>
+                                    <p:animEffect transition="in" filter="fade">
+                                      <p:cBhvr>
+                                        <p:cTn id="84" dur="500"/>
+                                        <p:tgtEl>
+                                          <p:spTgt spid="51"/>
+                                        </p:tgtEl>
+                                      </p:cBhvr>
+                                    </p:animEffect>
+                                  </p:childTnLst>
+                                </p:cTn>
+                              </p:par>
+                            </p:childTnLst>
+                          </p:cTn>
+                        </p:par>
+                        <p:par>
+                          <p:cTn id="85" fill="hold">
+                            <p:stCondLst>
+                              <p:cond delay="1000"/>
+                            </p:stCondLst>
+                            <p:childTnLst>
+                              <p:par>
+                                <p:cTn id="86" presetID="42" presetClass="path" presetSubtype="0" accel="50000" decel="50000" fill="hold" grpId="0" nodeType="afterEffect">
+                                  <p:stCondLst>
+                                    <p:cond delay="0"/>
+                                  </p:stCondLst>
+                                  <p:childTnLst>
+                                    <p:animMotion origin="layout" path="M 0.000260 0.000000 L 0.000677 0.368704 " pathEditMode="relative" rAng="0" ptsTypes="">
+                                      <p:cBhvr>
+                                        <p:cTn id="87" dur="500" fill="hold"/>
+                                        <p:tgtEl>
+                                          <p:spTgt spid="51"/>
+                                        </p:tgtEl>
+                                        <p:attrNameLst>
+                                          <p:attrName>ppt_x</p:attrName>
+                                          <p:attrName>ppt_y</p:attrName>
+                                        </p:attrNameLst>
+                                      </p:cBhvr>
+                                      <p:rCtr x="0" y="184"/>
+                                    </p:animMotion>
+                                  </p:childTnLst>
+                                </p:cTn>
+                              </p:par>
+                            </p:childTnLst>
+                          </p:cTn>
+                        </p:par>
+                      </p:childTnLst>
+                    </p:cTn>
+                  </p:par>
+                  <p:par>
+                    <p:cTn id="88" fill="hold">
+                      <p:stCondLst>
+                        <p:cond delay="indefinite"/>
+                      </p:stCondLst>
+                      <p:childTnLst>
+                        <p:par>
+                          <p:cTn id="89" fill="hold">
+                            <p:stCondLst>
+                              <p:cond delay="0"/>
+                            </p:stCondLst>
+                            <p:childTnLst>
+                              <p:par>
+                                <p:cTn id="90" presetID="63" presetClass="path" presetSubtype="0" accel="50000" decel="50000" fill="hold" nodeType="clickEffect">
+                                  <p:stCondLst>
+                                    <p:cond delay="0"/>
+                                  </p:stCondLst>
+                                  <p:childTnLst>
+                                    <p:animMotion origin="layout" path="M 0.148438 0.001204 L 0.187344 0.000648 " pathEditMode="relative" rAng="0" ptsTypes="">
+                                      <p:cBhvr>
+                                        <p:cTn id="91" dur="500" fill="hold"/>
+                                        <p:tgtEl>
+                                          <p:spTgt spid="44"/>
+                                        </p:tgtEl>
+                                        <p:attrNameLst>
+                                          <p:attrName>ppt_x</p:attrName>
+                                          <p:attrName>ppt_y</p:attrName>
+                                        </p:attrNameLst>
+                                      </p:cBhvr>
+                                      <p:rCtr x="24" y="0"/>
+                                    </p:animMotion>
+                                  </p:childTnLst>
+                                </p:cTn>
+                              </p:par>
+                            </p:childTnLst>
+                          </p:cTn>
+                        </p:par>
+                        <p:par>
+                          <p:cTn id="92" fill="hold">
+                            <p:stCondLst>
+                              <p:cond delay="500"/>
+                            </p:stCondLst>
+                            <p:childTnLst>
+                              <p:par>
+                                <p:cTn id="93" presetID="10" presetClass="entr" presetSubtype="0" fill="hold" grpId="2" nodeType="afterEffect">
+                                  <p:stCondLst>
+                                    <p:cond delay="0"/>
+                                  </p:stCondLst>
+                                  <p:childTnLst>
+                                    <p:set>
+                                      <p:cBhvr>
+                                        <p:cTn id="94" dur="1" fill="hold">
+                                          <p:stCondLst>
+                                            <p:cond delay="0"/>
+                                          </p:stCondLst>
+                                        </p:cTn>
+                                        <p:tgtEl>
+                                          <p:spTgt spid="54"/>
+                                        </p:tgtEl>
+                                        <p:attrNameLst>
+                                          <p:attrName>style.visibility</p:attrName>
+                                        </p:attrNameLst>
+                                      </p:cBhvr>
+                                      <p:to>
+                                        <p:strVal val="visible"/>
+                                      </p:to>
+                                    </p:set>
+                                    <p:animEffect transition="in" filter="fade">
+                                      <p:cBhvr>
+                                        <p:cTn id="95" dur="500"/>
+                                        <p:tgtEl>
+                                          <p:spTgt spid="54"/>
+                                        </p:tgtEl>
+                                      </p:cBhvr>
+                                    </p:animEffect>
+                                  </p:childTnLst>
+                                </p:cTn>
+                              </p:par>
+                            </p:childTnLst>
+                          </p:cTn>
+                        </p:par>
+                        <p:par>
+                          <p:cTn id="96" fill="hold">
+                            <p:stCondLst>
+                              <p:cond delay="1000"/>
+                            </p:stCondLst>
+                            <p:childTnLst>
+                              <p:par>
+                                <p:cTn id="97" presetID="42" presetClass="path" presetSubtype="0" accel="50000" decel="50000" fill="hold" grpId="0" nodeType="afterEffect">
+                                  <p:stCondLst>
+                                    <p:cond delay="0"/>
+                                  </p:stCondLst>
+                                  <p:childTnLst>
+                                    <p:animMotion origin="layout" path="M 0.000260 0.000000 L 0.000937 0.310278 " pathEditMode="relative" rAng="0" ptsTypes="">
+                                      <p:cBhvr>
+                                        <p:cTn id="98" dur="500" fill="hold"/>
+                                        <p:tgtEl>
+                                          <p:spTgt spid="54"/>
+                                        </p:tgtEl>
+                                        <p:attrNameLst>
+                                          <p:attrName>ppt_x</p:attrName>
+                                          <p:attrName>ppt_y</p:attrName>
+                                        </p:attrNameLst>
+                                      </p:cBhvr>
+                                      <p:rCtr x="0" y="155"/>
+                                    </p:animMotion>
+                                  </p:childTnLst>
+                                </p:cTn>
+                              </p:par>
+                            </p:childTnLst>
+                          </p:cTn>
+                        </p:par>
+                      </p:childTnLst>
+                    </p:cTn>
+                  </p:par>
+                  <p:par>
+                    <p:cTn id="99" fill="hold">
+                      <p:stCondLst>
+                        <p:cond delay="indefinite"/>
+                      </p:stCondLst>
+                      <p:childTnLst>
+                        <p:par>
+                          <p:cTn id="100" fill="hold">
+                            <p:stCondLst>
+                              <p:cond delay="0"/>
+                            </p:stCondLst>
+                            <p:childTnLst>
+                              <p:par>
+                                <p:cTn id="101" presetID="63" presetClass="path" presetSubtype="0" accel="50000" decel="50000" fill="hold" nodeType="clickEffect">
+                                  <p:stCondLst>
+                                    <p:cond delay="0"/>
+                                  </p:stCondLst>
+                                  <p:childTnLst>
+                                    <p:animMotion origin="layout" path="M 0.188906 0.000741 L 0.223646 0.001019 " pathEditMode="relative" rAng="0" ptsTypes="">
+                                      <p:cBhvr>
+                                        <p:cTn id="102" dur="500" fill="hold"/>
+                                        <p:tgtEl>
+                                          <p:spTgt spid="44"/>
+                                        </p:tgtEl>
+                                        <p:attrNameLst>
+                                          <p:attrName>ppt_x</p:attrName>
+                                          <p:attrName>ppt_y</p:attrName>
+                                        </p:attrNameLst>
+                                      </p:cBhvr>
+                                      <p:rCtr x="17" y="0"/>
+                                    </p:animMotion>
+                                  </p:childTnLst>
+                                </p:cTn>
+                              </p:par>
+                            </p:childTnLst>
+                          </p:cTn>
+                        </p:par>
+                        <p:par>
+                          <p:cTn id="103" fill="hold">
+                            <p:stCondLst>
+                              <p:cond delay="500"/>
+                            </p:stCondLst>
+                            <p:childTnLst>
+                              <p:par>
+                                <p:cTn id="104" presetID="10" presetClass="entr" presetSubtype="0" fill="hold" grpId="2" nodeType="afterEffect">
+                                  <p:stCondLst>
+                                    <p:cond delay="0"/>
+                                  </p:stCondLst>
+                                  <p:childTnLst>
+                                    <p:set>
+                                      <p:cBhvr>
+                                        <p:cTn id="105" dur="1" fill="hold">
+                                          <p:stCondLst>
+                                            <p:cond delay="0"/>
+                                          </p:stCondLst>
+                                        </p:cTn>
+                                        <p:tgtEl>
+                                          <p:spTgt spid="55"/>
+                                        </p:tgtEl>
+                                        <p:attrNameLst>
+                                          <p:attrName>style.visibility</p:attrName>
+                                        </p:attrNameLst>
+                                      </p:cBhvr>
+                                      <p:to>
+                                        <p:strVal val="visible"/>
+                                      </p:to>
+                                    </p:set>
+                                    <p:animEffect transition="in" filter="fade">
+                                      <p:cBhvr>
+                                        <p:cTn id="106" dur="500"/>
+                                        <p:tgtEl>
+                                          <p:spTgt spid="55"/>
+                                        </p:tgtEl>
+                                      </p:cBhvr>
+                                    </p:animEffect>
+                                  </p:childTnLst>
+                                </p:cTn>
+                              </p:par>
+                            </p:childTnLst>
+                          </p:cTn>
+                        </p:par>
+                        <p:par>
+                          <p:cTn id="107" fill="hold">
+                            <p:stCondLst>
+                              <p:cond delay="1000"/>
+                            </p:stCondLst>
+                            <p:childTnLst>
+                              <p:par>
+                                <p:cTn id="108" presetID="42" presetClass="path" presetSubtype="0" accel="50000" decel="50000" fill="hold" grpId="0" nodeType="afterEffect">
+                                  <p:stCondLst>
+                                    <p:cond delay="0"/>
+                                  </p:stCondLst>
+                                  <p:childTnLst>
+                                    <p:animMotion origin="layout" path="M 0.000209 0.000000 L 0.000521 0.252685 " pathEditMode="relative" rAng="0" ptsTypes="">
+                                      <p:cBhvr>
+                                        <p:cTn id="109" dur="500" fill="hold"/>
+                                        <p:tgtEl>
+                                          <p:spTgt spid="55"/>
+                                        </p:tgtEl>
+                                        <p:attrNameLst>
+                                          <p:attrName>ppt_x</p:attrName>
+                                          <p:attrName>ppt_y</p:attrName>
+                                        </p:attrNameLst>
+                                      </p:cBhvr>
+                                      <p:rCtr x="0" y="126"/>
+                                    </p:animMotion>
+                                  </p:childTnLst>
+                                </p:cTn>
+                              </p:par>
+                            </p:childTnLst>
+                          </p:cTn>
+                        </p:par>
+                      </p:childTnLst>
+                    </p:cTn>
+                  </p:par>
+                  <p:par>
+                    <p:cTn id="110" fill="hold">
+                      <p:stCondLst>
+                        <p:cond delay="indefinite"/>
+                      </p:stCondLst>
+                      <p:childTnLst>
+                        <p:par>
+                          <p:cTn id="111" fill="hold">
+                            <p:stCondLst>
+                              <p:cond delay="0"/>
+                            </p:stCondLst>
+                            <p:childTnLst>
+                              <p:par>
+                                <p:cTn id="112" presetID="63" presetClass="path" presetSubtype="0" accel="50000" decel="50000" fill="hold" nodeType="clickEffect">
+                                  <p:stCondLst>
+                                    <p:cond delay="0"/>
+                                  </p:stCondLst>
+                                  <p:childTnLst>
+                                    <p:animMotion origin="layout" path="M 0.223438 0.001389 L 0.260105 0.001019 " pathEditMode="relative" rAng="0" ptsTypes="">
+                                      <p:cBhvr>
+                                        <p:cTn id="113" dur="500" fill="hold"/>
+                                        <p:tgtEl>
+                                          <p:spTgt spid="44"/>
+                                        </p:tgtEl>
+                                        <p:attrNameLst>
+                                          <p:attrName>ppt_x</p:attrName>
+                                          <p:attrName>ppt_y</p:attrName>
+                                        </p:attrNameLst>
+                                      </p:cBhvr>
+                                      <p:rCtr x="18" y="0"/>
+                                    </p:animMotion>
+                                  </p:childTnLst>
+                                </p:cTn>
+                              </p:par>
+                            </p:childTnLst>
+                          </p:cTn>
+                        </p:par>
+                        <p:par>
+                          <p:cTn id="114" fill="hold">
+                            <p:stCondLst>
+                              <p:cond delay="500"/>
+                            </p:stCondLst>
+                            <p:childTnLst>
+                              <p:par>
+                                <p:cTn id="115" presetID="10" presetClass="entr" presetSubtype="0" fill="hold" grpId="2" nodeType="afterEffect">
+                                  <p:stCondLst>
+                                    <p:cond delay="0"/>
+                                  </p:stCondLst>
+                                  <p:childTnLst>
+                                    <p:set>
+                                      <p:cBhvr>
+                                        <p:cTn id="116" dur="1" fill="hold">
+                                          <p:stCondLst>
+                                            <p:cond delay="0"/>
+                                          </p:stCondLst>
+                                        </p:cTn>
+                                        <p:tgtEl>
+                                          <p:spTgt spid="56"/>
+                                        </p:tgtEl>
+                                        <p:attrNameLst>
+                                          <p:attrName>style.visibility</p:attrName>
+                                        </p:attrNameLst>
+                                      </p:cBhvr>
+                                      <p:to>
+                                        <p:strVal val="visible"/>
+                                      </p:to>
+                                    </p:set>
+                                    <p:animEffect transition="in" filter="fade">
+                                      <p:cBhvr>
+                                        <p:cTn id="117" dur="500"/>
+                                        <p:tgtEl>
+                                          <p:spTgt spid="56"/>
+                                        </p:tgtEl>
+                                      </p:cBhvr>
+                                    </p:animEffect>
+                                  </p:childTnLst>
+                                </p:cTn>
+                              </p:par>
+                            </p:childTnLst>
+                          </p:cTn>
+                        </p:par>
+                        <p:par>
+                          <p:cTn id="118" fill="hold">
+                            <p:stCondLst>
+                              <p:cond delay="1000"/>
+                            </p:stCondLst>
+                            <p:childTnLst>
+                              <p:par>
+                                <p:cTn id="119" presetID="42" presetClass="path" presetSubtype="0" accel="50000" decel="50000" fill="hold" grpId="0" nodeType="afterEffect">
+                                  <p:stCondLst>
+                                    <p:cond delay="0"/>
+                                  </p:stCondLst>
+                                  <p:childTnLst>
+                                    <p:animMotion origin="layout" path="M 0.000260 0.000000 L 0.000520 0.192685 " pathEditMode="relative" rAng="0" ptsTypes="">
+                                      <p:cBhvr>
+                                        <p:cTn id="120" dur="500" fill="hold"/>
+                                        <p:tgtEl>
+                                          <p:spTgt spid="56"/>
+                                        </p:tgtEl>
+                                        <p:attrNameLst>
+                                          <p:attrName>ppt_x</p:attrName>
+                                          <p:attrName>ppt_y</p:attrName>
+                                        </p:attrNameLst>
+                                      </p:cBhvr>
+                                      <p:rCtr x="0" y="96"/>
+                                    </p:animMotion>
+                                  </p:childTnLst>
+                                </p:cTn>
+                              </p:par>
+                            </p:childTnLst>
+                          </p:cTn>
+                        </p:par>
+                      </p:childTnLst>
+                    </p:cTn>
+                  </p:par>
+                  <p:par>
+                    <p:cTn id="121" fill="hold">
+                      <p:stCondLst>
+                        <p:cond delay="indefinite"/>
+                      </p:stCondLst>
+                      <p:childTnLst>
+                        <p:par>
+                          <p:cTn id="122" fill="hold">
+                            <p:stCondLst>
+                              <p:cond delay="0"/>
+                            </p:stCondLst>
+                            <p:childTnLst>
+                              <p:par>
+                                <p:cTn id="123" presetID="63" presetClass="path" presetSubtype="0" accel="50000" decel="50000" fill="hold" nodeType="clickEffect">
+                                  <p:stCondLst>
+                                    <p:cond delay="0"/>
+                                  </p:stCondLst>
+                                  <p:childTnLst>
+                                    <p:animMotion origin="layout" path="M 0.260625 0.001389 L 0.299062 0.001481 " pathEditMode="relative" rAng="0" ptsTypes="">
+                                      <p:cBhvr>
+                                        <p:cTn id="124" dur="500" fill="hold"/>
+                                        <p:tgtEl>
+                                          <p:spTgt spid="44"/>
+                                        </p:tgtEl>
+                                        <p:attrNameLst>
+                                          <p:attrName>ppt_x</p:attrName>
+                                          <p:attrName>ppt_y</p:attrName>
+                                        </p:attrNameLst>
+                                      </p:cBhvr>
+                                      <p:rCtr x="19" y="0"/>
+                                    </p:animMotion>
+                                  </p:childTnLst>
+                                </p:cTn>
+                              </p:par>
+                            </p:childTnLst>
+                          </p:cTn>
+                        </p:par>
+                        <p:par>
+                          <p:cTn id="125" fill="hold">
+                            <p:stCondLst>
+                              <p:cond delay="500"/>
+                            </p:stCondLst>
+                            <p:childTnLst>
+                              <p:par>
+                                <p:cTn id="126" presetID="10" presetClass="entr" presetSubtype="0" fill="hold" grpId="2" nodeType="afterEffect">
+                                  <p:stCondLst>
+                                    <p:cond delay="0"/>
+                                  </p:stCondLst>
+                                  <p:childTnLst>
+                                    <p:set>
+                                      <p:cBhvr>
+                                        <p:cTn id="127" dur="1" fill="hold">
+                                          <p:stCondLst>
+                                            <p:cond delay="0"/>
+                                          </p:stCondLst>
+                                        </p:cTn>
+                                        <p:tgtEl>
+                                          <p:spTgt spid="57"/>
+                                        </p:tgtEl>
+                                        <p:attrNameLst>
+                                          <p:attrName>style.visibility</p:attrName>
+                                        </p:attrNameLst>
+                                      </p:cBhvr>
+                                      <p:to>
+                                        <p:strVal val="visible"/>
+                                      </p:to>
+                                    </p:set>
+                                    <p:animEffect transition="in" filter="fade">
+                                      <p:cBhvr>
+                                        <p:cTn id="128" dur="500"/>
+                                        <p:tgtEl>
+                                          <p:spTgt spid="57"/>
+                                        </p:tgtEl>
+                                      </p:cBhvr>
+                                    </p:animEffect>
+                                  </p:childTnLst>
+                                </p:cTn>
+                              </p:par>
+                            </p:childTnLst>
+                          </p:cTn>
+                        </p:par>
+                        <p:par>
+                          <p:cTn id="129" fill="hold">
+                            <p:stCondLst>
+                              <p:cond delay="1000"/>
+                            </p:stCondLst>
+                            <p:childTnLst>
+                              <p:par>
+                                <p:cTn id="130" presetID="42" presetClass="path" presetSubtype="0" accel="50000" decel="50000" fill="hold" grpId="0" nodeType="afterEffect">
+                                  <p:stCondLst>
+                                    <p:cond delay="0"/>
+                                  </p:stCondLst>
+                                  <p:childTnLst>
+                                    <p:animMotion origin="layout" path="M 0.000000 0.000000 L 0.000521 0.135185 " pathEditMode="relative" rAng="0" ptsTypes="">
+                                      <p:cBhvr>
+                                        <p:cTn id="131" dur="500" fill="hold"/>
+                                        <p:tgtEl>
+                                          <p:spTgt spid="57"/>
+                                        </p:tgtEl>
+                                        <p:attrNameLst>
+                                          <p:attrName>ppt_x</p:attrName>
+                                          <p:attrName>ppt_y</p:attrName>
+                                        </p:attrNameLst>
+                                      </p:cBhvr>
+                                      <p:rCtr x="0" y="68"/>
+                                    </p:animMotion>
+                                  </p:childTnLst>
+                                </p:cTn>
+                              </p:par>
+                            </p:childTnLst>
+                          </p:cTn>
+                        </p:par>
+                        <p:par>
+                          <p:cTn id="132" fill="hold">
+                            <p:stCondLst>
+                              <p:cond delay="1500"/>
+                            </p:stCondLst>
+                            <p:childTnLst>
+                              <p:par>
+                                <p:cTn id="133" presetID="64" presetClass="path" presetSubtype="0" accel="50000" decel="50000" fill="hold" grpId="3" nodeType="afterEffect">
+                                  <p:stCondLst>
+                                    <p:cond delay="0"/>
+                                  </p:stCondLst>
+                                  <p:childTnLst>
+                                    <p:animMotion origin="layout" path="M 0.000520 0.134167 L 0.000520 -0.001481 " pathEditMode="relative" rAng="0" ptsTypes="">
+                                      <p:cBhvr>
+                                        <p:cTn id="134" dur="500" fill="hold"/>
+                                        <p:tgtEl>
+                                          <p:spTgt spid="57"/>
+                                        </p:tgtEl>
+                                        <p:attrNameLst>
+                                          <p:attrName>ppt_x</p:attrName>
+                                          <p:attrName>ppt_y</p:attrName>
+                                        </p:attrNameLst>
+                                      </p:cBhvr>
+                                      <p:rCtr x="0" y="-67"/>
+                                    </p:animMotion>
+                                  </p:childTnLst>
+                                </p:cTn>
+                              </p:par>
+                            </p:childTnLst>
+                          </p:cTn>
+                        </p:par>
+                        <p:par>
+                          <p:cTn id="135" fill="hold">
+                            <p:stCondLst>
+                              <p:cond delay="2000"/>
+                            </p:stCondLst>
+                            <p:childTnLst>
+                              <p:par>
+                                <p:cTn id="136" presetID="10" presetClass="exit" presetSubtype="0" fill="hold" grpId="4" nodeType="afterEffect">
+                                  <p:stCondLst>
+                                    <p:cond delay="0"/>
+                                  </p:stCondLst>
+                                  <p:childTnLst>
+                                    <p:animEffect transition="out" filter="fade">
+                                      <p:cBhvr>
+                                        <p:cTn id="137" dur="500"/>
+                                        <p:tgtEl>
+                                          <p:spTgt spid="57"/>
+                                        </p:tgtEl>
+                                      </p:cBhvr>
+                                    </p:animEffect>
+                                    <p:set>
+                                      <p:cBhvr>
+                                        <p:cTn id="138" dur="1" fill="hold">
+                                          <p:stCondLst>
+                                            <p:cond delay="499"/>
+                                          </p:stCondLst>
+                                        </p:cTn>
+                                        <p:tgtEl>
+                                          <p:spTgt spid="57"/>
+                                        </p:tgtEl>
+                                        <p:attrNameLst>
+                                          <p:attrName>style.visibility</p:attrName>
+                                        </p:attrNameLst>
+                                      </p:cBhvr>
+                                      <p:to>
+                                        <p:strVal val="hidden"/>
+                                      </p:to>
+                                    </p:set>
+                                  </p:childTnLst>
+                                </p:cTn>
+                              </p:par>
+                            </p:childTnLst>
+                          </p:cTn>
+                        </p:par>
+                        <p:par>
+                          <p:cTn id="139" fill="hold">
+                            <p:stCondLst>
+                              <p:cond delay="2500"/>
+                            </p:stCondLst>
+                            <p:childTnLst>
+                              <p:par>
+                                <p:cTn id="140" presetID="64" presetClass="path" presetSubtype="0" accel="50000" decel="50000" fill="hold" grpId="3" nodeType="afterEffect">
+                                  <p:stCondLst>
+                                    <p:cond delay="0"/>
+                                  </p:stCondLst>
+                                  <p:childTnLst>
+                                    <p:animMotion origin="layout" path="M 0.000520 0.192685 L 0.000416 -0.003333 " pathEditMode="relative" rAng="0" ptsTypes="">
+                                      <p:cBhvr>
+                                        <p:cTn id="141" dur="500" fill="hold"/>
+                                        <p:tgtEl>
+                                          <p:spTgt spid="56"/>
+                                        </p:tgtEl>
+                                        <p:attrNameLst>
+                                          <p:attrName>ppt_x</p:attrName>
+                                          <p:attrName>ppt_y</p:attrName>
+                                        </p:attrNameLst>
+                                      </p:cBhvr>
+                                      <p:rCtr x="0" y="-98"/>
+                                    </p:animMotion>
+                                  </p:childTnLst>
+                                </p:cTn>
+                              </p:par>
+                            </p:childTnLst>
+                          </p:cTn>
+                        </p:par>
+                        <p:par>
+                          <p:cTn id="142" fill="hold">
+                            <p:stCondLst>
+                              <p:cond delay="3000"/>
+                            </p:stCondLst>
+                            <p:childTnLst>
+                              <p:par>
+                                <p:cTn id="143" presetID="10" presetClass="exit" presetSubtype="0" fill="hold" grpId="4" nodeType="afterEffect">
+                                  <p:stCondLst>
+                                    <p:cond delay="0"/>
+                                  </p:stCondLst>
+                                  <p:childTnLst>
+                                    <p:animEffect transition="out" filter="fade">
+                                      <p:cBhvr>
+                                        <p:cTn id="144" dur="500"/>
+                                        <p:tgtEl>
+                                          <p:spTgt spid="56"/>
+                                        </p:tgtEl>
+                                      </p:cBhvr>
+                                    </p:animEffect>
+                                    <p:set>
+                                      <p:cBhvr>
+                                        <p:cTn id="145" dur="1" fill="hold">
+                                          <p:stCondLst>
+                                            <p:cond delay="499"/>
+                                          </p:stCondLst>
+                                        </p:cTn>
+                                        <p:tgtEl>
+                                          <p:spTgt spid="56"/>
+                                        </p:tgtEl>
+                                        <p:attrNameLst>
+                                          <p:attrName>style.visibility</p:attrName>
+                                        </p:attrNameLst>
+                                      </p:cBhvr>
+                                      <p:to>
+                                        <p:strVal val="hidden"/>
+                                      </p:to>
+                                    </p:set>
+                                  </p:childTnLst>
+                                </p:cTn>
+                              </p:par>
+                            </p:childTnLst>
+                          </p:cTn>
+                        </p:par>
+                        <p:par>
+                          <p:cTn id="146" fill="hold">
+                            <p:stCondLst>
+                              <p:cond delay="3500"/>
+                            </p:stCondLst>
+                            <p:childTnLst>
+                              <p:par>
+                                <p:cTn id="147" presetID="64" presetClass="path" presetSubtype="0" accel="50000" decel="50000" fill="hold" grpId="3" nodeType="afterEffect">
+                                  <p:stCondLst>
+                                    <p:cond delay="0"/>
+                                  </p:stCondLst>
+                                  <p:childTnLst>
+                                    <p:animMotion origin="layout" path="M 0.000571 0.252500 L 0.000571 0.002500 " pathEditMode="relative" rAng="0" ptsTypes="">
+                                      <p:cBhvr>
+                                        <p:cTn id="148" dur="500" fill="hold"/>
+                                        <p:tgtEl>
+                                          <p:spTgt spid="55"/>
+                                        </p:tgtEl>
+                                        <p:attrNameLst>
+                                          <p:attrName>ppt_x</p:attrName>
+                                          <p:attrName>ppt_y</p:attrName>
+                                        </p:attrNameLst>
+                                      </p:cBhvr>
+                                      <p:rCtr x="0" y="-125"/>
+                                    </p:animMotion>
+                                  </p:childTnLst>
+                                </p:cTn>
+                              </p:par>
+                            </p:childTnLst>
+                          </p:cTn>
+                        </p:par>
+                        <p:par>
+                          <p:cTn id="149" fill="hold">
+                            <p:stCondLst>
+                              <p:cond delay="4000"/>
+                            </p:stCondLst>
+                            <p:childTnLst>
+                              <p:par>
+                                <p:cTn id="150" presetID="10" presetClass="exit" presetSubtype="0" fill="hold" grpId="4" nodeType="afterEffect">
+                                  <p:stCondLst>
+                                    <p:cond delay="0"/>
+                                  </p:stCondLst>
+                                  <p:childTnLst>
+                                    <p:animEffect transition="out" filter="fade">
+                                      <p:cBhvr>
+                                        <p:cTn id="151" dur="500"/>
+                                        <p:tgtEl>
+                                          <p:spTgt spid="55"/>
+                                        </p:tgtEl>
+                                      </p:cBhvr>
+                                    </p:animEffect>
+                                    <p:set>
+                                      <p:cBhvr>
+                                        <p:cTn id="152" dur="1" fill="hold">
+                                          <p:stCondLst>
+                                            <p:cond delay="499"/>
+                                          </p:stCondLst>
+                                        </p:cTn>
+                                        <p:tgtEl>
+                                          <p:spTgt spid="55"/>
+                                        </p:tgtEl>
+                                        <p:attrNameLst>
+                                          <p:attrName>style.visibility</p:attrName>
+                                        </p:attrNameLst>
+                                      </p:cBhvr>
+                                      <p:to>
+                                        <p:strVal val="hidden"/>
+                                      </p:to>
+                                    </p:set>
+                                  </p:childTnLst>
+                                </p:cTn>
+                              </p:par>
+                            </p:childTnLst>
+                          </p:cTn>
+                        </p:par>
+                        <p:par>
+                          <p:cTn id="153" fill="hold">
+                            <p:stCondLst>
+                              <p:cond delay="4500"/>
+                            </p:stCondLst>
+                            <p:childTnLst>
+                              <p:par>
+                                <p:cTn id="154" presetID="10" presetClass="exit" presetSubtype="0" fill="hold" nodeType="afterEffect">
+                                  <p:stCondLst>
+                                    <p:cond delay="0"/>
+                                  </p:stCondLst>
+                                  <p:childTnLst>
+                                    <p:animEffect transition="out" filter="fade">
+                                      <p:cBhvr>
+                                        <p:cTn id="155" dur="500"/>
+                                        <p:tgtEl>
+                                          <p:spTgt spid="28"/>
+                                        </p:tgtEl>
+                                      </p:cBhvr>
+                                    </p:animEffect>
+                                    <p:set>
+                                      <p:cBhvr>
+                                        <p:cTn id="156" dur="1" fill="hold">
+                                          <p:stCondLst>
+                                            <p:cond delay="499"/>
+                                          </p:stCondLst>
+                                        </p:cTn>
+                                        <p:tgtEl>
+                                          <p:spTgt spid="28"/>
+                                        </p:tgtEl>
+                                        <p:attrNameLst>
+                                          <p:attrName>style.visibility</p:attrName>
+                                        </p:attrNameLst>
+                                      </p:cBhvr>
+                                      <p:to>
+                                        <p:strVal val="hidden"/>
+                                      </p:to>
+                                    </p:set>
+                                  </p:childTnLst>
+                                </p:cTn>
+                              </p:par>
+                            </p:childTnLst>
+                          </p:cTn>
+                        </p:par>
+                        <p:par>
+                          <p:cTn id="157" fill="hold">
+                            <p:stCondLst>
+                              <p:cond delay="5000"/>
+                            </p:stCondLst>
+                            <p:childTnLst>
+                              <p:par>
+                                <p:cTn id="158" presetID="10" presetClass="entr" presetSubtype="0" fill="hold" grpId="2" nodeType="afterEffect">
+                                  <p:stCondLst>
+                                    <p:cond delay="0"/>
+                                  </p:stCondLst>
+                                  <p:childTnLst>
+                                    <p:set>
+                                      <p:cBhvr>
+                                        <p:cTn id="159" dur="1" fill="hold">
+                                          <p:stCondLst>
+                                            <p:cond delay="0"/>
+                                          </p:stCondLst>
+                                        </p:cTn>
+                                        <p:tgtEl>
+                                          <p:spTgt spid="58"/>
+                                        </p:tgtEl>
+                                        <p:attrNameLst>
+                                          <p:attrName>style.visibility</p:attrName>
+                                        </p:attrNameLst>
+                                      </p:cBhvr>
+                                      <p:to>
+                                        <p:strVal val="visible"/>
+                                      </p:to>
+                                    </p:set>
+                                    <p:animEffect transition="in" filter="fade">
+                                      <p:cBhvr>
+                                        <p:cTn id="160" dur="500"/>
+                                        <p:tgtEl>
+                                          <p:spTgt spid="58"/>
+                                        </p:tgtEl>
+                                      </p:cBhvr>
+                                    </p:animEffect>
+                                  </p:childTnLst>
+                                </p:cTn>
+                              </p:par>
+                            </p:childTnLst>
+                          </p:cTn>
+                        </p:par>
+                        <p:par>
+                          <p:cTn id="161" fill="hold">
+                            <p:stCondLst>
+                              <p:cond delay="5500"/>
+                            </p:stCondLst>
+                            <p:childTnLst>
+                              <p:par>
+                                <p:cTn id="162" presetID="42" presetClass="path" presetSubtype="0" accel="50000" decel="50000" fill="hold" grpId="0" nodeType="afterEffect">
+                                  <p:stCondLst>
+                                    <p:cond delay="0"/>
+                                  </p:stCondLst>
+                                  <p:childTnLst>
+                                    <p:animMotion origin="layout" path="M 0.000520 0.000000 L 0.000676 0.253611 " pathEditMode="relative" rAng="0" ptsTypes="">
+                                      <p:cBhvr>
+                                        <p:cTn id="163" dur="500" fill="hold"/>
+                                        <p:tgtEl>
+                                          <p:spTgt spid="58"/>
+                                        </p:tgtEl>
+                                        <p:attrNameLst>
+                                          <p:attrName>ppt_x</p:attrName>
+                                          <p:attrName>ppt_y</p:attrName>
+                                        </p:attrNameLst>
+                                      </p:cBhvr>
+                                      <p:rCtr x="0" y="127"/>
+                                    </p:animMotion>
+                                  </p:childTnLst>
+                                </p:cTn>
+                              </p:par>
+                            </p:childTnLst>
+                          </p:cTn>
+                        </p:par>
+                      </p:childTnLst>
+                    </p:cTn>
+                  </p:par>
+                  <p:par>
+                    <p:cTn id="164" fill="hold">
+                      <p:stCondLst>
+                        <p:cond delay="indefinite"/>
+                      </p:stCondLst>
+                      <p:childTnLst>
+                        <p:par>
+                          <p:cTn id="165" fill="hold">
+                            <p:stCondLst>
+                              <p:cond delay="0"/>
+                            </p:stCondLst>
+                            <p:childTnLst>
+                              <p:par>
+                                <p:cTn id="166" presetID="64" presetClass="path" presetSubtype="0" accel="50000" decel="50000" fill="hold" grpId="3" nodeType="clickEffect">
+                                  <p:stCondLst>
+                                    <p:cond delay="0"/>
+                                  </p:stCondLst>
+                                  <p:childTnLst>
+                                    <p:animMotion origin="layout" path="M 0.000416 0.252037 L 0.000625 -0.000370 " pathEditMode="relative" rAng="0" ptsTypes="">
+                                      <p:cBhvr>
+                                        <p:cTn id="167" dur="500" fill="hold"/>
+                                        <p:tgtEl>
+                                          <p:spTgt spid="58"/>
+                                        </p:tgtEl>
+                                        <p:attrNameLst>
+                                          <p:attrName>ppt_x</p:attrName>
+                                          <p:attrName>ppt_y</p:attrName>
+                                        </p:attrNameLst>
+                                      </p:cBhvr>
+                                      <p:rCtr x="0" y="-126"/>
+                                    </p:animMotion>
+                                  </p:childTnLst>
+                                </p:cTn>
+                              </p:par>
+                            </p:childTnLst>
+                          </p:cTn>
+                        </p:par>
+                        <p:par>
+                          <p:cTn id="168" fill="hold">
+                            <p:stCondLst>
+                              <p:cond delay="500"/>
+                            </p:stCondLst>
+                            <p:childTnLst>
+                              <p:par>
+                                <p:cTn id="169" presetID="10" presetClass="exit" presetSubtype="0" fill="hold" grpId="4" nodeType="afterEffect">
+                                  <p:stCondLst>
+                                    <p:cond delay="0"/>
+                                  </p:stCondLst>
+                                  <p:childTnLst>
+                                    <p:animEffect transition="out" filter="fade">
+                                      <p:cBhvr>
+                                        <p:cTn id="170" dur="500"/>
+                                        <p:tgtEl>
+                                          <p:spTgt spid="58"/>
+                                        </p:tgtEl>
+                                      </p:cBhvr>
+                                    </p:animEffect>
+                                    <p:set>
+                                      <p:cBhvr>
+                                        <p:cTn id="171" dur="1" fill="hold">
+                                          <p:stCondLst>
+                                            <p:cond delay="499"/>
+                                          </p:stCondLst>
+                                        </p:cTn>
+                                        <p:tgtEl>
+                                          <p:spTgt spid="58"/>
+                                        </p:tgtEl>
+                                        <p:attrNameLst>
+                                          <p:attrName>style.visibility</p:attrName>
+                                        </p:attrNameLst>
+                                      </p:cBhvr>
+                                      <p:to>
+                                        <p:strVal val="hidden"/>
+                                      </p:to>
+                                    </p:set>
+                                  </p:childTnLst>
+                                </p:cTn>
+                              </p:par>
+                            </p:childTnLst>
+                          </p:cTn>
+                        </p:par>
+                        <p:par>
+                          <p:cTn id="172" fill="hold">
+                            <p:stCondLst>
+                              <p:cond delay="1000"/>
+                            </p:stCondLst>
+                            <p:childTnLst>
+                              <p:par>
+                                <p:cTn id="173" presetID="64" presetClass="path" presetSubtype="0" accel="50000" decel="50000" fill="hold" grpId="3" nodeType="afterEffect">
+                                  <p:stCondLst>
+                                    <p:cond delay="0"/>
+                                  </p:stCondLst>
+                                  <p:childTnLst>
+                                    <p:animMotion origin="layout" path="M 0.000781 0.309907 L 0.000572 -0.000556 " pathEditMode="relative" rAng="0" ptsTypes="">
+                                      <p:cBhvr>
+                                        <p:cTn id="174" dur="500" fill="hold"/>
+                                        <p:tgtEl>
+                                          <p:spTgt spid="54"/>
+                                        </p:tgtEl>
+                                        <p:attrNameLst>
+                                          <p:attrName>ppt_x</p:attrName>
+                                          <p:attrName>ppt_y</p:attrName>
+                                        </p:attrNameLst>
+                                      </p:cBhvr>
+                                      <p:rCtr x="0" y="-155"/>
+                                    </p:animMotion>
+                                  </p:childTnLst>
+                                </p:cTn>
+                              </p:par>
+                            </p:childTnLst>
+                          </p:cTn>
+                        </p:par>
+                        <p:par>
+                          <p:cTn id="175" fill="hold">
+                            <p:stCondLst>
+                              <p:cond delay="1500"/>
+                            </p:stCondLst>
+                            <p:childTnLst>
+                              <p:par>
+                                <p:cTn id="176" presetID="10" presetClass="exit" presetSubtype="0" fill="hold" grpId="4" nodeType="afterEffect">
+                                  <p:stCondLst>
+                                    <p:cond delay="0"/>
+                                  </p:stCondLst>
+                                  <p:childTnLst>
+                                    <p:animEffect transition="out" filter="fade">
+                                      <p:cBhvr>
+                                        <p:cTn id="177" dur="500"/>
+                                        <p:tgtEl>
+                                          <p:spTgt spid="54"/>
+                                        </p:tgtEl>
+                                      </p:cBhvr>
+                                    </p:animEffect>
+                                    <p:set>
+                                      <p:cBhvr>
+                                        <p:cTn id="178" dur="1" fill="hold">
+                                          <p:stCondLst>
+                                            <p:cond delay="499"/>
+                                          </p:stCondLst>
+                                        </p:cTn>
+                                        <p:tgtEl>
+                                          <p:spTgt spid="54"/>
+                                        </p:tgtEl>
+                                        <p:attrNameLst>
+                                          <p:attrName>style.visibility</p:attrName>
+                                        </p:attrNameLst>
+                                      </p:cBhvr>
+                                      <p:to>
+                                        <p:strVal val="hidden"/>
+                                      </p:to>
+                                    </p:set>
+                                  </p:childTnLst>
+                                </p:cTn>
+                              </p:par>
+                            </p:childTnLst>
+                          </p:cTn>
+                        </p:par>
+                        <p:par>
+                          <p:cTn id="179" fill="hold">
+                            <p:stCondLst>
+                              <p:cond delay="2000"/>
+                            </p:stCondLst>
+                            <p:childTnLst>
+                              <p:par>
+                                <p:cTn id="180" presetID="64" presetClass="path" presetSubtype="0" accel="50000" decel="50000" fill="hold" grpId="2" nodeType="afterEffect">
+                                  <p:stCondLst>
+                                    <p:cond delay="0"/>
+                                  </p:stCondLst>
+                                  <p:childTnLst>
+                                    <p:animMotion origin="layout" path="M 0.000776 0.368704 L 0.000412 -0.000370 " pathEditMode="relative" rAng="0" ptsTypes="">
+                                      <p:cBhvr>
+                                        <p:cTn id="181" dur="500" fill="hold"/>
+                                        <p:tgtEl>
+                                          <p:spTgt spid="51"/>
+                                        </p:tgtEl>
+                                        <p:attrNameLst>
+                                          <p:attrName>ppt_x</p:attrName>
+                                          <p:attrName>ppt_y</p:attrName>
+                                        </p:attrNameLst>
+                                      </p:cBhvr>
+                                      <p:rCtr x="0" y="-184"/>
+                                    </p:animMotion>
+                                  </p:childTnLst>
+                                </p:cTn>
+                              </p:par>
+                            </p:childTnLst>
+                          </p:cTn>
+                        </p:par>
+                        <p:par>
+                          <p:cTn id="182" fill="hold">
+                            <p:stCondLst>
+                              <p:cond delay="2500"/>
+                            </p:stCondLst>
+                            <p:childTnLst>
+                              <p:par>
+                                <p:cTn id="183" presetID="10" presetClass="exit" presetSubtype="0" fill="hold" grpId="3" nodeType="afterEffect">
+                                  <p:stCondLst>
+                                    <p:cond delay="0"/>
+                                  </p:stCondLst>
+                                  <p:childTnLst>
+                                    <p:animEffect transition="out" filter="fade">
+                                      <p:cBhvr>
+                                        <p:cTn id="184" dur="500"/>
+                                        <p:tgtEl>
+                                          <p:spTgt spid="51"/>
+                                        </p:tgtEl>
+                                      </p:cBhvr>
+                                    </p:animEffect>
+                                    <p:set>
+                                      <p:cBhvr>
+                                        <p:cTn id="185" dur="1" fill="hold">
+                                          <p:stCondLst>
+                                            <p:cond delay="499"/>
+                                          </p:stCondLst>
+                                        </p:cTn>
+                                        <p:tgtEl>
+                                          <p:spTgt spid="51"/>
+                                        </p:tgtEl>
+                                        <p:attrNameLst>
+                                          <p:attrName>style.visibility</p:attrName>
+                                        </p:attrNameLst>
+                                      </p:cBhvr>
+                                      <p:to>
+                                        <p:strVal val="hidden"/>
+                                      </p:to>
+                                    </p:set>
+                                  </p:childTnLst>
+                                </p:cTn>
+                              </p:par>
+                            </p:childTnLst>
+                          </p:cTn>
+                        </p:par>
+                        <p:par>
+                          <p:cTn id="186" fill="hold">
+                            <p:stCondLst>
+                              <p:cond delay="3000"/>
+                            </p:stCondLst>
+                            <p:childTnLst>
+                              <p:par>
+                                <p:cTn id="187" presetID="10" presetClass="exit" presetSubtype="0" fill="hold" nodeType="afterEffect">
+                                  <p:stCondLst>
+                                    <p:cond delay="0"/>
+                                  </p:stCondLst>
+                                  <p:childTnLst>
+                                    <p:animEffect transition="out" filter="fade">
+                                      <p:cBhvr>
+                                        <p:cTn id="188" dur="500"/>
+                                        <p:tgtEl>
+                                          <p:spTgt spid="36"/>
+                                        </p:tgtEl>
+                                      </p:cBhvr>
+                                    </p:animEffect>
+                                    <p:set>
+                                      <p:cBhvr>
+                                        <p:cTn id="189" dur="1" fill="hold">
+                                          <p:stCondLst>
+                                            <p:cond delay="499"/>
+                                          </p:stCondLst>
+                                        </p:cTn>
+                                        <p:tgtEl>
+                                          <p:spTgt spid="36"/>
+                                        </p:tgtEl>
+                                        <p:attrNameLst>
+                                          <p:attrName>style.visibility</p:attrName>
+                                        </p:attrNameLst>
+                                      </p:cBhvr>
+                                      <p:to>
+                                        <p:strVal val="hidden"/>
+                                      </p:to>
+                                    </p:set>
+                                  </p:childTnLst>
+                                </p:cTn>
+                              </p:par>
+                            </p:childTnLst>
+                          </p:cTn>
+                        </p:par>
+                        <p:par>
+                          <p:cTn id="190" fill="hold">
+                            <p:stCondLst>
+                              <p:cond delay="3500"/>
+                            </p:stCondLst>
+                            <p:childTnLst>
+                              <p:par>
+                                <p:cTn id="191" presetID="10" presetClass="entr" presetSubtype="0" fill="hold" grpId="1" nodeType="afterEffect">
+                                  <p:stCondLst>
+                                    <p:cond delay="0"/>
+                                  </p:stCondLst>
+                                  <p:childTnLst>
+                                    <p:set>
+                                      <p:cBhvr>
+                                        <p:cTn id="192" dur="1" fill="hold">
+                                          <p:stCondLst>
+                                            <p:cond delay="0"/>
+                                          </p:stCondLst>
+                                        </p:cTn>
+                                        <p:tgtEl>
+                                          <p:spTgt spid="59"/>
+                                        </p:tgtEl>
+                                        <p:attrNameLst>
+                                          <p:attrName>style.visibility</p:attrName>
+                                        </p:attrNameLst>
+                                      </p:cBhvr>
+                                      <p:to>
+                                        <p:strVal val="visible"/>
+                                      </p:to>
+                                    </p:set>
+                                    <p:animEffect transition="in" filter="fade">
+                                      <p:cBhvr>
+                                        <p:cTn id="193" dur="500"/>
+                                        <p:tgtEl>
+                                          <p:spTgt spid="59"/>
+                                        </p:tgtEl>
+                                      </p:cBhvr>
+                                    </p:animEffect>
+                                  </p:childTnLst>
+                                </p:cTn>
+                              </p:par>
+                            </p:childTnLst>
+                          </p:cTn>
+                        </p:par>
+                      </p:childTnLst>
+                    </p:cTn>
+                  </p:par>
+                  <p:par>
+                    <p:cTn id="194" fill="hold">
+                      <p:stCondLst>
+                        <p:cond delay="indefinite"/>
+                      </p:stCondLst>
+                      <p:childTnLst>
+                        <p:par>
+                          <p:cTn id="195" fill="hold">
+                            <p:stCondLst>
+                              <p:cond delay="0"/>
+                            </p:stCondLst>
+                            <p:childTnLst>
+                              <p:par>
+                                <p:cTn id="196" presetID="42" presetClass="path" presetSubtype="0" accel="50000" decel="50000" fill="hold" grpId="0" nodeType="clickEffect">
+                                  <p:stCondLst>
+                                    <p:cond delay="0"/>
+                                  </p:stCondLst>
+                                  <p:childTnLst>
+                                    <p:animMotion origin="layout" path="M 0.000260 0.000000 L 0.000677 0.368704 " pathEditMode="relative" rAng="0" ptsTypes="">
+                                      <p:cBhvr>
+                                        <p:cTn id="197" dur="500" fill="hold"/>
+                                        <p:tgtEl>
+                                          <p:spTgt spid="59"/>
+                                        </p:tgtEl>
+                                        <p:attrNameLst>
+                                          <p:attrName>ppt_x</p:attrName>
+                                          <p:attrName>ppt_y</p:attrName>
+                                        </p:attrNameLst>
+                                      </p:cBhvr>
+                                      <p:rCtr x="0" y="184"/>
+                                    </p:animMotion>
+                                  </p:childTnLst>
+                                </p:cTn>
+                              </p:par>
+                            </p:childTnLst>
+                          </p:cTn>
+                        </p:par>
+                      </p:childTnLst>
+                    </p:cTn>
+                  </p:par>
+                  <p:par>
+                    <p:cTn id="198" fill="hold">
+                      <p:stCondLst>
+                        <p:cond delay="indefinite"/>
+                      </p:stCondLst>
+                      <p:childTnLst>
+                        <p:par>
+                          <p:cTn id="199" fill="hold">
+                            <p:stCondLst>
+                              <p:cond delay="0"/>
+                            </p:stCondLst>
+                            <p:childTnLst>
+                              <p:par>
+                                <p:cTn id="200" presetID="64" presetClass="path" presetSubtype="0" accel="50000" decel="50000" fill="hold" grpId="2" nodeType="clickEffect">
+                                  <p:stCondLst>
+                                    <p:cond delay="0"/>
+                                  </p:stCondLst>
+                                  <p:childTnLst>
+                                    <p:animMotion origin="layout" path="M 0.000624 0.369167 L 0.000416 -0.000370 " pathEditMode="relative" rAng="0" ptsTypes="">
+                                      <p:cBhvr>
+                                        <p:cTn id="201" dur="500" fill="hold"/>
+                                        <p:tgtEl>
+                                          <p:spTgt spid="59"/>
+                                        </p:tgtEl>
+                                        <p:attrNameLst>
+                                          <p:attrName>ppt_x</p:attrName>
+                                          <p:attrName>ppt_y</p:attrName>
+                                        </p:attrNameLst>
+                                      </p:cBhvr>
+                                      <p:rCtr x="0" y="-184"/>
+                                    </p:animMotion>
+                                  </p:childTnLst>
+                                </p:cTn>
+                              </p:par>
+                            </p:childTnLst>
+                          </p:cTn>
+                        </p:par>
+                        <p:par>
+                          <p:cTn id="202" fill="hold">
+                            <p:stCondLst>
+                              <p:cond delay="500"/>
+                            </p:stCondLst>
+                            <p:childTnLst>
+                              <p:par>
+                                <p:cTn id="203" presetID="10" presetClass="exit" presetSubtype="0" fill="hold" grpId="3" nodeType="afterEffect">
+                                  <p:stCondLst>
+                                    <p:cond delay="0"/>
+                                  </p:stCondLst>
+                                  <p:childTnLst>
+                                    <p:animEffect transition="out" filter="fade">
+                                      <p:cBhvr>
+                                        <p:cTn id="204" dur="500"/>
+                                        <p:tgtEl>
+                                          <p:spTgt spid="59"/>
+                                        </p:tgtEl>
+                                      </p:cBhvr>
+                                    </p:animEffect>
+                                    <p:set>
+                                      <p:cBhvr>
+                                        <p:cTn id="205" dur="1" fill="hold">
+                                          <p:stCondLst>
+                                            <p:cond delay="499"/>
+                                          </p:stCondLst>
+                                        </p:cTn>
+                                        <p:tgtEl>
+                                          <p:spTgt spid="59"/>
+                                        </p:tgtEl>
+                                        <p:attrNameLst>
+                                          <p:attrName>style.visibility</p:attrName>
+                                        </p:attrNameLst>
+                                      </p:cBhvr>
+                                      <p:to>
+                                        <p:strVal val="hidden"/>
+                                      </p:to>
+                                    </p:set>
+                                  </p:childTnLst>
+                                </p:cTn>
+                              </p:par>
+                            </p:childTnLst>
+                          </p:cTn>
+                        </p:par>
+                        <p:par>
+                          <p:cTn id="206" fill="hold">
+                            <p:stCondLst>
+                              <p:cond delay="1000"/>
+                            </p:stCondLst>
+                            <p:childTnLst>
+                              <p:par>
+                                <p:cTn id="207" presetID="64" presetClass="path" presetSubtype="0" accel="50000" decel="50000" fill="hold" grpId="3" nodeType="afterEffect">
+                                  <p:stCondLst>
+                                    <p:cond delay="0"/>
+                                  </p:stCondLst>
+                                  <p:childTnLst>
+                                    <p:animMotion origin="layout" path="M 0.000885 0.427685 L 0.000260 -0.002037 " pathEditMode="relative" rAng="0" ptsTypes="">
+                                      <p:cBhvr>
+                                        <p:cTn id="208" dur="500" fill="hold"/>
+                                        <p:tgtEl>
+                                          <p:spTgt spid="53"/>
+                                        </p:tgtEl>
+                                        <p:attrNameLst>
+                                          <p:attrName>ppt_x</p:attrName>
+                                          <p:attrName>ppt_y</p:attrName>
+                                        </p:attrNameLst>
+                                      </p:cBhvr>
+                                      <p:rCtr x="0" y="-214"/>
+                                    </p:animMotion>
+                                  </p:childTnLst>
+                                </p:cTn>
+                              </p:par>
+                            </p:childTnLst>
+                          </p:cTn>
+                        </p:par>
+                        <p:par>
+                          <p:cTn id="209" fill="hold">
+                            <p:stCondLst>
+                              <p:cond delay="1500"/>
+                            </p:stCondLst>
+                            <p:childTnLst>
+                              <p:par>
+                                <p:cTn id="210" presetID="10" presetClass="exit" presetSubtype="0" fill="hold" grpId="4" nodeType="afterEffect">
+                                  <p:stCondLst>
+                                    <p:cond delay="0"/>
+                                  </p:stCondLst>
+                                  <p:childTnLst>
+                                    <p:animEffect transition="out" filter="fade">
+                                      <p:cBhvr>
+                                        <p:cTn id="211" dur="500"/>
+                                        <p:tgtEl>
+                                          <p:spTgt spid="53"/>
+                                        </p:tgtEl>
+                                      </p:cBhvr>
+                                    </p:animEffect>
+                                    <p:set>
+                                      <p:cBhvr>
+                                        <p:cTn id="212" dur="1" fill="hold">
+                                          <p:stCondLst>
+                                            <p:cond delay="499"/>
+                                          </p:stCondLst>
+                                        </p:cTn>
+                                        <p:tgtEl>
+                                          <p:spTgt spid="53"/>
+                                        </p:tgtEl>
+                                        <p:attrNameLst>
+                                          <p:attrName>style.visibility</p:attrName>
+                                        </p:attrNameLst>
+                                      </p:cBhvr>
+                                      <p:to>
+                                        <p:strVal val="hidden"/>
+                                      </p:to>
+                                    </p:set>
+                                  </p:childTnLst>
+                                </p:cTn>
+                              </p:par>
+                            </p:childTnLst>
+                          </p:cTn>
+                        </p:par>
+                        <p:par>
+                          <p:cTn id="213" fill="hold">
+                            <p:stCondLst>
+                              <p:cond delay="2000"/>
+                            </p:stCondLst>
+                            <p:childTnLst>
+                              <p:par>
+                                <p:cTn id="214" presetID="64" presetClass="path" presetSubtype="0" accel="50000" decel="50000" fill="hold" grpId="2" nodeType="afterEffect">
+                                  <p:stCondLst>
+                                    <p:cond delay="0"/>
+                                  </p:stCondLst>
+                                  <p:childTnLst>
+                                    <p:animMotion origin="layout" path="M 0.001564 0.487963 L 0.000262 -0.000648 " pathEditMode="relative" rAng="0" ptsTypes="">
+                                      <p:cBhvr>
+                                        <p:cTn id="215" dur="500" fill="hold"/>
+                                        <p:tgtEl>
+                                          <p:spTgt spid="46"/>
+                                        </p:tgtEl>
+                                        <p:attrNameLst>
+                                          <p:attrName>ppt_x</p:attrName>
+                                          <p:attrName>ppt_y</p:attrName>
+                                        </p:attrNameLst>
+                                      </p:cBhvr>
+                                      <p:rCtr x="0" y="-244"/>
+                                    </p:animMotion>
+                                  </p:childTnLst>
+                                </p:cTn>
+                              </p:par>
+                            </p:childTnLst>
+                          </p:cTn>
+                        </p:par>
+                        <p:par>
+                          <p:cTn id="216" fill="hold">
+                            <p:stCondLst>
+                              <p:cond delay="2500"/>
+                            </p:stCondLst>
+                            <p:childTnLst>
+                              <p:par>
+                                <p:cTn id="217" presetID="10" presetClass="exit" presetSubtype="0" fill="hold" grpId="3" nodeType="afterEffect">
+                                  <p:stCondLst>
+                                    <p:cond delay="0"/>
+                                  </p:stCondLst>
+                                  <p:childTnLst>
+                                    <p:animEffect transition="out" filter="fade">
+                                      <p:cBhvr>
+                                        <p:cTn id="218" dur="500"/>
+                                        <p:tgtEl>
+                                          <p:spTgt spid="46"/>
+                                        </p:tgtEl>
+                                      </p:cBhvr>
+                                    </p:animEffect>
+                                    <p:set>
+                                      <p:cBhvr>
+                                        <p:cTn id="219" dur="1" fill="hold">
+                                          <p:stCondLst>
+                                            <p:cond delay="499"/>
+                                          </p:stCondLst>
+                                        </p:cTn>
+                                        <p:tgtEl>
+                                          <p:spTgt spid="46"/>
+                                        </p:tgtEl>
+                                        <p:attrNameLst>
+                                          <p:attrName>style.visibility</p:attrName>
+                                        </p:attrNameLst>
+                                      </p:cBhvr>
+                                      <p:to>
+                                        <p:strVal val="hidden"/>
+                                      </p:to>
+                                    </p:set>
+                                  </p:childTnLst>
+                                </p:cTn>
+                              </p:par>
+                            </p:childTnLst>
+                          </p:cTn>
+                        </p:par>
+                        <p:par>
+                          <p:cTn id="220" fill="hold">
+                            <p:stCondLst>
+                              <p:cond delay="3000"/>
+                            </p:stCondLst>
+                            <p:childTnLst>
+                              <p:par>
+                                <p:cTn id="221" presetID="10" presetClass="exit" presetSubtype="0" fill="hold" nodeType="afterEffect">
+                                  <p:stCondLst>
+                                    <p:cond delay="0"/>
+                                  </p:stCondLst>
+                                  <p:childTnLst>
+                                    <p:animEffect transition="out" filter="fade">
+                                      <p:cBhvr>
+                                        <p:cTn id="222" dur="500"/>
+                                        <p:tgtEl>
+                                          <p:spTgt spid="37"/>
+                                        </p:tgtEl>
+                                      </p:cBhvr>
+                                    </p:animEffect>
+                                    <p:set>
+                                      <p:cBhvr>
+                                        <p:cTn id="223" dur="1" fill="hold">
+                                          <p:stCondLst>
+                                            <p:cond delay="499"/>
+                                          </p:stCondLst>
+                                        </p:cTn>
+                                        <p:tgtEl>
+                                          <p:spTgt spid="37"/>
+                                        </p:tgtEl>
+                                        <p:attrNameLst>
+                                          <p:attrName>style.visibility</p:attrName>
+                                        </p:attrNameLst>
+                                      </p:cBhvr>
+                                      <p:to>
+                                        <p:strVal val="hidden"/>
+                                      </p:to>
+                                    </p:set>
+                                  </p:childTnLst>
+                                </p:cTn>
+                              </p:par>
+                            </p:childTnLst>
+                          </p:cTn>
+                        </p:par>
+                      </p:childTnLst>
+                    </p:cTn>
+                  </p:par>
+                  <p:par>
+                    <p:cTn id="224" fill="hold">
+                      <p:stCondLst>
+                        <p:cond delay="indefinite"/>
+                      </p:stCondLst>
+                      <p:childTnLst>
+                        <p:par>
+                          <p:cTn id="225" fill="hold">
+                            <p:stCondLst>
+                              <p:cond delay="0"/>
+                            </p:stCondLst>
+                            <p:childTnLst>
+                              <p:par>
+                                <p:cTn id="226" presetID="10" presetClass="entr" presetSubtype="0" fill="hold" grpId="1" nodeType="clickEffect">
+                                  <p:stCondLst>
+                                    <p:cond delay="0"/>
+                                  </p:stCondLst>
+                                  <p:childTnLst>
+                                    <p:set>
+                                      <p:cBhvr>
+                                        <p:cTn id="227" dur="1" fill="hold">
+                                          <p:stCondLst>
+                                            <p:cond delay="0"/>
+                                          </p:stCondLst>
+                                        </p:cTn>
+                                        <p:tgtEl>
+                                          <p:spTgt spid="60"/>
+                                        </p:tgtEl>
+                                        <p:attrNameLst>
+                                          <p:attrName>style.visibility</p:attrName>
+                                        </p:attrNameLst>
+                                      </p:cBhvr>
+                                      <p:to>
+                                        <p:strVal val="visible"/>
+                                      </p:to>
+                                    </p:set>
+                                    <p:animEffect transition="in" filter="fade">
+                                      <p:cBhvr>
+                                        <p:cTn id="228" dur="500"/>
+                                        <p:tgtEl>
+                                          <p:spTgt spid="60"/>
+                                        </p:tgtEl>
+                                      </p:cBhvr>
+                                    </p:animEffect>
+                                  </p:childTnLst>
+                                </p:cTn>
+                              </p:par>
+                            </p:childTnLst>
+                          </p:cTn>
+                        </p:par>
+                        <p:par>
+                          <p:cTn id="229" fill="hold">
+                            <p:stCondLst>
+                              <p:cond delay="500"/>
+                            </p:stCondLst>
+                            <p:childTnLst>
+                              <p:par>
+                                <p:cTn id="230" presetID="42" presetClass="path" presetSubtype="0" accel="50000" decel="50000" fill="hold" grpId="0" nodeType="afterEffect">
+                                  <p:stCondLst>
+                                    <p:cond delay="0"/>
+                                  </p:stCondLst>
+                                  <p:childTnLst>
+                                    <p:animMotion origin="layout" path="M 0.000252 0.000000 L 0.001189 0.488148 " pathEditMode="relative" rAng="0" ptsTypes="">
+                                      <p:cBhvr>
+                                        <p:cTn id="231" dur="500" fill="hold"/>
+                                        <p:tgtEl>
+                                          <p:spTgt spid="60"/>
+                                        </p:tgtEl>
+                                        <p:attrNameLst>
+                                          <p:attrName>ppt_x</p:attrName>
+                                          <p:attrName>ppt_y</p:attrName>
+                                        </p:attrNameLst>
+                                      </p:cBhvr>
+                                      <p:rCtr x="0" y="244"/>
+                                    </p:animMotion>
+                                  </p:childTnLst>
+                                </p:cTn>
+                              </p:par>
+                            </p:childTnLst>
+                          </p:cTn>
+                        </p:par>
+                      </p:childTnLst>
+                    </p:cTn>
+                  </p:par>
+                  <p:par>
+                    <p:cTn id="232" fill="hold">
+                      <p:stCondLst>
+                        <p:cond delay="indefinite"/>
+                      </p:stCondLst>
+                      <p:childTnLst>
+                        <p:par>
+                          <p:cTn id="233" fill="hold">
+                            <p:stCondLst>
+                              <p:cond delay="0"/>
+                            </p:stCondLst>
+                            <p:childTnLst>
+                              <p:par>
+                                <p:cTn id="234" presetID="10" presetClass="exit" presetSubtype="0" fill="hold" nodeType="clickEffect">
+                                  <p:stCondLst>
+                                    <p:cond delay="0"/>
+                                  </p:stCondLst>
+                                  <p:childTnLst>
+                                    <p:animEffect transition="out" filter="fade">
+                                      <p:cBhvr>
+                                        <p:cTn id="235" dur="500"/>
+                                        <p:tgtEl>
+                                          <p:spTgt spid="35"/>
+                                        </p:tgtEl>
+                                      </p:cBhvr>
+                                    </p:animEffect>
+                                    <p:set>
+                                      <p:cBhvr>
+                                        <p:cTn id="236" dur="1" fill="hold">
+                                          <p:stCondLst>
+                                            <p:cond delay="499"/>
+                                          </p:stCondLst>
+                                        </p:cTn>
+                                        <p:tgtEl>
+                                          <p:spTgt spid="35"/>
+                                        </p:tgtEl>
+                                        <p:attrNameLst>
+                                          <p:attrName>style.visibility</p:attrName>
+                                        </p:attrNameLst>
+                                      </p:cBhvr>
+                                      <p:to>
+                                        <p:strVal val="hidden"/>
+                                      </p:to>
+                                    </p:set>
+                                  </p:childTnLst>
+                                </p:cTn>
+                              </p:par>
+                            </p:childTnLst>
+                          </p:cTn>
+                        </p:par>
+                      </p:childTnLst>
+                    </p:cTn>
+                  </p:par>
+                  <p:par>
+                    <p:cTn id="237" fill="hold">
+                      <p:stCondLst>
+                        <p:cond delay="indefinite"/>
+                      </p:stCondLst>
+                      <p:childTnLst>
+                        <p:par>
+                          <p:cTn id="238" fill="hold">
+                            <p:stCondLst>
+                              <p:cond delay="0"/>
+                            </p:stCondLst>
+                            <p:childTnLst>
+                              <p:par>
+                                <p:cTn id="239" presetID="10" presetClass="exit" presetSubtype="0" fill="hold" nodeType="clickEffect">
+                                  <p:stCondLst>
+                                    <p:cond delay="0"/>
+                                  </p:stCondLst>
+                                  <p:childTnLst>
+                                    <p:animEffect transition="out" filter="fade">
+                                      <p:cBhvr>
+                                        <p:cTn id="240" dur="500"/>
+                                        <p:tgtEl>
+                                          <p:spTgt spid="28"/>
+                                        </p:tgtEl>
+                                      </p:cBhvr>
+                                    </p:animEffect>
+                                    <p:set>
+                                      <p:cBhvr>
+                                        <p:cTn id="241" dur="1" fill="hold">
+                                          <p:stCondLst>
+                                            <p:cond delay="499"/>
+                                          </p:stCondLst>
+                                        </p:cTn>
+                                        <p:tgtEl>
+                                          <p:spTgt spid="28"/>
+                                        </p:tgtEl>
+                                        <p:attrNameLst>
+                                          <p:attrName>style.visibility</p:attrName>
+                                        </p:attrNameLst>
+                                      </p:cBhvr>
+                                      <p:to>
+                                        <p:strVal val="hidden"/>
+                                      </p:to>
+                                    </p:set>
+                                  </p:childTnLst>
+                                </p:cTn>
+                              </p:par>
+                            </p:childTnLst>
+                          </p:cTn>
+                        </p:par>
+                      </p:childTnLst>
+                    </p:cTn>
+                  </p:par>
+                  <p:par>
+                    <p:cTn id="242" fill="hold">
+                      <p:stCondLst>
+                        <p:cond delay="indefinite"/>
+                      </p:stCondLst>
+                      <p:childTnLst>
+                        <p:par>
+                          <p:cTn id="243" fill="hold">
+                            <p:stCondLst>
+                              <p:cond delay="0"/>
+                            </p:stCondLst>
+                            <p:childTnLst>
+                              <p:par>
+                                <p:cTn id="244" presetID="10" presetClass="exit" presetSubtype="0" fill="hold" nodeType="clickEffect">
+                                  <p:stCondLst>
+                                    <p:cond delay="0"/>
+                                  </p:stCondLst>
+                                  <p:childTnLst>
+                                    <p:animEffect transition="out" filter="fade">
+                                      <p:cBhvr>
+                                        <p:cTn id="245" dur="500"/>
+                                        <p:tgtEl>
+                                          <p:spTgt spid="36"/>
+                                        </p:tgtEl>
+                                      </p:cBhvr>
+                                    </p:animEffect>
+                                    <p:set>
+                                      <p:cBhvr>
+                                        <p:cTn id="246" dur="1" fill="hold">
+                                          <p:stCondLst>
+                                            <p:cond delay="499"/>
+                                          </p:stCondLst>
+                                        </p:cTn>
+                                        <p:tgtEl>
+                                          <p:spTgt spid="36"/>
+                                        </p:tgtEl>
+                                        <p:attrNameLst>
+                                          <p:attrName>style.visibility</p:attrName>
+                                        </p:attrNameLst>
+                                      </p:cBhvr>
+                                      <p:to>
+                                        <p:strVal val="hidden"/>
+                                      </p:to>
+                                    </p:set>
+                                  </p:childTnLst>
+                                </p:cTn>
+                              </p:par>
+                            </p:childTnLst>
+                          </p:cTn>
+                        </p:par>
+                      </p:childTnLst>
+                    </p:cTn>
+                  </p:par>
+                  <p:par>
+                    <p:cTn id="247" fill="hold">
+                      <p:stCondLst>
+                        <p:cond delay="indefinite"/>
+                      </p:stCondLst>
+                      <p:childTnLst>
+                        <p:par>
+                          <p:cTn id="248" fill="hold">
+                            <p:stCondLst>
+                              <p:cond delay="0"/>
+                            </p:stCondLst>
+                            <p:childTnLst>
+                              <p:par>
+                                <p:cTn id="249" presetID="10" presetClass="exit" presetSubtype="0" fill="hold" nodeType="clickEffect">
+                                  <p:stCondLst>
+                                    <p:cond delay="0"/>
+                                  </p:stCondLst>
+                                  <p:childTnLst>
+                                    <p:animEffect transition="out" filter="fade">
+                                      <p:cBhvr>
+                                        <p:cTn id="250" dur="500"/>
+                                        <p:tgtEl>
+                                          <p:spTgt spid="37"/>
+                                        </p:tgtEl>
+                                      </p:cBhvr>
+                                    </p:animEffect>
+                                    <p:set>
+                                      <p:cBhvr>
+                                        <p:cTn id="251" dur="1" fill="hold">
+                                          <p:stCondLst>
+                                            <p:cond delay="499"/>
+                                          </p:stCondLst>
+                                        </p:cTn>
+                                        <p:tgtEl>
+                                          <p:spTgt spid="37"/>
+                                        </p:tgtEl>
+                                        <p:attrNameLst>
+                                          <p:attrName>style.visibility</p:attrName>
+                                        </p:attrNameLst>
+                                      </p:cBhvr>
+                                      <p:to>
+                                        <p:strVal val="hidden"/>
+                                      </p:to>
+                                    </p:set>
+                                  </p:childTnLst>
+                                </p:cTn>
+                              </p:par>
+                            </p:childTnLst>
+                          </p:cTn>
+                        </p:par>
+                      </p:childTnLst>
+                    </p:cTn>
+                  </p:par>
+                  <p:par>
+                    <p:cTn id="252" fill="hold">
+                      <p:stCondLst>
+                        <p:cond delay="indefinite"/>
+                      </p:stCondLst>
+                      <p:childTnLst>
+                        <p:par>
+                          <p:cTn id="253" fill="hold">
+                            <p:stCondLst>
+                              <p:cond delay="0"/>
+                            </p:stCondLst>
+                            <p:childTnLst>
+                              <p:par>
+                                <p:cTn id="254" presetID="10" presetClass="entr" presetSubtype="0" fill="hold" nodeType="clickEffect">
+                                  <p:stCondLst>
+                                    <p:cond delay="0"/>
+                                  </p:stCondLst>
+                                  <p:childTnLst>
+                                    <p:set>
+                                      <p:cBhvr>
+                                        <p:cTn id="255" dur="1" fill="hold">
+                                          <p:stCondLst>
+                                            <p:cond delay="0"/>
+                                          </p:stCondLst>
+                                        </p:cTn>
+                                        <p:tgtEl>
+                                          <p:spTgt spid="37"/>
+                                        </p:tgtEl>
+                                        <p:attrNameLst>
+                                          <p:attrName>style.visibility</p:attrName>
+                                        </p:attrNameLst>
+                                      </p:cBhvr>
+                                      <p:to>
+                                        <p:strVal val="visible"/>
+                                      </p:to>
+                                    </p:set>
+                                    <p:animEffect transition="in" filter="fade">
+                                      <p:cBhvr>
+                                        <p:cTn id="256" dur="500"/>
+                                        <p:tgtEl>
+                                          <p:spTgt spid="37"/>
+                                        </p:tgtEl>
+                                      </p:cBhvr>
+                                    </p:animEffect>
+                                  </p:childTnLst>
+                                </p:cTn>
+                              </p:par>
+                            </p:childTnLst>
+                          </p:cTn>
+                        </p:par>
+                        <p:par>
+                          <p:cTn id="257" fill="hold">
+                            <p:stCondLst>
+                              <p:cond delay="500"/>
+                            </p:stCondLst>
+                            <p:childTnLst>
+                              <p:par>
+                                <p:cTn id="258" presetID="10" presetClass="entr" presetSubtype="0" fill="hold" nodeType="afterEffect">
+                                  <p:stCondLst>
+                                    <p:cond delay="0"/>
+                                  </p:stCondLst>
+                                  <p:childTnLst>
+                                    <p:set>
+                                      <p:cBhvr>
+                                        <p:cTn id="259" dur="1" fill="hold">
+                                          <p:stCondLst>
+                                            <p:cond delay="0"/>
+                                          </p:stCondLst>
+                                        </p:cTn>
+                                        <p:tgtEl>
+                                          <p:spTgt spid="36"/>
+                                        </p:tgtEl>
+                                        <p:attrNameLst>
+                                          <p:attrName>style.visibility</p:attrName>
+                                        </p:attrNameLst>
+                                      </p:cBhvr>
+                                      <p:to>
+                                        <p:strVal val="visible"/>
+                                      </p:to>
+                                    </p:set>
+                                    <p:animEffect transition="in" filter="fade">
+                                      <p:cBhvr>
+                                        <p:cTn id="260" dur="500"/>
+                                        <p:tgtEl>
+                                          <p:spTgt spid="36"/>
+                                        </p:tgtEl>
+                                      </p:cBhvr>
+                                    </p:animEffect>
+                                  </p:childTnLst>
+                                </p:cTn>
+                              </p:par>
+                            </p:childTnLst>
+                          </p:cTn>
+                        </p:par>
+                        <p:par>
+                          <p:cTn id="261" fill="hold">
+                            <p:stCondLst>
+                              <p:cond delay="1000"/>
+                            </p:stCondLst>
+                            <p:childTnLst>
+                              <p:par>
+                                <p:cTn id="262" presetID="10" presetClass="entr" presetSubtype="0" fill="hold" nodeType="afterEffect">
+                                  <p:stCondLst>
+                                    <p:cond delay="0"/>
+                                  </p:stCondLst>
+                                  <p:childTnLst>
+                                    <p:set>
+                                      <p:cBhvr>
+                                        <p:cTn id="263" dur="1" fill="hold">
+                                          <p:stCondLst>
+                                            <p:cond delay="0"/>
+                                          </p:stCondLst>
+                                        </p:cTn>
+                                        <p:tgtEl>
+                                          <p:spTgt spid="28"/>
+                                        </p:tgtEl>
+                                        <p:attrNameLst>
+                                          <p:attrName>style.visibility</p:attrName>
+                                        </p:attrNameLst>
+                                      </p:cBhvr>
+                                      <p:to>
+                                        <p:strVal val="visible"/>
+                                      </p:to>
+                                    </p:set>
+                                    <p:animEffect transition="in" filter="fade">
+                                      <p:cBhvr>
+                                        <p:cTn id="264" dur="500"/>
+                                        <p:tgtEl>
+                                          <p:spTgt spid="28"/>
+                                        </p:tgtEl>
+                                      </p:cBhvr>
+                                    </p:animEffect>
+                                  </p:childTnLst>
+                                </p:cTn>
+                              </p:par>
+                            </p:childTnLst>
+                          </p:cTn>
+                        </p:par>
+                        <p:par>
+                          <p:cTn id="265" fill="hold">
+                            <p:stCondLst>
+                              <p:cond delay="1500"/>
+                            </p:stCondLst>
+                            <p:childTnLst>
+                              <p:par>
+                                <p:cTn id="266" presetID="10" presetClass="entr" presetSubtype="0" fill="hold" nodeType="afterEffect">
+                                  <p:stCondLst>
+                                    <p:cond delay="0"/>
+                                  </p:stCondLst>
+                                  <p:childTnLst>
+                                    <p:set>
+                                      <p:cBhvr>
+                                        <p:cTn id="267" dur="1" fill="hold">
+                                          <p:stCondLst>
+                                            <p:cond delay="0"/>
+                                          </p:stCondLst>
+                                        </p:cTn>
+                                        <p:tgtEl>
+                                          <p:spTgt spid="35"/>
+                                        </p:tgtEl>
+                                        <p:attrNameLst>
+                                          <p:attrName>style.visibility</p:attrName>
+                                        </p:attrNameLst>
+                                      </p:cBhvr>
+                                      <p:to>
+                                        <p:strVal val="visible"/>
+                                      </p:to>
+                                    </p:set>
+                                    <p:animEffect transition="in" filter="fade">
+                                      <p:cBhvr>
+                                        <p:cTn id="268" dur="500"/>
+                                        <p:tgtEl>
+                                          <p:spTgt spid="35"/>
+                                        </p:tgtEl>
+                                      </p:cBhvr>
+                                    </p:animEffect>
+                                  </p:childTnLst>
+                                </p:cTn>
+                              </p:par>
+                            </p:childTnLst>
+                          </p:cTn>
+                        </p:par>
+                      </p:childTnLst>
+                    </p:cTn>
+                  </p:par>
+                </p:childTnLst>
+              </p:cTn>
+              <p:prevCondLst>
+                <p:cond evt="onPrev" delay="0">
+                  <p:tgtEl>
+                    <p:sldTgt/>
+                  </p:tgtEl>
+                </p:cond>
+              </p:prevCondLst>
+              <p:nextCondLst>
+                <p:cond evt="onNext" delay="0">
+                  <p:tgtEl>
+                    <p:sldTgt/>
+                  </p:tgtEl>
+                </p:cond>
+              </p:nextCondLst>
+            </p:seq>
+          </p:childTnLst>
+        </p:cTn>
+      </p:par>
+    </p:tnLst>
+    <p:bldLst>
+      <p:bldP spid="46" grpId="0" bldLvl="0" animBg="1"/>
+      <p:bldP spid="46" grpId="1" bldLvl="0" animBg="1"/>
+      <p:bldP spid="47" grpId="0" bldLvl="0" animBg="1"/>
+      <p:bldP spid="47" grpId="1" bldLvl="0" animBg="1"/>
+      <p:bldP spid="48" grpId="0" bldLvl="0" animBg="1"/>
+      <p:bldP spid="48" grpId="1" bldLvl="0" animBg="1"/>
+      <p:bldP spid="49" grpId="0" bldLvl="0" animBg="1"/>
+      <p:bldP spid="49" grpId="2" bldLvl="0" animBg="1"/>
+      <p:bldP spid="49" grpId="3" bldLvl="0" animBg="1"/>
+      <p:bldP spid="49" grpId="4" bldLvl="0" animBg="1"/>
+      <p:bldP spid="48" grpId="2" bldLvl="0" animBg="1"/>
+      <p:bldP spid="48" grpId="3" bldLvl="0" animBg="1"/>
+      <p:bldP spid="47" grpId="2" bldLvl="0" animBg="1"/>
+      <p:bldP spid="47" grpId="3" bldLvl="0" animBg="1"/>
+      <p:bldP spid="51" grpId="0" bldLvl="0" animBg="1"/>
+      <p:bldP spid="51" grpId="1" bldLvl="0" animBg="1"/>
+      <p:bldP spid="53" grpId="0" bldLvl="0" animBg="1"/>
+      <p:bldP spid="53" grpId="2" bldLvl="0" animBg="1"/>
+      <p:bldP spid="54" grpId="0" bldLvl="0" animBg="1"/>
+      <p:bldP spid="54" grpId="2" bldLvl="0" animBg="1"/>
+      <p:bldP spid="55" grpId="0" bldLvl="0" animBg="1"/>
+      <p:bldP spid="55" grpId="2" bldLvl="0" animBg="1"/>
+      <p:bldP spid="56" grpId="0" bldLvl="0" animBg="1"/>
+      <p:bldP spid="56" grpId="2" bldLvl="0" animBg="1"/>
+      <p:bldP spid="57" grpId="0" bldLvl="0" animBg="1"/>
+      <p:bldP spid="57" grpId="2" bldLvl="0" animBg="1"/>
+      <p:bldP spid="57" grpId="3" bldLvl="0" animBg="1"/>
+      <p:bldP spid="57" grpId="4" bldLvl="0" animBg="1"/>
+      <p:bldP spid="56" grpId="3" bldLvl="0" animBg="1"/>
+      <p:bldP spid="56" grpId="4" bldLvl="0" animBg="1"/>
+      <p:bldP spid="55" grpId="3" bldLvl="0" animBg="1"/>
+      <p:bldP spid="58" grpId="0" bldLvl="0" animBg="1"/>
+      <p:bldP spid="58" grpId="2" bldLvl="0" animBg="1"/>
+      <p:bldP spid="55" grpId="4" bldLvl="0" animBg="1"/>
+      <p:bldP spid="58" grpId="3" bldLvl="0" animBg="1"/>
+      <p:bldP spid="58" grpId="4" bldLvl="0" animBg="1"/>
+      <p:bldP spid="54" grpId="3" bldLvl="0" animBg="1"/>
+      <p:bldP spid="54" grpId="4" bldLvl="0" animBg="1"/>
+      <p:bldP spid="51" grpId="2" bldLvl="0" animBg="1"/>
+      <p:bldP spid="51" grpId="3" bldLvl="0" animBg="1"/>
+      <p:bldP spid="59" grpId="0" bldLvl="0" animBg="1"/>
+      <p:bldP spid="59" grpId="1" bldLvl="0" animBg="1"/>
+      <p:bldP spid="59" grpId="2" bldLvl="0" animBg="1"/>
+      <p:bldP spid="59" grpId="3" bldLvl="0" animBg="1"/>
+      <p:bldP spid="53" grpId="3" bldLvl="0" animBg="1"/>
+      <p:bldP spid="53" grpId="4" bldLvl="0" animBg="1"/>
+      <p:bldP spid="46" grpId="2" bldLvl="0" animBg="1"/>
+      <p:bldP spid="46" grpId="3" bldLvl="0" animBg="1"/>
+      <p:bldP spid="60" grpId="0" bldLvl="0" animBg="1"/>
+      <p:bldP spid="60" grpId="1" bldLvl="0" animBg="1"/>
     </p:bldLst>
   </p:timing>
 </p:sld>

--- a/小白学算法系列.pptx
+++ b/小白学算法系列.pptx
@@ -15338,14 +15338,6 @@
                       <a:pPr algn="ctr">
                         <a:buNone/>
                       </a:pPr>
-                      <a:r>
-                        <a:rPr lang="en-US" altLang="zh-CN" sz="1400">
-                          <a:solidFill>
-                            <a:schemeClr val="tx1"/>
-                          </a:solidFill>
-                        </a:rPr>
-                        <a:t>2</a:t>
-                      </a:r>
                       <a:endParaRPr lang="en-US" altLang="zh-CN" sz="1400">
                         <a:solidFill>
                           <a:schemeClr val="tx1"/>
@@ -15424,46 +15416,6 @@
           </a:graphicData>
         </a:graphic>
       </p:graphicFrame>
-      <p:sp>
-        <p:nvSpPr>
-          <p:cNvPr id="12" name="文本框 11"/>
-          <p:cNvSpPr txBox="1"/>
-          <p:nvPr/>
-        </p:nvSpPr>
-        <p:spPr>
-          <a:xfrm>
-            <a:off x="696595" y="2082165"/>
-            <a:ext cx="2213610" cy="306705"/>
-          </a:xfrm>
-          <a:prstGeom prst="rect">
-            <a:avLst/>
-          </a:prstGeom>
-          <a:noFill/>
-        </p:spPr>
-        <p:txBody>
-          <a:bodyPr wrap="square" rtlCol="0">
-            <a:spAutoFit/>
-          </a:bodyPr>
-          <a:p>
-            <a:pPr algn="l"/>
-            <a:r>
-              <a:rPr lang="en-US" sz="1400">
-                <a:solidFill>
-                  <a:schemeClr val="bg1"/>
-                </a:solidFill>
-                <a:sym typeface="+mn-ea"/>
-              </a:rPr>
-              <a:t>1 + 10 / 2 - 5 * 2</a:t>
-            </a:r>
-            <a:endParaRPr lang="en-US" altLang="zh-CN" sz="1400">
-              <a:solidFill>
-                <a:schemeClr val="bg1"/>
-              </a:solidFill>
-              <a:sym typeface="+mn-ea"/>
-            </a:endParaRPr>
-          </a:p>
-        </p:txBody>
-      </p:sp>
       <p:graphicFrame>
         <p:nvGraphicFramePr>
           <p:cNvPr id="14" name="表格 13"/>
@@ -15736,7 +15688,7 @@
         </p:nvGrpSpPr>
         <p:grpSpPr>
           <a:xfrm>
-            <a:off x="113665" y="2862616"/>
+            <a:off x="2375535" y="2856901"/>
             <a:ext cx="805778" cy="633694"/>
             <a:chOff x="6650" y="8285"/>
             <a:chExt cx="2311" cy="1393"/>
@@ -15823,6 +15775,319 @@
           </p:txBody>
         </p:sp>
       </p:grpSp>
+      <p:sp>
+        <p:nvSpPr>
+          <p:cNvPr id="20" name="左大括号 19"/>
+          <p:cNvSpPr/>
+          <p:nvPr/>
+        </p:nvSpPr>
+        <p:spPr>
+          <a:xfrm rot="16200000" flipV="1">
+            <a:off x="1995833" y="4042332"/>
+            <a:ext cx="108000" cy="684000"/>
+          </a:xfrm>
+          <a:prstGeom prst="leftBrace">
+            <a:avLst/>
+          </a:prstGeom>
+          <a:ln>
+            <a:solidFill>
+              <a:schemeClr val="bg1"/>
+            </a:solidFill>
+          </a:ln>
+        </p:spPr>
+        <p:style>
+          <a:lnRef idx="1">
+            <a:schemeClr val="accent1"/>
+          </a:lnRef>
+          <a:fillRef idx="0">
+            <a:schemeClr val="accent1"/>
+          </a:fillRef>
+          <a:effectRef idx="0">
+            <a:schemeClr val="accent1"/>
+          </a:effectRef>
+          <a:fontRef idx="minor">
+            <a:schemeClr val="tx1"/>
+          </a:fontRef>
+        </p:style>
+        <p:txBody>
+          <a:bodyPr rtlCol="0" anchor="ctr"/>
+          <a:p>
+            <a:pPr algn="ctr"/>
+            <a:endParaRPr lang="zh-CN" altLang="en-US"/>
+          </a:p>
+        </p:txBody>
+      </p:sp>
+      <p:sp>
+        <p:nvSpPr>
+          <p:cNvPr id="43" name="文本框 42"/>
+          <p:cNvSpPr txBox="1"/>
+          <p:nvPr/>
+        </p:nvSpPr>
+        <p:spPr>
+          <a:xfrm>
+            <a:off x="1724660" y="4609465"/>
+            <a:ext cx="650875" cy="306705"/>
+          </a:xfrm>
+          <a:prstGeom prst="rect">
+            <a:avLst/>
+          </a:prstGeom>
+          <a:noFill/>
+        </p:spPr>
+        <p:txBody>
+          <a:bodyPr wrap="square" rtlCol="0">
+            <a:spAutoFit/>
+          </a:bodyPr>
+          <a:p>
+            <a:pPr algn="ctr"/>
+            <a:r>
+              <a:rPr lang="zh-CN" altLang="en-US" sz="1400" b="1">
+                <a:solidFill>
+                  <a:schemeClr val="bg1"/>
+                </a:solidFill>
+              </a:rPr>
+              <a:t>合并</a:t>
+            </a:r>
+            <a:endParaRPr lang="zh-CN" altLang="en-US" sz="1400" b="1">
+              <a:solidFill>
+                <a:schemeClr val="bg1"/>
+              </a:solidFill>
+            </a:endParaRPr>
+          </a:p>
+        </p:txBody>
+      </p:sp>
+      <p:cxnSp>
+        <p:nvCxnSpPr>
+          <p:cNvPr id="2" name="直接箭头连接符 1"/>
+          <p:cNvCxnSpPr/>
+          <p:nvPr/>
+        </p:nvCxnSpPr>
+        <p:spPr>
+          <a:xfrm flipV="1">
+            <a:off x="3668395" y="4264025"/>
+            <a:ext cx="0" cy="370205"/>
+          </a:xfrm>
+          <a:prstGeom prst="straightConnector1">
+            <a:avLst/>
+          </a:prstGeom>
+          <a:ln>
+            <a:solidFill>
+              <a:schemeClr val="bg1"/>
+            </a:solidFill>
+            <a:tailEnd type="arrow"/>
+          </a:ln>
+        </p:spPr>
+        <p:style>
+          <a:lnRef idx="1">
+            <a:schemeClr val="accent1"/>
+          </a:lnRef>
+          <a:fillRef idx="0">
+            <a:schemeClr val="accent1"/>
+          </a:fillRef>
+          <a:effectRef idx="0">
+            <a:schemeClr val="accent1"/>
+          </a:effectRef>
+          <a:fontRef idx="minor">
+            <a:schemeClr val="tx1"/>
+          </a:fontRef>
+        </p:style>
+      </p:cxnSp>
+      <p:sp>
+        <p:nvSpPr>
+          <p:cNvPr id="5" name="文本框 4"/>
+          <p:cNvSpPr txBox="1"/>
+          <p:nvPr/>
+        </p:nvSpPr>
+        <p:spPr>
+          <a:xfrm>
+            <a:off x="2712720" y="4739005"/>
+            <a:ext cx="3714115" cy="645160"/>
+          </a:xfrm>
+          <a:prstGeom prst="rect">
+            <a:avLst/>
+          </a:prstGeom>
+          <a:noFill/>
+        </p:spPr>
+        <p:txBody>
+          <a:bodyPr wrap="square" rtlCol="0">
+            <a:spAutoFit/>
+          </a:bodyPr>
+          <a:p>
+            <a:pPr algn="l"/>
+            <a:r>
+              <a:rPr lang="zh-CN" altLang="en-US" sz="1200" b="1">
+                <a:solidFill>
+                  <a:schemeClr val="bg1"/>
+                </a:solidFill>
+              </a:rPr>
+              <a:t>遇到符号时，判断前一个操作符：</a:t>
+            </a:r>
+            <a:endParaRPr lang="zh-CN" altLang="en-US" sz="1200" b="1">
+              <a:solidFill>
+                <a:schemeClr val="bg1"/>
+              </a:solidFill>
+            </a:endParaRPr>
+          </a:p>
+          <a:p>
+            <a:pPr algn="l"/>
+            <a:r>
+              <a:rPr lang="en-US" altLang="zh-CN" sz="1200" b="1">
+                <a:solidFill>
+                  <a:schemeClr val="bg1"/>
+                </a:solidFill>
+              </a:rPr>
+              <a:t>1</a:t>
+            </a:r>
+            <a:r>
+              <a:rPr lang="zh-CN" altLang="en-US" sz="1200" b="1">
+                <a:solidFill>
+                  <a:schemeClr val="bg1"/>
+                </a:solidFill>
+              </a:rPr>
+              <a:t>、前一个操作符是乘除则先运算再将结果入栈</a:t>
+            </a:r>
+            <a:endParaRPr lang="zh-CN" altLang="en-US" sz="1200" b="1">
+              <a:solidFill>
+                <a:schemeClr val="bg1"/>
+              </a:solidFill>
+            </a:endParaRPr>
+          </a:p>
+          <a:p>
+            <a:pPr algn="l"/>
+            <a:r>
+              <a:rPr lang="en-US" altLang="zh-CN" sz="1200" b="1">
+                <a:solidFill>
+                  <a:schemeClr val="bg1"/>
+                </a:solidFill>
+              </a:rPr>
+              <a:t>2</a:t>
+            </a:r>
+            <a:r>
+              <a:rPr lang="zh-CN" altLang="en-US" sz="1200" b="1">
+                <a:solidFill>
+                  <a:schemeClr val="bg1"/>
+                </a:solidFill>
+              </a:rPr>
+              <a:t>、</a:t>
+            </a:r>
+            <a:r>
+              <a:rPr lang="zh-CN" altLang="en-US" sz="1200" b="1">
+                <a:solidFill>
+                  <a:schemeClr val="bg1"/>
+                </a:solidFill>
+                <a:sym typeface="+mn-ea"/>
+              </a:rPr>
+              <a:t>前一个操作符是</a:t>
+            </a:r>
+            <a:r>
+              <a:rPr lang="zh-CN" altLang="en-US" sz="1200" b="1">
+                <a:solidFill>
+                  <a:schemeClr val="bg1"/>
+                </a:solidFill>
+              </a:rPr>
+              <a:t>加减时，当前数字入栈</a:t>
+            </a:r>
+            <a:endParaRPr lang="zh-CN" altLang="en-US" sz="1200" b="1">
+              <a:solidFill>
+                <a:schemeClr val="bg1"/>
+              </a:solidFill>
+            </a:endParaRPr>
+          </a:p>
+        </p:txBody>
+      </p:sp>
+      <p:sp>
+        <p:nvSpPr>
+          <p:cNvPr id="27" name="文本框 26"/>
+          <p:cNvSpPr txBox="1"/>
+          <p:nvPr/>
+        </p:nvSpPr>
+        <p:spPr>
+          <a:xfrm>
+            <a:off x="608965" y="1722755"/>
+            <a:ext cx="2934970" cy="645160"/>
+          </a:xfrm>
+          <a:prstGeom prst="rect">
+            <a:avLst/>
+          </a:prstGeom>
+          <a:noFill/>
+        </p:spPr>
+        <p:txBody>
+          <a:bodyPr wrap="square" rtlCol="0">
+            <a:spAutoFit/>
+          </a:bodyPr>
+          <a:p>
+            <a:pPr algn="l"/>
+            <a:r>
+              <a:rPr lang="zh-CN" altLang="en-US" sz="1200">
+                <a:solidFill>
+                  <a:schemeClr val="bg1"/>
+                </a:solidFill>
+                <a:sym typeface="+mn-ea"/>
+              </a:rPr>
+              <a:t>思路：</a:t>
+            </a:r>
+            <a:endParaRPr lang="zh-CN" altLang="en-US" sz="1200">
+              <a:solidFill>
+                <a:schemeClr val="bg1"/>
+              </a:solidFill>
+              <a:sym typeface="+mn-ea"/>
+            </a:endParaRPr>
+          </a:p>
+          <a:p>
+            <a:pPr algn="l"/>
+            <a:r>
+              <a:rPr lang="en-US" altLang="zh-CN" sz="1200">
+                <a:solidFill>
+                  <a:schemeClr val="bg1"/>
+                </a:solidFill>
+                <a:sym typeface="+mn-ea"/>
+              </a:rPr>
+              <a:t>1</a:t>
+            </a:r>
+            <a:r>
+              <a:rPr lang="zh-CN" altLang="en-US" sz="1200">
+                <a:solidFill>
+                  <a:schemeClr val="bg1"/>
+                </a:solidFill>
+                <a:sym typeface="+mn-ea"/>
+              </a:rPr>
+              <a:t>、把减法转换成加法</a:t>
+            </a:r>
+            <a:endParaRPr lang="zh-CN" altLang="en-US" sz="1200">
+              <a:solidFill>
+                <a:schemeClr val="bg1"/>
+              </a:solidFill>
+              <a:sym typeface="+mn-ea"/>
+            </a:endParaRPr>
+          </a:p>
+          <a:p>
+            <a:pPr algn="l"/>
+            <a:r>
+              <a:rPr lang="en-US" altLang="zh-CN" sz="1200">
+                <a:solidFill>
+                  <a:schemeClr val="bg1"/>
+                </a:solidFill>
+                <a:sym typeface="+mn-ea"/>
+              </a:rPr>
+              <a:t>2</a:t>
+            </a:r>
+            <a:r>
+              <a:rPr lang="zh-CN" altLang="en-US" sz="1200">
+                <a:solidFill>
+                  <a:schemeClr val="bg1"/>
+                </a:solidFill>
+                <a:sym typeface="+mn-ea"/>
+              </a:rPr>
+              <a:t>、乘除优先计算</a:t>
+            </a:r>
+            <a:endParaRPr lang="zh-CN" altLang="en-US" sz="1200">
+              <a:solidFill>
+                <a:schemeClr val="bg1"/>
+              </a:solidFill>
+              <a:sym typeface="+mn-ea"/>
+            </a:endParaRPr>
+          </a:p>
+        </p:txBody>
+      </p:sp>
     </p:spTree>
   </p:cSld>
   <p:clrMapOvr>

--- a/小白学算法系列.pptx
+++ b/小白学算法系列.pptx
@@ -5,25 +5,26 @@
     <p:sldMasterId id="2147483648" r:id="rId1"/>
   </p:sldMasterIdLst>
   <p:notesMasterIdLst>
-    <p:notesMasterId r:id="rId6"/>
+    <p:notesMasterId r:id="rId7"/>
   </p:notesMasterIdLst>
   <p:sldIdLst>
     <p:sldId id="258" r:id="rId3"/>
     <p:sldId id="286" r:id="rId4"/>
-    <p:sldId id="261" r:id="rId5"/>
-    <p:sldId id="264" r:id="rId7"/>
-    <p:sldId id="259" r:id="rId8"/>
-    <p:sldId id="275" r:id="rId9"/>
-    <p:sldId id="266" r:id="rId10"/>
-    <p:sldId id="267" r:id="rId11"/>
-    <p:sldId id="260" r:id="rId12"/>
-    <p:sldId id="265" r:id="rId13"/>
-    <p:sldId id="270" r:id="rId14"/>
-    <p:sldId id="271" r:id="rId15"/>
-    <p:sldId id="273" r:id="rId16"/>
-    <p:sldId id="272" r:id="rId17"/>
-    <p:sldId id="284" r:id="rId18"/>
-    <p:sldId id="285" r:id="rId19"/>
+    <p:sldId id="288" r:id="rId5"/>
+    <p:sldId id="261" r:id="rId6"/>
+    <p:sldId id="264" r:id="rId8"/>
+    <p:sldId id="259" r:id="rId9"/>
+    <p:sldId id="275" r:id="rId10"/>
+    <p:sldId id="266" r:id="rId11"/>
+    <p:sldId id="267" r:id="rId12"/>
+    <p:sldId id="260" r:id="rId13"/>
+    <p:sldId id="265" r:id="rId14"/>
+    <p:sldId id="270" r:id="rId15"/>
+    <p:sldId id="271" r:id="rId16"/>
+    <p:sldId id="273" r:id="rId17"/>
+    <p:sldId id="272" r:id="rId18"/>
+    <p:sldId id="284" r:id="rId19"/>
+    <p:sldId id="285" r:id="rId20"/>
   </p:sldIdLst>
   <p:sldSz cx="12192000" cy="6858000"/>
   <p:notesSz cx="7103745" cy="10234295"/>
@@ -5394,6 +5395,1303 @@
 </file>
 
 <file path=ppt/slides/slide10.xml><?xml version="1.0" encoding="utf-8"?>
+<p:sld xmlns:a="http://schemas.openxmlformats.org/drawingml/2006/main" xmlns:r="http://schemas.openxmlformats.org/officeDocument/2006/relationships" xmlns:p="http://schemas.openxmlformats.org/presentationml/2006/main">
+  <p:cSld>
+    <p:bg>
+      <p:bgPr>
+        <a:solidFill>
+          <a:schemeClr val="tx2"/>
+        </a:solidFill>
+        <a:effectLst/>
+      </p:bgPr>
+    </p:bg>
+    <p:spTree>
+      <p:nvGrpSpPr>
+        <p:cNvPr id="1" name=""/>
+        <p:cNvGrpSpPr/>
+        <p:nvPr/>
+      </p:nvGrpSpPr>
+      <p:grpSpPr/>
+      <p:sp>
+        <p:nvSpPr>
+          <p:cNvPr id="8" name="文本框 7"/>
+          <p:cNvSpPr txBox="1"/>
+          <p:nvPr/>
+        </p:nvSpPr>
+        <p:spPr>
+          <a:xfrm>
+            <a:off x="578485" y="1892935"/>
+            <a:ext cx="11419205" cy="1476375"/>
+          </a:xfrm>
+          <a:prstGeom prst="rect">
+            <a:avLst/>
+          </a:prstGeom>
+          <a:noFill/>
+        </p:spPr>
+        <p:txBody>
+          <a:bodyPr wrap="none" rtlCol="0">
+            <a:spAutoFit/>
+          </a:bodyPr>
+          <a:p>
+            <a:pPr algn="l"/>
+            <a:r>
+              <a:rPr lang="zh-CN" altLang="en-US" b="1">
+                <a:solidFill>
+                  <a:schemeClr val="bg1"/>
+                </a:solidFill>
+              </a:rPr>
+              <a:t>两种解法：</a:t>
+            </a:r>
+            <a:endParaRPr lang="zh-CN" altLang="en-US" b="1">
+              <a:solidFill>
+                <a:schemeClr val="bg1"/>
+              </a:solidFill>
+            </a:endParaRPr>
+          </a:p>
+          <a:p>
+            <a:pPr algn="l"/>
+            <a:r>
+              <a:rPr lang="en-US" altLang="zh-CN" b="1">
+                <a:solidFill>
+                  <a:schemeClr val="bg1"/>
+                </a:solidFill>
+              </a:rPr>
+              <a:t>1</a:t>
+            </a:r>
+            <a:r>
+              <a:rPr lang="zh-CN" altLang="en-US" b="1">
+                <a:solidFill>
+                  <a:schemeClr val="bg1"/>
+                </a:solidFill>
+              </a:rPr>
+              <a:t>、使用</a:t>
+            </a:r>
+            <a:r>
+              <a:rPr lang="en-US" altLang="zh-CN" b="1">
+                <a:solidFill>
+                  <a:schemeClr val="bg1"/>
+                </a:solidFill>
+              </a:rPr>
+              <a:t>Map</a:t>
+            </a:r>
+            <a:endParaRPr lang="en-US" altLang="zh-CN" b="1">
+              <a:solidFill>
+                <a:schemeClr val="bg1"/>
+              </a:solidFill>
+            </a:endParaRPr>
+          </a:p>
+          <a:p>
+            <a:pPr algn="l"/>
+            <a:r>
+              <a:rPr lang="en-US" altLang="zh-CN" b="1">
+                <a:solidFill>
+                  <a:schemeClr val="bg1"/>
+                </a:solidFill>
+              </a:rPr>
+              <a:t>2</a:t>
+            </a:r>
+            <a:r>
+              <a:rPr lang="zh-CN" altLang="en-US" b="1">
+                <a:solidFill>
+                  <a:schemeClr val="bg1"/>
+                </a:solidFill>
+              </a:rPr>
+              <a:t>、链表相连，把 </a:t>
+            </a:r>
+            <a:r>
+              <a:rPr lang="zh-CN" altLang="en-US" b="1">
+                <a:solidFill>
+                  <a:schemeClr val="bg1"/>
+                </a:solidFill>
+                <a:sym typeface="+mn-ea"/>
+              </a:rPr>
+              <a:t>headA 的尾指向 head</a:t>
+            </a:r>
+            <a:r>
+              <a:rPr lang="en-US" altLang="zh-CN" b="1">
+                <a:solidFill>
+                  <a:schemeClr val="bg1"/>
+                </a:solidFill>
+                <a:sym typeface="+mn-ea"/>
+              </a:rPr>
+              <a:t>B </a:t>
+            </a:r>
+            <a:r>
+              <a:rPr lang="zh-CN" altLang="en-US" b="1">
+                <a:solidFill>
+                  <a:schemeClr val="bg1"/>
+                </a:solidFill>
+                <a:sym typeface="+mn-ea"/>
+              </a:rPr>
+              <a:t>的头 </a:t>
+            </a:r>
+            <a:r>
+              <a:rPr lang="zh-CN" altLang="en-US" b="1">
+                <a:solidFill>
+                  <a:schemeClr val="bg1"/>
+                </a:solidFill>
+              </a:rPr>
+              <a:t>，转换成环形链表找第一个节点的问题，解法是通过快慢指针找</a:t>
+            </a:r>
+            <a:endParaRPr lang="zh-CN" altLang="en-US" b="1">
+              <a:solidFill>
+                <a:schemeClr val="bg1"/>
+              </a:solidFill>
+            </a:endParaRPr>
+          </a:p>
+          <a:p>
+            <a:pPr algn="l"/>
+            <a:r>
+              <a:rPr lang="zh-CN" altLang="en-US" b="1">
+                <a:solidFill>
+                  <a:schemeClr val="bg1"/>
+                </a:solidFill>
+              </a:rPr>
+              <a:t>到环的起点，再把快指针回到起点，同时变成慢指针，两个慢指针往后走，第一个相遇的节点就是链表相交节点</a:t>
+            </a:r>
+            <a:endParaRPr lang="zh-CN" altLang="en-US" b="1">
+              <a:solidFill>
+                <a:schemeClr val="bg1"/>
+              </a:solidFill>
+            </a:endParaRPr>
+          </a:p>
+          <a:p>
+            <a:pPr algn="l"/>
+            <a:r>
+              <a:rPr lang="zh-CN" altLang="en-US" b="1">
+                <a:solidFill>
+                  <a:schemeClr val="bg1"/>
+                </a:solidFill>
+              </a:rPr>
+              <a:t>      </a:t>
+            </a:r>
+            <a:endParaRPr lang="zh-CN" altLang="en-US" b="1">
+              <a:solidFill>
+                <a:schemeClr val="bg1"/>
+              </a:solidFill>
+            </a:endParaRPr>
+          </a:p>
+        </p:txBody>
+      </p:sp>
+      <p:sp>
+        <p:nvSpPr>
+          <p:cNvPr id="6" name="文本框 5"/>
+          <p:cNvSpPr txBox="1"/>
+          <p:nvPr/>
+        </p:nvSpPr>
+        <p:spPr>
+          <a:xfrm>
+            <a:off x="578485" y="1197610"/>
+            <a:ext cx="11573510" cy="645160"/>
+          </a:xfrm>
+          <a:prstGeom prst="rect">
+            <a:avLst/>
+          </a:prstGeom>
+          <a:noFill/>
+        </p:spPr>
+        <p:txBody>
+          <a:bodyPr wrap="square" rtlCol="0">
+            <a:spAutoFit/>
+          </a:bodyPr>
+          <a:p>
+            <a:pPr algn="l"/>
+            <a:r>
+              <a:rPr lang="zh-CN" altLang="en-US" b="1">
+                <a:solidFill>
+                  <a:schemeClr val="bg1"/>
+                </a:solidFill>
+              </a:rPr>
+              <a:t>题目：给你两个单链表的头节点 headA 和 headB ，请你找出并返回两个单链表相交的起始节点。如果两个链表没有交点，返回 null 。</a:t>
+            </a:r>
+            <a:endParaRPr lang="zh-CN" altLang="en-US" b="1">
+              <a:solidFill>
+                <a:schemeClr val="bg1"/>
+              </a:solidFill>
+            </a:endParaRPr>
+          </a:p>
+        </p:txBody>
+      </p:sp>
+      <p:sp>
+        <p:nvSpPr>
+          <p:cNvPr id="14" name="文本框 13"/>
+          <p:cNvSpPr txBox="1"/>
+          <p:nvPr/>
+        </p:nvSpPr>
+        <p:spPr>
+          <a:xfrm>
+            <a:off x="578486" y="419100"/>
+            <a:ext cx="5437505" cy="706755"/>
+          </a:xfrm>
+          <a:prstGeom prst="rect">
+            <a:avLst/>
+          </a:prstGeom>
+          <a:noFill/>
+        </p:spPr>
+        <p:txBody>
+          <a:bodyPr wrap="none" rtlCol="0">
+            <a:spAutoFit/>
+          </a:bodyPr>
+          <a:p>
+            <a:pPr algn="l"/>
+            <a:r>
+              <a:rPr sz="4000" b="1">
+                <a:solidFill>
+                  <a:schemeClr val="bg1"/>
+                </a:solidFill>
+                <a:sym typeface="+mn-ea"/>
+              </a:rPr>
+              <a:t>面试题 02.07. 链表相交</a:t>
+            </a:r>
+            <a:endParaRPr sz="4000" b="1">
+              <a:solidFill>
+                <a:schemeClr val="bg1"/>
+              </a:solidFill>
+              <a:sym typeface="+mn-ea"/>
+            </a:endParaRPr>
+          </a:p>
+        </p:txBody>
+      </p:sp>
+      <p:sp>
+        <p:nvSpPr>
+          <p:cNvPr id="3" name="椭圆 2"/>
+          <p:cNvSpPr/>
+          <p:nvPr/>
+        </p:nvSpPr>
+        <p:spPr>
+          <a:xfrm>
+            <a:off x="1628775" y="3439795"/>
+            <a:ext cx="540000" cy="540000"/>
+          </a:xfrm>
+          <a:prstGeom prst="ellipse">
+            <a:avLst/>
+          </a:prstGeom>
+        </p:spPr>
+        <p:style>
+          <a:lnRef idx="2">
+            <a:schemeClr val="accent1">
+              <a:shade val="50000"/>
+            </a:schemeClr>
+          </a:lnRef>
+          <a:fillRef idx="1">
+            <a:schemeClr val="accent1"/>
+          </a:fillRef>
+          <a:effectRef idx="0">
+            <a:schemeClr val="accent1"/>
+          </a:effectRef>
+          <a:fontRef idx="minor">
+            <a:schemeClr val="lt1"/>
+          </a:fontRef>
+        </p:style>
+        <p:txBody>
+          <a:bodyPr rtlCol="0" anchor="ctr"/>
+          <a:p>
+            <a:pPr algn="ctr"/>
+            <a:r>
+              <a:rPr lang="en-US" altLang="zh-CN" sz="2800"/>
+              <a:t>1</a:t>
+            </a:r>
+            <a:endParaRPr lang="en-US" altLang="zh-CN" sz="2800"/>
+          </a:p>
+        </p:txBody>
+      </p:sp>
+      <p:sp>
+        <p:nvSpPr>
+          <p:cNvPr id="35" name="椭圆 34"/>
+          <p:cNvSpPr/>
+          <p:nvPr/>
+        </p:nvSpPr>
+        <p:spPr>
+          <a:xfrm>
+            <a:off x="3097530" y="3439795"/>
+            <a:ext cx="540000" cy="540000"/>
+          </a:xfrm>
+          <a:prstGeom prst="ellipse">
+            <a:avLst/>
+          </a:prstGeom>
+        </p:spPr>
+        <p:style>
+          <a:lnRef idx="2">
+            <a:schemeClr val="accent1">
+              <a:shade val="50000"/>
+            </a:schemeClr>
+          </a:lnRef>
+          <a:fillRef idx="1">
+            <a:schemeClr val="accent1"/>
+          </a:fillRef>
+          <a:effectRef idx="0">
+            <a:schemeClr val="accent1"/>
+          </a:effectRef>
+          <a:fontRef idx="minor">
+            <a:schemeClr val="lt1"/>
+          </a:fontRef>
+        </p:style>
+        <p:txBody>
+          <a:bodyPr rtlCol="0" anchor="ctr"/>
+          <a:p>
+            <a:pPr algn="ctr"/>
+            <a:r>
+              <a:rPr lang="en-US" altLang="zh-CN" sz="2800"/>
+              <a:t>2</a:t>
+            </a:r>
+            <a:endParaRPr lang="en-US" altLang="zh-CN" sz="2800"/>
+          </a:p>
+        </p:txBody>
+      </p:sp>
+      <p:sp>
+        <p:nvSpPr>
+          <p:cNvPr id="36" name="椭圆 35"/>
+          <p:cNvSpPr/>
+          <p:nvPr/>
+        </p:nvSpPr>
+        <p:spPr>
+          <a:xfrm>
+            <a:off x="4558030" y="3439795"/>
+            <a:ext cx="540000" cy="540000"/>
+          </a:xfrm>
+          <a:prstGeom prst="ellipse">
+            <a:avLst/>
+          </a:prstGeom>
+        </p:spPr>
+        <p:style>
+          <a:lnRef idx="2">
+            <a:schemeClr val="accent1">
+              <a:shade val="50000"/>
+            </a:schemeClr>
+          </a:lnRef>
+          <a:fillRef idx="1">
+            <a:schemeClr val="accent1"/>
+          </a:fillRef>
+          <a:effectRef idx="0">
+            <a:schemeClr val="accent1"/>
+          </a:effectRef>
+          <a:fontRef idx="minor">
+            <a:schemeClr val="lt1"/>
+          </a:fontRef>
+        </p:style>
+        <p:txBody>
+          <a:bodyPr rtlCol="0" anchor="ctr"/>
+          <a:p>
+            <a:pPr algn="ctr"/>
+            <a:r>
+              <a:rPr lang="en-US" altLang="zh-CN" sz="2800"/>
+              <a:t>3</a:t>
+            </a:r>
+            <a:endParaRPr lang="en-US" altLang="zh-CN" sz="2800"/>
+          </a:p>
+        </p:txBody>
+      </p:sp>
+      <p:cxnSp>
+        <p:nvCxnSpPr>
+          <p:cNvPr id="40" name="直接箭头连接符 39"/>
+          <p:cNvCxnSpPr/>
+          <p:nvPr/>
+        </p:nvCxnSpPr>
+        <p:spPr>
+          <a:xfrm>
+            <a:off x="2310130" y="3709670"/>
+            <a:ext cx="648000" cy="0"/>
+          </a:xfrm>
+          <a:prstGeom prst="straightConnector1">
+            <a:avLst/>
+          </a:prstGeom>
+          <a:ln w="28575" cmpd="sng">
+            <a:solidFill>
+              <a:schemeClr val="bg1"/>
+            </a:solidFill>
+            <a:prstDash val="solid"/>
+            <a:tailEnd type="arrow"/>
+          </a:ln>
+        </p:spPr>
+        <p:style>
+          <a:lnRef idx="1">
+            <a:schemeClr val="accent1"/>
+          </a:lnRef>
+          <a:fillRef idx="0">
+            <a:schemeClr val="accent1"/>
+          </a:fillRef>
+          <a:effectRef idx="0">
+            <a:schemeClr val="accent1"/>
+          </a:effectRef>
+          <a:fontRef idx="minor">
+            <a:schemeClr val="tx1"/>
+          </a:fontRef>
+        </p:style>
+      </p:cxnSp>
+      <p:cxnSp>
+        <p:nvCxnSpPr>
+          <p:cNvPr id="41" name="直接箭头连接符 40"/>
+          <p:cNvCxnSpPr/>
+          <p:nvPr/>
+        </p:nvCxnSpPr>
+        <p:spPr>
+          <a:xfrm>
+            <a:off x="3746500" y="3709670"/>
+            <a:ext cx="648000" cy="0"/>
+          </a:xfrm>
+          <a:prstGeom prst="straightConnector1">
+            <a:avLst/>
+          </a:prstGeom>
+          <a:ln w="28575" cmpd="sng">
+            <a:solidFill>
+              <a:schemeClr val="bg1"/>
+            </a:solidFill>
+            <a:prstDash val="solid"/>
+            <a:tailEnd type="arrow"/>
+          </a:ln>
+        </p:spPr>
+        <p:style>
+          <a:lnRef idx="1">
+            <a:schemeClr val="accent1"/>
+          </a:lnRef>
+          <a:fillRef idx="0">
+            <a:schemeClr val="accent1"/>
+          </a:fillRef>
+          <a:effectRef idx="0">
+            <a:schemeClr val="accent1"/>
+          </a:effectRef>
+          <a:fontRef idx="minor">
+            <a:schemeClr val="tx1"/>
+          </a:fontRef>
+        </p:style>
+      </p:cxnSp>
+      <p:cxnSp>
+        <p:nvCxnSpPr>
+          <p:cNvPr id="48" name="直接箭头连接符 47"/>
+          <p:cNvCxnSpPr/>
+          <p:nvPr/>
+        </p:nvCxnSpPr>
+        <p:spPr>
+          <a:xfrm>
+            <a:off x="5193030" y="3875405"/>
+            <a:ext cx="760095" cy="419100"/>
+          </a:xfrm>
+          <a:prstGeom prst="straightConnector1">
+            <a:avLst/>
+          </a:prstGeom>
+          <a:ln w="28575" cmpd="sng">
+            <a:solidFill>
+              <a:schemeClr val="bg1"/>
+            </a:solidFill>
+            <a:prstDash val="solid"/>
+            <a:tailEnd type="arrow"/>
+          </a:ln>
+        </p:spPr>
+        <p:style>
+          <a:lnRef idx="1">
+            <a:schemeClr val="accent1"/>
+          </a:lnRef>
+          <a:fillRef idx="0">
+            <a:schemeClr val="accent1"/>
+          </a:fillRef>
+          <a:effectRef idx="0">
+            <a:schemeClr val="accent1"/>
+          </a:effectRef>
+          <a:fontRef idx="minor">
+            <a:schemeClr val="tx1"/>
+          </a:fontRef>
+        </p:style>
+      </p:cxnSp>
+      <p:sp>
+        <p:nvSpPr>
+          <p:cNvPr id="51" name="椭圆 50"/>
+          <p:cNvSpPr/>
+          <p:nvPr/>
+        </p:nvSpPr>
+        <p:spPr>
+          <a:xfrm>
+            <a:off x="3097530" y="5001260"/>
+            <a:ext cx="540000" cy="540000"/>
+          </a:xfrm>
+          <a:prstGeom prst="ellipse">
+            <a:avLst/>
+          </a:prstGeom>
+        </p:spPr>
+        <p:style>
+          <a:lnRef idx="2">
+            <a:schemeClr val="accent1">
+              <a:shade val="50000"/>
+            </a:schemeClr>
+          </a:lnRef>
+          <a:fillRef idx="1">
+            <a:schemeClr val="accent1"/>
+          </a:fillRef>
+          <a:effectRef idx="0">
+            <a:schemeClr val="accent1"/>
+          </a:effectRef>
+          <a:fontRef idx="minor">
+            <a:schemeClr val="lt1"/>
+          </a:fontRef>
+        </p:style>
+        <p:txBody>
+          <a:bodyPr rtlCol="0" anchor="ctr"/>
+          <a:p>
+            <a:pPr algn="ctr"/>
+            <a:r>
+              <a:rPr lang="en-US" altLang="zh-CN" sz="2800"/>
+              <a:t>7</a:t>
+            </a:r>
+            <a:endParaRPr lang="en-US" altLang="zh-CN" sz="2800"/>
+          </a:p>
+        </p:txBody>
+      </p:sp>
+      <p:sp>
+        <p:nvSpPr>
+          <p:cNvPr id="52" name="椭圆 51"/>
+          <p:cNvSpPr/>
+          <p:nvPr/>
+        </p:nvSpPr>
+        <p:spPr>
+          <a:xfrm>
+            <a:off x="4558030" y="5001260"/>
+            <a:ext cx="540000" cy="540000"/>
+          </a:xfrm>
+          <a:prstGeom prst="ellipse">
+            <a:avLst/>
+          </a:prstGeom>
+        </p:spPr>
+        <p:style>
+          <a:lnRef idx="2">
+            <a:schemeClr val="accent1">
+              <a:shade val="50000"/>
+            </a:schemeClr>
+          </a:lnRef>
+          <a:fillRef idx="1">
+            <a:schemeClr val="accent1"/>
+          </a:fillRef>
+          <a:effectRef idx="0">
+            <a:schemeClr val="accent1"/>
+          </a:effectRef>
+          <a:fontRef idx="minor">
+            <a:schemeClr val="lt1"/>
+          </a:fontRef>
+        </p:style>
+        <p:txBody>
+          <a:bodyPr rtlCol="0" anchor="ctr"/>
+          <a:p>
+            <a:pPr algn="ctr"/>
+            <a:r>
+              <a:rPr lang="en-US" altLang="zh-CN" sz="2800"/>
+              <a:t>8</a:t>
+            </a:r>
+            <a:endParaRPr lang="en-US" altLang="zh-CN" sz="2800"/>
+          </a:p>
+        </p:txBody>
+      </p:sp>
+      <p:cxnSp>
+        <p:nvCxnSpPr>
+          <p:cNvPr id="54" name="直接箭头连接符 53"/>
+          <p:cNvCxnSpPr/>
+          <p:nvPr/>
+        </p:nvCxnSpPr>
+        <p:spPr>
+          <a:xfrm>
+            <a:off x="3746500" y="5271135"/>
+            <a:ext cx="648000" cy="0"/>
+          </a:xfrm>
+          <a:prstGeom prst="straightConnector1">
+            <a:avLst/>
+          </a:prstGeom>
+          <a:ln w="28575" cmpd="sng">
+            <a:solidFill>
+              <a:schemeClr val="bg1"/>
+            </a:solidFill>
+            <a:prstDash val="solid"/>
+            <a:tailEnd type="arrow"/>
+          </a:ln>
+        </p:spPr>
+        <p:style>
+          <a:lnRef idx="1">
+            <a:schemeClr val="accent1"/>
+          </a:lnRef>
+          <a:fillRef idx="0">
+            <a:schemeClr val="accent1"/>
+          </a:fillRef>
+          <a:effectRef idx="0">
+            <a:schemeClr val="accent1"/>
+          </a:effectRef>
+          <a:fontRef idx="minor">
+            <a:schemeClr val="tx1"/>
+          </a:fontRef>
+        </p:style>
+      </p:cxnSp>
+      <p:cxnSp>
+        <p:nvCxnSpPr>
+          <p:cNvPr id="57" name="直接箭头连接符 56"/>
+          <p:cNvCxnSpPr/>
+          <p:nvPr/>
+        </p:nvCxnSpPr>
+        <p:spPr>
+          <a:xfrm flipV="1">
+            <a:off x="5193030" y="4686300"/>
+            <a:ext cx="723265" cy="437515"/>
+          </a:xfrm>
+          <a:prstGeom prst="straightConnector1">
+            <a:avLst/>
+          </a:prstGeom>
+          <a:ln w="28575" cmpd="sng">
+            <a:solidFill>
+              <a:schemeClr val="bg1"/>
+            </a:solidFill>
+            <a:prstDash val="solid"/>
+            <a:tailEnd type="arrow"/>
+          </a:ln>
+        </p:spPr>
+        <p:style>
+          <a:lnRef idx="1">
+            <a:schemeClr val="accent1"/>
+          </a:lnRef>
+          <a:fillRef idx="0">
+            <a:schemeClr val="accent1"/>
+          </a:fillRef>
+          <a:effectRef idx="0">
+            <a:schemeClr val="accent1"/>
+          </a:effectRef>
+          <a:fontRef idx="minor">
+            <a:schemeClr val="tx1"/>
+          </a:fontRef>
+        </p:style>
+      </p:cxnSp>
+      <p:sp>
+        <p:nvSpPr>
+          <p:cNvPr id="59" name="椭圆 58"/>
+          <p:cNvSpPr/>
+          <p:nvPr/>
+        </p:nvSpPr>
+        <p:spPr>
+          <a:xfrm>
+            <a:off x="6005195" y="4220845"/>
+            <a:ext cx="540000" cy="540000"/>
+          </a:xfrm>
+          <a:prstGeom prst="ellipse">
+            <a:avLst/>
+          </a:prstGeom>
+        </p:spPr>
+        <p:style>
+          <a:lnRef idx="2">
+            <a:schemeClr val="accent1">
+              <a:shade val="50000"/>
+            </a:schemeClr>
+          </a:lnRef>
+          <a:fillRef idx="1">
+            <a:schemeClr val="accent1"/>
+          </a:fillRef>
+          <a:effectRef idx="0">
+            <a:schemeClr val="accent1"/>
+          </a:effectRef>
+          <a:fontRef idx="minor">
+            <a:schemeClr val="lt1"/>
+          </a:fontRef>
+        </p:style>
+        <p:txBody>
+          <a:bodyPr rtlCol="0" anchor="ctr"/>
+          <a:p>
+            <a:pPr algn="ctr"/>
+            <a:r>
+              <a:rPr lang="en-US" altLang="zh-CN" sz="2800"/>
+              <a:t>4</a:t>
+            </a:r>
+            <a:endParaRPr lang="en-US" altLang="zh-CN" sz="2800"/>
+          </a:p>
+        </p:txBody>
+      </p:sp>
+      <p:sp>
+        <p:nvSpPr>
+          <p:cNvPr id="60" name="椭圆 59"/>
+          <p:cNvSpPr/>
+          <p:nvPr/>
+        </p:nvSpPr>
+        <p:spPr>
+          <a:xfrm>
+            <a:off x="7452360" y="4220845"/>
+            <a:ext cx="540000" cy="540000"/>
+          </a:xfrm>
+          <a:prstGeom prst="ellipse">
+            <a:avLst/>
+          </a:prstGeom>
+        </p:spPr>
+        <p:style>
+          <a:lnRef idx="2">
+            <a:schemeClr val="accent1">
+              <a:shade val="50000"/>
+            </a:schemeClr>
+          </a:lnRef>
+          <a:fillRef idx="1">
+            <a:schemeClr val="accent1"/>
+          </a:fillRef>
+          <a:effectRef idx="0">
+            <a:schemeClr val="accent1"/>
+          </a:effectRef>
+          <a:fontRef idx="minor">
+            <a:schemeClr val="lt1"/>
+          </a:fontRef>
+        </p:style>
+        <p:txBody>
+          <a:bodyPr rtlCol="0" anchor="ctr"/>
+          <a:p>
+            <a:pPr algn="ctr"/>
+            <a:r>
+              <a:rPr lang="en-US" altLang="zh-CN" sz="2800"/>
+              <a:t>5</a:t>
+            </a:r>
+            <a:endParaRPr lang="en-US" altLang="zh-CN" sz="2800"/>
+          </a:p>
+        </p:txBody>
+      </p:sp>
+      <p:sp>
+        <p:nvSpPr>
+          <p:cNvPr id="61" name="椭圆 60"/>
+          <p:cNvSpPr/>
+          <p:nvPr/>
+        </p:nvSpPr>
+        <p:spPr>
+          <a:xfrm>
+            <a:off x="8871585" y="4220845"/>
+            <a:ext cx="540000" cy="540000"/>
+          </a:xfrm>
+          <a:prstGeom prst="ellipse">
+            <a:avLst/>
+          </a:prstGeom>
+        </p:spPr>
+        <p:style>
+          <a:lnRef idx="2">
+            <a:schemeClr val="accent1">
+              <a:shade val="50000"/>
+            </a:schemeClr>
+          </a:lnRef>
+          <a:fillRef idx="1">
+            <a:schemeClr val="accent1"/>
+          </a:fillRef>
+          <a:effectRef idx="0">
+            <a:schemeClr val="accent1"/>
+          </a:effectRef>
+          <a:fontRef idx="minor">
+            <a:schemeClr val="lt1"/>
+          </a:fontRef>
+        </p:style>
+        <p:txBody>
+          <a:bodyPr rtlCol="0" anchor="ctr"/>
+          <a:p>
+            <a:pPr algn="ctr"/>
+            <a:r>
+              <a:rPr lang="en-US" altLang="zh-CN" sz="2800"/>
+              <a:t>6</a:t>
+            </a:r>
+            <a:endParaRPr lang="en-US" altLang="zh-CN" sz="2800"/>
+          </a:p>
+        </p:txBody>
+      </p:sp>
+      <p:cxnSp>
+        <p:nvCxnSpPr>
+          <p:cNvPr id="62" name="直接箭头连接符 61"/>
+          <p:cNvCxnSpPr/>
+          <p:nvPr/>
+        </p:nvCxnSpPr>
+        <p:spPr>
+          <a:xfrm>
+            <a:off x="6658610" y="4490720"/>
+            <a:ext cx="648000" cy="0"/>
+          </a:xfrm>
+          <a:prstGeom prst="straightConnector1">
+            <a:avLst/>
+          </a:prstGeom>
+          <a:ln w="28575" cmpd="sng">
+            <a:solidFill>
+              <a:schemeClr val="bg1"/>
+            </a:solidFill>
+            <a:prstDash val="solid"/>
+            <a:tailEnd type="arrow"/>
+          </a:ln>
+        </p:spPr>
+        <p:style>
+          <a:lnRef idx="1">
+            <a:schemeClr val="accent1"/>
+          </a:lnRef>
+          <a:fillRef idx="0">
+            <a:schemeClr val="accent1"/>
+          </a:fillRef>
+          <a:effectRef idx="0">
+            <a:schemeClr val="accent1"/>
+          </a:effectRef>
+          <a:fontRef idx="minor">
+            <a:schemeClr val="tx1"/>
+          </a:fontRef>
+        </p:style>
+      </p:cxnSp>
+      <p:cxnSp>
+        <p:nvCxnSpPr>
+          <p:cNvPr id="63" name="直接箭头连接符 62"/>
+          <p:cNvCxnSpPr/>
+          <p:nvPr/>
+        </p:nvCxnSpPr>
+        <p:spPr>
+          <a:xfrm>
+            <a:off x="8110855" y="4490720"/>
+            <a:ext cx="648000" cy="0"/>
+          </a:xfrm>
+          <a:prstGeom prst="straightConnector1">
+            <a:avLst/>
+          </a:prstGeom>
+          <a:ln w="28575" cmpd="sng">
+            <a:solidFill>
+              <a:schemeClr val="bg1"/>
+            </a:solidFill>
+            <a:prstDash val="solid"/>
+            <a:tailEnd type="arrow"/>
+          </a:ln>
+        </p:spPr>
+        <p:style>
+          <a:lnRef idx="1">
+            <a:schemeClr val="accent1"/>
+          </a:lnRef>
+          <a:fillRef idx="0">
+            <a:schemeClr val="accent1"/>
+          </a:fillRef>
+          <a:effectRef idx="0">
+            <a:schemeClr val="accent1"/>
+          </a:effectRef>
+          <a:fontRef idx="minor">
+            <a:schemeClr val="tx1"/>
+          </a:fontRef>
+        </p:style>
+      </p:cxnSp>
+      <p:cxnSp>
+        <p:nvCxnSpPr>
+          <p:cNvPr id="64" name="曲线连接符 63"/>
+          <p:cNvCxnSpPr>
+            <a:stCxn id="61" idx="4"/>
+            <a:endCxn id="51" idx="4"/>
+          </p:cNvCxnSpPr>
+          <p:nvPr/>
+        </p:nvCxnSpPr>
+        <p:spPr>
+          <a:xfrm rot="5400000">
+            <a:off x="5864225" y="2263775"/>
+            <a:ext cx="780415" cy="5774055"/>
+          </a:xfrm>
+          <a:prstGeom prst="curvedConnector3">
+            <a:avLst>
+              <a:gd name="adj1" fmla="val 176159"/>
+            </a:avLst>
+          </a:prstGeom>
+          <a:ln w="28575" cmpd="sng">
+            <a:solidFill>
+              <a:schemeClr val="bg1"/>
+            </a:solidFill>
+            <a:prstDash val="solid"/>
+            <a:tailEnd type="arrow"/>
+          </a:ln>
+        </p:spPr>
+        <p:style>
+          <a:lnRef idx="1">
+            <a:schemeClr val="accent1"/>
+          </a:lnRef>
+          <a:fillRef idx="0">
+            <a:schemeClr val="accent1"/>
+          </a:fillRef>
+          <a:effectRef idx="0">
+            <a:schemeClr val="accent1"/>
+          </a:effectRef>
+          <a:fontRef idx="minor">
+            <a:schemeClr val="tx1"/>
+          </a:fontRef>
+        </p:style>
+      </p:cxnSp>
+      <p:sp>
+        <p:nvSpPr>
+          <p:cNvPr id="65" name="文本框 64"/>
+          <p:cNvSpPr txBox="1"/>
+          <p:nvPr/>
+        </p:nvSpPr>
+        <p:spPr>
+          <a:xfrm>
+            <a:off x="7817485" y="5970270"/>
+            <a:ext cx="3564255" cy="645160"/>
+          </a:xfrm>
+          <a:prstGeom prst="rect">
+            <a:avLst/>
+          </a:prstGeom>
+          <a:noFill/>
+        </p:spPr>
+        <p:txBody>
+          <a:bodyPr wrap="square" rtlCol="0">
+            <a:spAutoFit/>
+          </a:bodyPr>
+          <a:p>
+            <a:pPr algn="l"/>
+            <a:r>
+              <a:rPr lang="zh-CN" altLang="en-US" b="1">
+                <a:solidFill>
+                  <a:schemeClr val="bg1"/>
+                </a:solidFill>
+              </a:rPr>
+              <a:t>题目要求不改变原链表，所以结束时要把 </a:t>
+            </a:r>
+            <a:r>
+              <a:rPr lang="en-US" altLang="zh-CN" b="1">
+                <a:solidFill>
+                  <a:schemeClr val="bg1"/>
+                </a:solidFill>
+              </a:rPr>
+              <a:t>6 </a:t>
+            </a:r>
+            <a:r>
+              <a:rPr lang="zh-CN" altLang="en-US" b="1">
+                <a:solidFill>
+                  <a:schemeClr val="bg1"/>
+                </a:solidFill>
+              </a:rPr>
+              <a:t>的 </a:t>
+            </a:r>
+            <a:r>
+              <a:rPr lang="en-US" altLang="zh-CN" b="1">
+                <a:solidFill>
+                  <a:schemeClr val="bg1"/>
+                </a:solidFill>
+              </a:rPr>
+              <a:t>next </a:t>
+            </a:r>
+            <a:r>
+              <a:rPr lang="zh-CN" altLang="en-US" b="1">
+                <a:solidFill>
+                  <a:schemeClr val="bg1"/>
+                </a:solidFill>
+              </a:rPr>
+              <a:t>指向 </a:t>
+            </a:r>
+            <a:r>
+              <a:rPr lang="en-US" altLang="zh-CN" b="1">
+                <a:solidFill>
+                  <a:schemeClr val="bg1"/>
+                </a:solidFill>
+              </a:rPr>
+              <a:t>null</a:t>
+            </a:r>
+            <a:endParaRPr lang="en-US" altLang="zh-CN" b="1">
+              <a:solidFill>
+                <a:schemeClr val="bg1"/>
+              </a:solidFill>
+            </a:endParaRPr>
+          </a:p>
+        </p:txBody>
+      </p:sp>
+      <p:sp>
+        <p:nvSpPr>
+          <p:cNvPr id="2" name="文本框 1"/>
+          <p:cNvSpPr txBox="1"/>
+          <p:nvPr/>
+        </p:nvSpPr>
+        <p:spPr>
+          <a:xfrm>
+            <a:off x="607060" y="3525520"/>
+            <a:ext cx="913765" cy="368300"/>
+          </a:xfrm>
+          <a:prstGeom prst="rect">
+            <a:avLst/>
+          </a:prstGeom>
+          <a:noFill/>
+        </p:spPr>
+        <p:txBody>
+          <a:bodyPr wrap="square" rtlCol="0">
+            <a:spAutoFit/>
+          </a:bodyPr>
+          <a:p>
+            <a:pPr algn="l"/>
+            <a:r>
+              <a:rPr lang="en-US" altLang="zh-CN" b="1">
+                <a:solidFill>
+                  <a:schemeClr val="bg1"/>
+                </a:solidFill>
+              </a:rPr>
+              <a:t>headA</a:t>
+            </a:r>
+            <a:endParaRPr lang="en-US" altLang="zh-CN" b="1">
+              <a:solidFill>
+                <a:schemeClr val="bg1"/>
+              </a:solidFill>
+            </a:endParaRPr>
+          </a:p>
+        </p:txBody>
+      </p:sp>
+      <p:sp>
+        <p:nvSpPr>
+          <p:cNvPr id="4" name="文本框 3"/>
+          <p:cNvSpPr txBox="1"/>
+          <p:nvPr/>
+        </p:nvSpPr>
+        <p:spPr>
+          <a:xfrm>
+            <a:off x="607060" y="5086985"/>
+            <a:ext cx="913765" cy="368300"/>
+          </a:xfrm>
+          <a:prstGeom prst="rect">
+            <a:avLst/>
+          </a:prstGeom>
+          <a:noFill/>
+        </p:spPr>
+        <p:txBody>
+          <a:bodyPr wrap="square" rtlCol="0">
+            <a:spAutoFit/>
+          </a:bodyPr>
+          <a:p>
+            <a:pPr algn="l"/>
+            <a:r>
+              <a:rPr lang="en-US" altLang="zh-CN" b="1">
+                <a:solidFill>
+                  <a:schemeClr val="bg1"/>
+                </a:solidFill>
+              </a:rPr>
+              <a:t>headB</a:t>
+            </a:r>
+            <a:endParaRPr lang="en-US" altLang="zh-CN" b="1">
+              <a:solidFill>
+                <a:schemeClr val="bg1"/>
+              </a:solidFill>
+            </a:endParaRPr>
+          </a:p>
+        </p:txBody>
+      </p:sp>
+    </p:spTree>
+  </p:cSld>
+  <p:clrMapOvr>
+    <a:masterClrMapping/>
+  </p:clrMapOvr>
+  <p:timing>
+    <p:tnLst>
+      <p:par>
+        <p:cTn id="1" dur="indefinite" restart="never" nodeType="tmRoot">
+          <p:childTnLst>
+            <p:seq concurrent="1" nextAc="seek">
+              <p:cTn id="2" dur="indefinite" nodeType="mainSeq">
+                <p:childTnLst>
+                  <p:par>
+                    <p:cTn id="3" fill="hold">
+                      <p:stCondLst>
+                        <p:cond delay="indefinite"/>
+                      </p:stCondLst>
+                      <p:childTnLst>
+                        <p:par>
+                          <p:cTn id="4" fill="hold">
+                            <p:stCondLst>
+                              <p:cond delay="0"/>
+                            </p:stCondLst>
+                            <p:childTnLst>
+                              <p:par>
+                                <p:cTn id="5" presetID="10" presetClass="entr" presetSubtype="0" fill="hold" nodeType="clickEffect">
+                                  <p:stCondLst>
+                                    <p:cond delay="0"/>
+                                  </p:stCondLst>
+                                  <p:childTnLst>
+                                    <p:set>
+                                      <p:cBhvr>
+                                        <p:cTn id="6" dur="1" fill="hold">
+                                          <p:stCondLst>
+                                            <p:cond delay="0"/>
+                                          </p:stCondLst>
+                                        </p:cTn>
+                                        <p:tgtEl>
+                                          <p:spTgt spid="64"/>
+                                        </p:tgtEl>
+                                        <p:attrNameLst>
+                                          <p:attrName>style.visibility</p:attrName>
+                                        </p:attrNameLst>
+                                      </p:cBhvr>
+                                      <p:to>
+                                        <p:strVal val="visible"/>
+                                      </p:to>
+                                    </p:set>
+                                    <p:animEffect transition="in" filter="fade">
+                                      <p:cBhvr>
+                                        <p:cTn id="7" dur="500"/>
+                                        <p:tgtEl>
+                                          <p:spTgt spid="64"/>
+                                        </p:tgtEl>
+                                      </p:cBhvr>
+                                    </p:animEffect>
+                                  </p:childTnLst>
+                                </p:cTn>
+                              </p:par>
+                            </p:childTnLst>
+                          </p:cTn>
+                        </p:par>
+                      </p:childTnLst>
+                    </p:cTn>
+                  </p:par>
+                  <p:par>
+                    <p:cTn id="8" fill="hold">
+                      <p:stCondLst>
+                        <p:cond delay="indefinite"/>
+                      </p:stCondLst>
+                      <p:childTnLst>
+                        <p:par>
+                          <p:cTn id="9" fill="hold">
+                            <p:stCondLst>
+                              <p:cond delay="0"/>
+                            </p:stCondLst>
+                            <p:childTnLst>
+                              <p:par>
+                                <p:cTn id="10" presetID="10" presetClass="exit" presetSubtype="0" fill="hold" nodeType="clickEffect">
+                                  <p:stCondLst>
+                                    <p:cond delay="0"/>
+                                  </p:stCondLst>
+                                  <p:childTnLst>
+                                    <p:animEffect transition="out" filter="fade">
+                                      <p:cBhvr>
+                                        <p:cTn id="11" dur="500"/>
+                                        <p:tgtEl>
+                                          <p:spTgt spid="64"/>
+                                        </p:tgtEl>
+                                      </p:cBhvr>
+                                    </p:animEffect>
+                                    <p:set>
+                                      <p:cBhvr>
+                                        <p:cTn id="12" dur="1" fill="hold">
+                                          <p:stCondLst>
+                                            <p:cond delay="499"/>
+                                          </p:stCondLst>
+                                        </p:cTn>
+                                        <p:tgtEl>
+                                          <p:spTgt spid="64"/>
+                                        </p:tgtEl>
+                                        <p:attrNameLst>
+                                          <p:attrName>style.visibility</p:attrName>
+                                        </p:attrNameLst>
+                                      </p:cBhvr>
+                                      <p:to>
+                                        <p:strVal val="hidden"/>
+                                      </p:to>
+                                    </p:set>
+                                  </p:childTnLst>
+                                </p:cTn>
+                              </p:par>
+                            </p:childTnLst>
+                          </p:cTn>
+                        </p:par>
+                        <p:par>
+                          <p:cTn id="13" fill="hold">
+                            <p:stCondLst>
+                              <p:cond delay="500"/>
+                            </p:stCondLst>
+                            <p:childTnLst>
+                              <p:par>
+                                <p:cTn id="14" presetID="10" presetClass="entr" presetSubtype="0" fill="hold" nodeType="afterEffect">
+                                  <p:stCondLst>
+                                    <p:cond delay="0"/>
+                                  </p:stCondLst>
+                                  <p:childTnLst>
+                                    <p:set>
+                                      <p:cBhvr>
+                                        <p:cTn id="15" dur="1" fill="hold">
+                                          <p:stCondLst>
+                                            <p:cond delay="0"/>
+                                          </p:stCondLst>
+                                        </p:cTn>
+                                        <p:tgtEl>
+                                          <p:spTgt spid="57"/>
+                                        </p:tgtEl>
+                                        <p:attrNameLst>
+                                          <p:attrName>style.visibility</p:attrName>
+                                        </p:attrNameLst>
+                                      </p:cBhvr>
+                                      <p:to>
+                                        <p:strVal val="visible"/>
+                                      </p:to>
+                                    </p:set>
+                                    <p:animEffect transition="in" filter="fade">
+                                      <p:cBhvr>
+                                        <p:cTn id="16" dur="500"/>
+                                        <p:tgtEl>
+                                          <p:spTgt spid="57"/>
+                                        </p:tgtEl>
+                                      </p:cBhvr>
+                                    </p:animEffect>
+                                  </p:childTnLst>
+                                </p:cTn>
+                              </p:par>
+                            </p:childTnLst>
+                          </p:cTn>
+                        </p:par>
+                      </p:childTnLst>
+                    </p:cTn>
+                  </p:par>
+                  <p:par>
+                    <p:cTn id="17" fill="hold">
+                      <p:stCondLst>
+                        <p:cond delay="indefinite"/>
+                      </p:stCondLst>
+                      <p:childTnLst>
+                        <p:par>
+                          <p:cTn id="18" fill="hold">
+                            <p:stCondLst>
+                              <p:cond delay="0"/>
+                            </p:stCondLst>
+                            <p:childTnLst>
+                              <p:par>
+                                <p:cTn id="19" presetID="10" presetClass="entr" presetSubtype="0" fill="hold" nodeType="clickEffect">
+                                  <p:stCondLst>
+                                    <p:cond delay="0"/>
+                                  </p:stCondLst>
+                                  <p:childTnLst>
+                                    <p:set>
+                                      <p:cBhvr>
+                                        <p:cTn id="20" dur="1" fill="hold">
+                                          <p:stCondLst>
+                                            <p:cond delay="0"/>
+                                          </p:stCondLst>
+                                        </p:cTn>
+                                        <p:tgtEl>
+                                          <p:spTgt spid="64"/>
+                                        </p:tgtEl>
+                                        <p:attrNameLst>
+                                          <p:attrName>style.visibility</p:attrName>
+                                        </p:attrNameLst>
+                                      </p:cBhvr>
+                                      <p:to>
+                                        <p:strVal val="visible"/>
+                                      </p:to>
+                                    </p:set>
+                                    <p:animEffect transition="in" filter="fade">
+                                      <p:cBhvr>
+                                        <p:cTn id="21" dur="500"/>
+                                        <p:tgtEl>
+                                          <p:spTgt spid="64"/>
+                                        </p:tgtEl>
+                                      </p:cBhvr>
+                                    </p:animEffect>
+                                  </p:childTnLst>
+                                </p:cTn>
+                              </p:par>
+                            </p:childTnLst>
+                          </p:cTn>
+                        </p:par>
+                      </p:childTnLst>
+                    </p:cTn>
+                  </p:par>
+                </p:childTnLst>
+              </p:cTn>
+              <p:prevCondLst>
+                <p:cond evt="onPrev" delay="0">
+                  <p:tgtEl>
+                    <p:sldTgt/>
+                  </p:tgtEl>
+                </p:cond>
+              </p:prevCondLst>
+              <p:nextCondLst>
+                <p:cond evt="onNext" delay="0">
+                  <p:tgtEl>
+                    <p:sldTgt/>
+                  </p:tgtEl>
+                </p:cond>
+              </p:nextCondLst>
+            </p:seq>
+          </p:childTnLst>
+        </p:cTn>
+      </p:par>
+    </p:tnLst>
+  </p:timing>
+</p:sld>
+</file>
+
+<file path=ppt/slides/slide11.xml><?xml version="1.0" encoding="utf-8"?>
 <p:sld xmlns:a="http://schemas.openxmlformats.org/drawingml/2006/main" xmlns:r="http://schemas.openxmlformats.org/officeDocument/2006/relationships" xmlns:p="http://schemas.openxmlformats.org/presentationml/2006/main">
   <p:cSld>
     <p:bg>
@@ -13074,7 +14372,7 @@
 </p:sld>
 </file>
 
-<file path=ppt/slides/slide11.xml><?xml version="1.0" encoding="utf-8"?>
+<file path=ppt/slides/slide12.xml><?xml version="1.0" encoding="utf-8"?>
 <p:sld xmlns:a="http://schemas.openxmlformats.org/drawingml/2006/main" xmlns:r="http://schemas.openxmlformats.org/officeDocument/2006/relationships" xmlns:p="http://schemas.openxmlformats.org/presentationml/2006/main">
   <p:cSld>
     <p:bg>
@@ -14442,7 +15740,7 @@
 </p:sld>
 </file>
 
-<file path=ppt/slides/slide12.xml><?xml version="1.0" encoding="utf-8"?>
+<file path=ppt/slides/slide13.xml><?xml version="1.0" encoding="utf-8"?>
 <p:sld xmlns:a="http://schemas.openxmlformats.org/drawingml/2006/main" xmlns:r="http://schemas.openxmlformats.org/officeDocument/2006/relationships" xmlns:p="http://schemas.openxmlformats.org/presentationml/2006/main">
   <p:cSld>
     <p:bg>
@@ -16267,7 +17565,7 @@
 </p:sld>
 </file>
 
-<file path=ppt/slides/slide13.xml><?xml version="1.0" encoding="utf-8"?>
+<file path=ppt/slides/slide14.xml><?xml version="1.0" encoding="utf-8"?>
 <p:sld xmlns:a="http://schemas.openxmlformats.org/drawingml/2006/main" xmlns:r="http://schemas.openxmlformats.org/officeDocument/2006/relationships" xmlns:p="http://schemas.openxmlformats.org/presentationml/2006/main">
   <p:cSld>
     <p:bg>
@@ -17798,7 +19096,7 @@
 </p:sld>
 </file>
 
-<file path=ppt/slides/slide14.xml><?xml version="1.0" encoding="utf-8"?>
+<file path=ppt/slides/slide15.xml><?xml version="1.0" encoding="utf-8"?>
 <p:sld xmlns:a="http://schemas.openxmlformats.org/drawingml/2006/main" xmlns:r="http://schemas.openxmlformats.org/officeDocument/2006/relationships" xmlns:p="http://schemas.openxmlformats.org/presentationml/2006/main">
   <p:cSld>
     <p:bg>
@@ -22776,7 +24074,7 @@
 </p:sld>
 </file>
 
-<file path=ppt/slides/slide15.xml><?xml version="1.0" encoding="utf-8"?>
+<file path=ppt/slides/slide16.xml><?xml version="1.0" encoding="utf-8"?>
 <p:sld xmlns:a="http://schemas.openxmlformats.org/drawingml/2006/main" xmlns:r="http://schemas.openxmlformats.org/officeDocument/2006/relationships" xmlns:p="http://schemas.openxmlformats.org/presentationml/2006/main">
   <p:cSld>
     <p:bg>
@@ -23848,7 +25146,7 @@
 </p:sld>
 </file>
 
-<file path=ppt/slides/slide16.xml><?xml version="1.0" encoding="utf-8"?>
+<file path=ppt/slides/slide17.xml><?xml version="1.0" encoding="utf-8"?>
 <p:sld xmlns:a="http://schemas.openxmlformats.org/drawingml/2006/main" xmlns:r="http://schemas.openxmlformats.org/officeDocument/2006/relationships" xmlns:p="http://schemas.openxmlformats.org/presentationml/2006/main">
   <p:cSld>
     <p:bg>
@@ -29659,10 +30957,10 @@
         </p:nvGrpSpPr>
         <p:grpSpPr>
           <a:xfrm>
-            <a:off x="5322570" y="3086100"/>
-            <a:ext cx="716280" cy="1279525"/>
-            <a:chOff x="6681" y="2657"/>
-            <a:chExt cx="1128" cy="2015"/>
+            <a:off x="5322570" y="3251200"/>
+            <a:ext cx="716280" cy="1114425"/>
+            <a:chOff x="6681" y="2917"/>
+            <a:chExt cx="1128" cy="1755"/>
           </a:xfrm>
         </p:grpSpPr>
         <p:sp>
@@ -29715,7 +31013,7 @@
           </p:nvSpPr>
           <p:spPr>
             <a:xfrm>
-              <a:off x="6681" y="2657"/>
+              <a:off x="6681" y="2917"/>
               <a:ext cx="1128" cy="580"/>
             </a:xfrm>
             <a:prstGeom prst="rect">
@@ -32188,6 +33486,2300 @@
         <p:nvPr/>
       </p:nvGrpSpPr>
       <p:grpSpPr/>
+      <p:grpSp>
+        <p:nvGrpSpPr>
+          <p:cNvPr id="35" name="del" descr="2" title="1"/>
+          <p:cNvGrpSpPr/>
+          <p:nvPr/>
+        </p:nvGrpSpPr>
+        <p:grpSpPr>
+          <a:xfrm>
+            <a:off x="2262505" y="3267710"/>
+            <a:ext cx="513080" cy="1114425"/>
+            <a:chOff x="4588" y="2917"/>
+            <a:chExt cx="808" cy="1755"/>
+          </a:xfrm>
+        </p:grpSpPr>
+        <p:sp>
+          <p:nvSpPr>
+            <p:cNvPr id="36" name="下箭头 35"/>
+            <p:cNvSpPr/>
+            <p:nvPr/>
+          </p:nvSpPr>
+          <p:spPr>
+            <a:xfrm>
+              <a:off x="4729" y="3821"/>
+              <a:ext cx="522" cy="851"/>
+            </a:xfrm>
+            <a:prstGeom prst="downArrow">
+              <a:avLst/>
+            </a:prstGeom>
+            <a:solidFill>
+              <a:schemeClr val="accent2"/>
+            </a:solidFill>
+          </p:spPr>
+          <p:style>
+            <a:lnRef idx="2">
+              <a:schemeClr val="accent1">
+                <a:shade val="50000"/>
+              </a:schemeClr>
+            </a:lnRef>
+            <a:fillRef idx="1">
+              <a:schemeClr val="accent1"/>
+            </a:fillRef>
+            <a:effectRef idx="0">
+              <a:schemeClr val="accent1"/>
+            </a:effectRef>
+            <a:fontRef idx="minor">
+              <a:schemeClr val="lt1"/>
+            </a:fontRef>
+          </p:style>
+          <p:txBody>
+            <a:bodyPr rtlCol="0" anchor="ctr"/>
+            <a:p>
+              <a:pPr algn="ctr"/>
+              <a:endParaRPr lang="zh-CN" altLang="en-US"/>
+            </a:p>
+          </p:txBody>
+        </p:sp>
+        <p:sp>
+          <p:nvSpPr>
+            <p:cNvPr id="37" name="文本框 36"/>
+            <p:cNvSpPr txBox="1"/>
+            <p:nvPr/>
+          </p:nvSpPr>
+          <p:spPr>
+            <a:xfrm>
+              <a:off x="4588" y="2917"/>
+              <a:ext cx="808" cy="580"/>
+            </a:xfrm>
+            <a:prstGeom prst="rect">
+              <a:avLst/>
+            </a:prstGeom>
+            <a:noFill/>
+          </p:spPr>
+          <p:txBody>
+            <a:bodyPr wrap="none" rtlCol="0">
+              <a:spAutoFit/>
+            </a:bodyPr>
+            <a:p>
+              <a:pPr algn="ctr"/>
+              <a:r>
+                <a:rPr lang="en-US" altLang="zh-CN" b="1">
+                  <a:solidFill>
+                    <a:schemeClr val="bg1"/>
+                  </a:solidFill>
+                </a:rPr>
+                <a:t>del</a:t>
+              </a:r>
+              <a:endParaRPr lang="en-US" altLang="zh-CN" b="1">
+                <a:solidFill>
+                  <a:schemeClr val="bg1"/>
+                </a:solidFill>
+              </a:endParaRPr>
+            </a:p>
+          </p:txBody>
+        </p:sp>
+      </p:grpSp>
+      <p:cxnSp>
+        <p:nvCxnSpPr>
+          <p:cNvPr id="16" name="2-3-a"/>
+          <p:cNvCxnSpPr/>
+          <p:nvPr/>
+        </p:nvCxnSpPr>
+        <p:spPr>
+          <a:xfrm>
+            <a:off x="5758815" y="4840605"/>
+            <a:ext cx="648000" cy="0"/>
+          </a:xfrm>
+          <a:prstGeom prst="straightConnector1">
+            <a:avLst/>
+          </a:prstGeom>
+          <a:ln w="28575" cmpd="sng">
+            <a:solidFill>
+              <a:schemeClr val="bg1"/>
+            </a:solidFill>
+            <a:prstDash val="solid"/>
+            <a:tailEnd type="arrow"/>
+          </a:ln>
+        </p:spPr>
+        <p:style>
+          <a:lnRef idx="1">
+            <a:schemeClr val="accent1"/>
+          </a:lnRef>
+          <a:fillRef idx="0">
+            <a:schemeClr val="accent1"/>
+          </a:fillRef>
+          <a:effectRef idx="0">
+            <a:schemeClr val="accent1"/>
+          </a:effectRef>
+          <a:fontRef idx="minor">
+            <a:schemeClr val="tx1"/>
+          </a:fontRef>
+        </p:style>
+      </p:cxnSp>
+      <p:cxnSp>
+        <p:nvCxnSpPr>
+          <p:cNvPr id="15" name="直接箭头连接符 14"/>
+          <p:cNvCxnSpPr/>
+          <p:nvPr/>
+        </p:nvCxnSpPr>
+        <p:spPr>
+          <a:xfrm>
+            <a:off x="4322445" y="4840605"/>
+            <a:ext cx="648000" cy="0"/>
+          </a:xfrm>
+          <a:prstGeom prst="straightConnector1">
+            <a:avLst/>
+          </a:prstGeom>
+          <a:ln w="28575" cmpd="sng">
+            <a:solidFill>
+              <a:schemeClr val="bg1"/>
+            </a:solidFill>
+            <a:prstDash val="solid"/>
+            <a:tailEnd type="arrow"/>
+          </a:ln>
+        </p:spPr>
+        <p:style>
+          <a:lnRef idx="1">
+            <a:schemeClr val="accent1"/>
+          </a:lnRef>
+          <a:fillRef idx="0">
+            <a:schemeClr val="accent1"/>
+          </a:fillRef>
+          <a:effectRef idx="0">
+            <a:schemeClr val="accent1"/>
+          </a:effectRef>
+          <a:fontRef idx="minor">
+            <a:schemeClr val="tx1"/>
+          </a:fontRef>
+        </p:style>
+      </p:cxnSp>
+      <p:sp>
+        <p:nvSpPr>
+          <p:cNvPr id="4" name="椭圆 3"/>
+          <p:cNvSpPr/>
+          <p:nvPr/>
+        </p:nvSpPr>
+        <p:spPr>
+          <a:xfrm>
+            <a:off x="3676650" y="4570730"/>
+            <a:ext cx="540000" cy="540000"/>
+          </a:xfrm>
+          <a:prstGeom prst="ellipse">
+            <a:avLst/>
+          </a:prstGeom>
+        </p:spPr>
+        <p:style>
+          <a:lnRef idx="1">
+            <a:schemeClr val="accent3"/>
+          </a:lnRef>
+          <a:fillRef idx="3">
+            <a:schemeClr val="accent3"/>
+          </a:fillRef>
+          <a:effectRef idx="2">
+            <a:schemeClr val="accent3"/>
+          </a:effectRef>
+          <a:fontRef idx="minor">
+            <a:schemeClr val="lt1"/>
+          </a:fontRef>
+        </p:style>
+        <p:txBody>
+          <a:bodyPr rtlCol="0" anchor="ctr"/>
+          <a:p>
+            <a:pPr algn="ctr"/>
+            <a:r>
+              <a:rPr lang="en-US" altLang="zh-CN" sz="2800"/>
+              <a:t>1</a:t>
+            </a:r>
+            <a:endParaRPr lang="en-US" altLang="zh-CN" sz="2800"/>
+          </a:p>
+        </p:txBody>
+      </p:sp>
+      <p:sp>
+        <p:nvSpPr>
+          <p:cNvPr id="5" name="椭圆 4"/>
+          <p:cNvSpPr/>
+          <p:nvPr/>
+        </p:nvSpPr>
+        <p:spPr>
+          <a:xfrm>
+            <a:off x="5122545" y="4570730"/>
+            <a:ext cx="540000" cy="540000"/>
+          </a:xfrm>
+          <a:prstGeom prst="ellipse">
+            <a:avLst/>
+          </a:prstGeom>
+        </p:spPr>
+        <p:style>
+          <a:lnRef idx="2">
+            <a:schemeClr val="accent1">
+              <a:shade val="50000"/>
+            </a:schemeClr>
+          </a:lnRef>
+          <a:fillRef idx="1">
+            <a:schemeClr val="accent1"/>
+          </a:fillRef>
+          <a:effectRef idx="0">
+            <a:schemeClr val="accent1"/>
+          </a:effectRef>
+          <a:fontRef idx="minor">
+            <a:schemeClr val="lt1"/>
+          </a:fontRef>
+        </p:style>
+        <p:txBody>
+          <a:bodyPr rtlCol="0" anchor="ctr"/>
+          <a:p>
+            <a:pPr algn="ctr"/>
+            <a:r>
+              <a:rPr lang="en-US" altLang="zh-CN" sz="2800"/>
+              <a:t>2</a:t>
+            </a:r>
+            <a:endParaRPr lang="en-US" altLang="zh-CN" sz="2800"/>
+          </a:p>
+        </p:txBody>
+      </p:sp>
+      <p:sp>
+        <p:nvSpPr>
+          <p:cNvPr id="6" name="椭圆 5"/>
+          <p:cNvSpPr/>
+          <p:nvPr/>
+        </p:nvSpPr>
+        <p:spPr>
+          <a:xfrm>
+            <a:off x="6543675" y="4570730"/>
+            <a:ext cx="540000" cy="540000"/>
+          </a:xfrm>
+          <a:prstGeom prst="ellipse">
+            <a:avLst/>
+          </a:prstGeom>
+        </p:spPr>
+        <p:style>
+          <a:lnRef idx="2">
+            <a:schemeClr val="accent3">
+              <a:shade val="50000"/>
+            </a:schemeClr>
+          </a:lnRef>
+          <a:fillRef idx="1">
+            <a:schemeClr val="accent3"/>
+          </a:fillRef>
+          <a:effectRef idx="0">
+            <a:schemeClr val="accent3"/>
+          </a:effectRef>
+          <a:fontRef idx="minor">
+            <a:schemeClr val="lt1"/>
+          </a:fontRef>
+        </p:style>
+        <p:txBody>
+          <a:bodyPr rtlCol="0" anchor="ctr"/>
+          <a:p>
+            <a:pPr algn="ctr"/>
+            <a:r>
+              <a:rPr lang="en-US" altLang="zh-CN" sz="2800"/>
+              <a:t>3</a:t>
+            </a:r>
+            <a:endParaRPr lang="en-US" altLang="zh-CN" sz="2800"/>
+          </a:p>
+        </p:txBody>
+      </p:sp>
+      <p:grpSp>
+        <p:nvGrpSpPr>
+          <p:cNvPr id="25" name="prev"/>
+          <p:cNvGrpSpPr/>
+          <p:nvPr/>
+        </p:nvGrpSpPr>
+        <p:grpSpPr>
+          <a:xfrm>
+            <a:off x="737235" y="3268345"/>
+            <a:ext cx="661670" cy="1113790"/>
+            <a:chOff x="2276" y="2917"/>
+            <a:chExt cx="1042" cy="1754"/>
+          </a:xfrm>
+        </p:grpSpPr>
+        <p:sp>
+          <p:nvSpPr>
+            <p:cNvPr id="13" name="下箭头 12"/>
+            <p:cNvSpPr/>
+            <p:nvPr/>
+          </p:nvSpPr>
+          <p:spPr>
+            <a:xfrm>
+              <a:off x="2540" y="3821"/>
+              <a:ext cx="522" cy="850"/>
+            </a:xfrm>
+            <a:prstGeom prst="downArrow">
+              <a:avLst/>
+            </a:prstGeom>
+            <a:solidFill>
+              <a:schemeClr val="accent2"/>
+            </a:solidFill>
+          </p:spPr>
+          <p:style>
+            <a:lnRef idx="2">
+              <a:schemeClr val="accent1">
+                <a:shade val="50000"/>
+              </a:schemeClr>
+            </a:lnRef>
+            <a:fillRef idx="1">
+              <a:schemeClr val="accent1"/>
+            </a:fillRef>
+            <a:effectRef idx="0">
+              <a:schemeClr val="accent1"/>
+            </a:effectRef>
+            <a:fontRef idx="minor">
+              <a:schemeClr val="lt1"/>
+            </a:fontRef>
+          </p:style>
+          <p:txBody>
+            <a:bodyPr rtlCol="0" anchor="ctr"/>
+            <a:p>
+              <a:pPr algn="ctr"/>
+              <a:endParaRPr lang="zh-CN" altLang="en-US"/>
+            </a:p>
+          </p:txBody>
+        </p:sp>
+        <p:sp>
+          <p:nvSpPr>
+            <p:cNvPr id="14" name="文本框 13"/>
+            <p:cNvSpPr txBox="1"/>
+            <p:nvPr/>
+          </p:nvSpPr>
+          <p:spPr>
+            <a:xfrm>
+              <a:off x="2276" y="2917"/>
+              <a:ext cx="1042" cy="580"/>
+            </a:xfrm>
+            <a:prstGeom prst="rect">
+              <a:avLst/>
+            </a:prstGeom>
+            <a:noFill/>
+          </p:spPr>
+          <p:txBody>
+            <a:bodyPr wrap="none" rtlCol="0">
+              <a:spAutoFit/>
+            </a:bodyPr>
+            <a:p>
+              <a:pPr algn="ctr"/>
+              <a:r>
+                <a:rPr lang="en-US" altLang="zh-CN" b="1">
+                  <a:solidFill>
+                    <a:schemeClr val="bg1"/>
+                  </a:solidFill>
+                </a:rPr>
+                <a:t>prev</a:t>
+              </a:r>
+              <a:endParaRPr lang="en-US" altLang="zh-CN" b="1">
+                <a:solidFill>
+                  <a:schemeClr val="bg1"/>
+                </a:solidFill>
+              </a:endParaRPr>
+            </a:p>
+          </p:txBody>
+        </p:sp>
+      </p:grpSp>
+      <p:cxnSp>
+        <p:nvCxnSpPr>
+          <p:cNvPr id="2" name="直接箭头连接符 1"/>
+          <p:cNvCxnSpPr/>
+          <p:nvPr/>
+        </p:nvCxnSpPr>
+        <p:spPr>
+          <a:xfrm>
+            <a:off x="2916555" y="4840605"/>
+            <a:ext cx="628015" cy="0"/>
+          </a:xfrm>
+          <a:prstGeom prst="straightConnector1">
+            <a:avLst/>
+          </a:prstGeom>
+          <a:ln w="28575" cmpd="sng">
+            <a:solidFill>
+              <a:schemeClr val="bg1"/>
+            </a:solidFill>
+            <a:prstDash val="solid"/>
+            <a:tailEnd type="arrow"/>
+          </a:ln>
+        </p:spPr>
+        <p:style>
+          <a:lnRef idx="1">
+            <a:schemeClr val="accent1"/>
+          </a:lnRef>
+          <a:fillRef idx="0">
+            <a:schemeClr val="accent1"/>
+          </a:fillRef>
+          <a:effectRef idx="0">
+            <a:schemeClr val="accent1"/>
+          </a:effectRef>
+          <a:fontRef idx="minor">
+            <a:schemeClr val="tx1"/>
+          </a:fontRef>
+        </p:style>
+      </p:cxnSp>
+      <p:grpSp>
+        <p:nvGrpSpPr>
+          <p:cNvPr id="27" name="curr" descr="2" title="1"/>
+          <p:cNvGrpSpPr/>
+          <p:nvPr/>
+        </p:nvGrpSpPr>
+        <p:grpSpPr>
+          <a:xfrm>
+            <a:off x="2195195" y="3267710"/>
+            <a:ext cx="627380" cy="1114425"/>
+            <a:chOff x="4497" y="2917"/>
+            <a:chExt cx="988" cy="1755"/>
+          </a:xfrm>
+        </p:grpSpPr>
+        <p:sp>
+          <p:nvSpPr>
+            <p:cNvPr id="11" name="下箭头 10"/>
+            <p:cNvSpPr/>
+            <p:nvPr/>
+          </p:nvSpPr>
+          <p:spPr>
+            <a:xfrm>
+              <a:off x="4729" y="3821"/>
+              <a:ext cx="522" cy="851"/>
+            </a:xfrm>
+            <a:prstGeom prst="downArrow">
+              <a:avLst/>
+            </a:prstGeom>
+            <a:solidFill>
+              <a:schemeClr val="accent2"/>
+            </a:solidFill>
+          </p:spPr>
+          <p:style>
+            <a:lnRef idx="2">
+              <a:schemeClr val="accent1">
+                <a:shade val="50000"/>
+              </a:schemeClr>
+            </a:lnRef>
+            <a:fillRef idx="1">
+              <a:schemeClr val="accent1"/>
+            </a:fillRef>
+            <a:effectRef idx="0">
+              <a:schemeClr val="accent1"/>
+            </a:effectRef>
+            <a:fontRef idx="minor">
+              <a:schemeClr val="lt1"/>
+            </a:fontRef>
+          </p:style>
+          <p:txBody>
+            <a:bodyPr rtlCol="0" anchor="ctr"/>
+            <a:p>
+              <a:pPr algn="ctr"/>
+              <a:endParaRPr lang="zh-CN" altLang="en-US"/>
+            </a:p>
+          </p:txBody>
+        </p:sp>
+        <p:sp>
+          <p:nvSpPr>
+            <p:cNvPr id="12" name="文本框 11"/>
+            <p:cNvSpPr txBox="1"/>
+            <p:nvPr/>
+          </p:nvSpPr>
+          <p:spPr>
+            <a:xfrm>
+              <a:off x="4497" y="2917"/>
+              <a:ext cx="988" cy="580"/>
+            </a:xfrm>
+            <a:prstGeom prst="rect">
+              <a:avLst/>
+            </a:prstGeom>
+            <a:noFill/>
+          </p:spPr>
+          <p:txBody>
+            <a:bodyPr wrap="none" rtlCol="0">
+              <a:spAutoFit/>
+            </a:bodyPr>
+            <a:p>
+              <a:pPr algn="ctr"/>
+              <a:r>
+                <a:rPr lang="en-US" altLang="zh-CN" b="1">
+                  <a:solidFill>
+                    <a:schemeClr val="bg1"/>
+                  </a:solidFill>
+                </a:rPr>
+                <a:t>curr</a:t>
+              </a:r>
+              <a:endParaRPr lang="en-US" altLang="zh-CN" b="1">
+                <a:solidFill>
+                  <a:schemeClr val="bg1"/>
+                </a:solidFill>
+              </a:endParaRPr>
+            </a:p>
+          </p:txBody>
+        </p:sp>
+      </p:grpSp>
+      <p:sp>
+        <p:nvSpPr>
+          <p:cNvPr id="29" name="文本框 28"/>
+          <p:cNvSpPr txBox="1"/>
+          <p:nvPr/>
+        </p:nvSpPr>
+        <p:spPr>
+          <a:xfrm>
+            <a:off x="578486" y="419100"/>
+            <a:ext cx="7574280" cy="706755"/>
+          </a:xfrm>
+          <a:prstGeom prst="rect">
+            <a:avLst/>
+          </a:prstGeom>
+          <a:noFill/>
+        </p:spPr>
+        <p:txBody>
+          <a:bodyPr wrap="none" rtlCol="0">
+            <a:spAutoFit/>
+          </a:bodyPr>
+          <a:p>
+            <a:pPr algn="l"/>
+            <a:r>
+              <a:rPr lang="en-US" altLang="zh-CN" sz="4000" b="1">
+                <a:solidFill>
+                  <a:schemeClr val="bg1"/>
+                </a:solidFill>
+                <a:sym typeface="+mn-ea"/>
+              </a:rPr>
+              <a:t>82. 删除排序链表中的重复元素 II</a:t>
+            </a:r>
+            <a:endParaRPr lang="en-US" altLang="zh-CN" sz="4000" b="1">
+              <a:solidFill>
+                <a:schemeClr val="bg1"/>
+              </a:solidFill>
+              <a:sym typeface="+mn-ea"/>
+            </a:endParaRPr>
+          </a:p>
+        </p:txBody>
+      </p:sp>
+      <p:sp>
+        <p:nvSpPr>
+          <p:cNvPr id="30" name="椭圆 29"/>
+          <p:cNvSpPr/>
+          <p:nvPr/>
+        </p:nvSpPr>
+        <p:spPr>
+          <a:xfrm>
+            <a:off x="8003540" y="4570730"/>
+            <a:ext cx="540000" cy="540000"/>
+          </a:xfrm>
+          <a:prstGeom prst="ellipse">
+            <a:avLst/>
+          </a:prstGeom>
+        </p:spPr>
+        <p:style>
+          <a:lnRef idx="2">
+            <a:schemeClr val="accent3">
+              <a:shade val="50000"/>
+            </a:schemeClr>
+          </a:lnRef>
+          <a:fillRef idx="1">
+            <a:schemeClr val="accent3"/>
+          </a:fillRef>
+          <a:effectRef idx="0">
+            <a:schemeClr val="accent3"/>
+          </a:effectRef>
+          <a:fontRef idx="minor">
+            <a:schemeClr val="lt1"/>
+          </a:fontRef>
+        </p:style>
+        <p:txBody>
+          <a:bodyPr rtlCol="0" anchor="ctr"/>
+          <a:p>
+            <a:pPr algn="ctr"/>
+            <a:r>
+              <a:rPr lang="en-US" altLang="zh-CN" sz="2800"/>
+              <a:t>3</a:t>
+            </a:r>
+            <a:endParaRPr lang="en-US" altLang="zh-CN" sz="2800"/>
+          </a:p>
+        </p:txBody>
+      </p:sp>
+      <p:sp>
+        <p:nvSpPr>
+          <p:cNvPr id="31" name="椭圆 30"/>
+          <p:cNvSpPr/>
+          <p:nvPr/>
+        </p:nvSpPr>
+        <p:spPr>
+          <a:xfrm>
+            <a:off x="9439275" y="4570730"/>
+            <a:ext cx="540000" cy="540000"/>
+          </a:xfrm>
+          <a:prstGeom prst="ellipse">
+            <a:avLst/>
+          </a:prstGeom>
+        </p:spPr>
+        <p:style>
+          <a:lnRef idx="2">
+            <a:schemeClr val="accent1">
+              <a:shade val="50000"/>
+            </a:schemeClr>
+          </a:lnRef>
+          <a:fillRef idx="1">
+            <a:schemeClr val="accent1"/>
+          </a:fillRef>
+          <a:effectRef idx="0">
+            <a:schemeClr val="accent1"/>
+          </a:effectRef>
+          <a:fontRef idx="minor">
+            <a:schemeClr val="lt1"/>
+          </a:fontRef>
+        </p:style>
+        <p:txBody>
+          <a:bodyPr rtlCol="0" anchor="ctr"/>
+          <a:p>
+            <a:pPr algn="ctr"/>
+            <a:r>
+              <a:rPr lang="en-US" altLang="zh-CN" sz="2800"/>
+              <a:t>4</a:t>
+            </a:r>
+            <a:endParaRPr lang="en-US" altLang="zh-CN" sz="2800"/>
+          </a:p>
+        </p:txBody>
+      </p:sp>
+      <p:cxnSp>
+        <p:nvCxnSpPr>
+          <p:cNvPr id="32" name="rightArrow"/>
+          <p:cNvCxnSpPr/>
+          <p:nvPr/>
+        </p:nvCxnSpPr>
+        <p:spPr>
+          <a:xfrm>
+            <a:off x="7223760" y="4840605"/>
+            <a:ext cx="648000" cy="0"/>
+          </a:xfrm>
+          <a:prstGeom prst="straightConnector1">
+            <a:avLst/>
+          </a:prstGeom>
+          <a:ln w="28575" cmpd="sng">
+            <a:solidFill>
+              <a:schemeClr val="bg1"/>
+            </a:solidFill>
+            <a:prstDash val="solid"/>
+            <a:tailEnd type="arrow"/>
+          </a:ln>
+        </p:spPr>
+        <p:style>
+          <a:lnRef idx="1">
+            <a:schemeClr val="accent1"/>
+          </a:lnRef>
+          <a:fillRef idx="0">
+            <a:schemeClr val="accent1"/>
+          </a:fillRef>
+          <a:effectRef idx="0">
+            <a:schemeClr val="accent1"/>
+          </a:effectRef>
+          <a:fontRef idx="minor">
+            <a:schemeClr val="tx1"/>
+          </a:fontRef>
+        </p:style>
+      </p:cxnSp>
+      <p:cxnSp>
+        <p:nvCxnSpPr>
+          <p:cNvPr id="33" name="直接箭头连接符 32"/>
+          <p:cNvCxnSpPr/>
+          <p:nvPr/>
+        </p:nvCxnSpPr>
+        <p:spPr>
+          <a:xfrm>
+            <a:off x="8676005" y="4840605"/>
+            <a:ext cx="648000" cy="0"/>
+          </a:xfrm>
+          <a:prstGeom prst="straightConnector1">
+            <a:avLst/>
+          </a:prstGeom>
+          <a:ln w="28575" cmpd="sng">
+            <a:solidFill>
+              <a:schemeClr val="bg1"/>
+            </a:solidFill>
+            <a:prstDash val="solid"/>
+            <a:tailEnd type="arrow"/>
+          </a:ln>
+        </p:spPr>
+        <p:style>
+          <a:lnRef idx="1">
+            <a:schemeClr val="accent1"/>
+          </a:lnRef>
+          <a:fillRef idx="0">
+            <a:schemeClr val="accent1"/>
+          </a:fillRef>
+          <a:effectRef idx="0">
+            <a:schemeClr val="accent1"/>
+          </a:effectRef>
+          <a:fontRef idx="minor">
+            <a:schemeClr val="tx1"/>
+          </a:fontRef>
+        </p:style>
+      </p:cxnSp>
+      <p:sp>
+        <p:nvSpPr>
+          <p:cNvPr id="34" name="文本框 33"/>
+          <p:cNvSpPr txBox="1"/>
+          <p:nvPr/>
+        </p:nvSpPr>
+        <p:spPr>
+          <a:xfrm>
+            <a:off x="608965" y="1240155"/>
+            <a:ext cx="7399655" cy="368300"/>
+          </a:xfrm>
+          <a:prstGeom prst="rect">
+            <a:avLst/>
+          </a:prstGeom>
+          <a:noFill/>
+        </p:spPr>
+        <p:txBody>
+          <a:bodyPr wrap="square" rtlCol="0">
+            <a:spAutoFit/>
+          </a:bodyPr>
+          <a:p>
+            <a:pPr algn="l"/>
+            <a:r>
+              <a:rPr lang="zh-CN" altLang="en-US" b="1">
+                <a:solidFill>
+                  <a:schemeClr val="bg1"/>
+                </a:solidFill>
+                <a:sym typeface="+mn-ea"/>
+              </a:rPr>
+              <a:t>题目：删除升序链表中重复节点，只保留不重复的节点</a:t>
+            </a:r>
+            <a:endParaRPr lang="zh-CN" altLang="en-US" b="1">
+              <a:solidFill>
+                <a:schemeClr val="bg1"/>
+              </a:solidFill>
+              <a:sym typeface="+mn-ea"/>
+            </a:endParaRPr>
+          </a:p>
+        </p:txBody>
+      </p:sp>
+      <p:sp>
+        <p:nvSpPr>
+          <p:cNvPr id="7" name="椭圆 6"/>
+          <p:cNvSpPr/>
+          <p:nvPr/>
+        </p:nvSpPr>
+        <p:spPr>
+          <a:xfrm>
+            <a:off x="2241550" y="4570730"/>
+            <a:ext cx="540000" cy="540000"/>
+          </a:xfrm>
+          <a:prstGeom prst="ellipse">
+            <a:avLst/>
+          </a:prstGeom>
+        </p:spPr>
+        <p:style>
+          <a:lnRef idx="1">
+            <a:schemeClr val="accent3"/>
+          </a:lnRef>
+          <a:fillRef idx="3">
+            <a:schemeClr val="accent3"/>
+          </a:fillRef>
+          <a:effectRef idx="2">
+            <a:schemeClr val="accent3"/>
+          </a:effectRef>
+          <a:fontRef idx="minor">
+            <a:schemeClr val="lt1"/>
+          </a:fontRef>
+        </p:style>
+        <p:txBody>
+          <a:bodyPr rtlCol="0" anchor="ctr"/>
+          <a:p>
+            <a:pPr algn="ctr"/>
+            <a:r>
+              <a:rPr lang="en-US" altLang="zh-CN" sz="2800"/>
+              <a:t>1</a:t>
+            </a:r>
+            <a:endParaRPr lang="en-US" altLang="zh-CN" sz="2800"/>
+          </a:p>
+        </p:txBody>
+      </p:sp>
+      <p:cxnSp>
+        <p:nvCxnSpPr>
+          <p:cNvPr id="8" name="直接箭头连接符 7"/>
+          <p:cNvCxnSpPr/>
+          <p:nvPr/>
+        </p:nvCxnSpPr>
+        <p:spPr>
+          <a:xfrm>
+            <a:off x="1477010" y="4840605"/>
+            <a:ext cx="628015" cy="0"/>
+          </a:xfrm>
+          <a:prstGeom prst="straightConnector1">
+            <a:avLst/>
+          </a:prstGeom>
+          <a:ln w="28575" cmpd="sng">
+            <a:solidFill>
+              <a:schemeClr val="bg1"/>
+            </a:solidFill>
+            <a:prstDash val="solid"/>
+            <a:tailEnd type="arrow"/>
+          </a:ln>
+        </p:spPr>
+        <p:style>
+          <a:lnRef idx="1">
+            <a:schemeClr val="accent1"/>
+          </a:lnRef>
+          <a:fillRef idx="0">
+            <a:schemeClr val="accent1"/>
+          </a:fillRef>
+          <a:effectRef idx="0">
+            <a:schemeClr val="accent1"/>
+          </a:effectRef>
+          <a:fontRef idx="minor">
+            <a:schemeClr val="tx1"/>
+          </a:fontRef>
+        </p:style>
+      </p:cxnSp>
+      <p:sp>
+        <p:nvSpPr>
+          <p:cNvPr id="9" name="椭圆 8"/>
+          <p:cNvSpPr/>
+          <p:nvPr/>
+        </p:nvSpPr>
+        <p:spPr>
+          <a:xfrm>
+            <a:off x="800735" y="4570730"/>
+            <a:ext cx="540000" cy="540000"/>
+          </a:xfrm>
+          <a:prstGeom prst="ellipse">
+            <a:avLst/>
+          </a:prstGeom>
+        </p:spPr>
+        <p:style>
+          <a:lnRef idx="1">
+            <a:schemeClr val="accent6"/>
+          </a:lnRef>
+          <a:fillRef idx="3">
+            <a:schemeClr val="accent6"/>
+          </a:fillRef>
+          <a:effectRef idx="2">
+            <a:schemeClr val="accent6"/>
+          </a:effectRef>
+          <a:fontRef idx="minor">
+            <a:schemeClr val="lt1"/>
+          </a:fontRef>
+        </p:style>
+        <p:txBody>
+          <a:bodyPr rtlCol="0" anchor="ctr"/>
+          <a:p>
+            <a:pPr algn="ctr"/>
+            <a:r>
+              <a:rPr lang="zh-CN" altLang="en-US"/>
+              <a:t>空</a:t>
+            </a:r>
+            <a:endParaRPr lang="zh-CN" altLang="en-US"/>
+          </a:p>
+        </p:txBody>
+      </p:sp>
+      <p:sp>
+        <p:nvSpPr>
+          <p:cNvPr id="63" name="文本框 62"/>
+          <p:cNvSpPr txBox="1"/>
+          <p:nvPr/>
+        </p:nvSpPr>
+        <p:spPr>
+          <a:xfrm>
+            <a:off x="592455" y="1654175"/>
+            <a:ext cx="8639175" cy="1198880"/>
+          </a:xfrm>
+          <a:prstGeom prst="rect">
+            <a:avLst/>
+          </a:prstGeom>
+          <a:noFill/>
+        </p:spPr>
+        <p:txBody>
+          <a:bodyPr wrap="square" rtlCol="0">
+            <a:spAutoFit/>
+          </a:bodyPr>
+          <a:p>
+            <a:pPr algn="l"/>
+            <a:r>
+              <a:rPr lang="zh-CN" altLang="en-US" b="1">
+                <a:solidFill>
+                  <a:schemeClr val="bg1"/>
+                </a:solidFill>
+                <a:sym typeface="+mn-ea"/>
+              </a:rPr>
+              <a:t>解法：</a:t>
+            </a:r>
+            <a:endParaRPr lang="zh-CN" altLang="en-US" b="1">
+              <a:solidFill>
+                <a:schemeClr val="bg1"/>
+              </a:solidFill>
+              <a:sym typeface="+mn-ea"/>
+            </a:endParaRPr>
+          </a:p>
+          <a:p>
+            <a:pPr algn="l"/>
+            <a:r>
+              <a:rPr lang="en-US" altLang="zh-CN" b="1">
+                <a:solidFill>
+                  <a:schemeClr val="bg1"/>
+                </a:solidFill>
+                <a:sym typeface="+mn-ea"/>
+              </a:rPr>
+              <a:t>1</a:t>
+            </a:r>
+            <a:r>
+              <a:rPr lang="zh-CN" altLang="en-US" b="1">
+                <a:solidFill>
+                  <a:schemeClr val="bg1"/>
+                </a:solidFill>
+                <a:sym typeface="+mn-ea"/>
+              </a:rPr>
+              <a:t>、当前节点的值等于下个节点的值，或等于上次删除节点的值时，删除当前节点</a:t>
+            </a:r>
+            <a:endParaRPr lang="zh-CN" altLang="en-US" b="1">
+              <a:solidFill>
+                <a:schemeClr val="bg1"/>
+              </a:solidFill>
+              <a:sym typeface="+mn-ea"/>
+            </a:endParaRPr>
+          </a:p>
+          <a:p>
+            <a:pPr algn="l"/>
+            <a:r>
+              <a:rPr lang="en-US" altLang="zh-CN" b="1">
+                <a:solidFill>
+                  <a:schemeClr val="bg1"/>
+                </a:solidFill>
+                <a:sym typeface="+mn-ea"/>
+              </a:rPr>
+              <a:t>2</a:t>
+            </a:r>
+            <a:r>
+              <a:rPr lang="zh-CN" altLang="en-US" b="1">
+                <a:solidFill>
+                  <a:schemeClr val="bg1"/>
+                </a:solidFill>
+                <a:sym typeface="+mn-ea"/>
+              </a:rPr>
+              <a:t>、创建一个假头节点，next 指向 head，把头节点重复的情况变成一般情况</a:t>
+            </a:r>
+            <a:endParaRPr lang="zh-CN" altLang="en-US" b="1">
+              <a:solidFill>
+                <a:schemeClr val="bg1"/>
+              </a:solidFill>
+              <a:sym typeface="+mn-ea"/>
+            </a:endParaRPr>
+          </a:p>
+          <a:p>
+            <a:pPr algn="l"/>
+            <a:endParaRPr lang="zh-CN" altLang="en-US" b="1">
+              <a:solidFill>
+                <a:schemeClr val="bg1"/>
+              </a:solidFill>
+              <a:sym typeface="+mn-ea"/>
+            </a:endParaRPr>
+          </a:p>
+        </p:txBody>
+      </p:sp>
+      <p:grpSp>
+        <p:nvGrpSpPr>
+          <p:cNvPr id="19" name="组合 18"/>
+          <p:cNvGrpSpPr/>
+          <p:nvPr/>
+        </p:nvGrpSpPr>
+        <p:grpSpPr>
+          <a:xfrm rot="0">
+            <a:off x="361950" y="5236210"/>
+            <a:ext cx="1335405" cy="1045845"/>
+            <a:chOff x="6200" y="2606"/>
+            <a:chExt cx="2103" cy="1647"/>
+          </a:xfrm>
+        </p:grpSpPr>
+        <p:sp>
+          <p:nvSpPr>
+            <p:cNvPr id="20" name="下箭头 19"/>
+            <p:cNvSpPr/>
+            <p:nvPr/>
+          </p:nvSpPr>
+          <p:spPr>
+            <a:xfrm flipV="1">
+              <a:off x="7049" y="2606"/>
+              <a:ext cx="522" cy="851"/>
+            </a:xfrm>
+            <a:prstGeom prst="downArrow">
+              <a:avLst/>
+            </a:prstGeom>
+            <a:solidFill>
+              <a:schemeClr val="accent2"/>
+            </a:solidFill>
+          </p:spPr>
+          <p:style>
+            <a:lnRef idx="2">
+              <a:schemeClr val="accent1">
+                <a:shade val="50000"/>
+              </a:schemeClr>
+            </a:lnRef>
+            <a:fillRef idx="1">
+              <a:schemeClr val="accent1"/>
+            </a:fillRef>
+            <a:effectRef idx="0">
+              <a:schemeClr val="accent1"/>
+            </a:effectRef>
+            <a:fontRef idx="minor">
+              <a:schemeClr val="lt1"/>
+            </a:fontRef>
+          </p:style>
+          <p:txBody>
+            <a:bodyPr rtlCol="0" anchor="ctr"/>
+            <a:p>
+              <a:pPr algn="ctr"/>
+              <a:endParaRPr lang="zh-CN" altLang="en-US"/>
+            </a:p>
+          </p:txBody>
+        </p:sp>
+        <p:sp>
+          <p:nvSpPr>
+            <p:cNvPr id="21" name="文本框 20"/>
+            <p:cNvSpPr txBox="1"/>
+            <p:nvPr/>
+          </p:nvSpPr>
+          <p:spPr>
+            <a:xfrm>
+              <a:off x="6200" y="3673"/>
+              <a:ext cx="2103" cy="580"/>
+            </a:xfrm>
+            <a:prstGeom prst="rect">
+              <a:avLst/>
+            </a:prstGeom>
+            <a:noFill/>
+          </p:spPr>
+          <p:txBody>
+            <a:bodyPr wrap="none" rtlCol="0">
+              <a:spAutoFit/>
+            </a:bodyPr>
+            <a:p>
+              <a:pPr algn="ctr"/>
+              <a:r>
+                <a:rPr lang="en-US" altLang="zh-CN" b="1">
+                  <a:solidFill>
+                    <a:schemeClr val="bg1"/>
+                  </a:solidFill>
+                </a:rPr>
+                <a:t>weakHead</a:t>
+              </a:r>
+              <a:endParaRPr lang="en-US" altLang="zh-CN" b="1">
+                <a:solidFill>
+                  <a:schemeClr val="bg1"/>
+                </a:solidFill>
+              </a:endParaRPr>
+            </a:p>
+          </p:txBody>
+        </p:sp>
+      </p:grpSp>
+      <p:grpSp>
+        <p:nvGrpSpPr>
+          <p:cNvPr id="22" name="组合 21"/>
+          <p:cNvGrpSpPr/>
+          <p:nvPr/>
+        </p:nvGrpSpPr>
+        <p:grpSpPr>
+          <a:xfrm rot="0">
+            <a:off x="2118360" y="5245735"/>
+            <a:ext cx="720725" cy="1045845"/>
+            <a:chOff x="6681" y="2606"/>
+            <a:chExt cx="1135" cy="1647"/>
+          </a:xfrm>
+        </p:grpSpPr>
+        <p:sp>
+          <p:nvSpPr>
+            <p:cNvPr id="23" name="下箭头 22"/>
+            <p:cNvSpPr/>
+            <p:nvPr/>
+          </p:nvSpPr>
+          <p:spPr>
+            <a:xfrm flipV="1">
+              <a:off x="7049" y="2606"/>
+              <a:ext cx="522" cy="851"/>
+            </a:xfrm>
+            <a:prstGeom prst="downArrow">
+              <a:avLst/>
+            </a:prstGeom>
+            <a:solidFill>
+              <a:schemeClr val="accent2"/>
+            </a:solidFill>
+          </p:spPr>
+          <p:style>
+            <a:lnRef idx="2">
+              <a:schemeClr val="accent1">
+                <a:shade val="50000"/>
+              </a:schemeClr>
+            </a:lnRef>
+            <a:fillRef idx="1">
+              <a:schemeClr val="accent1"/>
+            </a:fillRef>
+            <a:effectRef idx="0">
+              <a:schemeClr val="accent1"/>
+            </a:effectRef>
+            <a:fontRef idx="minor">
+              <a:schemeClr val="lt1"/>
+            </a:fontRef>
+          </p:style>
+          <p:txBody>
+            <a:bodyPr rtlCol="0" anchor="ctr"/>
+            <a:p>
+              <a:pPr algn="ctr"/>
+              <a:endParaRPr lang="zh-CN" altLang="en-US"/>
+            </a:p>
+          </p:txBody>
+        </p:sp>
+        <p:sp>
+          <p:nvSpPr>
+            <p:cNvPr id="24" name="文本框 23"/>
+            <p:cNvSpPr txBox="1"/>
+            <p:nvPr/>
+          </p:nvSpPr>
+          <p:spPr>
+            <a:xfrm>
+              <a:off x="6681" y="3673"/>
+              <a:ext cx="1135" cy="580"/>
+            </a:xfrm>
+            <a:prstGeom prst="rect">
+              <a:avLst/>
+            </a:prstGeom>
+            <a:noFill/>
+          </p:spPr>
+          <p:txBody>
+            <a:bodyPr wrap="none" rtlCol="0">
+              <a:spAutoFit/>
+            </a:bodyPr>
+            <a:p>
+              <a:pPr algn="ctr"/>
+              <a:r>
+                <a:rPr lang="en-US" altLang="zh-CN" b="1">
+                  <a:solidFill>
+                    <a:schemeClr val="bg1"/>
+                  </a:solidFill>
+                </a:rPr>
+                <a:t>head</a:t>
+              </a:r>
+              <a:endParaRPr lang="en-US" altLang="zh-CN" b="1">
+                <a:solidFill>
+                  <a:schemeClr val="bg1"/>
+                </a:solidFill>
+              </a:endParaRPr>
+            </a:p>
+          </p:txBody>
+        </p:sp>
+      </p:grpSp>
+      <p:cxnSp>
+        <p:nvCxnSpPr>
+          <p:cNvPr id="28" name="null-1"/>
+          <p:cNvCxnSpPr/>
+          <p:nvPr/>
+        </p:nvCxnSpPr>
+        <p:spPr>
+          <a:xfrm rot="16200000">
+            <a:off x="2506980" y="3133090"/>
+            <a:ext cx="3175" cy="2875915"/>
+          </a:xfrm>
+          <a:prstGeom prst="curvedConnector3">
+            <a:avLst>
+              <a:gd name="adj1" fmla="val 7560000"/>
+            </a:avLst>
+          </a:prstGeom>
+          <a:ln w="28575" cmpd="sng">
+            <a:solidFill>
+              <a:schemeClr val="bg1"/>
+            </a:solidFill>
+            <a:prstDash val="solid"/>
+            <a:tailEnd type="arrow"/>
+          </a:ln>
+        </p:spPr>
+        <p:style>
+          <a:lnRef idx="1">
+            <a:schemeClr val="accent1"/>
+          </a:lnRef>
+          <a:fillRef idx="0">
+            <a:schemeClr val="accent1"/>
+          </a:fillRef>
+          <a:effectRef idx="0">
+            <a:schemeClr val="accent1"/>
+          </a:effectRef>
+          <a:fontRef idx="minor">
+            <a:schemeClr val="tx1"/>
+          </a:fontRef>
+        </p:style>
+      </p:cxnSp>
+      <p:cxnSp>
+        <p:nvCxnSpPr>
+          <p:cNvPr id="40" name="null-2"/>
+          <p:cNvCxnSpPr/>
+          <p:nvPr/>
+        </p:nvCxnSpPr>
+        <p:spPr>
+          <a:xfrm rot="16200000">
+            <a:off x="3230245" y="2409190"/>
+            <a:ext cx="3175" cy="4323080"/>
+          </a:xfrm>
+          <a:prstGeom prst="curvedConnector3">
+            <a:avLst>
+              <a:gd name="adj1" fmla="val 7550000"/>
+            </a:avLst>
+          </a:prstGeom>
+          <a:ln w="28575" cmpd="sng">
+            <a:solidFill>
+              <a:schemeClr val="bg1"/>
+            </a:solidFill>
+            <a:prstDash val="solid"/>
+            <a:tailEnd type="arrow"/>
+          </a:ln>
+        </p:spPr>
+        <p:style>
+          <a:lnRef idx="1">
+            <a:schemeClr val="accent1"/>
+          </a:lnRef>
+          <a:fillRef idx="0">
+            <a:schemeClr val="accent1"/>
+          </a:fillRef>
+          <a:effectRef idx="0">
+            <a:schemeClr val="accent1"/>
+          </a:effectRef>
+          <a:fontRef idx="minor">
+            <a:schemeClr val="tx1"/>
+          </a:fontRef>
+        </p:style>
+      </p:cxnSp>
+      <p:cxnSp>
+        <p:nvCxnSpPr>
+          <p:cNvPr id="58" name="2-3"/>
+          <p:cNvCxnSpPr/>
+          <p:nvPr/>
+        </p:nvCxnSpPr>
+        <p:spPr>
+          <a:xfrm rot="16200000">
+            <a:off x="6832600" y="3130550"/>
+            <a:ext cx="3175" cy="2880995"/>
+          </a:xfrm>
+          <a:prstGeom prst="curvedConnector3">
+            <a:avLst>
+              <a:gd name="adj1" fmla="val 7560000"/>
+            </a:avLst>
+          </a:prstGeom>
+          <a:ln w="28575" cmpd="sng">
+            <a:solidFill>
+              <a:schemeClr val="bg1"/>
+            </a:solidFill>
+            <a:prstDash val="solid"/>
+            <a:tailEnd type="arrow"/>
+          </a:ln>
+        </p:spPr>
+        <p:style>
+          <a:lnRef idx="1">
+            <a:schemeClr val="accent1"/>
+          </a:lnRef>
+          <a:fillRef idx="0">
+            <a:schemeClr val="accent1"/>
+          </a:fillRef>
+          <a:effectRef idx="0">
+            <a:schemeClr val="accent1"/>
+          </a:effectRef>
+          <a:fontRef idx="minor">
+            <a:schemeClr val="tx1"/>
+          </a:fontRef>
+        </p:style>
+      </p:cxnSp>
+      <p:cxnSp>
+        <p:nvCxnSpPr>
+          <p:cNvPr id="64" name="2-4"/>
+          <p:cNvCxnSpPr/>
+          <p:nvPr/>
+        </p:nvCxnSpPr>
+        <p:spPr>
+          <a:xfrm rot="16200000">
+            <a:off x="7550150" y="2412365"/>
+            <a:ext cx="3175" cy="4316730"/>
+          </a:xfrm>
+          <a:prstGeom prst="curvedConnector3">
+            <a:avLst>
+              <a:gd name="adj1" fmla="val 7550000"/>
+            </a:avLst>
+          </a:prstGeom>
+          <a:ln w="28575" cmpd="sng">
+            <a:solidFill>
+              <a:schemeClr val="bg1"/>
+            </a:solidFill>
+            <a:prstDash val="solid"/>
+            <a:tailEnd type="arrow"/>
+          </a:ln>
+        </p:spPr>
+        <p:style>
+          <a:lnRef idx="1">
+            <a:schemeClr val="accent1"/>
+          </a:lnRef>
+          <a:fillRef idx="0">
+            <a:schemeClr val="accent1"/>
+          </a:fillRef>
+          <a:effectRef idx="0">
+            <a:schemeClr val="accent1"/>
+          </a:effectRef>
+          <a:fontRef idx="minor">
+            <a:schemeClr val="tx1"/>
+          </a:fontRef>
+        </p:style>
+      </p:cxnSp>
+      <p:sp>
+        <p:nvSpPr>
+          <p:cNvPr id="65" name="椭圆 64"/>
+          <p:cNvSpPr/>
+          <p:nvPr/>
+        </p:nvSpPr>
+        <p:spPr>
+          <a:xfrm>
+            <a:off x="10880090" y="4572635"/>
+            <a:ext cx="540000" cy="540000"/>
+          </a:xfrm>
+          <a:prstGeom prst="ellipse">
+            <a:avLst/>
+          </a:prstGeom>
+        </p:spPr>
+        <p:style>
+          <a:lnRef idx="2">
+            <a:schemeClr val="accent1">
+              <a:shade val="50000"/>
+            </a:schemeClr>
+          </a:lnRef>
+          <a:fillRef idx="1">
+            <a:schemeClr val="accent1"/>
+          </a:fillRef>
+          <a:effectRef idx="0">
+            <a:schemeClr val="accent1"/>
+          </a:effectRef>
+          <a:fontRef idx="minor">
+            <a:schemeClr val="lt1"/>
+          </a:fontRef>
+        </p:style>
+        <p:txBody>
+          <a:bodyPr rtlCol="0" anchor="ctr"/>
+          <a:p>
+            <a:pPr algn="ctr"/>
+            <a:r>
+              <a:rPr lang="en-US" altLang="zh-CN" sz="2800"/>
+              <a:t>5</a:t>
+            </a:r>
+            <a:endParaRPr lang="en-US" altLang="zh-CN" sz="2800"/>
+          </a:p>
+        </p:txBody>
+      </p:sp>
+      <p:cxnSp>
+        <p:nvCxnSpPr>
+          <p:cNvPr id="66" name="直接箭头连接符 65"/>
+          <p:cNvCxnSpPr/>
+          <p:nvPr/>
+        </p:nvCxnSpPr>
+        <p:spPr>
+          <a:xfrm>
+            <a:off x="10116820" y="4842510"/>
+            <a:ext cx="648000" cy="0"/>
+          </a:xfrm>
+          <a:prstGeom prst="straightConnector1">
+            <a:avLst/>
+          </a:prstGeom>
+          <a:ln w="28575" cmpd="sng">
+            <a:solidFill>
+              <a:schemeClr val="bg1"/>
+            </a:solidFill>
+            <a:prstDash val="solid"/>
+            <a:tailEnd type="arrow"/>
+          </a:ln>
+        </p:spPr>
+        <p:style>
+          <a:lnRef idx="1">
+            <a:schemeClr val="accent1"/>
+          </a:lnRef>
+          <a:fillRef idx="0">
+            <a:schemeClr val="accent1"/>
+          </a:fillRef>
+          <a:effectRef idx="0">
+            <a:schemeClr val="accent1"/>
+          </a:effectRef>
+          <a:fontRef idx="minor">
+            <a:schemeClr val="tx1"/>
+          </a:fontRef>
+        </p:style>
+      </p:cxnSp>
+    </p:spTree>
+  </p:cSld>
+  <p:clrMapOvr>
+    <a:masterClrMapping/>
+  </p:clrMapOvr>
+  <p:timing>
+    <p:tnLst>
+      <p:par>
+        <p:cTn id="1" dur="indefinite" restart="never" nodeType="tmRoot">
+          <p:childTnLst>
+            <p:seq concurrent="1" nextAc="seek">
+              <p:cTn id="2" dur="indefinite" nodeType="mainSeq">
+                <p:childTnLst>
+                  <p:par>
+                    <p:cTn id="3" fill="hold">
+                      <p:stCondLst>
+                        <p:cond delay="indefinite"/>
+                      </p:stCondLst>
+                      <p:childTnLst>
+                        <p:par>
+                          <p:cTn id="4" fill="hold">
+                            <p:stCondLst>
+                              <p:cond delay="0"/>
+                            </p:stCondLst>
+                            <p:childTnLst>
+                              <p:par>
+                                <p:cTn id="5" presetID="10" presetClass="exit" presetSubtype="0" fill="hold" nodeType="clickEffect">
+                                  <p:stCondLst>
+                                    <p:cond delay="0"/>
+                                  </p:stCondLst>
+                                  <p:childTnLst>
+                                    <p:animEffect transition="out" filter="fade">
+                                      <p:cBhvr>
+                                        <p:cTn id="6" dur="500"/>
+                                        <p:tgtEl>
+                                          <p:spTgt spid="8"/>
+                                        </p:tgtEl>
+                                      </p:cBhvr>
+                                    </p:animEffect>
+                                    <p:set>
+                                      <p:cBhvr>
+                                        <p:cTn id="7" dur="1" fill="hold">
+                                          <p:stCondLst>
+                                            <p:cond delay="499"/>
+                                          </p:stCondLst>
+                                        </p:cTn>
+                                        <p:tgtEl>
+                                          <p:spTgt spid="8"/>
+                                        </p:tgtEl>
+                                        <p:attrNameLst>
+                                          <p:attrName>style.visibility</p:attrName>
+                                        </p:attrNameLst>
+                                      </p:cBhvr>
+                                      <p:to>
+                                        <p:strVal val="hidden"/>
+                                      </p:to>
+                                    </p:set>
+                                  </p:childTnLst>
+                                </p:cTn>
+                              </p:par>
+                            </p:childTnLst>
+                          </p:cTn>
+                        </p:par>
+                        <p:par>
+                          <p:cTn id="8" fill="hold">
+                            <p:stCondLst>
+                              <p:cond delay="500"/>
+                            </p:stCondLst>
+                            <p:childTnLst>
+                              <p:par>
+                                <p:cTn id="9" presetID="10" presetClass="entr" presetSubtype="0" fill="hold" nodeType="afterEffect">
+                                  <p:stCondLst>
+                                    <p:cond delay="0"/>
+                                  </p:stCondLst>
+                                  <p:childTnLst>
+                                    <p:set>
+                                      <p:cBhvr>
+                                        <p:cTn id="10" dur="1" fill="hold">
+                                          <p:stCondLst>
+                                            <p:cond delay="0"/>
+                                          </p:stCondLst>
+                                        </p:cTn>
+                                        <p:tgtEl>
+                                          <p:spTgt spid="28"/>
+                                        </p:tgtEl>
+                                        <p:attrNameLst>
+                                          <p:attrName>style.visibility</p:attrName>
+                                        </p:attrNameLst>
+                                      </p:cBhvr>
+                                      <p:to>
+                                        <p:strVal val="visible"/>
+                                      </p:to>
+                                    </p:set>
+                                    <p:animEffect transition="in" filter="fade">
+                                      <p:cBhvr>
+                                        <p:cTn id="11" dur="500"/>
+                                        <p:tgtEl>
+                                          <p:spTgt spid="28"/>
+                                        </p:tgtEl>
+                                      </p:cBhvr>
+                                    </p:animEffect>
+                                  </p:childTnLst>
+                                </p:cTn>
+                              </p:par>
+                            </p:childTnLst>
+                          </p:cTn>
+                        </p:par>
+                      </p:childTnLst>
+                    </p:cTn>
+                  </p:par>
+                  <p:par>
+                    <p:cTn id="12" fill="hold">
+                      <p:stCondLst>
+                        <p:cond delay="indefinite"/>
+                      </p:stCondLst>
+                      <p:childTnLst>
+                        <p:par>
+                          <p:cTn id="13" fill="hold">
+                            <p:stCondLst>
+                              <p:cond delay="0"/>
+                            </p:stCondLst>
+                            <p:childTnLst>
+                              <p:par>
+                                <p:cTn id="14" presetID="63" presetClass="path" presetSubtype="0" accel="50000" decel="50000" fill="hold" nodeType="clickEffect">
+                                  <p:stCondLst>
+                                    <p:cond delay="0"/>
+                                  </p:stCondLst>
+                                  <p:childTnLst>
+                                    <p:animMotion origin="layout" path="M 0.000000 0.000000 L 0.116771 -0.000463 " pathEditMode="relative" rAng="0" ptsTypes="">
+                                      <p:cBhvr>
+                                        <p:cTn id="15" dur="1000" fill="hold"/>
+                                        <p:tgtEl>
+                                          <p:spTgt spid="27"/>
+                                        </p:tgtEl>
+                                        <p:attrNameLst>
+                                          <p:attrName>ppt_x</p:attrName>
+                                          <p:attrName>ppt_y</p:attrName>
+                                        </p:attrNameLst>
+                                      </p:cBhvr>
+                                      <p:rCtr x="58" y="0"/>
+                                    </p:animMotion>
+                                  </p:childTnLst>
+                                </p:cTn>
+                              </p:par>
+                            </p:childTnLst>
+                          </p:cTn>
+                        </p:par>
+                        <p:par>
+                          <p:cTn id="16" fill="hold">
+                            <p:stCondLst>
+                              <p:cond delay="1000"/>
+                            </p:stCondLst>
+                            <p:childTnLst>
+                              <p:par>
+                                <p:cTn id="17" presetID="10" presetClass="entr" presetSubtype="0" fill="hold" nodeType="afterEffect">
+                                  <p:stCondLst>
+                                    <p:cond delay="0"/>
+                                  </p:stCondLst>
+                                  <p:childTnLst>
+                                    <p:set>
+                                      <p:cBhvr>
+                                        <p:cTn id="18" dur="1" fill="hold">
+                                          <p:stCondLst>
+                                            <p:cond delay="0"/>
+                                          </p:stCondLst>
+                                        </p:cTn>
+                                        <p:tgtEl>
+                                          <p:spTgt spid="35"/>
+                                        </p:tgtEl>
+                                        <p:attrNameLst>
+                                          <p:attrName>style.visibility</p:attrName>
+                                        </p:attrNameLst>
+                                      </p:cBhvr>
+                                      <p:to>
+                                        <p:strVal val="visible"/>
+                                      </p:to>
+                                    </p:set>
+                                    <p:animEffect transition="in" filter="fade">
+                                      <p:cBhvr>
+                                        <p:cTn id="19" dur="500"/>
+                                        <p:tgtEl>
+                                          <p:spTgt spid="35"/>
+                                        </p:tgtEl>
+                                      </p:cBhvr>
+                                    </p:animEffect>
+                                  </p:childTnLst>
+                                </p:cTn>
+                              </p:par>
+                            </p:childTnLst>
+                          </p:cTn>
+                        </p:par>
+                      </p:childTnLst>
+                    </p:cTn>
+                  </p:par>
+                  <p:par>
+                    <p:cTn id="20" fill="hold">
+                      <p:stCondLst>
+                        <p:cond delay="indefinite"/>
+                      </p:stCondLst>
+                      <p:childTnLst>
+                        <p:par>
+                          <p:cTn id="21" fill="hold">
+                            <p:stCondLst>
+                              <p:cond delay="0"/>
+                            </p:stCondLst>
+                            <p:childTnLst>
+                              <p:par>
+                                <p:cTn id="22" presetID="10" presetClass="exit" presetSubtype="0" fill="hold" nodeType="clickEffect">
+                                  <p:stCondLst>
+                                    <p:cond delay="0"/>
+                                  </p:stCondLst>
+                                  <p:childTnLst>
+                                    <p:animEffect transition="out" filter="fade">
+                                      <p:cBhvr>
+                                        <p:cTn id="23" dur="500"/>
+                                        <p:tgtEl>
+                                          <p:spTgt spid="28"/>
+                                        </p:tgtEl>
+                                      </p:cBhvr>
+                                    </p:animEffect>
+                                    <p:set>
+                                      <p:cBhvr>
+                                        <p:cTn id="24" dur="1" fill="hold">
+                                          <p:stCondLst>
+                                            <p:cond delay="499"/>
+                                          </p:stCondLst>
+                                        </p:cTn>
+                                        <p:tgtEl>
+                                          <p:spTgt spid="28"/>
+                                        </p:tgtEl>
+                                        <p:attrNameLst>
+                                          <p:attrName>style.visibility</p:attrName>
+                                        </p:attrNameLst>
+                                      </p:cBhvr>
+                                      <p:to>
+                                        <p:strVal val="hidden"/>
+                                      </p:to>
+                                    </p:set>
+                                  </p:childTnLst>
+                                </p:cTn>
+                              </p:par>
+                            </p:childTnLst>
+                          </p:cTn>
+                        </p:par>
+                        <p:par>
+                          <p:cTn id="25" fill="hold">
+                            <p:stCondLst>
+                              <p:cond delay="500"/>
+                            </p:stCondLst>
+                            <p:childTnLst>
+                              <p:par>
+                                <p:cTn id="26" presetID="10" presetClass="entr" presetSubtype="0" fill="hold" nodeType="afterEffect">
+                                  <p:stCondLst>
+                                    <p:cond delay="0"/>
+                                  </p:stCondLst>
+                                  <p:childTnLst>
+                                    <p:set>
+                                      <p:cBhvr>
+                                        <p:cTn id="27" dur="1" fill="hold">
+                                          <p:stCondLst>
+                                            <p:cond delay="0"/>
+                                          </p:stCondLst>
+                                        </p:cTn>
+                                        <p:tgtEl>
+                                          <p:spTgt spid="40"/>
+                                        </p:tgtEl>
+                                        <p:attrNameLst>
+                                          <p:attrName>style.visibility</p:attrName>
+                                        </p:attrNameLst>
+                                      </p:cBhvr>
+                                      <p:to>
+                                        <p:strVal val="visible"/>
+                                      </p:to>
+                                    </p:set>
+                                    <p:animEffect transition="in" filter="fade">
+                                      <p:cBhvr>
+                                        <p:cTn id="28" dur="500"/>
+                                        <p:tgtEl>
+                                          <p:spTgt spid="40"/>
+                                        </p:tgtEl>
+                                      </p:cBhvr>
+                                    </p:animEffect>
+                                  </p:childTnLst>
+                                </p:cTn>
+                              </p:par>
+                            </p:childTnLst>
+                          </p:cTn>
+                        </p:par>
+                      </p:childTnLst>
+                    </p:cTn>
+                  </p:par>
+                  <p:par>
+                    <p:cTn id="29" fill="hold">
+                      <p:stCondLst>
+                        <p:cond delay="indefinite"/>
+                      </p:stCondLst>
+                      <p:childTnLst>
+                        <p:par>
+                          <p:cTn id="30" fill="hold">
+                            <p:stCondLst>
+                              <p:cond delay="0"/>
+                            </p:stCondLst>
+                            <p:childTnLst>
+                              <p:par>
+                                <p:cTn id="31" presetID="63" presetClass="path" presetSubtype="0" accel="50000" decel="50000" fill="hold" nodeType="clickEffect">
+                                  <p:stCondLst>
+                                    <p:cond delay="0"/>
+                                  </p:stCondLst>
+                                  <p:childTnLst>
+                                    <p:animMotion origin="layout" path="M 0.117448 -0.000648 L 0.236146 -0.000278 " pathEditMode="relative" rAng="0" ptsTypes="">
+                                      <p:cBhvr>
+                                        <p:cTn id="32" dur="1000" fill="hold"/>
+                                        <p:tgtEl>
+                                          <p:spTgt spid="27"/>
+                                        </p:tgtEl>
+                                        <p:attrNameLst>
+                                          <p:attrName>ppt_x</p:attrName>
+                                          <p:attrName>ppt_y</p:attrName>
+                                        </p:attrNameLst>
+                                      </p:cBhvr>
+                                      <p:rCtr x="59" y="0"/>
+                                    </p:animMotion>
+                                  </p:childTnLst>
+                                </p:cTn>
+                              </p:par>
+                            </p:childTnLst>
+                          </p:cTn>
+                        </p:par>
+                        <p:par>
+                          <p:cTn id="33" fill="hold">
+                            <p:stCondLst>
+                              <p:cond delay="1000"/>
+                            </p:stCondLst>
+                            <p:childTnLst>
+                              <p:par>
+                                <p:cTn id="34" presetID="63" presetClass="path" presetSubtype="0" accel="50000" decel="50000" fill="hold" nodeType="afterEffect">
+                                  <p:stCondLst>
+                                    <p:cond delay="0"/>
+                                  </p:stCondLst>
+                                  <p:childTnLst>
+                                    <p:animMotion origin="layout" path="M 0.000000 0.000000 L 0.116771 -0.000463 " pathEditMode="relative" rAng="0" ptsTypes="">
+                                      <p:cBhvr>
+                                        <p:cTn id="35" dur="1000" fill="hold"/>
+                                        <p:tgtEl>
+                                          <p:spTgt spid="35"/>
+                                        </p:tgtEl>
+                                        <p:attrNameLst>
+                                          <p:attrName>ppt_x</p:attrName>
+                                          <p:attrName>ppt_y</p:attrName>
+                                        </p:attrNameLst>
+                                      </p:cBhvr>
+                                      <p:rCtr x="58" y="0"/>
+                                    </p:animMotion>
+                                  </p:childTnLst>
+                                </p:cTn>
+                              </p:par>
+                            </p:childTnLst>
+                          </p:cTn>
+                        </p:par>
+                      </p:childTnLst>
+                    </p:cTn>
+                  </p:par>
+                  <p:par>
+                    <p:cTn id="36" fill="hold">
+                      <p:stCondLst>
+                        <p:cond delay="indefinite"/>
+                      </p:stCondLst>
+                      <p:childTnLst>
+                        <p:par>
+                          <p:cTn id="37" fill="hold">
+                            <p:stCondLst>
+                              <p:cond delay="0"/>
+                            </p:stCondLst>
+                            <p:childTnLst>
+                              <p:par>
+                                <p:cTn id="38" presetID="63" presetClass="path" presetSubtype="0" accel="50000" decel="50000" fill="hold" nodeType="clickEffect">
+                                  <p:stCondLst>
+                                    <p:cond delay="0"/>
+                                  </p:stCondLst>
+                                  <p:childTnLst>
+                                    <p:animMotion origin="layout" path="M 0.000000 0.000000 L 0.355729 -0.000093 " pathEditMode="relative" rAng="0" ptsTypes="">
+                                      <p:cBhvr>
+                                        <p:cTn id="39" dur="1000" fill="hold"/>
+                                        <p:tgtEl>
+                                          <p:spTgt spid="25"/>
+                                        </p:tgtEl>
+                                        <p:attrNameLst>
+                                          <p:attrName>ppt_x</p:attrName>
+                                          <p:attrName>ppt_y</p:attrName>
+                                        </p:attrNameLst>
+                                      </p:cBhvr>
+                                      <p:rCtr x="125" y="0"/>
+                                    </p:animMotion>
+                                  </p:childTnLst>
+                                </p:cTn>
+                              </p:par>
+                            </p:childTnLst>
+                          </p:cTn>
+                        </p:par>
+                        <p:par>
+                          <p:cTn id="40" fill="hold">
+                            <p:stCondLst>
+                              <p:cond delay="1000"/>
+                            </p:stCondLst>
+                            <p:childTnLst>
+                              <p:par>
+                                <p:cTn id="41" presetID="63" presetClass="path" presetSubtype="0" accel="50000" decel="50000" fill="hold" nodeType="afterEffect">
+                                  <p:stCondLst>
+                                    <p:cond delay="0"/>
+                                  </p:stCondLst>
+                                  <p:childTnLst>
+                                    <p:animMotion origin="layout" path="M 0.236927 -0.000185 L 0.352760 -0.000648 " pathEditMode="relative" rAng="0" ptsTypes="">
+                                      <p:cBhvr>
+                                        <p:cTn id="42" dur="1000" fill="hold"/>
+                                        <p:tgtEl>
+                                          <p:spTgt spid="27"/>
+                                        </p:tgtEl>
+                                        <p:attrNameLst>
+                                          <p:attrName>ppt_x</p:attrName>
+                                          <p:attrName>ppt_y</p:attrName>
+                                        </p:attrNameLst>
+                                      </p:cBhvr>
+                                      <p:rCtr x="58" y="0"/>
+                                    </p:animMotion>
+                                  </p:childTnLst>
+                                </p:cTn>
+                              </p:par>
+                            </p:childTnLst>
+                          </p:cTn>
+                        </p:par>
+                      </p:childTnLst>
+                    </p:cTn>
+                  </p:par>
+                  <p:par>
+                    <p:cTn id="43" fill="hold">
+                      <p:stCondLst>
+                        <p:cond delay="indefinite"/>
+                      </p:stCondLst>
+                      <p:childTnLst>
+                        <p:par>
+                          <p:cTn id="44" fill="hold">
+                            <p:stCondLst>
+                              <p:cond delay="0"/>
+                            </p:stCondLst>
+                            <p:childTnLst>
+                              <p:par>
+                                <p:cTn id="45" presetID="10" presetClass="exit" presetSubtype="0" fill="hold" nodeType="clickEffect">
+                                  <p:stCondLst>
+                                    <p:cond delay="0"/>
+                                  </p:stCondLst>
+                                  <p:childTnLst>
+                                    <p:animEffect transition="out" filter="fade">
+                                      <p:cBhvr>
+                                        <p:cTn id="46" dur="500"/>
+                                        <p:tgtEl>
+                                          <p:spTgt spid="16"/>
+                                        </p:tgtEl>
+                                      </p:cBhvr>
+                                    </p:animEffect>
+                                    <p:set>
+                                      <p:cBhvr>
+                                        <p:cTn id="47" dur="1" fill="hold">
+                                          <p:stCondLst>
+                                            <p:cond delay="499"/>
+                                          </p:stCondLst>
+                                        </p:cTn>
+                                        <p:tgtEl>
+                                          <p:spTgt spid="16"/>
+                                        </p:tgtEl>
+                                        <p:attrNameLst>
+                                          <p:attrName>style.visibility</p:attrName>
+                                        </p:attrNameLst>
+                                      </p:cBhvr>
+                                      <p:to>
+                                        <p:strVal val="hidden"/>
+                                      </p:to>
+                                    </p:set>
+                                  </p:childTnLst>
+                                </p:cTn>
+                              </p:par>
+                            </p:childTnLst>
+                          </p:cTn>
+                        </p:par>
+                        <p:par>
+                          <p:cTn id="48" fill="hold">
+                            <p:stCondLst>
+                              <p:cond delay="500"/>
+                            </p:stCondLst>
+                            <p:childTnLst>
+                              <p:par>
+                                <p:cTn id="49" presetID="10" presetClass="entr" presetSubtype="0" fill="hold" nodeType="afterEffect">
+                                  <p:stCondLst>
+                                    <p:cond delay="0"/>
+                                  </p:stCondLst>
+                                  <p:childTnLst>
+                                    <p:set>
+                                      <p:cBhvr>
+                                        <p:cTn id="50" dur="1" fill="hold">
+                                          <p:stCondLst>
+                                            <p:cond delay="0"/>
+                                          </p:stCondLst>
+                                        </p:cTn>
+                                        <p:tgtEl>
+                                          <p:spTgt spid="58"/>
+                                        </p:tgtEl>
+                                        <p:attrNameLst>
+                                          <p:attrName>style.visibility</p:attrName>
+                                        </p:attrNameLst>
+                                      </p:cBhvr>
+                                      <p:to>
+                                        <p:strVal val="visible"/>
+                                      </p:to>
+                                    </p:set>
+                                    <p:animEffect transition="in" filter="fade">
+                                      <p:cBhvr>
+                                        <p:cTn id="51" dur="500"/>
+                                        <p:tgtEl>
+                                          <p:spTgt spid="58"/>
+                                        </p:tgtEl>
+                                      </p:cBhvr>
+                                    </p:animEffect>
+                                  </p:childTnLst>
+                                </p:cTn>
+                              </p:par>
+                            </p:childTnLst>
+                          </p:cTn>
+                        </p:par>
+                      </p:childTnLst>
+                    </p:cTn>
+                  </p:par>
+                  <p:par>
+                    <p:cTn id="52" fill="hold">
+                      <p:stCondLst>
+                        <p:cond delay="indefinite"/>
+                      </p:stCondLst>
+                      <p:childTnLst>
+                        <p:par>
+                          <p:cTn id="53" fill="hold">
+                            <p:stCondLst>
+                              <p:cond delay="0"/>
+                            </p:stCondLst>
+                            <p:childTnLst>
+                              <p:par>
+                                <p:cTn id="54" presetID="63" presetClass="path" presetSubtype="0" accel="50000" decel="50000" fill="hold" nodeType="clickEffect">
+                                  <p:stCondLst>
+                                    <p:cond delay="0"/>
+                                  </p:stCondLst>
+                                  <p:childTnLst>
+                                    <p:animMotion origin="layout" path="M 0.353750 -0.000648 L 0.471875 -0.000556 " pathEditMode="relative" rAng="0" ptsTypes="">
+                                      <p:cBhvr>
+                                        <p:cTn id="55" dur="1000" fill="hold"/>
+                                        <p:tgtEl>
+                                          <p:spTgt spid="27"/>
+                                        </p:tgtEl>
+                                        <p:attrNameLst>
+                                          <p:attrName>ppt_x</p:attrName>
+                                          <p:attrName>ppt_y</p:attrName>
+                                        </p:attrNameLst>
+                                      </p:cBhvr>
+                                      <p:rCtr x="59" y="0"/>
+                                    </p:animMotion>
+                                  </p:childTnLst>
+                                </p:cTn>
+                              </p:par>
+                            </p:childTnLst>
+                          </p:cTn>
+                        </p:par>
+                        <p:par>
+                          <p:cTn id="56" fill="hold">
+                            <p:stCondLst>
+                              <p:cond delay="1000"/>
+                            </p:stCondLst>
+                            <p:childTnLst>
+                              <p:par>
+                                <p:cTn id="57" presetID="63" presetClass="path" presetSubtype="0" accel="50000" decel="50000" fill="hold" nodeType="afterEffect">
+                                  <p:stCondLst>
+                                    <p:cond delay="0"/>
+                                  </p:stCondLst>
+                                  <p:childTnLst>
+                                    <p:animMotion origin="layout" path="M 0.116927 -0.001111 L 0.350052 0.000000 " pathEditMode="relative" rAng="0" ptsTypes="">
+                                      <p:cBhvr>
+                                        <p:cTn id="58" dur="1000" fill="hold"/>
+                                        <p:tgtEl>
+                                          <p:spTgt spid="35"/>
+                                        </p:tgtEl>
+                                        <p:attrNameLst>
+                                          <p:attrName>ppt_x</p:attrName>
+                                          <p:attrName>ppt_y</p:attrName>
+                                        </p:attrNameLst>
+                                      </p:cBhvr>
+                                      <p:rCtr x="59" y="0"/>
+                                    </p:animMotion>
+                                  </p:childTnLst>
+                                </p:cTn>
+                              </p:par>
+                            </p:childTnLst>
+                          </p:cTn>
+                        </p:par>
+                      </p:childTnLst>
+                    </p:cTn>
+                  </p:par>
+                  <p:par>
+                    <p:cTn id="59" fill="hold">
+                      <p:stCondLst>
+                        <p:cond delay="indefinite"/>
+                      </p:stCondLst>
+                      <p:childTnLst>
+                        <p:par>
+                          <p:cTn id="60" fill="hold">
+                            <p:stCondLst>
+                              <p:cond delay="0"/>
+                            </p:stCondLst>
+                            <p:childTnLst>
+                              <p:par>
+                                <p:cTn id="61" presetID="10" presetClass="exit" presetSubtype="0" fill="hold" nodeType="clickEffect">
+                                  <p:stCondLst>
+                                    <p:cond delay="0"/>
+                                  </p:stCondLst>
+                                  <p:childTnLst>
+                                    <p:animEffect transition="out" filter="fade">
+                                      <p:cBhvr>
+                                        <p:cTn id="62" dur="500"/>
+                                        <p:tgtEl>
+                                          <p:spTgt spid="58"/>
+                                        </p:tgtEl>
+                                      </p:cBhvr>
+                                    </p:animEffect>
+                                    <p:set>
+                                      <p:cBhvr>
+                                        <p:cTn id="63" dur="1" fill="hold">
+                                          <p:stCondLst>
+                                            <p:cond delay="499"/>
+                                          </p:stCondLst>
+                                        </p:cTn>
+                                        <p:tgtEl>
+                                          <p:spTgt spid="58"/>
+                                        </p:tgtEl>
+                                        <p:attrNameLst>
+                                          <p:attrName>style.visibility</p:attrName>
+                                        </p:attrNameLst>
+                                      </p:cBhvr>
+                                      <p:to>
+                                        <p:strVal val="hidden"/>
+                                      </p:to>
+                                    </p:set>
+                                  </p:childTnLst>
+                                </p:cTn>
+                              </p:par>
+                            </p:childTnLst>
+                          </p:cTn>
+                        </p:par>
+                        <p:par>
+                          <p:cTn id="64" fill="hold">
+                            <p:stCondLst>
+                              <p:cond delay="500"/>
+                            </p:stCondLst>
+                            <p:childTnLst>
+                              <p:par>
+                                <p:cTn id="65" presetID="10" presetClass="entr" presetSubtype="0" fill="hold" nodeType="afterEffect">
+                                  <p:stCondLst>
+                                    <p:cond delay="0"/>
+                                  </p:stCondLst>
+                                  <p:childTnLst>
+                                    <p:set>
+                                      <p:cBhvr>
+                                        <p:cTn id="66" dur="1" fill="hold">
+                                          <p:stCondLst>
+                                            <p:cond delay="0"/>
+                                          </p:stCondLst>
+                                        </p:cTn>
+                                        <p:tgtEl>
+                                          <p:spTgt spid="64"/>
+                                        </p:tgtEl>
+                                        <p:attrNameLst>
+                                          <p:attrName>style.visibility</p:attrName>
+                                        </p:attrNameLst>
+                                      </p:cBhvr>
+                                      <p:to>
+                                        <p:strVal val="visible"/>
+                                      </p:to>
+                                    </p:set>
+                                    <p:animEffect transition="in" filter="fade">
+                                      <p:cBhvr>
+                                        <p:cTn id="67" dur="500"/>
+                                        <p:tgtEl>
+                                          <p:spTgt spid="64"/>
+                                        </p:tgtEl>
+                                      </p:cBhvr>
+                                    </p:animEffect>
+                                  </p:childTnLst>
+                                </p:cTn>
+                              </p:par>
+                            </p:childTnLst>
+                          </p:cTn>
+                        </p:par>
+                      </p:childTnLst>
+                    </p:cTn>
+                  </p:par>
+                  <p:par>
+                    <p:cTn id="68" fill="hold">
+                      <p:stCondLst>
+                        <p:cond delay="indefinite"/>
+                      </p:stCondLst>
+                      <p:childTnLst>
+                        <p:par>
+                          <p:cTn id="69" fill="hold">
+                            <p:stCondLst>
+                              <p:cond delay="0"/>
+                            </p:stCondLst>
+                            <p:childTnLst>
+                              <p:par>
+                                <p:cTn id="70" presetID="63" presetClass="path" presetSubtype="0" accel="50000" decel="50000" fill="hold" nodeType="clickEffect">
+                                  <p:stCondLst>
+                                    <p:cond delay="0"/>
+                                  </p:stCondLst>
+                                  <p:childTnLst>
+                                    <p:animMotion origin="layout" path="M 0.472031 -0.001944 L 0.590052 -0.001852 " pathEditMode="relative" rAng="0" ptsTypes="">
+                                      <p:cBhvr>
+                                        <p:cTn id="71" dur="1000" fill="hold"/>
+                                        <p:tgtEl>
+                                          <p:spTgt spid="27"/>
+                                        </p:tgtEl>
+                                        <p:attrNameLst>
+                                          <p:attrName>ppt_x</p:attrName>
+                                          <p:attrName>ppt_y</p:attrName>
+                                        </p:attrNameLst>
+                                      </p:cBhvr>
+                                      <p:rCtr x="125" y="0"/>
+                                    </p:animMotion>
+                                  </p:childTnLst>
+                                </p:cTn>
+                              </p:par>
+                            </p:childTnLst>
+                          </p:cTn>
+                        </p:par>
+                        <p:par>
+                          <p:cTn id="72" fill="hold">
+                            <p:stCondLst>
+                              <p:cond delay="1000"/>
+                            </p:stCondLst>
+                            <p:childTnLst>
+                              <p:par>
+                                <p:cTn id="73" presetID="63" presetClass="path" presetSubtype="0" accel="50000" decel="50000" fill="hold" nodeType="afterEffect">
+                                  <p:stCondLst>
+                                    <p:cond delay="0"/>
+                                  </p:stCondLst>
+                                  <p:childTnLst>
+                                    <p:animMotion origin="layout" path="M 0.352822 -0.000370 L 0.468030 -0.000833 " pathEditMode="relative" rAng="0" ptsTypes="">
+                                      <p:cBhvr>
+                                        <p:cTn id="74" dur="1000" fill="hold"/>
+                                        <p:tgtEl>
+                                          <p:spTgt spid="35"/>
+                                        </p:tgtEl>
+                                        <p:attrNameLst>
+                                          <p:attrName>ppt_x</p:attrName>
+                                          <p:attrName>ppt_y</p:attrName>
+                                        </p:attrNameLst>
+                                      </p:cBhvr>
+                                      <p:rCtr x="58" y="0"/>
+                                    </p:animMotion>
+                                  </p:childTnLst>
+                                </p:cTn>
+                              </p:par>
+                            </p:childTnLst>
+                          </p:cTn>
+                        </p:par>
+                      </p:childTnLst>
+                    </p:cTn>
+                  </p:par>
+                  <p:par>
+                    <p:cTn id="75" fill="hold">
+                      <p:stCondLst>
+                        <p:cond delay="indefinite"/>
+                      </p:stCondLst>
+                      <p:childTnLst>
+                        <p:par>
+                          <p:cTn id="76" fill="hold">
+                            <p:stCondLst>
+                              <p:cond delay="0"/>
+                            </p:stCondLst>
+                            <p:childTnLst>
+                              <p:par>
+                                <p:cTn id="77" presetID="63" presetClass="path" presetSubtype="0" accel="50000" decel="50000" fill="hold" nodeType="clickEffect">
+                                  <p:stCondLst>
+                                    <p:cond delay="0"/>
+                                  </p:stCondLst>
+                                  <p:childTnLst>
+                                    <p:animMotion origin="layout" path="M 0.590781 -0.001667 L 0.708229 -0.001575 " pathEditMode="relative" rAng="0" ptsTypes="">
+                                      <p:cBhvr>
+                                        <p:cTn id="78" dur="1000" fill="hold"/>
+                                        <p:tgtEl>
+                                          <p:spTgt spid="27"/>
+                                        </p:tgtEl>
+                                        <p:attrNameLst>
+                                          <p:attrName>ppt_x</p:attrName>
+                                          <p:attrName>ppt_y</p:attrName>
+                                        </p:attrNameLst>
+                                      </p:cBhvr>
+                                      <p:rCtr x="59" y="0"/>
+                                    </p:animMotion>
+                                  </p:childTnLst>
+                                </p:cTn>
+                              </p:par>
+                            </p:childTnLst>
+                          </p:cTn>
+                        </p:par>
+                        <p:par>
+                          <p:cTn id="79" fill="hold">
+                            <p:stCondLst>
+                              <p:cond delay="1000"/>
+                            </p:stCondLst>
+                            <p:childTnLst>
+                              <p:par>
+                                <p:cTn id="80" presetID="63" presetClass="path" presetSubtype="0" accel="50000" decel="50000" fill="hold" nodeType="afterEffect">
+                                  <p:stCondLst>
+                                    <p:cond delay="0"/>
+                                  </p:stCondLst>
+                                  <p:childTnLst>
+                                    <p:animMotion origin="layout" path="M 0.355677 -0.000645 L 0.707865 -0.000553 " pathEditMode="relative" rAng="0" ptsTypes="">
+                                      <p:cBhvr>
+                                        <p:cTn id="81" dur="1000" fill="hold"/>
+                                        <p:tgtEl>
+                                          <p:spTgt spid="25"/>
+                                        </p:tgtEl>
+                                        <p:attrNameLst>
+                                          <p:attrName>ppt_x</p:attrName>
+                                          <p:attrName>ppt_y</p:attrName>
+                                        </p:attrNameLst>
+                                      </p:cBhvr>
+                                      <p:rCtr x="176" y="0"/>
+                                    </p:animMotion>
+                                  </p:childTnLst>
+                                </p:cTn>
+                              </p:par>
+                            </p:childTnLst>
+                          </p:cTn>
+                        </p:par>
+                      </p:childTnLst>
+                    </p:cTn>
+                  </p:par>
+                </p:childTnLst>
+              </p:cTn>
+              <p:prevCondLst>
+                <p:cond evt="onPrev" delay="0">
+                  <p:tgtEl>
+                    <p:sldTgt/>
+                  </p:tgtEl>
+                </p:cond>
+              </p:prevCondLst>
+              <p:nextCondLst>
+                <p:cond evt="onNext" delay="0">
+                  <p:tgtEl>
+                    <p:sldTgt/>
+                  </p:tgtEl>
+                </p:cond>
+              </p:nextCondLst>
+            </p:seq>
+          </p:childTnLst>
+        </p:cTn>
+      </p:par>
+    </p:tnLst>
+  </p:timing>
+</p:sld>
+</file>
+
+<file path=ppt/slides/slide4.xml><?xml version="1.0" encoding="utf-8"?>
+<p:sld xmlns:a="http://schemas.openxmlformats.org/drawingml/2006/main" xmlns:r="http://schemas.openxmlformats.org/officeDocument/2006/relationships" xmlns:p="http://schemas.openxmlformats.org/presentationml/2006/main">
+  <p:cSld>
+    <p:bg>
+      <p:bgPr>
+        <a:solidFill>
+          <a:schemeClr val="tx2"/>
+        </a:solidFill>
+        <a:effectLst/>
+      </p:bgPr>
+    </p:bg>
+    <p:spTree>
+      <p:nvGrpSpPr>
+        <p:cNvPr id="1" name=""/>
+        <p:cNvGrpSpPr/>
+        <p:nvPr/>
+      </p:nvGrpSpPr>
+      <p:grpSpPr/>
       <p:sp>
         <p:nvSpPr>
           <p:cNvPr id="4" name="椭圆 3"/>
@@ -33918,7 +37510,7 @@
 </p:sld>
 </file>
 
-<file path=ppt/slides/slide4.xml><?xml version="1.0" encoding="utf-8"?>
+<file path=ppt/slides/slide5.xml><?xml version="1.0" encoding="utf-8"?>
 <p:sld xmlns:a="http://schemas.openxmlformats.org/drawingml/2006/main" xmlns:r="http://schemas.openxmlformats.org/officeDocument/2006/relationships" xmlns:p="http://schemas.openxmlformats.org/presentationml/2006/main">
   <p:cSld>
     <p:bg>
@@ -35950,7 +39542,7 @@
 </p:sld>
 </file>
 
-<file path=ppt/slides/slide5.xml><?xml version="1.0" encoding="utf-8"?>
+<file path=ppt/slides/slide6.xml><?xml version="1.0" encoding="utf-8"?>
 <p:sld xmlns:a="http://schemas.openxmlformats.org/drawingml/2006/main" xmlns:r="http://schemas.openxmlformats.org/officeDocument/2006/relationships" xmlns:p="http://schemas.openxmlformats.org/presentationml/2006/main">
   <p:cSld>
     <p:bg>
@@ -37792,7 +41384,7 @@
 </p:sld>
 </file>
 
-<file path=ppt/slides/slide6.xml><?xml version="1.0" encoding="utf-8"?>
+<file path=ppt/slides/slide7.xml><?xml version="1.0" encoding="utf-8"?>
 <p:sld xmlns:a="http://schemas.openxmlformats.org/drawingml/2006/main" xmlns:r="http://schemas.openxmlformats.org/officeDocument/2006/relationships" xmlns:p="http://schemas.openxmlformats.org/presentationml/2006/main">
   <p:cSld>
     <p:bg>
@@ -40267,7 +43859,7 @@
 </p:sld>
 </file>
 
-<file path=ppt/slides/slide7.xml><?xml version="1.0" encoding="utf-8"?>
+<file path=ppt/slides/slide8.xml><?xml version="1.0" encoding="utf-8"?>
 <p:sld xmlns:a="http://schemas.openxmlformats.org/drawingml/2006/main" xmlns:r="http://schemas.openxmlformats.org/officeDocument/2006/relationships" xmlns:p="http://schemas.openxmlformats.org/presentationml/2006/main">
   <p:cSld>
     <p:bg>
@@ -42941,7 +46533,7 @@
 </p:sld>
 </file>
 
-<file path=ppt/slides/slide8.xml><?xml version="1.0" encoding="utf-8"?>
+<file path=ppt/slides/slide9.xml><?xml version="1.0" encoding="utf-8"?>
 <p:sld xmlns:a="http://schemas.openxmlformats.org/drawingml/2006/main" xmlns:r="http://schemas.openxmlformats.org/officeDocument/2006/relationships" xmlns:p="http://schemas.openxmlformats.org/presentationml/2006/main">
   <p:cSld>
     <p:bg>
@@ -45500,1303 +49092,6 @@
       <p:bldP spid="24" grpId="0"/>
       <p:bldP spid="32" grpId="0"/>
     </p:bldLst>
-  </p:timing>
-</p:sld>
-</file>
-
-<file path=ppt/slides/slide9.xml><?xml version="1.0" encoding="utf-8"?>
-<p:sld xmlns:a="http://schemas.openxmlformats.org/drawingml/2006/main" xmlns:r="http://schemas.openxmlformats.org/officeDocument/2006/relationships" xmlns:p="http://schemas.openxmlformats.org/presentationml/2006/main">
-  <p:cSld>
-    <p:bg>
-      <p:bgPr>
-        <a:solidFill>
-          <a:schemeClr val="tx2"/>
-        </a:solidFill>
-        <a:effectLst/>
-      </p:bgPr>
-    </p:bg>
-    <p:spTree>
-      <p:nvGrpSpPr>
-        <p:cNvPr id="1" name=""/>
-        <p:cNvGrpSpPr/>
-        <p:nvPr/>
-      </p:nvGrpSpPr>
-      <p:grpSpPr/>
-      <p:sp>
-        <p:nvSpPr>
-          <p:cNvPr id="8" name="文本框 7"/>
-          <p:cNvSpPr txBox="1"/>
-          <p:nvPr/>
-        </p:nvSpPr>
-        <p:spPr>
-          <a:xfrm>
-            <a:off x="578485" y="1892935"/>
-            <a:ext cx="11419205" cy="1476375"/>
-          </a:xfrm>
-          <a:prstGeom prst="rect">
-            <a:avLst/>
-          </a:prstGeom>
-          <a:noFill/>
-        </p:spPr>
-        <p:txBody>
-          <a:bodyPr wrap="none" rtlCol="0">
-            <a:spAutoFit/>
-          </a:bodyPr>
-          <a:p>
-            <a:pPr algn="l"/>
-            <a:r>
-              <a:rPr lang="zh-CN" altLang="en-US" b="1">
-                <a:solidFill>
-                  <a:schemeClr val="bg1"/>
-                </a:solidFill>
-              </a:rPr>
-              <a:t>两种解法：</a:t>
-            </a:r>
-            <a:endParaRPr lang="zh-CN" altLang="en-US" b="1">
-              <a:solidFill>
-                <a:schemeClr val="bg1"/>
-              </a:solidFill>
-            </a:endParaRPr>
-          </a:p>
-          <a:p>
-            <a:pPr algn="l"/>
-            <a:r>
-              <a:rPr lang="en-US" altLang="zh-CN" b="1">
-                <a:solidFill>
-                  <a:schemeClr val="bg1"/>
-                </a:solidFill>
-              </a:rPr>
-              <a:t>1</a:t>
-            </a:r>
-            <a:r>
-              <a:rPr lang="zh-CN" altLang="en-US" b="1">
-                <a:solidFill>
-                  <a:schemeClr val="bg1"/>
-                </a:solidFill>
-              </a:rPr>
-              <a:t>、使用</a:t>
-            </a:r>
-            <a:r>
-              <a:rPr lang="en-US" altLang="zh-CN" b="1">
-                <a:solidFill>
-                  <a:schemeClr val="bg1"/>
-                </a:solidFill>
-              </a:rPr>
-              <a:t>Map</a:t>
-            </a:r>
-            <a:endParaRPr lang="en-US" altLang="zh-CN" b="1">
-              <a:solidFill>
-                <a:schemeClr val="bg1"/>
-              </a:solidFill>
-            </a:endParaRPr>
-          </a:p>
-          <a:p>
-            <a:pPr algn="l"/>
-            <a:r>
-              <a:rPr lang="en-US" altLang="zh-CN" b="1">
-                <a:solidFill>
-                  <a:schemeClr val="bg1"/>
-                </a:solidFill>
-              </a:rPr>
-              <a:t>2</a:t>
-            </a:r>
-            <a:r>
-              <a:rPr lang="zh-CN" altLang="en-US" b="1">
-                <a:solidFill>
-                  <a:schemeClr val="bg1"/>
-                </a:solidFill>
-              </a:rPr>
-              <a:t>、链表相连，把 </a:t>
-            </a:r>
-            <a:r>
-              <a:rPr lang="zh-CN" altLang="en-US" b="1">
-                <a:solidFill>
-                  <a:schemeClr val="bg1"/>
-                </a:solidFill>
-                <a:sym typeface="+mn-ea"/>
-              </a:rPr>
-              <a:t>headA 的尾指向 head</a:t>
-            </a:r>
-            <a:r>
-              <a:rPr lang="en-US" altLang="zh-CN" b="1">
-                <a:solidFill>
-                  <a:schemeClr val="bg1"/>
-                </a:solidFill>
-                <a:sym typeface="+mn-ea"/>
-              </a:rPr>
-              <a:t>B </a:t>
-            </a:r>
-            <a:r>
-              <a:rPr lang="zh-CN" altLang="en-US" b="1">
-                <a:solidFill>
-                  <a:schemeClr val="bg1"/>
-                </a:solidFill>
-                <a:sym typeface="+mn-ea"/>
-              </a:rPr>
-              <a:t>的头 </a:t>
-            </a:r>
-            <a:r>
-              <a:rPr lang="zh-CN" altLang="en-US" b="1">
-                <a:solidFill>
-                  <a:schemeClr val="bg1"/>
-                </a:solidFill>
-              </a:rPr>
-              <a:t>，转换成环形链表找第一个节点的问题，解法是通过快慢指针找</a:t>
-            </a:r>
-            <a:endParaRPr lang="zh-CN" altLang="en-US" b="1">
-              <a:solidFill>
-                <a:schemeClr val="bg1"/>
-              </a:solidFill>
-            </a:endParaRPr>
-          </a:p>
-          <a:p>
-            <a:pPr algn="l"/>
-            <a:r>
-              <a:rPr lang="zh-CN" altLang="en-US" b="1">
-                <a:solidFill>
-                  <a:schemeClr val="bg1"/>
-                </a:solidFill>
-              </a:rPr>
-              <a:t>到环的起点，再把快指针回到起点，同时变成慢指针，两个慢指针往后走，第一个相遇的节点就是链表相交节点</a:t>
-            </a:r>
-            <a:endParaRPr lang="zh-CN" altLang="en-US" b="1">
-              <a:solidFill>
-                <a:schemeClr val="bg1"/>
-              </a:solidFill>
-            </a:endParaRPr>
-          </a:p>
-          <a:p>
-            <a:pPr algn="l"/>
-            <a:r>
-              <a:rPr lang="zh-CN" altLang="en-US" b="1">
-                <a:solidFill>
-                  <a:schemeClr val="bg1"/>
-                </a:solidFill>
-              </a:rPr>
-              <a:t>      </a:t>
-            </a:r>
-            <a:endParaRPr lang="zh-CN" altLang="en-US" b="1">
-              <a:solidFill>
-                <a:schemeClr val="bg1"/>
-              </a:solidFill>
-            </a:endParaRPr>
-          </a:p>
-        </p:txBody>
-      </p:sp>
-      <p:sp>
-        <p:nvSpPr>
-          <p:cNvPr id="6" name="文本框 5"/>
-          <p:cNvSpPr txBox="1"/>
-          <p:nvPr/>
-        </p:nvSpPr>
-        <p:spPr>
-          <a:xfrm>
-            <a:off x="578485" y="1197610"/>
-            <a:ext cx="11573510" cy="645160"/>
-          </a:xfrm>
-          <a:prstGeom prst="rect">
-            <a:avLst/>
-          </a:prstGeom>
-          <a:noFill/>
-        </p:spPr>
-        <p:txBody>
-          <a:bodyPr wrap="square" rtlCol="0">
-            <a:spAutoFit/>
-          </a:bodyPr>
-          <a:p>
-            <a:pPr algn="l"/>
-            <a:r>
-              <a:rPr lang="zh-CN" altLang="en-US" b="1">
-                <a:solidFill>
-                  <a:schemeClr val="bg1"/>
-                </a:solidFill>
-              </a:rPr>
-              <a:t>题目：给你两个单链表的头节点 headA 和 headB ，请你找出并返回两个单链表相交的起始节点。如果两个链表没有交点，返回 null 。</a:t>
-            </a:r>
-            <a:endParaRPr lang="zh-CN" altLang="en-US" b="1">
-              <a:solidFill>
-                <a:schemeClr val="bg1"/>
-              </a:solidFill>
-            </a:endParaRPr>
-          </a:p>
-        </p:txBody>
-      </p:sp>
-      <p:sp>
-        <p:nvSpPr>
-          <p:cNvPr id="14" name="文本框 13"/>
-          <p:cNvSpPr txBox="1"/>
-          <p:nvPr/>
-        </p:nvSpPr>
-        <p:spPr>
-          <a:xfrm>
-            <a:off x="578486" y="419100"/>
-            <a:ext cx="5437505" cy="706755"/>
-          </a:xfrm>
-          <a:prstGeom prst="rect">
-            <a:avLst/>
-          </a:prstGeom>
-          <a:noFill/>
-        </p:spPr>
-        <p:txBody>
-          <a:bodyPr wrap="none" rtlCol="0">
-            <a:spAutoFit/>
-          </a:bodyPr>
-          <a:p>
-            <a:pPr algn="l"/>
-            <a:r>
-              <a:rPr sz="4000" b="1">
-                <a:solidFill>
-                  <a:schemeClr val="bg1"/>
-                </a:solidFill>
-                <a:sym typeface="+mn-ea"/>
-              </a:rPr>
-              <a:t>面试题 02.07. 链表相交</a:t>
-            </a:r>
-            <a:endParaRPr sz="4000" b="1">
-              <a:solidFill>
-                <a:schemeClr val="bg1"/>
-              </a:solidFill>
-              <a:sym typeface="+mn-ea"/>
-            </a:endParaRPr>
-          </a:p>
-        </p:txBody>
-      </p:sp>
-      <p:sp>
-        <p:nvSpPr>
-          <p:cNvPr id="3" name="椭圆 2"/>
-          <p:cNvSpPr/>
-          <p:nvPr/>
-        </p:nvSpPr>
-        <p:spPr>
-          <a:xfrm>
-            <a:off x="1628775" y="3439795"/>
-            <a:ext cx="540000" cy="540000"/>
-          </a:xfrm>
-          <a:prstGeom prst="ellipse">
-            <a:avLst/>
-          </a:prstGeom>
-        </p:spPr>
-        <p:style>
-          <a:lnRef idx="2">
-            <a:schemeClr val="accent1">
-              <a:shade val="50000"/>
-            </a:schemeClr>
-          </a:lnRef>
-          <a:fillRef idx="1">
-            <a:schemeClr val="accent1"/>
-          </a:fillRef>
-          <a:effectRef idx="0">
-            <a:schemeClr val="accent1"/>
-          </a:effectRef>
-          <a:fontRef idx="minor">
-            <a:schemeClr val="lt1"/>
-          </a:fontRef>
-        </p:style>
-        <p:txBody>
-          <a:bodyPr rtlCol="0" anchor="ctr"/>
-          <a:p>
-            <a:pPr algn="ctr"/>
-            <a:r>
-              <a:rPr lang="en-US" altLang="zh-CN" sz="2800"/>
-              <a:t>1</a:t>
-            </a:r>
-            <a:endParaRPr lang="en-US" altLang="zh-CN" sz="2800"/>
-          </a:p>
-        </p:txBody>
-      </p:sp>
-      <p:sp>
-        <p:nvSpPr>
-          <p:cNvPr id="35" name="椭圆 34"/>
-          <p:cNvSpPr/>
-          <p:nvPr/>
-        </p:nvSpPr>
-        <p:spPr>
-          <a:xfrm>
-            <a:off x="3097530" y="3439795"/>
-            <a:ext cx="540000" cy="540000"/>
-          </a:xfrm>
-          <a:prstGeom prst="ellipse">
-            <a:avLst/>
-          </a:prstGeom>
-        </p:spPr>
-        <p:style>
-          <a:lnRef idx="2">
-            <a:schemeClr val="accent1">
-              <a:shade val="50000"/>
-            </a:schemeClr>
-          </a:lnRef>
-          <a:fillRef idx="1">
-            <a:schemeClr val="accent1"/>
-          </a:fillRef>
-          <a:effectRef idx="0">
-            <a:schemeClr val="accent1"/>
-          </a:effectRef>
-          <a:fontRef idx="minor">
-            <a:schemeClr val="lt1"/>
-          </a:fontRef>
-        </p:style>
-        <p:txBody>
-          <a:bodyPr rtlCol="0" anchor="ctr"/>
-          <a:p>
-            <a:pPr algn="ctr"/>
-            <a:r>
-              <a:rPr lang="en-US" altLang="zh-CN" sz="2800"/>
-              <a:t>2</a:t>
-            </a:r>
-            <a:endParaRPr lang="en-US" altLang="zh-CN" sz="2800"/>
-          </a:p>
-        </p:txBody>
-      </p:sp>
-      <p:sp>
-        <p:nvSpPr>
-          <p:cNvPr id="36" name="椭圆 35"/>
-          <p:cNvSpPr/>
-          <p:nvPr/>
-        </p:nvSpPr>
-        <p:spPr>
-          <a:xfrm>
-            <a:off x="4558030" y="3439795"/>
-            <a:ext cx="540000" cy="540000"/>
-          </a:xfrm>
-          <a:prstGeom prst="ellipse">
-            <a:avLst/>
-          </a:prstGeom>
-        </p:spPr>
-        <p:style>
-          <a:lnRef idx="2">
-            <a:schemeClr val="accent1">
-              <a:shade val="50000"/>
-            </a:schemeClr>
-          </a:lnRef>
-          <a:fillRef idx="1">
-            <a:schemeClr val="accent1"/>
-          </a:fillRef>
-          <a:effectRef idx="0">
-            <a:schemeClr val="accent1"/>
-          </a:effectRef>
-          <a:fontRef idx="minor">
-            <a:schemeClr val="lt1"/>
-          </a:fontRef>
-        </p:style>
-        <p:txBody>
-          <a:bodyPr rtlCol="0" anchor="ctr"/>
-          <a:p>
-            <a:pPr algn="ctr"/>
-            <a:r>
-              <a:rPr lang="en-US" altLang="zh-CN" sz="2800"/>
-              <a:t>3</a:t>
-            </a:r>
-            <a:endParaRPr lang="en-US" altLang="zh-CN" sz="2800"/>
-          </a:p>
-        </p:txBody>
-      </p:sp>
-      <p:cxnSp>
-        <p:nvCxnSpPr>
-          <p:cNvPr id="40" name="直接箭头连接符 39"/>
-          <p:cNvCxnSpPr/>
-          <p:nvPr/>
-        </p:nvCxnSpPr>
-        <p:spPr>
-          <a:xfrm>
-            <a:off x="2310130" y="3709670"/>
-            <a:ext cx="648000" cy="0"/>
-          </a:xfrm>
-          <a:prstGeom prst="straightConnector1">
-            <a:avLst/>
-          </a:prstGeom>
-          <a:ln w="28575" cmpd="sng">
-            <a:solidFill>
-              <a:schemeClr val="bg1"/>
-            </a:solidFill>
-            <a:prstDash val="solid"/>
-            <a:tailEnd type="arrow"/>
-          </a:ln>
-        </p:spPr>
-        <p:style>
-          <a:lnRef idx="1">
-            <a:schemeClr val="accent1"/>
-          </a:lnRef>
-          <a:fillRef idx="0">
-            <a:schemeClr val="accent1"/>
-          </a:fillRef>
-          <a:effectRef idx="0">
-            <a:schemeClr val="accent1"/>
-          </a:effectRef>
-          <a:fontRef idx="minor">
-            <a:schemeClr val="tx1"/>
-          </a:fontRef>
-        </p:style>
-      </p:cxnSp>
-      <p:cxnSp>
-        <p:nvCxnSpPr>
-          <p:cNvPr id="41" name="直接箭头连接符 40"/>
-          <p:cNvCxnSpPr/>
-          <p:nvPr/>
-        </p:nvCxnSpPr>
-        <p:spPr>
-          <a:xfrm>
-            <a:off x="3746500" y="3709670"/>
-            <a:ext cx="648000" cy="0"/>
-          </a:xfrm>
-          <a:prstGeom prst="straightConnector1">
-            <a:avLst/>
-          </a:prstGeom>
-          <a:ln w="28575" cmpd="sng">
-            <a:solidFill>
-              <a:schemeClr val="bg1"/>
-            </a:solidFill>
-            <a:prstDash val="solid"/>
-            <a:tailEnd type="arrow"/>
-          </a:ln>
-        </p:spPr>
-        <p:style>
-          <a:lnRef idx="1">
-            <a:schemeClr val="accent1"/>
-          </a:lnRef>
-          <a:fillRef idx="0">
-            <a:schemeClr val="accent1"/>
-          </a:fillRef>
-          <a:effectRef idx="0">
-            <a:schemeClr val="accent1"/>
-          </a:effectRef>
-          <a:fontRef idx="minor">
-            <a:schemeClr val="tx1"/>
-          </a:fontRef>
-        </p:style>
-      </p:cxnSp>
-      <p:cxnSp>
-        <p:nvCxnSpPr>
-          <p:cNvPr id="48" name="直接箭头连接符 47"/>
-          <p:cNvCxnSpPr/>
-          <p:nvPr/>
-        </p:nvCxnSpPr>
-        <p:spPr>
-          <a:xfrm>
-            <a:off x="5193030" y="3875405"/>
-            <a:ext cx="760095" cy="419100"/>
-          </a:xfrm>
-          <a:prstGeom prst="straightConnector1">
-            <a:avLst/>
-          </a:prstGeom>
-          <a:ln w="28575" cmpd="sng">
-            <a:solidFill>
-              <a:schemeClr val="bg1"/>
-            </a:solidFill>
-            <a:prstDash val="solid"/>
-            <a:tailEnd type="arrow"/>
-          </a:ln>
-        </p:spPr>
-        <p:style>
-          <a:lnRef idx="1">
-            <a:schemeClr val="accent1"/>
-          </a:lnRef>
-          <a:fillRef idx="0">
-            <a:schemeClr val="accent1"/>
-          </a:fillRef>
-          <a:effectRef idx="0">
-            <a:schemeClr val="accent1"/>
-          </a:effectRef>
-          <a:fontRef idx="minor">
-            <a:schemeClr val="tx1"/>
-          </a:fontRef>
-        </p:style>
-      </p:cxnSp>
-      <p:sp>
-        <p:nvSpPr>
-          <p:cNvPr id="51" name="椭圆 50"/>
-          <p:cNvSpPr/>
-          <p:nvPr/>
-        </p:nvSpPr>
-        <p:spPr>
-          <a:xfrm>
-            <a:off x="3097530" y="5001260"/>
-            <a:ext cx="540000" cy="540000"/>
-          </a:xfrm>
-          <a:prstGeom prst="ellipse">
-            <a:avLst/>
-          </a:prstGeom>
-        </p:spPr>
-        <p:style>
-          <a:lnRef idx="2">
-            <a:schemeClr val="accent1">
-              <a:shade val="50000"/>
-            </a:schemeClr>
-          </a:lnRef>
-          <a:fillRef idx="1">
-            <a:schemeClr val="accent1"/>
-          </a:fillRef>
-          <a:effectRef idx="0">
-            <a:schemeClr val="accent1"/>
-          </a:effectRef>
-          <a:fontRef idx="minor">
-            <a:schemeClr val="lt1"/>
-          </a:fontRef>
-        </p:style>
-        <p:txBody>
-          <a:bodyPr rtlCol="0" anchor="ctr"/>
-          <a:p>
-            <a:pPr algn="ctr"/>
-            <a:r>
-              <a:rPr lang="en-US" altLang="zh-CN" sz="2800"/>
-              <a:t>7</a:t>
-            </a:r>
-            <a:endParaRPr lang="en-US" altLang="zh-CN" sz="2800"/>
-          </a:p>
-        </p:txBody>
-      </p:sp>
-      <p:sp>
-        <p:nvSpPr>
-          <p:cNvPr id="52" name="椭圆 51"/>
-          <p:cNvSpPr/>
-          <p:nvPr/>
-        </p:nvSpPr>
-        <p:spPr>
-          <a:xfrm>
-            <a:off x="4558030" y="5001260"/>
-            <a:ext cx="540000" cy="540000"/>
-          </a:xfrm>
-          <a:prstGeom prst="ellipse">
-            <a:avLst/>
-          </a:prstGeom>
-        </p:spPr>
-        <p:style>
-          <a:lnRef idx="2">
-            <a:schemeClr val="accent1">
-              <a:shade val="50000"/>
-            </a:schemeClr>
-          </a:lnRef>
-          <a:fillRef idx="1">
-            <a:schemeClr val="accent1"/>
-          </a:fillRef>
-          <a:effectRef idx="0">
-            <a:schemeClr val="accent1"/>
-          </a:effectRef>
-          <a:fontRef idx="minor">
-            <a:schemeClr val="lt1"/>
-          </a:fontRef>
-        </p:style>
-        <p:txBody>
-          <a:bodyPr rtlCol="0" anchor="ctr"/>
-          <a:p>
-            <a:pPr algn="ctr"/>
-            <a:r>
-              <a:rPr lang="en-US" altLang="zh-CN" sz="2800"/>
-              <a:t>8</a:t>
-            </a:r>
-            <a:endParaRPr lang="en-US" altLang="zh-CN" sz="2800"/>
-          </a:p>
-        </p:txBody>
-      </p:sp>
-      <p:cxnSp>
-        <p:nvCxnSpPr>
-          <p:cNvPr id="54" name="直接箭头连接符 53"/>
-          <p:cNvCxnSpPr/>
-          <p:nvPr/>
-        </p:nvCxnSpPr>
-        <p:spPr>
-          <a:xfrm>
-            <a:off x="3746500" y="5271135"/>
-            <a:ext cx="648000" cy="0"/>
-          </a:xfrm>
-          <a:prstGeom prst="straightConnector1">
-            <a:avLst/>
-          </a:prstGeom>
-          <a:ln w="28575" cmpd="sng">
-            <a:solidFill>
-              <a:schemeClr val="bg1"/>
-            </a:solidFill>
-            <a:prstDash val="solid"/>
-            <a:tailEnd type="arrow"/>
-          </a:ln>
-        </p:spPr>
-        <p:style>
-          <a:lnRef idx="1">
-            <a:schemeClr val="accent1"/>
-          </a:lnRef>
-          <a:fillRef idx="0">
-            <a:schemeClr val="accent1"/>
-          </a:fillRef>
-          <a:effectRef idx="0">
-            <a:schemeClr val="accent1"/>
-          </a:effectRef>
-          <a:fontRef idx="minor">
-            <a:schemeClr val="tx1"/>
-          </a:fontRef>
-        </p:style>
-      </p:cxnSp>
-      <p:cxnSp>
-        <p:nvCxnSpPr>
-          <p:cNvPr id="57" name="直接箭头连接符 56"/>
-          <p:cNvCxnSpPr/>
-          <p:nvPr/>
-        </p:nvCxnSpPr>
-        <p:spPr>
-          <a:xfrm flipV="1">
-            <a:off x="5193030" y="4686300"/>
-            <a:ext cx="723265" cy="437515"/>
-          </a:xfrm>
-          <a:prstGeom prst="straightConnector1">
-            <a:avLst/>
-          </a:prstGeom>
-          <a:ln w="28575" cmpd="sng">
-            <a:solidFill>
-              <a:schemeClr val="bg1"/>
-            </a:solidFill>
-            <a:prstDash val="solid"/>
-            <a:tailEnd type="arrow"/>
-          </a:ln>
-        </p:spPr>
-        <p:style>
-          <a:lnRef idx="1">
-            <a:schemeClr val="accent1"/>
-          </a:lnRef>
-          <a:fillRef idx="0">
-            <a:schemeClr val="accent1"/>
-          </a:fillRef>
-          <a:effectRef idx="0">
-            <a:schemeClr val="accent1"/>
-          </a:effectRef>
-          <a:fontRef idx="minor">
-            <a:schemeClr val="tx1"/>
-          </a:fontRef>
-        </p:style>
-      </p:cxnSp>
-      <p:sp>
-        <p:nvSpPr>
-          <p:cNvPr id="59" name="椭圆 58"/>
-          <p:cNvSpPr/>
-          <p:nvPr/>
-        </p:nvSpPr>
-        <p:spPr>
-          <a:xfrm>
-            <a:off x="6005195" y="4220845"/>
-            <a:ext cx="540000" cy="540000"/>
-          </a:xfrm>
-          <a:prstGeom prst="ellipse">
-            <a:avLst/>
-          </a:prstGeom>
-        </p:spPr>
-        <p:style>
-          <a:lnRef idx="2">
-            <a:schemeClr val="accent1">
-              <a:shade val="50000"/>
-            </a:schemeClr>
-          </a:lnRef>
-          <a:fillRef idx="1">
-            <a:schemeClr val="accent1"/>
-          </a:fillRef>
-          <a:effectRef idx="0">
-            <a:schemeClr val="accent1"/>
-          </a:effectRef>
-          <a:fontRef idx="minor">
-            <a:schemeClr val="lt1"/>
-          </a:fontRef>
-        </p:style>
-        <p:txBody>
-          <a:bodyPr rtlCol="0" anchor="ctr"/>
-          <a:p>
-            <a:pPr algn="ctr"/>
-            <a:r>
-              <a:rPr lang="en-US" altLang="zh-CN" sz="2800"/>
-              <a:t>4</a:t>
-            </a:r>
-            <a:endParaRPr lang="en-US" altLang="zh-CN" sz="2800"/>
-          </a:p>
-        </p:txBody>
-      </p:sp>
-      <p:sp>
-        <p:nvSpPr>
-          <p:cNvPr id="60" name="椭圆 59"/>
-          <p:cNvSpPr/>
-          <p:nvPr/>
-        </p:nvSpPr>
-        <p:spPr>
-          <a:xfrm>
-            <a:off x="7452360" y="4220845"/>
-            <a:ext cx="540000" cy="540000"/>
-          </a:xfrm>
-          <a:prstGeom prst="ellipse">
-            <a:avLst/>
-          </a:prstGeom>
-        </p:spPr>
-        <p:style>
-          <a:lnRef idx="2">
-            <a:schemeClr val="accent1">
-              <a:shade val="50000"/>
-            </a:schemeClr>
-          </a:lnRef>
-          <a:fillRef idx="1">
-            <a:schemeClr val="accent1"/>
-          </a:fillRef>
-          <a:effectRef idx="0">
-            <a:schemeClr val="accent1"/>
-          </a:effectRef>
-          <a:fontRef idx="minor">
-            <a:schemeClr val="lt1"/>
-          </a:fontRef>
-        </p:style>
-        <p:txBody>
-          <a:bodyPr rtlCol="0" anchor="ctr"/>
-          <a:p>
-            <a:pPr algn="ctr"/>
-            <a:r>
-              <a:rPr lang="en-US" altLang="zh-CN" sz="2800"/>
-              <a:t>5</a:t>
-            </a:r>
-            <a:endParaRPr lang="en-US" altLang="zh-CN" sz="2800"/>
-          </a:p>
-        </p:txBody>
-      </p:sp>
-      <p:sp>
-        <p:nvSpPr>
-          <p:cNvPr id="61" name="椭圆 60"/>
-          <p:cNvSpPr/>
-          <p:nvPr/>
-        </p:nvSpPr>
-        <p:spPr>
-          <a:xfrm>
-            <a:off x="8871585" y="4220845"/>
-            <a:ext cx="540000" cy="540000"/>
-          </a:xfrm>
-          <a:prstGeom prst="ellipse">
-            <a:avLst/>
-          </a:prstGeom>
-        </p:spPr>
-        <p:style>
-          <a:lnRef idx="2">
-            <a:schemeClr val="accent1">
-              <a:shade val="50000"/>
-            </a:schemeClr>
-          </a:lnRef>
-          <a:fillRef idx="1">
-            <a:schemeClr val="accent1"/>
-          </a:fillRef>
-          <a:effectRef idx="0">
-            <a:schemeClr val="accent1"/>
-          </a:effectRef>
-          <a:fontRef idx="minor">
-            <a:schemeClr val="lt1"/>
-          </a:fontRef>
-        </p:style>
-        <p:txBody>
-          <a:bodyPr rtlCol="0" anchor="ctr"/>
-          <a:p>
-            <a:pPr algn="ctr"/>
-            <a:r>
-              <a:rPr lang="en-US" altLang="zh-CN" sz="2800"/>
-              <a:t>6</a:t>
-            </a:r>
-            <a:endParaRPr lang="en-US" altLang="zh-CN" sz="2800"/>
-          </a:p>
-        </p:txBody>
-      </p:sp>
-      <p:cxnSp>
-        <p:nvCxnSpPr>
-          <p:cNvPr id="62" name="直接箭头连接符 61"/>
-          <p:cNvCxnSpPr/>
-          <p:nvPr/>
-        </p:nvCxnSpPr>
-        <p:spPr>
-          <a:xfrm>
-            <a:off x="6658610" y="4490720"/>
-            <a:ext cx="648000" cy="0"/>
-          </a:xfrm>
-          <a:prstGeom prst="straightConnector1">
-            <a:avLst/>
-          </a:prstGeom>
-          <a:ln w="28575" cmpd="sng">
-            <a:solidFill>
-              <a:schemeClr val="bg1"/>
-            </a:solidFill>
-            <a:prstDash val="solid"/>
-            <a:tailEnd type="arrow"/>
-          </a:ln>
-        </p:spPr>
-        <p:style>
-          <a:lnRef idx="1">
-            <a:schemeClr val="accent1"/>
-          </a:lnRef>
-          <a:fillRef idx="0">
-            <a:schemeClr val="accent1"/>
-          </a:fillRef>
-          <a:effectRef idx="0">
-            <a:schemeClr val="accent1"/>
-          </a:effectRef>
-          <a:fontRef idx="minor">
-            <a:schemeClr val="tx1"/>
-          </a:fontRef>
-        </p:style>
-      </p:cxnSp>
-      <p:cxnSp>
-        <p:nvCxnSpPr>
-          <p:cNvPr id="63" name="直接箭头连接符 62"/>
-          <p:cNvCxnSpPr/>
-          <p:nvPr/>
-        </p:nvCxnSpPr>
-        <p:spPr>
-          <a:xfrm>
-            <a:off x="8110855" y="4490720"/>
-            <a:ext cx="648000" cy="0"/>
-          </a:xfrm>
-          <a:prstGeom prst="straightConnector1">
-            <a:avLst/>
-          </a:prstGeom>
-          <a:ln w="28575" cmpd="sng">
-            <a:solidFill>
-              <a:schemeClr val="bg1"/>
-            </a:solidFill>
-            <a:prstDash val="solid"/>
-            <a:tailEnd type="arrow"/>
-          </a:ln>
-        </p:spPr>
-        <p:style>
-          <a:lnRef idx="1">
-            <a:schemeClr val="accent1"/>
-          </a:lnRef>
-          <a:fillRef idx="0">
-            <a:schemeClr val="accent1"/>
-          </a:fillRef>
-          <a:effectRef idx="0">
-            <a:schemeClr val="accent1"/>
-          </a:effectRef>
-          <a:fontRef idx="minor">
-            <a:schemeClr val="tx1"/>
-          </a:fontRef>
-        </p:style>
-      </p:cxnSp>
-      <p:cxnSp>
-        <p:nvCxnSpPr>
-          <p:cNvPr id="64" name="曲线连接符 63"/>
-          <p:cNvCxnSpPr>
-            <a:stCxn id="61" idx="4"/>
-            <a:endCxn id="51" idx="4"/>
-          </p:cNvCxnSpPr>
-          <p:nvPr/>
-        </p:nvCxnSpPr>
-        <p:spPr>
-          <a:xfrm rot="5400000">
-            <a:off x="5864225" y="2263775"/>
-            <a:ext cx="780415" cy="5774055"/>
-          </a:xfrm>
-          <a:prstGeom prst="curvedConnector3">
-            <a:avLst>
-              <a:gd name="adj1" fmla="val 176159"/>
-            </a:avLst>
-          </a:prstGeom>
-          <a:ln w="28575" cmpd="sng">
-            <a:solidFill>
-              <a:schemeClr val="bg1"/>
-            </a:solidFill>
-            <a:prstDash val="solid"/>
-            <a:tailEnd type="arrow"/>
-          </a:ln>
-        </p:spPr>
-        <p:style>
-          <a:lnRef idx="1">
-            <a:schemeClr val="accent1"/>
-          </a:lnRef>
-          <a:fillRef idx="0">
-            <a:schemeClr val="accent1"/>
-          </a:fillRef>
-          <a:effectRef idx="0">
-            <a:schemeClr val="accent1"/>
-          </a:effectRef>
-          <a:fontRef idx="minor">
-            <a:schemeClr val="tx1"/>
-          </a:fontRef>
-        </p:style>
-      </p:cxnSp>
-      <p:sp>
-        <p:nvSpPr>
-          <p:cNvPr id="65" name="文本框 64"/>
-          <p:cNvSpPr txBox="1"/>
-          <p:nvPr/>
-        </p:nvSpPr>
-        <p:spPr>
-          <a:xfrm>
-            <a:off x="7817485" y="5970270"/>
-            <a:ext cx="3564255" cy="645160"/>
-          </a:xfrm>
-          <a:prstGeom prst="rect">
-            <a:avLst/>
-          </a:prstGeom>
-          <a:noFill/>
-        </p:spPr>
-        <p:txBody>
-          <a:bodyPr wrap="square" rtlCol="0">
-            <a:spAutoFit/>
-          </a:bodyPr>
-          <a:p>
-            <a:pPr algn="l"/>
-            <a:r>
-              <a:rPr lang="zh-CN" altLang="en-US" b="1">
-                <a:solidFill>
-                  <a:schemeClr val="bg1"/>
-                </a:solidFill>
-              </a:rPr>
-              <a:t>题目要求不改变原链表，所以结束时要把 </a:t>
-            </a:r>
-            <a:r>
-              <a:rPr lang="en-US" altLang="zh-CN" b="1">
-                <a:solidFill>
-                  <a:schemeClr val="bg1"/>
-                </a:solidFill>
-              </a:rPr>
-              <a:t>6 </a:t>
-            </a:r>
-            <a:r>
-              <a:rPr lang="zh-CN" altLang="en-US" b="1">
-                <a:solidFill>
-                  <a:schemeClr val="bg1"/>
-                </a:solidFill>
-              </a:rPr>
-              <a:t>的 </a:t>
-            </a:r>
-            <a:r>
-              <a:rPr lang="en-US" altLang="zh-CN" b="1">
-                <a:solidFill>
-                  <a:schemeClr val="bg1"/>
-                </a:solidFill>
-              </a:rPr>
-              <a:t>next </a:t>
-            </a:r>
-            <a:r>
-              <a:rPr lang="zh-CN" altLang="en-US" b="1">
-                <a:solidFill>
-                  <a:schemeClr val="bg1"/>
-                </a:solidFill>
-              </a:rPr>
-              <a:t>指向 </a:t>
-            </a:r>
-            <a:r>
-              <a:rPr lang="en-US" altLang="zh-CN" b="1">
-                <a:solidFill>
-                  <a:schemeClr val="bg1"/>
-                </a:solidFill>
-              </a:rPr>
-              <a:t>null</a:t>
-            </a:r>
-            <a:endParaRPr lang="en-US" altLang="zh-CN" b="1">
-              <a:solidFill>
-                <a:schemeClr val="bg1"/>
-              </a:solidFill>
-            </a:endParaRPr>
-          </a:p>
-        </p:txBody>
-      </p:sp>
-      <p:sp>
-        <p:nvSpPr>
-          <p:cNvPr id="2" name="文本框 1"/>
-          <p:cNvSpPr txBox="1"/>
-          <p:nvPr/>
-        </p:nvSpPr>
-        <p:spPr>
-          <a:xfrm>
-            <a:off x="607060" y="3525520"/>
-            <a:ext cx="913765" cy="368300"/>
-          </a:xfrm>
-          <a:prstGeom prst="rect">
-            <a:avLst/>
-          </a:prstGeom>
-          <a:noFill/>
-        </p:spPr>
-        <p:txBody>
-          <a:bodyPr wrap="square" rtlCol="0">
-            <a:spAutoFit/>
-          </a:bodyPr>
-          <a:p>
-            <a:pPr algn="l"/>
-            <a:r>
-              <a:rPr lang="en-US" altLang="zh-CN" b="1">
-                <a:solidFill>
-                  <a:schemeClr val="bg1"/>
-                </a:solidFill>
-              </a:rPr>
-              <a:t>headA</a:t>
-            </a:r>
-            <a:endParaRPr lang="en-US" altLang="zh-CN" b="1">
-              <a:solidFill>
-                <a:schemeClr val="bg1"/>
-              </a:solidFill>
-            </a:endParaRPr>
-          </a:p>
-        </p:txBody>
-      </p:sp>
-      <p:sp>
-        <p:nvSpPr>
-          <p:cNvPr id="4" name="文本框 3"/>
-          <p:cNvSpPr txBox="1"/>
-          <p:nvPr/>
-        </p:nvSpPr>
-        <p:spPr>
-          <a:xfrm>
-            <a:off x="607060" y="5086985"/>
-            <a:ext cx="913765" cy="368300"/>
-          </a:xfrm>
-          <a:prstGeom prst="rect">
-            <a:avLst/>
-          </a:prstGeom>
-          <a:noFill/>
-        </p:spPr>
-        <p:txBody>
-          <a:bodyPr wrap="square" rtlCol="0">
-            <a:spAutoFit/>
-          </a:bodyPr>
-          <a:p>
-            <a:pPr algn="l"/>
-            <a:r>
-              <a:rPr lang="en-US" altLang="zh-CN" b="1">
-                <a:solidFill>
-                  <a:schemeClr val="bg1"/>
-                </a:solidFill>
-              </a:rPr>
-              <a:t>headB</a:t>
-            </a:r>
-            <a:endParaRPr lang="en-US" altLang="zh-CN" b="1">
-              <a:solidFill>
-                <a:schemeClr val="bg1"/>
-              </a:solidFill>
-            </a:endParaRPr>
-          </a:p>
-        </p:txBody>
-      </p:sp>
-    </p:spTree>
-  </p:cSld>
-  <p:clrMapOvr>
-    <a:masterClrMapping/>
-  </p:clrMapOvr>
-  <p:timing>
-    <p:tnLst>
-      <p:par>
-        <p:cTn id="1" dur="indefinite" restart="never" nodeType="tmRoot">
-          <p:childTnLst>
-            <p:seq concurrent="1" nextAc="seek">
-              <p:cTn id="2" dur="indefinite" nodeType="mainSeq">
-                <p:childTnLst>
-                  <p:par>
-                    <p:cTn id="3" fill="hold">
-                      <p:stCondLst>
-                        <p:cond delay="indefinite"/>
-                      </p:stCondLst>
-                      <p:childTnLst>
-                        <p:par>
-                          <p:cTn id="4" fill="hold">
-                            <p:stCondLst>
-                              <p:cond delay="0"/>
-                            </p:stCondLst>
-                            <p:childTnLst>
-                              <p:par>
-                                <p:cTn id="5" presetID="10" presetClass="entr" presetSubtype="0" fill="hold" nodeType="clickEffect">
-                                  <p:stCondLst>
-                                    <p:cond delay="0"/>
-                                  </p:stCondLst>
-                                  <p:childTnLst>
-                                    <p:set>
-                                      <p:cBhvr>
-                                        <p:cTn id="6" dur="1" fill="hold">
-                                          <p:stCondLst>
-                                            <p:cond delay="0"/>
-                                          </p:stCondLst>
-                                        </p:cTn>
-                                        <p:tgtEl>
-                                          <p:spTgt spid="64"/>
-                                        </p:tgtEl>
-                                        <p:attrNameLst>
-                                          <p:attrName>style.visibility</p:attrName>
-                                        </p:attrNameLst>
-                                      </p:cBhvr>
-                                      <p:to>
-                                        <p:strVal val="visible"/>
-                                      </p:to>
-                                    </p:set>
-                                    <p:animEffect transition="in" filter="fade">
-                                      <p:cBhvr>
-                                        <p:cTn id="7" dur="500"/>
-                                        <p:tgtEl>
-                                          <p:spTgt spid="64"/>
-                                        </p:tgtEl>
-                                      </p:cBhvr>
-                                    </p:animEffect>
-                                  </p:childTnLst>
-                                </p:cTn>
-                              </p:par>
-                            </p:childTnLst>
-                          </p:cTn>
-                        </p:par>
-                      </p:childTnLst>
-                    </p:cTn>
-                  </p:par>
-                  <p:par>
-                    <p:cTn id="8" fill="hold">
-                      <p:stCondLst>
-                        <p:cond delay="indefinite"/>
-                      </p:stCondLst>
-                      <p:childTnLst>
-                        <p:par>
-                          <p:cTn id="9" fill="hold">
-                            <p:stCondLst>
-                              <p:cond delay="0"/>
-                            </p:stCondLst>
-                            <p:childTnLst>
-                              <p:par>
-                                <p:cTn id="10" presetID="10" presetClass="exit" presetSubtype="0" fill="hold" nodeType="clickEffect">
-                                  <p:stCondLst>
-                                    <p:cond delay="0"/>
-                                  </p:stCondLst>
-                                  <p:childTnLst>
-                                    <p:animEffect transition="out" filter="fade">
-                                      <p:cBhvr>
-                                        <p:cTn id="11" dur="500"/>
-                                        <p:tgtEl>
-                                          <p:spTgt spid="64"/>
-                                        </p:tgtEl>
-                                      </p:cBhvr>
-                                    </p:animEffect>
-                                    <p:set>
-                                      <p:cBhvr>
-                                        <p:cTn id="12" dur="1" fill="hold">
-                                          <p:stCondLst>
-                                            <p:cond delay="499"/>
-                                          </p:stCondLst>
-                                        </p:cTn>
-                                        <p:tgtEl>
-                                          <p:spTgt spid="64"/>
-                                        </p:tgtEl>
-                                        <p:attrNameLst>
-                                          <p:attrName>style.visibility</p:attrName>
-                                        </p:attrNameLst>
-                                      </p:cBhvr>
-                                      <p:to>
-                                        <p:strVal val="hidden"/>
-                                      </p:to>
-                                    </p:set>
-                                  </p:childTnLst>
-                                </p:cTn>
-                              </p:par>
-                            </p:childTnLst>
-                          </p:cTn>
-                        </p:par>
-                        <p:par>
-                          <p:cTn id="13" fill="hold">
-                            <p:stCondLst>
-                              <p:cond delay="500"/>
-                            </p:stCondLst>
-                            <p:childTnLst>
-                              <p:par>
-                                <p:cTn id="14" presetID="10" presetClass="entr" presetSubtype="0" fill="hold" nodeType="afterEffect">
-                                  <p:stCondLst>
-                                    <p:cond delay="0"/>
-                                  </p:stCondLst>
-                                  <p:childTnLst>
-                                    <p:set>
-                                      <p:cBhvr>
-                                        <p:cTn id="15" dur="1" fill="hold">
-                                          <p:stCondLst>
-                                            <p:cond delay="0"/>
-                                          </p:stCondLst>
-                                        </p:cTn>
-                                        <p:tgtEl>
-                                          <p:spTgt spid="57"/>
-                                        </p:tgtEl>
-                                        <p:attrNameLst>
-                                          <p:attrName>style.visibility</p:attrName>
-                                        </p:attrNameLst>
-                                      </p:cBhvr>
-                                      <p:to>
-                                        <p:strVal val="visible"/>
-                                      </p:to>
-                                    </p:set>
-                                    <p:animEffect transition="in" filter="fade">
-                                      <p:cBhvr>
-                                        <p:cTn id="16" dur="500"/>
-                                        <p:tgtEl>
-                                          <p:spTgt spid="57"/>
-                                        </p:tgtEl>
-                                      </p:cBhvr>
-                                    </p:animEffect>
-                                  </p:childTnLst>
-                                </p:cTn>
-                              </p:par>
-                            </p:childTnLst>
-                          </p:cTn>
-                        </p:par>
-                      </p:childTnLst>
-                    </p:cTn>
-                  </p:par>
-                  <p:par>
-                    <p:cTn id="17" fill="hold">
-                      <p:stCondLst>
-                        <p:cond delay="indefinite"/>
-                      </p:stCondLst>
-                      <p:childTnLst>
-                        <p:par>
-                          <p:cTn id="18" fill="hold">
-                            <p:stCondLst>
-                              <p:cond delay="0"/>
-                            </p:stCondLst>
-                            <p:childTnLst>
-                              <p:par>
-                                <p:cTn id="19" presetID="10" presetClass="entr" presetSubtype="0" fill="hold" nodeType="clickEffect">
-                                  <p:stCondLst>
-                                    <p:cond delay="0"/>
-                                  </p:stCondLst>
-                                  <p:childTnLst>
-                                    <p:set>
-                                      <p:cBhvr>
-                                        <p:cTn id="20" dur="1" fill="hold">
-                                          <p:stCondLst>
-                                            <p:cond delay="0"/>
-                                          </p:stCondLst>
-                                        </p:cTn>
-                                        <p:tgtEl>
-                                          <p:spTgt spid="64"/>
-                                        </p:tgtEl>
-                                        <p:attrNameLst>
-                                          <p:attrName>style.visibility</p:attrName>
-                                        </p:attrNameLst>
-                                      </p:cBhvr>
-                                      <p:to>
-                                        <p:strVal val="visible"/>
-                                      </p:to>
-                                    </p:set>
-                                    <p:animEffect transition="in" filter="fade">
-                                      <p:cBhvr>
-                                        <p:cTn id="21" dur="500"/>
-                                        <p:tgtEl>
-                                          <p:spTgt spid="64"/>
-                                        </p:tgtEl>
-                                      </p:cBhvr>
-                                    </p:animEffect>
-                                  </p:childTnLst>
-                                </p:cTn>
-                              </p:par>
-                            </p:childTnLst>
-                          </p:cTn>
-                        </p:par>
-                      </p:childTnLst>
-                    </p:cTn>
-                  </p:par>
-                </p:childTnLst>
-              </p:cTn>
-              <p:prevCondLst>
-                <p:cond evt="onPrev" delay="0">
-                  <p:tgtEl>
-                    <p:sldTgt/>
-                  </p:tgtEl>
-                </p:cond>
-              </p:prevCondLst>
-              <p:nextCondLst>
-                <p:cond evt="onNext" delay="0">
-                  <p:tgtEl>
-                    <p:sldTgt/>
-                  </p:tgtEl>
-                </p:cond>
-              </p:nextCondLst>
-            </p:seq>
-          </p:childTnLst>
-        </p:cTn>
-      </p:par>
-    </p:tnLst>
   </p:timing>
 </p:sld>
 </file>

--- a/小白学算法系列.pptx
+++ b/小白学算法系列.pptx
@@ -5,26 +5,27 @@
     <p:sldMasterId id="2147483648" r:id="rId1"/>
   </p:sldMasterIdLst>
   <p:notesMasterIdLst>
-    <p:notesMasterId r:id="rId7"/>
+    <p:notesMasterId r:id="rId8"/>
   </p:notesMasterIdLst>
   <p:sldIdLst>
     <p:sldId id="258" r:id="rId3"/>
     <p:sldId id="286" r:id="rId4"/>
     <p:sldId id="288" r:id="rId5"/>
-    <p:sldId id="261" r:id="rId6"/>
-    <p:sldId id="264" r:id="rId8"/>
-    <p:sldId id="259" r:id="rId9"/>
-    <p:sldId id="275" r:id="rId10"/>
-    <p:sldId id="266" r:id="rId11"/>
-    <p:sldId id="267" r:id="rId12"/>
-    <p:sldId id="260" r:id="rId13"/>
-    <p:sldId id="265" r:id="rId14"/>
-    <p:sldId id="270" r:id="rId15"/>
-    <p:sldId id="271" r:id="rId16"/>
-    <p:sldId id="273" r:id="rId17"/>
-    <p:sldId id="272" r:id="rId18"/>
-    <p:sldId id="284" r:id="rId19"/>
-    <p:sldId id="285" r:id="rId20"/>
+    <p:sldId id="303" r:id="rId6"/>
+    <p:sldId id="261" r:id="rId7"/>
+    <p:sldId id="264" r:id="rId9"/>
+    <p:sldId id="259" r:id="rId10"/>
+    <p:sldId id="275" r:id="rId11"/>
+    <p:sldId id="266" r:id="rId12"/>
+    <p:sldId id="267" r:id="rId13"/>
+    <p:sldId id="260" r:id="rId14"/>
+    <p:sldId id="265" r:id="rId15"/>
+    <p:sldId id="270" r:id="rId16"/>
+    <p:sldId id="271" r:id="rId17"/>
+    <p:sldId id="273" r:id="rId18"/>
+    <p:sldId id="272" r:id="rId19"/>
+    <p:sldId id="284" r:id="rId20"/>
+    <p:sldId id="285" r:id="rId21"/>
   </p:sldIdLst>
   <p:sldSz cx="12192000" cy="6858000"/>
   <p:notesSz cx="7103745" cy="10234295"/>
@@ -5414,6 +5415,2569 @@
       <p:grpSpPr/>
       <p:sp>
         <p:nvSpPr>
+          <p:cNvPr id="2" name="椭圆 1"/>
+          <p:cNvSpPr/>
+          <p:nvPr/>
+        </p:nvSpPr>
+        <p:spPr>
+          <a:xfrm>
+            <a:off x="3893185" y="3172460"/>
+            <a:ext cx="540000" cy="540000"/>
+          </a:xfrm>
+          <a:prstGeom prst="ellipse">
+            <a:avLst/>
+          </a:prstGeom>
+        </p:spPr>
+        <p:style>
+          <a:lnRef idx="2">
+            <a:schemeClr val="accent1">
+              <a:shade val="50000"/>
+            </a:schemeClr>
+          </a:lnRef>
+          <a:fillRef idx="1">
+            <a:schemeClr val="accent1"/>
+          </a:fillRef>
+          <a:effectRef idx="0">
+            <a:schemeClr val="accent1"/>
+          </a:effectRef>
+          <a:fontRef idx="minor">
+            <a:schemeClr val="lt1"/>
+          </a:fontRef>
+        </p:style>
+        <p:txBody>
+          <a:bodyPr rtlCol="0" anchor="ctr"/>
+          <a:p>
+            <a:pPr algn="ctr"/>
+            <a:r>
+              <a:rPr lang="en-US" altLang="zh-CN" sz="2800"/>
+              <a:t>0</a:t>
+            </a:r>
+            <a:endParaRPr lang="en-US" altLang="zh-CN" sz="2800"/>
+          </a:p>
+        </p:txBody>
+      </p:sp>
+      <p:sp>
+        <p:nvSpPr>
+          <p:cNvPr id="4" name="椭圆 3"/>
+          <p:cNvSpPr/>
+          <p:nvPr/>
+        </p:nvSpPr>
+        <p:spPr>
+          <a:xfrm>
+            <a:off x="5380990" y="3172460"/>
+            <a:ext cx="540000" cy="540000"/>
+          </a:xfrm>
+          <a:prstGeom prst="ellipse">
+            <a:avLst/>
+          </a:prstGeom>
+        </p:spPr>
+        <p:style>
+          <a:lnRef idx="2">
+            <a:schemeClr val="accent1">
+              <a:shade val="50000"/>
+            </a:schemeClr>
+          </a:lnRef>
+          <a:fillRef idx="1">
+            <a:schemeClr val="accent1"/>
+          </a:fillRef>
+          <a:effectRef idx="0">
+            <a:schemeClr val="accent1"/>
+          </a:effectRef>
+          <a:fontRef idx="minor">
+            <a:schemeClr val="lt1"/>
+          </a:fontRef>
+        </p:style>
+        <p:txBody>
+          <a:bodyPr rtlCol="0" anchor="ctr"/>
+          <a:p>
+            <a:pPr algn="ctr"/>
+            <a:r>
+              <a:rPr lang="en-US" altLang="zh-CN" sz="2800"/>
+              <a:t>9</a:t>
+            </a:r>
+            <a:endParaRPr lang="en-US" altLang="zh-CN" sz="2800"/>
+          </a:p>
+        </p:txBody>
+      </p:sp>
+      <p:sp>
+        <p:nvSpPr>
+          <p:cNvPr id="5" name="椭圆 4"/>
+          <p:cNvSpPr/>
+          <p:nvPr/>
+        </p:nvSpPr>
+        <p:spPr>
+          <a:xfrm>
+            <a:off x="6800215" y="3172460"/>
+            <a:ext cx="540000" cy="540000"/>
+          </a:xfrm>
+          <a:prstGeom prst="ellipse">
+            <a:avLst/>
+          </a:prstGeom>
+        </p:spPr>
+        <p:style>
+          <a:lnRef idx="2">
+            <a:schemeClr val="accent1">
+              <a:shade val="50000"/>
+            </a:schemeClr>
+          </a:lnRef>
+          <a:fillRef idx="1">
+            <a:schemeClr val="accent1"/>
+          </a:fillRef>
+          <a:effectRef idx="0">
+            <a:schemeClr val="accent1"/>
+          </a:effectRef>
+          <a:fontRef idx="minor">
+            <a:schemeClr val="lt1"/>
+          </a:fontRef>
+        </p:style>
+        <p:txBody>
+          <a:bodyPr rtlCol="0" anchor="ctr"/>
+          <a:p>
+            <a:pPr algn="ctr"/>
+            <a:r>
+              <a:rPr lang="en-US" altLang="zh-CN" sz="2800"/>
+              <a:t>3</a:t>
+            </a:r>
+            <a:endParaRPr lang="en-US" altLang="zh-CN" sz="2800"/>
+          </a:p>
+        </p:txBody>
+      </p:sp>
+      <p:sp>
+        <p:nvSpPr>
+          <p:cNvPr id="7" name="椭圆 6"/>
+          <p:cNvSpPr/>
+          <p:nvPr/>
+        </p:nvSpPr>
+        <p:spPr>
+          <a:xfrm>
+            <a:off x="8220075" y="2290445"/>
+            <a:ext cx="540000" cy="540000"/>
+          </a:xfrm>
+          <a:prstGeom prst="ellipse">
+            <a:avLst/>
+          </a:prstGeom>
+        </p:spPr>
+        <p:style>
+          <a:lnRef idx="2">
+            <a:schemeClr val="accent1">
+              <a:shade val="50000"/>
+            </a:schemeClr>
+          </a:lnRef>
+          <a:fillRef idx="1">
+            <a:schemeClr val="accent1"/>
+          </a:fillRef>
+          <a:effectRef idx="0">
+            <a:schemeClr val="accent1"/>
+          </a:effectRef>
+          <a:fontRef idx="minor">
+            <a:schemeClr val="lt1"/>
+          </a:fontRef>
+        </p:style>
+        <p:txBody>
+          <a:bodyPr rtlCol="0" anchor="ctr"/>
+          <a:p>
+            <a:pPr algn="ctr"/>
+            <a:r>
+              <a:rPr lang="en-US" altLang="zh-CN" sz="2800"/>
+              <a:t>8</a:t>
+            </a:r>
+            <a:endParaRPr lang="en-US" altLang="zh-CN" sz="2800"/>
+          </a:p>
+        </p:txBody>
+      </p:sp>
+      <p:sp>
+        <p:nvSpPr>
+          <p:cNvPr id="9" name="椭圆 8"/>
+          <p:cNvSpPr/>
+          <p:nvPr/>
+        </p:nvSpPr>
+        <p:spPr>
+          <a:xfrm>
+            <a:off x="9639935" y="3172460"/>
+            <a:ext cx="540000" cy="540000"/>
+          </a:xfrm>
+          <a:prstGeom prst="ellipse">
+            <a:avLst/>
+          </a:prstGeom>
+        </p:spPr>
+        <p:style>
+          <a:lnRef idx="2">
+            <a:schemeClr val="accent1">
+              <a:shade val="50000"/>
+            </a:schemeClr>
+          </a:lnRef>
+          <a:fillRef idx="1">
+            <a:schemeClr val="accent1"/>
+          </a:fillRef>
+          <a:effectRef idx="0">
+            <a:schemeClr val="accent1"/>
+          </a:effectRef>
+          <a:fontRef idx="minor">
+            <a:schemeClr val="lt1"/>
+          </a:fontRef>
+        </p:style>
+        <p:txBody>
+          <a:bodyPr rtlCol="0" anchor="ctr"/>
+          <a:p>
+            <a:pPr algn="ctr"/>
+            <a:r>
+              <a:rPr lang="en-US" altLang="zh-CN" sz="2800"/>
+              <a:t>5</a:t>
+            </a:r>
+            <a:endParaRPr lang="en-US" altLang="zh-CN" sz="2800"/>
+          </a:p>
+        </p:txBody>
+      </p:sp>
+      <p:sp>
+        <p:nvSpPr>
+          <p:cNvPr id="10" name="椭圆 9"/>
+          <p:cNvSpPr/>
+          <p:nvPr/>
+        </p:nvSpPr>
+        <p:spPr>
+          <a:xfrm>
+            <a:off x="9639935" y="4623435"/>
+            <a:ext cx="540000" cy="540000"/>
+          </a:xfrm>
+          <a:prstGeom prst="ellipse">
+            <a:avLst/>
+          </a:prstGeom>
+        </p:spPr>
+        <p:style>
+          <a:lnRef idx="2">
+            <a:schemeClr val="accent1">
+              <a:shade val="50000"/>
+            </a:schemeClr>
+          </a:lnRef>
+          <a:fillRef idx="1">
+            <a:schemeClr val="accent1"/>
+          </a:fillRef>
+          <a:effectRef idx="0">
+            <a:schemeClr val="accent1"/>
+          </a:effectRef>
+          <a:fontRef idx="minor">
+            <a:schemeClr val="lt1"/>
+          </a:fontRef>
+        </p:style>
+        <p:txBody>
+          <a:bodyPr rtlCol="0" anchor="ctr"/>
+          <a:p>
+            <a:pPr algn="ctr"/>
+            <a:r>
+              <a:rPr lang="en-US" altLang="zh-CN" sz="2800"/>
+              <a:t>7</a:t>
+            </a:r>
+            <a:endParaRPr lang="en-US" altLang="zh-CN" sz="2800"/>
+          </a:p>
+        </p:txBody>
+      </p:sp>
+      <p:sp>
+        <p:nvSpPr>
+          <p:cNvPr id="11" name="椭圆 10"/>
+          <p:cNvSpPr/>
+          <p:nvPr/>
+        </p:nvSpPr>
+        <p:spPr>
+          <a:xfrm>
+            <a:off x="8262620" y="5504180"/>
+            <a:ext cx="540000" cy="540000"/>
+          </a:xfrm>
+          <a:prstGeom prst="ellipse">
+            <a:avLst/>
+          </a:prstGeom>
+        </p:spPr>
+        <p:style>
+          <a:lnRef idx="2">
+            <a:schemeClr val="accent1">
+              <a:shade val="50000"/>
+            </a:schemeClr>
+          </a:lnRef>
+          <a:fillRef idx="1">
+            <a:schemeClr val="accent1"/>
+          </a:fillRef>
+          <a:effectRef idx="0">
+            <a:schemeClr val="accent1"/>
+          </a:effectRef>
+          <a:fontRef idx="minor">
+            <a:schemeClr val="lt1"/>
+          </a:fontRef>
+        </p:style>
+        <p:txBody>
+          <a:bodyPr rtlCol="0" anchor="ctr"/>
+          <a:p>
+            <a:pPr algn="ctr"/>
+            <a:r>
+              <a:rPr lang="en-US" altLang="zh-CN" sz="2800"/>
+              <a:t>1</a:t>
+            </a:r>
+            <a:endParaRPr lang="en-US" altLang="zh-CN" sz="2800"/>
+          </a:p>
+        </p:txBody>
+      </p:sp>
+      <p:sp>
+        <p:nvSpPr>
+          <p:cNvPr id="12" name="椭圆 11"/>
+          <p:cNvSpPr/>
+          <p:nvPr/>
+        </p:nvSpPr>
+        <p:spPr>
+          <a:xfrm>
+            <a:off x="6800215" y="4623435"/>
+            <a:ext cx="540000" cy="540000"/>
+          </a:xfrm>
+          <a:prstGeom prst="ellipse">
+            <a:avLst/>
+          </a:prstGeom>
+        </p:spPr>
+        <p:style>
+          <a:lnRef idx="2">
+            <a:schemeClr val="accent1">
+              <a:shade val="50000"/>
+            </a:schemeClr>
+          </a:lnRef>
+          <a:fillRef idx="1">
+            <a:schemeClr val="accent1"/>
+          </a:fillRef>
+          <a:effectRef idx="0">
+            <a:schemeClr val="accent1"/>
+          </a:effectRef>
+          <a:fontRef idx="minor">
+            <a:schemeClr val="lt1"/>
+          </a:fontRef>
+        </p:style>
+        <p:txBody>
+          <a:bodyPr rtlCol="0" anchor="ctr"/>
+          <a:p>
+            <a:pPr algn="ctr"/>
+            <a:r>
+              <a:rPr lang="en-US" altLang="zh-CN" sz="2800"/>
+              <a:t>2</a:t>
+            </a:r>
+            <a:endParaRPr lang="en-US" altLang="zh-CN" sz="2800"/>
+          </a:p>
+        </p:txBody>
+      </p:sp>
+      <p:cxnSp>
+        <p:nvCxnSpPr>
+          <p:cNvPr id="15" name="直接箭头连接符 14"/>
+          <p:cNvCxnSpPr/>
+          <p:nvPr/>
+        </p:nvCxnSpPr>
+        <p:spPr>
+          <a:xfrm>
+            <a:off x="4582795" y="3442335"/>
+            <a:ext cx="648000" cy="0"/>
+          </a:xfrm>
+          <a:prstGeom prst="straightConnector1">
+            <a:avLst/>
+          </a:prstGeom>
+          <a:ln w="28575" cmpd="sng">
+            <a:solidFill>
+              <a:schemeClr val="bg1"/>
+            </a:solidFill>
+            <a:prstDash val="solid"/>
+            <a:tailEnd type="arrow"/>
+          </a:ln>
+        </p:spPr>
+        <p:style>
+          <a:lnRef idx="1">
+            <a:schemeClr val="accent1"/>
+          </a:lnRef>
+          <a:fillRef idx="0">
+            <a:schemeClr val="accent1"/>
+          </a:fillRef>
+          <a:effectRef idx="0">
+            <a:schemeClr val="accent1"/>
+          </a:effectRef>
+          <a:fontRef idx="minor">
+            <a:schemeClr val="tx1"/>
+          </a:fontRef>
+        </p:style>
+      </p:cxnSp>
+      <p:cxnSp>
+        <p:nvCxnSpPr>
+          <p:cNvPr id="16" name="直接箭头连接符 15"/>
+          <p:cNvCxnSpPr/>
+          <p:nvPr/>
+        </p:nvCxnSpPr>
+        <p:spPr>
+          <a:xfrm>
+            <a:off x="6019165" y="3442335"/>
+            <a:ext cx="648000" cy="0"/>
+          </a:xfrm>
+          <a:prstGeom prst="straightConnector1">
+            <a:avLst/>
+          </a:prstGeom>
+          <a:ln w="28575" cmpd="sng">
+            <a:solidFill>
+              <a:schemeClr val="bg1"/>
+            </a:solidFill>
+            <a:prstDash val="solid"/>
+            <a:tailEnd type="arrow"/>
+          </a:ln>
+        </p:spPr>
+        <p:style>
+          <a:lnRef idx="1">
+            <a:schemeClr val="accent1"/>
+          </a:lnRef>
+          <a:fillRef idx="0">
+            <a:schemeClr val="accent1"/>
+          </a:fillRef>
+          <a:effectRef idx="0">
+            <a:schemeClr val="accent1"/>
+          </a:effectRef>
+          <a:fontRef idx="minor">
+            <a:schemeClr val="tx1"/>
+          </a:fontRef>
+        </p:style>
+      </p:cxnSp>
+      <p:cxnSp>
+        <p:nvCxnSpPr>
+          <p:cNvPr id="17" name="直接箭头连接符 16"/>
+          <p:cNvCxnSpPr/>
+          <p:nvPr/>
+        </p:nvCxnSpPr>
+        <p:spPr>
+          <a:xfrm flipV="1">
+            <a:off x="7451090" y="2780030"/>
+            <a:ext cx="586105" cy="392430"/>
+          </a:xfrm>
+          <a:prstGeom prst="straightConnector1">
+            <a:avLst/>
+          </a:prstGeom>
+          <a:ln w="28575" cmpd="sng">
+            <a:solidFill>
+              <a:schemeClr val="bg1"/>
+            </a:solidFill>
+            <a:prstDash val="solid"/>
+            <a:tailEnd type="arrow"/>
+          </a:ln>
+        </p:spPr>
+        <p:style>
+          <a:lnRef idx="1">
+            <a:schemeClr val="accent1"/>
+          </a:lnRef>
+          <a:fillRef idx="0">
+            <a:schemeClr val="accent1"/>
+          </a:fillRef>
+          <a:effectRef idx="0">
+            <a:schemeClr val="accent1"/>
+          </a:effectRef>
+          <a:fontRef idx="minor">
+            <a:schemeClr val="tx1"/>
+          </a:fontRef>
+        </p:style>
+      </p:cxnSp>
+      <p:cxnSp>
+        <p:nvCxnSpPr>
+          <p:cNvPr id="18" name="直接箭头连接符 17"/>
+          <p:cNvCxnSpPr/>
+          <p:nvPr/>
+        </p:nvCxnSpPr>
+        <p:spPr>
+          <a:xfrm>
+            <a:off x="8902065" y="2779395"/>
+            <a:ext cx="594360" cy="340360"/>
+          </a:xfrm>
+          <a:prstGeom prst="straightConnector1">
+            <a:avLst/>
+          </a:prstGeom>
+          <a:ln w="28575" cmpd="sng">
+            <a:solidFill>
+              <a:schemeClr val="bg1"/>
+            </a:solidFill>
+            <a:prstDash val="solid"/>
+            <a:tailEnd type="arrow"/>
+          </a:ln>
+        </p:spPr>
+        <p:style>
+          <a:lnRef idx="1">
+            <a:schemeClr val="accent1"/>
+          </a:lnRef>
+          <a:fillRef idx="0">
+            <a:schemeClr val="accent1"/>
+          </a:fillRef>
+          <a:effectRef idx="0">
+            <a:schemeClr val="accent1"/>
+          </a:effectRef>
+          <a:fontRef idx="minor">
+            <a:schemeClr val="tx1"/>
+          </a:fontRef>
+        </p:style>
+      </p:cxnSp>
+      <p:cxnSp>
+        <p:nvCxnSpPr>
+          <p:cNvPr id="19" name="直接箭头连接符 18"/>
+          <p:cNvCxnSpPr/>
+          <p:nvPr/>
+        </p:nvCxnSpPr>
+        <p:spPr>
+          <a:xfrm flipV="1">
+            <a:off x="7029450" y="3859530"/>
+            <a:ext cx="0" cy="575945"/>
+          </a:xfrm>
+          <a:prstGeom prst="straightConnector1">
+            <a:avLst/>
+          </a:prstGeom>
+          <a:ln w="28575" cmpd="sng">
+            <a:solidFill>
+              <a:schemeClr val="bg1"/>
+            </a:solidFill>
+            <a:prstDash val="solid"/>
+            <a:tailEnd type="arrow"/>
+          </a:ln>
+        </p:spPr>
+        <p:style>
+          <a:lnRef idx="1">
+            <a:schemeClr val="accent1"/>
+          </a:lnRef>
+          <a:fillRef idx="0">
+            <a:schemeClr val="accent1"/>
+          </a:fillRef>
+          <a:effectRef idx="0">
+            <a:schemeClr val="accent1"/>
+          </a:effectRef>
+          <a:fontRef idx="minor">
+            <a:schemeClr val="tx1"/>
+          </a:fontRef>
+        </p:style>
+      </p:cxnSp>
+      <p:cxnSp>
+        <p:nvCxnSpPr>
+          <p:cNvPr id="20" name="直接箭头连接符 19"/>
+          <p:cNvCxnSpPr/>
+          <p:nvPr/>
+        </p:nvCxnSpPr>
+        <p:spPr>
+          <a:xfrm>
+            <a:off x="9909175" y="3931285"/>
+            <a:ext cx="10160" cy="589280"/>
+          </a:xfrm>
+          <a:prstGeom prst="straightConnector1">
+            <a:avLst/>
+          </a:prstGeom>
+          <a:ln w="28575" cmpd="sng">
+            <a:solidFill>
+              <a:schemeClr val="bg1"/>
+            </a:solidFill>
+            <a:prstDash val="solid"/>
+            <a:tailEnd type="arrow"/>
+          </a:ln>
+        </p:spPr>
+        <p:style>
+          <a:lnRef idx="1">
+            <a:schemeClr val="accent1"/>
+          </a:lnRef>
+          <a:fillRef idx="0">
+            <a:schemeClr val="accent1"/>
+          </a:fillRef>
+          <a:effectRef idx="0">
+            <a:schemeClr val="accent1"/>
+          </a:effectRef>
+          <a:fontRef idx="minor">
+            <a:schemeClr val="tx1"/>
+          </a:fontRef>
+        </p:style>
+      </p:cxnSp>
+      <p:cxnSp>
+        <p:nvCxnSpPr>
+          <p:cNvPr id="21" name="直接箭头连接符 20"/>
+          <p:cNvCxnSpPr/>
+          <p:nvPr/>
+        </p:nvCxnSpPr>
+        <p:spPr>
+          <a:xfrm flipH="1">
+            <a:off x="8949690" y="5163185"/>
+            <a:ext cx="498475" cy="353060"/>
+          </a:xfrm>
+          <a:prstGeom prst="straightConnector1">
+            <a:avLst/>
+          </a:prstGeom>
+          <a:ln w="28575" cmpd="sng">
+            <a:solidFill>
+              <a:schemeClr val="bg1"/>
+            </a:solidFill>
+            <a:prstDash val="solid"/>
+            <a:tailEnd type="arrow"/>
+          </a:ln>
+        </p:spPr>
+        <p:style>
+          <a:lnRef idx="1">
+            <a:schemeClr val="accent1"/>
+          </a:lnRef>
+          <a:fillRef idx="0">
+            <a:schemeClr val="accent1"/>
+          </a:fillRef>
+          <a:effectRef idx="0">
+            <a:schemeClr val="accent1"/>
+          </a:effectRef>
+          <a:fontRef idx="minor">
+            <a:schemeClr val="tx1"/>
+          </a:fontRef>
+        </p:style>
+      </p:cxnSp>
+      <p:cxnSp>
+        <p:nvCxnSpPr>
+          <p:cNvPr id="22" name="直接箭头连接符 21"/>
+          <p:cNvCxnSpPr/>
+          <p:nvPr/>
+        </p:nvCxnSpPr>
+        <p:spPr>
+          <a:xfrm flipH="1" flipV="1">
+            <a:off x="7468235" y="5196840"/>
+            <a:ext cx="625475" cy="319405"/>
+          </a:xfrm>
+          <a:prstGeom prst="straightConnector1">
+            <a:avLst/>
+          </a:prstGeom>
+          <a:ln w="28575" cmpd="sng">
+            <a:solidFill>
+              <a:schemeClr val="bg1"/>
+            </a:solidFill>
+            <a:prstDash val="solid"/>
+            <a:tailEnd type="arrow"/>
+          </a:ln>
+        </p:spPr>
+        <p:style>
+          <a:lnRef idx="1">
+            <a:schemeClr val="accent1"/>
+          </a:lnRef>
+          <a:fillRef idx="0">
+            <a:schemeClr val="accent1"/>
+          </a:fillRef>
+          <a:effectRef idx="0">
+            <a:schemeClr val="accent1"/>
+          </a:effectRef>
+          <a:fontRef idx="minor">
+            <a:schemeClr val="tx1"/>
+          </a:fontRef>
+        </p:style>
+      </p:cxnSp>
+      <p:cxnSp>
+        <p:nvCxnSpPr>
+          <p:cNvPr id="27" name="曲线连接符 26"/>
+          <p:cNvCxnSpPr/>
+          <p:nvPr/>
+        </p:nvCxnSpPr>
+        <p:spPr>
+          <a:xfrm rot="16200000" flipH="1">
+            <a:off x="5586110" y="1773540"/>
+            <a:ext cx="78740" cy="2808000"/>
+          </a:xfrm>
+          <a:prstGeom prst="curvedConnector3">
+            <a:avLst>
+              <a:gd name="adj1" fmla="val -1011290"/>
+            </a:avLst>
+          </a:prstGeom>
+          <a:ln w="28575" cmpd="sng">
+            <a:solidFill>
+              <a:schemeClr val="accent2"/>
+            </a:solidFill>
+            <a:prstDash val="solid"/>
+            <a:tailEnd type="arrow"/>
+          </a:ln>
+        </p:spPr>
+        <p:style>
+          <a:lnRef idx="1">
+            <a:schemeClr val="accent1"/>
+          </a:lnRef>
+          <a:fillRef idx="0">
+            <a:schemeClr val="accent1"/>
+          </a:fillRef>
+          <a:effectRef idx="0">
+            <a:schemeClr val="accent1"/>
+          </a:effectRef>
+          <a:fontRef idx="minor">
+            <a:schemeClr val="tx1"/>
+          </a:fontRef>
+        </p:style>
+      </p:cxnSp>
+      <p:cxnSp>
+        <p:nvCxnSpPr>
+          <p:cNvPr id="29" name="曲线连接符 28"/>
+          <p:cNvCxnSpPr/>
+          <p:nvPr/>
+        </p:nvCxnSpPr>
+        <p:spPr>
+          <a:xfrm rot="16200000" flipH="1">
+            <a:off x="8450580" y="1789430"/>
+            <a:ext cx="78740" cy="2715895"/>
+          </a:xfrm>
+          <a:prstGeom prst="curvedConnector3">
+            <a:avLst>
+              <a:gd name="adj1" fmla="val -1723790"/>
+            </a:avLst>
+          </a:prstGeom>
+          <a:ln w="28575" cmpd="sng">
+            <a:solidFill>
+              <a:schemeClr val="accent2"/>
+            </a:solidFill>
+            <a:prstDash val="solid"/>
+            <a:tailEnd type="arrow"/>
+          </a:ln>
+        </p:spPr>
+        <p:style>
+          <a:lnRef idx="1">
+            <a:schemeClr val="accent1"/>
+          </a:lnRef>
+          <a:fillRef idx="0">
+            <a:schemeClr val="accent1"/>
+          </a:fillRef>
+          <a:effectRef idx="0">
+            <a:schemeClr val="accent1"/>
+          </a:effectRef>
+          <a:fontRef idx="minor">
+            <a:schemeClr val="tx1"/>
+          </a:fontRef>
+        </p:style>
+      </p:cxnSp>
+      <p:cxnSp>
+        <p:nvCxnSpPr>
+          <p:cNvPr id="31" name="曲线连接符 30"/>
+          <p:cNvCxnSpPr/>
+          <p:nvPr/>
+        </p:nvCxnSpPr>
+        <p:spPr>
+          <a:xfrm rot="16200000" flipH="1">
+            <a:off x="7021672" y="4454438"/>
+            <a:ext cx="72000" cy="2592000"/>
+          </a:xfrm>
+          <a:prstGeom prst="curvedConnector3">
+            <a:avLst>
+              <a:gd name="adj1" fmla="val -1723790"/>
+            </a:avLst>
+          </a:prstGeom>
+          <a:ln w="28575" cmpd="sng">
+            <a:solidFill>
+              <a:schemeClr val="accent2"/>
+            </a:solidFill>
+            <a:prstDash val="solid"/>
+            <a:tailEnd type="arrow"/>
+          </a:ln>
+          <a:scene3d>
+            <a:camera prst="orthographicFront">
+              <a:rot lat="0" lon="0" rev="7200000"/>
+            </a:camera>
+            <a:lightRig rig="threePt" dir="t"/>
+          </a:scene3d>
+        </p:spPr>
+        <p:style>
+          <a:lnRef idx="1">
+            <a:schemeClr val="accent1"/>
+          </a:lnRef>
+          <a:fillRef idx="0">
+            <a:schemeClr val="accent1"/>
+          </a:fillRef>
+          <a:effectRef idx="0">
+            <a:schemeClr val="accent1"/>
+          </a:effectRef>
+          <a:fontRef idx="minor">
+            <a:schemeClr val="tx1"/>
+          </a:fontRef>
+        </p:style>
+      </p:cxnSp>
+      <p:cxnSp>
+        <p:nvCxnSpPr>
+          <p:cNvPr id="33" name="曲线连接符 32"/>
+          <p:cNvCxnSpPr/>
+          <p:nvPr/>
+        </p:nvCxnSpPr>
+        <p:spPr>
+          <a:xfrm rot="16200000" flipH="1">
+            <a:off x="10013607" y="4470108"/>
+            <a:ext cx="78740" cy="2607259"/>
+          </a:xfrm>
+          <a:prstGeom prst="curvedConnector3">
+            <a:avLst>
+              <a:gd name="adj1" fmla="val -1723790"/>
+            </a:avLst>
+          </a:prstGeom>
+          <a:ln w="28575" cmpd="sng">
+            <a:solidFill>
+              <a:schemeClr val="accent2"/>
+            </a:solidFill>
+            <a:prstDash val="solid"/>
+            <a:tailEnd type="arrow"/>
+          </a:ln>
+          <a:scene3d>
+            <a:camera prst="orthographicFront">
+              <a:rot lat="0" lon="0" rev="14400000"/>
+            </a:camera>
+            <a:lightRig rig="threePt" dir="t"/>
+          </a:scene3d>
+        </p:spPr>
+        <p:style>
+          <a:lnRef idx="1">
+            <a:schemeClr val="accent1"/>
+          </a:lnRef>
+          <a:fillRef idx="0">
+            <a:schemeClr val="accent1"/>
+          </a:fillRef>
+          <a:effectRef idx="0">
+            <a:schemeClr val="accent1"/>
+          </a:effectRef>
+          <a:fontRef idx="minor">
+            <a:schemeClr val="tx1"/>
+          </a:fontRef>
+        </p:style>
+      </p:cxnSp>
+      <p:cxnSp>
+        <p:nvCxnSpPr>
+          <p:cNvPr id="34" name="曲线连接符 33"/>
+          <p:cNvCxnSpPr>
+            <a:stCxn id="2" idx="7"/>
+            <a:endCxn id="4" idx="1"/>
+          </p:cNvCxnSpPr>
+          <p:nvPr/>
+        </p:nvCxnSpPr>
+        <p:spPr>
+          <a:xfrm rot="16200000">
+            <a:off x="4978718" y="2698433"/>
+            <a:ext cx="3175" cy="1105535"/>
+          </a:xfrm>
+          <a:prstGeom prst="curvedConnector3">
+            <a:avLst>
+              <a:gd name="adj1" fmla="val 10040000"/>
+            </a:avLst>
+          </a:prstGeom>
+          <a:ln w="28575" cmpd="sng">
+            <a:solidFill>
+              <a:schemeClr val="accent1"/>
+            </a:solidFill>
+            <a:prstDash val="solid"/>
+            <a:tailEnd type="arrow"/>
+          </a:ln>
+        </p:spPr>
+        <p:style>
+          <a:lnRef idx="1">
+            <a:schemeClr val="accent1"/>
+          </a:lnRef>
+          <a:fillRef idx="0">
+            <a:schemeClr val="accent1"/>
+          </a:fillRef>
+          <a:effectRef idx="0">
+            <a:schemeClr val="accent1"/>
+          </a:effectRef>
+          <a:fontRef idx="minor">
+            <a:schemeClr val="tx1"/>
+          </a:fontRef>
+        </p:style>
+      </p:cxnSp>
+      <p:cxnSp>
+        <p:nvCxnSpPr>
+          <p:cNvPr id="37" name="曲线连接符 36"/>
+          <p:cNvCxnSpPr>
+            <a:stCxn id="4" idx="7"/>
+            <a:endCxn id="5" idx="1"/>
+          </p:cNvCxnSpPr>
+          <p:nvPr/>
+        </p:nvCxnSpPr>
+        <p:spPr>
+          <a:xfrm rot="16200000">
+            <a:off x="6432233" y="2732723"/>
+            <a:ext cx="3175" cy="1036955"/>
+          </a:xfrm>
+          <a:prstGeom prst="curvedConnector3">
+            <a:avLst>
+              <a:gd name="adj1" fmla="val 10040000"/>
+            </a:avLst>
+          </a:prstGeom>
+          <a:ln w="28575" cmpd="sng">
+            <a:solidFill>
+              <a:schemeClr val="accent1"/>
+            </a:solidFill>
+            <a:prstDash val="solid"/>
+            <a:tailEnd type="arrow"/>
+          </a:ln>
+        </p:spPr>
+        <p:style>
+          <a:lnRef idx="1">
+            <a:schemeClr val="accent1"/>
+          </a:lnRef>
+          <a:fillRef idx="0">
+            <a:schemeClr val="accent1"/>
+          </a:fillRef>
+          <a:effectRef idx="0">
+            <a:schemeClr val="accent1"/>
+          </a:effectRef>
+          <a:fontRef idx="minor">
+            <a:schemeClr val="tx1"/>
+          </a:fontRef>
+        </p:style>
+      </p:cxnSp>
+      <p:cxnSp>
+        <p:nvCxnSpPr>
+          <p:cNvPr id="38" name="曲线连接符 37"/>
+          <p:cNvCxnSpPr>
+            <a:stCxn id="5" idx="7"/>
+            <a:endCxn id="7" idx="2"/>
+          </p:cNvCxnSpPr>
+          <p:nvPr/>
+        </p:nvCxnSpPr>
+        <p:spPr>
+          <a:xfrm rot="16200000">
+            <a:off x="7466965" y="2426335"/>
+            <a:ext cx="690880" cy="958850"/>
+          </a:xfrm>
+          <a:prstGeom prst="curvedConnector2">
+            <a:avLst/>
+          </a:prstGeom>
+          <a:ln w="28575" cmpd="sng">
+            <a:solidFill>
+              <a:schemeClr val="accent1"/>
+            </a:solidFill>
+            <a:prstDash val="solid"/>
+            <a:tailEnd type="arrow"/>
+          </a:ln>
+        </p:spPr>
+        <p:style>
+          <a:lnRef idx="1">
+            <a:schemeClr val="accent1"/>
+          </a:lnRef>
+          <a:fillRef idx="0">
+            <a:schemeClr val="accent1"/>
+          </a:fillRef>
+          <a:effectRef idx="0">
+            <a:schemeClr val="accent1"/>
+          </a:effectRef>
+          <a:fontRef idx="minor">
+            <a:schemeClr val="tx1"/>
+          </a:fontRef>
+        </p:style>
+      </p:cxnSp>
+      <p:cxnSp>
+        <p:nvCxnSpPr>
+          <p:cNvPr id="39" name="曲线连接符 38"/>
+          <p:cNvCxnSpPr/>
+          <p:nvPr/>
+        </p:nvCxnSpPr>
+        <p:spPr>
+          <a:xfrm>
+            <a:off x="8759825" y="2560320"/>
+            <a:ext cx="958850" cy="690880"/>
+          </a:xfrm>
+          <a:prstGeom prst="curvedConnector2">
+            <a:avLst/>
+          </a:prstGeom>
+          <a:ln w="28575" cmpd="sng">
+            <a:solidFill>
+              <a:schemeClr val="accent1"/>
+            </a:solidFill>
+            <a:prstDash val="solid"/>
+            <a:tailEnd type="arrow"/>
+          </a:ln>
+        </p:spPr>
+        <p:style>
+          <a:lnRef idx="1">
+            <a:schemeClr val="accent1"/>
+          </a:lnRef>
+          <a:fillRef idx="0">
+            <a:schemeClr val="accent1"/>
+          </a:fillRef>
+          <a:effectRef idx="0">
+            <a:schemeClr val="accent1"/>
+          </a:effectRef>
+          <a:fontRef idx="minor">
+            <a:schemeClr val="tx1"/>
+          </a:fontRef>
+        </p:style>
+      </p:cxnSp>
+      <p:cxnSp>
+        <p:nvCxnSpPr>
+          <p:cNvPr id="43" name="曲线连接符 42"/>
+          <p:cNvCxnSpPr/>
+          <p:nvPr/>
+        </p:nvCxnSpPr>
+        <p:spPr>
+          <a:xfrm rot="5400000">
+            <a:off x="9008110" y="4957445"/>
+            <a:ext cx="610870" cy="1107440"/>
+          </a:xfrm>
+          <a:prstGeom prst="curvedConnector2">
+            <a:avLst/>
+          </a:prstGeom>
+          <a:ln w="28575" cmpd="sng">
+            <a:solidFill>
+              <a:schemeClr val="accent1"/>
+            </a:solidFill>
+            <a:prstDash val="solid"/>
+            <a:tailEnd type="arrow"/>
+          </a:ln>
+        </p:spPr>
+        <p:style>
+          <a:lnRef idx="1">
+            <a:schemeClr val="accent1"/>
+          </a:lnRef>
+          <a:fillRef idx="0">
+            <a:schemeClr val="accent1"/>
+          </a:fillRef>
+          <a:effectRef idx="0">
+            <a:schemeClr val="accent1"/>
+          </a:effectRef>
+          <a:fontRef idx="minor">
+            <a:schemeClr val="tx1"/>
+          </a:fontRef>
+        </p:style>
+      </p:cxnSp>
+      <p:cxnSp>
+        <p:nvCxnSpPr>
+          <p:cNvPr id="44" name="曲线连接符 43"/>
+          <p:cNvCxnSpPr>
+            <a:stCxn id="9" idx="6"/>
+            <a:endCxn id="10" idx="6"/>
+          </p:cNvCxnSpPr>
+          <p:nvPr/>
+        </p:nvCxnSpPr>
+        <p:spPr>
+          <a:xfrm>
+            <a:off x="10251440" y="3442335"/>
+            <a:ext cx="3175" cy="1450975"/>
+          </a:xfrm>
+          <a:prstGeom prst="curvedConnector3">
+            <a:avLst>
+              <a:gd name="adj1" fmla="val 7500000"/>
+            </a:avLst>
+          </a:prstGeom>
+          <a:ln w="28575" cmpd="sng">
+            <a:solidFill>
+              <a:schemeClr val="accent1"/>
+            </a:solidFill>
+            <a:prstDash val="solid"/>
+            <a:tailEnd type="arrow"/>
+          </a:ln>
+        </p:spPr>
+        <p:style>
+          <a:lnRef idx="1">
+            <a:schemeClr val="accent1"/>
+          </a:lnRef>
+          <a:fillRef idx="0">
+            <a:schemeClr val="accent1"/>
+          </a:fillRef>
+          <a:effectRef idx="0">
+            <a:schemeClr val="accent1"/>
+          </a:effectRef>
+          <a:fontRef idx="minor">
+            <a:schemeClr val="tx1"/>
+          </a:fontRef>
+        </p:style>
+      </p:cxnSp>
+      <p:cxnSp>
+        <p:nvCxnSpPr>
+          <p:cNvPr id="46" name="曲线连接符 45"/>
+          <p:cNvCxnSpPr/>
+          <p:nvPr/>
+        </p:nvCxnSpPr>
+        <p:spPr>
+          <a:xfrm rot="16200000" flipH="1">
+            <a:off x="8649335" y="1772920"/>
+            <a:ext cx="78740" cy="2715895"/>
+          </a:xfrm>
+          <a:prstGeom prst="curvedConnector3">
+            <a:avLst>
+              <a:gd name="adj1" fmla="val -1723790"/>
+            </a:avLst>
+          </a:prstGeom>
+          <a:ln w="28575" cmpd="sng">
+            <a:solidFill>
+              <a:schemeClr val="accent2"/>
+            </a:solidFill>
+            <a:prstDash val="solid"/>
+            <a:tailEnd type="arrow"/>
+          </a:ln>
+        </p:spPr>
+        <p:style>
+          <a:lnRef idx="1">
+            <a:schemeClr val="accent1"/>
+          </a:lnRef>
+          <a:fillRef idx="0">
+            <a:schemeClr val="accent1"/>
+          </a:fillRef>
+          <a:effectRef idx="0">
+            <a:schemeClr val="accent1"/>
+          </a:effectRef>
+          <a:fontRef idx="minor">
+            <a:schemeClr val="tx1"/>
+          </a:fontRef>
+        </p:style>
+      </p:cxnSp>
+      <p:cxnSp>
+        <p:nvCxnSpPr>
+          <p:cNvPr id="47" name="曲线连接符 46"/>
+          <p:cNvCxnSpPr/>
+          <p:nvPr/>
+        </p:nvCxnSpPr>
+        <p:spPr>
+          <a:xfrm rot="16200000" flipH="1">
+            <a:off x="9925342" y="4597108"/>
+            <a:ext cx="78740" cy="2607259"/>
+          </a:xfrm>
+          <a:prstGeom prst="curvedConnector3">
+            <a:avLst>
+              <a:gd name="adj1" fmla="val -1723790"/>
+            </a:avLst>
+          </a:prstGeom>
+          <a:ln w="28575" cmpd="sng">
+            <a:solidFill>
+              <a:schemeClr val="accent2"/>
+            </a:solidFill>
+            <a:prstDash val="solid"/>
+            <a:tailEnd type="arrow"/>
+          </a:ln>
+          <a:scene3d>
+            <a:camera prst="orthographicFront">
+              <a:rot lat="0" lon="0" rev="14400000"/>
+            </a:camera>
+            <a:lightRig rig="threePt" dir="t"/>
+          </a:scene3d>
+        </p:spPr>
+        <p:style>
+          <a:lnRef idx="1">
+            <a:schemeClr val="accent1"/>
+          </a:lnRef>
+          <a:fillRef idx="0">
+            <a:schemeClr val="accent1"/>
+          </a:fillRef>
+          <a:effectRef idx="0">
+            <a:schemeClr val="accent1"/>
+          </a:effectRef>
+          <a:fontRef idx="minor">
+            <a:schemeClr val="tx1"/>
+          </a:fontRef>
+        </p:style>
+      </p:cxnSp>
+      <p:cxnSp>
+        <p:nvCxnSpPr>
+          <p:cNvPr id="6" name="曲线连接符 5"/>
+          <p:cNvCxnSpPr/>
+          <p:nvPr/>
+        </p:nvCxnSpPr>
+        <p:spPr>
+          <a:xfrm rot="16200000" flipH="1">
+            <a:off x="7148672" y="4581438"/>
+            <a:ext cx="72000" cy="2592000"/>
+          </a:xfrm>
+          <a:prstGeom prst="curvedConnector3">
+            <a:avLst>
+              <a:gd name="adj1" fmla="val -1723790"/>
+            </a:avLst>
+          </a:prstGeom>
+          <a:ln w="28575" cmpd="sng">
+            <a:solidFill>
+              <a:schemeClr val="accent2"/>
+            </a:solidFill>
+            <a:prstDash val="solid"/>
+            <a:tailEnd type="arrow"/>
+          </a:ln>
+          <a:scene3d>
+            <a:camera prst="orthographicFront">
+              <a:rot lat="0" lon="0" rev="7200000"/>
+            </a:camera>
+            <a:lightRig rig="threePt" dir="t"/>
+          </a:scene3d>
+        </p:spPr>
+        <p:style>
+          <a:lnRef idx="1">
+            <a:schemeClr val="accent1"/>
+          </a:lnRef>
+          <a:fillRef idx="0">
+            <a:schemeClr val="accent1"/>
+          </a:fillRef>
+          <a:effectRef idx="0">
+            <a:schemeClr val="accent1"/>
+          </a:effectRef>
+          <a:fontRef idx="minor">
+            <a:schemeClr val="tx1"/>
+          </a:fontRef>
+        </p:style>
+      </p:cxnSp>
+      <p:cxnSp>
+        <p:nvCxnSpPr>
+          <p:cNvPr id="8" name="曲线连接符 7"/>
+          <p:cNvCxnSpPr/>
+          <p:nvPr/>
+        </p:nvCxnSpPr>
+        <p:spPr>
+          <a:xfrm rot="10800000">
+            <a:off x="6743700" y="3500120"/>
+            <a:ext cx="3175" cy="1450975"/>
+          </a:xfrm>
+          <a:prstGeom prst="curvedConnector3">
+            <a:avLst>
+              <a:gd name="adj1" fmla="val 7600000"/>
+            </a:avLst>
+          </a:prstGeom>
+          <a:ln w="28575" cmpd="sng">
+            <a:solidFill>
+              <a:schemeClr val="accent1"/>
+            </a:solidFill>
+            <a:prstDash val="solid"/>
+            <a:tailEnd type="arrow" w="med" len="med"/>
+          </a:ln>
+        </p:spPr>
+        <p:style>
+          <a:lnRef idx="1">
+            <a:schemeClr val="accent6"/>
+          </a:lnRef>
+          <a:fillRef idx="0">
+            <a:schemeClr val="accent6"/>
+          </a:fillRef>
+          <a:effectRef idx="0">
+            <a:schemeClr val="accent6"/>
+          </a:effectRef>
+          <a:fontRef idx="minor">
+            <a:schemeClr val="tx1"/>
+          </a:fontRef>
+        </p:style>
+      </p:cxnSp>
+      <p:cxnSp>
+        <p:nvCxnSpPr>
+          <p:cNvPr id="13" name="曲线连接符 12"/>
+          <p:cNvCxnSpPr/>
+          <p:nvPr/>
+        </p:nvCxnSpPr>
+        <p:spPr>
+          <a:xfrm rot="10800000">
+            <a:off x="7133590" y="5250815"/>
+            <a:ext cx="1001395" cy="689610"/>
+          </a:xfrm>
+          <a:prstGeom prst="curvedConnector2">
+            <a:avLst/>
+          </a:prstGeom>
+          <a:ln w="28575" cmpd="sng">
+            <a:solidFill>
+              <a:schemeClr val="accent1"/>
+            </a:solidFill>
+            <a:prstDash val="solid"/>
+            <a:tailEnd type="arrow"/>
+          </a:ln>
+        </p:spPr>
+        <p:style>
+          <a:lnRef idx="1">
+            <a:schemeClr val="accent1"/>
+          </a:lnRef>
+          <a:fillRef idx="0">
+            <a:schemeClr val="accent1"/>
+          </a:fillRef>
+          <a:effectRef idx="0">
+            <a:schemeClr val="accent1"/>
+          </a:effectRef>
+          <a:fontRef idx="minor">
+            <a:schemeClr val="tx1"/>
+          </a:fontRef>
+        </p:style>
+      </p:cxnSp>
+      <p:sp>
+        <p:nvSpPr>
+          <p:cNvPr id="14" name="文本框 13"/>
+          <p:cNvSpPr txBox="1"/>
+          <p:nvPr/>
+        </p:nvSpPr>
+        <p:spPr>
+          <a:xfrm>
+            <a:off x="578486" y="419100"/>
+            <a:ext cx="3787775" cy="706755"/>
+          </a:xfrm>
+          <a:prstGeom prst="rect">
+            <a:avLst/>
+          </a:prstGeom>
+          <a:noFill/>
+        </p:spPr>
+        <p:txBody>
+          <a:bodyPr wrap="none" rtlCol="0">
+            <a:spAutoFit/>
+          </a:bodyPr>
+          <a:p>
+            <a:pPr algn="ctr"/>
+            <a:r>
+              <a:rPr lang="en-US" altLang="zh-CN" sz="4000" b="1">
+                <a:solidFill>
+                  <a:schemeClr val="bg1"/>
+                </a:solidFill>
+                <a:sym typeface="+mn-ea"/>
+              </a:rPr>
+              <a:t>142. </a:t>
+            </a:r>
+            <a:r>
+              <a:rPr lang="zh-CN" altLang="en-US" sz="4000" b="1">
+                <a:solidFill>
+                  <a:schemeClr val="bg1"/>
+                </a:solidFill>
+                <a:sym typeface="+mn-ea"/>
+              </a:rPr>
+              <a:t>环型链表 II</a:t>
+            </a:r>
+            <a:endParaRPr lang="zh-CN" altLang="en-US" sz="4000" b="1">
+              <a:solidFill>
+                <a:schemeClr val="bg1"/>
+              </a:solidFill>
+              <a:sym typeface="+mn-ea"/>
+            </a:endParaRPr>
+          </a:p>
+        </p:txBody>
+      </p:sp>
+      <p:sp>
+        <p:nvSpPr>
+          <p:cNvPr id="23" name="文本框 22"/>
+          <p:cNvSpPr txBox="1"/>
+          <p:nvPr/>
+        </p:nvSpPr>
+        <p:spPr>
+          <a:xfrm>
+            <a:off x="578485" y="1197610"/>
+            <a:ext cx="8263255" cy="368300"/>
+          </a:xfrm>
+          <a:prstGeom prst="rect">
+            <a:avLst/>
+          </a:prstGeom>
+          <a:noFill/>
+        </p:spPr>
+        <p:txBody>
+          <a:bodyPr wrap="none" rtlCol="0">
+            <a:spAutoFit/>
+          </a:bodyPr>
+          <a:p>
+            <a:pPr algn="l"/>
+            <a:r>
+              <a:rPr lang="zh-CN" altLang="en-US" b="1">
+                <a:solidFill>
+                  <a:schemeClr val="bg1"/>
+                </a:solidFill>
+              </a:rPr>
+              <a:t>给定一个链表，返回链表开始入环的第一个节点。 如果链表无环，则返回 null。</a:t>
+            </a:r>
+            <a:endParaRPr lang="zh-CN" altLang="en-US" b="1">
+              <a:solidFill>
+                <a:schemeClr val="bg1"/>
+              </a:solidFill>
+            </a:endParaRPr>
+          </a:p>
+        </p:txBody>
+      </p:sp>
+      <p:sp>
+        <p:nvSpPr>
+          <p:cNvPr id="24" name="文本框 23"/>
+          <p:cNvSpPr txBox="1"/>
+          <p:nvPr/>
+        </p:nvSpPr>
+        <p:spPr>
+          <a:xfrm>
+            <a:off x="4748530" y="2558415"/>
+            <a:ext cx="458470" cy="368300"/>
+          </a:xfrm>
+          <a:prstGeom prst="rect">
+            <a:avLst/>
+          </a:prstGeom>
+          <a:noFill/>
+        </p:spPr>
+        <p:txBody>
+          <a:bodyPr wrap="square" rtlCol="0">
+            <a:spAutoFit/>
+          </a:bodyPr>
+          <a:p>
+            <a:pPr algn="ctr"/>
+            <a:r>
+              <a:rPr lang="en-US" altLang="zh-CN" b="1">
+                <a:solidFill>
+                  <a:schemeClr val="bg1"/>
+                </a:solidFill>
+              </a:rPr>
+              <a:t>1</a:t>
+            </a:r>
+            <a:endParaRPr lang="en-US" altLang="zh-CN" b="1">
+              <a:solidFill>
+                <a:schemeClr val="bg1"/>
+              </a:solidFill>
+            </a:endParaRPr>
+          </a:p>
+        </p:txBody>
+      </p:sp>
+      <p:sp>
+        <p:nvSpPr>
+          <p:cNvPr id="25" name="文本框 24"/>
+          <p:cNvSpPr txBox="1"/>
+          <p:nvPr/>
+        </p:nvSpPr>
+        <p:spPr>
+          <a:xfrm>
+            <a:off x="9460865" y="5566410"/>
+            <a:ext cx="458470" cy="368300"/>
+          </a:xfrm>
+          <a:prstGeom prst="rect">
+            <a:avLst/>
+          </a:prstGeom>
+          <a:noFill/>
+        </p:spPr>
+        <p:txBody>
+          <a:bodyPr wrap="square" rtlCol="0">
+            <a:spAutoFit/>
+          </a:bodyPr>
+          <a:p>
+            <a:pPr algn="ctr"/>
+            <a:r>
+              <a:rPr lang="en-US" altLang="zh-CN" b="1">
+                <a:solidFill>
+                  <a:schemeClr val="bg1"/>
+                </a:solidFill>
+              </a:rPr>
+              <a:t>6</a:t>
+            </a:r>
+            <a:endParaRPr lang="en-US" altLang="zh-CN" b="1">
+              <a:solidFill>
+                <a:schemeClr val="bg1"/>
+              </a:solidFill>
+            </a:endParaRPr>
+          </a:p>
+        </p:txBody>
+      </p:sp>
+      <p:sp>
+        <p:nvSpPr>
+          <p:cNvPr id="26" name="文本框 25"/>
+          <p:cNvSpPr txBox="1"/>
+          <p:nvPr/>
+        </p:nvSpPr>
+        <p:spPr>
+          <a:xfrm>
+            <a:off x="10454005" y="3931285"/>
+            <a:ext cx="458470" cy="368300"/>
+          </a:xfrm>
+          <a:prstGeom prst="rect">
+            <a:avLst/>
+          </a:prstGeom>
+          <a:noFill/>
+        </p:spPr>
+        <p:txBody>
+          <a:bodyPr wrap="square" rtlCol="0">
+            <a:spAutoFit/>
+          </a:bodyPr>
+          <a:p>
+            <a:pPr algn="ctr"/>
+            <a:r>
+              <a:rPr lang="en-US" altLang="zh-CN" b="1">
+                <a:solidFill>
+                  <a:schemeClr val="bg1"/>
+                </a:solidFill>
+              </a:rPr>
+              <a:t>5</a:t>
+            </a:r>
+            <a:endParaRPr lang="en-US" altLang="zh-CN" b="1">
+              <a:solidFill>
+                <a:schemeClr val="bg1"/>
+              </a:solidFill>
+            </a:endParaRPr>
+          </a:p>
+        </p:txBody>
+      </p:sp>
+      <p:sp>
+        <p:nvSpPr>
+          <p:cNvPr id="28" name="文本框 27"/>
+          <p:cNvSpPr txBox="1"/>
+          <p:nvPr/>
+        </p:nvSpPr>
+        <p:spPr>
+          <a:xfrm>
+            <a:off x="9152890" y="2376170"/>
+            <a:ext cx="458470" cy="368300"/>
+          </a:xfrm>
+          <a:prstGeom prst="rect">
+            <a:avLst/>
+          </a:prstGeom>
+          <a:noFill/>
+        </p:spPr>
+        <p:txBody>
+          <a:bodyPr wrap="square" rtlCol="0">
+            <a:spAutoFit/>
+          </a:bodyPr>
+          <a:p>
+            <a:pPr algn="ctr"/>
+            <a:r>
+              <a:rPr lang="en-US" altLang="zh-CN" b="1">
+                <a:solidFill>
+                  <a:schemeClr val="bg1"/>
+                </a:solidFill>
+              </a:rPr>
+              <a:t>4</a:t>
+            </a:r>
+            <a:endParaRPr lang="en-US" altLang="zh-CN" b="1">
+              <a:solidFill>
+                <a:schemeClr val="bg1"/>
+              </a:solidFill>
+            </a:endParaRPr>
+          </a:p>
+        </p:txBody>
+      </p:sp>
+      <p:sp>
+        <p:nvSpPr>
+          <p:cNvPr id="30" name="文本框 29"/>
+          <p:cNvSpPr txBox="1"/>
+          <p:nvPr/>
+        </p:nvSpPr>
+        <p:spPr>
+          <a:xfrm>
+            <a:off x="7301865" y="2447925"/>
+            <a:ext cx="458470" cy="368300"/>
+          </a:xfrm>
+          <a:prstGeom prst="rect">
+            <a:avLst/>
+          </a:prstGeom>
+          <a:noFill/>
+        </p:spPr>
+        <p:txBody>
+          <a:bodyPr wrap="square" rtlCol="0">
+            <a:spAutoFit/>
+          </a:bodyPr>
+          <a:p>
+            <a:pPr algn="ctr"/>
+            <a:r>
+              <a:rPr lang="en-US" altLang="zh-CN" b="1">
+                <a:solidFill>
+                  <a:schemeClr val="bg1"/>
+                </a:solidFill>
+              </a:rPr>
+              <a:t>3</a:t>
+            </a:r>
+            <a:endParaRPr lang="en-US" altLang="zh-CN" b="1">
+              <a:solidFill>
+                <a:schemeClr val="bg1"/>
+              </a:solidFill>
+            </a:endParaRPr>
+          </a:p>
+        </p:txBody>
+      </p:sp>
+      <p:sp>
+        <p:nvSpPr>
+          <p:cNvPr id="32" name="文本框 31"/>
+          <p:cNvSpPr txBox="1"/>
+          <p:nvPr/>
+        </p:nvSpPr>
+        <p:spPr>
+          <a:xfrm>
+            <a:off x="6131560" y="2559685"/>
+            <a:ext cx="458470" cy="368300"/>
+          </a:xfrm>
+          <a:prstGeom prst="rect">
+            <a:avLst/>
+          </a:prstGeom>
+          <a:noFill/>
+        </p:spPr>
+        <p:txBody>
+          <a:bodyPr wrap="square" rtlCol="0">
+            <a:spAutoFit/>
+          </a:bodyPr>
+          <a:p>
+            <a:pPr algn="ctr"/>
+            <a:r>
+              <a:rPr lang="en-US" altLang="zh-CN" b="1">
+                <a:solidFill>
+                  <a:schemeClr val="bg1"/>
+                </a:solidFill>
+              </a:rPr>
+              <a:t>2</a:t>
+            </a:r>
+            <a:endParaRPr lang="en-US" altLang="zh-CN" b="1">
+              <a:solidFill>
+                <a:schemeClr val="bg1"/>
+              </a:solidFill>
+            </a:endParaRPr>
+          </a:p>
+        </p:txBody>
+      </p:sp>
+      <p:sp>
+        <p:nvSpPr>
+          <p:cNvPr id="36" name="文本框 35"/>
+          <p:cNvSpPr txBox="1"/>
+          <p:nvPr/>
+        </p:nvSpPr>
+        <p:spPr>
+          <a:xfrm>
+            <a:off x="6088380" y="4023360"/>
+            <a:ext cx="458470" cy="368300"/>
+          </a:xfrm>
+          <a:prstGeom prst="rect">
+            <a:avLst/>
+          </a:prstGeom>
+          <a:noFill/>
+        </p:spPr>
+        <p:txBody>
+          <a:bodyPr wrap="square" rtlCol="0">
+            <a:spAutoFit/>
+          </a:bodyPr>
+          <a:p>
+            <a:pPr algn="ctr"/>
+            <a:r>
+              <a:rPr lang="en-US" altLang="zh-CN" b="1">
+                <a:solidFill>
+                  <a:schemeClr val="bg1"/>
+                </a:solidFill>
+              </a:rPr>
+              <a:t>2</a:t>
+            </a:r>
+            <a:endParaRPr lang="en-US" altLang="zh-CN" b="1">
+              <a:solidFill>
+                <a:schemeClr val="bg1"/>
+              </a:solidFill>
+            </a:endParaRPr>
+          </a:p>
+        </p:txBody>
+      </p:sp>
+      <p:sp>
+        <p:nvSpPr>
+          <p:cNvPr id="40" name="文本框 39"/>
+          <p:cNvSpPr txBox="1"/>
+          <p:nvPr/>
+        </p:nvSpPr>
+        <p:spPr>
+          <a:xfrm>
+            <a:off x="7087870" y="5621655"/>
+            <a:ext cx="458470" cy="368300"/>
+          </a:xfrm>
+          <a:prstGeom prst="rect">
+            <a:avLst/>
+          </a:prstGeom>
+          <a:noFill/>
+        </p:spPr>
+        <p:txBody>
+          <a:bodyPr wrap="square" rtlCol="0">
+            <a:spAutoFit/>
+          </a:bodyPr>
+          <a:p>
+            <a:pPr algn="ctr"/>
+            <a:r>
+              <a:rPr lang="en-US" altLang="zh-CN" b="1">
+                <a:solidFill>
+                  <a:schemeClr val="bg1"/>
+                </a:solidFill>
+              </a:rPr>
+              <a:t>1</a:t>
+            </a:r>
+            <a:endParaRPr lang="en-US" altLang="zh-CN" b="1">
+              <a:solidFill>
+                <a:schemeClr val="bg1"/>
+              </a:solidFill>
+            </a:endParaRPr>
+          </a:p>
+        </p:txBody>
+      </p:sp>
+      <p:sp>
+        <p:nvSpPr>
+          <p:cNvPr id="41" name="文本框 40"/>
+          <p:cNvSpPr txBox="1"/>
+          <p:nvPr/>
+        </p:nvSpPr>
+        <p:spPr>
+          <a:xfrm>
+            <a:off x="578485" y="1892935"/>
+            <a:ext cx="3662045" cy="1476375"/>
+          </a:xfrm>
+          <a:prstGeom prst="rect">
+            <a:avLst/>
+          </a:prstGeom>
+          <a:noFill/>
+        </p:spPr>
+        <p:txBody>
+          <a:bodyPr wrap="none" rtlCol="0">
+            <a:spAutoFit/>
+          </a:bodyPr>
+          <a:p>
+            <a:pPr algn="l"/>
+            <a:r>
+              <a:rPr lang="zh-CN" altLang="en-US" b="1">
+                <a:solidFill>
+                  <a:schemeClr val="bg1"/>
+                </a:solidFill>
+              </a:rPr>
+              <a:t>解法：</a:t>
+            </a:r>
+            <a:endParaRPr lang="en-US" altLang="zh-CN" b="1">
+              <a:solidFill>
+                <a:schemeClr val="bg1"/>
+              </a:solidFill>
+            </a:endParaRPr>
+          </a:p>
+          <a:p>
+            <a:pPr algn="l"/>
+            <a:r>
+              <a:rPr lang="en-US" altLang="zh-CN" b="1">
+                <a:solidFill>
+                  <a:schemeClr val="bg1"/>
+                </a:solidFill>
+              </a:rPr>
+              <a:t>1.</a:t>
+            </a:r>
+            <a:r>
+              <a:rPr lang="zh-CN" altLang="en-US" b="1">
+                <a:solidFill>
+                  <a:schemeClr val="bg1"/>
+                </a:solidFill>
+              </a:rPr>
+              <a:t>把环外节点依次合并到环内</a:t>
+            </a:r>
+            <a:endParaRPr lang="zh-CN" altLang="en-US" b="1">
+              <a:solidFill>
+                <a:schemeClr val="bg1"/>
+              </a:solidFill>
+            </a:endParaRPr>
+          </a:p>
+          <a:p>
+            <a:pPr algn="l"/>
+            <a:r>
+              <a:rPr lang="en-US" altLang="zh-CN" b="1">
+                <a:solidFill>
+                  <a:schemeClr val="bg1"/>
+                </a:solidFill>
+              </a:rPr>
+              <a:t>2.</a:t>
+            </a:r>
+            <a:r>
+              <a:rPr lang="zh-CN" altLang="en-US" b="1">
+                <a:solidFill>
+                  <a:schemeClr val="bg1"/>
+                </a:solidFill>
+              </a:rPr>
+              <a:t>快慢指针相遇的节点和</a:t>
+            </a:r>
+            <a:r>
+              <a:rPr lang="en-US" altLang="zh-CN" b="1">
+                <a:solidFill>
+                  <a:schemeClr val="bg1"/>
+                </a:solidFill>
+              </a:rPr>
+              <a:t>head</a:t>
+            </a:r>
+            <a:r>
+              <a:rPr lang="zh-CN" altLang="en-US" b="1">
+                <a:solidFill>
+                  <a:schemeClr val="bg1"/>
+                </a:solidFill>
+              </a:rPr>
+              <a:t>重叠</a:t>
+            </a:r>
+            <a:endParaRPr lang="zh-CN" altLang="en-US" b="1">
+              <a:solidFill>
+                <a:schemeClr val="bg1"/>
+              </a:solidFill>
+            </a:endParaRPr>
+          </a:p>
+          <a:p>
+            <a:pPr algn="l"/>
+            <a:r>
+              <a:rPr lang="en-US" altLang="zh-CN" b="1">
+                <a:solidFill>
+                  <a:schemeClr val="bg1"/>
+                </a:solidFill>
+              </a:rPr>
+              <a:t>3.</a:t>
+            </a:r>
+            <a:r>
+              <a:rPr lang="zh-CN" altLang="en-US" b="1">
+                <a:solidFill>
+                  <a:schemeClr val="bg1"/>
+                </a:solidFill>
+              </a:rPr>
+              <a:t>重叠节点到入环节点距离一样</a:t>
+            </a:r>
+            <a:endParaRPr lang="zh-CN" altLang="en-US" b="1">
+              <a:solidFill>
+                <a:schemeClr val="bg1"/>
+              </a:solidFill>
+            </a:endParaRPr>
+          </a:p>
+          <a:p>
+            <a:pPr algn="l"/>
+            <a:endParaRPr lang="zh-CN" altLang="en-US" b="1">
+              <a:solidFill>
+                <a:schemeClr val="bg1"/>
+              </a:solidFill>
+            </a:endParaRPr>
+          </a:p>
+        </p:txBody>
+      </p:sp>
+      <p:sp>
+        <p:nvSpPr>
+          <p:cNvPr id="48" name="文本框 47"/>
+          <p:cNvSpPr txBox="1"/>
+          <p:nvPr/>
+        </p:nvSpPr>
+        <p:spPr>
+          <a:xfrm>
+            <a:off x="578485" y="4893310"/>
+            <a:ext cx="5455285" cy="1198880"/>
+          </a:xfrm>
+          <a:prstGeom prst="rect">
+            <a:avLst/>
+          </a:prstGeom>
+          <a:noFill/>
+        </p:spPr>
+        <p:txBody>
+          <a:bodyPr wrap="none" rtlCol="0">
+            <a:spAutoFit/>
+          </a:bodyPr>
+          <a:p>
+            <a:pPr algn="l"/>
+            <a:r>
+              <a:rPr lang="zh-CN" altLang="en-US" b="1">
+                <a:solidFill>
+                  <a:schemeClr val="bg1"/>
+                </a:solidFill>
+              </a:rPr>
+              <a:t>因为在一个环内，快指针速度是慢指针的</a:t>
+            </a:r>
+            <a:r>
+              <a:rPr lang="en-US" altLang="zh-CN" b="1">
+                <a:solidFill>
+                  <a:schemeClr val="bg1"/>
+                </a:solidFill>
+              </a:rPr>
+              <a:t>1</a:t>
+            </a:r>
+            <a:r>
+              <a:rPr lang="zh-CN" altLang="en-US" b="1">
+                <a:solidFill>
+                  <a:schemeClr val="bg1"/>
+                </a:solidFill>
+              </a:rPr>
+              <a:t>倍，</a:t>
+            </a:r>
+            <a:endParaRPr lang="zh-CN" altLang="en-US" b="1">
+              <a:solidFill>
+                <a:schemeClr val="bg1"/>
+              </a:solidFill>
+            </a:endParaRPr>
+          </a:p>
+          <a:p>
+            <a:pPr algn="l"/>
+            <a:r>
+              <a:rPr lang="zh-CN" altLang="en-US" b="1">
+                <a:solidFill>
+                  <a:schemeClr val="bg1"/>
+                </a:solidFill>
+              </a:rPr>
+              <a:t>那么两个指针相遇的节点有且只有一个，就是起点。</a:t>
+            </a:r>
+            <a:endParaRPr lang="zh-CN" altLang="en-US" b="1">
+              <a:solidFill>
+                <a:schemeClr val="bg1"/>
+              </a:solidFill>
+            </a:endParaRPr>
+          </a:p>
+          <a:p>
+            <a:pPr algn="l"/>
+            <a:endParaRPr lang="zh-CN" altLang="en-US" b="1">
+              <a:solidFill>
+                <a:schemeClr val="bg1"/>
+              </a:solidFill>
+            </a:endParaRPr>
+          </a:p>
+          <a:p>
+            <a:pPr algn="l"/>
+            <a:r>
+              <a:rPr lang="zh-CN" altLang="en-US" b="1">
+                <a:solidFill>
+                  <a:schemeClr val="bg1"/>
+                </a:solidFill>
+                <a:sym typeface="+mn-ea"/>
+              </a:rPr>
+              <a:t>所以环的</a:t>
+            </a:r>
+            <a:r>
+              <a:rPr lang="en-US" altLang="zh-CN" b="1">
+                <a:solidFill>
+                  <a:schemeClr val="bg1"/>
+                </a:solidFill>
+                <a:sym typeface="+mn-ea"/>
+              </a:rPr>
+              <a:t>head</a:t>
+            </a:r>
+            <a:r>
+              <a:rPr lang="zh-CN" altLang="en-US" b="1">
+                <a:solidFill>
+                  <a:schemeClr val="bg1"/>
+                </a:solidFill>
+                <a:sym typeface="+mn-ea"/>
+              </a:rPr>
+              <a:t>和快慢指针相遇节点位置相同</a:t>
+            </a:r>
+            <a:endParaRPr lang="zh-CN" altLang="en-US" b="1">
+              <a:solidFill>
+                <a:schemeClr val="bg1"/>
+              </a:solidFill>
+            </a:endParaRPr>
+          </a:p>
+        </p:txBody>
+      </p:sp>
+    </p:spTree>
+  </p:cSld>
+  <p:clrMapOvr>
+    <a:masterClrMapping/>
+  </p:clrMapOvr>
+  <p:timing>
+    <p:tnLst>
+      <p:par>
+        <p:cTn id="1" dur="indefinite" restart="never" nodeType="tmRoot">
+          <p:childTnLst>
+            <p:seq concurrent="1" nextAc="seek">
+              <p:cTn id="2" dur="indefinite" nodeType="mainSeq">
+                <p:childTnLst>
+                  <p:par>
+                    <p:cTn id="3" fill="hold">
+                      <p:stCondLst>
+                        <p:cond delay="indefinite"/>
+                      </p:stCondLst>
+                      <p:childTnLst>
+                        <p:par>
+                          <p:cTn id="4" fill="hold">
+                            <p:stCondLst>
+                              <p:cond delay="0"/>
+                            </p:stCondLst>
+                            <p:childTnLst>
+                              <p:par>
+                                <p:cTn id="5" presetID="49" presetClass="path" presetSubtype="0" accel="50000" decel="50000" fill="hold" grpId="0" nodeType="clickEffect">
+                                  <p:stCondLst>
+                                    <p:cond delay="0"/>
+                                  </p:stCondLst>
+                                  <p:childTnLst>
+                                    <p:animMotion origin="layout" path="M -0.005052 -0.001944 L 0.095417 0.218519 " pathEditMode="relative" rAng="0" ptsTypes="">
+                                      <p:cBhvr>
+                                        <p:cTn id="6" dur="2000" fill="hold"/>
+                                        <p:tgtEl>
+                                          <p:spTgt spid="4"/>
+                                        </p:tgtEl>
+                                        <p:attrNameLst>
+                                          <p:attrName>ppt_x</p:attrName>
+                                          <p:attrName>ppt_y</p:attrName>
+                                        </p:attrNameLst>
+                                      </p:cBhvr>
+                                      <p:rCtr x="56" y="116"/>
+                                    </p:animMotion>
+                                  </p:childTnLst>
+                                </p:cTn>
+                              </p:par>
+                            </p:childTnLst>
+                          </p:cTn>
+                        </p:par>
+                        <p:par>
+                          <p:cTn id="7" fill="hold">
+                            <p:stCondLst>
+                              <p:cond delay="2000"/>
+                            </p:stCondLst>
+                            <p:childTnLst>
+                              <p:par>
+                                <p:cTn id="8" presetID="10" presetClass="exit" presetSubtype="0" fill="hold" nodeType="afterEffect">
+                                  <p:stCondLst>
+                                    <p:cond delay="0"/>
+                                  </p:stCondLst>
+                                  <p:childTnLst>
+                                    <p:animEffect transition="out" filter="fade">
+                                      <p:cBhvr>
+                                        <p:cTn id="9" dur="500"/>
+                                        <p:tgtEl>
+                                          <p:spTgt spid="16"/>
+                                        </p:tgtEl>
+                                      </p:cBhvr>
+                                    </p:animEffect>
+                                    <p:set>
+                                      <p:cBhvr>
+                                        <p:cTn id="10" dur="1" fill="hold">
+                                          <p:stCondLst>
+                                            <p:cond delay="499"/>
+                                          </p:stCondLst>
+                                        </p:cTn>
+                                        <p:tgtEl>
+                                          <p:spTgt spid="16"/>
+                                        </p:tgtEl>
+                                        <p:attrNameLst>
+                                          <p:attrName>style.visibility</p:attrName>
+                                        </p:attrNameLst>
+                                      </p:cBhvr>
+                                      <p:to>
+                                        <p:strVal val="hidden"/>
+                                      </p:to>
+                                    </p:set>
+                                  </p:childTnLst>
+                                </p:cTn>
+                              </p:par>
+                            </p:childTnLst>
+                          </p:cTn>
+                        </p:par>
+                        <p:par>
+                          <p:cTn id="11" fill="hold">
+                            <p:stCondLst>
+                              <p:cond delay="2500"/>
+                            </p:stCondLst>
+                            <p:childTnLst>
+                              <p:par>
+                                <p:cTn id="12" presetID="10" presetClass="exit" presetSubtype="0" fill="hold" nodeType="afterEffect">
+                                  <p:stCondLst>
+                                    <p:cond delay="0"/>
+                                  </p:stCondLst>
+                                  <p:childTnLst>
+                                    <p:animEffect transition="out" filter="fade">
+                                      <p:cBhvr>
+                                        <p:cTn id="13" dur="500"/>
+                                        <p:tgtEl>
+                                          <p:spTgt spid="37"/>
+                                        </p:tgtEl>
+                                      </p:cBhvr>
+                                    </p:animEffect>
+                                    <p:set>
+                                      <p:cBhvr>
+                                        <p:cTn id="14" dur="1" fill="hold">
+                                          <p:stCondLst>
+                                            <p:cond delay="499"/>
+                                          </p:stCondLst>
+                                        </p:cTn>
+                                        <p:tgtEl>
+                                          <p:spTgt spid="37"/>
+                                        </p:tgtEl>
+                                        <p:attrNameLst>
+                                          <p:attrName>style.visibility</p:attrName>
+                                        </p:attrNameLst>
+                                      </p:cBhvr>
+                                      <p:to>
+                                        <p:strVal val="hidden"/>
+                                      </p:to>
+                                    </p:set>
+                                  </p:childTnLst>
+                                </p:cTn>
+                              </p:par>
+                            </p:childTnLst>
+                          </p:cTn>
+                        </p:par>
+                        <p:par>
+                          <p:cTn id="15" fill="hold">
+                            <p:stCondLst>
+                              <p:cond delay="3000"/>
+                            </p:stCondLst>
+                            <p:childTnLst>
+                              <p:par>
+                                <p:cTn id="16" presetID="10" presetClass="exit" presetSubtype="0" fill="hold" grpId="0" nodeType="afterEffect">
+                                  <p:stCondLst>
+                                    <p:cond delay="0"/>
+                                  </p:stCondLst>
+                                  <p:childTnLst>
+                                    <p:animEffect transition="out" filter="fade">
+                                      <p:cBhvr>
+                                        <p:cTn id="17" dur="500"/>
+                                        <p:tgtEl>
+                                          <p:spTgt spid="32"/>
+                                        </p:tgtEl>
+                                      </p:cBhvr>
+                                    </p:animEffect>
+                                    <p:set>
+                                      <p:cBhvr>
+                                        <p:cTn id="18" dur="1" fill="hold">
+                                          <p:stCondLst>
+                                            <p:cond delay="499"/>
+                                          </p:stCondLst>
+                                        </p:cTn>
+                                        <p:tgtEl>
+                                          <p:spTgt spid="32"/>
+                                        </p:tgtEl>
+                                        <p:attrNameLst>
+                                          <p:attrName>style.visibility</p:attrName>
+                                        </p:attrNameLst>
+                                      </p:cBhvr>
+                                      <p:to>
+                                        <p:strVal val="hidden"/>
+                                      </p:to>
+                                    </p:set>
+                                  </p:childTnLst>
+                                </p:cTn>
+                              </p:par>
+                            </p:childTnLst>
+                          </p:cTn>
+                        </p:par>
+                        <p:par>
+                          <p:cTn id="19" fill="hold">
+                            <p:stCondLst>
+                              <p:cond delay="3500"/>
+                            </p:stCondLst>
+                            <p:childTnLst>
+                              <p:par>
+                                <p:cTn id="20" presetID="10" presetClass="entr" presetSubtype="0" fill="hold" nodeType="afterEffect">
+                                  <p:stCondLst>
+                                    <p:cond delay="0"/>
+                                  </p:stCondLst>
+                                  <p:childTnLst>
+                                    <p:set>
+                                      <p:cBhvr>
+                                        <p:cTn id="21" dur="1" fill="hold">
+                                          <p:stCondLst>
+                                            <p:cond delay="0"/>
+                                          </p:stCondLst>
+                                        </p:cTn>
+                                        <p:tgtEl>
+                                          <p:spTgt spid="8"/>
+                                        </p:tgtEl>
+                                        <p:attrNameLst>
+                                          <p:attrName>style.visibility</p:attrName>
+                                        </p:attrNameLst>
+                                      </p:cBhvr>
+                                      <p:to>
+                                        <p:strVal val="visible"/>
+                                      </p:to>
+                                    </p:set>
+                                    <p:animEffect transition="in" filter="fade">
+                                      <p:cBhvr>
+                                        <p:cTn id="22" dur="500"/>
+                                        <p:tgtEl>
+                                          <p:spTgt spid="8"/>
+                                        </p:tgtEl>
+                                      </p:cBhvr>
+                                    </p:animEffect>
+                                  </p:childTnLst>
+                                </p:cTn>
+                              </p:par>
+                            </p:childTnLst>
+                          </p:cTn>
+                        </p:par>
+                        <p:par>
+                          <p:cTn id="23" fill="hold">
+                            <p:stCondLst>
+                              <p:cond delay="4000"/>
+                            </p:stCondLst>
+                            <p:childTnLst>
+                              <p:par>
+                                <p:cTn id="24" presetID="10" presetClass="entr" presetSubtype="0" fill="hold" grpId="0" nodeType="afterEffect">
+                                  <p:stCondLst>
+                                    <p:cond delay="0"/>
+                                  </p:stCondLst>
+                                  <p:childTnLst>
+                                    <p:set>
+                                      <p:cBhvr>
+                                        <p:cTn id="25" dur="1" fill="hold">
+                                          <p:stCondLst>
+                                            <p:cond delay="0"/>
+                                          </p:stCondLst>
+                                        </p:cTn>
+                                        <p:tgtEl>
+                                          <p:spTgt spid="36"/>
+                                        </p:tgtEl>
+                                        <p:attrNameLst>
+                                          <p:attrName>style.visibility</p:attrName>
+                                        </p:attrNameLst>
+                                      </p:cBhvr>
+                                      <p:to>
+                                        <p:strVal val="visible"/>
+                                      </p:to>
+                                    </p:set>
+                                    <p:animEffect transition="in" filter="fade">
+                                      <p:cBhvr>
+                                        <p:cTn id="26" dur="500"/>
+                                        <p:tgtEl>
+                                          <p:spTgt spid="36"/>
+                                        </p:tgtEl>
+                                      </p:cBhvr>
+                                    </p:animEffect>
+                                  </p:childTnLst>
+                                </p:cTn>
+                              </p:par>
+                            </p:childTnLst>
+                          </p:cTn>
+                        </p:par>
+                      </p:childTnLst>
+                    </p:cTn>
+                  </p:par>
+                  <p:par>
+                    <p:cTn id="27" fill="hold">
+                      <p:stCondLst>
+                        <p:cond delay="indefinite"/>
+                      </p:stCondLst>
+                      <p:childTnLst>
+                        <p:par>
+                          <p:cTn id="28" fill="hold">
+                            <p:stCondLst>
+                              <p:cond delay="0"/>
+                            </p:stCondLst>
+                            <p:childTnLst>
+                              <p:par>
+                                <p:cTn id="29" presetID="49" presetClass="path" presetSubtype="0" accel="50000" decel="50000" fill="hold" grpId="0" nodeType="clickEffect">
+                                  <p:stCondLst>
+                                    <p:cond delay="0"/>
+                                  </p:stCondLst>
+                                  <p:childTnLst>
+                                    <p:animMotion origin="layout" path="M 0.006823 0.075278 L 0.341458 0.376019 " pathEditMode="relative" rAng="0" ptsTypes="">
+                                      <p:cBhvr>
+                                        <p:cTn id="30" dur="2000" fill="hold"/>
+                                        <p:tgtEl>
+                                          <p:spTgt spid="2"/>
+                                        </p:tgtEl>
+                                        <p:attrNameLst>
+                                          <p:attrName>ppt_x</p:attrName>
+                                          <p:attrName>ppt_y</p:attrName>
+                                        </p:attrNameLst>
+                                      </p:cBhvr>
+                                      <p:rCtr x="170" y="156"/>
+                                    </p:animMotion>
+                                  </p:childTnLst>
+                                </p:cTn>
+                              </p:par>
+                            </p:childTnLst>
+                          </p:cTn>
+                        </p:par>
+                        <p:par>
+                          <p:cTn id="31" fill="hold">
+                            <p:stCondLst>
+                              <p:cond delay="2000"/>
+                            </p:stCondLst>
+                            <p:childTnLst>
+                              <p:par>
+                                <p:cTn id="32" presetID="10" presetClass="exit" presetSubtype="0" fill="hold" nodeType="afterEffect">
+                                  <p:stCondLst>
+                                    <p:cond delay="0"/>
+                                  </p:stCondLst>
+                                  <p:childTnLst>
+                                    <p:animEffect transition="out" filter="fade">
+                                      <p:cBhvr>
+                                        <p:cTn id="33" dur="500"/>
+                                        <p:tgtEl>
+                                          <p:spTgt spid="27"/>
+                                        </p:tgtEl>
+                                      </p:cBhvr>
+                                    </p:animEffect>
+                                    <p:set>
+                                      <p:cBhvr>
+                                        <p:cTn id="34" dur="1" fill="hold">
+                                          <p:stCondLst>
+                                            <p:cond delay="499"/>
+                                          </p:stCondLst>
+                                        </p:cTn>
+                                        <p:tgtEl>
+                                          <p:spTgt spid="27"/>
+                                        </p:tgtEl>
+                                        <p:attrNameLst>
+                                          <p:attrName>style.visibility</p:attrName>
+                                        </p:attrNameLst>
+                                      </p:cBhvr>
+                                      <p:to>
+                                        <p:strVal val="hidden"/>
+                                      </p:to>
+                                    </p:set>
+                                  </p:childTnLst>
+                                </p:cTn>
+                              </p:par>
+                            </p:childTnLst>
+                          </p:cTn>
+                        </p:par>
+                        <p:par>
+                          <p:cTn id="35" fill="hold">
+                            <p:stCondLst>
+                              <p:cond delay="2500"/>
+                            </p:stCondLst>
+                            <p:childTnLst>
+                              <p:par>
+                                <p:cTn id="36" presetID="10" presetClass="exit" presetSubtype="0" fill="hold" nodeType="afterEffect">
+                                  <p:stCondLst>
+                                    <p:cond delay="0"/>
+                                  </p:stCondLst>
+                                  <p:childTnLst>
+                                    <p:animEffect transition="out" filter="fade">
+                                      <p:cBhvr>
+                                        <p:cTn id="37" dur="500"/>
+                                        <p:tgtEl>
+                                          <p:spTgt spid="15"/>
+                                        </p:tgtEl>
+                                      </p:cBhvr>
+                                    </p:animEffect>
+                                    <p:set>
+                                      <p:cBhvr>
+                                        <p:cTn id="38" dur="1" fill="hold">
+                                          <p:stCondLst>
+                                            <p:cond delay="499"/>
+                                          </p:stCondLst>
+                                        </p:cTn>
+                                        <p:tgtEl>
+                                          <p:spTgt spid="15"/>
+                                        </p:tgtEl>
+                                        <p:attrNameLst>
+                                          <p:attrName>style.visibility</p:attrName>
+                                        </p:attrNameLst>
+                                      </p:cBhvr>
+                                      <p:to>
+                                        <p:strVal val="hidden"/>
+                                      </p:to>
+                                    </p:set>
+                                  </p:childTnLst>
+                                </p:cTn>
+                              </p:par>
+                            </p:childTnLst>
+                          </p:cTn>
+                        </p:par>
+                        <p:par>
+                          <p:cTn id="39" fill="hold">
+                            <p:stCondLst>
+                              <p:cond delay="3000"/>
+                            </p:stCondLst>
+                            <p:childTnLst>
+                              <p:par>
+                                <p:cTn id="40" presetID="10" presetClass="exit" presetSubtype="0" fill="hold" nodeType="afterEffect">
+                                  <p:stCondLst>
+                                    <p:cond delay="0"/>
+                                  </p:stCondLst>
+                                  <p:childTnLst>
+                                    <p:animEffect transition="out" filter="fade">
+                                      <p:cBhvr>
+                                        <p:cTn id="41" dur="500"/>
+                                        <p:tgtEl>
+                                          <p:spTgt spid="34"/>
+                                        </p:tgtEl>
+                                      </p:cBhvr>
+                                    </p:animEffect>
+                                    <p:set>
+                                      <p:cBhvr>
+                                        <p:cTn id="42" dur="1" fill="hold">
+                                          <p:stCondLst>
+                                            <p:cond delay="499"/>
+                                          </p:stCondLst>
+                                        </p:cTn>
+                                        <p:tgtEl>
+                                          <p:spTgt spid="34"/>
+                                        </p:tgtEl>
+                                        <p:attrNameLst>
+                                          <p:attrName>style.visibility</p:attrName>
+                                        </p:attrNameLst>
+                                      </p:cBhvr>
+                                      <p:to>
+                                        <p:strVal val="hidden"/>
+                                      </p:to>
+                                    </p:set>
+                                  </p:childTnLst>
+                                </p:cTn>
+                              </p:par>
+                            </p:childTnLst>
+                          </p:cTn>
+                        </p:par>
+                        <p:par>
+                          <p:cTn id="43" fill="hold">
+                            <p:stCondLst>
+                              <p:cond delay="3500"/>
+                            </p:stCondLst>
+                            <p:childTnLst>
+                              <p:par>
+                                <p:cTn id="44" presetID="10" presetClass="exit" presetSubtype="0" fill="hold" grpId="0" nodeType="afterEffect">
+                                  <p:stCondLst>
+                                    <p:cond delay="0"/>
+                                  </p:stCondLst>
+                                  <p:childTnLst>
+                                    <p:animEffect transition="out" filter="fade">
+                                      <p:cBhvr>
+                                        <p:cTn id="45" dur="500"/>
+                                        <p:tgtEl>
+                                          <p:spTgt spid="24"/>
+                                        </p:tgtEl>
+                                      </p:cBhvr>
+                                    </p:animEffect>
+                                    <p:set>
+                                      <p:cBhvr>
+                                        <p:cTn id="46" dur="1" fill="hold">
+                                          <p:stCondLst>
+                                            <p:cond delay="499"/>
+                                          </p:stCondLst>
+                                        </p:cTn>
+                                        <p:tgtEl>
+                                          <p:spTgt spid="24"/>
+                                        </p:tgtEl>
+                                        <p:attrNameLst>
+                                          <p:attrName>style.visibility</p:attrName>
+                                        </p:attrNameLst>
+                                      </p:cBhvr>
+                                      <p:to>
+                                        <p:strVal val="hidden"/>
+                                      </p:to>
+                                    </p:set>
+                                  </p:childTnLst>
+                                </p:cTn>
+                              </p:par>
+                            </p:childTnLst>
+                          </p:cTn>
+                        </p:par>
+                        <p:par>
+                          <p:cTn id="47" fill="hold">
+                            <p:stCondLst>
+                              <p:cond delay="4000"/>
+                            </p:stCondLst>
+                            <p:childTnLst>
+                              <p:par>
+                                <p:cTn id="48" presetID="10" presetClass="entr" presetSubtype="0" fill="hold" nodeType="afterEffect">
+                                  <p:stCondLst>
+                                    <p:cond delay="0"/>
+                                  </p:stCondLst>
+                                  <p:childTnLst>
+                                    <p:set>
+                                      <p:cBhvr>
+                                        <p:cTn id="49" dur="1" fill="hold">
+                                          <p:stCondLst>
+                                            <p:cond delay="0"/>
+                                          </p:stCondLst>
+                                        </p:cTn>
+                                        <p:tgtEl>
+                                          <p:spTgt spid="13"/>
+                                        </p:tgtEl>
+                                        <p:attrNameLst>
+                                          <p:attrName>style.visibility</p:attrName>
+                                        </p:attrNameLst>
+                                      </p:cBhvr>
+                                      <p:to>
+                                        <p:strVal val="visible"/>
+                                      </p:to>
+                                    </p:set>
+                                    <p:animEffect transition="in" filter="fade">
+                                      <p:cBhvr>
+                                        <p:cTn id="50" dur="500"/>
+                                        <p:tgtEl>
+                                          <p:spTgt spid="13"/>
+                                        </p:tgtEl>
+                                      </p:cBhvr>
+                                    </p:animEffect>
+                                  </p:childTnLst>
+                                </p:cTn>
+                              </p:par>
+                            </p:childTnLst>
+                          </p:cTn>
+                        </p:par>
+                        <p:par>
+                          <p:cTn id="51" fill="hold">
+                            <p:stCondLst>
+                              <p:cond delay="4500"/>
+                            </p:stCondLst>
+                            <p:childTnLst>
+                              <p:par>
+                                <p:cTn id="52" presetID="10" presetClass="entr" presetSubtype="0" fill="hold" nodeType="afterEffect">
+                                  <p:stCondLst>
+                                    <p:cond delay="0"/>
+                                  </p:stCondLst>
+                                  <p:childTnLst>
+                                    <p:set>
+                                      <p:cBhvr>
+                                        <p:cTn id="53" dur="1" fill="hold">
+                                          <p:stCondLst>
+                                            <p:cond delay="0"/>
+                                          </p:stCondLst>
+                                        </p:cTn>
+                                        <p:tgtEl>
+                                          <p:spTgt spid="6"/>
+                                        </p:tgtEl>
+                                        <p:attrNameLst>
+                                          <p:attrName>style.visibility</p:attrName>
+                                        </p:attrNameLst>
+                                      </p:cBhvr>
+                                      <p:to>
+                                        <p:strVal val="visible"/>
+                                      </p:to>
+                                    </p:set>
+                                    <p:animEffect transition="in" filter="fade">
+                                      <p:cBhvr>
+                                        <p:cTn id="54" dur="500"/>
+                                        <p:tgtEl>
+                                          <p:spTgt spid="6"/>
+                                        </p:tgtEl>
+                                      </p:cBhvr>
+                                    </p:animEffect>
+                                  </p:childTnLst>
+                                </p:cTn>
+                              </p:par>
+                            </p:childTnLst>
+                          </p:cTn>
+                        </p:par>
+                        <p:par>
+                          <p:cTn id="55" fill="hold">
+                            <p:stCondLst>
+                              <p:cond delay="5000"/>
+                            </p:stCondLst>
+                            <p:childTnLst>
+                              <p:par>
+                                <p:cTn id="56" presetID="10" presetClass="entr" presetSubtype="0" fill="hold" grpId="0" nodeType="afterEffect">
+                                  <p:stCondLst>
+                                    <p:cond delay="0"/>
+                                  </p:stCondLst>
+                                  <p:childTnLst>
+                                    <p:set>
+                                      <p:cBhvr>
+                                        <p:cTn id="57" dur="1" fill="hold">
+                                          <p:stCondLst>
+                                            <p:cond delay="0"/>
+                                          </p:stCondLst>
+                                        </p:cTn>
+                                        <p:tgtEl>
+                                          <p:spTgt spid="40"/>
+                                        </p:tgtEl>
+                                        <p:attrNameLst>
+                                          <p:attrName>style.visibility</p:attrName>
+                                        </p:attrNameLst>
+                                      </p:cBhvr>
+                                      <p:to>
+                                        <p:strVal val="visible"/>
+                                      </p:to>
+                                    </p:set>
+                                    <p:animEffect transition="in" filter="fade">
+                                      <p:cBhvr>
+                                        <p:cTn id="58" dur="500"/>
+                                        <p:tgtEl>
+                                          <p:spTgt spid="40"/>
+                                        </p:tgtEl>
+                                      </p:cBhvr>
+                                    </p:animEffect>
+                                  </p:childTnLst>
+                                </p:cTn>
+                              </p:par>
+                            </p:childTnLst>
+                          </p:cTn>
+                        </p:par>
+                      </p:childTnLst>
+                    </p:cTn>
+                  </p:par>
+                </p:childTnLst>
+              </p:cTn>
+              <p:prevCondLst>
+                <p:cond evt="onPrev" delay="0">
+                  <p:tgtEl>
+                    <p:sldTgt/>
+                  </p:tgtEl>
+                </p:cond>
+              </p:prevCondLst>
+              <p:nextCondLst>
+                <p:cond evt="onNext" delay="0">
+                  <p:tgtEl>
+                    <p:sldTgt/>
+                  </p:tgtEl>
+                </p:cond>
+              </p:nextCondLst>
+            </p:seq>
+          </p:childTnLst>
+        </p:cTn>
+      </p:par>
+    </p:tnLst>
+    <p:bldLst>
+      <p:bldP spid="4" grpId="0" bldLvl="0" animBg="1"/>
+      <p:bldP spid="2" grpId="0" bldLvl="0" animBg="1"/>
+      <p:bldP spid="40" grpId="0"/>
+      <p:bldP spid="36" grpId="0"/>
+      <p:bldP spid="24" grpId="0"/>
+      <p:bldP spid="32" grpId="0"/>
+    </p:bldLst>
+  </p:timing>
+</p:sld>
+</file>
+
+<file path=ppt/slides/slide11.xml><?xml version="1.0" encoding="utf-8"?>
+<p:sld xmlns:a="http://schemas.openxmlformats.org/drawingml/2006/main" xmlns:r="http://schemas.openxmlformats.org/officeDocument/2006/relationships" xmlns:p="http://schemas.openxmlformats.org/presentationml/2006/main">
+  <p:cSld>
+    <p:bg>
+      <p:bgPr>
+        <a:solidFill>
+          <a:schemeClr val="tx2"/>
+        </a:solidFill>
+        <a:effectLst/>
+      </p:bgPr>
+    </p:bg>
+    <p:spTree>
+      <p:nvGrpSpPr>
+        <p:cNvPr id="1" name=""/>
+        <p:cNvGrpSpPr/>
+        <p:nvPr/>
+      </p:nvGrpSpPr>
+      <p:grpSpPr/>
+      <p:sp>
+        <p:nvSpPr>
           <p:cNvPr id="8" name="文本框 7"/>
           <p:cNvSpPr txBox="1"/>
           <p:nvPr/>
@@ -6691,7 +9255,7 @@
 </p:sld>
 </file>
 
-<file path=ppt/slides/slide11.xml><?xml version="1.0" encoding="utf-8"?>
+<file path=ppt/slides/slide12.xml><?xml version="1.0" encoding="utf-8"?>
 <p:sld xmlns:a="http://schemas.openxmlformats.org/drawingml/2006/main" xmlns:r="http://schemas.openxmlformats.org/officeDocument/2006/relationships" xmlns:p="http://schemas.openxmlformats.org/presentationml/2006/main">
   <p:cSld>
     <p:bg>
@@ -14372,7 +16936,7 @@
 </p:sld>
 </file>
 
-<file path=ppt/slides/slide12.xml><?xml version="1.0" encoding="utf-8"?>
+<file path=ppt/slides/slide13.xml><?xml version="1.0" encoding="utf-8"?>
 <p:sld xmlns:a="http://schemas.openxmlformats.org/drawingml/2006/main" xmlns:r="http://schemas.openxmlformats.org/officeDocument/2006/relationships" xmlns:p="http://schemas.openxmlformats.org/presentationml/2006/main">
   <p:cSld>
     <p:bg>
@@ -15740,7 +18304,7 @@
 </p:sld>
 </file>
 
-<file path=ppt/slides/slide13.xml><?xml version="1.0" encoding="utf-8"?>
+<file path=ppt/slides/slide14.xml><?xml version="1.0" encoding="utf-8"?>
 <p:sld xmlns:a="http://schemas.openxmlformats.org/drawingml/2006/main" xmlns:r="http://schemas.openxmlformats.org/officeDocument/2006/relationships" xmlns:p="http://schemas.openxmlformats.org/presentationml/2006/main">
   <p:cSld>
     <p:bg>
@@ -17565,7 +20129,7 @@
 </p:sld>
 </file>
 
-<file path=ppt/slides/slide14.xml><?xml version="1.0" encoding="utf-8"?>
+<file path=ppt/slides/slide15.xml><?xml version="1.0" encoding="utf-8"?>
 <p:sld xmlns:a="http://schemas.openxmlformats.org/drawingml/2006/main" xmlns:r="http://schemas.openxmlformats.org/officeDocument/2006/relationships" xmlns:p="http://schemas.openxmlformats.org/presentationml/2006/main">
   <p:cSld>
     <p:bg>
@@ -19096,7 +21660,7 @@
 </p:sld>
 </file>
 
-<file path=ppt/slides/slide15.xml><?xml version="1.0" encoding="utf-8"?>
+<file path=ppt/slides/slide16.xml><?xml version="1.0" encoding="utf-8"?>
 <p:sld xmlns:a="http://schemas.openxmlformats.org/drawingml/2006/main" xmlns:r="http://schemas.openxmlformats.org/officeDocument/2006/relationships" xmlns:p="http://schemas.openxmlformats.org/presentationml/2006/main">
   <p:cSld>
     <p:bg>
@@ -24074,7 +26638,7 @@
 </p:sld>
 </file>
 
-<file path=ppt/slides/slide16.xml><?xml version="1.0" encoding="utf-8"?>
+<file path=ppt/slides/slide17.xml><?xml version="1.0" encoding="utf-8"?>
 <p:sld xmlns:a="http://schemas.openxmlformats.org/drawingml/2006/main" xmlns:r="http://schemas.openxmlformats.org/officeDocument/2006/relationships" xmlns:p="http://schemas.openxmlformats.org/presentationml/2006/main">
   <p:cSld>
     <p:bg>
@@ -25146,7 +27710,7 @@
 </p:sld>
 </file>
 
-<file path=ppt/slides/slide17.xml><?xml version="1.0" encoding="utf-8"?>
+<file path=ppt/slides/slide18.xml><?xml version="1.0" encoding="utf-8"?>
 <p:sld xmlns:a="http://schemas.openxmlformats.org/drawingml/2006/main" xmlns:r="http://schemas.openxmlformats.org/officeDocument/2006/relationships" xmlns:p="http://schemas.openxmlformats.org/presentationml/2006/main">
   <p:cSld>
     <p:bg>
@@ -32126,25 +34690,7 @@
                 </a:solidFill>
                 <a:sym typeface="+mn-ea"/>
               </a:rPr>
-              <a:t>节点，</a:t>
-            </a:r>
-            <a:r>
-              <a:rPr lang="zh-CN" altLang="en-US" b="1">
-                <a:solidFill>
-                  <a:schemeClr val="bg1"/>
-                </a:solidFill>
-                <a:sym typeface="+mn-ea"/>
-              </a:rPr>
-              <a:t>断开</a:t>
-            </a:r>
-            <a:r>
-              <a:rPr lang="zh-CN" altLang="en-US" b="1">
-                <a:solidFill>
-                  <a:schemeClr val="bg1"/>
-                </a:solidFill>
-                <a:sym typeface="+mn-ea"/>
-              </a:rPr>
-              <a:t>前后节点</a:t>
+              <a:t>节点，断开前后节点</a:t>
             </a:r>
             <a:endParaRPr lang="zh-CN" altLang="en-US" b="1">
               <a:solidFill>
@@ -35763,6 +38309,1478 @@
 </file>
 
 <file path=ppt/slides/slide4.xml><?xml version="1.0" encoding="utf-8"?>
+<p:sld xmlns:a="http://schemas.openxmlformats.org/drawingml/2006/main" xmlns:r="http://schemas.openxmlformats.org/officeDocument/2006/relationships" xmlns:p="http://schemas.openxmlformats.org/presentationml/2006/main">
+  <p:cSld>
+    <p:bg>
+      <p:bgPr>
+        <a:solidFill>
+          <a:schemeClr val="tx2"/>
+        </a:solidFill>
+        <a:effectLst/>
+      </p:bgPr>
+    </p:bg>
+    <p:spTree>
+      <p:nvGrpSpPr>
+        <p:cNvPr id="1" name=""/>
+        <p:cNvGrpSpPr/>
+        <p:nvPr/>
+      </p:nvGrpSpPr>
+      <p:grpSpPr/>
+      <p:grpSp>
+        <p:nvGrpSpPr>
+          <p:cNvPr id="35" name="del" descr="2" title="1"/>
+          <p:cNvGrpSpPr/>
+          <p:nvPr/>
+        </p:nvGrpSpPr>
+        <p:grpSpPr>
+          <a:xfrm>
+            <a:off x="2262505" y="3267710"/>
+            <a:ext cx="513080" cy="1114425"/>
+            <a:chOff x="4588" y="2917"/>
+            <a:chExt cx="808" cy="1755"/>
+          </a:xfrm>
+        </p:grpSpPr>
+        <p:sp>
+          <p:nvSpPr>
+            <p:cNvPr id="36" name="下箭头 35"/>
+            <p:cNvSpPr/>
+            <p:nvPr/>
+          </p:nvSpPr>
+          <p:spPr>
+            <a:xfrm>
+              <a:off x="4729" y="3821"/>
+              <a:ext cx="522" cy="851"/>
+            </a:xfrm>
+            <a:prstGeom prst="downArrow">
+              <a:avLst/>
+            </a:prstGeom>
+            <a:solidFill>
+              <a:schemeClr val="accent2"/>
+            </a:solidFill>
+          </p:spPr>
+          <p:style>
+            <a:lnRef idx="2">
+              <a:schemeClr val="accent1">
+                <a:shade val="50000"/>
+              </a:schemeClr>
+            </a:lnRef>
+            <a:fillRef idx="1">
+              <a:schemeClr val="accent1"/>
+            </a:fillRef>
+            <a:effectRef idx="0">
+              <a:schemeClr val="accent1"/>
+            </a:effectRef>
+            <a:fontRef idx="minor">
+              <a:schemeClr val="lt1"/>
+            </a:fontRef>
+          </p:style>
+          <p:txBody>
+            <a:bodyPr rtlCol="0" anchor="ctr"/>
+            <a:p>
+              <a:pPr algn="ctr"/>
+              <a:endParaRPr lang="zh-CN" altLang="en-US"/>
+            </a:p>
+          </p:txBody>
+        </p:sp>
+        <p:sp>
+          <p:nvSpPr>
+            <p:cNvPr id="37" name="文本框 36"/>
+            <p:cNvSpPr txBox="1"/>
+            <p:nvPr/>
+          </p:nvSpPr>
+          <p:spPr>
+            <a:xfrm>
+              <a:off x="4588" y="2917"/>
+              <a:ext cx="808" cy="580"/>
+            </a:xfrm>
+            <a:prstGeom prst="rect">
+              <a:avLst/>
+            </a:prstGeom>
+            <a:noFill/>
+          </p:spPr>
+          <p:txBody>
+            <a:bodyPr wrap="none" rtlCol="0">
+              <a:spAutoFit/>
+            </a:bodyPr>
+            <a:p>
+              <a:pPr algn="ctr"/>
+              <a:r>
+                <a:rPr lang="en-US" altLang="zh-CN" b="1">
+                  <a:solidFill>
+                    <a:schemeClr val="bg1"/>
+                  </a:solidFill>
+                </a:rPr>
+                <a:t>del</a:t>
+              </a:r>
+              <a:endParaRPr lang="en-US" altLang="zh-CN" b="1">
+                <a:solidFill>
+                  <a:schemeClr val="bg1"/>
+                </a:solidFill>
+              </a:endParaRPr>
+            </a:p>
+          </p:txBody>
+        </p:sp>
+      </p:grpSp>
+      <p:cxnSp>
+        <p:nvCxnSpPr>
+          <p:cNvPr id="16" name="2-3-a"/>
+          <p:cNvCxnSpPr/>
+          <p:nvPr/>
+        </p:nvCxnSpPr>
+        <p:spPr>
+          <a:xfrm>
+            <a:off x="5758815" y="4840605"/>
+            <a:ext cx="648000" cy="0"/>
+          </a:xfrm>
+          <a:prstGeom prst="straightConnector1">
+            <a:avLst/>
+          </a:prstGeom>
+          <a:ln w="28575" cmpd="sng">
+            <a:solidFill>
+              <a:schemeClr val="bg1"/>
+            </a:solidFill>
+            <a:prstDash val="solid"/>
+            <a:tailEnd type="arrow"/>
+          </a:ln>
+        </p:spPr>
+        <p:style>
+          <a:lnRef idx="1">
+            <a:schemeClr val="accent1"/>
+          </a:lnRef>
+          <a:fillRef idx="0">
+            <a:schemeClr val="accent1"/>
+          </a:fillRef>
+          <a:effectRef idx="0">
+            <a:schemeClr val="accent1"/>
+          </a:effectRef>
+          <a:fontRef idx="minor">
+            <a:schemeClr val="tx1"/>
+          </a:fontRef>
+        </p:style>
+      </p:cxnSp>
+      <p:cxnSp>
+        <p:nvCxnSpPr>
+          <p:cNvPr id="15" name="直接箭头连接符 14"/>
+          <p:cNvCxnSpPr/>
+          <p:nvPr/>
+        </p:nvCxnSpPr>
+        <p:spPr>
+          <a:xfrm>
+            <a:off x="4322445" y="4840605"/>
+            <a:ext cx="648000" cy="0"/>
+          </a:xfrm>
+          <a:prstGeom prst="straightConnector1">
+            <a:avLst/>
+          </a:prstGeom>
+          <a:ln w="28575" cmpd="sng">
+            <a:solidFill>
+              <a:schemeClr val="bg1"/>
+            </a:solidFill>
+            <a:prstDash val="solid"/>
+            <a:tailEnd type="arrow"/>
+          </a:ln>
+        </p:spPr>
+        <p:style>
+          <a:lnRef idx="1">
+            <a:schemeClr val="accent1"/>
+          </a:lnRef>
+          <a:fillRef idx="0">
+            <a:schemeClr val="accent1"/>
+          </a:fillRef>
+          <a:effectRef idx="0">
+            <a:schemeClr val="accent1"/>
+          </a:effectRef>
+          <a:fontRef idx="minor">
+            <a:schemeClr val="tx1"/>
+          </a:fontRef>
+        </p:style>
+      </p:cxnSp>
+      <p:sp>
+        <p:nvSpPr>
+          <p:cNvPr id="4" name="椭圆 3"/>
+          <p:cNvSpPr/>
+          <p:nvPr/>
+        </p:nvSpPr>
+        <p:spPr>
+          <a:xfrm>
+            <a:off x="3676650" y="4570730"/>
+            <a:ext cx="540000" cy="540000"/>
+          </a:xfrm>
+          <a:prstGeom prst="ellipse">
+            <a:avLst/>
+          </a:prstGeom>
+        </p:spPr>
+        <p:style>
+          <a:lnRef idx="1">
+            <a:schemeClr val="accent3"/>
+          </a:lnRef>
+          <a:fillRef idx="3">
+            <a:schemeClr val="accent3"/>
+          </a:fillRef>
+          <a:effectRef idx="2">
+            <a:schemeClr val="accent3"/>
+          </a:effectRef>
+          <a:fontRef idx="minor">
+            <a:schemeClr val="lt1"/>
+          </a:fontRef>
+        </p:style>
+        <p:txBody>
+          <a:bodyPr rtlCol="0" anchor="ctr"/>
+          <a:p>
+            <a:pPr algn="ctr"/>
+            <a:r>
+              <a:rPr lang="en-US" altLang="zh-CN" sz="2800"/>
+              <a:t>1</a:t>
+            </a:r>
+            <a:endParaRPr lang="en-US" altLang="zh-CN" sz="2800"/>
+          </a:p>
+        </p:txBody>
+      </p:sp>
+      <p:sp>
+        <p:nvSpPr>
+          <p:cNvPr id="5" name="椭圆 4"/>
+          <p:cNvSpPr/>
+          <p:nvPr/>
+        </p:nvSpPr>
+        <p:spPr>
+          <a:xfrm>
+            <a:off x="5122545" y="4570730"/>
+            <a:ext cx="540000" cy="540000"/>
+          </a:xfrm>
+          <a:prstGeom prst="ellipse">
+            <a:avLst/>
+          </a:prstGeom>
+        </p:spPr>
+        <p:style>
+          <a:lnRef idx="2">
+            <a:schemeClr val="accent1">
+              <a:shade val="50000"/>
+            </a:schemeClr>
+          </a:lnRef>
+          <a:fillRef idx="1">
+            <a:schemeClr val="accent1"/>
+          </a:fillRef>
+          <a:effectRef idx="0">
+            <a:schemeClr val="accent1"/>
+          </a:effectRef>
+          <a:fontRef idx="minor">
+            <a:schemeClr val="lt1"/>
+          </a:fontRef>
+        </p:style>
+        <p:txBody>
+          <a:bodyPr rtlCol="0" anchor="ctr"/>
+          <a:p>
+            <a:pPr algn="ctr"/>
+            <a:r>
+              <a:rPr lang="en-US" altLang="zh-CN" sz="2800"/>
+              <a:t>2</a:t>
+            </a:r>
+            <a:endParaRPr lang="en-US" altLang="zh-CN" sz="2800"/>
+          </a:p>
+        </p:txBody>
+      </p:sp>
+      <p:sp>
+        <p:nvSpPr>
+          <p:cNvPr id="6" name="椭圆 5"/>
+          <p:cNvSpPr/>
+          <p:nvPr/>
+        </p:nvSpPr>
+        <p:spPr>
+          <a:xfrm>
+            <a:off x="6543675" y="4570730"/>
+            <a:ext cx="540000" cy="540000"/>
+          </a:xfrm>
+          <a:prstGeom prst="ellipse">
+            <a:avLst/>
+          </a:prstGeom>
+        </p:spPr>
+        <p:style>
+          <a:lnRef idx="2">
+            <a:schemeClr val="accent1">
+              <a:shade val="50000"/>
+            </a:schemeClr>
+          </a:lnRef>
+          <a:fillRef idx="1">
+            <a:schemeClr val="accent1"/>
+          </a:fillRef>
+          <a:effectRef idx="0">
+            <a:schemeClr val="accent1"/>
+          </a:effectRef>
+          <a:fontRef idx="minor">
+            <a:schemeClr val="lt1"/>
+          </a:fontRef>
+        </p:style>
+        <p:txBody>
+          <a:bodyPr rtlCol="0" anchor="ctr"/>
+          <a:p>
+            <a:pPr algn="ctr"/>
+            <a:r>
+              <a:rPr lang="en-US" altLang="zh-CN" sz="2800"/>
+              <a:t>3</a:t>
+            </a:r>
+            <a:endParaRPr lang="en-US" altLang="zh-CN" sz="2800"/>
+          </a:p>
+        </p:txBody>
+      </p:sp>
+      <p:grpSp>
+        <p:nvGrpSpPr>
+          <p:cNvPr id="25" name="prev"/>
+          <p:cNvGrpSpPr/>
+          <p:nvPr/>
+        </p:nvGrpSpPr>
+        <p:grpSpPr>
+          <a:xfrm>
+            <a:off x="737235" y="3268345"/>
+            <a:ext cx="661670" cy="1113790"/>
+            <a:chOff x="2276" y="2917"/>
+            <a:chExt cx="1042" cy="1754"/>
+          </a:xfrm>
+        </p:grpSpPr>
+        <p:sp>
+          <p:nvSpPr>
+            <p:cNvPr id="13" name="下箭头 12"/>
+            <p:cNvSpPr/>
+            <p:nvPr/>
+          </p:nvSpPr>
+          <p:spPr>
+            <a:xfrm>
+              <a:off x="2540" y="3821"/>
+              <a:ext cx="522" cy="850"/>
+            </a:xfrm>
+            <a:prstGeom prst="downArrow">
+              <a:avLst/>
+            </a:prstGeom>
+            <a:solidFill>
+              <a:schemeClr val="accent2"/>
+            </a:solidFill>
+          </p:spPr>
+          <p:style>
+            <a:lnRef idx="2">
+              <a:schemeClr val="accent1">
+                <a:shade val="50000"/>
+              </a:schemeClr>
+            </a:lnRef>
+            <a:fillRef idx="1">
+              <a:schemeClr val="accent1"/>
+            </a:fillRef>
+            <a:effectRef idx="0">
+              <a:schemeClr val="accent1"/>
+            </a:effectRef>
+            <a:fontRef idx="minor">
+              <a:schemeClr val="lt1"/>
+            </a:fontRef>
+          </p:style>
+          <p:txBody>
+            <a:bodyPr rtlCol="0" anchor="ctr"/>
+            <a:p>
+              <a:pPr algn="ctr"/>
+              <a:endParaRPr lang="zh-CN" altLang="en-US"/>
+            </a:p>
+          </p:txBody>
+        </p:sp>
+        <p:sp>
+          <p:nvSpPr>
+            <p:cNvPr id="14" name="文本框 13"/>
+            <p:cNvSpPr txBox="1"/>
+            <p:nvPr/>
+          </p:nvSpPr>
+          <p:spPr>
+            <a:xfrm>
+              <a:off x="2276" y="2917"/>
+              <a:ext cx="1042" cy="580"/>
+            </a:xfrm>
+            <a:prstGeom prst="rect">
+              <a:avLst/>
+            </a:prstGeom>
+            <a:noFill/>
+          </p:spPr>
+          <p:txBody>
+            <a:bodyPr wrap="none" rtlCol="0">
+              <a:spAutoFit/>
+            </a:bodyPr>
+            <a:p>
+              <a:pPr algn="ctr"/>
+              <a:r>
+                <a:rPr lang="en-US" altLang="zh-CN" b="1">
+                  <a:solidFill>
+                    <a:schemeClr val="bg1"/>
+                  </a:solidFill>
+                </a:rPr>
+                <a:t>prev</a:t>
+              </a:r>
+              <a:endParaRPr lang="en-US" altLang="zh-CN" b="1">
+                <a:solidFill>
+                  <a:schemeClr val="bg1"/>
+                </a:solidFill>
+              </a:endParaRPr>
+            </a:p>
+          </p:txBody>
+        </p:sp>
+      </p:grpSp>
+      <p:cxnSp>
+        <p:nvCxnSpPr>
+          <p:cNvPr id="2" name="直接箭头连接符 1"/>
+          <p:cNvCxnSpPr/>
+          <p:nvPr/>
+        </p:nvCxnSpPr>
+        <p:spPr>
+          <a:xfrm>
+            <a:off x="2916555" y="4840605"/>
+            <a:ext cx="628015" cy="0"/>
+          </a:xfrm>
+          <a:prstGeom prst="straightConnector1">
+            <a:avLst/>
+          </a:prstGeom>
+          <a:ln w="28575" cmpd="sng">
+            <a:solidFill>
+              <a:schemeClr val="bg1"/>
+            </a:solidFill>
+            <a:prstDash val="solid"/>
+            <a:tailEnd type="arrow"/>
+          </a:ln>
+        </p:spPr>
+        <p:style>
+          <a:lnRef idx="1">
+            <a:schemeClr val="accent1"/>
+          </a:lnRef>
+          <a:fillRef idx="0">
+            <a:schemeClr val="accent1"/>
+          </a:fillRef>
+          <a:effectRef idx="0">
+            <a:schemeClr val="accent1"/>
+          </a:effectRef>
+          <a:fontRef idx="minor">
+            <a:schemeClr val="tx1"/>
+          </a:fontRef>
+        </p:style>
+      </p:cxnSp>
+      <p:grpSp>
+        <p:nvGrpSpPr>
+          <p:cNvPr id="27" name="curr" descr="2" title="1"/>
+          <p:cNvGrpSpPr/>
+          <p:nvPr/>
+        </p:nvGrpSpPr>
+        <p:grpSpPr>
+          <a:xfrm>
+            <a:off x="2195195" y="3267710"/>
+            <a:ext cx="627380" cy="1114425"/>
+            <a:chOff x="4497" y="2917"/>
+            <a:chExt cx="988" cy="1755"/>
+          </a:xfrm>
+        </p:grpSpPr>
+        <p:sp>
+          <p:nvSpPr>
+            <p:cNvPr id="11" name="下箭头 10"/>
+            <p:cNvSpPr/>
+            <p:nvPr/>
+          </p:nvSpPr>
+          <p:spPr>
+            <a:xfrm>
+              <a:off x="4729" y="3821"/>
+              <a:ext cx="522" cy="851"/>
+            </a:xfrm>
+            <a:prstGeom prst="downArrow">
+              <a:avLst/>
+            </a:prstGeom>
+            <a:solidFill>
+              <a:schemeClr val="accent2"/>
+            </a:solidFill>
+          </p:spPr>
+          <p:style>
+            <a:lnRef idx="2">
+              <a:schemeClr val="accent1">
+                <a:shade val="50000"/>
+              </a:schemeClr>
+            </a:lnRef>
+            <a:fillRef idx="1">
+              <a:schemeClr val="accent1"/>
+            </a:fillRef>
+            <a:effectRef idx="0">
+              <a:schemeClr val="accent1"/>
+            </a:effectRef>
+            <a:fontRef idx="minor">
+              <a:schemeClr val="lt1"/>
+            </a:fontRef>
+          </p:style>
+          <p:txBody>
+            <a:bodyPr rtlCol="0" anchor="ctr"/>
+            <a:p>
+              <a:pPr algn="ctr"/>
+              <a:endParaRPr lang="zh-CN" altLang="en-US"/>
+            </a:p>
+          </p:txBody>
+        </p:sp>
+        <p:sp>
+          <p:nvSpPr>
+            <p:cNvPr id="12" name="文本框 11"/>
+            <p:cNvSpPr txBox="1"/>
+            <p:nvPr/>
+          </p:nvSpPr>
+          <p:spPr>
+            <a:xfrm>
+              <a:off x="4497" y="2917"/>
+              <a:ext cx="988" cy="580"/>
+            </a:xfrm>
+            <a:prstGeom prst="rect">
+              <a:avLst/>
+            </a:prstGeom>
+            <a:noFill/>
+          </p:spPr>
+          <p:txBody>
+            <a:bodyPr wrap="none" rtlCol="0">
+              <a:spAutoFit/>
+            </a:bodyPr>
+            <a:p>
+              <a:pPr algn="ctr"/>
+              <a:r>
+                <a:rPr lang="en-US" altLang="zh-CN" b="1">
+                  <a:solidFill>
+                    <a:schemeClr val="bg1"/>
+                  </a:solidFill>
+                </a:rPr>
+                <a:t>curr</a:t>
+              </a:r>
+              <a:endParaRPr lang="en-US" altLang="zh-CN" b="1">
+                <a:solidFill>
+                  <a:schemeClr val="bg1"/>
+                </a:solidFill>
+              </a:endParaRPr>
+            </a:p>
+          </p:txBody>
+        </p:sp>
+      </p:grpSp>
+      <p:sp>
+        <p:nvSpPr>
+          <p:cNvPr id="29" name="文本框 28"/>
+          <p:cNvSpPr txBox="1"/>
+          <p:nvPr/>
+        </p:nvSpPr>
+        <p:spPr>
+          <a:xfrm>
+            <a:off x="578486" y="419100"/>
+            <a:ext cx="7111365" cy="706755"/>
+          </a:xfrm>
+          <a:prstGeom prst="rect">
+            <a:avLst/>
+          </a:prstGeom>
+          <a:noFill/>
+        </p:spPr>
+        <p:txBody>
+          <a:bodyPr wrap="none" rtlCol="0">
+            <a:spAutoFit/>
+          </a:bodyPr>
+          <a:p>
+            <a:pPr algn="l"/>
+            <a:r>
+              <a:rPr lang="en-US" altLang="zh-CN" sz="4000" b="1">
+                <a:solidFill>
+                  <a:schemeClr val="bg1"/>
+                </a:solidFill>
+                <a:sym typeface="+mn-ea"/>
+              </a:rPr>
+              <a:t>剑指 Offer 18. 删除链表的节点</a:t>
+            </a:r>
+            <a:endParaRPr lang="en-US" altLang="zh-CN" sz="4000" b="1">
+              <a:solidFill>
+                <a:schemeClr val="bg1"/>
+              </a:solidFill>
+              <a:sym typeface="+mn-ea"/>
+            </a:endParaRPr>
+          </a:p>
+        </p:txBody>
+      </p:sp>
+      <p:sp>
+        <p:nvSpPr>
+          <p:cNvPr id="30" name="椭圆 29"/>
+          <p:cNvSpPr/>
+          <p:nvPr/>
+        </p:nvSpPr>
+        <p:spPr>
+          <a:xfrm>
+            <a:off x="8003540" y="4570730"/>
+            <a:ext cx="540000" cy="540000"/>
+          </a:xfrm>
+          <a:prstGeom prst="ellipse">
+            <a:avLst/>
+          </a:prstGeom>
+        </p:spPr>
+        <p:style>
+          <a:lnRef idx="2">
+            <a:schemeClr val="accent1">
+              <a:shade val="50000"/>
+            </a:schemeClr>
+          </a:lnRef>
+          <a:fillRef idx="1">
+            <a:schemeClr val="accent1"/>
+          </a:fillRef>
+          <a:effectRef idx="0">
+            <a:schemeClr val="accent1"/>
+          </a:effectRef>
+          <a:fontRef idx="minor">
+            <a:schemeClr val="lt1"/>
+          </a:fontRef>
+        </p:style>
+        <p:txBody>
+          <a:bodyPr rtlCol="0" anchor="ctr"/>
+          <a:p>
+            <a:pPr algn="ctr"/>
+            <a:r>
+              <a:rPr lang="en-US" altLang="zh-CN" sz="2800"/>
+              <a:t>3</a:t>
+            </a:r>
+            <a:endParaRPr lang="en-US" altLang="zh-CN" sz="2800"/>
+          </a:p>
+        </p:txBody>
+      </p:sp>
+      <p:sp>
+        <p:nvSpPr>
+          <p:cNvPr id="31" name="椭圆 30"/>
+          <p:cNvSpPr/>
+          <p:nvPr/>
+        </p:nvSpPr>
+        <p:spPr>
+          <a:xfrm>
+            <a:off x="9439275" y="4570730"/>
+            <a:ext cx="540000" cy="540000"/>
+          </a:xfrm>
+          <a:prstGeom prst="ellipse">
+            <a:avLst/>
+          </a:prstGeom>
+        </p:spPr>
+        <p:style>
+          <a:lnRef idx="2">
+            <a:schemeClr val="accent1">
+              <a:shade val="50000"/>
+            </a:schemeClr>
+          </a:lnRef>
+          <a:fillRef idx="1">
+            <a:schemeClr val="accent1"/>
+          </a:fillRef>
+          <a:effectRef idx="0">
+            <a:schemeClr val="accent1"/>
+          </a:effectRef>
+          <a:fontRef idx="minor">
+            <a:schemeClr val="lt1"/>
+          </a:fontRef>
+        </p:style>
+        <p:txBody>
+          <a:bodyPr rtlCol="0" anchor="ctr"/>
+          <a:p>
+            <a:pPr algn="ctr"/>
+            <a:r>
+              <a:rPr lang="en-US" altLang="zh-CN" sz="2800"/>
+              <a:t>4</a:t>
+            </a:r>
+            <a:endParaRPr lang="en-US" altLang="zh-CN" sz="2800"/>
+          </a:p>
+        </p:txBody>
+      </p:sp>
+      <p:cxnSp>
+        <p:nvCxnSpPr>
+          <p:cNvPr id="32" name="rightArrow"/>
+          <p:cNvCxnSpPr/>
+          <p:nvPr/>
+        </p:nvCxnSpPr>
+        <p:spPr>
+          <a:xfrm>
+            <a:off x="7223760" y="4840605"/>
+            <a:ext cx="648000" cy="0"/>
+          </a:xfrm>
+          <a:prstGeom prst="straightConnector1">
+            <a:avLst/>
+          </a:prstGeom>
+          <a:ln w="28575" cmpd="sng">
+            <a:solidFill>
+              <a:schemeClr val="bg1"/>
+            </a:solidFill>
+            <a:prstDash val="solid"/>
+            <a:tailEnd type="arrow"/>
+          </a:ln>
+        </p:spPr>
+        <p:style>
+          <a:lnRef idx="1">
+            <a:schemeClr val="accent1"/>
+          </a:lnRef>
+          <a:fillRef idx="0">
+            <a:schemeClr val="accent1"/>
+          </a:fillRef>
+          <a:effectRef idx="0">
+            <a:schemeClr val="accent1"/>
+          </a:effectRef>
+          <a:fontRef idx="minor">
+            <a:schemeClr val="tx1"/>
+          </a:fontRef>
+        </p:style>
+      </p:cxnSp>
+      <p:cxnSp>
+        <p:nvCxnSpPr>
+          <p:cNvPr id="33" name="直接箭头连接符 32"/>
+          <p:cNvCxnSpPr/>
+          <p:nvPr/>
+        </p:nvCxnSpPr>
+        <p:spPr>
+          <a:xfrm>
+            <a:off x="8676005" y="4840605"/>
+            <a:ext cx="648000" cy="0"/>
+          </a:xfrm>
+          <a:prstGeom prst="straightConnector1">
+            <a:avLst/>
+          </a:prstGeom>
+          <a:ln w="28575" cmpd="sng">
+            <a:solidFill>
+              <a:schemeClr val="bg1"/>
+            </a:solidFill>
+            <a:prstDash val="solid"/>
+            <a:tailEnd type="arrow"/>
+          </a:ln>
+        </p:spPr>
+        <p:style>
+          <a:lnRef idx="1">
+            <a:schemeClr val="accent1"/>
+          </a:lnRef>
+          <a:fillRef idx="0">
+            <a:schemeClr val="accent1"/>
+          </a:fillRef>
+          <a:effectRef idx="0">
+            <a:schemeClr val="accent1"/>
+          </a:effectRef>
+          <a:fontRef idx="minor">
+            <a:schemeClr val="tx1"/>
+          </a:fontRef>
+        </p:style>
+      </p:cxnSp>
+      <p:sp>
+        <p:nvSpPr>
+          <p:cNvPr id="34" name="文本框 33"/>
+          <p:cNvSpPr txBox="1"/>
+          <p:nvPr/>
+        </p:nvSpPr>
+        <p:spPr>
+          <a:xfrm>
+            <a:off x="608965" y="1240155"/>
+            <a:ext cx="8622665" cy="368300"/>
+          </a:xfrm>
+          <a:prstGeom prst="rect">
+            <a:avLst/>
+          </a:prstGeom>
+          <a:noFill/>
+        </p:spPr>
+        <p:txBody>
+          <a:bodyPr wrap="square" rtlCol="0">
+            <a:spAutoFit/>
+          </a:bodyPr>
+          <a:p>
+            <a:pPr algn="l"/>
+            <a:r>
+              <a:rPr lang="zh-CN" altLang="en-US" b="1">
+                <a:solidFill>
+                  <a:schemeClr val="bg1"/>
+                </a:solidFill>
+                <a:sym typeface="+mn-ea"/>
+              </a:rPr>
+              <a:t>题目：给定单向链表的头指针和一个要删除的节点的值，定义一个函数删除该节点。</a:t>
+            </a:r>
+            <a:endParaRPr lang="zh-CN" altLang="en-US" b="1">
+              <a:solidFill>
+                <a:schemeClr val="bg1"/>
+              </a:solidFill>
+              <a:sym typeface="+mn-ea"/>
+            </a:endParaRPr>
+          </a:p>
+        </p:txBody>
+      </p:sp>
+      <p:sp>
+        <p:nvSpPr>
+          <p:cNvPr id="7" name="椭圆 6"/>
+          <p:cNvSpPr/>
+          <p:nvPr/>
+        </p:nvSpPr>
+        <p:spPr>
+          <a:xfrm>
+            <a:off x="2241550" y="4570730"/>
+            <a:ext cx="540000" cy="540000"/>
+          </a:xfrm>
+          <a:prstGeom prst="ellipse">
+            <a:avLst/>
+          </a:prstGeom>
+        </p:spPr>
+        <p:style>
+          <a:lnRef idx="2">
+            <a:schemeClr val="accent1">
+              <a:shade val="50000"/>
+            </a:schemeClr>
+          </a:lnRef>
+          <a:fillRef idx="1">
+            <a:schemeClr val="accent1"/>
+          </a:fillRef>
+          <a:effectRef idx="0">
+            <a:schemeClr val="accent1"/>
+          </a:effectRef>
+          <a:fontRef idx="minor">
+            <a:schemeClr val="lt1"/>
+          </a:fontRef>
+        </p:style>
+        <p:txBody>
+          <a:bodyPr rtlCol="0" anchor="ctr"/>
+          <a:p>
+            <a:pPr algn="ctr"/>
+            <a:r>
+              <a:rPr lang="en-US" altLang="zh-CN" sz="2800"/>
+              <a:t>1</a:t>
+            </a:r>
+            <a:endParaRPr lang="en-US" altLang="zh-CN" sz="2800"/>
+          </a:p>
+        </p:txBody>
+      </p:sp>
+      <p:cxnSp>
+        <p:nvCxnSpPr>
+          <p:cNvPr id="8" name="直接箭头连接符 7"/>
+          <p:cNvCxnSpPr/>
+          <p:nvPr/>
+        </p:nvCxnSpPr>
+        <p:spPr>
+          <a:xfrm>
+            <a:off x="1477010" y="4840605"/>
+            <a:ext cx="628015" cy="0"/>
+          </a:xfrm>
+          <a:prstGeom prst="straightConnector1">
+            <a:avLst/>
+          </a:prstGeom>
+          <a:ln w="28575" cmpd="sng">
+            <a:solidFill>
+              <a:schemeClr val="bg1"/>
+            </a:solidFill>
+            <a:prstDash val="solid"/>
+            <a:tailEnd type="arrow"/>
+          </a:ln>
+        </p:spPr>
+        <p:style>
+          <a:lnRef idx="1">
+            <a:schemeClr val="accent1"/>
+          </a:lnRef>
+          <a:fillRef idx="0">
+            <a:schemeClr val="accent1"/>
+          </a:fillRef>
+          <a:effectRef idx="0">
+            <a:schemeClr val="accent1"/>
+          </a:effectRef>
+          <a:fontRef idx="minor">
+            <a:schemeClr val="tx1"/>
+          </a:fontRef>
+        </p:style>
+      </p:cxnSp>
+      <p:sp>
+        <p:nvSpPr>
+          <p:cNvPr id="9" name="椭圆 8"/>
+          <p:cNvSpPr/>
+          <p:nvPr/>
+        </p:nvSpPr>
+        <p:spPr>
+          <a:xfrm>
+            <a:off x="800735" y="4570730"/>
+            <a:ext cx="540000" cy="540000"/>
+          </a:xfrm>
+          <a:prstGeom prst="ellipse">
+            <a:avLst/>
+          </a:prstGeom>
+        </p:spPr>
+        <p:style>
+          <a:lnRef idx="1">
+            <a:schemeClr val="accent6"/>
+          </a:lnRef>
+          <a:fillRef idx="3">
+            <a:schemeClr val="accent6"/>
+          </a:fillRef>
+          <a:effectRef idx="2">
+            <a:schemeClr val="accent6"/>
+          </a:effectRef>
+          <a:fontRef idx="minor">
+            <a:schemeClr val="lt1"/>
+          </a:fontRef>
+        </p:style>
+        <p:txBody>
+          <a:bodyPr rtlCol="0" anchor="ctr"/>
+          <a:p>
+            <a:pPr algn="ctr"/>
+            <a:r>
+              <a:rPr lang="zh-CN" altLang="en-US"/>
+              <a:t>空</a:t>
+            </a:r>
+            <a:endParaRPr lang="zh-CN" altLang="en-US"/>
+          </a:p>
+        </p:txBody>
+      </p:sp>
+      <p:sp>
+        <p:nvSpPr>
+          <p:cNvPr id="63" name="文本框 62"/>
+          <p:cNvSpPr txBox="1"/>
+          <p:nvPr/>
+        </p:nvSpPr>
+        <p:spPr>
+          <a:xfrm>
+            <a:off x="592455" y="1654175"/>
+            <a:ext cx="8639175" cy="922020"/>
+          </a:xfrm>
+          <a:prstGeom prst="rect">
+            <a:avLst/>
+          </a:prstGeom>
+          <a:noFill/>
+        </p:spPr>
+        <p:txBody>
+          <a:bodyPr wrap="square" rtlCol="0">
+            <a:spAutoFit/>
+          </a:bodyPr>
+          <a:p>
+            <a:pPr algn="l"/>
+            <a:r>
+              <a:rPr lang="zh-CN" altLang="en-US" b="1">
+                <a:solidFill>
+                  <a:schemeClr val="bg1"/>
+                </a:solidFill>
+                <a:sym typeface="+mn-ea"/>
+              </a:rPr>
+              <a:t>解法：</a:t>
+            </a:r>
+            <a:endParaRPr lang="zh-CN" altLang="en-US" b="1">
+              <a:solidFill>
+                <a:schemeClr val="bg1"/>
+              </a:solidFill>
+              <a:sym typeface="+mn-ea"/>
+            </a:endParaRPr>
+          </a:p>
+          <a:p>
+            <a:pPr algn="l"/>
+            <a:r>
+              <a:rPr lang="en-US" altLang="zh-CN" b="1">
+                <a:solidFill>
+                  <a:schemeClr val="bg1"/>
+                </a:solidFill>
+                <a:sym typeface="+mn-ea"/>
+              </a:rPr>
+              <a:t>1</a:t>
+            </a:r>
+            <a:r>
+              <a:rPr lang="zh-CN" altLang="en-US" b="1">
+                <a:solidFill>
+                  <a:schemeClr val="bg1"/>
+                </a:solidFill>
+                <a:sym typeface="+mn-ea"/>
+              </a:rPr>
+              <a:t>、找到要删除的节点</a:t>
+            </a:r>
+            <a:endParaRPr lang="zh-CN" altLang="en-US" b="1">
+              <a:solidFill>
+                <a:schemeClr val="bg1"/>
+              </a:solidFill>
+              <a:sym typeface="+mn-ea"/>
+            </a:endParaRPr>
+          </a:p>
+          <a:p>
+            <a:pPr algn="l"/>
+            <a:r>
+              <a:rPr lang="en-US" altLang="zh-CN" b="1">
+                <a:solidFill>
+                  <a:schemeClr val="bg1"/>
+                </a:solidFill>
+                <a:sym typeface="+mn-ea"/>
+              </a:rPr>
+              <a:t>2</a:t>
+            </a:r>
+            <a:r>
+              <a:rPr lang="zh-CN" altLang="en-US" b="1">
+                <a:solidFill>
+                  <a:schemeClr val="bg1"/>
+                </a:solidFill>
+                <a:sym typeface="+mn-ea"/>
+              </a:rPr>
+              <a:t>、把前一个节点指向要删除节点的下一个节点</a:t>
+            </a:r>
+            <a:endParaRPr lang="zh-CN" altLang="en-US" b="1">
+              <a:solidFill>
+                <a:schemeClr val="bg1"/>
+              </a:solidFill>
+              <a:sym typeface="+mn-ea"/>
+            </a:endParaRPr>
+          </a:p>
+        </p:txBody>
+      </p:sp>
+      <p:grpSp>
+        <p:nvGrpSpPr>
+          <p:cNvPr id="19" name="组合 18"/>
+          <p:cNvGrpSpPr/>
+          <p:nvPr/>
+        </p:nvGrpSpPr>
+        <p:grpSpPr>
+          <a:xfrm rot="0">
+            <a:off x="594360" y="5236210"/>
+            <a:ext cx="873760" cy="1045845"/>
+            <a:chOff x="6566" y="2606"/>
+            <a:chExt cx="1376" cy="1647"/>
+          </a:xfrm>
+        </p:grpSpPr>
+        <p:sp>
+          <p:nvSpPr>
+            <p:cNvPr id="20" name="下箭头 19"/>
+            <p:cNvSpPr/>
+            <p:nvPr/>
+          </p:nvSpPr>
+          <p:spPr>
+            <a:xfrm flipV="1">
+              <a:off x="7049" y="2606"/>
+              <a:ext cx="522" cy="851"/>
+            </a:xfrm>
+            <a:prstGeom prst="downArrow">
+              <a:avLst/>
+            </a:prstGeom>
+            <a:solidFill>
+              <a:schemeClr val="accent2"/>
+            </a:solidFill>
+          </p:spPr>
+          <p:style>
+            <a:lnRef idx="2">
+              <a:schemeClr val="accent1">
+                <a:shade val="50000"/>
+              </a:schemeClr>
+            </a:lnRef>
+            <a:fillRef idx="1">
+              <a:schemeClr val="accent1"/>
+            </a:fillRef>
+            <a:effectRef idx="0">
+              <a:schemeClr val="accent1"/>
+            </a:effectRef>
+            <a:fontRef idx="minor">
+              <a:schemeClr val="lt1"/>
+            </a:fontRef>
+          </p:style>
+          <p:txBody>
+            <a:bodyPr rtlCol="0" anchor="ctr"/>
+            <a:p>
+              <a:pPr algn="ctr"/>
+              <a:endParaRPr lang="zh-CN" altLang="en-US"/>
+            </a:p>
+          </p:txBody>
+        </p:sp>
+        <p:sp>
+          <p:nvSpPr>
+            <p:cNvPr id="21" name="文本框 20"/>
+            <p:cNvSpPr txBox="1"/>
+            <p:nvPr/>
+          </p:nvSpPr>
+          <p:spPr>
+            <a:xfrm>
+              <a:off x="6566" y="3673"/>
+              <a:ext cx="1376" cy="580"/>
+            </a:xfrm>
+            <a:prstGeom prst="rect">
+              <a:avLst/>
+            </a:prstGeom>
+            <a:noFill/>
+          </p:spPr>
+          <p:txBody>
+            <a:bodyPr wrap="none" rtlCol="0">
+              <a:spAutoFit/>
+            </a:bodyPr>
+            <a:p>
+              <a:pPr algn="ctr"/>
+              <a:r>
+                <a:rPr lang="en-US" altLang="zh-CN" b="1">
+                  <a:solidFill>
+                    <a:schemeClr val="bg1"/>
+                  </a:solidFill>
+                </a:rPr>
+                <a:t>vHead</a:t>
+              </a:r>
+              <a:endParaRPr lang="en-US" altLang="zh-CN" b="1">
+                <a:solidFill>
+                  <a:schemeClr val="bg1"/>
+                </a:solidFill>
+              </a:endParaRPr>
+            </a:p>
+          </p:txBody>
+        </p:sp>
+      </p:grpSp>
+      <p:grpSp>
+        <p:nvGrpSpPr>
+          <p:cNvPr id="22" name="组合 21"/>
+          <p:cNvGrpSpPr/>
+          <p:nvPr/>
+        </p:nvGrpSpPr>
+        <p:grpSpPr>
+          <a:xfrm rot="0">
+            <a:off x="2118360" y="5245735"/>
+            <a:ext cx="720725" cy="1045845"/>
+            <a:chOff x="6681" y="2606"/>
+            <a:chExt cx="1135" cy="1647"/>
+          </a:xfrm>
+        </p:grpSpPr>
+        <p:sp>
+          <p:nvSpPr>
+            <p:cNvPr id="23" name="下箭头 22"/>
+            <p:cNvSpPr/>
+            <p:nvPr/>
+          </p:nvSpPr>
+          <p:spPr>
+            <a:xfrm flipV="1">
+              <a:off x="7049" y="2606"/>
+              <a:ext cx="522" cy="851"/>
+            </a:xfrm>
+            <a:prstGeom prst="downArrow">
+              <a:avLst/>
+            </a:prstGeom>
+            <a:solidFill>
+              <a:schemeClr val="accent2"/>
+            </a:solidFill>
+          </p:spPr>
+          <p:style>
+            <a:lnRef idx="2">
+              <a:schemeClr val="accent1">
+                <a:shade val="50000"/>
+              </a:schemeClr>
+            </a:lnRef>
+            <a:fillRef idx="1">
+              <a:schemeClr val="accent1"/>
+            </a:fillRef>
+            <a:effectRef idx="0">
+              <a:schemeClr val="accent1"/>
+            </a:effectRef>
+            <a:fontRef idx="minor">
+              <a:schemeClr val="lt1"/>
+            </a:fontRef>
+          </p:style>
+          <p:txBody>
+            <a:bodyPr rtlCol="0" anchor="ctr"/>
+            <a:p>
+              <a:pPr algn="ctr"/>
+              <a:endParaRPr lang="zh-CN" altLang="en-US"/>
+            </a:p>
+          </p:txBody>
+        </p:sp>
+        <p:sp>
+          <p:nvSpPr>
+            <p:cNvPr id="24" name="文本框 23"/>
+            <p:cNvSpPr txBox="1"/>
+            <p:nvPr/>
+          </p:nvSpPr>
+          <p:spPr>
+            <a:xfrm>
+              <a:off x="6681" y="3673"/>
+              <a:ext cx="1135" cy="580"/>
+            </a:xfrm>
+            <a:prstGeom prst="rect">
+              <a:avLst/>
+            </a:prstGeom>
+            <a:noFill/>
+          </p:spPr>
+          <p:txBody>
+            <a:bodyPr wrap="none" rtlCol="0">
+              <a:spAutoFit/>
+            </a:bodyPr>
+            <a:p>
+              <a:pPr algn="ctr"/>
+              <a:r>
+                <a:rPr lang="en-US" altLang="zh-CN" b="1">
+                  <a:solidFill>
+                    <a:schemeClr val="bg1"/>
+                  </a:solidFill>
+                </a:rPr>
+                <a:t>head</a:t>
+              </a:r>
+              <a:endParaRPr lang="en-US" altLang="zh-CN" b="1">
+                <a:solidFill>
+                  <a:schemeClr val="bg1"/>
+                </a:solidFill>
+              </a:endParaRPr>
+            </a:p>
+          </p:txBody>
+        </p:sp>
+      </p:grpSp>
+    </p:spTree>
+  </p:cSld>
+  <p:clrMapOvr>
+    <a:masterClrMapping/>
+  </p:clrMapOvr>
+  <p:timing>
+    <p:tnLst>
+      <p:par>
+        <p:cTn id="1" dur="indefinite" restart="never" nodeType="tmRoot">
+          <p:childTnLst>
+            <p:seq concurrent="1" nextAc="seek">
+              <p:cTn id="2" dur="indefinite" nodeType="mainSeq">
+                <p:childTnLst>
+                  <p:par>
+                    <p:cTn id="3" fill="hold">
+                      <p:stCondLst>
+                        <p:cond delay="indefinite"/>
+                      </p:stCondLst>
+                      <p:childTnLst>
+                        <p:par>
+                          <p:cTn id="4" fill="hold">
+                            <p:stCondLst>
+                              <p:cond delay="0"/>
+                            </p:stCondLst>
+                            <p:childTnLst>
+                              <p:par>
+                                <p:cTn id="5" presetID="10" presetClass="exit" presetSubtype="0" fill="hold" nodeType="clickEffect">
+                                  <p:stCondLst>
+                                    <p:cond delay="0"/>
+                                  </p:stCondLst>
+                                  <p:childTnLst>
+                                    <p:animEffect transition="out" filter="fade">
+                                      <p:cBhvr>
+                                        <p:cTn id="6" dur="500"/>
+                                        <p:tgtEl>
+                                          <p:spTgt spid="8"/>
+                                        </p:tgtEl>
+                                      </p:cBhvr>
+                                    </p:animEffect>
+                                    <p:set>
+                                      <p:cBhvr>
+                                        <p:cTn id="7" dur="1" fill="hold">
+                                          <p:stCondLst>
+                                            <p:cond delay="499"/>
+                                          </p:stCondLst>
+                                        </p:cTn>
+                                        <p:tgtEl>
+                                          <p:spTgt spid="8"/>
+                                        </p:tgtEl>
+                                        <p:attrNameLst>
+                                          <p:attrName>style.visibility</p:attrName>
+                                        </p:attrNameLst>
+                                      </p:cBhvr>
+                                      <p:to>
+                                        <p:strVal val="hidden"/>
+                                      </p:to>
+                                    </p:set>
+                                  </p:childTnLst>
+                                </p:cTn>
+                              </p:par>
+                            </p:childTnLst>
+                          </p:cTn>
+                        </p:par>
+                      </p:childTnLst>
+                    </p:cTn>
+                  </p:par>
+                  <p:par>
+                    <p:cTn id="8" fill="hold">
+                      <p:stCondLst>
+                        <p:cond delay="indefinite"/>
+                      </p:stCondLst>
+                      <p:childTnLst>
+                        <p:par>
+                          <p:cTn id="9" fill="hold">
+                            <p:stCondLst>
+                              <p:cond delay="0"/>
+                            </p:stCondLst>
+                            <p:childTnLst>
+                              <p:par>
+                                <p:cTn id="10" presetID="63" presetClass="path" presetSubtype="0" accel="50000" decel="50000" fill="hold" nodeType="clickEffect">
+                                  <p:stCondLst>
+                                    <p:cond delay="0"/>
+                                  </p:stCondLst>
+                                  <p:childTnLst>
+                                    <p:animMotion origin="layout" path="M 0.000000 0.000000 L 0.116771 -0.000463 " pathEditMode="relative" rAng="0" ptsTypes="">
+                                      <p:cBhvr>
+                                        <p:cTn id="11" dur="1000" fill="hold"/>
+                                        <p:tgtEl>
+                                          <p:spTgt spid="27"/>
+                                        </p:tgtEl>
+                                        <p:attrNameLst>
+                                          <p:attrName>ppt_x</p:attrName>
+                                          <p:attrName>ppt_y</p:attrName>
+                                        </p:attrNameLst>
+                                      </p:cBhvr>
+                                      <p:rCtr x="58" y="0"/>
+                                    </p:animMotion>
+                                  </p:childTnLst>
+                                </p:cTn>
+                              </p:par>
+                            </p:childTnLst>
+                          </p:cTn>
+                        </p:par>
+                        <p:par>
+                          <p:cTn id="12" fill="hold">
+                            <p:stCondLst>
+                              <p:cond delay="1000"/>
+                            </p:stCondLst>
+                            <p:childTnLst>
+                              <p:par>
+                                <p:cTn id="13" presetID="10" presetClass="entr" presetSubtype="0" fill="hold" nodeType="afterEffect">
+                                  <p:stCondLst>
+                                    <p:cond delay="0"/>
+                                  </p:stCondLst>
+                                  <p:childTnLst>
+                                    <p:set>
+                                      <p:cBhvr>
+                                        <p:cTn id="14" dur="1" fill="hold">
+                                          <p:stCondLst>
+                                            <p:cond delay="0"/>
+                                          </p:stCondLst>
+                                        </p:cTn>
+                                        <p:tgtEl>
+                                          <p:spTgt spid="35"/>
+                                        </p:tgtEl>
+                                        <p:attrNameLst>
+                                          <p:attrName>style.visibility</p:attrName>
+                                        </p:attrNameLst>
+                                      </p:cBhvr>
+                                      <p:to>
+                                        <p:strVal val="visible"/>
+                                      </p:to>
+                                    </p:set>
+                                    <p:animEffect transition="in" filter="fade">
+                                      <p:cBhvr>
+                                        <p:cTn id="15" dur="500"/>
+                                        <p:tgtEl>
+                                          <p:spTgt spid="35"/>
+                                        </p:tgtEl>
+                                      </p:cBhvr>
+                                    </p:animEffect>
+                                  </p:childTnLst>
+                                </p:cTn>
+                              </p:par>
+                            </p:childTnLst>
+                          </p:cTn>
+                        </p:par>
+                      </p:childTnLst>
+                    </p:cTn>
+                  </p:par>
+                  <p:par>
+                    <p:cTn id="16" fill="hold">
+                      <p:stCondLst>
+                        <p:cond delay="indefinite"/>
+                      </p:stCondLst>
+                      <p:childTnLst>
+                        <p:par>
+                          <p:cTn id="17" fill="hold">
+                            <p:stCondLst>
+                              <p:cond delay="0"/>
+                            </p:stCondLst>
+                            <p:childTnLst>
+                              <p:par>
+                                <p:cTn id="18" presetID="63" presetClass="path" presetSubtype="0" accel="50000" decel="50000" fill="hold" nodeType="clickEffect">
+                                  <p:stCondLst>
+                                    <p:cond delay="0"/>
+                                  </p:stCondLst>
+                                  <p:childTnLst>
+                                    <p:animMotion origin="layout" path="M 0.117448 -0.000648 L 0.236146 -0.000278 " pathEditMode="relative" rAng="0" ptsTypes="">
+                                      <p:cBhvr>
+                                        <p:cTn id="19" dur="1000" fill="hold"/>
+                                        <p:tgtEl>
+                                          <p:spTgt spid="27"/>
+                                        </p:tgtEl>
+                                        <p:attrNameLst>
+                                          <p:attrName>ppt_x</p:attrName>
+                                          <p:attrName>ppt_y</p:attrName>
+                                        </p:attrNameLst>
+                                      </p:cBhvr>
+                                      <p:rCtr x="59" y="0"/>
+                                    </p:animMotion>
+                                  </p:childTnLst>
+                                </p:cTn>
+                              </p:par>
+                            </p:childTnLst>
+                          </p:cTn>
+                        </p:par>
+                        <p:par>
+                          <p:cTn id="20" fill="hold">
+                            <p:stCondLst>
+                              <p:cond delay="1000"/>
+                            </p:stCondLst>
+                            <p:childTnLst>
+                              <p:par>
+                                <p:cTn id="21" presetID="63" presetClass="path" presetSubtype="0" accel="50000" decel="50000" fill="hold" nodeType="afterEffect">
+                                  <p:stCondLst>
+                                    <p:cond delay="0"/>
+                                  </p:stCondLst>
+                                  <p:childTnLst>
+                                    <p:animMotion origin="layout" path="M 0.000000 0.000000 L 0.116771 -0.000463 " pathEditMode="relative" rAng="0" ptsTypes="">
+                                      <p:cBhvr>
+                                        <p:cTn id="22" dur="1000" fill="hold"/>
+                                        <p:tgtEl>
+                                          <p:spTgt spid="35"/>
+                                        </p:tgtEl>
+                                        <p:attrNameLst>
+                                          <p:attrName>ppt_x</p:attrName>
+                                          <p:attrName>ppt_y</p:attrName>
+                                        </p:attrNameLst>
+                                      </p:cBhvr>
+                                      <p:rCtr x="58" y="0"/>
+                                    </p:animMotion>
+                                  </p:childTnLst>
+                                </p:cTn>
+                              </p:par>
+                            </p:childTnLst>
+                          </p:cTn>
+                        </p:par>
+                      </p:childTnLst>
+                    </p:cTn>
+                  </p:par>
+                  <p:par>
+                    <p:cTn id="23" fill="hold">
+                      <p:stCondLst>
+                        <p:cond delay="indefinite"/>
+                      </p:stCondLst>
+                      <p:childTnLst>
+                        <p:par>
+                          <p:cTn id="24" fill="hold">
+                            <p:stCondLst>
+                              <p:cond delay="0"/>
+                            </p:stCondLst>
+                            <p:childTnLst>
+                              <p:par>
+                                <p:cTn id="25" presetID="63" presetClass="path" presetSubtype="0" accel="50000" decel="50000" fill="hold" nodeType="clickEffect">
+                                  <p:stCondLst>
+                                    <p:cond delay="0"/>
+                                  </p:stCondLst>
+                                  <p:childTnLst>
+                                    <p:animMotion origin="layout" path="M 0.000000 0.000000 L 0.355729 -0.000093 " pathEditMode="relative" rAng="0" ptsTypes="">
+                                      <p:cBhvr>
+                                        <p:cTn id="26" dur="1000" fill="hold"/>
+                                        <p:tgtEl>
+                                          <p:spTgt spid="25"/>
+                                        </p:tgtEl>
+                                        <p:attrNameLst>
+                                          <p:attrName>ppt_x</p:attrName>
+                                          <p:attrName>ppt_y</p:attrName>
+                                        </p:attrNameLst>
+                                      </p:cBhvr>
+                                      <p:rCtr x="125" y="0"/>
+                                    </p:animMotion>
+                                  </p:childTnLst>
+                                </p:cTn>
+                              </p:par>
+                            </p:childTnLst>
+                          </p:cTn>
+                        </p:par>
+                      </p:childTnLst>
+                    </p:cTn>
+                  </p:par>
+                </p:childTnLst>
+              </p:cTn>
+              <p:prevCondLst>
+                <p:cond evt="onPrev" delay="0">
+                  <p:tgtEl>
+                    <p:sldTgt/>
+                  </p:tgtEl>
+                </p:cond>
+              </p:prevCondLst>
+              <p:nextCondLst>
+                <p:cond evt="onNext" delay="0">
+                  <p:tgtEl>
+                    <p:sldTgt/>
+                  </p:tgtEl>
+                </p:cond>
+              </p:nextCondLst>
+            </p:seq>
+          </p:childTnLst>
+        </p:cTn>
+      </p:par>
+    </p:tnLst>
+  </p:timing>
+</p:sld>
+</file>
+
+<file path=ppt/slides/slide5.xml><?xml version="1.0" encoding="utf-8"?>
 <p:sld xmlns:a="http://schemas.openxmlformats.org/drawingml/2006/main" xmlns:r="http://schemas.openxmlformats.org/officeDocument/2006/relationships" xmlns:p="http://schemas.openxmlformats.org/presentationml/2006/main">
   <p:cSld>
     <p:bg>
@@ -37510,7 +41528,7 @@
 </p:sld>
 </file>
 
-<file path=ppt/slides/slide5.xml><?xml version="1.0" encoding="utf-8"?>
+<file path=ppt/slides/slide6.xml><?xml version="1.0" encoding="utf-8"?>
 <p:sld xmlns:a="http://schemas.openxmlformats.org/drawingml/2006/main" xmlns:r="http://schemas.openxmlformats.org/officeDocument/2006/relationships" xmlns:p="http://schemas.openxmlformats.org/presentationml/2006/main">
   <p:cSld>
     <p:bg>
@@ -39542,7 +43560,7 @@
 </p:sld>
 </file>
 
-<file path=ppt/slides/slide6.xml><?xml version="1.0" encoding="utf-8"?>
+<file path=ppt/slides/slide7.xml><?xml version="1.0" encoding="utf-8"?>
 <p:sld xmlns:a="http://schemas.openxmlformats.org/drawingml/2006/main" xmlns:r="http://schemas.openxmlformats.org/officeDocument/2006/relationships" xmlns:p="http://schemas.openxmlformats.org/presentationml/2006/main">
   <p:cSld>
     <p:bg>
@@ -41384,7 +45402,7 @@
 </p:sld>
 </file>
 
-<file path=ppt/slides/slide7.xml><?xml version="1.0" encoding="utf-8"?>
+<file path=ppt/slides/slide8.xml><?xml version="1.0" encoding="utf-8"?>
 <p:sld xmlns:a="http://schemas.openxmlformats.org/drawingml/2006/main" xmlns:r="http://schemas.openxmlformats.org/officeDocument/2006/relationships" xmlns:p="http://schemas.openxmlformats.org/presentationml/2006/main">
   <p:cSld>
     <p:bg>
@@ -43859,7 +47877,7 @@
 </p:sld>
 </file>
 
-<file path=ppt/slides/slide8.xml><?xml version="1.0" encoding="utf-8"?>
+<file path=ppt/slides/slide9.xml><?xml version="1.0" encoding="utf-8"?>
 <p:sld xmlns:a="http://schemas.openxmlformats.org/drawingml/2006/main" xmlns:r="http://schemas.openxmlformats.org/officeDocument/2006/relationships" xmlns:p="http://schemas.openxmlformats.org/presentationml/2006/main">
   <p:cSld>
     <p:bg>
@@ -46528,2569 +50546,6 @@
       <p:bldP spid="28" grpId="0"/>
       <p:bldP spid="26" grpId="0"/>
       <p:bldP spid="25" grpId="0"/>
-    </p:bldLst>
-  </p:timing>
-</p:sld>
-</file>
-
-<file path=ppt/slides/slide9.xml><?xml version="1.0" encoding="utf-8"?>
-<p:sld xmlns:a="http://schemas.openxmlformats.org/drawingml/2006/main" xmlns:r="http://schemas.openxmlformats.org/officeDocument/2006/relationships" xmlns:p="http://schemas.openxmlformats.org/presentationml/2006/main">
-  <p:cSld>
-    <p:bg>
-      <p:bgPr>
-        <a:solidFill>
-          <a:schemeClr val="tx2"/>
-        </a:solidFill>
-        <a:effectLst/>
-      </p:bgPr>
-    </p:bg>
-    <p:spTree>
-      <p:nvGrpSpPr>
-        <p:cNvPr id="1" name=""/>
-        <p:cNvGrpSpPr/>
-        <p:nvPr/>
-      </p:nvGrpSpPr>
-      <p:grpSpPr/>
-      <p:sp>
-        <p:nvSpPr>
-          <p:cNvPr id="2" name="椭圆 1"/>
-          <p:cNvSpPr/>
-          <p:nvPr/>
-        </p:nvSpPr>
-        <p:spPr>
-          <a:xfrm>
-            <a:off x="3893185" y="3172460"/>
-            <a:ext cx="540000" cy="540000"/>
-          </a:xfrm>
-          <a:prstGeom prst="ellipse">
-            <a:avLst/>
-          </a:prstGeom>
-        </p:spPr>
-        <p:style>
-          <a:lnRef idx="2">
-            <a:schemeClr val="accent1">
-              <a:shade val="50000"/>
-            </a:schemeClr>
-          </a:lnRef>
-          <a:fillRef idx="1">
-            <a:schemeClr val="accent1"/>
-          </a:fillRef>
-          <a:effectRef idx="0">
-            <a:schemeClr val="accent1"/>
-          </a:effectRef>
-          <a:fontRef idx="minor">
-            <a:schemeClr val="lt1"/>
-          </a:fontRef>
-        </p:style>
-        <p:txBody>
-          <a:bodyPr rtlCol="0" anchor="ctr"/>
-          <a:p>
-            <a:pPr algn="ctr"/>
-            <a:r>
-              <a:rPr lang="en-US" altLang="zh-CN" sz="2800"/>
-              <a:t>0</a:t>
-            </a:r>
-            <a:endParaRPr lang="en-US" altLang="zh-CN" sz="2800"/>
-          </a:p>
-        </p:txBody>
-      </p:sp>
-      <p:sp>
-        <p:nvSpPr>
-          <p:cNvPr id="4" name="椭圆 3"/>
-          <p:cNvSpPr/>
-          <p:nvPr/>
-        </p:nvSpPr>
-        <p:spPr>
-          <a:xfrm>
-            <a:off x="5380990" y="3172460"/>
-            <a:ext cx="540000" cy="540000"/>
-          </a:xfrm>
-          <a:prstGeom prst="ellipse">
-            <a:avLst/>
-          </a:prstGeom>
-        </p:spPr>
-        <p:style>
-          <a:lnRef idx="2">
-            <a:schemeClr val="accent1">
-              <a:shade val="50000"/>
-            </a:schemeClr>
-          </a:lnRef>
-          <a:fillRef idx="1">
-            <a:schemeClr val="accent1"/>
-          </a:fillRef>
-          <a:effectRef idx="0">
-            <a:schemeClr val="accent1"/>
-          </a:effectRef>
-          <a:fontRef idx="minor">
-            <a:schemeClr val="lt1"/>
-          </a:fontRef>
-        </p:style>
-        <p:txBody>
-          <a:bodyPr rtlCol="0" anchor="ctr"/>
-          <a:p>
-            <a:pPr algn="ctr"/>
-            <a:r>
-              <a:rPr lang="en-US" altLang="zh-CN" sz="2800"/>
-              <a:t>9</a:t>
-            </a:r>
-            <a:endParaRPr lang="en-US" altLang="zh-CN" sz="2800"/>
-          </a:p>
-        </p:txBody>
-      </p:sp>
-      <p:sp>
-        <p:nvSpPr>
-          <p:cNvPr id="5" name="椭圆 4"/>
-          <p:cNvSpPr/>
-          <p:nvPr/>
-        </p:nvSpPr>
-        <p:spPr>
-          <a:xfrm>
-            <a:off x="6800215" y="3172460"/>
-            <a:ext cx="540000" cy="540000"/>
-          </a:xfrm>
-          <a:prstGeom prst="ellipse">
-            <a:avLst/>
-          </a:prstGeom>
-        </p:spPr>
-        <p:style>
-          <a:lnRef idx="2">
-            <a:schemeClr val="accent1">
-              <a:shade val="50000"/>
-            </a:schemeClr>
-          </a:lnRef>
-          <a:fillRef idx="1">
-            <a:schemeClr val="accent1"/>
-          </a:fillRef>
-          <a:effectRef idx="0">
-            <a:schemeClr val="accent1"/>
-          </a:effectRef>
-          <a:fontRef idx="minor">
-            <a:schemeClr val="lt1"/>
-          </a:fontRef>
-        </p:style>
-        <p:txBody>
-          <a:bodyPr rtlCol="0" anchor="ctr"/>
-          <a:p>
-            <a:pPr algn="ctr"/>
-            <a:r>
-              <a:rPr lang="en-US" altLang="zh-CN" sz="2800"/>
-              <a:t>3</a:t>
-            </a:r>
-            <a:endParaRPr lang="en-US" altLang="zh-CN" sz="2800"/>
-          </a:p>
-        </p:txBody>
-      </p:sp>
-      <p:sp>
-        <p:nvSpPr>
-          <p:cNvPr id="7" name="椭圆 6"/>
-          <p:cNvSpPr/>
-          <p:nvPr/>
-        </p:nvSpPr>
-        <p:spPr>
-          <a:xfrm>
-            <a:off x="8220075" y="2290445"/>
-            <a:ext cx="540000" cy="540000"/>
-          </a:xfrm>
-          <a:prstGeom prst="ellipse">
-            <a:avLst/>
-          </a:prstGeom>
-        </p:spPr>
-        <p:style>
-          <a:lnRef idx="2">
-            <a:schemeClr val="accent1">
-              <a:shade val="50000"/>
-            </a:schemeClr>
-          </a:lnRef>
-          <a:fillRef idx="1">
-            <a:schemeClr val="accent1"/>
-          </a:fillRef>
-          <a:effectRef idx="0">
-            <a:schemeClr val="accent1"/>
-          </a:effectRef>
-          <a:fontRef idx="minor">
-            <a:schemeClr val="lt1"/>
-          </a:fontRef>
-        </p:style>
-        <p:txBody>
-          <a:bodyPr rtlCol="0" anchor="ctr"/>
-          <a:p>
-            <a:pPr algn="ctr"/>
-            <a:r>
-              <a:rPr lang="en-US" altLang="zh-CN" sz="2800"/>
-              <a:t>8</a:t>
-            </a:r>
-            <a:endParaRPr lang="en-US" altLang="zh-CN" sz="2800"/>
-          </a:p>
-        </p:txBody>
-      </p:sp>
-      <p:sp>
-        <p:nvSpPr>
-          <p:cNvPr id="9" name="椭圆 8"/>
-          <p:cNvSpPr/>
-          <p:nvPr/>
-        </p:nvSpPr>
-        <p:spPr>
-          <a:xfrm>
-            <a:off x="9639935" y="3172460"/>
-            <a:ext cx="540000" cy="540000"/>
-          </a:xfrm>
-          <a:prstGeom prst="ellipse">
-            <a:avLst/>
-          </a:prstGeom>
-        </p:spPr>
-        <p:style>
-          <a:lnRef idx="2">
-            <a:schemeClr val="accent1">
-              <a:shade val="50000"/>
-            </a:schemeClr>
-          </a:lnRef>
-          <a:fillRef idx="1">
-            <a:schemeClr val="accent1"/>
-          </a:fillRef>
-          <a:effectRef idx="0">
-            <a:schemeClr val="accent1"/>
-          </a:effectRef>
-          <a:fontRef idx="minor">
-            <a:schemeClr val="lt1"/>
-          </a:fontRef>
-        </p:style>
-        <p:txBody>
-          <a:bodyPr rtlCol="0" anchor="ctr"/>
-          <a:p>
-            <a:pPr algn="ctr"/>
-            <a:r>
-              <a:rPr lang="en-US" altLang="zh-CN" sz="2800"/>
-              <a:t>5</a:t>
-            </a:r>
-            <a:endParaRPr lang="en-US" altLang="zh-CN" sz="2800"/>
-          </a:p>
-        </p:txBody>
-      </p:sp>
-      <p:sp>
-        <p:nvSpPr>
-          <p:cNvPr id="10" name="椭圆 9"/>
-          <p:cNvSpPr/>
-          <p:nvPr/>
-        </p:nvSpPr>
-        <p:spPr>
-          <a:xfrm>
-            <a:off x="9639935" y="4623435"/>
-            <a:ext cx="540000" cy="540000"/>
-          </a:xfrm>
-          <a:prstGeom prst="ellipse">
-            <a:avLst/>
-          </a:prstGeom>
-        </p:spPr>
-        <p:style>
-          <a:lnRef idx="2">
-            <a:schemeClr val="accent1">
-              <a:shade val="50000"/>
-            </a:schemeClr>
-          </a:lnRef>
-          <a:fillRef idx="1">
-            <a:schemeClr val="accent1"/>
-          </a:fillRef>
-          <a:effectRef idx="0">
-            <a:schemeClr val="accent1"/>
-          </a:effectRef>
-          <a:fontRef idx="minor">
-            <a:schemeClr val="lt1"/>
-          </a:fontRef>
-        </p:style>
-        <p:txBody>
-          <a:bodyPr rtlCol="0" anchor="ctr"/>
-          <a:p>
-            <a:pPr algn="ctr"/>
-            <a:r>
-              <a:rPr lang="en-US" altLang="zh-CN" sz="2800"/>
-              <a:t>7</a:t>
-            </a:r>
-            <a:endParaRPr lang="en-US" altLang="zh-CN" sz="2800"/>
-          </a:p>
-        </p:txBody>
-      </p:sp>
-      <p:sp>
-        <p:nvSpPr>
-          <p:cNvPr id="11" name="椭圆 10"/>
-          <p:cNvSpPr/>
-          <p:nvPr/>
-        </p:nvSpPr>
-        <p:spPr>
-          <a:xfrm>
-            <a:off x="8262620" y="5504180"/>
-            <a:ext cx="540000" cy="540000"/>
-          </a:xfrm>
-          <a:prstGeom prst="ellipse">
-            <a:avLst/>
-          </a:prstGeom>
-        </p:spPr>
-        <p:style>
-          <a:lnRef idx="2">
-            <a:schemeClr val="accent1">
-              <a:shade val="50000"/>
-            </a:schemeClr>
-          </a:lnRef>
-          <a:fillRef idx="1">
-            <a:schemeClr val="accent1"/>
-          </a:fillRef>
-          <a:effectRef idx="0">
-            <a:schemeClr val="accent1"/>
-          </a:effectRef>
-          <a:fontRef idx="minor">
-            <a:schemeClr val="lt1"/>
-          </a:fontRef>
-        </p:style>
-        <p:txBody>
-          <a:bodyPr rtlCol="0" anchor="ctr"/>
-          <a:p>
-            <a:pPr algn="ctr"/>
-            <a:r>
-              <a:rPr lang="en-US" altLang="zh-CN" sz="2800"/>
-              <a:t>1</a:t>
-            </a:r>
-            <a:endParaRPr lang="en-US" altLang="zh-CN" sz="2800"/>
-          </a:p>
-        </p:txBody>
-      </p:sp>
-      <p:sp>
-        <p:nvSpPr>
-          <p:cNvPr id="12" name="椭圆 11"/>
-          <p:cNvSpPr/>
-          <p:nvPr/>
-        </p:nvSpPr>
-        <p:spPr>
-          <a:xfrm>
-            <a:off x="6800215" y="4623435"/>
-            <a:ext cx="540000" cy="540000"/>
-          </a:xfrm>
-          <a:prstGeom prst="ellipse">
-            <a:avLst/>
-          </a:prstGeom>
-        </p:spPr>
-        <p:style>
-          <a:lnRef idx="2">
-            <a:schemeClr val="accent1">
-              <a:shade val="50000"/>
-            </a:schemeClr>
-          </a:lnRef>
-          <a:fillRef idx="1">
-            <a:schemeClr val="accent1"/>
-          </a:fillRef>
-          <a:effectRef idx="0">
-            <a:schemeClr val="accent1"/>
-          </a:effectRef>
-          <a:fontRef idx="minor">
-            <a:schemeClr val="lt1"/>
-          </a:fontRef>
-        </p:style>
-        <p:txBody>
-          <a:bodyPr rtlCol="0" anchor="ctr"/>
-          <a:p>
-            <a:pPr algn="ctr"/>
-            <a:r>
-              <a:rPr lang="en-US" altLang="zh-CN" sz="2800"/>
-              <a:t>2</a:t>
-            </a:r>
-            <a:endParaRPr lang="en-US" altLang="zh-CN" sz="2800"/>
-          </a:p>
-        </p:txBody>
-      </p:sp>
-      <p:cxnSp>
-        <p:nvCxnSpPr>
-          <p:cNvPr id="15" name="直接箭头连接符 14"/>
-          <p:cNvCxnSpPr/>
-          <p:nvPr/>
-        </p:nvCxnSpPr>
-        <p:spPr>
-          <a:xfrm>
-            <a:off x="4582795" y="3442335"/>
-            <a:ext cx="648000" cy="0"/>
-          </a:xfrm>
-          <a:prstGeom prst="straightConnector1">
-            <a:avLst/>
-          </a:prstGeom>
-          <a:ln w="28575" cmpd="sng">
-            <a:solidFill>
-              <a:schemeClr val="bg1"/>
-            </a:solidFill>
-            <a:prstDash val="solid"/>
-            <a:tailEnd type="arrow"/>
-          </a:ln>
-        </p:spPr>
-        <p:style>
-          <a:lnRef idx="1">
-            <a:schemeClr val="accent1"/>
-          </a:lnRef>
-          <a:fillRef idx="0">
-            <a:schemeClr val="accent1"/>
-          </a:fillRef>
-          <a:effectRef idx="0">
-            <a:schemeClr val="accent1"/>
-          </a:effectRef>
-          <a:fontRef idx="minor">
-            <a:schemeClr val="tx1"/>
-          </a:fontRef>
-        </p:style>
-      </p:cxnSp>
-      <p:cxnSp>
-        <p:nvCxnSpPr>
-          <p:cNvPr id="16" name="直接箭头连接符 15"/>
-          <p:cNvCxnSpPr/>
-          <p:nvPr/>
-        </p:nvCxnSpPr>
-        <p:spPr>
-          <a:xfrm>
-            <a:off x="6019165" y="3442335"/>
-            <a:ext cx="648000" cy="0"/>
-          </a:xfrm>
-          <a:prstGeom prst="straightConnector1">
-            <a:avLst/>
-          </a:prstGeom>
-          <a:ln w="28575" cmpd="sng">
-            <a:solidFill>
-              <a:schemeClr val="bg1"/>
-            </a:solidFill>
-            <a:prstDash val="solid"/>
-            <a:tailEnd type="arrow"/>
-          </a:ln>
-        </p:spPr>
-        <p:style>
-          <a:lnRef idx="1">
-            <a:schemeClr val="accent1"/>
-          </a:lnRef>
-          <a:fillRef idx="0">
-            <a:schemeClr val="accent1"/>
-          </a:fillRef>
-          <a:effectRef idx="0">
-            <a:schemeClr val="accent1"/>
-          </a:effectRef>
-          <a:fontRef idx="minor">
-            <a:schemeClr val="tx1"/>
-          </a:fontRef>
-        </p:style>
-      </p:cxnSp>
-      <p:cxnSp>
-        <p:nvCxnSpPr>
-          <p:cNvPr id="17" name="直接箭头连接符 16"/>
-          <p:cNvCxnSpPr/>
-          <p:nvPr/>
-        </p:nvCxnSpPr>
-        <p:spPr>
-          <a:xfrm flipV="1">
-            <a:off x="7451090" y="2780030"/>
-            <a:ext cx="586105" cy="392430"/>
-          </a:xfrm>
-          <a:prstGeom prst="straightConnector1">
-            <a:avLst/>
-          </a:prstGeom>
-          <a:ln w="28575" cmpd="sng">
-            <a:solidFill>
-              <a:schemeClr val="bg1"/>
-            </a:solidFill>
-            <a:prstDash val="solid"/>
-            <a:tailEnd type="arrow"/>
-          </a:ln>
-        </p:spPr>
-        <p:style>
-          <a:lnRef idx="1">
-            <a:schemeClr val="accent1"/>
-          </a:lnRef>
-          <a:fillRef idx="0">
-            <a:schemeClr val="accent1"/>
-          </a:fillRef>
-          <a:effectRef idx="0">
-            <a:schemeClr val="accent1"/>
-          </a:effectRef>
-          <a:fontRef idx="minor">
-            <a:schemeClr val="tx1"/>
-          </a:fontRef>
-        </p:style>
-      </p:cxnSp>
-      <p:cxnSp>
-        <p:nvCxnSpPr>
-          <p:cNvPr id="18" name="直接箭头连接符 17"/>
-          <p:cNvCxnSpPr/>
-          <p:nvPr/>
-        </p:nvCxnSpPr>
-        <p:spPr>
-          <a:xfrm>
-            <a:off x="8902065" y="2779395"/>
-            <a:ext cx="594360" cy="340360"/>
-          </a:xfrm>
-          <a:prstGeom prst="straightConnector1">
-            <a:avLst/>
-          </a:prstGeom>
-          <a:ln w="28575" cmpd="sng">
-            <a:solidFill>
-              <a:schemeClr val="bg1"/>
-            </a:solidFill>
-            <a:prstDash val="solid"/>
-            <a:tailEnd type="arrow"/>
-          </a:ln>
-        </p:spPr>
-        <p:style>
-          <a:lnRef idx="1">
-            <a:schemeClr val="accent1"/>
-          </a:lnRef>
-          <a:fillRef idx="0">
-            <a:schemeClr val="accent1"/>
-          </a:fillRef>
-          <a:effectRef idx="0">
-            <a:schemeClr val="accent1"/>
-          </a:effectRef>
-          <a:fontRef idx="minor">
-            <a:schemeClr val="tx1"/>
-          </a:fontRef>
-        </p:style>
-      </p:cxnSp>
-      <p:cxnSp>
-        <p:nvCxnSpPr>
-          <p:cNvPr id="19" name="直接箭头连接符 18"/>
-          <p:cNvCxnSpPr/>
-          <p:nvPr/>
-        </p:nvCxnSpPr>
-        <p:spPr>
-          <a:xfrm flipV="1">
-            <a:off x="7029450" y="3859530"/>
-            <a:ext cx="0" cy="575945"/>
-          </a:xfrm>
-          <a:prstGeom prst="straightConnector1">
-            <a:avLst/>
-          </a:prstGeom>
-          <a:ln w="28575" cmpd="sng">
-            <a:solidFill>
-              <a:schemeClr val="bg1"/>
-            </a:solidFill>
-            <a:prstDash val="solid"/>
-            <a:tailEnd type="arrow"/>
-          </a:ln>
-        </p:spPr>
-        <p:style>
-          <a:lnRef idx="1">
-            <a:schemeClr val="accent1"/>
-          </a:lnRef>
-          <a:fillRef idx="0">
-            <a:schemeClr val="accent1"/>
-          </a:fillRef>
-          <a:effectRef idx="0">
-            <a:schemeClr val="accent1"/>
-          </a:effectRef>
-          <a:fontRef idx="minor">
-            <a:schemeClr val="tx1"/>
-          </a:fontRef>
-        </p:style>
-      </p:cxnSp>
-      <p:cxnSp>
-        <p:nvCxnSpPr>
-          <p:cNvPr id="20" name="直接箭头连接符 19"/>
-          <p:cNvCxnSpPr/>
-          <p:nvPr/>
-        </p:nvCxnSpPr>
-        <p:spPr>
-          <a:xfrm>
-            <a:off x="9909175" y="3931285"/>
-            <a:ext cx="10160" cy="589280"/>
-          </a:xfrm>
-          <a:prstGeom prst="straightConnector1">
-            <a:avLst/>
-          </a:prstGeom>
-          <a:ln w="28575" cmpd="sng">
-            <a:solidFill>
-              <a:schemeClr val="bg1"/>
-            </a:solidFill>
-            <a:prstDash val="solid"/>
-            <a:tailEnd type="arrow"/>
-          </a:ln>
-        </p:spPr>
-        <p:style>
-          <a:lnRef idx="1">
-            <a:schemeClr val="accent1"/>
-          </a:lnRef>
-          <a:fillRef idx="0">
-            <a:schemeClr val="accent1"/>
-          </a:fillRef>
-          <a:effectRef idx="0">
-            <a:schemeClr val="accent1"/>
-          </a:effectRef>
-          <a:fontRef idx="minor">
-            <a:schemeClr val="tx1"/>
-          </a:fontRef>
-        </p:style>
-      </p:cxnSp>
-      <p:cxnSp>
-        <p:nvCxnSpPr>
-          <p:cNvPr id="21" name="直接箭头连接符 20"/>
-          <p:cNvCxnSpPr/>
-          <p:nvPr/>
-        </p:nvCxnSpPr>
-        <p:spPr>
-          <a:xfrm flipH="1">
-            <a:off x="8949690" y="5163185"/>
-            <a:ext cx="498475" cy="353060"/>
-          </a:xfrm>
-          <a:prstGeom prst="straightConnector1">
-            <a:avLst/>
-          </a:prstGeom>
-          <a:ln w="28575" cmpd="sng">
-            <a:solidFill>
-              <a:schemeClr val="bg1"/>
-            </a:solidFill>
-            <a:prstDash val="solid"/>
-            <a:tailEnd type="arrow"/>
-          </a:ln>
-        </p:spPr>
-        <p:style>
-          <a:lnRef idx="1">
-            <a:schemeClr val="accent1"/>
-          </a:lnRef>
-          <a:fillRef idx="0">
-            <a:schemeClr val="accent1"/>
-          </a:fillRef>
-          <a:effectRef idx="0">
-            <a:schemeClr val="accent1"/>
-          </a:effectRef>
-          <a:fontRef idx="minor">
-            <a:schemeClr val="tx1"/>
-          </a:fontRef>
-        </p:style>
-      </p:cxnSp>
-      <p:cxnSp>
-        <p:nvCxnSpPr>
-          <p:cNvPr id="22" name="直接箭头连接符 21"/>
-          <p:cNvCxnSpPr/>
-          <p:nvPr/>
-        </p:nvCxnSpPr>
-        <p:spPr>
-          <a:xfrm flipH="1" flipV="1">
-            <a:off x="7468235" y="5196840"/>
-            <a:ext cx="625475" cy="319405"/>
-          </a:xfrm>
-          <a:prstGeom prst="straightConnector1">
-            <a:avLst/>
-          </a:prstGeom>
-          <a:ln w="28575" cmpd="sng">
-            <a:solidFill>
-              <a:schemeClr val="bg1"/>
-            </a:solidFill>
-            <a:prstDash val="solid"/>
-            <a:tailEnd type="arrow"/>
-          </a:ln>
-        </p:spPr>
-        <p:style>
-          <a:lnRef idx="1">
-            <a:schemeClr val="accent1"/>
-          </a:lnRef>
-          <a:fillRef idx="0">
-            <a:schemeClr val="accent1"/>
-          </a:fillRef>
-          <a:effectRef idx="0">
-            <a:schemeClr val="accent1"/>
-          </a:effectRef>
-          <a:fontRef idx="minor">
-            <a:schemeClr val="tx1"/>
-          </a:fontRef>
-        </p:style>
-      </p:cxnSp>
-      <p:cxnSp>
-        <p:nvCxnSpPr>
-          <p:cNvPr id="27" name="曲线连接符 26"/>
-          <p:cNvCxnSpPr/>
-          <p:nvPr/>
-        </p:nvCxnSpPr>
-        <p:spPr>
-          <a:xfrm rot="16200000" flipH="1">
-            <a:off x="5586110" y="1773540"/>
-            <a:ext cx="78740" cy="2808000"/>
-          </a:xfrm>
-          <a:prstGeom prst="curvedConnector3">
-            <a:avLst>
-              <a:gd name="adj1" fmla="val -1011290"/>
-            </a:avLst>
-          </a:prstGeom>
-          <a:ln w="28575" cmpd="sng">
-            <a:solidFill>
-              <a:schemeClr val="accent2"/>
-            </a:solidFill>
-            <a:prstDash val="solid"/>
-            <a:tailEnd type="arrow"/>
-          </a:ln>
-        </p:spPr>
-        <p:style>
-          <a:lnRef idx="1">
-            <a:schemeClr val="accent1"/>
-          </a:lnRef>
-          <a:fillRef idx="0">
-            <a:schemeClr val="accent1"/>
-          </a:fillRef>
-          <a:effectRef idx="0">
-            <a:schemeClr val="accent1"/>
-          </a:effectRef>
-          <a:fontRef idx="minor">
-            <a:schemeClr val="tx1"/>
-          </a:fontRef>
-        </p:style>
-      </p:cxnSp>
-      <p:cxnSp>
-        <p:nvCxnSpPr>
-          <p:cNvPr id="29" name="曲线连接符 28"/>
-          <p:cNvCxnSpPr/>
-          <p:nvPr/>
-        </p:nvCxnSpPr>
-        <p:spPr>
-          <a:xfrm rot="16200000" flipH="1">
-            <a:off x="8450580" y="1789430"/>
-            <a:ext cx="78740" cy="2715895"/>
-          </a:xfrm>
-          <a:prstGeom prst="curvedConnector3">
-            <a:avLst>
-              <a:gd name="adj1" fmla="val -1723790"/>
-            </a:avLst>
-          </a:prstGeom>
-          <a:ln w="28575" cmpd="sng">
-            <a:solidFill>
-              <a:schemeClr val="accent2"/>
-            </a:solidFill>
-            <a:prstDash val="solid"/>
-            <a:tailEnd type="arrow"/>
-          </a:ln>
-        </p:spPr>
-        <p:style>
-          <a:lnRef idx="1">
-            <a:schemeClr val="accent1"/>
-          </a:lnRef>
-          <a:fillRef idx="0">
-            <a:schemeClr val="accent1"/>
-          </a:fillRef>
-          <a:effectRef idx="0">
-            <a:schemeClr val="accent1"/>
-          </a:effectRef>
-          <a:fontRef idx="minor">
-            <a:schemeClr val="tx1"/>
-          </a:fontRef>
-        </p:style>
-      </p:cxnSp>
-      <p:cxnSp>
-        <p:nvCxnSpPr>
-          <p:cNvPr id="31" name="曲线连接符 30"/>
-          <p:cNvCxnSpPr/>
-          <p:nvPr/>
-        </p:nvCxnSpPr>
-        <p:spPr>
-          <a:xfrm rot="16200000" flipH="1">
-            <a:off x="7021672" y="4454438"/>
-            <a:ext cx="72000" cy="2592000"/>
-          </a:xfrm>
-          <a:prstGeom prst="curvedConnector3">
-            <a:avLst>
-              <a:gd name="adj1" fmla="val -1723790"/>
-            </a:avLst>
-          </a:prstGeom>
-          <a:ln w="28575" cmpd="sng">
-            <a:solidFill>
-              <a:schemeClr val="accent2"/>
-            </a:solidFill>
-            <a:prstDash val="solid"/>
-            <a:tailEnd type="arrow"/>
-          </a:ln>
-          <a:scene3d>
-            <a:camera prst="orthographicFront">
-              <a:rot lat="0" lon="0" rev="7200000"/>
-            </a:camera>
-            <a:lightRig rig="threePt" dir="t"/>
-          </a:scene3d>
-        </p:spPr>
-        <p:style>
-          <a:lnRef idx="1">
-            <a:schemeClr val="accent1"/>
-          </a:lnRef>
-          <a:fillRef idx="0">
-            <a:schemeClr val="accent1"/>
-          </a:fillRef>
-          <a:effectRef idx="0">
-            <a:schemeClr val="accent1"/>
-          </a:effectRef>
-          <a:fontRef idx="minor">
-            <a:schemeClr val="tx1"/>
-          </a:fontRef>
-        </p:style>
-      </p:cxnSp>
-      <p:cxnSp>
-        <p:nvCxnSpPr>
-          <p:cNvPr id="33" name="曲线连接符 32"/>
-          <p:cNvCxnSpPr/>
-          <p:nvPr/>
-        </p:nvCxnSpPr>
-        <p:spPr>
-          <a:xfrm rot="16200000" flipH="1">
-            <a:off x="10013607" y="4470108"/>
-            <a:ext cx="78740" cy="2607259"/>
-          </a:xfrm>
-          <a:prstGeom prst="curvedConnector3">
-            <a:avLst>
-              <a:gd name="adj1" fmla="val -1723790"/>
-            </a:avLst>
-          </a:prstGeom>
-          <a:ln w="28575" cmpd="sng">
-            <a:solidFill>
-              <a:schemeClr val="accent2"/>
-            </a:solidFill>
-            <a:prstDash val="solid"/>
-            <a:tailEnd type="arrow"/>
-          </a:ln>
-          <a:scene3d>
-            <a:camera prst="orthographicFront">
-              <a:rot lat="0" lon="0" rev="14400000"/>
-            </a:camera>
-            <a:lightRig rig="threePt" dir="t"/>
-          </a:scene3d>
-        </p:spPr>
-        <p:style>
-          <a:lnRef idx="1">
-            <a:schemeClr val="accent1"/>
-          </a:lnRef>
-          <a:fillRef idx="0">
-            <a:schemeClr val="accent1"/>
-          </a:fillRef>
-          <a:effectRef idx="0">
-            <a:schemeClr val="accent1"/>
-          </a:effectRef>
-          <a:fontRef idx="minor">
-            <a:schemeClr val="tx1"/>
-          </a:fontRef>
-        </p:style>
-      </p:cxnSp>
-      <p:cxnSp>
-        <p:nvCxnSpPr>
-          <p:cNvPr id="34" name="曲线连接符 33"/>
-          <p:cNvCxnSpPr>
-            <a:stCxn id="2" idx="7"/>
-            <a:endCxn id="4" idx="1"/>
-          </p:cNvCxnSpPr>
-          <p:nvPr/>
-        </p:nvCxnSpPr>
-        <p:spPr>
-          <a:xfrm rot="16200000">
-            <a:off x="4978718" y="2698433"/>
-            <a:ext cx="3175" cy="1105535"/>
-          </a:xfrm>
-          <a:prstGeom prst="curvedConnector3">
-            <a:avLst>
-              <a:gd name="adj1" fmla="val 10040000"/>
-            </a:avLst>
-          </a:prstGeom>
-          <a:ln w="28575" cmpd="sng">
-            <a:solidFill>
-              <a:schemeClr val="accent1"/>
-            </a:solidFill>
-            <a:prstDash val="solid"/>
-            <a:tailEnd type="arrow"/>
-          </a:ln>
-        </p:spPr>
-        <p:style>
-          <a:lnRef idx="1">
-            <a:schemeClr val="accent1"/>
-          </a:lnRef>
-          <a:fillRef idx="0">
-            <a:schemeClr val="accent1"/>
-          </a:fillRef>
-          <a:effectRef idx="0">
-            <a:schemeClr val="accent1"/>
-          </a:effectRef>
-          <a:fontRef idx="minor">
-            <a:schemeClr val="tx1"/>
-          </a:fontRef>
-        </p:style>
-      </p:cxnSp>
-      <p:cxnSp>
-        <p:nvCxnSpPr>
-          <p:cNvPr id="37" name="曲线连接符 36"/>
-          <p:cNvCxnSpPr>
-            <a:stCxn id="4" idx="7"/>
-            <a:endCxn id="5" idx="1"/>
-          </p:cNvCxnSpPr>
-          <p:nvPr/>
-        </p:nvCxnSpPr>
-        <p:spPr>
-          <a:xfrm rot="16200000">
-            <a:off x="6432233" y="2732723"/>
-            <a:ext cx="3175" cy="1036955"/>
-          </a:xfrm>
-          <a:prstGeom prst="curvedConnector3">
-            <a:avLst>
-              <a:gd name="adj1" fmla="val 10040000"/>
-            </a:avLst>
-          </a:prstGeom>
-          <a:ln w="28575" cmpd="sng">
-            <a:solidFill>
-              <a:schemeClr val="accent1"/>
-            </a:solidFill>
-            <a:prstDash val="solid"/>
-            <a:tailEnd type="arrow"/>
-          </a:ln>
-        </p:spPr>
-        <p:style>
-          <a:lnRef idx="1">
-            <a:schemeClr val="accent1"/>
-          </a:lnRef>
-          <a:fillRef idx="0">
-            <a:schemeClr val="accent1"/>
-          </a:fillRef>
-          <a:effectRef idx="0">
-            <a:schemeClr val="accent1"/>
-          </a:effectRef>
-          <a:fontRef idx="minor">
-            <a:schemeClr val="tx1"/>
-          </a:fontRef>
-        </p:style>
-      </p:cxnSp>
-      <p:cxnSp>
-        <p:nvCxnSpPr>
-          <p:cNvPr id="38" name="曲线连接符 37"/>
-          <p:cNvCxnSpPr>
-            <a:stCxn id="5" idx="7"/>
-            <a:endCxn id="7" idx="2"/>
-          </p:cNvCxnSpPr>
-          <p:nvPr/>
-        </p:nvCxnSpPr>
-        <p:spPr>
-          <a:xfrm rot="16200000">
-            <a:off x="7466965" y="2426335"/>
-            <a:ext cx="690880" cy="958850"/>
-          </a:xfrm>
-          <a:prstGeom prst="curvedConnector2">
-            <a:avLst/>
-          </a:prstGeom>
-          <a:ln w="28575" cmpd="sng">
-            <a:solidFill>
-              <a:schemeClr val="accent1"/>
-            </a:solidFill>
-            <a:prstDash val="solid"/>
-            <a:tailEnd type="arrow"/>
-          </a:ln>
-        </p:spPr>
-        <p:style>
-          <a:lnRef idx="1">
-            <a:schemeClr val="accent1"/>
-          </a:lnRef>
-          <a:fillRef idx="0">
-            <a:schemeClr val="accent1"/>
-          </a:fillRef>
-          <a:effectRef idx="0">
-            <a:schemeClr val="accent1"/>
-          </a:effectRef>
-          <a:fontRef idx="minor">
-            <a:schemeClr val="tx1"/>
-          </a:fontRef>
-        </p:style>
-      </p:cxnSp>
-      <p:cxnSp>
-        <p:nvCxnSpPr>
-          <p:cNvPr id="39" name="曲线连接符 38"/>
-          <p:cNvCxnSpPr/>
-          <p:nvPr/>
-        </p:nvCxnSpPr>
-        <p:spPr>
-          <a:xfrm>
-            <a:off x="8759825" y="2560320"/>
-            <a:ext cx="958850" cy="690880"/>
-          </a:xfrm>
-          <a:prstGeom prst="curvedConnector2">
-            <a:avLst/>
-          </a:prstGeom>
-          <a:ln w="28575" cmpd="sng">
-            <a:solidFill>
-              <a:schemeClr val="accent1"/>
-            </a:solidFill>
-            <a:prstDash val="solid"/>
-            <a:tailEnd type="arrow"/>
-          </a:ln>
-        </p:spPr>
-        <p:style>
-          <a:lnRef idx="1">
-            <a:schemeClr val="accent1"/>
-          </a:lnRef>
-          <a:fillRef idx="0">
-            <a:schemeClr val="accent1"/>
-          </a:fillRef>
-          <a:effectRef idx="0">
-            <a:schemeClr val="accent1"/>
-          </a:effectRef>
-          <a:fontRef idx="minor">
-            <a:schemeClr val="tx1"/>
-          </a:fontRef>
-        </p:style>
-      </p:cxnSp>
-      <p:cxnSp>
-        <p:nvCxnSpPr>
-          <p:cNvPr id="43" name="曲线连接符 42"/>
-          <p:cNvCxnSpPr/>
-          <p:nvPr/>
-        </p:nvCxnSpPr>
-        <p:spPr>
-          <a:xfrm rot="5400000">
-            <a:off x="9008110" y="4957445"/>
-            <a:ext cx="610870" cy="1107440"/>
-          </a:xfrm>
-          <a:prstGeom prst="curvedConnector2">
-            <a:avLst/>
-          </a:prstGeom>
-          <a:ln w="28575" cmpd="sng">
-            <a:solidFill>
-              <a:schemeClr val="accent1"/>
-            </a:solidFill>
-            <a:prstDash val="solid"/>
-            <a:tailEnd type="arrow"/>
-          </a:ln>
-        </p:spPr>
-        <p:style>
-          <a:lnRef idx="1">
-            <a:schemeClr val="accent1"/>
-          </a:lnRef>
-          <a:fillRef idx="0">
-            <a:schemeClr val="accent1"/>
-          </a:fillRef>
-          <a:effectRef idx="0">
-            <a:schemeClr val="accent1"/>
-          </a:effectRef>
-          <a:fontRef idx="minor">
-            <a:schemeClr val="tx1"/>
-          </a:fontRef>
-        </p:style>
-      </p:cxnSp>
-      <p:cxnSp>
-        <p:nvCxnSpPr>
-          <p:cNvPr id="44" name="曲线连接符 43"/>
-          <p:cNvCxnSpPr>
-            <a:stCxn id="9" idx="6"/>
-            <a:endCxn id="10" idx="6"/>
-          </p:cNvCxnSpPr>
-          <p:nvPr/>
-        </p:nvCxnSpPr>
-        <p:spPr>
-          <a:xfrm>
-            <a:off x="10251440" y="3442335"/>
-            <a:ext cx="3175" cy="1450975"/>
-          </a:xfrm>
-          <a:prstGeom prst="curvedConnector3">
-            <a:avLst>
-              <a:gd name="adj1" fmla="val 7500000"/>
-            </a:avLst>
-          </a:prstGeom>
-          <a:ln w="28575" cmpd="sng">
-            <a:solidFill>
-              <a:schemeClr val="accent1"/>
-            </a:solidFill>
-            <a:prstDash val="solid"/>
-            <a:tailEnd type="arrow"/>
-          </a:ln>
-        </p:spPr>
-        <p:style>
-          <a:lnRef idx="1">
-            <a:schemeClr val="accent1"/>
-          </a:lnRef>
-          <a:fillRef idx="0">
-            <a:schemeClr val="accent1"/>
-          </a:fillRef>
-          <a:effectRef idx="0">
-            <a:schemeClr val="accent1"/>
-          </a:effectRef>
-          <a:fontRef idx="minor">
-            <a:schemeClr val="tx1"/>
-          </a:fontRef>
-        </p:style>
-      </p:cxnSp>
-      <p:cxnSp>
-        <p:nvCxnSpPr>
-          <p:cNvPr id="46" name="曲线连接符 45"/>
-          <p:cNvCxnSpPr/>
-          <p:nvPr/>
-        </p:nvCxnSpPr>
-        <p:spPr>
-          <a:xfrm rot="16200000" flipH="1">
-            <a:off x="8649335" y="1772920"/>
-            <a:ext cx="78740" cy="2715895"/>
-          </a:xfrm>
-          <a:prstGeom prst="curvedConnector3">
-            <a:avLst>
-              <a:gd name="adj1" fmla="val -1723790"/>
-            </a:avLst>
-          </a:prstGeom>
-          <a:ln w="28575" cmpd="sng">
-            <a:solidFill>
-              <a:schemeClr val="accent2"/>
-            </a:solidFill>
-            <a:prstDash val="solid"/>
-            <a:tailEnd type="arrow"/>
-          </a:ln>
-        </p:spPr>
-        <p:style>
-          <a:lnRef idx="1">
-            <a:schemeClr val="accent1"/>
-          </a:lnRef>
-          <a:fillRef idx="0">
-            <a:schemeClr val="accent1"/>
-          </a:fillRef>
-          <a:effectRef idx="0">
-            <a:schemeClr val="accent1"/>
-          </a:effectRef>
-          <a:fontRef idx="minor">
-            <a:schemeClr val="tx1"/>
-          </a:fontRef>
-        </p:style>
-      </p:cxnSp>
-      <p:cxnSp>
-        <p:nvCxnSpPr>
-          <p:cNvPr id="47" name="曲线连接符 46"/>
-          <p:cNvCxnSpPr/>
-          <p:nvPr/>
-        </p:nvCxnSpPr>
-        <p:spPr>
-          <a:xfrm rot="16200000" flipH="1">
-            <a:off x="9925342" y="4597108"/>
-            <a:ext cx="78740" cy="2607259"/>
-          </a:xfrm>
-          <a:prstGeom prst="curvedConnector3">
-            <a:avLst>
-              <a:gd name="adj1" fmla="val -1723790"/>
-            </a:avLst>
-          </a:prstGeom>
-          <a:ln w="28575" cmpd="sng">
-            <a:solidFill>
-              <a:schemeClr val="accent2"/>
-            </a:solidFill>
-            <a:prstDash val="solid"/>
-            <a:tailEnd type="arrow"/>
-          </a:ln>
-          <a:scene3d>
-            <a:camera prst="orthographicFront">
-              <a:rot lat="0" lon="0" rev="14400000"/>
-            </a:camera>
-            <a:lightRig rig="threePt" dir="t"/>
-          </a:scene3d>
-        </p:spPr>
-        <p:style>
-          <a:lnRef idx="1">
-            <a:schemeClr val="accent1"/>
-          </a:lnRef>
-          <a:fillRef idx="0">
-            <a:schemeClr val="accent1"/>
-          </a:fillRef>
-          <a:effectRef idx="0">
-            <a:schemeClr val="accent1"/>
-          </a:effectRef>
-          <a:fontRef idx="minor">
-            <a:schemeClr val="tx1"/>
-          </a:fontRef>
-        </p:style>
-      </p:cxnSp>
-      <p:cxnSp>
-        <p:nvCxnSpPr>
-          <p:cNvPr id="6" name="曲线连接符 5"/>
-          <p:cNvCxnSpPr/>
-          <p:nvPr/>
-        </p:nvCxnSpPr>
-        <p:spPr>
-          <a:xfrm rot="16200000" flipH="1">
-            <a:off x="7148672" y="4581438"/>
-            <a:ext cx="72000" cy="2592000"/>
-          </a:xfrm>
-          <a:prstGeom prst="curvedConnector3">
-            <a:avLst>
-              <a:gd name="adj1" fmla="val -1723790"/>
-            </a:avLst>
-          </a:prstGeom>
-          <a:ln w="28575" cmpd="sng">
-            <a:solidFill>
-              <a:schemeClr val="accent2"/>
-            </a:solidFill>
-            <a:prstDash val="solid"/>
-            <a:tailEnd type="arrow"/>
-          </a:ln>
-          <a:scene3d>
-            <a:camera prst="orthographicFront">
-              <a:rot lat="0" lon="0" rev="7200000"/>
-            </a:camera>
-            <a:lightRig rig="threePt" dir="t"/>
-          </a:scene3d>
-        </p:spPr>
-        <p:style>
-          <a:lnRef idx="1">
-            <a:schemeClr val="accent1"/>
-          </a:lnRef>
-          <a:fillRef idx="0">
-            <a:schemeClr val="accent1"/>
-          </a:fillRef>
-          <a:effectRef idx="0">
-            <a:schemeClr val="accent1"/>
-          </a:effectRef>
-          <a:fontRef idx="minor">
-            <a:schemeClr val="tx1"/>
-          </a:fontRef>
-        </p:style>
-      </p:cxnSp>
-      <p:cxnSp>
-        <p:nvCxnSpPr>
-          <p:cNvPr id="8" name="曲线连接符 7"/>
-          <p:cNvCxnSpPr/>
-          <p:nvPr/>
-        </p:nvCxnSpPr>
-        <p:spPr>
-          <a:xfrm rot="10800000">
-            <a:off x="6743700" y="3500120"/>
-            <a:ext cx="3175" cy="1450975"/>
-          </a:xfrm>
-          <a:prstGeom prst="curvedConnector3">
-            <a:avLst>
-              <a:gd name="adj1" fmla="val 7600000"/>
-            </a:avLst>
-          </a:prstGeom>
-          <a:ln w="28575" cmpd="sng">
-            <a:solidFill>
-              <a:schemeClr val="accent1"/>
-            </a:solidFill>
-            <a:prstDash val="solid"/>
-            <a:tailEnd type="arrow" w="med" len="med"/>
-          </a:ln>
-        </p:spPr>
-        <p:style>
-          <a:lnRef idx="1">
-            <a:schemeClr val="accent6"/>
-          </a:lnRef>
-          <a:fillRef idx="0">
-            <a:schemeClr val="accent6"/>
-          </a:fillRef>
-          <a:effectRef idx="0">
-            <a:schemeClr val="accent6"/>
-          </a:effectRef>
-          <a:fontRef idx="minor">
-            <a:schemeClr val="tx1"/>
-          </a:fontRef>
-        </p:style>
-      </p:cxnSp>
-      <p:cxnSp>
-        <p:nvCxnSpPr>
-          <p:cNvPr id="13" name="曲线连接符 12"/>
-          <p:cNvCxnSpPr/>
-          <p:nvPr/>
-        </p:nvCxnSpPr>
-        <p:spPr>
-          <a:xfrm rot="10800000">
-            <a:off x="7133590" y="5250815"/>
-            <a:ext cx="1001395" cy="689610"/>
-          </a:xfrm>
-          <a:prstGeom prst="curvedConnector2">
-            <a:avLst/>
-          </a:prstGeom>
-          <a:ln w="28575" cmpd="sng">
-            <a:solidFill>
-              <a:schemeClr val="accent1"/>
-            </a:solidFill>
-            <a:prstDash val="solid"/>
-            <a:tailEnd type="arrow"/>
-          </a:ln>
-        </p:spPr>
-        <p:style>
-          <a:lnRef idx="1">
-            <a:schemeClr val="accent1"/>
-          </a:lnRef>
-          <a:fillRef idx="0">
-            <a:schemeClr val="accent1"/>
-          </a:fillRef>
-          <a:effectRef idx="0">
-            <a:schemeClr val="accent1"/>
-          </a:effectRef>
-          <a:fontRef idx="minor">
-            <a:schemeClr val="tx1"/>
-          </a:fontRef>
-        </p:style>
-      </p:cxnSp>
-      <p:sp>
-        <p:nvSpPr>
-          <p:cNvPr id="14" name="文本框 13"/>
-          <p:cNvSpPr txBox="1"/>
-          <p:nvPr/>
-        </p:nvSpPr>
-        <p:spPr>
-          <a:xfrm>
-            <a:off x="578486" y="419100"/>
-            <a:ext cx="3787775" cy="706755"/>
-          </a:xfrm>
-          <a:prstGeom prst="rect">
-            <a:avLst/>
-          </a:prstGeom>
-          <a:noFill/>
-        </p:spPr>
-        <p:txBody>
-          <a:bodyPr wrap="none" rtlCol="0">
-            <a:spAutoFit/>
-          </a:bodyPr>
-          <a:p>
-            <a:pPr algn="ctr"/>
-            <a:r>
-              <a:rPr lang="en-US" altLang="zh-CN" sz="4000" b="1">
-                <a:solidFill>
-                  <a:schemeClr val="bg1"/>
-                </a:solidFill>
-                <a:sym typeface="+mn-ea"/>
-              </a:rPr>
-              <a:t>142. </a:t>
-            </a:r>
-            <a:r>
-              <a:rPr lang="zh-CN" altLang="en-US" sz="4000" b="1">
-                <a:solidFill>
-                  <a:schemeClr val="bg1"/>
-                </a:solidFill>
-                <a:sym typeface="+mn-ea"/>
-              </a:rPr>
-              <a:t>环型链表 II</a:t>
-            </a:r>
-            <a:endParaRPr lang="zh-CN" altLang="en-US" sz="4000" b="1">
-              <a:solidFill>
-                <a:schemeClr val="bg1"/>
-              </a:solidFill>
-              <a:sym typeface="+mn-ea"/>
-            </a:endParaRPr>
-          </a:p>
-        </p:txBody>
-      </p:sp>
-      <p:sp>
-        <p:nvSpPr>
-          <p:cNvPr id="23" name="文本框 22"/>
-          <p:cNvSpPr txBox="1"/>
-          <p:nvPr/>
-        </p:nvSpPr>
-        <p:spPr>
-          <a:xfrm>
-            <a:off x="578485" y="1197610"/>
-            <a:ext cx="8263255" cy="368300"/>
-          </a:xfrm>
-          <a:prstGeom prst="rect">
-            <a:avLst/>
-          </a:prstGeom>
-          <a:noFill/>
-        </p:spPr>
-        <p:txBody>
-          <a:bodyPr wrap="none" rtlCol="0">
-            <a:spAutoFit/>
-          </a:bodyPr>
-          <a:p>
-            <a:pPr algn="l"/>
-            <a:r>
-              <a:rPr lang="zh-CN" altLang="en-US" b="1">
-                <a:solidFill>
-                  <a:schemeClr val="bg1"/>
-                </a:solidFill>
-              </a:rPr>
-              <a:t>给定一个链表，返回链表开始入环的第一个节点。 如果链表无环，则返回 null。</a:t>
-            </a:r>
-            <a:endParaRPr lang="zh-CN" altLang="en-US" b="1">
-              <a:solidFill>
-                <a:schemeClr val="bg1"/>
-              </a:solidFill>
-            </a:endParaRPr>
-          </a:p>
-        </p:txBody>
-      </p:sp>
-      <p:sp>
-        <p:nvSpPr>
-          <p:cNvPr id="24" name="文本框 23"/>
-          <p:cNvSpPr txBox="1"/>
-          <p:nvPr/>
-        </p:nvSpPr>
-        <p:spPr>
-          <a:xfrm>
-            <a:off x="4748530" y="2558415"/>
-            <a:ext cx="458470" cy="368300"/>
-          </a:xfrm>
-          <a:prstGeom prst="rect">
-            <a:avLst/>
-          </a:prstGeom>
-          <a:noFill/>
-        </p:spPr>
-        <p:txBody>
-          <a:bodyPr wrap="square" rtlCol="0">
-            <a:spAutoFit/>
-          </a:bodyPr>
-          <a:p>
-            <a:pPr algn="ctr"/>
-            <a:r>
-              <a:rPr lang="en-US" altLang="zh-CN" b="1">
-                <a:solidFill>
-                  <a:schemeClr val="bg1"/>
-                </a:solidFill>
-              </a:rPr>
-              <a:t>1</a:t>
-            </a:r>
-            <a:endParaRPr lang="en-US" altLang="zh-CN" b="1">
-              <a:solidFill>
-                <a:schemeClr val="bg1"/>
-              </a:solidFill>
-            </a:endParaRPr>
-          </a:p>
-        </p:txBody>
-      </p:sp>
-      <p:sp>
-        <p:nvSpPr>
-          <p:cNvPr id="25" name="文本框 24"/>
-          <p:cNvSpPr txBox="1"/>
-          <p:nvPr/>
-        </p:nvSpPr>
-        <p:spPr>
-          <a:xfrm>
-            <a:off x="9460865" y="5566410"/>
-            <a:ext cx="458470" cy="368300"/>
-          </a:xfrm>
-          <a:prstGeom prst="rect">
-            <a:avLst/>
-          </a:prstGeom>
-          <a:noFill/>
-        </p:spPr>
-        <p:txBody>
-          <a:bodyPr wrap="square" rtlCol="0">
-            <a:spAutoFit/>
-          </a:bodyPr>
-          <a:p>
-            <a:pPr algn="ctr"/>
-            <a:r>
-              <a:rPr lang="en-US" altLang="zh-CN" b="1">
-                <a:solidFill>
-                  <a:schemeClr val="bg1"/>
-                </a:solidFill>
-              </a:rPr>
-              <a:t>6</a:t>
-            </a:r>
-            <a:endParaRPr lang="en-US" altLang="zh-CN" b="1">
-              <a:solidFill>
-                <a:schemeClr val="bg1"/>
-              </a:solidFill>
-            </a:endParaRPr>
-          </a:p>
-        </p:txBody>
-      </p:sp>
-      <p:sp>
-        <p:nvSpPr>
-          <p:cNvPr id="26" name="文本框 25"/>
-          <p:cNvSpPr txBox="1"/>
-          <p:nvPr/>
-        </p:nvSpPr>
-        <p:spPr>
-          <a:xfrm>
-            <a:off x="10454005" y="3931285"/>
-            <a:ext cx="458470" cy="368300"/>
-          </a:xfrm>
-          <a:prstGeom prst="rect">
-            <a:avLst/>
-          </a:prstGeom>
-          <a:noFill/>
-        </p:spPr>
-        <p:txBody>
-          <a:bodyPr wrap="square" rtlCol="0">
-            <a:spAutoFit/>
-          </a:bodyPr>
-          <a:p>
-            <a:pPr algn="ctr"/>
-            <a:r>
-              <a:rPr lang="en-US" altLang="zh-CN" b="1">
-                <a:solidFill>
-                  <a:schemeClr val="bg1"/>
-                </a:solidFill>
-              </a:rPr>
-              <a:t>5</a:t>
-            </a:r>
-            <a:endParaRPr lang="en-US" altLang="zh-CN" b="1">
-              <a:solidFill>
-                <a:schemeClr val="bg1"/>
-              </a:solidFill>
-            </a:endParaRPr>
-          </a:p>
-        </p:txBody>
-      </p:sp>
-      <p:sp>
-        <p:nvSpPr>
-          <p:cNvPr id="28" name="文本框 27"/>
-          <p:cNvSpPr txBox="1"/>
-          <p:nvPr/>
-        </p:nvSpPr>
-        <p:spPr>
-          <a:xfrm>
-            <a:off x="9152890" y="2376170"/>
-            <a:ext cx="458470" cy="368300"/>
-          </a:xfrm>
-          <a:prstGeom prst="rect">
-            <a:avLst/>
-          </a:prstGeom>
-          <a:noFill/>
-        </p:spPr>
-        <p:txBody>
-          <a:bodyPr wrap="square" rtlCol="0">
-            <a:spAutoFit/>
-          </a:bodyPr>
-          <a:p>
-            <a:pPr algn="ctr"/>
-            <a:r>
-              <a:rPr lang="en-US" altLang="zh-CN" b="1">
-                <a:solidFill>
-                  <a:schemeClr val="bg1"/>
-                </a:solidFill>
-              </a:rPr>
-              <a:t>4</a:t>
-            </a:r>
-            <a:endParaRPr lang="en-US" altLang="zh-CN" b="1">
-              <a:solidFill>
-                <a:schemeClr val="bg1"/>
-              </a:solidFill>
-            </a:endParaRPr>
-          </a:p>
-        </p:txBody>
-      </p:sp>
-      <p:sp>
-        <p:nvSpPr>
-          <p:cNvPr id="30" name="文本框 29"/>
-          <p:cNvSpPr txBox="1"/>
-          <p:nvPr/>
-        </p:nvSpPr>
-        <p:spPr>
-          <a:xfrm>
-            <a:off x="7301865" y="2447925"/>
-            <a:ext cx="458470" cy="368300"/>
-          </a:xfrm>
-          <a:prstGeom prst="rect">
-            <a:avLst/>
-          </a:prstGeom>
-          <a:noFill/>
-        </p:spPr>
-        <p:txBody>
-          <a:bodyPr wrap="square" rtlCol="0">
-            <a:spAutoFit/>
-          </a:bodyPr>
-          <a:p>
-            <a:pPr algn="ctr"/>
-            <a:r>
-              <a:rPr lang="en-US" altLang="zh-CN" b="1">
-                <a:solidFill>
-                  <a:schemeClr val="bg1"/>
-                </a:solidFill>
-              </a:rPr>
-              <a:t>3</a:t>
-            </a:r>
-            <a:endParaRPr lang="en-US" altLang="zh-CN" b="1">
-              <a:solidFill>
-                <a:schemeClr val="bg1"/>
-              </a:solidFill>
-            </a:endParaRPr>
-          </a:p>
-        </p:txBody>
-      </p:sp>
-      <p:sp>
-        <p:nvSpPr>
-          <p:cNvPr id="32" name="文本框 31"/>
-          <p:cNvSpPr txBox="1"/>
-          <p:nvPr/>
-        </p:nvSpPr>
-        <p:spPr>
-          <a:xfrm>
-            <a:off x="6131560" y="2559685"/>
-            <a:ext cx="458470" cy="368300"/>
-          </a:xfrm>
-          <a:prstGeom prst="rect">
-            <a:avLst/>
-          </a:prstGeom>
-          <a:noFill/>
-        </p:spPr>
-        <p:txBody>
-          <a:bodyPr wrap="square" rtlCol="0">
-            <a:spAutoFit/>
-          </a:bodyPr>
-          <a:p>
-            <a:pPr algn="ctr"/>
-            <a:r>
-              <a:rPr lang="en-US" altLang="zh-CN" b="1">
-                <a:solidFill>
-                  <a:schemeClr val="bg1"/>
-                </a:solidFill>
-              </a:rPr>
-              <a:t>2</a:t>
-            </a:r>
-            <a:endParaRPr lang="en-US" altLang="zh-CN" b="1">
-              <a:solidFill>
-                <a:schemeClr val="bg1"/>
-              </a:solidFill>
-            </a:endParaRPr>
-          </a:p>
-        </p:txBody>
-      </p:sp>
-      <p:sp>
-        <p:nvSpPr>
-          <p:cNvPr id="36" name="文本框 35"/>
-          <p:cNvSpPr txBox="1"/>
-          <p:nvPr/>
-        </p:nvSpPr>
-        <p:spPr>
-          <a:xfrm>
-            <a:off x="6088380" y="4023360"/>
-            <a:ext cx="458470" cy="368300"/>
-          </a:xfrm>
-          <a:prstGeom prst="rect">
-            <a:avLst/>
-          </a:prstGeom>
-          <a:noFill/>
-        </p:spPr>
-        <p:txBody>
-          <a:bodyPr wrap="square" rtlCol="0">
-            <a:spAutoFit/>
-          </a:bodyPr>
-          <a:p>
-            <a:pPr algn="ctr"/>
-            <a:r>
-              <a:rPr lang="en-US" altLang="zh-CN" b="1">
-                <a:solidFill>
-                  <a:schemeClr val="bg1"/>
-                </a:solidFill>
-              </a:rPr>
-              <a:t>2</a:t>
-            </a:r>
-            <a:endParaRPr lang="en-US" altLang="zh-CN" b="1">
-              <a:solidFill>
-                <a:schemeClr val="bg1"/>
-              </a:solidFill>
-            </a:endParaRPr>
-          </a:p>
-        </p:txBody>
-      </p:sp>
-      <p:sp>
-        <p:nvSpPr>
-          <p:cNvPr id="40" name="文本框 39"/>
-          <p:cNvSpPr txBox="1"/>
-          <p:nvPr/>
-        </p:nvSpPr>
-        <p:spPr>
-          <a:xfrm>
-            <a:off x="7087870" y="5621655"/>
-            <a:ext cx="458470" cy="368300"/>
-          </a:xfrm>
-          <a:prstGeom prst="rect">
-            <a:avLst/>
-          </a:prstGeom>
-          <a:noFill/>
-        </p:spPr>
-        <p:txBody>
-          <a:bodyPr wrap="square" rtlCol="0">
-            <a:spAutoFit/>
-          </a:bodyPr>
-          <a:p>
-            <a:pPr algn="ctr"/>
-            <a:r>
-              <a:rPr lang="en-US" altLang="zh-CN" b="1">
-                <a:solidFill>
-                  <a:schemeClr val="bg1"/>
-                </a:solidFill>
-              </a:rPr>
-              <a:t>1</a:t>
-            </a:r>
-            <a:endParaRPr lang="en-US" altLang="zh-CN" b="1">
-              <a:solidFill>
-                <a:schemeClr val="bg1"/>
-              </a:solidFill>
-            </a:endParaRPr>
-          </a:p>
-        </p:txBody>
-      </p:sp>
-      <p:sp>
-        <p:nvSpPr>
-          <p:cNvPr id="41" name="文本框 40"/>
-          <p:cNvSpPr txBox="1"/>
-          <p:nvPr/>
-        </p:nvSpPr>
-        <p:spPr>
-          <a:xfrm>
-            <a:off x="578485" y="1892935"/>
-            <a:ext cx="3662045" cy="1476375"/>
-          </a:xfrm>
-          <a:prstGeom prst="rect">
-            <a:avLst/>
-          </a:prstGeom>
-          <a:noFill/>
-        </p:spPr>
-        <p:txBody>
-          <a:bodyPr wrap="none" rtlCol="0">
-            <a:spAutoFit/>
-          </a:bodyPr>
-          <a:p>
-            <a:pPr algn="l"/>
-            <a:r>
-              <a:rPr lang="zh-CN" altLang="en-US" b="1">
-                <a:solidFill>
-                  <a:schemeClr val="bg1"/>
-                </a:solidFill>
-              </a:rPr>
-              <a:t>解法：</a:t>
-            </a:r>
-            <a:endParaRPr lang="en-US" altLang="zh-CN" b="1">
-              <a:solidFill>
-                <a:schemeClr val="bg1"/>
-              </a:solidFill>
-            </a:endParaRPr>
-          </a:p>
-          <a:p>
-            <a:pPr algn="l"/>
-            <a:r>
-              <a:rPr lang="en-US" altLang="zh-CN" b="1">
-                <a:solidFill>
-                  <a:schemeClr val="bg1"/>
-                </a:solidFill>
-              </a:rPr>
-              <a:t>1.</a:t>
-            </a:r>
-            <a:r>
-              <a:rPr lang="zh-CN" altLang="en-US" b="1">
-                <a:solidFill>
-                  <a:schemeClr val="bg1"/>
-                </a:solidFill>
-              </a:rPr>
-              <a:t>把环外节点依次合并到环内</a:t>
-            </a:r>
-            <a:endParaRPr lang="zh-CN" altLang="en-US" b="1">
-              <a:solidFill>
-                <a:schemeClr val="bg1"/>
-              </a:solidFill>
-            </a:endParaRPr>
-          </a:p>
-          <a:p>
-            <a:pPr algn="l"/>
-            <a:r>
-              <a:rPr lang="en-US" altLang="zh-CN" b="1">
-                <a:solidFill>
-                  <a:schemeClr val="bg1"/>
-                </a:solidFill>
-              </a:rPr>
-              <a:t>2.</a:t>
-            </a:r>
-            <a:r>
-              <a:rPr lang="zh-CN" altLang="en-US" b="1">
-                <a:solidFill>
-                  <a:schemeClr val="bg1"/>
-                </a:solidFill>
-              </a:rPr>
-              <a:t>快慢指针相遇的节点和</a:t>
-            </a:r>
-            <a:r>
-              <a:rPr lang="en-US" altLang="zh-CN" b="1">
-                <a:solidFill>
-                  <a:schemeClr val="bg1"/>
-                </a:solidFill>
-              </a:rPr>
-              <a:t>head</a:t>
-            </a:r>
-            <a:r>
-              <a:rPr lang="zh-CN" altLang="en-US" b="1">
-                <a:solidFill>
-                  <a:schemeClr val="bg1"/>
-                </a:solidFill>
-              </a:rPr>
-              <a:t>重叠</a:t>
-            </a:r>
-            <a:endParaRPr lang="zh-CN" altLang="en-US" b="1">
-              <a:solidFill>
-                <a:schemeClr val="bg1"/>
-              </a:solidFill>
-            </a:endParaRPr>
-          </a:p>
-          <a:p>
-            <a:pPr algn="l"/>
-            <a:r>
-              <a:rPr lang="en-US" altLang="zh-CN" b="1">
-                <a:solidFill>
-                  <a:schemeClr val="bg1"/>
-                </a:solidFill>
-              </a:rPr>
-              <a:t>3.</a:t>
-            </a:r>
-            <a:r>
-              <a:rPr lang="zh-CN" altLang="en-US" b="1">
-                <a:solidFill>
-                  <a:schemeClr val="bg1"/>
-                </a:solidFill>
-              </a:rPr>
-              <a:t>重叠节点到入环节点距离一样</a:t>
-            </a:r>
-            <a:endParaRPr lang="zh-CN" altLang="en-US" b="1">
-              <a:solidFill>
-                <a:schemeClr val="bg1"/>
-              </a:solidFill>
-            </a:endParaRPr>
-          </a:p>
-          <a:p>
-            <a:pPr algn="l"/>
-            <a:endParaRPr lang="zh-CN" altLang="en-US" b="1">
-              <a:solidFill>
-                <a:schemeClr val="bg1"/>
-              </a:solidFill>
-            </a:endParaRPr>
-          </a:p>
-        </p:txBody>
-      </p:sp>
-      <p:sp>
-        <p:nvSpPr>
-          <p:cNvPr id="48" name="文本框 47"/>
-          <p:cNvSpPr txBox="1"/>
-          <p:nvPr/>
-        </p:nvSpPr>
-        <p:spPr>
-          <a:xfrm>
-            <a:off x="578485" y="4893310"/>
-            <a:ext cx="5455285" cy="1198880"/>
-          </a:xfrm>
-          <a:prstGeom prst="rect">
-            <a:avLst/>
-          </a:prstGeom>
-          <a:noFill/>
-        </p:spPr>
-        <p:txBody>
-          <a:bodyPr wrap="none" rtlCol="0">
-            <a:spAutoFit/>
-          </a:bodyPr>
-          <a:p>
-            <a:pPr algn="l"/>
-            <a:r>
-              <a:rPr lang="zh-CN" altLang="en-US" b="1">
-                <a:solidFill>
-                  <a:schemeClr val="bg1"/>
-                </a:solidFill>
-              </a:rPr>
-              <a:t>因为在一个环内，快指针速度是慢指针的</a:t>
-            </a:r>
-            <a:r>
-              <a:rPr lang="en-US" altLang="zh-CN" b="1">
-                <a:solidFill>
-                  <a:schemeClr val="bg1"/>
-                </a:solidFill>
-              </a:rPr>
-              <a:t>1</a:t>
-            </a:r>
-            <a:r>
-              <a:rPr lang="zh-CN" altLang="en-US" b="1">
-                <a:solidFill>
-                  <a:schemeClr val="bg1"/>
-                </a:solidFill>
-              </a:rPr>
-              <a:t>倍，</a:t>
-            </a:r>
-            <a:endParaRPr lang="zh-CN" altLang="en-US" b="1">
-              <a:solidFill>
-                <a:schemeClr val="bg1"/>
-              </a:solidFill>
-            </a:endParaRPr>
-          </a:p>
-          <a:p>
-            <a:pPr algn="l"/>
-            <a:r>
-              <a:rPr lang="zh-CN" altLang="en-US" b="1">
-                <a:solidFill>
-                  <a:schemeClr val="bg1"/>
-                </a:solidFill>
-              </a:rPr>
-              <a:t>那么两个指针相遇的节点有且只有一个，就是起点。</a:t>
-            </a:r>
-            <a:endParaRPr lang="zh-CN" altLang="en-US" b="1">
-              <a:solidFill>
-                <a:schemeClr val="bg1"/>
-              </a:solidFill>
-            </a:endParaRPr>
-          </a:p>
-          <a:p>
-            <a:pPr algn="l"/>
-            <a:endParaRPr lang="zh-CN" altLang="en-US" b="1">
-              <a:solidFill>
-                <a:schemeClr val="bg1"/>
-              </a:solidFill>
-            </a:endParaRPr>
-          </a:p>
-          <a:p>
-            <a:pPr algn="l"/>
-            <a:r>
-              <a:rPr lang="zh-CN" altLang="en-US" b="1">
-                <a:solidFill>
-                  <a:schemeClr val="bg1"/>
-                </a:solidFill>
-                <a:sym typeface="+mn-ea"/>
-              </a:rPr>
-              <a:t>所以环的</a:t>
-            </a:r>
-            <a:r>
-              <a:rPr lang="en-US" altLang="zh-CN" b="1">
-                <a:solidFill>
-                  <a:schemeClr val="bg1"/>
-                </a:solidFill>
-                <a:sym typeface="+mn-ea"/>
-              </a:rPr>
-              <a:t>head</a:t>
-            </a:r>
-            <a:r>
-              <a:rPr lang="zh-CN" altLang="en-US" b="1">
-                <a:solidFill>
-                  <a:schemeClr val="bg1"/>
-                </a:solidFill>
-                <a:sym typeface="+mn-ea"/>
-              </a:rPr>
-              <a:t>和快慢指针相遇节点位置相同</a:t>
-            </a:r>
-            <a:endParaRPr lang="zh-CN" altLang="en-US" b="1">
-              <a:solidFill>
-                <a:schemeClr val="bg1"/>
-              </a:solidFill>
-            </a:endParaRPr>
-          </a:p>
-        </p:txBody>
-      </p:sp>
-    </p:spTree>
-  </p:cSld>
-  <p:clrMapOvr>
-    <a:masterClrMapping/>
-  </p:clrMapOvr>
-  <p:timing>
-    <p:tnLst>
-      <p:par>
-        <p:cTn id="1" dur="indefinite" restart="never" nodeType="tmRoot">
-          <p:childTnLst>
-            <p:seq concurrent="1" nextAc="seek">
-              <p:cTn id="2" dur="indefinite" nodeType="mainSeq">
-                <p:childTnLst>
-                  <p:par>
-                    <p:cTn id="3" fill="hold">
-                      <p:stCondLst>
-                        <p:cond delay="indefinite"/>
-                      </p:stCondLst>
-                      <p:childTnLst>
-                        <p:par>
-                          <p:cTn id="4" fill="hold">
-                            <p:stCondLst>
-                              <p:cond delay="0"/>
-                            </p:stCondLst>
-                            <p:childTnLst>
-                              <p:par>
-                                <p:cTn id="5" presetID="49" presetClass="path" presetSubtype="0" accel="50000" decel="50000" fill="hold" grpId="0" nodeType="clickEffect">
-                                  <p:stCondLst>
-                                    <p:cond delay="0"/>
-                                  </p:stCondLst>
-                                  <p:childTnLst>
-                                    <p:animMotion origin="layout" path="M -0.005052 -0.001944 L 0.095417 0.218519 " pathEditMode="relative" rAng="0" ptsTypes="">
-                                      <p:cBhvr>
-                                        <p:cTn id="6" dur="2000" fill="hold"/>
-                                        <p:tgtEl>
-                                          <p:spTgt spid="4"/>
-                                        </p:tgtEl>
-                                        <p:attrNameLst>
-                                          <p:attrName>ppt_x</p:attrName>
-                                          <p:attrName>ppt_y</p:attrName>
-                                        </p:attrNameLst>
-                                      </p:cBhvr>
-                                      <p:rCtr x="56" y="116"/>
-                                    </p:animMotion>
-                                  </p:childTnLst>
-                                </p:cTn>
-                              </p:par>
-                            </p:childTnLst>
-                          </p:cTn>
-                        </p:par>
-                        <p:par>
-                          <p:cTn id="7" fill="hold">
-                            <p:stCondLst>
-                              <p:cond delay="2000"/>
-                            </p:stCondLst>
-                            <p:childTnLst>
-                              <p:par>
-                                <p:cTn id="8" presetID="10" presetClass="exit" presetSubtype="0" fill="hold" nodeType="afterEffect">
-                                  <p:stCondLst>
-                                    <p:cond delay="0"/>
-                                  </p:stCondLst>
-                                  <p:childTnLst>
-                                    <p:animEffect transition="out" filter="fade">
-                                      <p:cBhvr>
-                                        <p:cTn id="9" dur="500"/>
-                                        <p:tgtEl>
-                                          <p:spTgt spid="16"/>
-                                        </p:tgtEl>
-                                      </p:cBhvr>
-                                    </p:animEffect>
-                                    <p:set>
-                                      <p:cBhvr>
-                                        <p:cTn id="10" dur="1" fill="hold">
-                                          <p:stCondLst>
-                                            <p:cond delay="499"/>
-                                          </p:stCondLst>
-                                        </p:cTn>
-                                        <p:tgtEl>
-                                          <p:spTgt spid="16"/>
-                                        </p:tgtEl>
-                                        <p:attrNameLst>
-                                          <p:attrName>style.visibility</p:attrName>
-                                        </p:attrNameLst>
-                                      </p:cBhvr>
-                                      <p:to>
-                                        <p:strVal val="hidden"/>
-                                      </p:to>
-                                    </p:set>
-                                  </p:childTnLst>
-                                </p:cTn>
-                              </p:par>
-                            </p:childTnLst>
-                          </p:cTn>
-                        </p:par>
-                        <p:par>
-                          <p:cTn id="11" fill="hold">
-                            <p:stCondLst>
-                              <p:cond delay="2500"/>
-                            </p:stCondLst>
-                            <p:childTnLst>
-                              <p:par>
-                                <p:cTn id="12" presetID="10" presetClass="exit" presetSubtype="0" fill="hold" nodeType="afterEffect">
-                                  <p:stCondLst>
-                                    <p:cond delay="0"/>
-                                  </p:stCondLst>
-                                  <p:childTnLst>
-                                    <p:animEffect transition="out" filter="fade">
-                                      <p:cBhvr>
-                                        <p:cTn id="13" dur="500"/>
-                                        <p:tgtEl>
-                                          <p:spTgt spid="37"/>
-                                        </p:tgtEl>
-                                      </p:cBhvr>
-                                    </p:animEffect>
-                                    <p:set>
-                                      <p:cBhvr>
-                                        <p:cTn id="14" dur="1" fill="hold">
-                                          <p:stCondLst>
-                                            <p:cond delay="499"/>
-                                          </p:stCondLst>
-                                        </p:cTn>
-                                        <p:tgtEl>
-                                          <p:spTgt spid="37"/>
-                                        </p:tgtEl>
-                                        <p:attrNameLst>
-                                          <p:attrName>style.visibility</p:attrName>
-                                        </p:attrNameLst>
-                                      </p:cBhvr>
-                                      <p:to>
-                                        <p:strVal val="hidden"/>
-                                      </p:to>
-                                    </p:set>
-                                  </p:childTnLst>
-                                </p:cTn>
-                              </p:par>
-                            </p:childTnLst>
-                          </p:cTn>
-                        </p:par>
-                        <p:par>
-                          <p:cTn id="15" fill="hold">
-                            <p:stCondLst>
-                              <p:cond delay="3000"/>
-                            </p:stCondLst>
-                            <p:childTnLst>
-                              <p:par>
-                                <p:cTn id="16" presetID="10" presetClass="exit" presetSubtype="0" fill="hold" grpId="0" nodeType="afterEffect">
-                                  <p:stCondLst>
-                                    <p:cond delay="0"/>
-                                  </p:stCondLst>
-                                  <p:childTnLst>
-                                    <p:animEffect transition="out" filter="fade">
-                                      <p:cBhvr>
-                                        <p:cTn id="17" dur="500"/>
-                                        <p:tgtEl>
-                                          <p:spTgt spid="32"/>
-                                        </p:tgtEl>
-                                      </p:cBhvr>
-                                    </p:animEffect>
-                                    <p:set>
-                                      <p:cBhvr>
-                                        <p:cTn id="18" dur="1" fill="hold">
-                                          <p:stCondLst>
-                                            <p:cond delay="499"/>
-                                          </p:stCondLst>
-                                        </p:cTn>
-                                        <p:tgtEl>
-                                          <p:spTgt spid="32"/>
-                                        </p:tgtEl>
-                                        <p:attrNameLst>
-                                          <p:attrName>style.visibility</p:attrName>
-                                        </p:attrNameLst>
-                                      </p:cBhvr>
-                                      <p:to>
-                                        <p:strVal val="hidden"/>
-                                      </p:to>
-                                    </p:set>
-                                  </p:childTnLst>
-                                </p:cTn>
-                              </p:par>
-                            </p:childTnLst>
-                          </p:cTn>
-                        </p:par>
-                        <p:par>
-                          <p:cTn id="19" fill="hold">
-                            <p:stCondLst>
-                              <p:cond delay="3500"/>
-                            </p:stCondLst>
-                            <p:childTnLst>
-                              <p:par>
-                                <p:cTn id="20" presetID="10" presetClass="entr" presetSubtype="0" fill="hold" nodeType="afterEffect">
-                                  <p:stCondLst>
-                                    <p:cond delay="0"/>
-                                  </p:stCondLst>
-                                  <p:childTnLst>
-                                    <p:set>
-                                      <p:cBhvr>
-                                        <p:cTn id="21" dur="1" fill="hold">
-                                          <p:stCondLst>
-                                            <p:cond delay="0"/>
-                                          </p:stCondLst>
-                                        </p:cTn>
-                                        <p:tgtEl>
-                                          <p:spTgt spid="8"/>
-                                        </p:tgtEl>
-                                        <p:attrNameLst>
-                                          <p:attrName>style.visibility</p:attrName>
-                                        </p:attrNameLst>
-                                      </p:cBhvr>
-                                      <p:to>
-                                        <p:strVal val="visible"/>
-                                      </p:to>
-                                    </p:set>
-                                    <p:animEffect transition="in" filter="fade">
-                                      <p:cBhvr>
-                                        <p:cTn id="22" dur="500"/>
-                                        <p:tgtEl>
-                                          <p:spTgt spid="8"/>
-                                        </p:tgtEl>
-                                      </p:cBhvr>
-                                    </p:animEffect>
-                                  </p:childTnLst>
-                                </p:cTn>
-                              </p:par>
-                            </p:childTnLst>
-                          </p:cTn>
-                        </p:par>
-                        <p:par>
-                          <p:cTn id="23" fill="hold">
-                            <p:stCondLst>
-                              <p:cond delay="4000"/>
-                            </p:stCondLst>
-                            <p:childTnLst>
-                              <p:par>
-                                <p:cTn id="24" presetID="10" presetClass="entr" presetSubtype="0" fill="hold" grpId="0" nodeType="afterEffect">
-                                  <p:stCondLst>
-                                    <p:cond delay="0"/>
-                                  </p:stCondLst>
-                                  <p:childTnLst>
-                                    <p:set>
-                                      <p:cBhvr>
-                                        <p:cTn id="25" dur="1" fill="hold">
-                                          <p:stCondLst>
-                                            <p:cond delay="0"/>
-                                          </p:stCondLst>
-                                        </p:cTn>
-                                        <p:tgtEl>
-                                          <p:spTgt spid="36"/>
-                                        </p:tgtEl>
-                                        <p:attrNameLst>
-                                          <p:attrName>style.visibility</p:attrName>
-                                        </p:attrNameLst>
-                                      </p:cBhvr>
-                                      <p:to>
-                                        <p:strVal val="visible"/>
-                                      </p:to>
-                                    </p:set>
-                                    <p:animEffect transition="in" filter="fade">
-                                      <p:cBhvr>
-                                        <p:cTn id="26" dur="500"/>
-                                        <p:tgtEl>
-                                          <p:spTgt spid="36"/>
-                                        </p:tgtEl>
-                                      </p:cBhvr>
-                                    </p:animEffect>
-                                  </p:childTnLst>
-                                </p:cTn>
-                              </p:par>
-                            </p:childTnLst>
-                          </p:cTn>
-                        </p:par>
-                      </p:childTnLst>
-                    </p:cTn>
-                  </p:par>
-                  <p:par>
-                    <p:cTn id="27" fill="hold">
-                      <p:stCondLst>
-                        <p:cond delay="indefinite"/>
-                      </p:stCondLst>
-                      <p:childTnLst>
-                        <p:par>
-                          <p:cTn id="28" fill="hold">
-                            <p:stCondLst>
-                              <p:cond delay="0"/>
-                            </p:stCondLst>
-                            <p:childTnLst>
-                              <p:par>
-                                <p:cTn id="29" presetID="49" presetClass="path" presetSubtype="0" accel="50000" decel="50000" fill="hold" grpId="0" nodeType="clickEffect">
-                                  <p:stCondLst>
-                                    <p:cond delay="0"/>
-                                  </p:stCondLst>
-                                  <p:childTnLst>
-                                    <p:animMotion origin="layout" path="M 0.006823 0.075278 L 0.341458 0.376019 " pathEditMode="relative" rAng="0" ptsTypes="">
-                                      <p:cBhvr>
-                                        <p:cTn id="30" dur="2000" fill="hold"/>
-                                        <p:tgtEl>
-                                          <p:spTgt spid="2"/>
-                                        </p:tgtEl>
-                                        <p:attrNameLst>
-                                          <p:attrName>ppt_x</p:attrName>
-                                          <p:attrName>ppt_y</p:attrName>
-                                        </p:attrNameLst>
-                                      </p:cBhvr>
-                                      <p:rCtr x="170" y="156"/>
-                                    </p:animMotion>
-                                  </p:childTnLst>
-                                </p:cTn>
-                              </p:par>
-                            </p:childTnLst>
-                          </p:cTn>
-                        </p:par>
-                        <p:par>
-                          <p:cTn id="31" fill="hold">
-                            <p:stCondLst>
-                              <p:cond delay="2000"/>
-                            </p:stCondLst>
-                            <p:childTnLst>
-                              <p:par>
-                                <p:cTn id="32" presetID="10" presetClass="exit" presetSubtype="0" fill="hold" nodeType="afterEffect">
-                                  <p:stCondLst>
-                                    <p:cond delay="0"/>
-                                  </p:stCondLst>
-                                  <p:childTnLst>
-                                    <p:animEffect transition="out" filter="fade">
-                                      <p:cBhvr>
-                                        <p:cTn id="33" dur="500"/>
-                                        <p:tgtEl>
-                                          <p:spTgt spid="27"/>
-                                        </p:tgtEl>
-                                      </p:cBhvr>
-                                    </p:animEffect>
-                                    <p:set>
-                                      <p:cBhvr>
-                                        <p:cTn id="34" dur="1" fill="hold">
-                                          <p:stCondLst>
-                                            <p:cond delay="499"/>
-                                          </p:stCondLst>
-                                        </p:cTn>
-                                        <p:tgtEl>
-                                          <p:spTgt spid="27"/>
-                                        </p:tgtEl>
-                                        <p:attrNameLst>
-                                          <p:attrName>style.visibility</p:attrName>
-                                        </p:attrNameLst>
-                                      </p:cBhvr>
-                                      <p:to>
-                                        <p:strVal val="hidden"/>
-                                      </p:to>
-                                    </p:set>
-                                  </p:childTnLst>
-                                </p:cTn>
-                              </p:par>
-                            </p:childTnLst>
-                          </p:cTn>
-                        </p:par>
-                        <p:par>
-                          <p:cTn id="35" fill="hold">
-                            <p:stCondLst>
-                              <p:cond delay="2500"/>
-                            </p:stCondLst>
-                            <p:childTnLst>
-                              <p:par>
-                                <p:cTn id="36" presetID="10" presetClass="exit" presetSubtype="0" fill="hold" nodeType="afterEffect">
-                                  <p:stCondLst>
-                                    <p:cond delay="0"/>
-                                  </p:stCondLst>
-                                  <p:childTnLst>
-                                    <p:animEffect transition="out" filter="fade">
-                                      <p:cBhvr>
-                                        <p:cTn id="37" dur="500"/>
-                                        <p:tgtEl>
-                                          <p:spTgt spid="15"/>
-                                        </p:tgtEl>
-                                      </p:cBhvr>
-                                    </p:animEffect>
-                                    <p:set>
-                                      <p:cBhvr>
-                                        <p:cTn id="38" dur="1" fill="hold">
-                                          <p:stCondLst>
-                                            <p:cond delay="499"/>
-                                          </p:stCondLst>
-                                        </p:cTn>
-                                        <p:tgtEl>
-                                          <p:spTgt spid="15"/>
-                                        </p:tgtEl>
-                                        <p:attrNameLst>
-                                          <p:attrName>style.visibility</p:attrName>
-                                        </p:attrNameLst>
-                                      </p:cBhvr>
-                                      <p:to>
-                                        <p:strVal val="hidden"/>
-                                      </p:to>
-                                    </p:set>
-                                  </p:childTnLst>
-                                </p:cTn>
-                              </p:par>
-                            </p:childTnLst>
-                          </p:cTn>
-                        </p:par>
-                        <p:par>
-                          <p:cTn id="39" fill="hold">
-                            <p:stCondLst>
-                              <p:cond delay="3000"/>
-                            </p:stCondLst>
-                            <p:childTnLst>
-                              <p:par>
-                                <p:cTn id="40" presetID="10" presetClass="exit" presetSubtype="0" fill="hold" nodeType="afterEffect">
-                                  <p:stCondLst>
-                                    <p:cond delay="0"/>
-                                  </p:stCondLst>
-                                  <p:childTnLst>
-                                    <p:animEffect transition="out" filter="fade">
-                                      <p:cBhvr>
-                                        <p:cTn id="41" dur="500"/>
-                                        <p:tgtEl>
-                                          <p:spTgt spid="34"/>
-                                        </p:tgtEl>
-                                      </p:cBhvr>
-                                    </p:animEffect>
-                                    <p:set>
-                                      <p:cBhvr>
-                                        <p:cTn id="42" dur="1" fill="hold">
-                                          <p:stCondLst>
-                                            <p:cond delay="499"/>
-                                          </p:stCondLst>
-                                        </p:cTn>
-                                        <p:tgtEl>
-                                          <p:spTgt spid="34"/>
-                                        </p:tgtEl>
-                                        <p:attrNameLst>
-                                          <p:attrName>style.visibility</p:attrName>
-                                        </p:attrNameLst>
-                                      </p:cBhvr>
-                                      <p:to>
-                                        <p:strVal val="hidden"/>
-                                      </p:to>
-                                    </p:set>
-                                  </p:childTnLst>
-                                </p:cTn>
-                              </p:par>
-                            </p:childTnLst>
-                          </p:cTn>
-                        </p:par>
-                        <p:par>
-                          <p:cTn id="43" fill="hold">
-                            <p:stCondLst>
-                              <p:cond delay="3500"/>
-                            </p:stCondLst>
-                            <p:childTnLst>
-                              <p:par>
-                                <p:cTn id="44" presetID="10" presetClass="exit" presetSubtype="0" fill="hold" grpId="0" nodeType="afterEffect">
-                                  <p:stCondLst>
-                                    <p:cond delay="0"/>
-                                  </p:stCondLst>
-                                  <p:childTnLst>
-                                    <p:animEffect transition="out" filter="fade">
-                                      <p:cBhvr>
-                                        <p:cTn id="45" dur="500"/>
-                                        <p:tgtEl>
-                                          <p:spTgt spid="24"/>
-                                        </p:tgtEl>
-                                      </p:cBhvr>
-                                    </p:animEffect>
-                                    <p:set>
-                                      <p:cBhvr>
-                                        <p:cTn id="46" dur="1" fill="hold">
-                                          <p:stCondLst>
-                                            <p:cond delay="499"/>
-                                          </p:stCondLst>
-                                        </p:cTn>
-                                        <p:tgtEl>
-                                          <p:spTgt spid="24"/>
-                                        </p:tgtEl>
-                                        <p:attrNameLst>
-                                          <p:attrName>style.visibility</p:attrName>
-                                        </p:attrNameLst>
-                                      </p:cBhvr>
-                                      <p:to>
-                                        <p:strVal val="hidden"/>
-                                      </p:to>
-                                    </p:set>
-                                  </p:childTnLst>
-                                </p:cTn>
-                              </p:par>
-                            </p:childTnLst>
-                          </p:cTn>
-                        </p:par>
-                        <p:par>
-                          <p:cTn id="47" fill="hold">
-                            <p:stCondLst>
-                              <p:cond delay="4000"/>
-                            </p:stCondLst>
-                            <p:childTnLst>
-                              <p:par>
-                                <p:cTn id="48" presetID="10" presetClass="entr" presetSubtype="0" fill="hold" nodeType="afterEffect">
-                                  <p:stCondLst>
-                                    <p:cond delay="0"/>
-                                  </p:stCondLst>
-                                  <p:childTnLst>
-                                    <p:set>
-                                      <p:cBhvr>
-                                        <p:cTn id="49" dur="1" fill="hold">
-                                          <p:stCondLst>
-                                            <p:cond delay="0"/>
-                                          </p:stCondLst>
-                                        </p:cTn>
-                                        <p:tgtEl>
-                                          <p:spTgt spid="13"/>
-                                        </p:tgtEl>
-                                        <p:attrNameLst>
-                                          <p:attrName>style.visibility</p:attrName>
-                                        </p:attrNameLst>
-                                      </p:cBhvr>
-                                      <p:to>
-                                        <p:strVal val="visible"/>
-                                      </p:to>
-                                    </p:set>
-                                    <p:animEffect transition="in" filter="fade">
-                                      <p:cBhvr>
-                                        <p:cTn id="50" dur="500"/>
-                                        <p:tgtEl>
-                                          <p:spTgt spid="13"/>
-                                        </p:tgtEl>
-                                      </p:cBhvr>
-                                    </p:animEffect>
-                                  </p:childTnLst>
-                                </p:cTn>
-                              </p:par>
-                            </p:childTnLst>
-                          </p:cTn>
-                        </p:par>
-                        <p:par>
-                          <p:cTn id="51" fill="hold">
-                            <p:stCondLst>
-                              <p:cond delay="4500"/>
-                            </p:stCondLst>
-                            <p:childTnLst>
-                              <p:par>
-                                <p:cTn id="52" presetID="10" presetClass="entr" presetSubtype="0" fill="hold" nodeType="afterEffect">
-                                  <p:stCondLst>
-                                    <p:cond delay="0"/>
-                                  </p:stCondLst>
-                                  <p:childTnLst>
-                                    <p:set>
-                                      <p:cBhvr>
-                                        <p:cTn id="53" dur="1" fill="hold">
-                                          <p:stCondLst>
-                                            <p:cond delay="0"/>
-                                          </p:stCondLst>
-                                        </p:cTn>
-                                        <p:tgtEl>
-                                          <p:spTgt spid="6"/>
-                                        </p:tgtEl>
-                                        <p:attrNameLst>
-                                          <p:attrName>style.visibility</p:attrName>
-                                        </p:attrNameLst>
-                                      </p:cBhvr>
-                                      <p:to>
-                                        <p:strVal val="visible"/>
-                                      </p:to>
-                                    </p:set>
-                                    <p:animEffect transition="in" filter="fade">
-                                      <p:cBhvr>
-                                        <p:cTn id="54" dur="500"/>
-                                        <p:tgtEl>
-                                          <p:spTgt spid="6"/>
-                                        </p:tgtEl>
-                                      </p:cBhvr>
-                                    </p:animEffect>
-                                  </p:childTnLst>
-                                </p:cTn>
-                              </p:par>
-                            </p:childTnLst>
-                          </p:cTn>
-                        </p:par>
-                        <p:par>
-                          <p:cTn id="55" fill="hold">
-                            <p:stCondLst>
-                              <p:cond delay="5000"/>
-                            </p:stCondLst>
-                            <p:childTnLst>
-                              <p:par>
-                                <p:cTn id="56" presetID="10" presetClass="entr" presetSubtype="0" fill="hold" grpId="0" nodeType="afterEffect">
-                                  <p:stCondLst>
-                                    <p:cond delay="0"/>
-                                  </p:stCondLst>
-                                  <p:childTnLst>
-                                    <p:set>
-                                      <p:cBhvr>
-                                        <p:cTn id="57" dur="1" fill="hold">
-                                          <p:stCondLst>
-                                            <p:cond delay="0"/>
-                                          </p:stCondLst>
-                                        </p:cTn>
-                                        <p:tgtEl>
-                                          <p:spTgt spid="40"/>
-                                        </p:tgtEl>
-                                        <p:attrNameLst>
-                                          <p:attrName>style.visibility</p:attrName>
-                                        </p:attrNameLst>
-                                      </p:cBhvr>
-                                      <p:to>
-                                        <p:strVal val="visible"/>
-                                      </p:to>
-                                    </p:set>
-                                    <p:animEffect transition="in" filter="fade">
-                                      <p:cBhvr>
-                                        <p:cTn id="58" dur="500"/>
-                                        <p:tgtEl>
-                                          <p:spTgt spid="40"/>
-                                        </p:tgtEl>
-                                      </p:cBhvr>
-                                    </p:animEffect>
-                                  </p:childTnLst>
-                                </p:cTn>
-                              </p:par>
-                            </p:childTnLst>
-                          </p:cTn>
-                        </p:par>
-                      </p:childTnLst>
-                    </p:cTn>
-                  </p:par>
-                </p:childTnLst>
-              </p:cTn>
-              <p:prevCondLst>
-                <p:cond evt="onPrev" delay="0">
-                  <p:tgtEl>
-                    <p:sldTgt/>
-                  </p:tgtEl>
-                </p:cond>
-              </p:prevCondLst>
-              <p:nextCondLst>
-                <p:cond evt="onNext" delay="0">
-                  <p:tgtEl>
-                    <p:sldTgt/>
-                  </p:tgtEl>
-                </p:cond>
-              </p:nextCondLst>
-            </p:seq>
-          </p:childTnLst>
-        </p:cTn>
-      </p:par>
-    </p:tnLst>
-    <p:bldLst>
-      <p:bldP spid="4" grpId="0" bldLvl="0" animBg="1"/>
-      <p:bldP spid="2" grpId="0" bldLvl="0" animBg="1"/>
-      <p:bldP spid="40" grpId="0"/>
-      <p:bldP spid="36" grpId="0"/>
-      <p:bldP spid="24" grpId="0"/>
-      <p:bldP spid="32" grpId="0"/>
     </p:bldLst>
   </p:timing>
 </p:sld>
